--- a/05-06 人造天体运动方程与二体问题积分.pptx
+++ b/05-06 人造天体运动方程与二体问题积分.pptx
@@ -5,7 +5,7 @@
     <p:sldMasterId id="2147483648" r:id="rId1"/>
   </p:sldMasterIdLst>
   <p:notesMasterIdLst>
-    <p:notesMasterId r:id="rId29"/>
+    <p:notesMasterId r:id="rId28"/>
   </p:notesMasterIdLst>
   <p:sldIdLst>
     <p:sldId id="287" r:id="rId2"/>
@@ -32,9 +32,8 @@
     <p:sldId id="308" r:id="rId23"/>
     <p:sldId id="340" r:id="rId24"/>
     <p:sldId id="341" r:id="rId25"/>
-    <p:sldId id="319" r:id="rId26"/>
-    <p:sldId id="320" r:id="rId27"/>
-    <p:sldId id="307" r:id="rId28"/>
+    <p:sldId id="320" r:id="rId26"/>
+    <p:sldId id="307" r:id="rId27"/>
   </p:sldIdLst>
   <p:sldSz cx="12192000" cy="6858000"/>
   <p:notesSz cx="6858000" cy="9144000"/>
@@ -244,7 +243,7 @@
           <a:p>
             <a:fld id="{26DDD1A4-63E9-4C41-BD0C-A6576214358F}" type="datetimeFigureOut">
               <a:rPr kumimoji="1" lang="zh-CN" altLang="en-US" smtClean="0"/>
-              <a:t>2023/7/21</a:t>
+              <a:t>2023/7/25</a:t>
             </a:fld>
             <a:endParaRPr kumimoji="1" lang="zh-CN" altLang="en-US"/>
           </a:p>
@@ -838,7 +837,7 @@
           <a:p>
             <a:fld id="{8664C608-40B1-4030-A28D-5B74BC98ADCE}" type="datetimeFigureOut">
               <a:rPr lang="en-US" smtClean="0"/>
-              <a:t>7/21/2023</a:t>
+              <a:t>7/25/2023</a:t>
             </a:fld>
             <a:endParaRPr lang="en-US" dirty="0"/>
           </a:p>
@@ -1678,7 +1677,7 @@
         <p:spPr>
           <a:xfrm>
             <a:off x="3003414" y="4516087"/>
-            <a:ext cx="5626779" cy="1307537"/>
+            <a:ext cx="6934406" cy="1308628"/>
           </a:xfrm>
           <a:prstGeom prst="rect">
             <a:avLst/>
@@ -1731,7 +1730,7 @@
               <a:t>第 </a:t>
             </a:r>
             <a:r>
-              <a:rPr lang="en-US" altLang="zh-CN" sz="2800" b="1">
+              <a:rPr lang="en-US" altLang="zh-CN" sz="2800" b="1" dirty="0">
                 <a:latin typeface="Times New Roman" panose="02020603050405020304" pitchFamily="18" charset="0"/>
                 <a:ea typeface="微软雅黑" panose="020B0503020204020204" pitchFamily="34" charset="-122"/>
                 <a:cs typeface="Times New Roman" panose="02020603050405020304" pitchFamily="18" charset="0"/>
@@ -1739,18 +1738,21 @@
               <a:t>2.1~2.3 </a:t>
             </a:r>
             <a:r>
-              <a:rPr lang="zh-CN" altLang="en-US" sz="2800" b="1">
+              <a:rPr lang="zh-CN" altLang="en-US" sz="2800" b="1" dirty="0">
                 <a:latin typeface="Times New Roman" panose="02020603050405020304" pitchFamily="18" charset="0"/>
                 <a:ea typeface="微软雅黑" panose="020B0503020204020204" pitchFamily="34" charset="-122"/>
                 <a:cs typeface="Times New Roman" panose="02020603050405020304" pitchFamily="18" charset="0"/>
               </a:rPr>
-              <a:t>节</a:t>
-            </a:r>
-            <a:endParaRPr lang="en-US" altLang="zh-CN" sz="2800" b="1" dirty="0">
-              <a:latin typeface="Times New Roman" panose="02020603050405020304" pitchFamily="18" charset="0"/>
-              <a:ea typeface="微软雅黑" panose="020B0503020204020204" pitchFamily="34" charset="-122"/>
-              <a:cs typeface="Times New Roman" panose="02020603050405020304" pitchFamily="18" charset="0"/>
-            </a:endParaRPr>
+              <a:t>节，附录</a:t>
+            </a:r>
+            <a:r>
+              <a:rPr lang="en-US" altLang="zh-CN" sz="2800" b="1" dirty="0">
+                <a:latin typeface="Times New Roman" panose="02020603050405020304" pitchFamily="18" charset="0"/>
+                <a:ea typeface="微软雅黑" panose="020B0503020204020204" pitchFamily="34" charset="-122"/>
+                <a:cs typeface="Times New Roman" panose="02020603050405020304" pitchFamily="18" charset="0"/>
+              </a:rPr>
+              <a:t>B</a:t>
+            </a:r>
           </a:p>
           <a:p>
             <a:pPr fontAlgn="auto">
@@ -12326,7 +12328,7 @@
           <p:nvPr>
             <p:extLst>
               <p:ext uri="{D42A27DB-BD31-4B8C-83A1-F6EECF244321}">
-                <p14:modId xmlns:p14="http://schemas.microsoft.com/office/powerpoint/2010/main" val="2255570401"/>
+                <p14:modId xmlns:p14="http://schemas.microsoft.com/office/powerpoint/2010/main" val="3416667275"/>
               </p:ext>
             </p:extLst>
           </p:nvPr>
@@ -12516,7 +12518,7 @@
           <p:nvPr>
             <p:extLst>
               <p:ext uri="{D42A27DB-BD31-4B8C-83A1-F6EECF244321}">
-                <p14:modId xmlns:p14="http://schemas.microsoft.com/office/powerpoint/2010/main" val="4006848097"/>
+                <p14:modId xmlns:p14="http://schemas.microsoft.com/office/powerpoint/2010/main" val="36498874"/>
               </p:ext>
             </p:extLst>
           </p:nvPr>
@@ -13090,7 +13092,7 @@
         </p:blipFill>
         <p:spPr>
           <a:xfrm>
-            <a:off x="2630099" y="5747485"/>
+            <a:off x="2928312" y="4685329"/>
             <a:ext cx="571360" cy="571360"/>
           </a:xfrm>
           <a:prstGeom prst="rect">
@@ -13200,8 +13202,8 @@
         </p:nvSpPr>
         <p:spPr>
           <a:xfrm>
-            <a:off x="6288009" y="819793"/>
-            <a:ext cx="5465206" cy="5833200"/>
+            <a:off x="6636601" y="1021439"/>
+            <a:ext cx="4987387" cy="5116081"/>
           </a:xfrm>
           <a:prstGeom prst="rect">
             <a:avLst/>
@@ -13225,15 +13227,17 @@
             </a:pPr>
             <a:r>
               <a:rPr lang="zh-CN" altLang="en-US" sz="2800" b="1" dirty="0">
-                <a:latin typeface="微软雅黑" panose="020B0503020204020204" pitchFamily="34" charset="-122"/>
-                <a:ea typeface="微软雅黑" panose="020B0503020204020204" pitchFamily="34" charset="-122"/>
+                <a:latin typeface="Times New Roman" panose="02020603050405020304" pitchFamily="18" charset="0"/>
+                <a:ea typeface="微软雅黑" panose="020B0503020204020204" pitchFamily="34" charset="-122"/>
+                <a:cs typeface="Times New Roman" panose="02020603050405020304" pitchFamily="18" charset="0"/>
                 <a:sym typeface="+mn-ea"/>
               </a:rPr>
-              <a:t>几个问题：</a:t>
+              <a:t>误差：</a:t>
             </a:r>
             <a:endParaRPr lang="en-US" altLang="zh-CN" sz="2800" b="1" dirty="0">
-              <a:latin typeface="微软雅黑" panose="020B0503020204020204" pitchFamily="34" charset="-122"/>
+              <a:latin typeface="Times New Roman" panose="02020603050405020304" pitchFamily="18" charset="0"/>
               <a:ea typeface="微软雅黑" panose="020B0503020204020204" pitchFamily="34" charset="-122"/>
+              <a:cs typeface="Times New Roman" panose="02020603050405020304" pitchFamily="18" charset="0"/>
               <a:sym typeface="+mn-ea"/>
             </a:endParaRPr>
           </a:p>
@@ -13242,26 +13246,28 @@
               <a:lnSpc>
                 <a:spcPct val="150000"/>
               </a:lnSpc>
-              <a:buFont typeface="Wingdings" panose="05000000000000000000" pitchFamily="2" charset="2"/>
-              <a:buChar char="Ø"/>
+              <a:buFont typeface="Arial" panose="020B0604020202020204" pitchFamily="34" charset="0"/>
+              <a:buChar char="•"/>
             </a:pPr>
             <a:r>
               <a:rPr lang="zh-CN" altLang="en-US" sz="2400" b="1" dirty="0">
                 <a:solidFill>
                   <a:schemeClr val="tx1"/>
                 </a:solidFill>
-                <a:latin typeface="微软雅黑" panose="020B0503020204020204" pitchFamily="34" charset="-122"/>
-                <a:ea typeface="微软雅黑" panose="020B0503020204020204" pitchFamily="34" charset="-122"/>
+                <a:latin typeface="Times New Roman" panose="02020603050405020304" pitchFamily="18" charset="0"/>
+                <a:ea typeface="微软雅黑" panose="020B0503020204020204" pitchFamily="34" charset="-122"/>
+                <a:cs typeface="Times New Roman" panose="02020603050405020304" pitchFamily="18" charset="0"/>
                 <a:sym typeface="+mn-ea"/>
               </a:rPr>
-              <a:t>误差</a:t>
+              <a:t>截断误差</a:t>
             </a:r>
             <a:endParaRPr lang="en-US" altLang="zh-CN" sz="2400" b="1" dirty="0">
               <a:solidFill>
                 <a:schemeClr val="tx1"/>
               </a:solidFill>
-              <a:latin typeface="微软雅黑" panose="020B0503020204020204" pitchFamily="34" charset="-122"/>
+              <a:latin typeface="Times New Roman" panose="02020603050405020304" pitchFamily="18" charset="0"/>
               <a:ea typeface="微软雅黑" panose="020B0503020204020204" pitchFamily="34" charset="-122"/>
+              <a:cs typeface="Times New Roman" panose="02020603050405020304" pitchFamily="18" charset="0"/>
               <a:sym typeface="+mn-ea"/>
             </a:endParaRPr>
           </a:p>
@@ -13274,22 +13280,96 @@
               <a:buChar char="•"/>
             </a:pPr>
             <a:r>
+              <a:rPr lang="en-US" altLang="zh-CN" sz="2000" i="1" dirty="0">
+                <a:solidFill>
+                  <a:schemeClr val="tx1"/>
+                </a:solidFill>
+                <a:latin typeface="Times New Roman" panose="02020603050405020304" pitchFamily="18" charset="0"/>
+                <a:ea typeface="微软雅黑" panose="020B0503020204020204" pitchFamily="34" charset="-122"/>
+                <a:cs typeface="Times New Roman" panose="02020603050405020304" pitchFamily="18" charset="0"/>
+                <a:sym typeface="+mn-ea"/>
+              </a:rPr>
+              <a:t>n </a:t>
+            </a:r>
+            <a:r>
+              <a:rPr lang="zh-CN" altLang="en-US" sz="2000" b="1" dirty="0">
+                <a:solidFill>
+                  <a:schemeClr val="tx1"/>
+                </a:solidFill>
+                <a:latin typeface="Times New Roman" panose="02020603050405020304" pitchFamily="18" charset="0"/>
+                <a:ea typeface="微软雅黑" panose="020B0503020204020204" pitchFamily="34" charset="-122"/>
+                <a:cs typeface="Times New Roman" panose="02020603050405020304" pitchFamily="18" charset="0"/>
+                <a:sym typeface="+mn-ea"/>
+              </a:rPr>
+              <a:t>阶算法，</a:t>
+            </a:r>
+            <a:endParaRPr lang="en-US" altLang="zh-CN" sz="2000" b="1" dirty="0">
+              <a:solidFill>
+                <a:schemeClr val="tx1"/>
+              </a:solidFill>
+              <a:latin typeface="Times New Roman" panose="02020603050405020304" pitchFamily="18" charset="0"/>
+              <a:ea typeface="微软雅黑" panose="020B0503020204020204" pitchFamily="34" charset="-122"/>
+              <a:cs typeface="Times New Roman" panose="02020603050405020304" pitchFamily="18" charset="0"/>
+              <a:sym typeface="+mn-ea"/>
+            </a:endParaRPr>
+          </a:p>
+          <a:p>
+            <a:pPr marL="1257300" lvl="2" indent="-342900">
+              <a:lnSpc>
+                <a:spcPct val="150000"/>
+              </a:lnSpc>
+              <a:buFont typeface="Wingdings" panose="05000000000000000000" pitchFamily="2" charset="2"/>
+              <a:buChar char="Ø"/>
+            </a:pPr>
+            <a:r>
+              <a:rPr lang="zh-CN" altLang="en-US" sz="2000" b="1" dirty="0">
+                <a:solidFill>
+                  <a:srgbClr val="0000FF"/>
+                </a:solidFill>
+                <a:latin typeface="Times New Roman" panose="02020603050405020304" pitchFamily="18" charset="0"/>
+                <a:ea typeface="微软雅黑" panose="020B0503020204020204" pitchFamily="34" charset="-122"/>
+                <a:cs typeface="Times New Roman" panose="02020603050405020304" pitchFamily="18" charset="0"/>
+                <a:sym typeface="+mn-ea"/>
+              </a:rPr>
+              <a:t>收敛性</a:t>
+            </a:r>
+            <a:endParaRPr lang="en-US" altLang="zh-CN" sz="2000" b="1" dirty="0">
+              <a:solidFill>
+                <a:srgbClr val="0000FF"/>
+              </a:solidFill>
+              <a:latin typeface="Times New Roman" panose="02020603050405020304" pitchFamily="18" charset="0"/>
+              <a:ea typeface="微软雅黑" panose="020B0503020204020204" pitchFamily="34" charset="-122"/>
+              <a:cs typeface="Times New Roman" panose="02020603050405020304" pitchFamily="18" charset="0"/>
+              <a:sym typeface="+mn-ea"/>
+            </a:endParaRPr>
+          </a:p>
+          <a:p>
+            <a:pPr marL="800100" lvl="1" indent="-342900">
+              <a:lnSpc>
+                <a:spcPct val="150000"/>
+              </a:lnSpc>
+              <a:buFont typeface="Arial" panose="020B0604020202020204" pitchFamily="34" charset="0"/>
+              <a:buChar char="•"/>
+            </a:pPr>
+            <a:r>
               <a:rPr lang="zh-CN" altLang="en-US" sz="2400" b="1" dirty="0">
                 <a:solidFill>
                   <a:schemeClr val="tx1"/>
                 </a:solidFill>
-                <a:latin typeface="微软雅黑" panose="020B0503020204020204" pitchFamily="34" charset="-122"/>
-                <a:ea typeface="微软雅黑" panose="020B0503020204020204" pitchFamily="34" charset="-122"/>
+                <a:latin typeface="Times New Roman" panose="02020603050405020304" pitchFamily="18" charset="0"/>
+                <a:ea typeface="微软雅黑" panose="020B0503020204020204" pitchFamily="34" charset="-122"/>
+                <a:cs typeface="Times New Roman" panose="02020603050405020304" pitchFamily="18" charset="0"/>
                 <a:sym typeface="+mn-ea"/>
               </a:rPr>
-              <a:t>截断误差</a:t>
+              <a:t>舍入误差</a:t>
             </a:r>
             <a:endParaRPr lang="en-US" altLang="zh-CN" sz="2400" b="1" dirty="0">
               <a:solidFill>
                 <a:schemeClr val="tx1"/>
               </a:solidFill>
-              <a:latin typeface="微软雅黑" panose="020B0503020204020204" pitchFamily="34" charset="-122"/>
+              <a:latin typeface="Times New Roman" panose="02020603050405020304" pitchFamily="18" charset="0"/>
               <a:ea typeface="微软雅黑" panose="020B0503020204020204" pitchFamily="34" charset="-122"/>
+              <a:cs typeface="Times New Roman" panose="02020603050405020304" pitchFamily="18" charset="0"/>
               <a:sym typeface="+mn-ea"/>
             </a:endParaRPr>
           </a:p>
@@ -13301,12 +13381,49 @@
               <a:buFont typeface="Arial" panose="020B0604020202020204" pitchFamily="34" charset="0"/>
               <a:buChar char="•"/>
             </a:pPr>
-            <a:endParaRPr lang="en-US" altLang="zh-CN" sz="2400" b="1" dirty="0">
+            <a:r>
+              <a:rPr lang="zh-CN" altLang="en-US" sz="2000" b="1" dirty="0">
+                <a:solidFill>
+                  <a:prstClr val="black"/>
+                </a:solidFill>
+                <a:latin typeface="Times New Roman" panose="02020603050405020304" pitchFamily="18" charset="0"/>
+                <a:ea typeface="微软雅黑" panose="020B0503020204020204" pitchFamily="34" charset="-122"/>
+                <a:cs typeface="Times New Roman" panose="02020603050405020304" pitchFamily="18" charset="0"/>
+                <a:sym typeface="+mn-ea"/>
+              </a:rPr>
+              <a:t>计算机字长 </a:t>
+            </a:r>
+            <a:r>
+              <a:rPr lang="en-US" altLang="zh-CN" sz="2000" b="1" dirty="0">
+                <a:solidFill>
+                  <a:prstClr val="black"/>
+                </a:solidFill>
+                <a:latin typeface="Times New Roman" panose="02020603050405020304" pitchFamily="18" charset="0"/>
+                <a:ea typeface="微软雅黑" panose="020B0503020204020204" pitchFamily="34" charset="-122"/>
+                <a:cs typeface="Times New Roman" panose="02020603050405020304" pitchFamily="18" charset="0"/>
+                <a:sym typeface="+mn-ea"/>
+              </a:rPr>
+              <a:t>/ </a:t>
+            </a:r>
+            <a:r>
+              <a:rPr lang="zh-CN" altLang="en-US" sz="2000" b="1" dirty="0">
+                <a:solidFill>
+                  <a:prstClr val="black"/>
+                </a:solidFill>
+                <a:latin typeface="Times New Roman" panose="02020603050405020304" pitchFamily="18" charset="0"/>
+                <a:ea typeface="微软雅黑" panose="020B0503020204020204" pitchFamily="34" charset="-122"/>
+                <a:cs typeface="Times New Roman" panose="02020603050405020304" pitchFamily="18" charset="0"/>
+                <a:sym typeface="+mn-ea"/>
+              </a:rPr>
+              <a:t>右函数精度</a:t>
+            </a:r>
+            <a:endParaRPr lang="en-US" altLang="zh-CN" sz="2000" b="1" dirty="0">
               <a:solidFill>
                 <a:schemeClr val="tx1"/>
               </a:solidFill>
-              <a:latin typeface="微软雅黑" panose="020B0503020204020204" pitchFamily="34" charset="-122"/>
+              <a:latin typeface="Times New Roman" panose="02020603050405020304" pitchFamily="18" charset="0"/>
               <a:ea typeface="微软雅黑" panose="020B0503020204020204" pitchFamily="34" charset="-122"/>
+              <a:cs typeface="Times New Roman" panose="02020603050405020304" pitchFamily="18" charset="0"/>
               <a:sym typeface="+mn-ea"/>
             </a:endParaRPr>
           </a:p>
@@ -13315,26 +13432,34 @@
               <a:lnSpc>
                 <a:spcPct val="150000"/>
               </a:lnSpc>
-              <a:buFont typeface="Arial" panose="020B0604020202020204" pitchFamily="34" charset="0"/>
-              <a:buChar char="•"/>
+              <a:buFont typeface="Wingdings" panose="05000000000000000000" pitchFamily="2" charset="2"/>
+              <a:buChar char="Ø"/>
             </a:pPr>
             <a:r>
-              <a:rPr lang="zh-CN" altLang="en-US" sz="2400" b="1" dirty="0">
+              <a:rPr lang="zh-CN" altLang="en-US" sz="2000" b="1" dirty="0">
                 <a:solidFill>
-                  <a:schemeClr val="tx1"/>
+                  <a:srgbClr val="0000FF"/>
                 </a:solidFill>
-                <a:latin typeface="微软雅黑" panose="020B0503020204020204" pitchFamily="34" charset="-122"/>
-                <a:ea typeface="微软雅黑" panose="020B0503020204020204" pitchFamily="34" charset="-122"/>
+                <a:latin typeface="Times New Roman" panose="02020603050405020304" pitchFamily="18" charset="0"/>
+                <a:ea typeface="微软雅黑" panose="020B0503020204020204" pitchFamily="34" charset="-122"/>
+                <a:cs typeface="Times New Roman" panose="02020603050405020304" pitchFamily="18" charset="0"/>
                 <a:sym typeface="+mn-ea"/>
               </a:rPr>
-              <a:t>舍入误差</a:t>
-            </a:r>
-            <a:endParaRPr lang="en-US" altLang="zh-CN" sz="2400" b="1" dirty="0">
-              <a:solidFill>
-                <a:schemeClr val="tx1"/>
-              </a:solidFill>
-              <a:latin typeface="微软雅黑" panose="020B0503020204020204" pitchFamily="34" charset="-122"/>
+              <a:t>稳定性：</a:t>
+            </a:r>
+            <a:r>
+              <a:rPr lang="zh-CN" altLang="en-US" sz="2000" b="1" dirty="0">
+                <a:latin typeface="Times New Roman" panose="02020603050405020304" pitchFamily="18" charset="0"/>
+                <a:ea typeface="微软雅黑" panose="020B0503020204020204" pitchFamily="34" charset="-122"/>
+                <a:cs typeface="Times New Roman" panose="02020603050405020304" pitchFamily="18" charset="0"/>
+                <a:sym typeface="+mn-ea"/>
+              </a:rPr>
+              <a:t>舍入误差是否累积</a:t>
+            </a:r>
+            <a:endParaRPr lang="en-US" altLang="zh-CN" sz="2000" b="1" dirty="0">
+              <a:latin typeface="Times New Roman" panose="02020603050405020304" pitchFamily="18" charset="0"/>
               <a:ea typeface="微软雅黑" panose="020B0503020204020204" pitchFamily="34" charset="-122"/>
+              <a:cs typeface="Times New Roman" panose="02020603050405020304" pitchFamily="18" charset="0"/>
               <a:sym typeface="+mn-ea"/>
             </a:endParaRPr>
           </a:p>
@@ -13343,112 +13468,379 @@
               <a:lnSpc>
                 <a:spcPct val="150000"/>
               </a:lnSpc>
-              <a:buFont typeface="Wingdings" panose="05000000000000000000" pitchFamily="2" charset="2"/>
-              <a:buChar char="Ø"/>
+              <a:buFont typeface="Arial" panose="020B0604020202020204" pitchFamily="34" charset="0"/>
+              <a:buChar char="•"/>
             </a:pPr>
             <a:r>
               <a:rPr lang="zh-CN" altLang="en-US" sz="2400" b="1" dirty="0">
-                <a:solidFill>
-                  <a:schemeClr val="tx1"/>
-                </a:solidFill>
-                <a:latin typeface="微软雅黑" panose="020B0503020204020204" pitchFamily="34" charset="-122"/>
-                <a:ea typeface="微软雅黑" panose="020B0503020204020204" pitchFamily="34" charset="-122"/>
+                <a:latin typeface="Times New Roman" panose="02020603050405020304" pitchFamily="18" charset="0"/>
+                <a:ea typeface="微软雅黑" panose="020B0503020204020204" pitchFamily="34" charset="-122"/>
+                <a:cs typeface="Times New Roman" panose="02020603050405020304" pitchFamily="18" charset="0"/>
                 <a:sym typeface="+mn-ea"/>
               </a:rPr>
-              <a:t>收敛性</a:t>
+              <a:t>初值误差</a:t>
             </a:r>
             <a:endParaRPr lang="en-US" altLang="zh-CN" sz="2400" b="1" dirty="0">
-              <a:solidFill>
-                <a:schemeClr val="tx1"/>
-              </a:solidFill>
-              <a:latin typeface="微软雅黑" panose="020B0503020204020204" pitchFamily="34" charset="-122"/>
+              <a:latin typeface="Times New Roman" panose="02020603050405020304" pitchFamily="18" charset="0"/>
               <a:ea typeface="微软雅黑" panose="020B0503020204020204" pitchFamily="34" charset="-122"/>
+              <a:cs typeface="Times New Roman" panose="02020603050405020304" pitchFamily="18" charset="0"/>
               <a:sym typeface="+mn-ea"/>
             </a:endParaRPr>
           </a:p>
           <a:p>
-            <a:pPr marL="800100" lvl="1" indent="-342900">
+            <a:pPr marL="1257300" lvl="2" indent="-342900">
               <a:lnSpc>
                 <a:spcPct val="150000"/>
               </a:lnSpc>
               <a:buFont typeface="Wingdings" panose="05000000000000000000" pitchFamily="2" charset="2"/>
               <a:buChar char="Ø"/>
             </a:pPr>
-            <a:endParaRPr lang="en-US" altLang="zh-CN" sz="2400" b="1" dirty="0">
+            <a:r>
+              <a:rPr lang="zh-CN" altLang="en-US" sz="2000" b="1" dirty="0">
+                <a:solidFill>
+                  <a:srgbClr val="0000FF"/>
+                </a:solidFill>
+                <a:latin typeface="Times New Roman" panose="02020603050405020304" pitchFamily="18" charset="0"/>
+                <a:ea typeface="微软雅黑" panose="020B0503020204020204" pitchFamily="34" charset="-122"/>
+                <a:cs typeface="Times New Roman" panose="02020603050405020304" pitchFamily="18" charset="0"/>
+                <a:sym typeface="+mn-ea"/>
+              </a:rPr>
+              <a:t>运动方程稳定性</a:t>
+            </a:r>
+            <a:endParaRPr lang="en-US" altLang="zh-CN" sz="2000" b="1" dirty="0">
               <a:solidFill>
-                <a:schemeClr val="tx1"/>
+                <a:srgbClr val="0000FF"/>
               </a:solidFill>
-              <a:latin typeface="微软雅黑" panose="020B0503020204020204" pitchFamily="34" charset="-122"/>
+              <a:latin typeface="Times New Roman" panose="02020603050405020304" pitchFamily="18" charset="0"/>
               <a:ea typeface="微软雅黑" panose="020B0503020204020204" pitchFamily="34" charset="-122"/>
+              <a:cs typeface="Times New Roman" panose="02020603050405020304" pitchFamily="18" charset="0"/>
               <a:sym typeface="+mn-ea"/>
             </a:endParaRPr>
           </a:p>
           <a:p>
-            <a:pPr marL="800100" lvl="1" indent="-342900">
+            <a:pPr marL="1714500" lvl="3" indent="-342900">
               <a:lnSpc>
                 <a:spcPct val="150000"/>
               </a:lnSpc>
-              <a:buFont typeface="Wingdings" panose="05000000000000000000" pitchFamily="2" charset="2"/>
-              <a:buChar char="Ø"/>
+              <a:buFont typeface="Arial" panose="020B0604020202020204" pitchFamily="34" charset="0"/>
+              <a:buChar char="•"/>
             </a:pPr>
             <a:r>
-              <a:rPr lang="zh-CN" altLang="en-US" sz="2400" b="1" dirty="0">
+              <a:rPr lang="zh-CN" altLang="en-US" sz="2000" b="1" dirty="0">
                 <a:solidFill>
-                  <a:schemeClr val="tx1"/>
+                  <a:srgbClr val="FF0000"/>
+                </a:solidFill>
+                <a:latin typeface="Times New Roman" panose="02020603050405020304" pitchFamily="18" charset="0"/>
+                <a:ea typeface="微软雅黑" panose="020B0503020204020204" pitchFamily="34" charset="-122"/>
+                <a:cs typeface="Times New Roman" panose="02020603050405020304" pitchFamily="18" charset="0"/>
+                <a:sym typeface="+mn-ea"/>
+              </a:rPr>
+              <a:t>二体问题是运动不稳定的</a:t>
+            </a:r>
+          </a:p>
+        </p:txBody>
+      </p:sp>
+      <p:graphicFrame>
+        <p:nvGraphicFramePr>
+          <p:cNvPr id="6" name="对象 5">
+            <a:extLst>
+              <a:ext uri="{FF2B5EF4-FFF2-40B4-BE49-F238E27FC236}">
+                <a16:creationId xmlns:a16="http://schemas.microsoft.com/office/drawing/2014/main" id="{68995DFD-8693-B7D6-EC92-550209FE8174}"/>
+              </a:ext>
+            </a:extLst>
+          </p:cNvPr>
+          <p:cNvGraphicFramePr>
+            <a:graphicFrameLocks noChangeAspect="1"/>
+          </p:cNvGraphicFramePr>
+          <p:nvPr>
+            <p:extLst>
+              <p:ext uri="{D42A27DB-BD31-4B8C-83A1-F6EECF244321}">
+                <p14:modId xmlns:p14="http://schemas.microsoft.com/office/powerpoint/2010/main" val="2003470773"/>
+              </p:ext>
+            </p:extLst>
+          </p:nvPr>
+        </p:nvGraphicFramePr>
+        <p:xfrm>
+          <a:off x="8846399" y="2785287"/>
+          <a:ext cx="2041525" cy="400050"/>
+        </p:xfrm>
+        <a:graphic>
+          <a:graphicData uri="http://schemas.openxmlformats.org/presentationml/2006/ole">
+            <mc:AlternateContent xmlns:mc="http://schemas.openxmlformats.org/markup-compatibility/2006">
+              <mc:Choice xmlns:v="urn:schemas-microsoft-com:vml" Requires="v">
+                <p:oleObj name="AxMath" r:id="rId16" imgW="1021320" imgH="199800" progId="Equation.AxMath">
+                  <p:embed/>
+                </p:oleObj>
+              </mc:Choice>
+              <mc:Fallback>
+                <p:oleObj name="AxMath" r:id="rId16" imgW="1021320" imgH="199800" progId="Equation.AxMath">
+                  <p:embed/>
+                  <p:pic>
+                    <p:nvPicPr>
+                      <p:cNvPr id="0" name=""/>
+                      <p:cNvPicPr/>
+                      <p:nvPr/>
+                    </p:nvPicPr>
+                    <p:blipFill>
+                      <a:blip r:embed="rId17"/>
+                      <a:stretch>
+                        <a:fillRect/>
+                      </a:stretch>
+                    </p:blipFill>
+                    <p:spPr>
+                      <a:xfrm>
+                        <a:off x="8846399" y="2785287"/>
+                        <a:ext cx="2041525" cy="400050"/>
+                      </a:xfrm>
+                      <a:prstGeom prst="rect">
+                        <a:avLst/>
+                      </a:prstGeom>
+                    </p:spPr>
+                  </p:pic>
+                </p:oleObj>
+              </mc:Fallback>
+            </mc:AlternateContent>
+          </a:graphicData>
+        </a:graphic>
+      </p:graphicFrame>
+      <p:graphicFrame>
+        <p:nvGraphicFramePr>
+          <p:cNvPr id="16" name="对象 15">
+            <a:extLst>
+              <a:ext uri="{FF2B5EF4-FFF2-40B4-BE49-F238E27FC236}">
+                <a16:creationId xmlns:a16="http://schemas.microsoft.com/office/drawing/2014/main" id="{4499D0F8-4DCC-1317-6FD3-CBD05DD88E33}"/>
+              </a:ext>
+            </a:extLst>
+          </p:cNvPr>
+          <p:cNvGraphicFramePr>
+            <a:graphicFrameLocks noChangeAspect="1"/>
+          </p:cNvGraphicFramePr>
+          <p:nvPr>
+            <p:extLst>
+              <p:ext uri="{D42A27DB-BD31-4B8C-83A1-F6EECF244321}">
+                <p14:modId xmlns:p14="http://schemas.microsoft.com/office/powerpoint/2010/main" val="3503362724"/>
+              </p:ext>
+            </p:extLst>
+          </p:nvPr>
+        </p:nvGraphicFramePr>
+        <p:xfrm>
+          <a:off x="9251818" y="2314373"/>
+          <a:ext cx="977900" cy="400050"/>
+        </p:xfrm>
+        <a:graphic>
+          <a:graphicData uri="http://schemas.openxmlformats.org/presentationml/2006/ole">
+            <mc:AlternateContent xmlns:mc="http://schemas.openxmlformats.org/markup-compatibility/2006">
+              <mc:Choice xmlns:v="urn:schemas-microsoft-com:vml" Requires="v">
+                <p:oleObj name="AxMath" r:id="rId18" imgW="488520" imgH="199800" progId="Equation.AxMath">
+                  <p:embed/>
+                </p:oleObj>
+              </mc:Choice>
+              <mc:Fallback>
+                <p:oleObj name="AxMath" r:id="rId18" imgW="488520" imgH="199800" progId="Equation.AxMath">
+                  <p:embed/>
+                  <p:pic>
+                    <p:nvPicPr>
+                      <p:cNvPr id="0" name=""/>
+                      <p:cNvPicPr/>
+                      <p:nvPr/>
+                    </p:nvPicPr>
+                    <p:blipFill>
+                      <a:blip r:embed="rId19"/>
+                      <a:stretch>
+                        <a:fillRect/>
+                      </a:stretch>
+                    </p:blipFill>
+                    <p:spPr>
+                      <a:xfrm>
+                        <a:off x="9251818" y="2314373"/>
+                        <a:ext cx="977900" cy="400050"/>
+                      </a:xfrm>
+                      <a:prstGeom prst="rect">
+                        <a:avLst/>
+                      </a:prstGeom>
+                    </p:spPr>
+                  </p:pic>
+                </p:oleObj>
+              </mc:Fallback>
+            </mc:AlternateContent>
+          </a:graphicData>
+        </a:graphic>
+      </p:graphicFrame>
+      <p:sp>
+        <p:nvSpPr>
+          <p:cNvPr id="20" name="矩形 19">
+            <a:extLst>
+              <a:ext uri="{FF2B5EF4-FFF2-40B4-BE49-F238E27FC236}">
+                <a16:creationId xmlns:a16="http://schemas.microsoft.com/office/drawing/2014/main" id="{1900930D-CAC8-4480-E637-24174EA8CF58}"/>
+              </a:ext>
+            </a:extLst>
+          </p:cNvPr>
+          <p:cNvSpPr/>
+          <p:nvPr/>
+        </p:nvSpPr>
+        <p:spPr>
+          <a:xfrm>
+            <a:off x="4309765" y="921947"/>
+            <a:ext cx="1210119" cy="400110"/>
+          </a:xfrm>
+          <a:prstGeom prst="rect">
+            <a:avLst/>
+          </a:prstGeom>
+        </p:spPr>
+        <p:txBody>
+          <a:bodyPr wrap="square">
+            <a:spAutoFit/>
+          </a:bodyPr>
+          <a:lstStyle/>
+          <a:p>
+            <a:pPr algn="ctr" fontAlgn="auto">
+              <a:spcAft>
+                <a:spcPts val="0"/>
+              </a:spcAft>
+            </a:pPr>
+            <a:r>
+              <a:rPr lang="zh-CN" altLang="en-US" sz="2000" b="1" dirty="0">
+                <a:solidFill>
+                  <a:srgbClr val="0000FF"/>
                 </a:solidFill>
                 <a:latin typeface="微软雅黑" panose="020B0503020204020204" pitchFamily="34" charset="-122"/>
                 <a:ea typeface="微软雅黑" panose="020B0503020204020204" pitchFamily="34" charset="-122"/>
-                <a:sym typeface="+mn-ea"/>
-              </a:rPr>
-              <a:t>稳定性</a:t>
-            </a:r>
-            <a:endParaRPr lang="en-US" altLang="zh-CN" sz="2400" b="1" dirty="0">
+              </a:rPr>
+              <a:t>右函数</a:t>
+            </a:r>
+            <a:endParaRPr lang="zh-CN" sz="2000" b="1" dirty="0">
               <a:solidFill>
-                <a:schemeClr val="tx1"/>
+                <a:srgbClr val="0000FF"/>
               </a:solidFill>
               <a:latin typeface="微软雅黑" panose="020B0503020204020204" pitchFamily="34" charset="-122"/>
               <a:ea typeface="微软雅黑" panose="020B0503020204020204" pitchFamily="34" charset="-122"/>
-              <a:sym typeface="+mn-ea"/>
             </a:endParaRPr>
           </a:p>
+        </p:txBody>
+      </p:sp>
+      <p:pic>
+        <p:nvPicPr>
+          <p:cNvPr id="25" name="图形 24" descr="紧张的脸轮廓 纯色填充">
+            <a:extLst>
+              <a:ext uri="{FF2B5EF4-FFF2-40B4-BE49-F238E27FC236}">
+                <a16:creationId xmlns:a16="http://schemas.microsoft.com/office/drawing/2014/main" id="{89909686-3839-29FA-D787-3B7D73277CD0}"/>
+              </a:ext>
+            </a:extLst>
+          </p:cNvPr>
+          <p:cNvPicPr>
+            <a:picLocks noChangeAspect="1"/>
+          </p:cNvPicPr>
+          <p:nvPr/>
+        </p:nvPicPr>
+        <p:blipFill>
+          <a:blip r:embed="rId20">
+            <a:extLst>
+              <a:ext uri="{96DAC541-7B7A-43D3-8B79-37D633B846F1}">
+                <asvg:svgBlip xmlns:asvg="http://schemas.microsoft.com/office/drawing/2016/SVG/main" r:embed="rId21"/>
+              </a:ext>
+            </a:extLst>
+          </a:blip>
+          <a:stretch>
+            <a:fillRect/>
+          </a:stretch>
+        </p:blipFill>
+        <p:spPr>
+          <a:xfrm>
+            <a:off x="8083807" y="1116761"/>
+            <a:ext cx="571360" cy="571360"/>
+          </a:xfrm>
+          <a:prstGeom prst="rect">
+            <a:avLst/>
+          </a:prstGeom>
+        </p:spPr>
+      </p:pic>
+      <p:sp>
+        <p:nvSpPr>
+          <p:cNvPr id="27" name="矩形 26">
+            <a:extLst>
+              <a:ext uri="{FF2B5EF4-FFF2-40B4-BE49-F238E27FC236}">
+                <a16:creationId xmlns:a16="http://schemas.microsoft.com/office/drawing/2014/main" id="{1A6327A2-1740-FFAA-806E-54FA4D5C3C67}"/>
+              </a:ext>
+            </a:extLst>
+          </p:cNvPr>
+          <p:cNvSpPr/>
+          <p:nvPr/>
+        </p:nvSpPr>
+        <p:spPr>
+          <a:xfrm>
+            <a:off x="626459" y="5656954"/>
+            <a:ext cx="2506997" cy="1077218"/>
+          </a:xfrm>
+          <a:prstGeom prst="rect">
+            <a:avLst/>
+          </a:prstGeom>
+        </p:spPr>
+        <p:txBody>
+          <a:bodyPr wrap="square">
+            <a:spAutoFit/>
+          </a:bodyPr>
+          <a:lstStyle/>
           <a:p>
-            <a:pPr marL="342900" indent="-342900" fontAlgn="auto">
-              <a:lnSpc>
-                <a:spcPct val="150000"/>
-              </a:lnSpc>
+            <a:pPr algn="ctr" fontAlgn="auto">
               <a:spcAft>
                 <a:spcPts val="0"/>
               </a:spcAft>
-              <a:buFont typeface="Arial" panose="020B0604020202020204" pitchFamily="34" charset="0"/>
-              <a:buChar char="•"/>
             </a:pPr>
-            <a:endParaRPr lang="en-US" altLang="zh-CN" sz="2800" b="1" dirty="0">
-              <a:solidFill>
-                <a:schemeClr val="tx1"/>
-              </a:solidFill>
-              <a:latin typeface="微软雅黑" panose="020B0503020204020204" pitchFamily="34" charset="-122"/>
-              <a:ea typeface="微软雅黑" panose="020B0503020204020204" pitchFamily="34" charset="-122"/>
-              <a:sym typeface="+mn-ea"/>
-            </a:endParaRPr>
+            <a:r>
+              <a:rPr lang="en-US" altLang="zh-CN" sz="1600" b="1" dirty="0">
+                <a:latin typeface="微软雅黑" panose="020B0503020204020204" pitchFamily="34" charset="-122"/>
+                <a:ea typeface="微软雅黑" panose="020B0503020204020204" pitchFamily="34" charset="-122"/>
+              </a:rPr>
+              <a:t>Adams</a:t>
+            </a:r>
           </a:p>
           <a:p>
-            <a:pPr marL="342900" indent="-342900" fontAlgn="auto">
-              <a:lnSpc>
-                <a:spcPct val="150000"/>
-              </a:lnSpc>
+            <a:pPr algn="ctr" fontAlgn="auto">
               <a:spcAft>
                 <a:spcPts val="0"/>
               </a:spcAft>
-              <a:buFont typeface="Arial" panose="020B0604020202020204" pitchFamily="34" charset="0"/>
-              <a:buChar char="•"/>
             </a:pPr>
-            <a:endParaRPr lang="en-US" altLang="zh-CN" sz="2800" b="1" dirty="0">
-              <a:solidFill>
-                <a:schemeClr val="tx1"/>
-              </a:solidFill>
+            <a:r>
+              <a:rPr lang="en-US" altLang="zh-CN" sz="1600" b="1" dirty="0">
+                <a:latin typeface="微软雅黑" panose="020B0503020204020204" pitchFamily="34" charset="-122"/>
+                <a:ea typeface="微软雅黑" panose="020B0503020204020204" pitchFamily="34" charset="-122"/>
+              </a:rPr>
+              <a:t>Cowell</a:t>
+            </a:r>
+          </a:p>
+          <a:p>
+            <a:pPr algn="ctr" fontAlgn="auto">
+              <a:spcAft>
+                <a:spcPts val="0"/>
+              </a:spcAft>
+            </a:pPr>
+            <a:r>
+              <a:rPr lang="en-US" altLang="zh-CN" sz="1600" b="1" dirty="0">
+                <a:solidFill>
+                  <a:srgbClr val="FF0000"/>
+                </a:solidFill>
+                <a:latin typeface="微软雅黑" panose="020B0503020204020204" pitchFamily="34" charset="-122"/>
+                <a:ea typeface="微软雅黑" panose="020B0503020204020204" pitchFamily="34" charset="-122"/>
+              </a:rPr>
+              <a:t>Adams-Cowell</a:t>
+            </a:r>
+          </a:p>
+          <a:p>
+            <a:pPr algn="ctr" fontAlgn="auto">
+              <a:spcAft>
+                <a:spcPts val="0"/>
+              </a:spcAft>
+            </a:pPr>
+            <a:r>
+              <a:rPr lang="en-US" altLang="zh-CN" sz="1600" b="1" dirty="0">
+                <a:latin typeface="微软雅黑" panose="020B0503020204020204" pitchFamily="34" charset="-122"/>
+                <a:ea typeface="微软雅黑" panose="020B0503020204020204" pitchFamily="34" charset="-122"/>
+              </a:rPr>
+              <a:t>KSG</a:t>
+            </a:r>
+            <a:endParaRPr lang="zh-CN" sz="1600" b="1" dirty="0">
               <a:latin typeface="微软雅黑" panose="020B0503020204020204" pitchFamily="34" charset="-122"/>
               <a:ea typeface="微软雅黑" panose="020B0503020204020204" pitchFamily="34" charset="-122"/>
-              <a:sym typeface="+mn-ea"/>
             </a:endParaRPr>
           </a:p>
         </p:txBody>
@@ -13775,43 +14167,21 @@
                                   </p:childTnLst>
                                 </p:cTn>
                               </p:par>
-                            </p:childTnLst>
-                          </p:cTn>
-                        </p:par>
-                      </p:childTnLst>
-                    </p:cTn>
-                  </p:par>
-                  <p:par>
-                    <p:cTn id="29" fill="hold">
-                      <p:stCondLst>
-                        <p:cond delay="indefinite"/>
-                      </p:stCondLst>
-                      <p:childTnLst>
-                        <p:par>
-                          <p:cTn id="30" fill="hold">
-                            <p:stCondLst>
-                              <p:cond delay="0"/>
-                            </p:stCondLst>
-                            <p:childTnLst>
                               <p:par>
-                                <p:cTn id="31" presetID="10" presetClass="entr" presetSubtype="0" fill="hold" nodeType="clickEffect">
+                                <p:cTn id="29" presetID="10" presetClass="entr" presetSubtype="0" fill="hold" grpId="0" nodeType="withEffect">
                                   <p:stCondLst>
                                     <p:cond delay="0"/>
                                   </p:stCondLst>
                                   <p:childTnLst>
                                     <p:set>
                                       <p:cBhvr>
-                                        <p:cTn id="32" dur="1" fill="hold">
+                                        <p:cTn id="30" dur="1" fill="hold">
                                           <p:stCondLst>
                                             <p:cond delay="0"/>
                                           </p:stCondLst>
                                         </p:cTn>
                                         <p:tgtEl>
-                                          <p:spTgt spid="22">
-                                            <p:txEl>
-                                              <p:pRg st="0" end="0"/>
-                                            </p:txEl>
-                                          </p:spTgt>
+                                          <p:spTgt spid="27"/>
                                         </p:tgtEl>
                                         <p:attrNameLst>
                                           <p:attrName>style.visibility</p:attrName>
@@ -13823,13 +14193,9 @@
                                     </p:set>
                                     <p:animEffect transition="in" filter="fade">
                                       <p:cBhvr>
-                                        <p:cTn id="33" dur="500"/>
+                                        <p:cTn id="31" dur="500"/>
                                         <p:tgtEl>
-                                          <p:spTgt spid="22">
-                                            <p:txEl>
-                                              <p:pRg st="0" end="0"/>
-                                            </p:txEl>
-                                          </p:spTgt>
+                                          <p:spTgt spid="27"/>
                                         </p:tgtEl>
                                       </p:cBhvr>
                                     </p:animEffect>
@@ -13843,36 +14209,32 @@
                     </p:cTn>
                   </p:par>
                   <p:par>
-                    <p:cTn id="34" fill="hold">
+                    <p:cTn id="32" fill="hold">
                       <p:stCondLst>
                         <p:cond delay="indefinite"/>
                       </p:stCondLst>
                       <p:childTnLst>
                         <p:par>
-                          <p:cTn id="35" fill="hold">
+                          <p:cTn id="33" fill="hold">
                             <p:stCondLst>
                               <p:cond delay="0"/>
                             </p:stCondLst>
                             <p:childTnLst>
                               <p:par>
-                                <p:cTn id="36" presetID="10" presetClass="entr" presetSubtype="0" fill="hold" nodeType="clickEffect">
+                                <p:cTn id="34" presetID="10" presetClass="entr" presetSubtype="0" fill="hold" grpId="0" nodeType="clickEffect">
                                   <p:stCondLst>
                                     <p:cond delay="0"/>
                                   </p:stCondLst>
                                   <p:childTnLst>
                                     <p:set>
                                       <p:cBhvr>
-                                        <p:cTn id="37" dur="1" fill="hold">
+                                        <p:cTn id="35" dur="1" fill="hold">
                                           <p:stCondLst>
                                             <p:cond delay="0"/>
                                           </p:stCondLst>
                                         </p:cTn>
                                         <p:tgtEl>
-                                          <p:spTgt spid="22">
-                                            <p:txEl>
-                                              <p:pRg st="1" end="1"/>
-                                            </p:txEl>
-                                          </p:spTgt>
+                                          <p:spTgt spid="22"/>
                                         </p:tgtEl>
                                         <p:attrNameLst>
                                           <p:attrName>style.visibility</p:attrName>
@@ -13884,56 +14246,30 @@
                                     </p:set>
                                     <p:animEffect transition="in" filter="fade">
                                       <p:cBhvr>
-                                        <p:cTn id="38" dur="500"/>
+                                        <p:cTn id="36" dur="500"/>
                                         <p:tgtEl>
-                                          <p:spTgt spid="22">
-                                            <p:txEl>
-                                              <p:pRg st="1" end="1"/>
-                                            </p:txEl>
-                                          </p:spTgt>
+                                          <p:spTgt spid="22"/>
                                         </p:tgtEl>
                                       </p:cBhvr>
                                     </p:animEffect>
                                   </p:childTnLst>
                                 </p:cTn>
                               </p:par>
-                            </p:childTnLst>
-                          </p:cTn>
-                        </p:par>
-                      </p:childTnLst>
-                    </p:cTn>
-                  </p:par>
-                  <p:par>
-                    <p:cTn id="39" fill="hold">
-                      <p:stCondLst>
-                        <p:cond delay="indefinite"/>
-                      </p:stCondLst>
-                      <p:childTnLst>
-                        <p:par>
-                          <p:cTn id="40" fill="hold">
-                            <p:stCondLst>
-                              <p:cond delay="0"/>
-                            </p:stCondLst>
-                            <p:childTnLst>
                               <p:par>
-                                <p:cTn id="41" presetID="10" presetClass="entr" presetSubtype="0" fill="hold" nodeType="clickEffect">
+                                <p:cTn id="37" presetID="10" presetClass="entr" presetSubtype="0" fill="hold" nodeType="withEffect">
                                   <p:stCondLst>
                                     <p:cond delay="0"/>
                                   </p:stCondLst>
                                   <p:childTnLst>
                                     <p:set>
                                       <p:cBhvr>
-                                        <p:cTn id="42" dur="1" fill="hold">
+                                        <p:cTn id="38" dur="1" fill="hold">
                                           <p:stCondLst>
                                             <p:cond delay="0"/>
                                           </p:stCondLst>
                                         </p:cTn>
                                         <p:tgtEl>
-                                          <p:spTgt spid="22">
-                                            <p:txEl>
-                                              <p:pRg st="2" end="2"/>
-                                            </p:txEl>
-                                          </p:spTgt>
+                                          <p:spTgt spid="16"/>
                                         </p:tgtEl>
                                         <p:attrNameLst>
                                           <p:attrName>style.visibility</p:attrName>
@@ -13945,56 +14281,30 @@
                                     </p:set>
                                     <p:animEffect transition="in" filter="fade">
                                       <p:cBhvr>
-                                        <p:cTn id="43" dur="500"/>
+                                        <p:cTn id="39" dur="500"/>
                                         <p:tgtEl>
-                                          <p:spTgt spid="22">
-                                            <p:txEl>
-                                              <p:pRg st="2" end="2"/>
-                                            </p:txEl>
-                                          </p:spTgt>
+                                          <p:spTgt spid="16"/>
                                         </p:tgtEl>
                                       </p:cBhvr>
                                     </p:animEffect>
                                   </p:childTnLst>
                                 </p:cTn>
                               </p:par>
-                            </p:childTnLst>
-                          </p:cTn>
-                        </p:par>
-                      </p:childTnLst>
-                    </p:cTn>
-                  </p:par>
-                  <p:par>
-                    <p:cTn id="44" fill="hold">
-                      <p:stCondLst>
-                        <p:cond delay="indefinite"/>
-                      </p:stCondLst>
-                      <p:childTnLst>
-                        <p:par>
-                          <p:cTn id="45" fill="hold">
-                            <p:stCondLst>
-                              <p:cond delay="0"/>
-                            </p:stCondLst>
-                            <p:childTnLst>
                               <p:par>
-                                <p:cTn id="46" presetID="10" presetClass="entr" presetSubtype="0" fill="hold" nodeType="clickEffect">
+                                <p:cTn id="40" presetID="10" presetClass="entr" presetSubtype="0" fill="hold" nodeType="withEffect">
                                   <p:stCondLst>
                                     <p:cond delay="0"/>
                                   </p:stCondLst>
                                   <p:childTnLst>
                                     <p:set>
                                       <p:cBhvr>
-                                        <p:cTn id="47" dur="1" fill="hold">
+                                        <p:cTn id="41" dur="1" fill="hold">
                                           <p:stCondLst>
                                             <p:cond delay="0"/>
                                           </p:stCondLst>
                                         </p:cTn>
                                         <p:tgtEl>
-                                          <p:spTgt spid="22">
-                                            <p:txEl>
-                                              <p:pRg st="4" end="4"/>
-                                            </p:txEl>
-                                          </p:spTgt>
+                                          <p:spTgt spid="25"/>
                                         </p:tgtEl>
                                         <p:attrNameLst>
                                           <p:attrName>style.visibility</p:attrName>
@@ -14006,56 +14316,30 @@
                                     </p:set>
                                     <p:animEffect transition="in" filter="fade">
                                       <p:cBhvr>
-                                        <p:cTn id="48" dur="500"/>
+                                        <p:cTn id="42" dur="500"/>
                                         <p:tgtEl>
-                                          <p:spTgt spid="22">
-                                            <p:txEl>
-                                              <p:pRg st="4" end="4"/>
-                                            </p:txEl>
-                                          </p:spTgt>
+                                          <p:spTgt spid="25"/>
                                         </p:tgtEl>
                                       </p:cBhvr>
                                     </p:animEffect>
                                   </p:childTnLst>
                                 </p:cTn>
                               </p:par>
-                            </p:childTnLst>
-                          </p:cTn>
-                        </p:par>
-                      </p:childTnLst>
-                    </p:cTn>
-                  </p:par>
-                  <p:par>
-                    <p:cTn id="49" fill="hold">
-                      <p:stCondLst>
-                        <p:cond delay="indefinite"/>
-                      </p:stCondLst>
-                      <p:childTnLst>
-                        <p:par>
-                          <p:cTn id="50" fill="hold">
-                            <p:stCondLst>
-                              <p:cond delay="0"/>
-                            </p:stCondLst>
-                            <p:childTnLst>
                               <p:par>
-                                <p:cTn id="51" presetID="10" presetClass="entr" presetSubtype="0" fill="hold" nodeType="clickEffect">
+                                <p:cTn id="43" presetID="10" presetClass="entr" presetSubtype="0" fill="hold" nodeType="withEffect">
                                   <p:stCondLst>
                                     <p:cond delay="0"/>
                                   </p:stCondLst>
                                   <p:childTnLst>
                                     <p:set>
                                       <p:cBhvr>
-                                        <p:cTn id="52" dur="1" fill="hold">
+                                        <p:cTn id="44" dur="1" fill="hold">
                                           <p:stCondLst>
                                             <p:cond delay="0"/>
                                           </p:stCondLst>
                                         </p:cTn>
                                         <p:tgtEl>
-                                          <p:spTgt spid="22">
-                                            <p:txEl>
-                                              <p:pRg st="5" end="5"/>
-                                            </p:txEl>
-                                          </p:spTgt>
+                                          <p:spTgt spid="6"/>
                                         </p:tgtEl>
                                         <p:attrNameLst>
                                           <p:attrName>style.visibility</p:attrName>
@@ -14067,74 +14351,9 @@
                                     </p:set>
                                     <p:animEffect transition="in" filter="fade">
                                       <p:cBhvr>
-                                        <p:cTn id="53" dur="500"/>
+                                        <p:cTn id="45" dur="500"/>
                                         <p:tgtEl>
-                                          <p:spTgt spid="22">
-                                            <p:txEl>
-                                              <p:pRg st="5" end="5"/>
-                                            </p:txEl>
-                                          </p:spTgt>
-                                        </p:tgtEl>
-                                      </p:cBhvr>
-                                    </p:animEffect>
-                                  </p:childTnLst>
-                                </p:cTn>
-                              </p:par>
-                            </p:childTnLst>
-                          </p:cTn>
-                        </p:par>
-                      </p:childTnLst>
-                    </p:cTn>
-                  </p:par>
-                  <p:par>
-                    <p:cTn id="54" fill="hold">
-                      <p:stCondLst>
-                        <p:cond delay="indefinite"/>
-                      </p:stCondLst>
-                      <p:childTnLst>
-                        <p:par>
-                          <p:cTn id="55" fill="hold">
-                            <p:stCondLst>
-                              <p:cond delay="0"/>
-                            </p:stCondLst>
-                            <p:childTnLst>
-                              <p:par>
-                                <p:cTn id="56" presetID="10" presetClass="entr" presetSubtype="0" fill="hold" nodeType="clickEffect">
-                                  <p:stCondLst>
-                                    <p:cond delay="0"/>
-                                  </p:stCondLst>
-                                  <p:childTnLst>
-                                    <p:set>
-                                      <p:cBhvr>
-                                        <p:cTn id="57" dur="1" fill="hold">
-                                          <p:stCondLst>
-                                            <p:cond delay="0"/>
-                                          </p:stCondLst>
-                                        </p:cTn>
-                                        <p:tgtEl>
-                                          <p:spTgt spid="22">
-                                            <p:txEl>
-                                              <p:pRg st="7" end="7"/>
-                                            </p:txEl>
-                                          </p:spTgt>
-                                        </p:tgtEl>
-                                        <p:attrNameLst>
-                                          <p:attrName>style.visibility</p:attrName>
-                                        </p:attrNameLst>
-                                      </p:cBhvr>
-                                      <p:to>
-                                        <p:strVal val="visible"/>
-                                      </p:to>
-                                    </p:set>
-                                    <p:animEffect transition="in" filter="fade">
-                                      <p:cBhvr>
-                                        <p:cTn id="58" dur="500"/>
-                                        <p:tgtEl>
-                                          <p:spTgt spid="22">
-                                            <p:txEl>
-                                              <p:pRg st="7" end="7"/>
-                                            </p:txEl>
-                                          </p:spTgt>
+                                          <p:spTgt spid="6"/>
                                         </p:tgtEl>
                                       </p:cBhvr>
                                     </p:animEffect>
@@ -14174,6 +14393,8 @@
       <p:bldP spid="13" grpId="0"/>
       <p:bldP spid="14" grpId="0" animBg="1"/>
       <p:bldP spid="15" grpId="0" animBg="1"/>
+      <p:bldP spid="22" grpId="0"/>
+      <p:bldP spid="27" grpId="0"/>
     </p:bldLst>
   </p:timing>
 </p:sld>
@@ -14196,6 +14417,57 @@
           <a:chExt cx="0" cy="0"/>
         </a:xfrm>
       </p:grpSpPr>
+      <p:sp>
+        <p:nvSpPr>
+          <p:cNvPr id="27" name="矩形 26">
+            <a:extLst>
+              <a:ext uri="{FF2B5EF4-FFF2-40B4-BE49-F238E27FC236}">
+                <a16:creationId xmlns:a16="http://schemas.microsoft.com/office/drawing/2014/main" id="{BD9C668A-236A-8238-6735-DBC9E0DED277}"/>
+              </a:ext>
+            </a:extLst>
+          </p:cNvPr>
+          <p:cNvSpPr/>
+          <p:nvPr/>
+        </p:nvSpPr>
+        <p:spPr>
+          <a:xfrm>
+            <a:off x="6631483" y="1008690"/>
+            <a:ext cx="5003387" cy="3463969"/>
+          </a:xfrm>
+          <a:prstGeom prst="rect">
+            <a:avLst/>
+          </a:prstGeom>
+          <a:solidFill>
+            <a:schemeClr val="bg1">
+              <a:lumMod val="85000"/>
+            </a:schemeClr>
+          </a:solidFill>
+        </p:spPr>
+        <p:style>
+          <a:lnRef idx="2">
+            <a:schemeClr val="accent1">
+              <a:shade val="15000"/>
+            </a:schemeClr>
+          </a:lnRef>
+          <a:fillRef idx="1">
+            <a:schemeClr val="accent1"/>
+          </a:fillRef>
+          <a:effectRef idx="0">
+            <a:schemeClr val="accent1"/>
+          </a:effectRef>
+          <a:fontRef idx="minor">
+            <a:schemeClr val="lt1"/>
+          </a:fontRef>
+        </p:style>
+        <p:txBody>
+          <a:bodyPr rtlCol="0" anchor="ctr"/>
+          <a:lstStyle/>
+          <a:p>
+            <a:pPr algn="ctr"/>
+            <a:endParaRPr lang="zh-CN" altLang="en-US"/>
+          </a:p>
+        </p:txBody>
+      </p:sp>
       <p:sp>
         <p:nvSpPr>
           <p:cNvPr id="3" name="矩形 2"/>
@@ -14232,18 +14504,44 @@
                 <a:solidFill>
                   <a:schemeClr val="tx1"/>
                 </a:solidFill>
-                <a:latin typeface="微软雅黑" panose="020B0503020204020204" pitchFamily="34" charset="-122"/>
-                <a:ea typeface="微软雅黑" panose="020B0503020204020204" pitchFamily="34" charset="-122"/>
+                <a:latin typeface="Times New Roman" panose="02020603050405020304" pitchFamily="18" charset="0"/>
+                <a:ea typeface="微软雅黑" panose="020B0503020204020204" pitchFamily="34" charset="-122"/>
+                <a:cs typeface="Times New Roman" panose="02020603050405020304" pitchFamily="18" charset="0"/>
                 <a:sym typeface="+mn-ea"/>
               </a:rPr>
-              <a:t>。</a:t>
+              <a:t>最常见的单步法：</a:t>
+            </a:r>
+            <a:r>
+              <a:rPr lang="en-US" altLang="zh-CN" sz="2800" b="1" dirty="0">
+                <a:solidFill>
+                  <a:schemeClr val="tx1"/>
+                </a:solidFill>
+                <a:latin typeface="Times New Roman" panose="02020603050405020304" pitchFamily="18" charset="0"/>
+                <a:ea typeface="微软雅黑" panose="020B0503020204020204" pitchFamily="34" charset="-122"/>
+                <a:cs typeface="Times New Roman" panose="02020603050405020304" pitchFamily="18" charset="0"/>
+                <a:sym typeface="+mn-ea"/>
+              </a:rPr>
+              <a:t>Runge-</a:t>
+            </a:r>
+            <a:r>
+              <a:rPr lang="en-US" altLang="zh-CN" sz="2800" b="1" dirty="0" err="1">
+                <a:solidFill>
+                  <a:schemeClr val="tx1"/>
+                </a:solidFill>
+                <a:latin typeface="Times New Roman" panose="02020603050405020304" pitchFamily="18" charset="0"/>
+                <a:ea typeface="微软雅黑" panose="020B0503020204020204" pitchFamily="34" charset="-122"/>
+                <a:cs typeface="Times New Roman" panose="02020603050405020304" pitchFamily="18" charset="0"/>
+                <a:sym typeface="+mn-ea"/>
+              </a:rPr>
+              <a:t>Kutta</a:t>
             </a:r>
             <a:endParaRPr lang="en-US" altLang="zh-CN" sz="2800" b="1" dirty="0">
               <a:solidFill>
                 <a:schemeClr val="tx1"/>
               </a:solidFill>
-              <a:latin typeface="微软雅黑" panose="020B0503020204020204" pitchFamily="34" charset="-122"/>
+              <a:latin typeface="Times New Roman" panose="02020603050405020304" pitchFamily="18" charset="0"/>
               <a:ea typeface="微软雅黑" panose="020B0503020204020204" pitchFamily="34" charset="-122"/>
+              <a:cs typeface="Times New Roman" panose="02020603050405020304" pitchFamily="18" charset="0"/>
               <a:sym typeface="+mn-ea"/>
             </a:endParaRPr>
           </a:p>
@@ -14328,6 +14626,1316 @@
           </a:p>
         </p:txBody>
       </p:sp>
+      <p:graphicFrame>
+        <p:nvGraphicFramePr>
+          <p:cNvPr id="2" name="对象 1">
+            <a:extLst>
+              <a:ext uri="{FF2B5EF4-FFF2-40B4-BE49-F238E27FC236}">
+                <a16:creationId xmlns:a16="http://schemas.microsoft.com/office/drawing/2014/main" id="{D4A684F6-1B2E-9514-8864-DC60C50C6632}"/>
+              </a:ext>
+            </a:extLst>
+          </p:cNvPr>
+          <p:cNvGraphicFramePr>
+            <a:graphicFrameLocks noChangeAspect="1"/>
+          </p:cNvGraphicFramePr>
+          <p:nvPr>
+            <p:extLst>
+              <p:ext uri="{D42A27DB-BD31-4B8C-83A1-F6EECF244321}">
+                <p14:modId xmlns:p14="http://schemas.microsoft.com/office/powerpoint/2010/main" val="352642590"/>
+              </p:ext>
+            </p:extLst>
+          </p:nvPr>
+        </p:nvGraphicFramePr>
+        <p:xfrm>
+          <a:off x="1343025" y="1911350"/>
+          <a:ext cx="2222500" cy="806450"/>
+        </p:xfrm>
+        <a:graphic>
+          <a:graphicData uri="http://schemas.openxmlformats.org/presentationml/2006/ole">
+            <mc:AlternateContent xmlns:mc="http://schemas.openxmlformats.org/markup-compatibility/2006">
+              <mc:Choice xmlns:v="urn:schemas-microsoft-com:vml" Requires="v">
+                <p:oleObj name="AxMath" r:id="rId2" imgW="1112040" imgH="403560" progId="Equation.AxMath">
+                  <p:embed/>
+                </p:oleObj>
+              </mc:Choice>
+              <mc:Fallback>
+                <p:oleObj name="AxMath" r:id="rId2" imgW="1112040" imgH="403560" progId="Equation.AxMath">
+                  <p:embed/>
+                  <p:pic>
+                    <p:nvPicPr>
+                      <p:cNvPr id="0" name=""/>
+                      <p:cNvPicPr/>
+                      <p:nvPr/>
+                    </p:nvPicPr>
+                    <p:blipFill>
+                      <a:blip r:embed="rId3"/>
+                      <a:stretch>
+                        <a:fillRect/>
+                      </a:stretch>
+                    </p:blipFill>
+                    <p:spPr>
+                      <a:xfrm>
+                        <a:off x="1343025" y="1911350"/>
+                        <a:ext cx="2222500" cy="806450"/>
+                      </a:xfrm>
+                      <a:prstGeom prst="rect">
+                        <a:avLst/>
+                      </a:prstGeom>
+                    </p:spPr>
+                  </p:pic>
+                </p:oleObj>
+              </mc:Fallback>
+            </mc:AlternateContent>
+          </a:graphicData>
+        </a:graphic>
+      </p:graphicFrame>
+      <p:graphicFrame>
+        <p:nvGraphicFramePr>
+          <p:cNvPr id="4" name="对象 3">
+            <a:extLst>
+              <a:ext uri="{FF2B5EF4-FFF2-40B4-BE49-F238E27FC236}">
+                <a16:creationId xmlns:a16="http://schemas.microsoft.com/office/drawing/2014/main" id="{F8364126-ECB7-FE4B-02FC-465BC68D86D6}"/>
+              </a:ext>
+            </a:extLst>
+          </p:cNvPr>
+          <p:cNvGraphicFramePr>
+            <a:graphicFrameLocks noChangeAspect="1"/>
+          </p:cNvGraphicFramePr>
+          <p:nvPr>
+            <p:extLst>
+              <p:ext uri="{D42A27DB-BD31-4B8C-83A1-F6EECF244321}">
+                <p14:modId xmlns:p14="http://schemas.microsoft.com/office/powerpoint/2010/main" val="3144289802"/>
+              </p:ext>
+            </p:extLst>
+          </p:nvPr>
+        </p:nvGraphicFramePr>
+        <p:xfrm>
+          <a:off x="768742" y="2914083"/>
+          <a:ext cx="3857625" cy="1193800"/>
+        </p:xfrm>
+        <a:graphic>
+          <a:graphicData uri="http://schemas.openxmlformats.org/presentationml/2006/ole">
+            <mc:AlternateContent xmlns:mc="http://schemas.openxmlformats.org/markup-compatibility/2006">
+              <mc:Choice xmlns:v="urn:schemas-microsoft-com:vml" Requires="v">
+                <p:oleObj name="AxMath" r:id="rId4" imgW="1928880" imgH="596880" progId="Equation.AxMath">
+                  <p:embed/>
+                </p:oleObj>
+              </mc:Choice>
+              <mc:Fallback>
+                <p:oleObj name="AxMath" r:id="rId4" imgW="1928880" imgH="596880" progId="Equation.AxMath">
+                  <p:embed/>
+                  <p:pic>
+                    <p:nvPicPr>
+                      <p:cNvPr id="0" name=""/>
+                      <p:cNvPicPr/>
+                      <p:nvPr/>
+                    </p:nvPicPr>
+                    <p:blipFill>
+                      <a:blip r:embed="rId5"/>
+                      <a:stretch>
+                        <a:fillRect/>
+                      </a:stretch>
+                    </p:blipFill>
+                    <p:spPr>
+                      <a:xfrm>
+                        <a:off x="768742" y="2914083"/>
+                        <a:ext cx="3857625" cy="1193800"/>
+                      </a:xfrm>
+                      <a:prstGeom prst="rect">
+                        <a:avLst/>
+                      </a:prstGeom>
+                    </p:spPr>
+                  </p:pic>
+                </p:oleObj>
+              </mc:Fallback>
+            </mc:AlternateContent>
+          </a:graphicData>
+        </a:graphic>
+      </p:graphicFrame>
+      <p:sp>
+        <p:nvSpPr>
+          <p:cNvPr id="6" name="矩形 5">
+            <a:extLst>
+              <a:ext uri="{FF2B5EF4-FFF2-40B4-BE49-F238E27FC236}">
+                <a16:creationId xmlns:a16="http://schemas.microsoft.com/office/drawing/2014/main" id="{B7886068-D436-A69E-64C7-6D1312E96F58}"/>
+              </a:ext>
+            </a:extLst>
+          </p:cNvPr>
+          <p:cNvSpPr/>
+          <p:nvPr/>
+        </p:nvSpPr>
+        <p:spPr>
+          <a:xfrm>
+            <a:off x="2792160" y="1717962"/>
+            <a:ext cx="1210119" cy="400110"/>
+          </a:xfrm>
+          <a:prstGeom prst="rect">
+            <a:avLst/>
+          </a:prstGeom>
+        </p:spPr>
+        <p:txBody>
+          <a:bodyPr wrap="square">
+            <a:spAutoFit/>
+          </a:bodyPr>
+          <a:lstStyle/>
+          <a:p>
+            <a:pPr algn="ctr" fontAlgn="auto">
+              <a:spcAft>
+                <a:spcPts val="0"/>
+              </a:spcAft>
+            </a:pPr>
+            <a:r>
+              <a:rPr lang="zh-CN" altLang="en-US" sz="2000" b="1" dirty="0">
+                <a:solidFill>
+                  <a:srgbClr val="0000FF"/>
+                </a:solidFill>
+                <a:latin typeface="微软雅黑" panose="020B0503020204020204" pitchFamily="34" charset="-122"/>
+                <a:ea typeface="微软雅黑" panose="020B0503020204020204" pitchFamily="34" charset="-122"/>
+              </a:rPr>
+              <a:t>权重</a:t>
+            </a:r>
+            <a:endParaRPr lang="zh-CN" sz="2000" b="1" dirty="0">
+              <a:solidFill>
+                <a:srgbClr val="0000FF"/>
+              </a:solidFill>
+              <a:latin typeface="微软雅黑" panose="020B0503020204020204" pitchFamily="34" charset="-122"/>
+              <a:ea typeface="微软雅黑" panose="020B0503020204020204" pitchFamily="34" charset="-122"/>
+            </a:endParaRPr>
+          </a:p>
+        </p:txBody>
+      </p:sp>
+      <p:sp>
+        <p:nvSpPr>
+          <p:cNvPr id="7" name="矩形 6">
+            <a:extLst>
+              <a:ext uri="{FF2B5EF4-FFF2-40B4-BE49-F238E27FC236}">
+                <a16:creationId xmlns:a16="http://schemas.microsoft.com/office/drawing/2014/main" id="{08018611-5FB2-4E9B-7154-C7EFBEE79358}"/>
+              </a:ext>
+            </a:extLst>
+          </p:cNvPr>
+          <p:cNvSpPr/>
+          <p:nvPr/>
+        </p:nvSpPr>
+        <p:spPr>
+          <a:xfrm>
+            <a:off x="3528983" y="2593827"/>
+            <a:ext cx="1210119" cy="400110"/>
+          </a:xfrm>
+          <a:prstGeom prst="rect">
+            <a:avLst/>
+          </a:prstGeom>
+        </p:spPr>
+        <p:txBody>
+          <a:bodyPr wrap="square">
+            <a:spAutoFit/>
+          </a:bodyPr>
+          <a:lstStyle/>
+          <a:p>
+            <a:pPr algn="ctr" fontAlgn="auto">
+              <a:spcAft>
+                <a:spcPts val="0"/>
+              </a:spcAft>
+            </a:pPr>
+            <a:r>
+              <a:rPr lang="en-US" altLang="zh-CN" sz="2000" b="1" dirty="0">
+                <a:solidFill>
+                  <a:srgbClr val="0000FF"/>
+                </a:solidFill>
+                <a:latin typeface="微软雅黑" panose="020B0503020204020204" pitchFamily="34" charset="-122"/>
+                <a:ea typeface="微软雅黑" panose="020B0503020204020204" pitchFamily="34" charset="-122"/>
+              </a:rPr>
+              <a:t>RK</a:t>
+            </a:r>
+            <a:r>
+              <a:rPr lang="zh-CN" altLang="en-US" sz="2000" b="1" dirty="0">
+                <a:solidFill>
+                  <a:srgbClr val="0000FF"/>
+                </a:solidFill>
+                <a:latin typeface="微软雅黑" panose="020B0503020204020204" pitchFamily="34" charset="-122"/>
+                <a:ea typeface="微软雅黑" panose="020B0503020204020204" pitchFamily="34" charset="-122"/>
+              </a:rPr>
+              <a:t>矩阵</a:t>
+            </a:r>
+            <a:endParaRPr lang="zh-CN" sz="2000" b="1" dirty="0">
+              <a:solidFill>
+                <a:srgbClr val="0000FF"/>
+              </a:solidFill>
+              <a:latin typeface="微软雅黑" panose="020B0503020204020204" pitchFamily="34" charset="-122"/>
+              <a:ea typeface="微软雅黑" panose="020B0503020204020204" pitchFamily="34" charset="-122"/>
+            </a:endParaRPr>
+          </a:p>
+        </p:txBody>
+      </p:sp>
+      <p:sp>
+        <p:nvSpPr>
+          <p:cNvPr id="8" name="矩形 7">
+            <a:extLst>
+              <a:ext uri="{FF2B5EF4-FFF2-40B4-BE49-F238E27FC236}">
+                <a16:creationId xmlns:a16="http://schemas.microsoft.com/office/drawing/2014/main" id="{75B341F8-F52A-674D-E9FF-AF7872335423}"/>
+              </a:ext>
+            </a:extLst>
+          </p:cNvPr>
+          <p:cNvSpPr/>
+          <p:nvPr/>
+        </p:nvSpPr>
+        <p:spPr>
+          <a:xfrm>
+            <a:off x="1874509" y="2652083"/>
+            <a:ext cx="1210119" cy="400110"/>
+          </a:xfrm>
+          <a:prstGeom prst="rect">
+            <a:avLst/>
+          </a:prstGeom>
+        </p:spPr>
+        <p:txBody>
+          <a:bodyPr wrap="square">
+            <a:spAutoFit/>
+          </a:bodyPr>
+          <a:lstStyle/>
+          <a:p>
+            <a:pPr algn="ctr" fontAlgn="auto">
+              <a:spcAft>
+                <a:spcPts val="0"/>
+              </a:spcAft>
+            </a:pPr>
+            <a:r>
+              <a:rPr lang="zh-CN" altLang="en-US" sz="2000" b="1" dirty="0">
+                <a:solidFill>
+                  <a:srgbClr val="0000FF"/>
+                </a:solidFill>
+                <a:latin typeface="微软雅黑" panose="020B0503020204020204" pitchFamily="34" charset="-122"/>
+                <a:ea typeface="微软雅黑" panose="020B0503020204020204" pitchFamily="34" charset="-122"/>
+              </a:rPr>
+              <a:t>节点</a:t>
+            </a:r>
+            <a:endParaRPr lang="zh-CN" sz="2000" b="1" dirty="0">
+              <a:solidFill>
+                <a:srgbClr val="0000FF"/>
+              </a:solidFill>
+              <a:latin typeface="微软雅黑" panose="020B0503020204020204" pitchFamily="34" charset="-122"/>
+              <a:ea typeface="微软雅黑" panose="020B0503020204020204" pitchFamily="34" charset="-122"/>
+            </a:endParaRPr>
+          </a:p>
+        </p:txBody>
+      </p:sp>
+      <p:sp>
+        <p:nvSpPr>
+          <p:cNvPr id="9" name="矩形 8">
+            <a:extLst>
+              <a:ext uri="{FF2B5EF4-FFF2-40B4-BE49-F238E27FC236}">
+                <a16:creationId xmlns:a16="http://schemas.microsoft.com/office/drawing/2014/main" id="{F7AC347B-FE5F-E81F-111A-C3B9F25E8FF8}"/>
+              </a:ext>
+            </a:extLst>
+          </p:cNvPr>
+          <p:cNvSpPr/>
+          <p:nvPr/>
+        </p:nvSpPr>
+        <p:spPr>
+          <a:xfrm>
+            <a:off x="6744513" y="1150614"/>
+            <a:ext cx="4613531" cy="954107"/>
+          </a:xfrm>
+          <a:prstGeom prst="rect">
+            <a:avLst/>
+          </a:prstGeom>
+        </p:spPr>
+        <p:txBody>
+          <a:bodyPr wrap="square">
+            <a:spAutoFit/>
+          </a:bodyPr>
+          <a:lstStyle/>
+          <a:p>
+            <a:pPr algn="ctr" fontAlgn="auto">
+              <a:spcAft>
+                <a:spcPts val="0"/>
+              </a:spcAft>
+            </a:pPr>
+            <a:r>
+              <a:rPr lang="zh-CN" altLang="en-US" sz="2800" b="1" dirty="0">
+                <a:latin typeface="微软雅黑" panose="020B0503020204020204" pitchFamily="34" charset="-122"/>
+                <a:ea typeface="微软雅黑" panose="020B0503020204020204" pitchFamily="34" charset="-122"/>
+              </a:rPr>
+              <a:t>用步长内若干点的</a:t>
+            </a:r>
+            <a:r>
+              <a:rPr lang="zh-CN" altLang="en-US" sz="2800" b="1" dirty="0">
+                <a:solidFill>
+                  <a:srgbClr val="FF0000"/>
+                </a:solidFill>
+                <a:latin typeface="微软雅黑" panose="020B0503020204020204" pitchFamily="34" charset="-122"/>
+                <a:ea typeface="微软雅黑" panose="020B0503020204020204" pitchFamily="34" charset="-122"/>
+              </a:rPr>
+              <a:t>右函数值的线性组合</a:t>
+            </a:r>
+            <a:r>
+              <a:rPr lang="zh-CN" altLang="en-US" sz="2800" b="1" dirty="0">
+                <a:latin typeface="微软雅黑" panose="020B0503020204020204" pitchFamily="34" charset="-122"/>
+                <a:ea typeface="微软雅黑" panose="020B0503020204020204" pitchFamily="34" charset="-122"/>
+              </a:rPr>
+              <a:t>代替</a:t>
+            </a:r>
+            <a:r>
+              <a:rPr lang="zh-CN" altLang="en-US" sz="2800" b="1" dirty="0">
+                <a:solidFill>
+                  <a:srgbClr val="FF0000"/>
+                </a:solidFill>
+                <a:latin typeface="微软雅黑" panose="020B0503020204020204" pitchFamily="34" charset="-122"/>
+                <a:ea typeface="微软雅黑" panose="020B0503020204020204" pitchFamily="34" charset="-122"/>
+              </a:rPr>
+              <a:t>右函数导数</a:t>
+            </a:r>
+            <a:endParaRPr lang="zh-CN" sz="2800" b="1" dirty="0">
+              <a:solidFill>
+                <a:srgbClr val="FF0000"/>
+              </a:solidFill>
+              <a:latin typeface="微软雅黑" panose="020B0503020204020204" pitchFamily="34" charset="-122"/>
+              <a:ea typeface="微软雅黑" panose="020B0503020204020204" pitchFamily="34" charset="-122"/>
+            </a:endParaRPr>
+          </a:p>
+        </p:txBody>
+      </p:sp>
+      <p:sp>
+        <p:nvSpPr>
+          <p:cNvPr id="10" name="矩形 9">
+            <a:extLst>
+              <a:ext uri="{FF2B5EF4-FFF2-40B4-BE49-F238E27FC236}">
+                <a16:creationId xmlns:a16="http://schemas.microsoft.com/office/drawing/2014/main" id="{36218F0E-8826-64D1-E785-FD0A74A633C8}"/>
+              </a:ext>
+            </a:extLst>
+          </p:cNvPr>
+          <p:cNvSpPr/>
+          <p:nvPr/>
+        </p:nvSpPr>
+        <p:spPr>
+          <a:xfrm>
+            <a:off x="6912512" y="5826757"/>
+            <a:ext cx="4745336" cy="461665"/>
+          </a:xfrm>
+          <a:prstGeom prst="rect">
+            <a:avLst/>
+          </a:prstGeom>
+        </p:spPr>
+        <p:txBody>
+          <a:bodyPr wrap="square">
+            <a:spAutoFit/>
+          </a:bodyPr>
+          <a:lstStyle/>
+          <a:p>
+            <a:pPr algn="ctr" fontAlgn="auto">
+              <a:spcAft>
+                <a:spcPts val="0"/>
+              </a:spcAft>
+            </a:pPr>
+            <a:r>
+              <a:rPr lang="zh-CN" altLang="en-US" sz="2400" b="1" dirty="0">
+                <a:latin typeface="微软雅黑" panose="020B0503020204020204" pitchFamily="34" charset="-122"/>
+                <a:ea typeface="微软雅黑" panose="020B0503020204020204" pitchFamily="34" charset="-122"/>
+              </a:rPr>
+              <a:t>用泰勒展开式确定系数（不唯一）</a:t>
+            </a:r>
+            <a:endParaRPr lang="zh-CN" sz="2400" b="1" dirty="0">
+              <a:latin typeface="微软雅黑" panose="020B0503020204020204" pitchFamily="34" charset="-122"/>
+              <a:ea typeface="微软雅黑" panose="020B0503020204020204" pitchFamily="34" charset="-122"/>
+            </a:endParaRPr>
+          </a:p>
+        </p:txBody>
+      </p:sp>
+      <p:graphicFrame>
+        <p:nvGraphicFramePr>
+          <p:cNvPr id="11" name="对象 10">
+            <a:extLst>
+              <a:ext uri="{FF2B5EF4-FFF2-40B4-BE49-F238E27FC236}">
+                <a16:creationId xmlns:a16="http://schemas.microsoft.com/office/drawing/2014/main" id="{3776C89C-F168-DAF8-E37E-1E1F0903E185}"/>
+              </a:ext>
+            </a:extLst>
+          </p:cNvPr>
+          <p:cNvGraphicFramePr>
+            <a:graphicFrameLocks noChangeAspect="1"/>
+          </p:cNvGraphicFramePr>
+          <p:nvPr>
+            <p:extLst>
+              <p:ext uri="{D42A27DB-BD31-4B8C-83A1-F6EECF244321}">
+                <p14:modId xmlns:p14="http://schemas.microsoft.com/office/powerpoint/2010/main" val="2138806609"/>
+              </p:ext>
+            </p:extLst>
+          </p:nvPr>
+        </p:nvGraphicFramePr>
+        <p:xfrm>
+          <a:off x="734769" y="4472659"/>
+          <a:ext cx="3651250" cy="1181100"/>
+        </p:xfrm>
+        <a:graphic>
+          <a:graphicData uri="http://schemas.openxmlformats.org/presentationml/2006/ole">
+            <mc:AlternateContent xmlns:mc="http://schemas.openxmlformats.org/markup-compatibility/2006">
+              <mc:Choice xmlns:v="urn:schemas-microsoft-com:vml" Requires="v">
+                <p:oleObj name="AxMath" r:id="rId6" imgW="1825920" imgH="590040" progId="Equation.AxMath">
+                  <p:embed/>
+                </p:oleObj>
+              </mc:Choice>
+              <mc:Fallback>
+                <p:oleObj name="AxMath" r:id="rId6" imgW="1825920" imgH="590040" progId="Equation.AxMath">
+                  <p:embed/>
+                  <p:pic>
+                    <p:nvPicPr>
+                      <p:cNvPr id="4" name="对象 3">
+                        <a:extLst>
+                          <a:ext uri="{FF2B5EF4-FFF2-40B4-BE49-F238E27FC236}">
+                            <a16:creationId xmlns:a16="http://schemas.microsoft.com/office/drawing/2014/main" id="{F8364126-ECB7-FE4B-02FC-465BC68D86D6}"/>
+                          </a:ext>
+                        </a:extLst>
+                      </p:cNvPr>
+                      <p:cNvPicPr/>
+                      <p:nvPr/>
+                    </p:nvPicPr>
+                    <p:blipFill>
+                      <a:blip r:embed="rId7"/>
+                      <a:stretch>
+                        <a:fillRect/>
+                      </a:stretch>
+                    </p:blipFill>
+                    <p:spPr>
+                      <a:xfrm>
+                        <a:off x="734769" y="4472659"/>
+                        <a:ext cx="3651250" cy="1181100"/>
+                      </a:xfrm>
+                      <a:prstGeom prst="rect">
+                        <a:avLst/>
+                      </a:prstGeom>
+                    </p:spPr>
+                  </p:pic>
+                </p:oleObj>
+              </mc:Fallback>
+            </mc:AlternateContent>
+          </a:graphicData>
+        </a:graphic>
+      </p:graphicFrame>
+      <p:graphicFrame>
+        <p:nvGraphicFramePr>
+          <p:cNvPr id="14" name="对象 13">
+            <a:extLst>
+              <a:ext uri="{FF2B5EF4-FFF2-40B4-BE49-F238E27FC236}">
+                <a16:creationId xmlns:a16="http://schemas.microsoft.com/office/drawing/2014/main" id="{2C235011-0428-462A-0A5D-6BA9F0CBEC59}"/>
+              </a:ext>
+            </a:extLst>
+          </p:cNvPr>
+          <p:cNvGraphicFramePr>
+            <a:graphicFrameLocks noChangeAspect="1"/>
+          </p:cNvGraphicFramePr>
+          <p:nvPr>
+            <p:extLst>
+              <p:ext uri="{D42A27DB-BD31-4B8C-83A1-F6EECF244321}">
+                <p14:modId xmlns:p14="http://schemas.microsoft.com/office/powerpoint/2010/main" val="4236109840"/>
+              </p:ext>
+            </p:extLst>
+          </p:nvPr>
+        </p:nvGraphicFramePr>
+        <p:xfrm>
+          <a:off x="749300" y="5933514"/>
+          <a:ext cx="5632450" cy="698500"/>
+        </p:xfrm>
+        <a:graphic>
+          <a:graphicData uri="http://schemas.openxmlformats.org/presentationml/2006/ole">
+            <mc:AlternateContent xmlns:mc="http://schemas.openxmlformats.org/markup-compatibility/2006">
+              <mc:Choice xmlns:v="urn:schemas-microsoft-com:vml" Requires="v">
+                <p:oleObj name="AxMath" r:id="rId8" imgW="2816280" imgH="348480" progId="Equation.AxMath">
+                  <p:embed/>
+                </p:oleObj>
+              </mc:Choice>
+              <mc:Fallback>
+                <p:oleObj name="AxMath" r:id="rId8" imgW="2816280" imgH="348480" progId="Equation.AxMath">
+                  <p:embed/>
+                  <p:pic>
+                    <p:nvPicPr>
+                      <p:cNvPr id="11" name="对象 10">
+                        <a:extLst>
+                          <a:ext uri="{FF2B5EF4-FFF2-40B4-BE49-F238E27FC236}">
+                            <a16:creationId xmlns:a16="http://schemas.microsoft.com/office/drawing/2014/main" id="{3776C89C-F168-DAF8-E37E-1E1F0903E185}"/>
+                          </a:ext>
+                        </a:extLst>
+                      </p:cNvPr>
+                      <p:cNvPicPr/>
+                      <p:nvPr/>
+                    </p:nvPicPr>
+                    <p:blipFill>
+                      <a:blip r:embed="rId9"/>
+                      <a:stretch>
+                        <a:fillRect/>
+                      </a:stretch>
+                    </p:blipFill>
+                    <p:spPr>
+                      <a:xfrm>
+                        <a:off x="749300" y="5933514"/>
+                        <a:ext cx="5632450" cy="698500"/>
+                      </a:xfrm>
+                      <a:prstGeom prst="rect">
+                        <a:avLst/>
+                      </a:prstGeom>
+                    </p:spPr>
+                  </p:pic>
+                </p:oleObj>
+              </mc:Fallback>
+            </mc:AlternateContent>
+          </a:graphicData>
+        </a:graphic>
+      </p:graphicFrame>
+      <p:graphicFrame>
+        <p:nvGraphicFramePr>
+          <p:cNvPr id="15" name="对象 14">
+            <a:extLst>
+              <a:ext uri="{FF2B5EF4-FFF2-40B4-BE49-F238E27FC236}">
+                <a16:creationId xmlns:a16="http://schemas.microsoft.com/office/drawing/2014/main" id="{75F603A0-4C33-B30D-9FF7-6428A32A98E0}"/>
+              </a:ext>
+            </a:extLst>
+          </p:cNvPr>
+          <p:cNvGraphicFramePr>
+            <a:graphicFrameLocks noChangeAspect="1"/>
+          </p:cNvGraphicFramePr>
+          <p:nvPr>
+            <p:extLst>
+              <p:ext uri="{D42A27DB-BD31-4B8C-83A1-F6EECF244321}">
+                <p14:modId xmlns:p14="http://schemas.microsoft.com/office/powerpoint/2010/main" val="3831904140"/>
+              </p:ext>
+            </p:extLst>
+          </p:nvPr>
+        </p:nvGraphicFramePr>
+        <p:xfrm>
+          <a:off x="7035154" y="4976484"/>
+          <a:ext cx="4032250" cy="806450"/>
+        </p:xfrm>
+        <a:graphic>
+          <a:graphicData uri="http://schemas.openxmlformats.org/presentationml/2006/ole">
+            <mc:AlternateContent xmlns:mc="http://schemas.openxmlformats.org/markup-compatibility/2006">
+              <mc:Choice xmlns:v="urn:schemas-microsoft-com:vml" Requires="v">
+                <p:oleObj name="AxMath" r:id="rId10" imgW="2016360" imgH="403560" progId="Equation.AxMath">
+                  <p:embed/>
+                </p:oleObj>
+              </mc:Choice>
+              <mc:Fallback>
+                <p:oleObj name="AxMath" r:id="rId10" imgW="2016360" imgH="403560" progId="Equation.AxMath">
+                  <p:embed/>
+                  <p:pic>
+                    <p:nvPicPr>
+                      <p:cNvPr id="0" name=""/>
+                      <p:cNvPicPr/>
+                      <p:nvPr/>
+                    </p:nvPicPr>
+                    <p:blipFill>
+                      <a:blip r:embed="rId11"/>
+                      <a:stretch>
+                        <a:fillRect/>
+                      </a:stretch>
+                    </p:blipFill>
+                    <p:spPr>
+                      <a:xfrm>
+                        <a:off x="7035154" y="4976484"/>
+                        <a:ext cx="4032250" cy="806450"/>
+                      </a:xfrm>
+                      <a:prstGeom prst="rect">
+                        <a:avLst/>
+                      </a:prstGeom>
+                    </p:spPr>
+                  </p:pic>
+                </p:oleObj>
+              </mc:Fallback>
+            </mc:AlternateContent>
+          </a:graphicData>
+        </a:graphic>
+      </p:graphicFrame>
+      <p:sp>
+        <p:nvSpPr>
+          <p:cNvPr id="16" name="矩形 15">
+            <a:extLst>
+              <a:ext uri="{FF2B5EF4-FFF2-40B4-BE49-F238E27FC236}">
+                <a16:creationId xmlns:a16="http://schemas.microsoft.com/office/drawing/2014/main" id="{62DF15F0-3AAE-C588-FE88-85F0037EE422}"/>
+              </a:ext>
+            </a:extLst>
+          </p:cNvPr>
+          <p:cNvSpPr/>
+          <p:nvPr/>
+        </p:nvSpPr>
+        <p:spPr>
+          <a:xfrm>
+            <a:off x="2569590" y="4187583"/>
+            <a:ext cx="1991869" cy="400110"/>
+          </a:xfrm>
+          <a:prstGeom prst="rect">
+            <a:avLst/>
+          </a:prstGeom>
+        </p:spPr>
+        <p:txBody>
+          <a:bodyPr wrap="square">
+            <a:spAutoFit/>
+          </a:bodyPr>
+          <a:lstStyle/>
+          <a:p>
+            <a:pPr algn="ctr" fontAlgn="auto">
+              <a:spcAft>
+                <a:spcPts val="0"/>
+              </a:spcAft>
+            </a:pPr>
+            <a:r>
+              <a:rPr lang="zh-CN" altLang="en-US" sz="2000" b="1" dirty="0">
+                <a:latin typeface="微软雅黑" panose="020B0503020204020204" pitchFamily="34" charset="-122"/>
+                <a:ea typeface="微软雅黑" panose="020B0503020204020204" pitchFamily="34" charset="-122"/>
+              </a:rPr>
+              <a:t>右端泰勒展开</a:t>
+            </a:r>
+            <a:endParaRPr lang="zh-CN" sz="2000" b="1" dirty="0">
+              <a:latin typeface="微软雅黑" panose="020B0503020204020204" pitchFamily="34" charset="-122"/>
+              <a:ea typeface="微软雅黑" panose="020B0503020204020204" pitchFamily="34" charset="-122"/>
+            </a:endParaRPr>
+          </a:p>
+        </p:txBody>
+      </p:sp>
+      <p:sp>
+        <p:nvSpPr>
+          <p:cNvPr id="17" name="矩形 16">
+            <a:extLst>
+              <a:ext uri="{FF2B5EF4-FFF2-40B4-BE49-F238E27FC236}">
+                <a16:creationId xmlns:a16="http://schemas.microsoft.com/office/drawing/2014/main" id="{2C24D937-0E47-78F0-94CB-A4F92BBF6BDA}"/>
+              </a:ext>
+            </a:extLst>
+          </p:cNvPr>
+          <p:cNvSpPr/>
+          <p:nvPr/>
+        </p:nvSpPr>
+        <p:spPr>
+          <a:xfrm>
+            <a:off x="365759" y="5629405"/>
+            <a:ext cx="1991869" cy="400110"/>
+          </a:xfrm>
+          <a:prstGeom prst="rect">
+            <a:avLst/>
+          </a:prstGeom>
+        </p:spPr>
+        <p:txBody>
+          <a:bodyPr wrap="square">
+            <a:spAutoFit/>
+          </a:bodyPr>
+          <a:lstStyle/>
+          <a:p>
+            <a:pPr algn="ctr" fontAlgn="auto">
+              <a:spcAft>
+                <a:spcPts val="0"/>
+              </a:spcAft>
+            </a:pPr>
+            <a:r>
+              <a:rPr lang="zh-CN" altLang="en-US" sz="2000" b="1" dirty="0">
+                <a:latin typeface="微软雅黑" panose="020B0503020204020204" pitchFamily="34" charset="-122"/>
+                <a:ea typeface="微软雅黑" panose="020B0503020204020204" pitchFamily="34" charset="-122"/>
+              </a:rPr>
+              <a:t>原式泰勒展开</a:t>
+            </a:r>
+            <a:endParaRPr lang="zh-CN" sz="2000" b="1" dirty="0">
+              <a:latin typeface="微软雅黑" panose="020B0503020204020204" pitchFamily="34" charset="-122"/>
+              <a:ea typeface="微软雅黑" panose="020B0503020204020204" pitchFamily="34" charset="-122"/>
+            </a:endParaRPr>
+          </a:p>
+        </p:txBody>
+      </p:sp>
+      <p:sp>
+        <p:nvSpPr>
+          <p:cNvPr id="18" name="箭头: 下 17">
+            <a:extLst>
+              <a:ext uri="{FF2B5EF4-FFF2-40B4-BE49-F238E27FC236}">
+                <a16:creationId xmlns:a16="http://schemas.microsoft.com/office/drawing/2014/main" id="{9DBAF3EB-A794-E6F0-27C6-CE9890D9AB7D}"/>
+              </a:ext>
+            </a:extLst>
+          </p:cNvPr>
+          <p:cNvSpPr/>
+          <p:nvPr/>
+        </p:nvSpPr>
+        <p:spPr>
+          <a:xfrm>
+            <a:off x="2284942" y="4077617"/>
+            <a:ext cx="451616" cy="651558"/>
+          </a:xfrm>
+          <a:prstGeom prst="downArrow">
+            <a:avLst/>
+          </a:prstGeom>
+        </p:spPr>
+        <p:style>
+          <a:lnRef idx="2">
+            <a:schemeClr val="accent1">
+              <a:shade val="15000"/>
+            </a:schemeClr>
+          </a:lnRef>
+          <a:fillRef idx="1">
+            <a:schemeClr val="accent1"/>
+          </a:fillRef>
+          <a:effectRef idx="0">
+            <a:schemeClr val="accent1"/>
+          </a:effectRef>
+          <a:fontRef idx="minor">
+            <a:schemeClr val="lt1"/>
+          </a:fontRef>
+        </p:style>
+        <p:txBody>
+          <a:bodyPr rtlCol="0" anchor="ctr"/>
+          <a:lstStyle/>
+          <a:p>
+            <a:pPr algn="ctr"/>
+            <a:endParaRPr lang="zh-CN" altLang="en-US" dirty="0"/>
+          </a:p>
+        </p:txBody>
+      </p:sp>
+      <p:sp>
+        <p:nvSpPr>
+          <p:cNvPr id="19" name="矩形 18">
+            <a:extLst>
+              <a:ext uri="{FF2B5EF4-FFF2-40B4-BE49-F238E27FC236}">
+                <a16:creationId xmlns:a16="http://schemas.microsoft.com/office/drawing/2014/main" id="{1585C8FD-9125-E8E1-41C5-B232C60CA4F2}"/>
+              </a:ext>
+            </a:extLst>
+          </p:cNvPr>
+          <p:cNvSpPr/>
+          <p:nvPr/>
+        </p:nvSpPr>
+        <p:spPr>
+          <a:xfrm>
+            <a:off x="557130" y="2101113"/>
+            <a:ext cx="995935" cy="400110"/>
+          </a:xfrm>
+          <a:prstGeom prst="rect">
+            <a:avLst/>
+          </a:prstGeom>
+        </p:spPr>
+        <p:txBody>
+          <a:bodyPr wrap="square">
+            <a:spAutoFit/>
+          </a:bodyPr>
+          <a:lstStyle/>
+          <a:p>
+            <a:pPr algn="ctr" fontAlgn="auto">
+              <a:spcAft>
+                <a:spcPts val="0"/>
+              </a:spcAft>
+            </a:pPr>
+            <a:r>
+              <a:rPr lang="zh-CN" altLang="en-US" sz="2000" b="1" dirty="0">
+                <a:latin typeface="微软雅黑" panose="020B0503020204020204" pitchFamily="34" charset="-122"/>
+                <a:ea typeface="微软雅黑" panose="020B0503020204020204" pitchFamily="34" charset="-122"/>
+              </a:rPr>
+              <a:t>令</a:t>
+            </a:r>
+            <a:endParaRPr lang="zh-CN" sz="2000" b="1" dirty="0">
+              <a:latin typeface="微软雅黑" panose="020B0503020204020204" pitchFamily="34" charset="-122"/>
+              <a:ea typeface="微软雅黑" panose="020B0503020204020204" pitchFamily="34" charset="-122"/>
+            </a:endParaRPr>
+          </a:p>
+        </p:txBody>
+      </p:sp>
+      <p:pic>
+        <p:nvPicPr>
+          <p:cNvPr id="21" name="图形 20" descr="紧张的脸轮廓 纯色填充">
+            <a:extLst>
+              <a:ext uri="{FF2B5EF4-FFF2-40B4-BE49-F238E27FC236}">
+                <a16:creationId xmlns:a16="http://schemas.microsoft.com/office/drawing/2014/main" id="{64821A42-0AA9-2818-34D2-2BC5B34D7100}"/>
+              </a:ext>
+            </a:extLst>
+          </p:cNvPr>
+          <p:cNvPicPr>
+            <a:picLocks noChangeAspect="1"/>
+          </p:cNvPicPr>
+          <p:nvPr/>
+        </p:nvPicPr>
+        <p:blipFill>
+          <a:blip r:embed="rId12">
+            <a:extLst>
+              <a:ext uri="{96DAC541-7B7A-43D3-8B79-37D633B846F1}">
+                <asvg:svgBlip xmlns:asvg="http://schemas.microsoft.com/office/drawing/2016/SVG/main" r:embed="rId13"/>
+              </a:ext>
+            </a:extLst>
+          </a:blip>
+          <a:stretch>
+            <a:fillRect/>
+          </a:stretch>
+        </p:blipFill>
+        <p:spPr>
+          <a:xfrm>
+            <a:off x="1087" y="725941"/>
+            <a:ext cx="571360" cy="571360"/>
+          </a:xfrm>
+          <a:prstGeom prst="rect">
+            <a:avLst/>
+          </a:prstGeom>
+        </p:spPr>
+      </p:pic>
+      <p:sp>
+        <p:nvSpPr>
+          <p:cNvPr id="22" name="箭头: 下 21">
+            <a:extLst>
+              <a:ext uri="{FF2B5EF4-FFF2-40B4-BE49-F238E27FC236}">
+                <a16:creationId xmlns:a16="http://schemas.microsoft.com/office/drawing/2014/main" id="{811F641B-6E78-21F0-3055-2722EE6C15F6}"/>
+              </a:ext>
+            </a:extLst>
+          </p:cNvPr>
+          <p:cNvSpPr/>
+          <p:nvPr/>
+        </p:nvSpPr>
+        <p:spPr>
+          <a:xfrm rot="18358342">
+            <a:off x="4778294" y="4815103"/>
+            <a:ext cx="451616" cy="651558"/>
+          </a:xfrm>
+          <a:prstGeom prst="downArrow">
+            <a:avLst/>
+          </a:prstGeom>
+          <a:solidFill>
+            <a:srgbClr val="061E37"/>
+          </a:solidFill>
+        </p:spPr>
+        <p:style>
+          <a:lnRef idx="2">
+            <a:schemeClr val="accent1">
+              <a:shade val="15000"/>
+            </a:schemeClr>
+          </a:lnRef>
+          <a:fillRef idx="1">
+            <a:schemeClr val="accent1"/>
+          </a:fillRef>
+          <a:effectRef idx="0">
+            <a:schemeClr val="accent1"/>
+          </a:effectRef>
+          <a:fontRef idx="minor">
+            <a:schemeClr val="lt1"/>
+          </a:fontRef>
+        </p:style>
+        <p:txBody>
+          <a:bodyPr rtlCol="0" anchor="ctr"/>
+          <a:lstStyle/>
+          <a:p>
+            <a:pPr algn="ctr"/>
+            <a:endParaRPr lang="zh-CN" altLang="en-US" dirty="0"/>
+          </a:p>
+        </p:txBody>
+      </p:sp>
+      <p:sp>
+        <p:nvSpPr>
+          <p:cNvPr id="23" name="箭头: 下 22">
+            <a:extLst>
+              <a:ext uri="{FF2B5EF4-FFF2-40B4-BE49-F238E27FC236}">
+                <a16:creationId xmlns:a16="http://schemas.microsoft.com/office/drawing/2014/main" id="{1011D0C1-3603-4679-3272-36A0E575567B}"/>
+              </a:ext>
+            </a:extLst>
+          </p:cNvPr>
+          <p:cNvSpPr/>
+          <p:nvPr/>
+        </p:nvSpPr>
+        <p:spPr>
+          <a:xfrm rot="13985164">
+            <a:off x="4799395" y="5407571"/>
+            <a:ext cx="451616" cy="651558"/>
+          </a:xfrm>
+          <a:prstGeom prst="downArrow">
+            <a:avLst/>
+          </a:prstGeom>
+          <a:solidFill>
+            <a:srgbClr val="061E37"/>
+          </a:solidFill>
+        </p:spPr>
+        <p:style>
+          <a:lnRef idx="2">
+            <a:schemeClr val="accent1">
+              <a:shade val="15000"/>
+            </a:schemeClr>
+          </a:lnRef>
+          <a:fillRef idx="1">
+            <a:schemeClr val="accent1"/>
+          </a:fillRef>
+          <a:effectRef idx="0">
+            <a:schemeClr val="accent1"/>
+          </a:effectRef>
+          <a:fontRef idx="minor">
+            <a:schemeClr val="lt1"/>
+          </a:fontRef>
+        </p:style>
+        <p:txBody>
+          <a:bodyPr rtlCol="0" anchor="ctr"/>
+          <a:lstStyle/>
+          <a:p>
+            <a:pPr algn="ctr"/>
+            <a:endParaRPr lang="zh-CN" altLang="en-US" dirty="0"/>
+          </a:p>
+        </p:txBody>
+      </p:sp>
+      <p:sp>
+        <p:nvSpPr>
+          <p:cNvPr id="24" name="箭头: 下 23">
+            <a:extLst>
+              <a:ext uri="{FF2B5EF4-FFF2-40B4-BE49-F238E27FC236}">
+                <a16:creationId xmlns:a16="http://schemas.microsoft.com/office/drawing/2014/main" id="{2394374F-FD2C-DD4C-8AE3-3481DBC101CE}"/>
+              </a:ext>
+            </a:extLst>
+          </p:cNvPr>
+          <p:cNvSpPr/>
+          <p:nvPr/>
+        </p:nvSpPr>
+        <p:spPr>
+          <a:xfrm rot="16200000">
+            <a:off x="5600170" y="4821130"/>
+            <a:ext cx="897081" cy="1165544"/>
+          </a:xfrm>
+          <a:prstGeom prst="downArrow">
+            <a:avLst/>
+          </a:prstGeom>
+          <a:solidFill>
+            <a:srgbClr val="061E37"/>
+          </a:solidFill>
+        </p:spPr>
+        <p:style>
+          <a:lnRef idx="2">
+            <a:schemeClr val="accent1">
+              <a:shade val="15000"/>
+            </a:schemeClr>
+          </a:lnRef>
+          <a:fillRef idx="1">
+            <a:schemeClr val="accent1"/>
+          </a:fillRef>
+          <a:effectRef idx="0">
+            <a:schemeClr val="accent1"/>
+          </a:effectRef>
+          <a:fontRef idx="minor">
+            <a:schemeClr val="lt1"/>
+          </a:fontRef>
+        </p:style>
+        <p:txBody>
+          <a:bodyPr rtlCol="0" anchor="ctr"/>
+          <a:lstStyle/>
+          <a:p>
+            <a:pPr algn="ctr"/>
+            <a:endParaRPr lang="zh-CN" altLang="en-US" dirty="0"/>
+          </a:p>
+        </p:txBody>
+      </p:sp>
+      <p:sp>
+        <p:nvSpPr>
+          <p:cNvPr id="25" name="箭头: 下 24">
+            <a:extLst>
+              <a:ext uri="{FF2B5EF4-FFF2-40B4-BE49-F238E27FC236}">
+                <a16:creationId xmlns:a16="http://schemas.microsoft.com/office/drawing/2014/main" id="{D8008569-5F0B-9767-7237-2B453F345AE7}"/>
+              </a:ext>
+            </a:extLst>
+          </p:cNvPr>
+          <p:cNvSpPr/>
+          <p:nvPr/>
+        </p:nvSpPr>
+        <p:spPr>
+          <a:xfrm rot="7823965">
+            <a:off x="5564033" y="2900554"/>
+            <a:ext cx="451616" cy="2409850"/>
+          </a:xfrm>
+          <a:prstGeom prst="downArrow">
+            <a:avLst>
+              <a:gd name="adj1" fmla="val 50000"/>
+              <a:gd name="adj2" fmla="val 105055"/>
+            </a:avLst>
+          </a:prstGeom>
+          <a:solidFill>
+            <a:srgbClr val="FF0000"/>
+          </a:solidFill>
+        </p:spPr>
+        <p:style>
+          <a:lnRef idx="2">
+            <a:schemeClr val="accent1">
+              <a:shade val="15000"/>
+            </a:schemeClr>
+          </a:lnRef>
+          <a:fillRef idx="1">
+            <a:schemeClr val="accent1"/>
+          </a:fillRef>
+          <a:effectRef idx="0">
+            <a:schemeClr val="accent1"/>
+          </a:effectRef>
+          <a:fontRef idx="minor">
+            <a:schemeClr val="lt1"/>
+          </a:fontRef>
+        </p:style>
+        <p:txBody>
+          <a:bodyPr rtlCol="0" anchor="ctr"/>
+          <a:lstStyle/>
+          <a:p>
+            <a:pPr algn="ctr"/>
+            <a:endParaRPr lang="zh-CN" altLang="en-US" dirty="0"/>
+          </a:p>
+        </p:txBody>
+      </p:sp>
+      <p:sp>
+        <p:nvSpPr>
+          <p:cNvPr id="12" name="矩形 11">
+            <a:extLst>
+              <a:ext uri="{FF2B5EF4-FFF2-40B4-BE49-F238E27FC236}">
+                <a16:creationId xmlns:a16="http://schemas.microsoft.com/office/drawing/2014/main" id="{3AE80B8C-C2B9-D744-6B62-E9EAB02DB8D1}"/>
+              </a:ext>
+            </a:extLst>
+          </p:cNvPr>
+          <p:cNvSpPr/>
+          <p:nvPr/>
+        </p:nvSpPr>
+        <p:spPr>
+          <a:xfrm>
+            <a:off x="6839936" y="2097915"/>
+            <a:ext cx="4613531" cy="400110"/>
+          </a:xfrm>
+          <a:prstGeom prst="rect">
+            <a:avLst/>
+          </a:prstGeom>
+        </p:spPr>
+        <p:txBody>
+          <a:bodyPr wrap="square">
+            <a:spAutoFit/>
+          </a:bodyPr>
+          <a:lstStyle/>
+          <a:p>
+            <a:pPr algn="ctr" fontAlgn="auto">
+              <a:spcAft>
+                <a:spcPts val="0"/>
+              </a:spcAft>
+            </a:pPr>
+            <a:r>
+              <a:rPr lang="zh-CN" altLang="en-US" sz="2000" b="1" dirty="0">
+                <a:latin typeface="Times New Roman" panose="02020603050405020304" pitchFamily="18" charset="0"/>
+                <a:ea typeface="微软雅黑" panose="020B0503020204020204" pitchFamily="34" charset="-122"/>
+                <a:cs typeface="Times New Roman" panose="02020603050405020304" pitchFamily="18" charset="0"/>
+              </a:rPr>
+              <a:t>计算</a:t>
+            </a:r>
+            <a:r>
+              <a:rPr lang="en-US" altLang="zh-CN" sz="2000" b="1" i="1" dirty="0">
+                <a:latin typeface="Times New Roman" panose="02020603050405020304" pitchFamily="18" charset="0"/>
+                <a:ea typeface="微软雅黑" panose="020B0503020204020204" pitchFamily="34" charset="-122"/>
+                <a:cs typeface="Times New Roman" panose="02020603050405020304" pitchFamily="18" charset="0"/>
+              </a:rPr>
+              <a:t>m</a:t>
+            </a:r>
+            <a:r>
+              <a:rPr lang="zh-CN" altLang="en-US" sz="2000" b="1" dirty="0">
+                <a:latin typeface="Times New Roman" panose="02020603050405020304" pitchFamily="18" charset="0"/>
+                <a:ea typeface="微软雅黑" panose="020B0503020204020204" pitchFamily="34" charset="-122"/>
+                <a:cs typeface="Times New Roman" panose="02020603050405020304" pitchFamily="18" charset="0"/>
+              </a:rPr>
+              <a:t>次右函数能获得的最高阶数</a:t>
+            </a:r>
+            <a:r>
+              <a:rPr lang="en-US" altLang="zh-CN" sz="2000" b="1" i="1" dirty="0">
+                <a:latin typeface="Times New Roman" panose="02020603050405020304" pitchFamily="18" charset="0"/>
+                <a:ea typeface="微软雅黑" panose="020B0503020204020204" pitchFamily="34" charset="-122"/>
+                <a:cs typeface="Times New Roman" panose="02020603050405020304" pitchFamily="18" charset="0"/>
+              </a:rPr>
+              <a:t>N</a:t>
+            </a:r>
+            <a:r>
+              <a:rPr lang="en-US" altLang="zh-CN" sz="2000" b="1" dirty="0">
+                <a:latin typeface="Times New Roman" panose="02020603050405020304" pitchFamily="18" charset="0"/>
+                <a:ea typeface="微软雅黑" panose="020B0503020204020204" pitchFamily="34" charset="-122"/>
+                <a:cs typeface="Times New Roman" panose="02020603050405020304" pitchFamily="18" charset="0"/>
+              </a:rPr>
+              <a:t>(</a:t>
+            </a:r>
+            <a:r>
+              <a:rPr lang="en-US" altLang="zh-CN" sz="2000" b="1" i="1" dirty="0">
+                <a:latin typeface="Times New Roman" panose="02020603050405020304" pitchFamily="18" charset="0"/>
+                <a:ea typeface="微软雅黑" panose="020B0503020204020204" pitchFamily="34" charset="-122"/>
+                <a:cs typeface="Times New Roman" panose="02020603050405020304" pitchFamily="18" charset="0"/>
+              </a:rPr>
+              <a:t>m</a:t>
+            </a:r>
+            <a:r>
+              <a:rPr lang="en-US" altLang="zh-CN" sz="2000" b="1" dirty="0">
+                <a:latin typeface="Times New Roman" panose="02020603050405020304" pitchFamily="18" charset="0"/>
+                <a:ea typeface="微软雅黑" panose="020B0503020204020204" pitchFamily="34" charset="-122"/>
+                <a:cs typeface="Times New Roman" panose="02020603050405020304" pitchFamily="18" charset="0"/>
+              </a:rPr>
+              <a:t>)</a:t>
+            </a:r>
+            <a:endParaRPr lang="zh-CN" sz="2000" b="1" dirty="0">
+              <a:latin typeface="Times New Roman" panose="02020603050405020304" pitchFamily="18" charset="0"/>
+              <a:ea typeface="微软雅黑" panose="020B0503020204020204" pitchFamily="34" charset="-122"/>
+              <a:cs typeface="Times New Roman" panose="02020603050405020304" pitchFamily="18" charset="0"/>
+            </a:endParaRPr>
+          </a:p>
+        </p:txBody>
+      </p:sp>
+      <p:graphicFrame>
+        <p:nvGraphicFramePr>
+          <p:cNvPr id="13" name="对象 12">
+            <a:extLst>
+              <a:ext uri="{FF2B5EF4-FFF2-40B4-BE49-F238E27FC236}">
+                <a16:creationId xmlns:a16="http://schemas.microsoft.com/office/drawing/2014/main" id="{7BEE5452-6D41-F723-C897-C5E6C0763EEB}"/>
+              </a:ext>
+            </a:extLst>
+          </p:cNvPr>
+          <p:cNvGraphicFramePr>
+            <a:graphicFrameLocks noChangeAspect="1"/>
+          </p:cNvGraphicFramePr>
+          <p:nvPr>
+            <p:extLst>
+              <p:ext uri="{D42A27DB-BD31-4B8C-83A1-F6EECF244321}">
+                <p14:modId xmlns:p14="http://schemas.microsoft.com/office/powerpoint/2010/main" val="597730822"/>
+              </p:ext>
+            </p:extLst>
+          </p:nvPr>
+        </p:nvGraphicFramePr>
+        <p:xfrm>
+          <a:off x="7837977" y="2530291"/>
+          <a:ext cx="2638425" cy="393700"/>
+        </p:xfrm>
+        <a:graphic>
+          <a:graphicData uri="http://schemas.openxmlformats.org/presentationml/2006/ole">
+            <mc:AlternateContent xmlns:mc="http://schemas.openxmlformats.org/markup-compatibility/2006">
+              <mc:Choice xmlns:v="urn:schemas-microsoft-com:vml" Requires="v">
+                <p:oleObj name="AxMath" r:id="rId14" imgW="1319400" imgH="196560" progId="Equation.AxMath">
+                  <p:embed/>
+                </p:oleObj>
+              </mc:Choice>
+              <mc:Fallback>
+                <p:oleObj name="AxMath" r:id="rId14" imgW="1319400" imgH="196560" progId="Equation.AxMath">
+                  <p:embed/>
+                  <p:pic>
+                    <p:nvPicPr>
+                      <p:cNvPr id="0" name=""/>
+                      <p:cNvPicPr/>
+                      <p:nvPr/>
+                    </p:nvPicPr>
+                    <p:blipFill>
+                      <a:blip r:embed="rId15"/>
+                      <a:stretch>
+                        <a:fillRect/>
+                      </a:stretch>
+                    </p:blipFill>
+                    <p:spPr>
+                      <a:xfrm>
+                        <a:off x="7837977" y="2530291"/>
+                        <a:ext cx="2638425" cy="393700"/>
+                      </a:xfrm>
+                      <a:prstGeom prst="rect">
+                        <a:avLst/>
+                      </a:prstGeom>
+                    </p:spPr>
+                  </p:pic>
+                </p:oleObj>
+              </mc:Fallback>
+            </mc:AlternateContent>
+          </a:graphicData>
+        </a:graphic>
+      </p:graphicFrame>
+      <p:graphicFrame>
+        <p:nvGraphicFramePr>
+          <p:cNvPr id="20" name="对象 19">
+            <a:extLst>
+              <a:ext uri="{FF2B5EF4-FFF2-40B4-BE49-F238E27FC236}">
+                <a16:creationId xmlns:a16="http://schemas.microsoft.com/office/drawing/2014/main" id="{350D7F10-8641-5C86-BB7C-CBD46EF831F9}"/>
+              </a:ext>
+            </a:extLst>
+          </p:cNvPr>
+          <p:cNvGraphicFramePr>
+            <a:graphicFrameLocks noChangeAspect="1"/>
+          </p:cNvGraphicFramePr>
+          <p:nvPr>
+            <p:extLst>
+              <p:ext uri="{D42A27DB-BD31-4B8C-83A1-F6EECF244321}">
+                <p14:modId xmlns:p14="http://schemas.microsoft.com/office/powerpoint/2010/main" val="4139904392"/>
+              </p:ext>
+            </p:extLst>
+          </p:nvPr>
+        </p:nvGraphicFramePr>
+        <p:xfrm>
+          <a:off x="7368306" y="2952689"/>
+          <a:ext cx="3860800" cy="838200"/>
+        </p:xfrm>
+        <a:graphic>
+          <a:graphicData uri="http://schemas.openxmlformats.org/presentationml/2006/ole">
+            <mc:AlternateContent xmlns:mc="http://schemas.openxmlformats.org/markup-compatibility/2006">
+              <mc:Choice xmlns:v="urn:schemas-microsoft-com:vml" Requires="v">
+                <p:oleObj name="AxMath" r:id="rId16" imgW="1930320" imgH="419040" progId="Equation.AxMath">
+                  <p:embed/>
+                </p:oleObj>
+              </mc:Choice>
+              <mc:Fallback>
+                <p:oleObj name="AxMath" r:id="rId16" imgW="1930320" imgH="419040" progId="Equation.AxMath">
+                  <p:embed/>
+                  <p:pic>
+                    <p:nvPicPr>
+                      <p:cNvPr id="13" name="对象 12">
+                        <a:extLst>
+                          <a:ext uri="{FF2B5EF4-FFF2-40B4-BE49-F238E27FC236}">
+                            <a16:creationId xmlns:a16="http://schemas.microsoft.com/office/drawing/2014/main" id="{7BEE5452-6D41-F723-C897-C5E6C0763EEB}"/>
+                          </a:ext>
+                        </a:extLst>
+                      </p:cNvPr>
+                      <p:cNvPicPr/>
+                      <p:nvPr/>
+                    </p:nvPicPr>
+                    <p:blipFill>
+                      <a:blip r:embed="rId17"/>
+                      <a:stretch>
+                        <a:fillRect/>
+                      </a:stretch>
+                    </p:blipFill>
+                    <p:spPr>
+                      <a:xfrm>
+                        <a:off x="7368306" y="2952689"/>
+                        <a:ext cx="3860800" cy="838200"/>
+                      </a:xfrm>
+                      <a:prstGeom prst="rect">
+                        <a:avLst/>
+                      </a:prstGeom>
+                    </p:spPr>
+                  </p:pic>
+                </p:oleObj>
+              </mc:Fallback>
+            </mc:AlternateContent>
+          </a:graphicData>
+        </a:graphic>
+      </p:graphicFrame>
+      <p:sp>
+        <p:nvSpPr>
+          <p:cNvPr id="28" name="矩形 27">
+            <a:extLst>
+              <a:ext uri="{FF2B5EF4-FFF2-40B4-BE49-F238E27FC236}">
+                <a16:creationId xmlns:a16="http://schemas.microsoft.com/office/drawing/2014/main" id="{0602FAE3-320E-59B6-5979-224255D67A3F}"/>
+              </a:ext>
+            </a:extLst>
+          </p:cNvPr>
+          <p:cNvSpPr/>
+          <p:nvPr/>
+        </p:nvSpPr>
+        <p:spPr>
+          <a:xfrm>
+            <a:off x="6985398" y="3754496"/>
+            <a:ext cx="4386172" cy="707886"/>
+          </a:xfrm>
+          <a:prstGeom prst="rect">
+            <a:avLst/>
+          </a:prstGeom>
+        </p:spPr>
+        <p:txBody>
+          <a:bodyPr wrap="square">
+            <a:spAutoFit/>
+          </a:bodyPr>
+          <a:lstStyle/>
+          <a:p>
+            <a:pPr algn="ctr" fontAlgn="auto">
+              <a:spcAft>
+                <a:spcPts val="0"/>
+              </a:spcAft>
+            </a:pPr>
+            <a:r>
+              <a:rPr lang="zh-CN" altLang="en-US" sz="2000" b="1" dirty="0">
+                <a:latin typeface="Times New Roman" panose="02020603050405020304" pitchFamily="18" charset="0"/>
+                <a:ea typeface="微软雅黑" panose="020B0503020204020204" pitchFamily="34" charset="-122"/>
+                <a:cs typeface="Times New Roman" panose="02020603050405020304" pitchFamily="18" charset="0"/>
+              </a:rPr>
+              <a:t>（越高阶效率越低，考虑舍入误差和初值误差，并非越高越好）</a:t>
+            </a:r>
+            <a:endParaRPr lang="zh-CN" sz="2000" b="1" dirty="0">
+              <a:latin typeface="Times New Roman" panose="02020603050405020304" pitchFamily="18" charset="0"/>
+              <a:ea typeface="微软雅黑" panose="020B0503020204020204" pitchFamily="34" charset="-122"/>
+              <a:cs typeface="Times New Roman" panose="02020603050405020304" pitchFamily="18" charset="0"/>
+            </a:endParaRPr>
+          </a:p>
+        </p:txBody>
+      </p:sp>
     </p:spTree>
     <p:extLst>
       <p:ext uri="{BB962C8B-B14F-4D97-AF65-F5344CB8AC3E}">
@@ -14350,6 +15958,645 @@
       </p:transition>
     </mc:Fallback>
   </mc:AlternateContent>
+  <p:timing>
+    <p:tnLst>
+      <p:par>
+        <p:cTn id="1" dur="indefinite" restart="never" nodeType="tmRoot">
+          <p:childTnLst>
+            <p:seq concurrent="1" nextAc="seek">
+              <p:cTn id="2" dur="indefinite" nodeType="mainSeq">
+                <p:childTnLst>
+                  <p:par>
+                    <p:cTn id="3" fill="hold">
+                      <p:stCondLst>
+                        <p:cond delay="indefinite"/>
+                      </p:stCondLst>
+                      <p:childTnLst>
+                        <p:par>
+                          <p:cTn id="4" fill="hold">
+                            <p:stCondLst>
+                              <p:cond delay="0"/>
+                            </p:stCondLst>
+                            <p:childTnLst>
+                              <p:par>
+                                <p:cTn id="5" presetID="10" presetClass="entr" presetSubtype="0" fill="hold" grpId="0" nodeType="clickEffect">
+                                  <p:stCondLst>
+                                    <p:cond delay="0"/>
+                                  </p:stCondLst>
+                                  <p:childTnLst>
+                                    <p:set>
+                                      <p:cBhvr>
+                                        <p:cTn id="6" dur="1" fill="hold">
+                                          <p:stCondLst>
+                                            <p:cond delay="0"/>
+                                          </p:stCondLst>
+                                        </p:cTn>
+                                        <p:tgtEl>
+                                          <p:spTgt spid="18"/>
+                                        </p:tgtEl>
+                                        <p:attrNameLst>
+                                          <p:attrName>style.visibility</p:attrName>
+                                        </p:attrNameLst>
+                                      </p:cBhvr>
+                                      <p:to>
+                                        <p:strVal val="visible"/>
+                                      </p:to>
+                                    </p:set>
+                                    <p:animEffect transition="in" filter="fade">
+                                      <p:cBhvr>
+                                        <p:cTn id="7" dur="500"/>
+                                        <p:tgtEl>
+                                          <p:spTgt spid="18"/>
+                                        </p:tgtEl>
+                                      </p:cBhvr>
+                                    </p:animEffect>
+                                  </p:childTnLst>
+                                </p:cTn>
+                              </p:par>
+                              <p:par>
+                                <p:cTn id="8" presetID="10" presetClass="entr" presetSubtype="0" fill="hold" nodeType="withEffect">
+                                  <p:stCondLst>
+                                    <p:cond delay="0"/>
+                                  </p:stCondLst>
+                                  <p:childTnLst>
+                                    <p:set>
+                                      <p:cBhvr>
+                                        <p:cTn id="9" dur="1" fill="hold">
+                                          <p:stCondLst>
+                                            <p:cond delay="0"/>
+                                          </p:stCondLst>
+                                        </p:cTn>
+                                        <p:tgtEl>
+                                          <p:spTgt spid="11"/>
+                                        </p:tgtEl>
+                                        <p:attrNameLst>
+                                          <p:attrName>style.visibility</p:attrName>
+                                        </p:attrNameLst>
+                                      </p:cBhvr>
+                                      <p:to>
+                                        <p:strVal val="visible"/>
+                                      </p:to>
+                                    </p:set>
+                                    <p:animEffect transition="in" filter="fade">
+                                      <p:cBhvr>
+                                        <p:cTn id="10" dur="500"/>
+                                        <p:tgtEl>
+                                          <p:spTgt spid="11"/>
+                                        </p:tgtEl>
+                                      </p:cBhvr>
+                                    </p:animEffect>
+                                  </p:childTnLst>
+                                </p:cTn>
+                              </p:par>
+                              <p:par>
+                                <p:cTn id="11" presetID="10" presetClass="entr" presetSubtype="0" fill="hold" grpId="0" nodeType="withEffect">
+                                  <p:stCondLst>
+                                    <p:cond delay="0"/>
+                                  </p:stCondLst>
+                                  <p:childTnLst>
+                                    <p:set>
+                                      <p:cBhvr>
+                                        <p:cTn id="12" dur="1" fill="hold">
+                                          <p:stCondLst>
+                                            <p:cond delay="0"/>
+                                          </p:stCondLst>
+                                        </p:cTn>
+                                        <p:tgtEl>
+                                          <p:spTgt spid="16"/>
+                                        </p:tgtEl>
+                                        <p:attrNameLst>
+                                          <p:attrName>style.visibility</p:attrName>
+                                        </p:attrNameLst>
+                                      </p:cBhvr>
+                                      <p:to>
+                                        <p:strVal val="visible"/>
+                                      </p:to>
+                                    </p:set>
+                                    <p:animEffect transition="in" filter="fade">
+                                      <p:cBhvr>
+                                        <p:cTn id="13" dur="500"/>
+                                        <p:tgtEl>
+                                          <p:spTgt spid="16"/>
+                                        </p:tgtEl>
+                                      </p:cBhvr>
+                                    </p:animEffect>
+                                  </p:childTnLst>
+                                </p:cTn>
+                              </p:par>
+                            </p:childTnLst>
+                          </p:cTn>
+                        </p:par>
+                      </p:childTnLst>
+                    </p:cTn>
+                  </p:par>
+                  <p:par>
+                    <p:cTn id="14" fill="hold">
+                      <p:stCondLst>
+                        <p:cond delay="indefinite"/>
+                      </p:stCondLst>
+                      <p:childTnLst>
+                        <p:par>
+                          <p:cTn id="15" fill="hold">
+                            <p:stCondLst>
+                              <p:cond delay="0"/>
+                            </p:stCondLst>
+                            <p:childTnLst>
+                              <p:par>
+                                <p:cTn id="16" presetID="10" presetClass="entr" presetSubtype="0" fill="hold" grpId="0" nodeType="clickEffect">
+                                  <p:stCondLst>
+                                    <p:cond delay="0"/>
+                                  </p:stCondLst>
+                                  <p:childTnLst>
+                                    <p:set>
+                                      <p:cBhvr>
+                                        <p:cTn id="17" dur="1" fill="hold">
+                                          <p:stCondLst>
+                                            <p:cond delay="0"/>
+                                          </p:stCondLst>
+                                        </p:cTn>
+                                        <p:tgtEl>
+                                          <p:spTgt spid="17"/>
+                                        </p:tgtEl>
+                                        <p:attrNameLst>
+                                          <p:attrName>style.visibility</p:attrName>
+                                        </p:attrNameLst>
+                                      </p:cBhvr>
+                                      <p:to>
+                                        <p:strVal val="visible"/>
+                                      </p:to>
+                                    </p:set>
+                                    <p:animEffect transition="in" filter="fade">
+                                      <p:cBhvr>
+                                        <p:cTn id="18" dur="500"/>
+                                        <p:tgtEl>
+                                          <p:spTgt spid="17"/>
+                                        </p:tgtEl>
+                                      </p:cBhvr>
+                                    </p:animEffect>
+                                  </p:childTnLst>
+                                </p:cTn>
+                              </p:par>
+                              <p:par>
+                                <p:cTn id="19" presetID="10" presetClass="entr" presetSubtype="0" fill="hold" nodeType="withEffect">
+                                  <p:stCondLst>
+                                    <p:cond delay="0"/>
+                                  </p:stCondLst>
+                                  <p:childTnLst>
+                                    <p:set>
+                                      <p:cBhvr>
+                                        <p:cTn id="20" dur="1" fill="hold">
+                                          <p:stCondLst>
+                                            <p:cond delay="0"/>
+                                          </p:stCondLst>
+                                        </p:cTn>
+                                        <p:tgtEl>
+                                          <p:spTgt spid="14"/>
+                                        </p:tgtEl>
+                                        <p:attrNameLst>
+                                          <p:attrName>style.visibility</p:attrName>
+                                        </p:attrNameLst>
+                                      </p:cBhvr>
+                                      <p:to>
+                                        <p:strVal val="visible"/>
+                                      </p:to>
+                                    </p:set>
+                                    <p:animEffect transition="in" filter="fade">
+                                      <p:cBhvr>
+                                        <p:cTn id="21" dur="500"/>
+                                        <p:tgtEl>
+                                          <p:spTgt spid="14"/>
+                                        </p:tgtEl>
+                                      </p:cBhvr>
+                                    </p:animEffect>
+                                  </p:childTnLst>
+                                </p:cTn>
+                              </p:par>
+                            </p:childTnLst>
+                          </p:cTn>
+                        </p:par>
+                      </p:childTnLst>
+                    </p:cTn>
+                  </p:par>
+                  <p:par>
+                    <p:cTn id="22" fill="hold">
+                      <p:stCondLst>
+                        <p:cond delay="indefinite"/>
+                      </p:stCondLst>
+                      <p:childTnLst>
+                        <p:par>
+                          <p:cTn id="23" fill="hold">
+                            <p:stCondLst>
+                              <p:cond delay="0"/>
+                            </p:stCondLst>
+                            <p:childTnLst>
+                              <p:par>
+                                <p:cTn id="24" presetID="10" presetClass="entr" presetSubtype="0" fill="hold" nodeType="clickEffect">
+                                  <p:stCondLst>
+                                    <p:cond delay="0"/>
+                                  </p:stCondLst>
+                                  <p:childTnLst>
+                                    <p:set>
+                                      <p:cBhvr>
+                                        <p:cTn id="25" dur="1" fill="hold">
+                                          <p:stCondLst>
+                                            <p:cond delay="0"/>
+                                          </p:stCondLst>
+                                        </p:cTn>
+                                        <p:tgtEl>
+                                          <p:spTgt spid="15"/>
+                                        </p:tgtEl>
+                                        <p:attrNameLst>
+                                          <p:attrName>style.visibility</p:attrName>
+                                        </p:attrNameLst>
+                                      </p:cBhvr>
+                                      <p:to>
+                                        <p:strVal val="visible"/>
+                                      </p:to>
+                                    </p:set>
+                                    <p:animEffect transition="in" filter="fade">
+                                      <p:cBhvr>
+                                        <p:cTn id="26" dur="500"/>
+                                        <p:tgtEl>
+                                          <p:spTgt spid="15"/>
+                                        </p:tgtEl>
+                                      </p:cBhvr>
+                                    </p:animEffect>
+                                  </p:childTnLst>
+                                </p:cTn>
+                              </p:par>
+                              <p:par>
+                                <p:cTn id="27" presetID="10" presetClass="entr" presetSubtype="0" fill="hold" grpId="0" nodeType="withEffect">
+                                  <p:stCondLst>
+                                    <p:cond delay="0"/>
+                                  </p:stCondLst>
+                                  <p:childTnLst>
+                                    <p:set>
+                                      <p:cBhvr>
+                                        <p:cTn id="28" dur="1" fill="hold">
+                                          <p:stCondLst>
+                                            <p:cond delay="0"/>
+                                          </p:stCondLst>
+                                        </p:cTn>
+                                        <p:tgtEl>
+                                          <p:spTgt spid="10"/>
+                                        </p:tgtEl>
+                                        <p:attrNameLst>
+                                          <p:attrName>style.visibility</p:attrName>
+                                        </p:attrNameLst>
+                                      </p:cBhvr>
+                                      <p:to>
+                                        <p:strVal val="visible"/>
+                                      </p:to>
+                                    </p:set>
+                                    <p:animEffect transition="in" filter="fade">
+                                      <p:cBhvr>
+                                        <p:cTn id="29" dur="500"/>
+                                        <p:tgtEl>
+                                          <p:spTgt spid="10"/>
+                                        </p:tgtEl>
+                                      </p:cBhvr>
+                                    </p:animEffect>
+                                  </p:childTnLst>
+                                </p:cTn>
+                              </p:par>
+                              <p:par>
+                                <p:cTn id="30" presetID="10" presetClass="entr" presetSubtype="0" fill="hold" grpId="0" nodeType="withEffect">
+                                  <p:stCondLst>
+                                    <p:cond delay="0"/>
+                                  </p:stCondLst>
+                                  <p:childTnLst>
+                                    <p:set>
+                                      <p:cBhvr>
+                                        <p:cTn id="31" dur="1" fill="hold">
+                                          <p:stCondLst>
+                                            <p:cond delay="0"/>
+                                          </p:stCondLst>
+                                        </p:cTn>
+                                        <p:tgtEl>
+                                          <p:spTgt spid="24"/>
+                                        </p:tgtEl>
+                                        <p:attrNameLst>
+                                          <p:attrName>style.visibility</p:attrName>
+                                        </p:attrNameLst>
+                                      </p:cBhvr>
+                                      <p:to>
+                                        <p:strVal val="visible"/>
+                                      </p:to>
+                                    </p:set>
+                                    <p:animEffect transition="in" filter="fade">
+                                      <p:cBhvr>
+                                        <p:cTn id="32" dur="500"/>
+                                        <p:tgtEl>
+                                          <p:spTgt spid="24"/>
+                                        </p:tgtEl>
+                                      </p:cBhvr>
+                                    </p:animEffect>
+                                  </p:childTnLst>
+                                </p:cTn>
+                              </p:par>
+                              <p:par>
+                                <p:cTn id="33" presetID="10" presetClass="entr" presetSubtype="0" fill="hold" grpId="0" nodeType="withEffect">
+                                  <p:stCondLst>
+                                    <p:cond delay="0"/>
+                                  </p:stCondLst>
+                                  <p:childTnLst>
+                                    <p:set>
+                                      <p:cBhvr>
+                                        <p:cTn id="34" dur="1" fill="hold">
+                                          <p:stCondLst>
+                                            <p:cond delay="0"/>
+                                          </p:stCondLst>
+                                        </p:cTn>
+                                        <p:tgtEl>
+                                          <p:spTgt spid="22"/>
+                                        </p:tgtEl>
+                                        <p:attrNameLst>
+                                          <p:attrName>style.visibility</p:attrName>
+                                        </p:attrNameLst>
+                                      </p:cBhvr>
+                                      <p:to>
+                                        <p:strVal val="visible"/>
+                                      </p:to>
+                                    </p:set>
+                                    <p:animEffect transition="in" filter="fade">
+                                      <p:cBhvr>
+                                        <p:cTn id="35" dur="500"/>
+                                        <p:tgtEl>
+                                          <p:spTgt spid="22"/>
+                                        </p:tgtEl>
+                                      </p:cBhvr>
+                                    </p:animEffect>
+                                  </p:childTnLst>
+                                </p:cTn>
+                              </p:par>
+                              <p:par>
+                                <p:cTn id="36" presetID="10" presetClass="entr" presetSubtype="0" fill="hold" grpId="0" nodeType="withEffect">
+                                  <p:stCondLst>
+                                    <p:cond delay="0"/>
+                                  </p:stCondLst>
+                                  <p:childTnLst>
+                                    <p:set>
+                                      <p:cBhvr>
+                                        <p:cTn id="37" dur="1" fill="hold">
+                                          <p:stCondLst>
+                                            <p:cond delay="0"/>
+                                          </p:stCondLst>
+                                        </p:cTn>
+                                        <p:tgtEl>
+                                          <p:spTgt spid="23"/>
+                                        </p:tgtEl>
+                                        <p:attrNameLst>
+                                          <p:attrName>style.visibility</p:attrName>
+                                        </p:attrNameLst>
+                                      </p:cBhvr>
+                                      <p:to>
+                                        <p:strVal val="visible"/>
+                                      </p:to>
+                                    </p:set>
+                                    <p:animEffect transition="in" filter="fade">
+                                      <p:cBhvr>
+                                        <p:cTn id="38" dur="500"/>
+                                        <p:tgtEl>
+                                          <p:spTgt spid="23"/>
+                                        </p:tgtEl>
+                                      </p:cBhvr>
+                                    </p:animEffect>
+                                  </p:childTnLst>
+                                </p:cTn>
+                              </p:par>
+                              <p:par>
+                                <p:cTn id="39" presetID="10" presetClass="entr" presetSubtype="0" fill="hold" grpId="0" nodeType="withEffect">
+                                  <p:stCondLst>
+                                    <p:cond delay="0"/>
+                                  </p:stCondLst>
+                                  <p:childTnLst>
+                                    <p:set>
+                                      <p:cBhvr>
+                                        <p:cTn id="40" dur="1" fill="hold">
+                                          <p:stCondLst>
+                                            <p:cond delay="0"/>
+                                          </p:stCondLst>
+                                        </p:cTn>
+                                        <p:tgtEl>
+                                          <p:spTgt spid="25"/>
+                                        </p:tgtEl>
+                                        <p:attrNameLst>
+                                          <p:attrName>style.visibility</p:attrName>
+                                        </p:attrNameLst>
+                                      </p:cBhvr>
+                                      <p:to>
+                                        <p:strVal val="visible"/>
+                                      </p:to>
+                                    </p:set>
+                                    <p:animEffect transition="in" filter="fade">
+                                      <p:cBhvr>
+                                        <p:cTn id="41" dur="500"/>
+                                        <p:tgtEl>
+                                          <p:spTgt spid="25"/>
+                                        </p:tgtEl>
+                                      </p:cBhvr>
+                                    </p:animEffect>
+                                  </p:childTnLst>
+                                </p:cTn>
+                              </p:par>
+                            </p:childTnLst>
+                          </p:cTn>
+                        </p:par>
+                      </p:childTnLst>
+                    </p:cTn>
+                  </p:par>
+                  <p:par>
+                    <p:cTn id="42" fill="hold">
+                      <p:stCondLst>
+                        <p:cond delay="indefinite"/>
+                      </p:stCondLst>
+                      <p:childTnLst>
+                        <p:par>
+                          <p:cTn id="43" fill="hold">
+                            <p:stCondLst>
+                              <p:cond delay="0"/>
+                            </p:stCondLst>
+                            <p:childTnLst>
+                              <p:par>
+                                <p:cTn id="44" presetID="10" presetClass="entr" presetSubtype="0" fill="hold" grpId="0" nodeType="clickEffect">
+                                  <p:stCondLst>
+                                    <p:cond delay="0"/>
+                                  </p:stCondLst>
+                                  <p:childTnLst>
+                                    <p:set>
+                                      <p:cBhvr>
+                                        <p:cTn id="45" dur="1" fill="hold">
+                                          <p:stCondLst>
+                                            <p:cond delay="0"/>
+                                          </p:stCondLst>
+                                        </p:cTn>
+                                        <p:tgtEl>
+                                          <p:spTgt spid="12"/>
+                                        </p:tgtEl>
+                                        <p:attrNameLst>
+                                          <p:attrName>style.visibility</p:attrName>
+                                        </p:attrNameLst>
+                                      </p:cBhvr>
+                                      <p:to>
+                                        <p:strVal val="visible"/>
+                                      </p:to>
+                                    </p:set>
+                                    <p:animEffect transition="in" filter="fade">
+                                      <p:cBhvr>
+                                        <p:cTn id="46" dur="500"/>
+                                        <p:tgtEl>
+                                          <p:spTgt spid="12"/>
+                                        </p:tgtEl>
+                                      </p:cBhvr>
+                                    </p:animEffect>
+                                  </p:childTnLst>
+                                </p:cTn>
+                              </p:par>
+                              <p:par>
+                                <p:cTn id="47" presetID="10" presetClass="entr" presetSubtype="0" fill="hold" nodeType="withEffect">
+                                  <p:stCondLst>
+                                    <p:cond delay="0"/>
+                                  </p:stCondLst>
+                                  <p:childTnLst>
+                                    <p:set>
+                                      <p:cBhvr>
+                                        <p:cTn id="48" dur="1" fill="hold">
+                                          <p:stCondLst>
+                                            <p:cond delay="0"/>
+                                          </p:stCondLst>
+                                        </p:cTn>
+                                        <p:tgtEl>
+                                          <p:spTgt spid="13"/>
+                                        </p:tgtEl>
+                                        <p:attrNameLst>
+                                          <p:attrName>style.visibility</p:attrName>
+                                        </p:attrNameLst>
+                                      </p:cBhvr>
+                                      <p:to>
+                                        <p:strVal val="visible"/>
+                                      </p:to>
+                                    </p:set>
+                                    <p:animEffect transition="in" filter="fade">
+                                      <p:cBhvr>
+                                        <p:cTn id="49" dur="500"/>
+                                        <p:tgtEl>
+                                          <p:spTgt spid="13"/>
+                                        </p:tgtEl>
+                                      </p:cBhvr>
+                                    </p:animEffect>
+                                  </p:childTnLst>
+                                </p:cTn>
+                              </p:par>
+                              <p:par>
+                                <p:cTn id="50" presetID="10" presetClass="entr" presetSubtype="0" fill="hold" nodeType="withEffect">
+                                  <p:stCondLst>
+                                    <p:cond delay="0"/>
+                                  </p:stCondLst>
+                                  <p:childTnLst>
+                                    <p:set>
+                                      <p:cBhvr>
+                                        <p:cTn id="51" dur="1" fill="hold">
+                                          <p:stCondLst>
+                                            <p:cond delay="0"/>
+                                          </p:stCondLst>
+                                        </p:cTn>
+                                        <p:tgtEl>
+                                          <p:spTgt spid="20"/>
+                                        </p:tgtEl>
+                                        <p:attrNameLst>
+                                          <p:attrName>style.visibility</p:attrName>
+                                        </p:attrNameLst>
+                                      </p:cBhvr>
+                                      <p:to>
+                                        <p:strVal val="visible"/>
+                                      </p:to>
+                                    </p:set>
+                                    <p:animEffect transition="in" filter="fade">
+                                      <p:cBhvr>
+                                        <p:cTn id="52" dur="500"/>
+                                        <p:tgtEl>
+                                          <p:spTgt spid="20"/>
+                                        </p:tgtEl>
+                                      </p:cBhvr>
+                                    </p:animEffect>
+                                  </p:childTnLst>
+                                </p:cTn>
+                              </p:par>
+                              <p:par>
+                                <p:cTn id="53" presetID="10" presetClass="entr" presetSubtype="0" fill="hold" grpId="0" nodeType="withEffect">
+                                  <p:stCondLst>
+                                    <p:cond delay="0"/>
+                                  </p:stCondLst>
+                                  <p:childTnLst>
+                                    <p:set>
+                                      <p:cBhvr>
+                                        <p:cTn id="54" dur="1" fill="hold">
+                                          <p:stCondLst>
+                                            <p:cond delay="0"/>
+                                          </p:stCondLst>
+                                        </p:cTn>
+                                        <p:tgtEl>
+                                          <p:spTgt spid="28"/>
+                                        </p:tgtEl>
+                                        <p:attrNameLst>
+                                          <p:attrName>style.visibility</p:attrName>
+                                        </p:attrNameLst>
+                                      </p:cBhvr>
+                                      <p:to>
+                                        <p:strVal val="visible"/>
+                                      </p:to>
+                                    </p:set>
+                                    <p:animEffect transition="in" filter="fade">
+                                      <p:cBhvr>
+                                        <p:cTn id="55" dur="500"/>
+                                        <p:tgtEl>
+                                          <p:spTgt spid="28"/>
+                                        </p:tgtEl>
+                                      </p:cBhvr>
+                                    </p:animEffect>
+                                  </p:childTnLst>
+                                </p:cTn>
+                              </p:par>
+                            </p:childTnLst>
+                          </p:cTn>
+                        </p:par>
+                      </p:childTnLst>
+                    </p:cTn>
+                  </p:par>
+                </p:childTnLst>
+              </p:cTn>
+              <p:prevCondLst>
+                <p:cond evt="onPrev" delay="0">
+                  <p:tgtEl>
+                    <p:sldTgt/>
+                  </p:tgtEl>
+                </p:cond>
+              </p:prevCondLst>
+              <p:nextCondLst>
+                <p:cond evt="onNext" delay="0">
+                  <p:tgtEl>
+                    <p:sldTgt/>
+                  </p:tgtEl>
+                </p:cond>
+              </p:nextCondLst>
+            </p:seq>
+          </p:childTnLst>
+        </p:cTn>
+      </p:par>
+    </p:tnLst>
+    <p:bldLst>
+      <p:bldP spid="10" grpId="0"/>
+      <p:bldP spid="16" grpId="0"/>
+      <p:bldP spid="17" grpId="0"/>
+      <p:bldP spid="18" grpId="0" animBg="1"/>
+      <p:bldP spid="22" grpId="0" animBg="1"/>
+      <p:bldP spid="23" grpId="0" animBg="1"/>
+      <p:bldP spid="24" grpId="0" animBg="1"/>
+      <p:bldP spid="25" grpId="0" animBg="1"/>
+      <p:bldP spid="12" grpId="0"/>
+      <p:bldP spid="28" grpId="0"/>
+    </p:bldLst>
+  </p:timing>
 </p:sld>
 </file>
 
@@ -14379,7 +16626,7 @@
         <p:spPr>
           <a:xfrm>
             <a:off x="407987" y="1052513"/>
-            <a:ext cx="11376025" cy="662554"/>
+            <a:ext cx="11376025" cy="2335191"/>
           </a:xfrm>
           <a:prstGeom prst="rect">
             <a:avLst/>
@@ -14406,18 +16653,194 @@
                 <a:solidFill>
                   <a:schemeClr val="tx1"/>
                 </a:solidFill>
-                <a:latin typeface="微软雅黑" panose="020B0503020204020204" pitchFamily="34" charset="-122"/>
-                <a:ea typeface="微软雅黑" panose="020B0503020204020204" pitchFamily="34" charset="-122"/>
+                <a:latin typeface="Times New Roman" panose="02020603050405020304" pitchFamily="18" charset="0"/>
+                <a:ea typeface="微软雅黑" panose="020B0503020204020204" pitchFamily="34" charset="-122"/>
+                <a:cs typeface="Times New Roman" panose="02020603050405020304" pitchFamily="18" charset="0"/>
                 <a:sym typeface="+mn-ea"/>
               </a:rPr>
-              <a:t>。</a:t>
-            </a:r>
-            <a:endParaRPr lang="en-US" altLang="zh-CN" sz="2800" b="1" dirty="0">
+              <a:t>变步长：</a:t>
+            </a:r>
+            <a:r>
+              <a:rPr lang="en-US" altLang="zh-CN" sz="2800" b="1" dirty="0">
+                <a:solidFill>
+                  <a:schemeClr val="tx1"/>
+                </a:solidFill>
+                <a:latin typeface="Times New Roman" panose="02020603050405020304" pitchFamily="18" charset="0"/>
+                <a:ea typeface="微软雅黑" panose="020B0503020204020204" pitchFamily="34" charset="-122"/>
+                <a:cs typeface="Times New Roman" panose="02020603050405020304" pitchFamily="18" charset="0"/>
+                <a:sym typeface="+mn-ea"/>
+              </a:rPr>
+              <a:t>Runge-</a:t>
+            </a:r>
+            <a:r>
+              <a:rPr lang="en-US" altLang="zh-CN" sz="2800" b="1" dirty="0" err="1">
+                <a:solidFill>
+                  <a:schemeClr val="tx1"/>
+                </a:solidFill>
+                <a:latin typeface="Times New Roman" panose="02020603050405020304" pitchFamily="18" charset="0"/>
+                <a:ea typeface="微软雅黑" panose="020B0503020204020204" pitchFamily="34" charset="-122"/>
+                <a:cs typeface="Times New Roman" panose="02020603050405020304" pitchFamily="18" charset="0"/>
+                <a:sym typeface="+mn-ea"/>
+              </a:rPr>
+              <a:t>Kutta</a:t>
+            </a:r>
+            <a:r>
+              <a:rPr lang="en-US" altLang="zh-CN" sz="2800" b="1" dirty="0">
+                <a:solidFill>
+                  <a:schemeClr val="tx1"/>
+                </a:solidFill>
+                <a:latin typeface="Times New Roman" panose="02020603050405020304" pitchFamily="18" charset="0"/>
+                <a:ea typeface="微软雅黑" panose="020B0503020204020204" pitchFamily="34" charset="-122"/>
+                <a:cs typeface="Times New Roman" panose="02020603050405020304" pitchFamily="18" charset="0"/>
+                <a:sym typeface="+mn-ea"/>
+              </a:rPr>
+              <a:t>-Fehlberg </a:t>
+            </a:r>
+            <a:r>
+              <a:rPr lang="en-US" altLang="zh-CN" sz="2800" b="1" dirty="0">
+                <a:latin typeface="Times New Roman" panose="02020603050405020304" pitchFamily="18" charset="0"/>
+                <a:ea typeface="微软雅黑" panose="020B0503020204020204" pitchFamily="34" charset="-122"/>
+                <a:cs typeface="Times New Roman" panose="02020603050405020304" pitchFamily="18" charset="0"/>
+                <a:sym typeface="+mn-ea"/>
+              </a:rPr>
+              <a:t>(RKF)</a:t>
+            </a:r>
+          </a:p>
+          <a:p>
+            <a:pPr marL="800100" lvl="1" indent="-342900">
+              <a:lnSpc>
+                <a:spcPct val="150000"/>
+              </a:lnSpc>
+              <a:buFont typeface="Arial" panose="020B0604020202020204" pitchFamily="34" charset="0"/>
+              <a:buChar char="•"/>
+            </a:pPr>
+            <a:r>
+              <a:rPr lang="zh-CN" altLang="en-US" sz="2400" b="1" dirty="0">
+                <a:solidFill>
+                  <a:schemeClr val="tx1"/>
+                </a:solidFill>
+                <a:latin typeface="Times New Roman" panose="02020603050405020304" pitchFamily="18" charset="0"/>
+                <a:ea typeface="微软雅黑" panose="020B0503020204020204" pitchFamily="34" charset="-122"/>
+                <a:cs typeface="Times New Roman" panose="02020603050405020304" pitchFamily="18" charset="0"/>
+                <a:sym typeface="+mn-ea"/>
+              </a:rPr>
+              <a:t>参数组合可以自由选择</a:t>
+            </a:r>
+            <a:endParaRPr lang="en-US" altLang="zh-CN" sz="2400" b="1" dirty="0">
               <a:solidFill>
                 <a:schemeClr val="tx1"/>
               </a:solidFill>
-              <a:latin typeface="微软雅黑" panose="020B0503020204020204" pitchFamily="34" charset="-122"/>
+              <a:latin typeface="Times New Roman" panose="02020603050405020304" pitchFamily="18" charset="0"/>
               <a:ea typeface="微软雅黑" panose="020B0503020204020204" pitchFamily="34" charset="-122"/>
+              <a:cs typeface="Times New Roman" panose="02020603050405020304" pitchFamily="18" charset="0"/>
+              <a:sym typeface="+mn-ea"/>
+            </a:endParaRPr>
+          </a:p>
+          <a:p>
+            <a:pPr marL="800100" lvl="1" indent="-342900">
+              <a:lnSpc>
+                <a:spcPct val="150000"/>
+              </a:lnSpc>
+              <a:buFont typeface="Arial" panose="020B0604020202020204" pitchFamily="34" charset="0"/>
+              <a:buChar char="•"/>
+            </a:pPr>
+            <a:r>
+              <a:rPr lang="zh-CN" altLang="en-US" sz="2400" b="1" dirty="0">
+                <a:solidFill>
+                  <a:schemeClr val="tx1"/>
+                </a:solidFill>
+                <a:latin typeface="Times New Roman" panose="02020603050405020304" pitchFamily="18" charset="0"/>
+                <a:ea typeface="微软雅黑" panose="020B0503020204020204" pitchFamily="34" charset="-122"/>
+                <a:cs typeface="Times New Roman" panose="02020603050405020304" pitchFamily="18" charset="0"/>
+                <a:sym typeface="+mn-ea"/>
+              </a:rPr>
+              <a:t>只需多算很少几次（</a:t>
+            </a:r>
+            <a:r>
+              <a:rPr lang="en-US" altLang="zh-CN" sz="2400" b="1" dirty="0">
+                <a:solidFill>
+                  <a:schemeClr val="tx1"/>
+                </a:solidFill>
+                <a:latin typeface="Times New Roman" panose="02020603050405020304" pitchFamily="18" charset="0"/>
+                <a:ea typeface="微软雅黑" panose="020B0503020204020204" pitchFamily="34" charset="-122"/>
+                <a:cs typeface="Times New Roman" panose="02020603050405020304" pitchFamily="18" charset="0"/>
+                <a:sym typeface="+mn-ea"/>
+              </a:rPr>
+              <a:t>2</a:t>
+            </a:r>
+            <a:r>
+              <a:rPr lang="zh-CN" altLang="en-US" sz="2400" b="1" dirty="0">
+                <a:solidFill>
+                  <a:schemeClr val="tx1"/>
+                </a:solidFill>
+                <a:latin typeface="Times New Roman" panose="02020603050405020304" pitchFamily="18" charset="0"/>
+                <a:ea typeface="微软雅黑" panose="020B0503020204020204" pitchFamily="34" charset="-122"/>
+                <a:cs typeface="Times New Roman" panose="02020603050405020304" pitchFamily="18" charset="0"/>
+                <a:sym typeface="+mn-ea"/>
+              </a:rPr>
+              <a:t>次）右函数值</a:t>
+            </a:r>
+            <a:endParaRPr lang="en-US" altLang="zh-CN" sz="2400" b="1" dirty="0">
+              <a:solidFill>
+                <a:schemeClr val="tx1"/>
+              </a:solidFill>
+              <a:latin typeface="Times New Roman" panose="02020603050405020304" pitchFamily="18" charset="0"/>
+              <a:ea typeface="微软雅黑" panose="020B0503020204020204" pitchFamily="34" charset="-122"/>
+              <a:cs typeface="Times New Roman" panose="02020603050405020304" pitchFamily="18" charset="0"/>
+              <a:sym typeface="+mn-ea"/>
+            </a:endParaRPr>
+          </a:p>
+          <a:p>
+            <a:pPr marL="800100" lvl="1" indent="-342900">
+              <a:lnSpc>
+                <a:spcPct val="150000"/>
+              </a:lnSpc>
+              <a:buFont typeface="Arial" panose="020B0604020202020204" pitchFamily="34" charset="0"/>
+              <a:buChar char="•"/>
+            </a:pPr>
+            <a:r>
+              <a:rPr lang="zh-CN" altLang="en-US" sz="2400" b="1" dirty="0">
+                <a:solidFill>
+                  <a:schemeClr val="tx1"/>
+                </a:solidFill>
+                <a:latin typeface="Times New Roman" panose="02020603050405020304" pitchFamily="18" charset="0"/>
+                <a:ea typeface="微软雅黑" panose="020B0503020204020204" pitchFamily="34" charset="-122"/>
+                <a:cs typeface="Times New Roman" panose="02020603050405020304" pitchFamily="18" charset="0"/>
+                <a:sym typeface="+mn-ea"/>
+              </a:rPr>
+              <a:t>得到截断误差</a:t>
+            </a:r>
+            <a:r>
+              <a:rPr lang="en-US" altLang="zh-CN" sz="2400" b="1" dirty="0">
+                <a:solidFill>
+                  <a:schemeClr val="tx1"/>
+                </a:solidFill>
+                <a:latin typeface="Times New Roman" panose="02020603050405020304" pitchFamily="18" charset="0"/>
+                <a:ea typeface="微软雅黑" panose="020B0503020204020204" pitchFamily="34" charset="-122"/>
+                <a:cs typeface="Times New Roman" panose="02020603050405020304" pitchFamily="18" charset="0"/>
+                <a:sym typeface="+mn-ea"/>
+              </a:rPr>
+              <a:t>——</a:t>
+            </a:r>
+            <a:r>
+              <a:rPr lang="zh-CN" altLang="en-US" sz="2400" b="1" dirty="0">
+                <a:solidFill>
+                  <a:schemeClr val="tx1"/>
+                </a:solidFill>
+                <a:latin typeface="Times New Roman" panose="02020603050405020304" pitchFamily="18" charset="0"/>
+                <a:ea typeface="微软雅黑" panose="020B0503020204020204" pitchFamily="34" charset="-122"/>
+                <a:cs typeface="Times New Roman" panose="02020603050405020304" pitchFamily="18" charset="0"/>
+                <a:sym typeface="+mn-ea"/>
+              </a:rPr>
+              <a:t>调整步长</a:t>
+            </a:r>
+            <a:endParaRPr lang="en-US" altLang="zh-CN" sz="2400" b="1" dirty="0">
+              <a:solidFill>
+                <a:schemeClr val="tx1"/>
+              </a:solidFill>
+              <a:latin typeface="Times New Roman" panose="02020603050405020304" pitchFamily="18" charset="0"/>
+              <a:ea typeface="微软雅黑" panose="020B0503020204020204" pitchFamily="34" charset="-122"/>
+              <a:cs typeface="Times New Roman" panose="02020603050405020304" pitchFamily="18" charset="0"/>
               <a:sym typeface="+mn-ea"/>
             </a:endParaRPr>
           </a:p>
@@ -14502,10 +16925,684 @@
           </a:p>
         </p:txBody>
       </p:sp>
+      <p:graphicFrame>
+        <p:nvGraphicFramePr>
+          <p:cNvPr id="4" name="对象 3">
+            <a:extLst>
+              <a:ext uri="{FF2B5EF4-FFF2-40B4-BE49-F238E27FC236}">
+                <a16:creationId xmlns:a16="http://schemas.microsoft.com/office/drawing/2014/main" id="{4466817D-3AE0-1687-9209-D0398F0FD61F}"/>
+              </a:ext>
+            </a:extLst>
+          </p:cNvPr>
+          <p:cNvGraphicFramePr>
+            <a:graphicFrameLocks noChangeAspect="1"/>
+          </p:cNvGraphicFramePr>
+          <p:nvPr>
+            <p:extLst>
+              <p:ext uri="{D42A27DB-BD31-4B8C-83A1-F6EECF244321}">
+                <p14:modId xmlns:p14="http://schemas.microsoft.com/office/powerpoint/2010/main" val="2776881024"/>
+              </p:ext>
+            </p:extLst>
+          </p:nvPr>
+        </p:nvGraphicFramePr>
+        <p:xfrm>
+          <a:off x="1414074" y="3872684"/>
+          <a:ext cx="3730625" cy="1657350"/>
+        </p:xfrm>
+        <a:graphic>
+          <a:graphicData uri="http://schemas.openxmlformats.org/presentationml/2006/ole">
+            <mc:AlternateContent xmlns:mc="http://schemas.openxmlformats.org/markup-compatibility/2006">
+              <mc:Choice xmlns:v="urn:schemas-microsoft-com:vml" Requires="v">
+                <p:oleObj name="AxMath" r:id="rId2" imgW="1865520" imgH="829440" progId="Equation.AxMath">
+                  <p:embed/>
+                </p:oleObj>
+              </mc:Choice>
+              <mc:Fallback>
+                <p:oleObj name="AxMath" r:id="rId2" imgW="1865520" imgH="829440" progId="Equation.AxMath">
+                  <p:embed/>
+                  <p:pic>
+                    <p:nvPicPr>
+                      <p:cNvPr id="2" name="对象 1">
+                        <a:extLst>
+                          <a:ext uri="{FF2B5EF4-FFF2-40B4-BE49-F238E27FC236}">
+                            <a16:creationId xmlns:a16="http://schemas.microsoft.com/office/drawing/2014/main" id="{D4A684F6-1B2E-9514-8864-DC60C50C6632}"/>
+                          </a:ext>
+                        </a:extLst>
+                      </p:cNvPr>
+                      <p:cNvPicPr/>
+                      <p:nvPr/>
+                    </p:nvPicPr>
+                    <p:blipFill>
+                      <a:blip r:embed="rId3"/>
+                      <a:stretch>
+                        <a:fillRect/>
+                      </a:stretch>
+                    </p:blipFill>
+                    <p:spPr>
+                      <a:xfrm>
+                        <a:off x="1414074" y="3872684"/>
+                        <a:ext cx="3730625" cy="1657350"/>
+                      </a:xfrm>
+                      <a:prstGeom prst="rect">
+                        <a:avLst/>
+                      </a:prstGeom>
+                    </p:spPr>
+                  </p:pic>
+                </p:oleObj>
+              </mc:Fallback>
+            </mc:AlternateContent>
+          </a:graphicData>
+        </a:graphic>
+      </p:graphicFrame>
+      <p:pic>
+        <p:nvPicPr>
+          <p:cNvPr id="7" name="图形 6" descr="紧张的脸轮廓 纯色填充">
+            <a:extLst>
+              <a:ext uri="{FF2B5EF4-FFF2-40B4-BE49-F238E27FC236}">
+                <a16:creationId xmlns:a16="http://schemas.microsoft.com/office/drawing/2014/main" id="{21D024B9-0BB3-96F3-B78B-0411CC5DBDA3}"/>
+              </a:ext>
+            </a:extLst>
+          </p:cNvPr>
+          <p:cNvPicPr>
+            <a:picLocks noChangeAspect="1"/>
+          </p:cNvPicPr>
+          <p:nvPr/>
+        </p:nvPicPr>
+        <p:blipFill>
+          <a:blip r:embed="rId4">
+            <a:extLst>
+              <a:ext uri="{96DAC541-7B7A-43D3-8B79-37D633B846F1}">
+                <asvg:svgBlip xmlns:asvg="http://schemas.microsoft.com/office/drawing/2016/SVG/main" r:embed="rId5"/>
+              </a:ext>
+            </a:extLst>
+          </a:blip>
+          <a:stretch>
+            <a:fillRect/>
+          </a:stretch>
+        </p:blipFill>
+        <p:spPr>
+          <a:xfrm>
+            <a:off x="1087" y="725941"/>
+            <a:ext cx="571360" cy="571360"/>
+          </a:xfrm>
+          <a:prstGeom prst="rect">
+            <a:avLst/>
+          </a:prstGeom>
+        </p:spPr>
+      </p:pic>
+      <p:sp>
+        <p:nvSpPr>
+          <p:cNvPr id="8" name="矩形 7">
+            <a:extLst>
+              <a:ext uri="{FF2B5EF4-FFF2-40B4-BE49-F238E27FC236}">
+                <a16:creationId xmlns:a16="http://schemas.microsoft.com/office/drawing/2014/main" id="{0B5110AD-9618-8169-C08D-7E1240EB9C31}"/>
+              </a:ext>
+            </a:extLst>
+          </p:cNvPr>
+          <p:cNvSpPr/>
+          <p:nvPr/>
+        </p:nvSpPr>
+        <p:spPr>
+          <a:xfrm>
+            <a:off x="5060809" y="4118454"/>
+            <a:ext cx="1066523" cy="400110"/>
+          </a:xfrm>
+          <a:prstGeom prst="rect">
+            <a:avLst/>
+          </a:prstGeom>
+        </p:spPr>
+        <p:txBody>
+          <a:bodyPr wrap="square">
+            <a:spAutoFit/>
+          </a:bodyPr>
+          <a:lstStyle/>
+          <a:p>
+            <a:pPr algn="ctr" fontAlgn="auto">
+              <a:spcAft>
+                <a:spcPts val="0"/>
+              </a:spcAft>
+            </a:pPr>
+            <a:r>
+              <a:rPr lang="en-US" altLang="zh-CN" sz="2000" b="1" i="1" dirty="0">
+                <a:latin typeface="Times New Roman" panose="02020603050405020304" pitchFamily="18" charset="0"/>
+                <a:ea typeface="微软雅黑" panose="020B0503020204020204" pitchFamily="34" charset="-122"/>
+                <a:cs typeface="Times New Roman" panose="02020603050405020304" pitchFamily="18" charset="0"/>
+              </a:rPr>
+              <a:t>p </a:t>
+            </a:r>
+            <a:r>
+              <a:rPr lang="zh-CN" altLang="en-US" sz="2000" b="1" dirty="0">
+                <a:latin typeface="Times New Roman" panose="02020603050405020304" pitchFamily="18" charset="0"/>
+                <a:ea typeface="微软雅黑" panose="020B0503020204020204" pitchFamily="34" charset="-122"/>
+                <a:cs typeface="Times New Roman" panose="02020603050405020304" pitchFamily="18" charset="0"/>
+              </a:rPr>
+              <a:t>阶</a:t>
+            </a:r>
+            <a:endParaRPr lang="zh-CN" sz="2000" b="1" dirty="0">
+              <a:latin typeface="Times New Roman" panose="02020603050405020304" pitchFamily="18" charset="0"/>
+              <a:ea typeface="微软雅黑" panose="020B0503020204020204" pitchFamily="34" charset="-122"/>
+              <a:cs typeface="Times New Roman" panose="02020603050405020304" pitchFamily="18" charset="0"/>
+            </a:endParaRPr>
+          </a:p>
+        </p:txBody>
+      </p:sp>
+      <p:pic>
+        <p:nvPicPr>
+          <p:cNvPr id="10" name="图片 9">
+            <a:extLst>
+              <a:ext uri="{FF2B5EF4-FFF2-40B4-BE49-F238E27FC236}">
+                <a16:creationId xmlns:a16="http://schemas.microsoft.com/office/drawing/2014/main" id="{1780A201-5715-F8AB-2575-2819EA334AE9}"/>
+              </a:ext>
+            </a:extLst>
+          </p:cNvPr>
+          <p:cNvPicPr>
+            <a:picLocks noChangeAspect="1"/>
+          </p:cNvPicPr>
+          <p:nvPr/>
+        </p:nvPicPr>
+        <p:blipFill>
+          <a:blip r:embed="rId6"/>
+          <a:stretch>
+            <a:fillRect/>
+          </a:stretch>
+        </p:blipFill>
+        <p:spPr>
+          <a:xfrm>
+            <a:off x="7780057" y="4415570"/>
+            <a:ext cx="3003672" cy="1126377"/>
+          </a:xfrm>
+          <a:prstGeom prst="rect">
+            <a:avLst/>
+          </a:prstGeom>
+        </p:spPr>
+      </p:pic>
+      <p:sp>
+        <p:nvSpPr>
+          <p:cNvPr id="11" name="矩形 10">
+            <a:extLst>
+              <a:ext uri="{FF2B5EF4-FFF2-40B4-BE49-F238E27FC236}">
+                <a16:creationId xmlns:a16="http://schemas.microsoft.com/office/drawing/2014/main" id="{C9D01259-0861-28FE-53D1-51D066B98919}"/>
+              </a:ext>
+            </a:extLst>
+          </p:cNvPr>
+          <p:cNvSpPr/>
+          <p:nvPr/>
+        </p:nvSpPr>
+        <p:spPr>
+          <a:xfrm>
+            <a:off x="7340609" y="3908814"/>
+            <a:ext cx="3730625" cy="400110"/>
+          </a:xfrm>
+          <a:prstGeom prst="rect">
+            <a:avLst/>
+          </a:prstGeom>
+        </p:spPr>
+        <p:txBody>
+          <a:bodyPr wrap="square">
+            <a:spAutoFit/>
+          </a:bodyPr>
+          <a:lstStyle/>
+          <a:p>
+            <a:pPr algn="ctr" fontAlgn="auto">
+              <a:spcAft>
+                <a:spcPts val="0"/>
+              </a:spcAft>
+            </a:pPr>
+            <a:r>
+              <a:rPr lang="zh-CN" altLang="en-US" sz="2000" b="1" dirty="0">
+                <a:latin typeface="微软雅黑" panose="020B0503020204020204" pitchFamily="34" charset="-122"/>
+                <a:ea typeface="微软雅黑" panose="020B0503020204020204" pitchFamily="34" charset="-122"/>
+              </a:rPr>
+              <a:t>各阶</a:t>
+            </a:r>
+            <a:r>
+              <a:rPr lang="en-US" altLang="zh-CN" sz="2000" b="1" dirty="0">
+                <a:latin typeface="微软雅黑" panose="020B0503020204020204" pitchFamily="34" charset="-122"/>
+                <a:ea typeface="微软雅黑" panose="020B0503020204020204" pitchFamily="34" charset="-122"/>
+              </a:rPr>
+              <a:t>RKF</a:t>
+            </a:r>
+            <a:r>
+              <a:rPr lang="zh-CN" altLang="en-US" sz="2000" b="1" dirty="0">
+                <a:latin typeface="微软雅黑" panose="020B0503020204020204" pitchFamily="34" charset="-122"/>
+                <a:ea typeface="微软雅黑" panose="020B0503020204020204" pitchFamily="34" charset="-122"/>
+              </a:rPr>
+              <a:t>方法的局部截断误差</a:t>
+            </a:r>
+            <a:endParaRPr lang="zh-CN" sz="2000" b="1" dirty="0">
+              <a:latin typeface="微软雅黑" panose="020B0503020204020204" pitchFamily="34" charset="-122"/>
+              <a:ea typeface="微软雅黑" panose="020B0503020204020204" pitchFamily="34" charset="-122"/>
+            </a:endParaRPr>
+          </a:p>
+        </p:txBody>
+      </p:sp>
+      <p:sp>
+        <p:nvSpPr>
+          <p:cNvPr id="12" name="矩形 11">
+            <a:extLst>
+              <a:ext uri="{FF2B5EF4-FFF2-40B4-BE49-F238E27FC236}">
+                <a16:creationId xmlns:a16="http://schemas.microsoft.com/office/drawing/2014/main" id="{141F4BCE-AF43-0D7B-8BBA-EC4B0CBEA4A8}"/>
+              </a:ext>
+            </a:extLst>
+          </p:cNvPr>
+          <p:cNvSpPr/>
+          <p:nvPr/>
+        </p:nvSpPr>
+        <p:spPr>
+          <a:xfrm>
+            <a:off x="5102754" y="4890241"/>
+            <a:ext cx="1066523" cy="400110"/>
+          </a:xfrm>
+          <a:prstGeom prst="rect">
+            <a:avLst/>
+          </a:prstGeom>
+        </p:spPr>
+        <p:txBody>
+          <a:bodyPr wrap="square">
+            <a:spAutoFit/>
+          </a:bodyPr>
+          <a:lstStyle/>
+          <a:p>
+            <a:pPr algn="ctr" fontAlgn="auto">
+              <a:spcAft>
+                <a:spcPts val="0"/>
+              </a:spcAft>
+            </a:pPr>
+            <a:r>
+              <a:rPr lang="en-US" altLang="zh-CN" sz="2000" b="1" i="1" dirty="0">
+                <a:latin typeface="Times New Roman" panose="02020603050405020304" pitchFamily="18" charset="0"/>
+                <a:ea typeface="微软雅黑" panose="020B0503020204020204" pitchFamily="34" charset="-122"/>
+                <a:cs typeface="Times New Roman" panose="02020603050405020304" pitchFamily="18" charset="0"/>
+              </a:rPr>
+              <a:t>p</a:t>
+            </a:r>
+            <a:r>
+              <a:rPr lang="en-US" altLang="zh-CN" sz="2000" b="1" dirty="0">
+                <a:latin typeface="Times New Roman" panose="02020603050405020304" pitchFamily="18" charset="0"/>
+                <a:ea typeface="微软雅黑" panose="020B0503020204020204" pitchFamily="34" charset="-122"/>
+                <a:cs typeface="Times New Roman" panose="02020603050405020304" pitchFamily="18" charset="0"/>
+              </a:rPr>
+              <a:t>+1</a:t>
+            </a:r>
+            <a:r>
+              <a:rPr lang="en-US" altLang="zh-CN" sz="2000" b="1" i="1" dirty="0">
+                <a:latin typeface="Times New Roman" panose="02020603050405020304" pitchFamily="18" charset="0"/>
+                <a:ea typeface="微软雅黑" panose="020B0503020204020204" pitchFamily="34" charset="-122"/>
+                <a:cs typeface="Times New Roman" panose="02020603050405020304" pitchFamily="18" charset="0"/>
+              </a:rPr>
+              <a:t> </a:t>
+            </a:r>
+            <a:r>
+              <a:rPr lang="zh-CN" altLang="en-US" sz="2000" b="1" dirty="0">
+                <a:latin typeface="Times New Roman" panose="02020603050405020304" pitchFamily="18" charset="0"/>
+                <a:ea typeface="微软雅黑" panose="020B0503020204020204" pitchFamily="34" charset="-122"/>
+                <a:cs typeface="Times New Roman" panose="02020603050405020304" pitchFamily="18" charset="0"/>
+              </a:rPr>
+              <a:t>阶</a:t>
+            </a:r>
+            <a:endParaRPr lang="zh-CN" sz="2000" b="1" dirty="0">
+              <a:latin typeface="Times New Roman" panose="02020603050405020304" pitchFamily="18" charset="0"/>
+              <a:ea typeface="微软雅黑" panose="020B0503020204020204" pitchFamily="34" charset="-122"/>
+              <a:cs typeface="Times New Roman" panose="02020603050405020304" pitchFamily="18" charset="0"/>
+            </a:endParaRPr>
+          </a:p>
+        </p:txBody>
+      </p:sp>
+      <p:graphicFrame>
+        <p:nvGraphicFramePr>
+          <p:cNvPr id="13" name="表格 13">
+            <a:extLst>
+              <a:ext uri="{FF2B5EF4-FFF2-40B4-BE49-F238E27FC236}">
+                <a16:creationId xmlns:a16="http://schemas.microsoft.com/office/drawing/2014/main" id="{39A9844C-E838-5DF8-FF44-891E44045750}"/>
+              </a:ext>
+            </a:extLst>
+          </p:cNvPr>
+          <p:cNvGraphicFramePr>
+            <a:graphicFrameLocks noGrp="1"/>
+          </p:cNvGraphicFramePr>
+          <p:nvPr>
+            <p:extLst>
+              <p:ext uri="{D42A27DB-BD31-4B8C-83A1-F6EECF244321}">
+                <p14:modId xmlns:p14="http://schemas.microsoft.com/office/powerpoint/2010/main" val="1251281556"/>
+              </p:ext>
+            </p:extLst>
+          </p:nvPr>
+        </p:nvGraphicFramePr>
+        <p:xfrm>
+          <a:off x="7558418" y="2008316"/>
+          <a:ext cx="3295008" cy="1112520"/>
+        </p:xfrm>
+        <a:graphic>
+          <a:graphicData uri="http://schemas.openxmlformats.org/drawingml/2006/table">
+            <a:tbl>
+              <a:tblPr firstRow="1" bandRow="1">
+                <a:tableStyleId>{5C22544A-7EE6-4342-B048-85BDC9FD1C3A}</a:tableStyleId>
+              </a:tblPr>
+              <a:tblGrid>
+                <a:gridCol w="823752">
+                  <a:extLst>
+                    <a:ext uri="{9D8B030D-6E8A-4147-A177-3AD203B41FA5}">
+                      <a16:colId xmlns:a16="http://schemas.microsoft.com/office/drawing/2014/main" val="3943734373"/>
+                    </a:ext>
+                  </a:extLst>
+                </a:gridCol>
+                <a:gridCol w="823752">
+                  <a:extLst>
+                    <a:ext uri="{9D8B030D-6E8A-4147-A177-3AD203B41FA5}">
+                      <a16:colId xmlns:a16="http://schemas.microsoft.com/office/drawing/2014/main" val="1362257121"/>
+                    </a:ext>
+                  </a:extLst>
+                </a:gridCol>
+                <a:gridCol w="823752">
+                  <a:extLst>
+                    <a:ext uri="{9D8B030D-6E8A-4147-A177-3AD203B41FA5}">
+                      <a16:colId xmlns:a16="http://schemas.microsoft.com/office/drawing/2014/main" val="1787407092"/>
+                    </a:ext>
+                  </a:extLst>
+                </a:gridCol>
+                <a:gridCol w="823752">
+                  <a:extLst>
+                    <a:ext uri="{9D8B030D-6E8A-4147-A177-3AD203B41FA5}">
+                      <a16:colId xmlns:a16="http://schemas.microsoft.com/office/drawing/2014/main" val="1395704457"/>
+                    </a:ext>
+                  </a:extLst>
+                </a:gridCol>
+              </a:tblGrid>
+              <a:tr h="370840">
+                <a:tc>
+                  <a:txBody>
+                    <a:bodyPr/>
+                    <a:lstStyle/>
+                    <a:p>
+                      <a:pPr algn="ctr"/>
+                      <a:r>
+                        <a:rPr lang="en-US" altLang="zh-CN" i="1" dirty="0">
+                          <a:latin typeface="Times New Roman" panose="02020603050405020304" pitchFamily="18" charset="0"/>
+                          <a:cs typeface="Times New Roman" panose="02020603050405020304" pitchFamily="18" charset="0"/>
+                        </a:rPr>
+                        <a:t>p</a:t>
+                      </a:r>
+                      <a:endParaRPr lang="zh-CN" altLang="en-US" i="1" dirty="0">
+                        <a:latin typeface="Times New Roman" panose="02020603050405020304" pitchFamily="18" charset="0"/>
+                        <a:cs typeface="Times New Roman" panose="02020603050405020304" pitchFamily="18" charset="0"/>
+                      </a:endParaRPr>
+                    </a:p>
+                  </a:txBody>
+                  <a:tcPr anchor="ctr"/>
+                </a:tc>
+                <a:tc>
+                  <a:txBody>
+                    <a:bodyPr/>
+                    <a:lstStyle/>
+                    <a:p>
+                      <a:pPr algn="ctr"/>
+                      <a:r>
+                        <a:rPr lang="en-US" altLang="zh-CN" dirty="0">
+                          <a:latin typeface="Times New Roman" panose="02020603050405020304" pitchFamily="18" charset="0"/>
+                          <a:cs typeface="Times New Roman" panose="02020603050405020304" pitchFamily="18" charset="0"/>
+                        </a:rPr>
+                        <a:t>5</a:t>
+                      </a:r>
+                      <a:endParaRPr lang="zh-CN" altLang="en-US" dirty="0">
+                        <a:latin typeface="Times New Roman" panose="02020603050405020304" pitchFamily="18" charset="0"/>
+                        <a:cs typeface="Times New Roman" panose="02020603050405020304" pitchFamily="18" charset="0"/>
+                      </a:endParaRPr>
+                    </a:p>
+                  </a:txBody>
+                  <a:tcPr anchor="ctr"/>
+                </a:tc>
+                <a:tc>
+                  <a:txBody>
+                    <a:bodyPr/>
+                    <a:lstStyle/>
+                    <a:p>
+                      <a:pPr algn="ctr"/>
+                      <a:r>
+                        <a:rPr lang="en-US" altLang="zh-CN" dirty="0">
+                          <a:latin typeface="Times New Roman" panose="02020603050405020304" pitchFamily="18" charset="0"/>
+                          <a:cs typeface="Times New Roman" panose="02020603050405020304" pitchFamily="18" charset="0"/>
+                        </a:rPr>
+                        <a:t>6</a:t>
+                      </a:r>
+                      <a:endParaRPr lang="zh-CN" altLang="en-US" dirty="0">
+                        <a:latin typeface="Times New Roman" panose="02020603050405020304" pitchFamily="18" charset="0"/>
+                        <a:cs typeface="Times New Roman" panose="02020603050405020304" pitchFamily="18" charset="0"/>
+                      </a:endParaRPr>
+                    </a:p>
+                  </a:txBody>
+                  <a:tcPr anchor="ctr"/>
+                </a:tc>
+                <a:tc>
+                  <a:txBody>
+                    <a:bodyPr/>
+                    <a:lstStyle/>
+                    <a:p>
+                      <a:pPr algn="ctr"/>
+                      <a:r>
+                        <a:rPr lang="en-US" altLang="zh-CN" dirty="0">
+                          <a:latin typeface="Times New Roman" panose="02020603050405020304" pitchFamily="18" charset="0"/>
+                          <a:cs typeface="Times New Roman" panose="02020603050405020304" pitchFamily="18" charset="0"/>
+                        </a:rPr>
+                        <a:t>7</a:t>
+                      </a:r>
+                      <a:endParaRPr lang="zh-CN" altLang="en-US" dirty="0">
+                        <a:latin typeface="Times New Roman" panose="02020603050405020304" pitchFamily="18" charset="0"/>
+                        <a:cs typeface="Times New Roman" panose="02020603050405020304" pitchFamily="18" charset="0"/>
+                      </a:endParaRPr>
+                    </a:p>
+                  </a:txBody>
+                  <a:tcPr anchor="ctr"/>
+                </a:tc>
+                <a:extLst>
+                  <a:ext uri="{0D108BD9-81ED-4DB2-BD59-A6C34878D82A}">
+                    <a16:rowId xmlns:a16="http://schemas.microsoft.com/office/drawing/2014/main" val="2123867215"/>
+                  </a:ext>
+                </a:extLst>
+              </a:tr>
+              <a:tr h="370840">
+                <a:tc>
+                  <a:txBody>
+                    <a:bodyPr/>
+                    <a:lstStyle/>
+                    <a:p>
+                      <a:pPr algn="ctr"/>
+                      <a:r>
+                        <a:rPr lang="en-US" altLang="zh-CN" i="1" dirty="0">
+                          <a:latin typeface="Times New Roman" panose="02020603050405020304" pitchFamily="18" charset="0"/>
+                          <a:cs typeface="Times New Roman" panose="02020603050405020304" pitchFamily="18" charset="0"/>
+                        </a:rPr>
+                        <a:t>m</a:t>
+                      </a:r>
+                      <a:r>
+                        <a:rPr lang="en-US" altLang="zh-CN" baseline="-25000" dirty="0">
+                          <a:latin typeface="Times New Roman" panose="02020603050405020304" pitchFamily="18" charset="0"/>
+                          <a:cs typeface="Times New Roman" panose="02020603050405020304" pitchFamily="18" charset="0"/>
+                        </a:rPr>
+                        <a:t>1</a:t>
+                      </a:r>
+                      <a:endParaRPr lang="zh-CN" altLang="en-US" baseline="-25000" dirty="0">
+                        <a:latin typeface="Times New Roman" panose="02020603050405020304" pitchFamily="18" charset="0"/>
+                        <a:cs typeface="Times New Roman" panose="02020603050405020304" pitchFamily="18" charset="0"/>
+                      </a:endParaRPr>
+                    </a:p>
+                  </a:txBody>
+                  <a:tcPr anchor="ctr"/>
+                </a:tc>
+                <a:tc>
+                  <a:txBody>
+                    <a:bodyPr/>
+                    <a:lstStyle/>
+                    <a:p>
+                      <a:pPr algn="ctr"/>
+                      <a:r>
+                        <a:rPr lang="en-US" altLang="zh-CN" dirty="0">
+                          <a:latin typeface="Times New Roman" panose="02020603050405020304" pitchFamily="18" charset="0"/>
+                          <a:cs typeface="Times New Roman" panose="02020603050405020304" pitchFamily="18" charset="0"/>
+                        </a:rPr>
+                        <a:t>5</a:t>
+                      </a:r>
+                      <a:endParaRPr lang="zh-CN" altLang="en-US" dirty="0">
+                        <a:latin typeface="Times New Roman" panose="02020603050405020304" pitchFamily="18" charset="0"/>
+                        <a:cs typeface="Times New Roman" panose="02020603050405020304" pitchFamily="18" charset="0"/>
+                      </a:endParaRPr>
+                    </a:p>
+                  </a:txBody>
+                  <a:tcPr anchor="ctr"/>
+                </a:tc>
+                <a:tc>
+                  <a:txBody>
+                    <a:bodyPr/>
+                    <a:lstStyle/>
+                    <a:p>
+                      <a:pPr algn="ctr"/>
+                      <a:r>
+                        <a:rPr lang="en-US" altLang="zh-CN" dirty="0">
+                          <a:latin typeface="Times New Roman" panose="02020603050405020304" pitchFamily="18" charset="0"/>
+                          <a:cs typeface="Times New Roman" panose="02020603050405020304" pitchFamily="18" charset="0"/>
+                        </a:rPr>
+                        <a:t>7</a:t>
+                      </a:r>
+                      <a:endParaRPr lang="zh-CN" altLang="en-US" dirty="0">
+                        <a:latin typeface="Times New Roman" panose="02020603050405020304" pitchFamily="18" charset="0"/>
+                        <a:cs typeface="Times New Roman" panose="02020603050405020304" pitchFamily="18" charset="0"/>
+                      </a:endParaRPr>
+                    </a:p>
+                  </a:txBody>
+                  <a:tcPr anchor="ctr"/>
+                </a:tc>
+                <a:tc>
+                  <a:txBody>
+                    <a:bodyPr/>
+                    <a:lstStyle/>
+                    <a:p>
+                      <a:pPr algn="ctr"/>
+                      <a:r>
+                        <a:rPr lang="en-US" altLang="zh-CN" dirty="0">
+                          <a:latin typeface="Times New Roman" panose="02020603050405020304" pitchFamily="18" charset="0"/>
+                          <a:cs typeface="Times New Roman" panose="02020603050405020304" pitchFamily="18" charset="0"/>
+                        </a:rPr>
+                        <a:t>10</a:t>
+                      </a:r>
+                      <a:endParaRPr lang="zh-CN" altLang="en-US" dirty="0">
+                        <a:latin typeface="Times New Roman" panose="02020603050405020304" pitchFamily="18" charset="0"/>
+                        <a:cs typeface="Times New Roman" panose="02020603050405020304" pitchFamily="18" charset="0"/>
+                      </a:endParaRPr>
+                    </a:p>
+                  </a:txBody>
+                  <a:tcPr anchor="ctr"/>
+                </a:tc>
+                <a:extLst>
+                  <a:ext uri="{0D108BD9-81ED-4DB2-BD59-A6C34878D82A}">
+                    <a16:rowId xmlns:a16="http://schemas.microsoft.com/office/drawing/2014/main" val="4085223369"/>
+                  </a:ext>
+                </a:extLst>
+              </a:tr>
+              <a:tr h="370840">
+                <a:tc>
+                  <a:txBody>
+                    <a:bodyPr/>
+                    <a:lstStyle/>
+                    <a:p>
+                      <a:pPr algn="ctr"/>
+                      <a:r>
+                        <a:rPr lang="en-US" altLang="zh-CN" i="1" dirty="0">
+                          <a:latin typeface="Times New Roman" panose="02020603050405020304" pitchFamily="18" charset="0"/>
+                          <a:cs typeface="Times New Roman" panose="02020603050405020304" pitchFamily="18" charset="0"/>
+                        </a:rPr>
+                        <a:t>m</a:t>
+                      </a:r>
+                      <a:r>
+                        <a:rPr lang="en-US" altLang="zh-CN" baseline="-25000" dirty="0">
+                          <a:latin typeface="Times New Roman" panose="02020603050405020304" pitchFamily="18" charset="0"/>
+                          <a:cs typeface="Times New Roman" panose="02020603050405020304" pitchFamily="18" charset="0"/>
+                        </a:rPr>
+                        <a:t>2</a:t>
+                      </a:r>
+                      <a:endParaRPr lang="zh-CN" altLang="en-US" baseline="-25000" dirty="0">
+                        <a:latin typeface="Times New Roman" panose="02020603050405020304" pitchFamily="18" charset="0"/>
+                        <a:cs typeface="Times New Roman" panose="02020603050405020304" pitchFamily="18" charset="0"/>
+                      </a:endParaRPr>
+                    </a:p>
+                  </a:txBody>
+                  <a:tcPr anchor="ctr"/>
+                </a:tc>
+                <a:tc>
+                  <a:txBody>
+                    <a:bodyPr/>
+                    <a:lstStyle/>
+                    <a:p>
+                      <a:pPr algn="ctr"/>
+                      <a:r>
+                        <a:rPr lang="en-US" altLang="zh-CN" dirty="0">
+                          <a:latin typeface="Times New Roman" panose="02020603050405020304" pitchFamily="18" charset="0"/>
+                          <a:cs typeface="Times New Roman" panose="02020603050405020304" pitchFamily="18" charset="0"/>
+                        </a:rPr>
+                        <a:t>7</a:t>
+                      </a:r>
+                      <a:endParaRPr lang="zh-CN" altLang="en-US" dirty="0">
+                        <a:latin typeface="Times New Roman" panose="02020603050405020304" pitchFamily="18" charset="0"/>
+                        <a:cs typeface="Times New Roman" panose="02020603050405020304" pitchFamily="18" charset="0"/>
+                      </a:endParaRPr>
+                    </a:p>
+                  </a:txBody>
+                  <a:tcPr anchor="ctr"/>
+                </a:tc>
+                <a:tc>
+                  <a:txBody>
+                    <a:bodyPr/>
+                    <a:lstStyle/>
+                    <a:p>
+                      <a:pPr algn="ctr"/>
+                      <a:r>
+                        <a:rPr lang="en-US" altLang="zh-CN" dirty="0">
+                          <a:latin typeface="Times New Roman" panose="02020603050405020304" pitchFamily="18" charset="0"/>
+                          <a:cs typeface="Times New Roman" panose="02020603050405020304" pitchFamily="18" charset="0"/>
+                        </a:rPr>
+                        <a:t>9</a:t>
+                      </a:r>
+                      <a:endParaRPr lang="zh-CN" altLang="en-US" dirty="0">
+                        <a:latin typeface="Times New Roman" panose="02020603050405020304" pitchFamily="18" charset="0"/>
+                        <a:cs typeface="Times New Roman" panose="02020603050405020304" pitchFamily="18" charset="0"/>
+                      </a:endParaRPr>
+                    </a:p>
+                  </a:txBody>
+                  <a:tcPr anchor="ctr"/>
+                </a:tc>
+                <a:tc>
+                  <a:txBody>
+                    <a:bodyPr/>
+                    <a:lstStyle/>
+                    <a:p>
+                      <a:pPr algn="ctr"/>
+                      <a:r>
+                        <a:rPr lang="en-US" altLang="zh-CN" dirty="0">
+                          <a:latin typeface="Times New Roman" panose="02020603050405020304" pitchFamily="18" charset="0"/>
+                          <a:cs typeface="Times New Roman" panose="02020603050405020304" pitchFamily="18" charset="0"/>
+                        </a:rPr>
+                        <a:t>12</a:t>
+                      </a:r>
+                      <a:endParaRPr lang="zh-CN" altLang="en-US" dirty="0">
+                        <a:latin typeface="Times New Roman" panose="02020603050405020304" pitchFamily="18" charset="0"/>
+                        <a:cs typeface="Times New Roman" panose="02020603050405020304" pitchFamily="18" charset="0"/>
+                      </a:endParaRPr>
+                    </a:p>
+                  </a:txBody>
+                  <a:tcPr anchor="ctr"/>
+                </a:tc>
+                <a:extLst>
+                  <a:ext uri="{0D108BD9-81ED-4DB2-BD59-A6C34878D82A}">
+                    <a16:rowId xmlns:a16="http://schemas.microsoft.com/office/drawing/2014/main" val="3082667479"/>
+                  </a:ext>
+                </a:extLst>
+              </a:tr>
+            </a:tbl>
+          </a:graphicData>
+        </a:graphic>
+      </p:graphicFrame>
     </p:spTree>
     <p:extLst>
       <p:ext uri="{BB962C8B-B14F-4D97-AF65-F5344CB8AC3E}">
-        <p14:creationId xmlns:p14="http://schemas.microsoft.com/office/powerpoint/2010/main" val="748276621"/>
+        <p14:creationId xmlns:p14="http://schemas.microsoft.com/office/powerpoint/2010/main" val="2548620121"/>
       </p:ext>
     </p:extLst>
   </p:cSld>
@@ -14553,7 +17650,7 @@
         <p:spPr>
           <a:xfrm>
             <a:off x="407987" y="1052513"/>
-            <a:ext cx="11376025" cy="662554"/>
+            <a:ext cx="11376025" cy="5186869"/>
           </a:xfrm>
           <a:prstGeom prst="rect">
             <a:avLst/>
@@ -14576,7 +17673,7 @@
               <a:buChar char="•"/>
             </a:pPr>
             <a:r>
-              <a:rPr lang="en-US" altLang="zh-CN" sz="2800" b="1" dirty="0">
+              <a:rPr lang="zh-CN" altLang="en-US" sz="2800" b="1" dirty="0">
                 <a:solidFill>
                   <a:schemeClr val="tx1"/>
                 </a:solidFill>
@@ -14584,8 +17681,176 @@
                 <a:ea typeface="微软雅黑" panose="020B0503020204020204" pitchFamily="34" charset="-122"/>
                 <a:sym typeface="+mn-ea"/>
               </a:rPr>
-              <a:t>RKF</a:t>
-            </a:r>
+              <a:t>天体运动方程的数值积分：</a:t>
+            </a:r>
+            <a:endParaRPr lang="en-US" altLang="zh-CN" sz="2800" b="1" dirty="0">
+              <a:solidFill>
+                <a:schemeClr val="tx1"/>
+              </a:solidFill>
+              <a:latin typeface="微软雅黑" panose="020B0503020204020204" pitchFamily="34" charset="-122"/>
+              <a:ea typeface="微软雅黑" panose="020B0503020204020204" pitchFamily="34" charset="-122"/>
+              <a:sym typeface="+mn-ea"/>
+            </a:endParaRPr>
+          </a:p>
+          <a:p>
+            <a:pPr marL="800100" lvl="1" indent="-342900">
+              <a:lnSpc>
+                <a:spcPct val="150000"/>
+              </a:lnSpc>
+              <a:buFont typeface="Arial" panose="020B0604020202020204" pitchFamily="34" charset="0"/>
+              <a:buChar char="•"/>
+            </a:pPr>
+            <a:r>
+              <a:rPr lang="zh-CN" altLang="en-US" sz="2400" b="1" dirty="0">
+                <a:solidFill>
+                  <a:schemeClr val="tx1"/>
+                </a:solidFill>
+                <a:latin typeface="微软雅黑" panose="020B0503020204020204" pitchFamily="34" charset="-122"/>
+                <a:ea typeface="微软雅黑" panose="020B0503020204020204" pitchFamily="34" charset="-122"/>
+                <a:sym typeface="+mn-ea"/>
+              </a:rPr>
+              <a:t>位置速度</a:t>
+            </a:r>
+            <a:endParaRPr lang="en-US" altLang="zh-CN" sz="2400" b="1" dirty="0">
+              <a:latin typeface="微软雅黑" panose="020B0503020204020204" pitchFamily="34" charset="-122"/>
+              <a:ea typeface="微软雅黑" panose="020B0503020204020204" pitchFamily="34" charset="-122"/>
+              <a:sym typeface="+mn-ea"/>
+            </a:endParaRPr>
+          </a:p>
+          <a:p>
+            <a:pPr marL="800100" lvl="1" indent="-342900">
+              <a:lnSpc>
+                <a:spcPct val="150000"/>
+              </a:lnSpc>
+              <a:buFont typeface="Arial" panose="020B0604020202020204" pitchFamily="34" charset="0"/>
+              <a:buChar char="•"/>
+            </a:pPr>
+            <a:endParaRPr lang="en-US" altLang="zh-CN" sz="2400" b="1" dirty="0">
+              <a:solidFill>
+                <a:schemeClr val="tx1"/>
+              </a:solidFill>
+              <a:latin typeface="微软雅黑" panose="020B0503020204020204" pitchFamily="34" charset="-122"/>
+              <a:ea typeface="微软雅黑" panose="020B0503020204020204" pitchFamily="34" charset="-122"/>
+              <a:sym typeface="+mn-ea"/>
+            </a:endParaRPr>
+          </a:p>
+          <a:p>
+            <a:pPr marL="800100" lvl="1" indent="-342900">
+              <a:lnSpc>
+                <a:spcPct val="150000"/>
+              </a:lnSpc>
+              <a:buFont typeface="Arial" panose="020B0604020202020204" pitchFamily="34" charset="0"/>
+              <a:buChar char="•"/>
+            </a:pPr>
+            <a:endParaRPr lang="en-US" altLang="zh-CN" sz="2400" b="1" dirty="0">
+              <a:solidFill>
+                <a:schemeClr val="tx1"/>
+              </a:solidFill>
+              <a:latin typeface="微软雅黑" panose="020B0503020204020204" pitchFamily="34" charset="-122"/>
+              <a:ea typeface="微软雅黑" panose="020B0503020204020204" pitchFamily="34" charset="-122"/>
+              <a:sym typeface="+mn-ea"/>
+            </a:endParaRPr>
+          </a:p>
+          <a:p>
+            <a:pPr marL="800100" lvl="1" indent="-342900">
+              <a:lnSpc>
+                <a:spcPct val="150000"/>
+              </a:lnSpc>
+              <a:buFont typeface="Arial" panose="020B0604020202020204" pitchFamily="34" charset="0"/>
+              <a:buChar char="•"/>
+            </a:pPr>
+            <a:r>
+              <a:rPr lang="zh-CN" altLang="en-US" sz="2400" b="1" dirty="0">
+                <a:solidFill>
+                  <a:schemeClr val="tx1"/>
+                </a:solidFill>
+                <a:latin typeface="微软雅黑" panose="020B0503020204020204" pitchFamily="34" charset="-122"/>
+                <a:ea typeface="微软雅黑" panose="020B0503020204020204" pitchFamily="34" charset="-122"/>
+                <a:sym typeface="+mn-ea"/>
+              </a:rPr>
+              <a:t>相对位置速度</a:t>
+            </a:r>
+            <a:endParaRPr lang="en-US" altLang="zh-CN" sz="2400" b="1" dirty="0">
+              <a:solidFill>
+                <a:schemeClr val="tx1"/>
+              </a:solidFill>
+              <a:latin typeface="微软雅黑" panose="020B0503020204020204" pitchFamily="34" charset="-122"/>
+              <a:ea typeface="微软雅黑" panose="020B0503020204020204" pitchFamily="34" charset="-122"/>
+              <a:sym typeface="+mn-ea"/>
+            </a:endParaRPr>
+          </a:p>
+          <a:p>
+            <a:pPr marL="800100" lvl="1" indent="-342900">
+              <a:lnSpc>
+                <a:spcPct val="150000"/>
+              </a:lnSpc>
+              <a:buFont typeface="Arial" panose="020B0604020202020204" pitchFamily="34" charset="0"/>
+              <a:buChar char="•"/>
+            </a:pPr>
+            <a:endParaRPr lang="en-US" altLang="zh-CN" sz="2400" b="1" dirty="0">
+              <a:latin typeface="微软雅黑" panose="020B0503020204020204" pitchFamily="34" charset="-122"/>
+              <a:ea typeface="微软雅黑" panose="020B0503020204020204" pitchFamily="34" charset="-122"/>
+              <a:sym typeface="+mn-ea"/>
+            </a:endParaRPr>
+          </a:p>
+          <a:p>
+            <a:pPr marL="800100" lvl="1" indent="-342900">
+              <a:lnSpc>
+                <a:spcPct val="150000"/>
+              </a:lnSpc>
+              <a:buFont typeface="Arial" panose="020B0604020202020204" pitchFamily="34" charset="0"/>
+              <a:buChar char="•"/>
+            </a:pPr>
+            <a:endParaRPr lang="en-US" altLang="zh-CN" sz="2400" b="1" dirty="0">
+              <a:latin typeface="微软雅黑" panose="020B0503020204020204" pitchFamily="34" charset="-122"/>
+              <a:ea typeface="微软雅黑" panose="020B0503020204020204" pitchFamily="34" charset="-122"/>
+              <a:sym typeface="+mn-ea"/>
+            </a:endParaRPr>
+          </a:p>
+          <a:p>
+            <a:pPr marL="800100" lvl="1" indent="-342900">
+              <a:lnSpc>
+                <a:spcPct val="150000"/>
+              </a:lnSpc>
+              <a:buFont typeface="Arial" panose="020B0604020202020204" pitchFamily="34" charset="0"/>
+              <a:buChar char="•"/>
+            </a:pPr>
+            <a:r>
+              <a:rPr lang="zh-CN" altLang="en-US" sz="2400" b="1" dirty="0">
+                <a:solidFill>
+                  <a:schemeClr val="tx1"/>
+                </a:solidFill>
+                <a:latin typeface="微软雅黑" panose="020B0503020204020204" pitchFamily="34" charset="-122"/>
+                <a:ea typeface="微软雅黑" panose="020B0503020204020204" pitchFamily="34" charset="-122"/>
+                <a:sym typeface="+mn-ea"/>
+              </a:rPr>
+              <a:t>轨道根数</a:t>
+            </a:r>
+            <a:endParaRPr lang="en-US" altLang="zh-CN" sz="2400" b="1" dirty="0">
+              <a:solidFill>
+                <a:schemeClr val="tx1"/>
+              </a:solidFill>
+              <a:latin typeface="微软雅黑" panose="020B0503020204020204" pitchFamily="34" charset="-122"/>
+              <a:ea typeface="微软雅黑" panose="020B0503020204020204" pitchFamily="34" charset="-122"/>
+              <a:sym typeface="+mn-ea"/>
+            </a:endParaRPr>
+          </a:p>
+          <a:p>
+            <a:pPr marL="800100" lvl="1" indent="-342900">
+              <a:lnSpc>
+                <a:spcPct val="150000"/>
+              </a:lnSpc>
+              <a:buFont typeface="Arial" panose="020B0604020202020204" pitchFamily="34" charset="0"/>
+              <a:buChar char="•"/>
+            </a:pPr>
+            <a:endParaRPr lang="en-US" altLang="zh-CN" sz="2800" b="1" dirty="0">
+              <a:solidFill>
+                <a:schemeClr val="tx1"/>
+              </a:solidFill>
+              <a:latin typeface="微软雅黑" panose="020B0503020204020204" pitchFamily="34" charset="-122"/>
+              <a:ea typeface="微软雅黑" panose="020B0503020204020204" pitchFamily="34" charset="-122"/>
+              <a:sym typeface="+mn-ea"/>
+            </a:endParaRPr>
           </a:p>
         </p:txBody>
       </p:sp>
@@ -14668,180 +17933,6 @@
           </a:p>
         </p:txBody>
       </p:sp>
-    </p:spTree>
-    <p:extLst>
-      <p:ext uri="{BB962C8B-B14F-4D97-AF65-F5344CB8AC3E}">
-        <p14:creationId xmlns:p14="http://schemas.microsoft.com/office/powerpoint/2010/main" val="4087201414"/>
-      </p:ext>
-    </p:extLst>
-  </p:cSld>
-  <p:clrMapOvr>
-    <a:masterClrMapping/>
-  </p:clrMapOvr>
-  <mc:AlternateContent xmlns:mc="http://schemas.openxmlformats.org/markup-compatibility/2006" xmlns:p159="http://schemas.microsoft.com/office/powerpoint/2015/09/main">
-    <mc:Choice Requires="p159">
-      <p:transition spd="slow">
-        <p159:morph option="byObject"/>
-      </p:transition>
-    </mc:Choice>
-    <mc:Fallback xmlns="">
-      <p:transition spd="slow">
-        <p:fade/>
-      </p:transition>
-    </mc:Fallback>
-  </mc:AlternateContent>
-</p:sld>
-</file>
-
-<file path=ppt/slides/slide26.xml><?xml version="1.0" encoding="utf-8"?>
-<p:sld xmlns:a="http://schemas.openxmlformats.org/drawingml/2006/main" xmlns:r="http://schemas.openxmlformats.org/officeDocument/2006/relationships" xmlns:p="http://schemas.openxmlformats.org/presentationml/2006/main">
-  <p:cSld>
-    <p:spTree>
-      <p:nvGrpSpPr>
-        <p:cNvPr id="1" name=""/>
-        <p:cNvGrpSpPr/>
-        <p:nvPr/>
-      </p:nvGrpSpPr>
-      <p:grpSpPr>
-        <a:xfrm>
-          <a:off x="0" y="0"/>
-          <a:ext cx="0" cy="0"/>
-          <a:chOff x="0" y="0"/>
-          <a:chExt cx="0" cy="0"/>
-        </a:xfrm>
-      </p:grpSpPr>
-      <p:sp>
-        <p:nvSpPr>
-          <p:cNvPr id="3" name="矩形 2"/>
-          <p:cNvSpPr/>
-          <p:nvPr/>
-        </p:nvSpPr>
-        <p:spPr>
-          <a:xfrm>
-            <a:off x="407987" y="1052513"/>
-            <a:ext cx="11376025" cy="662554"/>
-          </a:xfrm>
-          <a:prstGeom prst="rect">
-            <a:avLst/>
-          </a:prstGeom>
-        </p:spPr>
-        <p:txBody>
-          <a:bodyPr wrap="square">
-            <a:spAutoFit/>
-          </a:bodyPr>
-          <a:lstStyle/>
-          <a:p>
-            <a:pPr marL="342900" indent="-342900" fontAlgn="auto">
-              <a:lnSpc>
-                <a:spcPct val="150000"/>
-              </a:lnSpc>
-              <a:spcAft>
-                <a:spcPts val="0"/>
-              </a:spcAft>
-              <a:buFont typeface="Arial" panose="020B0604020202020204" pitchFamily="34" charset="0"/>
-              <a:buChar char="•"/>
-            </a:pPr>
-            <a:r>
-              <a:rPr lang="zh-CN" altLang="en-US" sz="2800" b="1" dirty="0">
-                <a:solidFill>
-                  <a:schemeClr val="tx1"/>
-                </a:solidFill>
-                <a:latin typeface="微软雅黑" panose="020B0503020204020204" pitchFamily="34" charset="-122"/>
-                <a:ea typeface="微软雅黑" panose="020B0503020204020204" pitchFamily="34" charset="-122"/>
-                <a:sym typeface="+mn-ea"/>
-              </a:rPr>
-              <a:t>。</a:t>
-            </a:r>
-            <a:endParaRPr lang="en-US" altLang="zh-CN" sz="2800" b="1" dirty="0">
-              <a:solidFill>
-                <a:schemeClr val="tx1"/>
-              </a:solidFill>
-              <a:latin typeface="微软雅黑" panose="020B0503020204020204" pitchFamily="34" charset="-122"/>
-              <a:ea typeface="微软雅黑" panose="020B0503020204020204" pitchFamily="34" charset="-122"/>
-              <a:sym typeface="+mn-ea"/>
-            </a:endParaRPr>
-          </a:p>
-        </p:txBody>
-      </p:sp>
-      <p:sp>
-        <p:nvSpPr>
-          <p:cNvPr id="5" name="灯片编号占位符 4"/>
-          <p:cNvSpPr>
-            <a:spLocks noGrp="1"/>
-          </p:cNvSpPr>
-          <p:nvPr>
-            <p:ph type="sldNum" sz="quarter" idx="4"/>
-          </p:nvPr>
-        </p:nvSpPr>
-        <p:spPr/>
-        <p:txBody>
-          <a:bodyPr/>
-          <a:lstStyle/>
-          <a:p>
-            <a:fld id="{5F1D8F20-F945-584B-B149-8CCFBEFE168A}" type="slidenum">
-              <a:rPr kumimoji="1" lang="zh-CN" altLang="en-US" smtClean="0"/>
-              <a:t>26</a:t>
-            </a:fld>
-            <a:endParaRPr kumimoji="1" lang="zh-CN" altLang="en-US"/>
-          </a:p>
-        </p:txBody>
-      </p:sp>
-      <p:sp>
-        <p:nvSpPr>
-          <p:cNvPr id="26" name="标题 1"/>
-          <p:cNvSpPr txBox="1"/>
-          <p:nvPr/>
-        </p:nvSpPr>
-        <p:spPr>
-          <a:xfrm>
-            <a:off x="0" y="0"/>
-            <a:ext cx="12187555" cy="711200"/>
-          </a:xfrm>
-          <a:prstGeom prst="rect">
-            <a:avLst/>
-          </a:prstGeom>
-          <a:noFill/>
-        </p:spPr>
-        <p:txBody>
-          <a:bodyPr vert="horz" lIns="91440" tIns="45720" rIns="91440" bIns="45720" rtlCol="0" anchor="ctr"/>
-          <a:lstStyle/>
-          <a:p>
-            <a:pPr marL="0" marR="0" lvl="0" indent="0" algn="ctr" defTabSz="914400" rtl="0" eaLnBrk="1" fontAlgn="base" latinLnBrk="0" hangingPunct="1">
-              <a:lnSpc>
-                <a:spcPct val="100000"/>
-              </a:lnSpc>
-              <a:spcBef>
-                <a:spcPct val="0"/>
-              </a:spcBef>
-              <a:spcAft>
-                <a:spcPct val="0"/>
-              </a:spcAft>
-              <a:buClrTx/>
-              <a:buSzTx/>
-              <a:buFontTx/>
-              <a:buNone/>
-              <a:defRPr/>
-            </a:pPr>
-            <a:r>
-              <a:rPr kumimoji="0" lang="zh-CN" altLang="en-US" sz="3200" b="1" i="0" u="none" strike="noStrike" kern="1200" cap="none" spc="0" normalizeH="0" baseline="0" noProof="0" dirty="0">
-                <a:ln>
-                  <a:noFill/>
-                </a:ln>
-                <a:solidFill>
-                  <a:schemeClr val="bg1"/>
-                </a:solidFill>
-                <a:effectLst/>
-                <a:uLnTx/>
-                <a:uFillTx/>
-                <a:latin typeface="微软雅黑" panose="020B0503020204020204" pitchFamily="34" charset="-122"/>
-                <a:ea typeface="微软雅黑" panose="020B0503020204020204" pitchFamily="34" charset="-122"/>
-                <a:cs typeface="+mj-cs"/>
-              </a:rPr>
-              <a:t>数值积分</a:t>
-            </a:r>
-          </a:p>
-        </p:txBody>
-      </p:sp>
       <p:graphicFrame>
         <p:nvGraphicFramePr>
           <p:cNvPr id="2" name="对象 1">
@@ -14857,25 +17948,25 @@
           <p:nvPr>
             <p:extLst>
               <p:ext uri="{D42A27DB-BD31-4B8C-83A1-F6EECF244321}">
-                <p14:modId xmlns:p14="http://schemas.microsoft.com/office/powerpoint/2010/main" val="1211754902"/>
+                <p14:modId xmlns:p14="http://schemas.microsoft.com/office/powerpoint/2010/main" val="1150254707"/>
               </p:ext>
             </p:extLst>
           </p:nvPr>
         </p:nvGraphicFramePr>
         <p:xfrm>
-          <a:off x="8365513" y="2786063"/>
-          <a:ext cx="2598480" cy="1395360"/>
+          <a:off x="3061433" y="1877140"/>
+          <a:ext cx="2203450" cy="1385887"/>
         </p:xfrm>
         <a:graphic>
           <a:graphicData uri="http://schemas.openxmlformats.org/presentationml/2006/ole">
             <mc:AlternateContent xmlns:mc="http://schemas.openxmlformats.org/markup-compatibility/2006">
               <mc:Choice xmlns:v="urn:schemas-microsoft-com:vml" Requires="v">
-                <p:oleObj name="AxMath" r:id="rId2" imgW="1299240" imgH="697680" progId="Equation.AxMath">
+                <p:oleObj name="AxMath" r:id="rId2" imgW="1101240" imgH="692640" progId="Equation.AxMath">
                   <p:embed/>
                 </p:oleObj>
               </mc:Choice>
               <mc:Fallback>
-                <p:oleObj name="AxMath" r:id="rId2" imgW="1299240" imgH="697680" progId="Equation.AxMath">
+                <p:oleObj name="AxMath" r:id="rId2" imgW="1101240" imgH="692640" progId="Equation.AxMath">
                   <p:embed/>
                   <p:pic>
                     <p:nvPicPr>
@@ -14897,8 +17988,8 @@
                     </p:blipFill>
                     <p:spPr>
                       <a:xfrm>
-                        <a:off x="8365513" y="2786063"/>
-                        <a:ext cx="2598480" cy="1395360"/>
+                        <a:off x="3061433" y="1877140"/>
+                        <a:ext cx="2203450" cy="1385887"/>
                       </a:xfrm>
                       <a:prstGeom prst="rect">
                         <a:avLst/>
@@ -14911,6 +18002,700 @@
           </a:graphicData>
         </a:graphic>
       </p:graphicFrame>
+      <p:sp>
+        <p:nvSpPr>
+          <p:cNvPr id="4" name="矩形 3">
+            <a:extLst>
+              <a:ext uri="{FF2B5EF4-FFF2-40B4-BE49-F238E27FC236}">
+                <a16:creationId xmlns:a16="http://schemas.microsoft.com/office/drawing/2014/main" id="{B376DD10-BBD1-DECD-8963-38EC1B3855AF}"/>
+              </a:ext>
+            </a:extLst>
+          </p:cNvPr>
+          <p:cNvSpPr/>
+          <p:nvPr/>
+        </p:nvSpPr>
+        <p:spPr>
+          <a:xfrm>
+            <a:off x="6493954" y="2106993"/>
+            <a:ext cx="4909669" cy="799514"/>
+          </a:xfrm>
+          <a:prstGeom prst="rect">
+            <a:avLst/>
+          </a:prstGeom>
+        </p:spPr>
+        <p:txBody>
+          <a:bodyPr wrap="square">
+            <a:spAutoFit/>
+          </a:bodyPr>
+          <a:lstStyle/>
+          <a:p>
+            <a:pPr marL="342900" indent="-342900" fontAlgn="auto">
+              <a:lnSpc>
+                <a:spcPct val="120000"/>
+              </a:lnSpc>
+              <a:spcAft>
+                <a:spcPts val="0"/>
+              </a:spcAft>
+              <a:buFont typeface="Wingdings" panose="05000000000000000000" pitchFamily="2" charset="2"/>
+              <a:buChar char="Ø"/>
+            </a:pPr>
+            <a:r>
+              <a:rPr lang="zh-CN" altLang="en-US" sz="2000" b="1" dirty="0">
+                <a:solidFill>
+                  <a:srgbClr val="0000FF"/>
+                </a:solidFill>
+                <a:latin typeface="Times New Roman" panose="02020603050405020304" pitchFamily="18" charset="0"/>
+                <a:ea typeface="微软雅黑" panose="020B0503020204020204" pitchFamily="34" charset="-122"/>
+                <a:cs typeface="Times New Roman" panose="02020603050405020304" pitchFamily="18" charset="0"/>
+              </a:rPr>
+              <a:t>右函数简单</a:t>
+            </a:r>
+            <a:r>
+              <a:rPr lang="zh-CN" altLang="en-US" sz="2000" b="1" dirty="0">
+                <a:solidFill>
+                  <a:srgbClr val="FF0000"/>
+                </a:solidFill>
+                <a:latin typeface="Times New Roman" panose="02020603050405020304" pitchFamily="18" charset="0"/>
+                <a:ea typeface="微软雅黑" panose="020B0503020204020204" pitchFamily="34" charset="-122"/>
+                <a:cs typeface="Times New Roman" panose="02020603050405020304" pitchFamily="18" charset="0"/>
+              </a:rPr>
+              <a:t>（计算效率高，程序简单）</a:t>
+            </a:r>
+            <a:endParaRPr lang="en-US" altLang="zh-CN" sz="2000" b="1" dirty="0">
+              <a:solidFill>
+                <a:srgbClr val="0000FF"/>
+              </a:solidFill>
+              <a:latin typeface="Times New Roman" panose="02020603050405020304" pitchFamily="18" charset="0"/>
+              <a:ea typeface="微软雅黑" panose="020B0503020204020204" pitchFamily="34" charset="-122"/>
+              <a:cs typeface="Times New Roman" panose="02020603050405020304" pitchFamily="18" charset="0"/>
+            </a:endParaRPr>
+          </a:p>
+          <a:p>
+            <a:pPr marL="342900" indent="-342900" fontAlgn="auto">
+              <a:lnSpc>
+                <a:spcPct val="120000"/>
+              </a:lnSpc>
+              <a:spcAft>
+                <a:spcPts val="0"/>
+              </a:spcAft>
+              <a:buFont typeface="Wingdings" panose="05000000000000000000" pitchFamily="2" charset="2"/>
+              <a:buChar char="Ø"/>
+            </a:pPr>
+            <a:r>
+              <a:rPr lang="zh-CN" altLang="en-US" sz="2000" b="1" dirty="0">
+                <a:solidFill>
+                  <a:srgbClr val="0000FF"/>
+                </a:solidFill>
+                <a:latin typeface="Times New Roman" panose="02020603050405020304" pitchFamily="18" charset="0"/>
+                <a:ea typeface="微软雅黑" panose="020B0503020204020204" pitchFamily="34" charset="-122"/>
+                <a:cs typeface="Times New Roman" panose="02020603050405020304" pitchFamily="18" charset="0"/>
+              </a:rPr>
+              <a:t>包含无摄运动，变化快，</a:t>
+            </a:r>
+            <a:r>
+              <a:rPr lang="zh-CN" altLang="en-US" sz="2000" b="1" dirty="0">
+                <a:solidFill>
+                  <a:srgbClr val="FF0000"/>
+                </a:solidFill>
+                <a:latin typeface="Times New Roman" panose="02020603050405020304" pitchFamily="18" charset="0"/>
+                <a:ea typeface="微软雅黑" panose="020B0503020204020204" pitchFamily="34" charset="-122"/>
+                <a:cs typeface="Times New Roman" panose="02020603050405020304" pitchFamily="18" charset="0"/>
+              </a:rPr>
+              <a:t>步长小</a:t>
+            </a:r>
+            <a:endParaRPr lang="zh-CN" sz="2000" b="1" dirty="0">
+              <a:solidFill>
+                <a:srgbClr val="FF0000"/>
+              </a:solidFill>
+              <a:latin typeface="Times New Roman" panose="02020603050405020304" pitchFamily="18" charset="0"/>
+              <a:ea typeface="微软雅黑" panose="020B0503020204020204" pitchFamily="34" charset="-122"/>
+              <a:cs typeface="Times New Roman" panose="02020603050405020304" pitchFamily="18" charset="0"/>
+            </a:endParaRPr>
+          </a:p>
+        </p:txBody>
+      </p:sp>
+      <p:graphicFrame>
+        <p:nvGraphicFramePr>
+          <p:cNvPr id="6" name="对象 5">
+            <a:extLst>
+              <a:ext uri="{FF2B5EF4-FFF2-40B4-BE49-F238E27FC236}">
+                <a16:creationId xmlns:a16="http://schemas.microsoft.com/office/drawing/2014/main" id="{EF80AB39-4515-1EE0-AB9F-0C660CC19A3A}"/>
+              </a:ext>
+            </a:extLst>
+          </p:cNvPr>
+          <p:cNvGraphicFramePr>
+            <a:graphicFrameLocks noChangeAspect="1"/>
+          </p:cNvGraphicFramePr>
+          <p:nvPr>
+            <p:extLst>
+              <p:ext uri="{D42A27DB-BD31-4B8C-83A1-F6EECF244321}">
+                <p14:modId xmlns:p14="http://schemas.microsoft.com/office/powerpoint/2010/main" val="227364729"/>
+              </p:ext>
+            </p:extLst>
+          </p:nvPr>
+        </p:nvGraphicFramePr>
+        <p:xfrm>
+          <a:off x="3331918" y="3604340"/>
+          <a:ext cx="2857500" cy="1481137"/>
+        </p:xfrm>
+        <a:graphic>
+          <a:graphicData uri="http://schemas.openxmlformats.org/presentationml/2006/ole">
+            <mc:AlternateContent xmlns:mc="http://schemas.openxmlformats.org/markup-compatibility/2006">
+              <mc:Choice xmlns:v="urn:schemas-microsoft-com:vml" Requires="v">
+                <p:oleObj name="AxMath" r:id="rId4" imgW="1428840" imgH="739800" progId="Equation.AxMath">
+                  <p:embed/>
+                </p:oleObj>
+              </mc:Choice>
+              <mc:Fallback>
+                <p:oleObj name="AxMath" r:id="rId4" imgW="1428840" imgH="739800" progId="Equation.AxMath">
+                  <p:embed/>
+                  <p:pic>
+                    <p:nvPicPr>
+                      <p:cNvPr id="2" name="对象 1">
+                        <a:extLst>
+                          <a:ext uri="{FF2B5EF4-FFF2-40B4-BE49-F238E27FC236}">
+                            <a16:creationId xmlns:a16="http://schemas.microsoft.com/office/drawing/2014/main" id="{F64AD84B-E702-3879-14A5-B660D4774756}"/>
+                          </a:ext>
+                        </a:extLst>
+                      </p:cNvPr>
+                      <p:cNvPicPr/>
+                      <p:nvPr/>
+                    </p:nvPicPr>
+                    <p:blipFill>
+                      <a:blip r:embed="rId5"/>
+                      <a:stretch>
+                        <a:fillRect/>
+                      </a:stretch>
+                    </p:blipFill>
+                    <p:spPr>
+                      <a:xfrm>
+                        <a:off x="3331918" y="3604340"/>
+                        <a:ext cx="2857500" cy="1481137"/>
+                      </a:xfrm>
+                      <a:prstGeom prst="rect">
+                        <a:avLst/>
+                      </a:prstGeom>
+                    </p:spPr>
+                  </p:pic>
+                </p:oleObj>
+              </mc:Fallback>
+            </mc:AlternateContent>
+          </a:graphicData>
+        </a:graphic>
+      </p:graphicFrame>
+      <p:sp>
+        <p:nvSpPr>
+          <p:cNvPr id="7" name="矩形 6">
+            <a:extLst>
+              <a:ext uri="{FF2B5EF4-FFF2-40B4-BE49-F238E27FC236}">
+                <a16:creationId xmlns:a16="http://schemas.microsoft.com/office/drawing/2014/main" id="{288FAFDA-C9CB-38A9-2963-39DF6ABE5F10}"/>
+              </a:ext>
+            </a:extLst>
+          </p:cNvPr>
+          <p:cNvSpPr/>
+          <p:nvPr/>
+        </p:nvSpPr>
+        <p:spPr>
+          <a:xfrm>
+            <a:off x="6489437" y="3645947"/>
+            <a:ext cx="5619110" cy="1168846"/>
+          </a:xfrm>
+          <a:prstGeom prst="rect">
+            <a:avLst/>
+          </a:prstGeom>
+        </p:spPr>
+        <p:txBody>
+          <a:bodyPr wrap="square">
+            <a:spAutoFit/>
+          </a:bodyPr>
+          <a:lstStyle/>
+          <a:p>
+            <a:pPr marL="342900" indent="-342900" fontAlgn="auto">
+              <a:lnSpc>
+                <a:spcPct val="120000"/>
+              </a:lnSpc>
+              <a:spcAft>
+                <a:spcPts val="0"/>
+              </a:spcAft>
+              <a:buFont typeface="Wingdings" panose="05000000000000000000" pitchFamily="2" charset="2"/>
+              <a:buChar char="Ø"/>
+            </a:pPr>
+            <a:r>
+              <a:rPr lang="en-US" altLang="zh-CN" sz="2000" b="1" i="1" dirty="0">
+                <a:solidFill>
+                  <a:srgbClr val="0000FF"/>
+                </a:solidFill>
+                <a:latin typeface="Times New Roman" panose="02020603050405020304" pitchFamily="18" charset="0"/>
+                <a:ea typeface="微软雅黑" panose="020B0503020204020204" pitchFamily="34" charset="-122"/>
+                <a:cs typeface="Times New Roman" panose="02020603050405020304" pitchFamily="18" charset="0"/>
+              </a:rPr>
+              <a:t>r</a:t>
+            </a:r>
+            <a:r>
+              <a:rPr lang="en-US" altLang="zh-CN" sz="2000" b="1" dirty="0">
+                <a:solidFill>
+                  <a:srgbClr val="0000FF"/>
+                </a:solidFill>
+                <a:latin typeface="Times New Roman" panose="02020603050405020304" pitchFamily="18" charset="0"/>
+                <a:ea typeface="微软雅黑" panose="020B0503020204020204" pitchFamily="34" charset="-122"/>
+                <a:cs typeface="Times New Roman" panose="02020603050405020304" pitchFamily="18" charset="0"/>
+              </a:rPr>
+              <a:t>, </a:t>
+            </a:r>
+            <a:r>
+              <a:rPr lang="en-US" altLang="zh-CN" sz="2000" b="1" i="1" dirty="0" err="1">
+                <a:solidFill>
+                  <a:srgbClr val="0000FF"/>
+                </a:solidFill>
+                <a:latin typeface="Times New Roman" panose="02020603050405020304" pitchFamily="18" charset="0"/>
+                <a:ea typeface="微软雅黑" panose="020B0503020204020204" pitchFamily="34" charset="-122"/>
+                <a:cs typeface="Times New Roman" panose="02020603050405020304" pitchFamily="18" charset="0"/>
+              </a:rPr>
+              <a:t>r</a:t>
+            </a:r>
+            <a:r>
+              <a:rPr lang="en-US" altLang="zh-CN" sz="2000" b="1" i="1" baseline="-25000" dirty="0" err="1">
+                <a:solidFill>
+                  <a:srgbClr val="0000FF"/>
+                </a:solidFill>
+                <a:latin typeface="Times New Roman" panose="02020603050405020304" pitchFamily="18" charset="0"/>
+                <a:ea typeface="微软雅黑" panose="020B0503020204020204" pitchFamily="34" charset="-122"/>
+                <a:cs typeface="Times New Roman" panose="02020603050405020304" pitchFamily="18" charset="0"/>
+              </a:rPr>
+              <a:t>c</a:t>
+            </a:r>
+            <a:r>
+              <a:rPr lang="en-US" altLang="zh-CN" sz="2000" b="1" i="1" baseline="-25000" dirty="0">
+                <a:solidFill>
+                  <a:srgbClr val="0000FF"/>
+                </a:solidFill>
+                <a:latin typeface="Times New Roman" panose="02020603050405020304" pitchFamily="18" charset="0"/>
+                <a:ea typeface="微软雅黑" panose="020B0503020204020204" pitchFamily="34" charset="-122"/>
+                <a:cs typeface="Times New Roman" panose="02020603050405020304" pitchFamily="18" charset="0"/>
+              </a:rPr>
+              <a:t> </a:t>
+            </a:r>
+            <a:r>
+              <a:rPr lang="zh-CN" altLang="en-US" sz="2000" b="1" dirty="0">
+                <a:solidFill>
+                  <a:srgbClr val="0000FF"/>
+                </a:solidFill>
+                <a:latin typeface="Times New Roman" panose="02020603050405020304" pitchFamily="18" charset="0"/>
+                <a:ea typeface="微软雅黑" panose="020B0503020204020204" pitchFamily="34" charset="-122"/>
+                <a:cs typeface="Times New Roman" panose="02020603050405020304" pitchFamily="18" charset="0"/>
+              </a:rPr>
+              <a:t>参考轨道</a:t>
+            </a:r>
+            <a:endParaRPr lang="en-US" altLang="zh-CN" sz="2000" b="1" dirty="0">
+              <a:solidFill>
+                <a:srgbClr val="0000FF"/>
+              </a:solidFill>
+              <a:latin typeface="Times New Roman" panose="02020603050405020304" pitchFamily="18" charset="0"/>
+              <a:ea typeface="微软雅黑" panose="020B0503020204020204" pitchFamily="34" charset="-122"/>
+              <a:cs typeface="Times New Roman" panose="02020603050405020304" pitchFamily="18" charset="0"/>
+            </a:endParaRPr>
+          </a:p>
+          <a:p>
+            <a:pPr marL="342900" indent="-342900" fontAlgn="auto">
+              <a:lnSpc>
+                <a:spcPct val="120000"/>
+              </a:lnSpc>
+              <a:spcAft>
+                <a:spcPts val="0"/>
+              </a:spcAft>
+              <a:buFont typeface="Wingdings" panose="05000000000000000000" pitchFamily="2" charset="2"/>
+              <a:buChar char="Ø"/>
+            </a:pPr>
+            <a:r>
+              <a:rPr lang="zh-CN" altLang="en-US" sz="2000" b="1" dirty="0">
+                <a:solidFill>
+                  <a:srgbClr val="0000FF"/>
+                </a:solidFill>
+                <a:latin typeface="Times New Roman" panose="02020603050405020304" pitchFamily="18" charset="0"/>
+                <a:ea typeface="微软雅黑" panose="020B0503020204020204" pitchFamily="34" charset="-122"/>
+                <a:cs typeface="Times New Roman" panose="02020603050405020304" pitchFamily="18" charset="0"/>
+              </a:rPr>
+              <a:t>变化慢，步长大</a:t>
+            </a:r>
+            <a:endParaRPr lang="en-US" altLang="zh-CN" sz="2000" b="1" dirty="0">
+              <a:solidFill>
+                <a:srgbClr val="0000FF"/>
+              </a:solidFill>
+              <a:latin typeface="Times New Roman" panose="02020603050405020304" pitchFamily="18" charset="0"/>
+              <a:ea typeface="微软雅黑" panose="020B0503020204020204" pitchFamily="34" charset="-122"/>
+              <a:cs typeface="Times New Roman" panose="02020603050405020304" pitchFamily="18" charset="0"/>
+            </a:endParaRPr>
+          </a:p>
+          <a:p>
+            <a:pPr marL="342900" indent="-342900" fontAlgn="auto">
+              <a:lnSpc>
+                <a:spcPct val="120000"/>
+              </a:lnSpc>
+              <a:spcAft>
+                <a:spcPts val="0"/>
+              </a:spcAft>
+              <a:buFont typeface="Wingdings" panose="05000000000000000000" pitchFamily="2" charset="2"/>
+              <a:buChar char="Ø"/>
+            </a:pPr>
+            <a:r>
+              <a:rPr lang="zh-CN" altLang="en-US" sz="2000" b="1" dirty="0">
+                <a:solidFill>
+                  <a:srgbClr val="0000FF"/>
+                </a:solidFill>
+                <a:latin typeface="Times New Roman" panose="02020603050405020304" pitchFamily="18" charset="0"/>
+                <a:ea typeface="微软雅黑" panose="020B0503020204020204" pitchFamily="34" charset="-122"/>
+                <a:cs typeface="Times New Roman" panose="02020603050405020304" pitchFamily="18" charset="0"/>
+              </a:rPr>
+              <a:t>需要不断初始化参考轨道（效率低 </a:t>
+            </a:r>
+            <a:r>
+              <a:rPr lang="en-US" altLang="zh-CN" sz="2000" b="1" dirty="0">
+                <a:solidFill>
+                  <a:srgbClr val="0000FF"/>
+                </a:solidFill>
+                <a:latin typeface="Times New Roman" panose="02020603050405020304" pitchFamily="18" charset="0"/>
+                <a:ea typeface="微软雅黑" panose="020B0503020204020204" pitchFamily="34" charset="-122"/>
+                <a:cs typeface="Times New Roman" panose="02020603050405020304" pitchFamily="18" charset="0"/>
+              </a:rPr>
+              <a:t>/ </a:t>
+            </a:r>
+            <a:r>
+              <a:rPr lang="zh-CN" altLang="en-US" sz="2000" b="1" dirty="0">
+                <a:solidFill>
+                  <a:srgbClr val="0000FF"/>
+                </a:solidFill>
+                <a:latin typeface="Times New Roman" panose="02020603050405020304" pitchFamily="18" charset="0"/>
+                <a:ea typeface="微软雅黑" panose="020B0503020204020204" pitchFamily="34" charset="-122"/>
+                <a:cs typeface="Times New Roman" panose="02020603050405020304" pitchFamily="18" charset="0"/>
+              </a:rPr>
+              <a:t>精度差）</a:t>
+            </a:r>
+            <a:endParaRPr lang="zh-CN" sz="2000" b="1" dirty="0">
+              <a:solidFill>
+                <a:srgbClr val="0000FF"/>
+              </a:solidFill>
+              <a:latin typeface="Times New Roman" panose="02020603050405020304" pitchFamily="18" charset="0"/>
+              <a:ea typeface="微软雅黑" panose="020B0503020204020204" pitchFamily="34" charset="-122"/>
+              <a:cs typeface="Times New Roman" panose="02020603050405020304" pitchFamily="18" charset="0"/>
+            </a:endParaRPr>
+          </a:p>
+        </p:txBody>
+      </p:sp>
+      <p:sp>
+        <p:nvSpPr>
+          <p:cNvPr id="8" name="矩形 7">
+            <a:extLst>
+              <a:ext uri="{FF2B5EF4-FFF2-40B4-BE49-F238E27FC236}">
+                <a16:creationId xmlns:a16="http://schemas.microsoft.com/office/drawing/2014/main" id="{FCCE3BE8-C5CF-8FDD-9205-7277A04A9A4C}"/>
+              </a:ext>
+            </a:extLst>
+          </p:cNvPr>
+          <p:cNvSpPr/>
+          <p:nvPr/>
+        </p:nvSpPr>
+        <p:spPr>
+          <a:xfrm>
+            <a:off x="6493954" y="5256831"/>
+            <a:ext cx="4118361" cy="1168846"/>
+          </a:xfrm>
+          <a:prstGeom prst="rect">
+            <a:avLst/>
+          </a:prstGeom>
+        </p:spPr>
+        <p:txBody>
+          <a:bodyPr wrap="square">
+            <a:spAutoFit/>
+          </a:bodyPr>
+          <a:lstStyle/>
+          <a:p>
+            <a:pPr marL="342900" indent="-342900" fontAlgn="auto">
+              <a:lnSpc>
+                <a:spcPct val="120000"/>
+              </a:lnSpc>
+              <a:spcAft>
+                <a:spcPts val="0"/>
+              </a:spcAft>
+              <a:buFont typeface="Wingdings" panose="05000000000000000000" pitchFamily="2" charset="2"/>
+              <a:buChar char="Ø"/>
+            </a:pPr>
+            <a:r>
+              <a:rPr lang="zh-CN" altLang="en-US" sz="2000" b="1" dirty="0">
+                <a:solidFill>
+                  <a:srgbClr val="0000FF"/>
+                </a:solidFill>
+                <a:latin typeface="Times New Roman" panose="02020603050405020304" pitchFamily="18" charset="0"/>
+                <a:ea typeface="微软雅黑" panose="020B0503020204020204" pitchFamily="34" charset="-122"/>
+                <a:cs typeface="Times New Roman" panose="02020603050405020304" pitchFamily="18" charset="0"/>
+              </a:rPr>
+              <a:t>无摄运动极简单</a:t>
+            </a:r>
+            <a:endParaRPr lang="en-US" altLang="zh-CN" sz="2000" b="1" dirty="0">
+              <a:solidFill>
+                <a:srgbClr val="0000FF"/>
+              </a:solidFill>
+              <a:latin typeface="Times New Roman" panose="02020603050405020304" pitchFamily="18" charset="0"/>
+              <a:ea typeface="微软雅黑" panose="020B0503020204020204" pitchFamily="34" charset="-122"/>
+              <a:cs typeface="Times New Roman" panose="02020603050405020304" pitchFamily="18" charset="0"/>
+            </a:endParaRPr>
+          </a:p>
+          <a:p>
+            <a:pPr marL="342900" indent="-342900" fontAlgn="auto">
+              <a:lnSpc>
+                <a:spcPct val="120000"/>
+              </a:lnSpc>
+              <a:spcAft>
+                <a:spcPts val="0"/>
+              </a:spcAft>
+              <a:buFont typeface="Wingdings" panose="05000000000000000000" pitchFamily="2" charset="2"/>
+              <a:buChar char="Ø"/>
+            </a:pPr>
+            <a:r>
+              <a:rPr lang="zh-CN" altLang="en-US" sz="2000" b="1" dirty="0">
+                <a:solidFill>
+                  <a:srgbClr val="0000FF"/>
+                </a:solidFill>
+                <a:latin typeface="Times New Roman" panose="02020603050405020304" pitchFamily="18" charset="0"/>
+                <a:ea typeface="微软雅黑" panose="020B0503020204020204" pitchFamily="34" charset="-122"/>
+                <a:cs typeface="Times New Roman" panose="02020603050405020304" pitchFamily="18" charset="0"/>
+              </a:rPr>
+              <a:t>变化慢，</a:t>
+            </a:r>
+            <a:r>
+              <a:rPr lang="zh-CN" altLang="en-US" sz="2000" b="1" dirty="0">
+                <a:solidFill>
+                  <a:srgbClr val="FF0000"/>
+                </a:solidFill>
+                <a:latin typeface="Times New Roman" panose="02020603050405020304" pitchFamily="18" charset="0"/>
+                <a:ea typeface="微软雅黑" panose="020B0503020204020204" pitchFamily="34" charset="-122"/>
+                <a:cs typeface="Times New Roman" panose="02020603050405020304" pitchFamily="18" charset="0"/>
+              </a:rPr>
+              <a:t>步长大</a:t>
+            </a:r>
+            <a:endParaRPr lang="zh-CN" altLang="zh-CN" sz="2000" b="1" dirty="0">
+              <a:solidFill>
+                <a:srgbClr val="FF0000"/>
+              </a:solidFill>
+              <a:latin typeface="Times New Roman" panose="02020603050405020304" pitchFamily="18" charset="0"/>
+              <a:ea typeface="微软雅黑" panose="020B0503020204020204" pitchFamily="34" charset="-122"/>
+              <a:cs typeface="Times New Roman" panose="02020603050405020304" pitchFamily="18" charset="0"/>
+            </a:endParaRPr>
+          </a:p>
+          <a:p>
+            <a:pPr marL="342900" indent="-342900" fontAlgn="auto">
+              <a:lnSpc>
+                <a:spcPct val="120000"/>
+              </a:lnSpc>
+              <a:spcAft>
+                <a:spcPts val="0"/>
+              </a:spcAft>
+              <a:buFont typeface="Wingdings" panose="05000000000000000000" pitchFamily="2" charset="2"/>
+              <a:buChar char="Ø"/>
+            </a:pPr>
+            <a:r>
+              <a:rPr lang="zh-CN" altLang="en-US" sz="2000" b="1" dirty="0">
+                <a:solidFill>
+                  <a:srgbClr val="0000FF"/>
+                </a:solidFill>
+                <a:latin typeface="Times New Roman" panose="02020603050405020304" pitchFamily="18" charset="0"/>
+                <a:ea typeface="微软雅黑" panose="020B0503020204020204" pitchFamily="34" charset="-122"/>
+                <a:cs typeface="Times New Roman" panose="02020603050405020304" pitchFamily="18" charset="0"/>
+              </a:rPr>
+              <a:t>右函数复杂</a:t>
+            </a:r>
+            <a:r>
+              <a:rPr lang="zh-CN" altLang="en-US" sz="2000" b="1" dirty="0">
+                <a:solidFill>
+                  <a:srgbClr val="FF0000"/>
+                </a:solidFill>
+                <a:latin typeface="Times New Roman" panose="02020603050405020304" pitchFamily="18" charset="0"/>
+                <a:ea typeface="微软雅黑" panose="020B0503020204020204" pitchFamily="34" charset="-122"/>
+                <a:cs typeface="Times New Roman" panose="02020603050405020304" pitchFamily="18" charset="0"/>
+              </a:rPr>
+              <a:t>（计算效率较低）</a:t>
+            </a:r>
+            <a:endParaRPr lang="en-US" altLang="zh-CN" sz="2000" b="1" dirty="0">
+              <a:solidFill>
+                <a:srgbClr val="FF0000"/>
+              </a:solidFill>
+              <a:latin typeface="Times New Roman" panose="02020603050405020304" pitchFamily="18" charset="0"/>
+              <a:ea typeface="微软雅黑" panose="020B0503020204020204" pitchFamily="34" charset="-122"/>
+              <a:cs typeface="Times New Roman" panose="02020603050405020304" pitchFamily="18" charset="0"/>
+            </a:endParaRPr>
+          </a:p>
+        </p:txBody>
+      </p:sp>
+      <p:graphicFrame>
+        <p:nvGraphicFramePr>
+          <p:cNvPr id="9" name="对象 8">
+            <a:extLst>
+              <a:ext uri="{FF2B5EF4-FFF2-40B4-BE49-F238E27FC236}">
+                <a16:creationId xmlns:a16="http://schemas.microsoft.com/office/drawing/2014/main" id="{ECC5C06C-DBED-7750-4827-5D0D55BF0CFE}"/>
+              </a:ext>
+            </a:extLst>
+          </p:cNvPr>
+          <p:cNvGraphicFramePr>
+            <a:graphicFrameLocks noChangeAspect="1"/>
+          </p:cNvGraphicFramePr>
+          <p:nvPr>
+            <p:extLst>
+              <p:ext uri="{D42A27DB-BD31-4B8C-83A1-F6EECF244321}">
+                <p14:modId xmlns:p14="http://schemas.microsoft.com/office/powerpoint/2010/main" val="191588410"/>
+              </p:ext>
+            </p:extLst>
+          </p:nvPr>
+        </p:nvGraphicFramePr>
+        <p:xfrm>
+          <a:off x="2826483" y="5609339"/>
+          <a:ext cx="2673350" cy="779463"/>
+        </p:xfrm>
+        <a:graphic>
+          <a:graphicData uri="http://schemas.openxmlformats.org/presentationml/2006/ole">
+            <mc:AlternateContent xmlns:mc="http://schemas.openxmlformats.org/markup-compatibility/2006">
+              <mc:Choice xmlns:v="urn:schemas-microsoft-com:vml" Requires="v">
+                <p:oleObj name="AxMath" r:id="rId6" imgW="1335960" imgH="388440" progId="Equation.AxMath">
+                  <p:embed/>
+                </p:oleObj>
+              </mc:Choice>
+              <mc:Fallback>
+                <p:oleObj name="AxMath" r:id="rId6" imgW="1335960" imgH="388440" progId="Equation.AxMath">
+                  <p:embed/>
+                  <p:pic>
+                    <p:nvPicPr>
+                      <p:cNvPr id="6" name="对象 5">
+                        <a:extLst>
+                          <a:ext uri="{FF2B5EF4-FFF2-40B4-BE49-F238E27FC236}">
+                            <a16:creationId xmlns:a16="http://schemas.microsoft.com/office/drawing/2014/main" id="{EF80AB39-4515-1EE0-AB9F-0C660CC19A3A}"/>
+                          </a:ext>
+                        </a:extLst>
+                      </p:cNvPr>
+                      <p:cNvPicPr/>
+                      <p:nvPr/>
+                    </p:nvPicPr>
+                    <p:blipFill>
+                      <a:blip r:embed="rId7"/>
+                      <a:stretch>
+                        <a:fillRect/>
+                      </a:stretch>
+                    </p:blipFill>
+                    <p:spPr>
+                      <a:xfrm>
+                        <a:off x="2826483" y="5609339"/>
+                        <a:ext cx="2673350" cy="779463"/>
+                      </a:xfrm>
+                      <a:prstGeom prst="rect">
+                        <a:avLst/>
+                      </a:prstGeom>
+                    </p:spPr>
+                  </p:pic>
+                </p:oleObj>
+              </mc:Fallback>
+            </mc:AlternateContent>
+          </a:graphicData>
+        </a:graphic>
+      </p:graphicFrame>
+      <p:sp>
+        <p:nvSpPr>
+          <p:cNvPr id="10" name="矩形 9">
+            <a:extLst>
+              <a:ext uri="{FF2B5EF4-FFF2-40B4-BE49-F238E27FC236}">
+                <a16:creationId xmlns:a16="http://schemas.microsoft.com/office/drawing/2014/main" id="{4EE7A346-8991-F15D-4D3C-920594819342}"/>
+              </a:ext>
+            </a:extLst>
+          </p:cNvPr>
+          <p:cNvSpPr/>
+          <p:nvPr/>
+        </p:nvSpPr>
+        <p:spPr>
+          <a:xfrm>
+            <a:off x="10092800" y="6085493"/>
+            <a:ext cx="1440985" cy="307777"/>
+          </a:xfrm>
+          <a:prstGeom prst="rect">
+            <a:avLst/>
+          </a:prstGeom>
+        </p:spPr>
+        <p:txBody>
+          <a:bodyPr wrap="square">
+            <a:spAutoFit/>
+          </a:bodyPr>
+          <a:lstStyle/>
+          <a:p>
+            <a:pPr algn="ctr" fontAlgn="auto">
+              <a:spcAft>
+                <a:spcPts val="0"/>
+              </a:spcAft>
+            </a:pPr>
+            <a:r>
+              <a:rPr lang="zh-CN" altLang="en-US" sz="1400" b="1" dirty="0">
+                <a:latin typeface="微软雅黑" panose="020B0503020204020204" pitchFamily="34" charset="-122"/>
+                <a:ea typeface="微软雅黑" panose="020B0503020204020204" pitchFamily="34" charset="-122"/>
+              </a:rPr>
+              <a:t>第</a:t>
+            </a:r>
+            <a:r>
+              <a:rPr lang="en-US" altLang="zh-CN" sz="1400" b="1" dirty="0">
+                <a:latin typeface="微软雅黑" panose="020B0503020204020204" pitchFamily="34" charset="-122"/>
+                <a:ea typeface="微软雅黑" panose="020B0503020204020204" pitchFamily="34" charset="-122"/>
+              </a:rPr>
+              <a:t>8</a:t>
+            </a:r>
+            <a:r>
+              <a:rPr lang="zh-CN" altLang="en-US" sz="1400" b="1" dirty="0">
+                <a:latin typeface="微软雅黑" panose="020B0503020204020204" pitchFamily="34" charset="-122"/>
+                <a:ea typeface="微软雅黑" panose="020B0503020204020204" pitchFamily="34" charset="-122"/>
+              </a:rPr>
+              <a:t>节课见</a:t>
+            </a:r>
+            <a:r>
+              <a:rPr lang="en-US" altLang="zh-CN" sz="1400" b="1" dirty="0">
+                <a:latin typeface="微软雅黑" panose="020B0503020204020204" pitchFamily="34" charset="-122"/>
+                <a:ea typeface="微软雅黑" panose="020B0503020204020204" pitchFamily="34" charset="-122"/>
+              </a:rPr>
+              <a:t>~</a:t>
+            </a:r>
+            <a:endParaRPr lang="zh-CN" sz="1400" b="1" dirty="0">
+              <a:latin typeface="微软雅黑" panose="020B0503020204020204" pitchFamily="34" charset="-122"/>
+              <a:ea typeface="微软雅黑" panose="020B0503020204020204" pitchFamily="34" charset="-122"/>
+            </a:endParaRPr>
+          </a:p>
+        </p:txBody>
+      </p:sp>
+      <p:pic>
+        <p:nvPicPr>
+          <p:cNvPr id="11" name="图形 10" descr="困惑的脸轮廓 纯色填充">
+            <a:extLst>
+              <a:ext uri="{FF2B5EF4-FFF2-40B4-BE49-F238E27FC236}">
+                <a16:creationId xmlns:a16="http://schemas.microsoft.com/office/drawing/2014/main" id="{42EE819D-E347-4BC1-76BA-722E6D71E3B4}"/>
+              </a:ext>
+            </a:extLst>
+          </p:cNvPr>
+          <p:cNvPicPr>
+            <a:picLocks noChangeAspect="1"/>
+          </p:cNvPicPr>
+          <p:nvPr/>
+        </p:nvPicPr>
+        <p:blipFill>
+          <a:blip r:embed="rId8">
+            <a:extLst>
+              <a:ext uri="{96DAC541-7B7A-43D3-8B79-37D633B846F1}">
+                <asvg:svgBlip xmlns:asvg="http://schemas.microsoft.com/office/drawing/2016/SVG/main" r:embed="rId9"/>
+              </a:ext>
+            </a:extLst>
+          </a:blip>
+          <a:stretch>
+            <a:fillRect/>
+          </a:stretch>
+        </p:blipFill>
+        <p:spPr>
+          <a:xfrm>
+            <a:off x="0" y="711200"/>
+            <a:ext cx="571360" cy="571360"/>
+          </a:xfrm>
+          <a:prstGeom prst="rect">
+            <a:avLst/>
+          </a:prstGeom>
+        </p:spPr>
+      </p:pic>
     </p:spTree>
     <p:extLst>
       <p:ext uri="{BB962C8B-B14F-4D97-AF65-F5344CB8AC3E}">
@@ -14991,6 +18776,76 @@
                                   </p:childTnLst>
                                 </p:cTn>
                               </p:par>
+                              <p:par>
+                                <p:cTn id="8" presetID="10" presetClass="entr" presetSubtype="0" fill="hold" nodeType="withEffect">
+                                  <p:stCondLst>
+                                    <p:cond delay="0"/>
+                                  </p:stCondLst>
+                                  <p:childTnLst>
+                                    <p:set>
+                                      <p:cBhvr>
+                                        <p:cTn id="9" dur="1" fill="hold">
+                                          <p:stCondLst>
+                                            <p:cond delay="0"/>
+                                          </p:stCondLst>
+                                        </p:cTn>
+                                        <p:tgtEl>
+                                          <p:spTgt spid="6"/>
+                                        </p:tgtEl>
+                                        <p:attrNameLst>
+                                          <p:attrName>style.visibility</p:attrName>
+                                        </p:attrNameLst>
+                                      </p:cBhvr>
+                                      <p:to>
+                                        <p:strVal val="visible"/>
+                                      </p:to>
+                                    </p:set>
+                                    <p:animEffect transition="in" filter="fade">
+                                      <p:cBhvr>
+                                        <p:cTn id="10" dur="500"/>
+                                        <p:tgtEl>
+                                          <p:spTgt spid="6"/>
+                                        </p:tgtEl>
+                                      </p:cBhvr>
+                                    </p:animEffect>
+                                  </p:childTnLst>
+                                </p:cTn>
+                              </p:par>
+                              <p:par>
+                                <p:cTn id="11" presetID="10" presetClass="entr" presetSubtype="0" fill="hold" nodeType="withEffect">
+                                  <p:stCondLst>
+                                    <p:cond delay="0"/>
+                                  </p:stCondLst>
+                                  <p:childTnLst>
+                                    <p:set>
+                                      <p:cBhvr>
+                                        <p:cTn id="12" dur="1" fill="hold">
+                                          <p:stCondLst>
+                                            <p:cond delay="0"/>
+                                          </p:stCondLst>
+                                        </p:cTn>
+                                        <p:tgtEl>
+                                          <p:spTgt spid="9"/>
+                                        </p:tgtEl>
+                                        <p:attrNameLst>
+                                          <p:attrName>style.visibility</p:attrName>
+                                        </p:attrNameLst>
+                                      </p:cBhvr>
+                                      <p:to>
+                                        <p:strVal val="visible"/>
+                                      </p:to>
+                                    </p:set>
+                                    <p:animEffect transition="in" filter="fade">
+                                      <p:cBhvr>
+                                        <p:cTn id="13" dur="500"/>
+                                        <p:tgtEl>
+                                          <p:spTgt spid="9"/>
+                                        </p:tgtEl>
+                                      </p:cBhvr>
+                                    </p:animEffect>
+                                  </p:childTnLst>
+                                </p:cTn>
+                              </p:par>
                             </p:childTnLst>
                           </p:cTn>
                         </p:par>
@@ -15022,7 +18877,7 @@
 </p:sld>
 </file>
 
-<file path=ppt/slides/slide27.xml><?xml version="1.0" encoding="utf-8"?>
+<file path=ppt/slides/slide26.xml><?xml version="1.0" encoding="utf-8"?>
 <p:sld xmlns:a="http://schemas.openxmlformats.org/drawingml/2006/main" xmlns:r="http://schemas.openxmlformats.org/officeDocument/2006/relationships" xmlns:p="http://schemas.openxmlformats.org/presentationml/2006/main">
   <p:cSld>
     <p:spTree>
@@ -15515,7 +19370,7 @@
           <a:p>
             <a:fld id="{5F1D8F20-F945-584B-B149-8CCFBEFE168A}" type="slidenum">
               <a:rPr kumimoji="1" lang="zh-CN" altLang="en-US" smtClean="0"/>
-              <a:t>27</a:t>
+              <a:t>26</a:t>
             </a:fld>
             <a:endParaRPr kumimoji="1" lang="zh-CN" altLang="en-US"/>
           </a:p>

--- a/05-06 人造天体运动方程与二体问题积分.pptx
+++ b/05-06 人造天体运动方程与二体问题积分.pptx
@@ -243,7 +243,7 @@
           <a:p>
             <a:fld id="{26DDD1A4-63E9-4C41-BD0C-A6576214358F}" type="datetimeFigureOut">
               <a:rPr kumimoji="1" lang="zh-CN" altLang="en-US" smtClean="0"/>
-              <a:t>2023/7/25</a:t>
+              <a:t>2023/8/7</a:t>
             </a:fld>
             <a:endParaRPr kumimoji="1" lang="zh-CN" altLang="en-US"/>
           </a:p>
@@ -837,7 +837,7 @@
           <a:p>
             <a:fld id="{8664C608-40B1-4030-A28D-5B74BC98ADCE}" type="datetimeFigureOut">
               <a:rPr lang="en-US" smtClean="0"/>
-              <a:t>7/25/2023</a:t>
+              <a:t>8/7/2023</a:t>
             </a:fld>
             <a:endParaRPr lang="en-US" dirty="0"/>
           </a:p>
@@ -19160,7 +19160,7 @@
               <a:t>秒 （</a:t>
             </a:r>
             <a:r>
-              <a:rPr lang="en-US" altLang="zh-CN" sz="2400" b="1" dirty="0">
+              <a:rPr lang="en-US" altLang="zh-CN" sz="2400" b="1">
                 <a:solidFill>
                   <a:schemeClr val="tx1"/>
                 </a:solidFill>
@@ -19169,7 +19169,7 @@
                 <a:cs typeface="Times New Roman" panose="02020603050405020304" pitchFamily="18" charset="0"/>
                 <a:sym typeface="+mn-ea"/>
               </a:rPr>
-              <a:t>MJD=59654.4625000</a:t>
+              <a:t>MJD = 59654.4625000</a:t>
             </a:r>
             <a:r>
               <a:rPr lang="zh-CN" altLang="en-US" sz="2400" b="1" dirty="0">
@@ -24788,25 +24788,25 @@
           <p:nvPr>
             <p:extLst>
               <p:ext uri="{D42A27DB-BD31-4B8C-83A1-F6EECF244321}">
-                <p14:modId xmlns:p14="http://schemas.microsoft.com/office/powerpoint/2010/main" val="1109409049"/>
+                <p14:modId xmlns:p14="http://schemas.microsoft.com/office/powerpoint/2010/main" val="608841855"/>
               </p:ext>
             </p:extLst>
           </p:nvPr>
         </p:nvGraphicFramePr>
         <p:xfrm>
-          <a:off x="1811148" y="4199646"/>
-          <a:ext cx="2955925" cy="708025"/>
+          <a:off x="1809750" y="4198938"/>
+          <a:ext cx="2959100" cy="708025"/>
         </p:xfrm>
         <a:graphic>
           <a:graphicData uri="http://schemas.openxmlformats.org/presentationml/2006/ole">
             <mc:AlternateContent xmlns:mc="http://schemas.openxmlformats.org/markup-compatibility/2006">
               <mc:Choice xmlns:v="urn:schemas-microsoft-com:vml" Requires="v">
-                <p:oleObj name="AxMath" r:id="rId12" imgW="1478160" imgH="354240" progId="Equation.AxMath">
+                <p:oleObj name="AxMath" r:id="rId12" imgW="1479240" imgH="354240" progId="Equation.AxMath">
                   <p:embed/>
                 </p:oleObj>
               </mc:Choice>
               <mc:Fallback>
-                <p:oleObj name="AxMath" r:id="rId12" imgW="1478160" imgH="354240" progId="Equation.AxMath">
+                <p:oleObj name="AxMath" r:id="rId12" imgW="1479240" imgH="354240" progId="Equation.AxMath">
                   <p:embed/>
                   <p:pic>
                     <p:nvPicPr>
@@ -24822,8 +24822,8 @@
                     </p:blipFill>
                     <p:spPr>
                       <a:xfrm>
-                        <a:off x="1811148" y="4199646"/>
-                        <a:ext cx="2955925" cy="708025"/>
+                        <a:off x="1809750" y="4198938"/>
+                        <a:ext cx="2959100" cy="708025"/>
                       </a:xfrm>
                       <a:prstGeom prst="rect">
                         <a:avLst/>

--- a/05-06 人造天体运动方程与二体问题积分.pptx
+++ b/05-06 人造天体运动方程与二体问题积分.pptx
@@ -243,7 +243,7 @@
           <a:p>
             <a:fld id="{26DDD1A4-63E9-4C41-BD0C-A6576214358F}" type="datetimeFigureOut">
               <a:rPr kumimoji="1" lang="zh-CN" altLang="en-US" smtClean="0"/>
-              <a:t>2023/8/7</a:t>
+              <a:t>2023/10/25</a:t>
             </a:fld>
             <a:endParaRPr kumimoji="1" lang="zh-CN" altLang="en-US"/>
           </a:p>
@@ -837,7 +837,7 @@
           <a:p>
             <a:fld id="{8664C608-40B1-4030-A28D-5B74BC98ADCE}" type="datetimeFigureOut">
               <a:rPr lang="en-US" smtClean="0"/>
-              <a:t>8/7/2023</a:t>
+              <a:t>10/25/2023</a:t>
             </a:fld>
             <a:endParaRPr lang="en-US" dirty="0"/>
           </a:p>
@@ -5946,8 +5946,8 @@
         </p:nvSpPr>
         <p:spPr>
           <a:xfrm>
-            <a:off x="10358473" y="2386114"/>
-            <a:ext cx="1811867" cy="338554"/>
+            <a:off x="5994913" y="2280274"/>
+            <a:ext cx="2628896" cy="338554"/>
           </a:xfrm>
           <a:prstGeom prst="rect">
             <a:avLst/>
@@ -5972,7 +5972,7 @@
                 <a:latin typeface="微软雅黑" panose="020B0503020204020204" pitchFamily="34" charset="-122"/>
                 <a:ea typeface="微软雅黑" panose="020B0503020204020204" pitchFamily="34" charset="-122"/>
               </a:rPr>
-              <a:t>转移轨道不满足</a:t>
+              <a:t>（例如：转移轨道不满足）</a:t>
             </a:r>
             <a:endParaRPr lang="zh-CN" sz="1600" b="1" dirty="0">
               <a:solidFill>
@@ -6201,7 +6201,7 @@
         </p:nvSpPr>
         <p:spPr>
           <a:xfrm>
-            <a:off x="6824153" y="1558147"/>
+            <a:off x="5012286" y="1052513"/>
             <a:ext cx="4440254" cy="830997"/>
           </a:xfrm>
           <a:prstGeom prst="rect">
@@ -6298,13 +6298,13 @@
           <p:nvPr>
             <p:extLst>
               <p:ext uri="{D42A27DB-BD31-4B8C-83A1-F6EECF244321}">
-                <p14:modId xmlns:p14="http://schemas.microsoft.com/office/powerpoint/2010/main" val="545761128"/>
+                <p14:modId xmlns:p14="http://schemas.microsoft.com/office/powerpoint/2010/main" val="3302058062"/>
               </p:ext>
             </p:extLst>
           </p:nvPr>
         </p:nvGraphicFramePr>
         <p:xfrm>
-          <a:off x="8480972" y="1997548"/>
+          <a:off x="6669105" y="1491914"/>
           <a:ext cx="2028825" cy="384175"/>
         </p:xfrm>
         <a:graphic>
@@ -6332,7 +6332,7 @@
                     </p:blipFill>
                     <p:spPr>
                       <a:xfrm>
-                        <a:off x="8480972" y="1997548"/>
+                        <a:off x="6669105" y="1491914"/>
                         <a:ext cx="2028825" cy="384175"/>
                       </a:xfrm>
                       <a:prstGeom prst="rect">
@@ -6360,7 +6360,7 @@
         </p:nvSpPr>
         <p:spPr>
           <a:xfrm>
-            <a:off x="7985157" y="2384299"/>
+            <a:off x="6173290" y="1878665"/>
             <a:ext cx="2137815" cy="461665"/>
           </a:xfrm>
           <a:prstGeom prst="rect">
@@ -6444,6 +6444,211 @@
           </a:prstGeom>
         </p:spPr>
       </p:pic>
+      <p:sp>
+        <p:nvSpPr>
+          <p:cNvPr id="10" name="矩形 9">
+            <a:extLst>
+              <a:ext uri="{FF2B5EF4-FFF2-40B4-BE49-F238E27FC236}">
+                <a16:creationId xmlns:a16="http://schemas.microsoft.com/office/drawing/2014/main" id="{C5478BEA-4106-9040-7695-736BE7910AB2}"/>
+              </a:ext>
+            </a:extLst>
+          </p:cNvPr>
+          <p:cNvSpPr/>
+          <p:nvPr/>
+        </p:nvSpPr>
+        <p:spPr>
+          <a:xfrm>
+            <a:off x="9121228" y="1046302"/>
+            <a:ext cx="1811867" cy="791627"/>
+          </a:xfrm>
+          <a:prstGeom prst="rect">
+            <a:avLst/>
+          </a:prstGeom>
+        </p:spPr>
+        <p:txBody>
+          <a:bodyPr wrap="square">
+            <a:spAutoFit/>
+          </a:bodyPr>
+          <a:lstStyle/>
+          <a:p>
+            <a:pPr algn="ctr" fontAlgn="auto">
+              <a:lnSpc>
+                <a:spcPct val="150000"/>
+              </a:lnSpc>
+              <a:spcAft>
+                <a:spcPts val="0"/>
+              </a:spcAft>
+            </a:pPr>
+            <a:r>
+              <a:rPr lang="zh-CN" altLang="en-US" sz="1600" b="1" dirty="0">
+                <a:latin typeface="微软雅黑" panose="020B0503020204020204" pitchFamily="34" charset="-122"/>
+                <a:ea typeface="微软雅黑" panose="020B0503020204020204" pitchFamily="34" charset="-122"/>
+              </a:rPr>
+              <a:t>贝塞尔函数</a:t>
+            </a:r>
+            <a:endParaRPr lang="en-US" altLang="zh-CN" sz="1600" b="1" dirty="0">
+              <a:latin typeface="微软雅黑" panose="020B0503020204020204" pitchFamily="34" charset="-122"/>
+              <a:ea typeface="微软雅黑" panose="020B0503020204020204" pitchFamily="34" charset="-122"/>
+            </a:endParaRPr>
+          </a:p>
+          <a:p>
+            <a:pPr algn="ctr" fontAlgn="auto">
+              <a:lnSpc>
+                <a:spcPct val="150000"/>
+              </a:lnSpc>
+              <a:spcAft>
+                <a:spcPts val="0"/>
+              </a:spcAft>
+            </a:pPr>
+            <a:r>
+              <a:rPr lang="zh-CN" altLang="en-US" sz="1600" b="1" dirty="0">
+                <a:latin typeface="微软雅黑" panose="020B0503020204020204" pitchFamily="34" charset="-122"/>
+                <a:ea typeface="微软雅黑" panose="020B0503020204020204" pitchFamily="34" charset="-122"/>
+              </a:rPr>
+              <a:t>超几何函数</a:t>
+            </a:r>
+            <a:endParaRPr lang="zh-CN" altLang="en-US" dirty="0"/>
+          </a:p>
+        </p:txBody>
+      </p:sp>
+      <p:graphicFrame>
+        <p:nvGraphicFramePr>
+          <p:cNvPr id="11" name="对象 10">
+            <a:extLst>
+              <a:ext uri="{FF2B5EF4-FFF2-40B4-BE49-F238E27FC236}">
+                <a16:creationId xmlns:a16="http://schemas.microsoft.com/office/drawing/2014/main" id="{2E9968B1-73B4-6D92-7C0A-BCA7B1FA374A}"/>
+              </a:ext>
+            </a:extLst>
+          </p:cNvPr>
+          <p:cNvGraphicFramePr>
+            <a:graphicFrameLocks noChangeAspect="1"/>
+          </p:cNvGraphicFramePr>
+          <p:nvPr>
+            <p:extLst>
+              <p:ext uri="{D42A27DB-BD31-4B8C-83A1-F6EECF244321}">
+                <p14:modId xmlns:p14="http://schemas.microsoft.com/office/powerpoint/2010/main" val="492343383"/>
+              </p:ext>
+            </p:extLst>
+          </p:nvPr>
+        </p:nvGraphicFramePr>
+        <p:xfrm>
+          <a:off x="10654666" y="1116579"/>
+          <a:ext cx="666750" cy="393700"/>
+        </p:xfrm>
+        <a:graphic>
+          <a:graphicData uri="http://schemas.openxmlformats.org/presentationml/2006/ole">
+            <mc:AlternateContent xmlns:mc="http://schemas.openxmlformats.org/markup-compatibility/2006">
+              <mc:Choice xmlns:v="urn:schemas-microsoft-com:vml" Requires="v">
+                <p:oleObj name="AxMath" r:id="rId10" imgW="334080" imgH="197280" progId="Equation.AxMath">
+                  <p:embed/>
+                </p:oleObj>
+              </mc:Choice>
+              <mc:Fallback>
+                <p:oleObj name="AxMath" r:id="rId10" imgW="334080" imgH="197280" progId="Equation.AxMath">
+                  <p:embed/>
+                  <p:pic>
+                    <p:nvPicPr>
+                      <p:cNvPr id="7" name="对象 6">
+                        <a:extLst>
+                          <a:ext uri="{FF2B5EF4-FFF2-40B4-BE49-F238E27FC236}">
+                            <a16:creationId xmlns:a16="http://schemas.microsoft.com/office/drawing/2014/main" id="{469F5049-B650-96AC-EE9D-F309B538FF4D}"/>
+                          </a:ext>
+                        </a:extLst>
+                      </p:cNvPr>
+                      <p:cNvPicPr/>
+                      <p:nvPr/>
+                    </p:nvPicPr>
+                    <p:blipFill>
+                      <a:blip r:embed="rId11"/>
+                      <a:stretch>
+                        <a:fillRect/>
+                      </a:stretch>
+                    </p:blipFill>
+                    <p:spPr>
+                      <a:xfrm>
+                        <a:off x="10654666" y="1116579"/>
+                        <a:ext cx="666750" cy="393700"/>
+                      </a:xfrm>
+                      <a:prstGeom prst="rect">
+                        <a:avLst/>
+                      </a:prstGeom>
+                    </p:spPr>
+                  </p:pic>
+                </p:oleObj>
+              </mc:Fallback>
+            </mc:AlternateContent>
+          </a:graphicData>
+        </a:graphic>
+      </p:graphicFrame>
+      <p:graphicFrame>
+        <p:nvGraphicFramePr>
+          <p:cNvPr id="12" name="对象 11">
+            <a:extLst>
+              <a:ext uri="{FF2B5EF4-FFF2-40B4-BE49-F238E27FC236}">
+                <a16:creationId xmlns:a16="http://schemas.microsoft.com/office/drawing/2014/main" id="{DA7375CB-E964-61F8-8458-7EDA1E702B12}"/>
+              </a:ext>
+            </a:extLst>
+          </p:cNvPr>
+          <p:cNvGraphicFramePr>
+            <a:graphicFrameLocks noChangeAspect="1"/>
+          </p:cNvGraphicFramePr>
+          <p:nvPr>
+            <p:extLst>
+              <p:ext uri="{D42A27DB-BD31-4B8C-83A1-F6EECF244321}">
+                <p14:modId xmlns:p14="http://schemas.microsoft.com/office/powerpoint/2010/main" val="814872093"/>
+              </p:ext>
+            </p:extLst>
+          </p:nvPr>
+        </p:nvGraphicFramePr>
+        <p:xfrm>
+          <a:off x="10633577" y="1503606"/>
+          <a:ext cx="1260475" cy="393700"/>
+        </p:xfrm>
+        <a:graphic>
+          <a:graphicData uri="http://schemas.openxmlformats.org/presentationml/2006/ole">
+            <mc:AlternateContent xmlns:mc="http://schemas.openxmlformats.org/markup-compatibility/2006">
+              <mc:Choice xmlns:v="urn:schemas-microsoft-com:vml" Requires="v">
+                <p:oleObj name="AxMath" r:id="rId12" imgW="630360" imgH="197280" progId="Equation.AxMath">
+                  <p:embed/>
+                </p:oleObj>
+              </mc:Choice>
+              <mc:Fallback>
+                <p:oleObj name="AxMath" r:id="rId12" imgW="630360" imgH="197280" progId="Equation.AxMath">
+                  <p:embed/>
+                  <p:pic>
+                    <p:nvPicPr>
+                      <p:cNvPr id="11" name="对象 10">
+                        <a:extLst>
+                          <a:ext uri="{FF2B5EF4-FFF2-40B4-BE49-F238E27FC236}">
+                            <a16:creationId xmlns:a16="http://schemas.microsoft.com/office/drawing/2014/main" id="{2E9968B1-73B4-6D92-7C0A-BCA7B1FA374A}"/>
+                          </a:ext>
+                        </a:extLst>
+                      </p:cNvPr>
+                      <p:cNvPicPr/>
+                      <p:nvPr/>
+                    </p:nvPicPr>
+                    <p:blipFill>
+                      <a:blip r:embed="rId13"/>
+                      <a:stretch>
+                        <a:fillRect/>
+                      </a:stretch>
+                    </p:blipFill>
+                    <p:spPr>
+                      <a:xfrm>
+                        <a:off x="10633577" y="1503606"/>
+                        <a:ext cx="1260475" cy="393700"/>
+                      </a:xfrm>
+                      <a:prstGeom prst="rect">
+                        <a:avLst/>
+                      </a:prstGeom>
+                    </p:spPr>
+                  </p:pic>
+                </p:oleObj>
+              </mc:Fallback>
+            </mc:AlternateContent>
+          </a:graphicData>
+        </a:graphic>
+      </p:graphicFrame>
     </p:spTree>
     <p:extLst>
       <p:ext uri="{BB962C8B-B14F-4D97-AF65-F5344CB8AC3E}">
@@ -15425,42 +15630,6 @@
           </a:p>
         </p:txBody>
       </p:sp>
-      <p:pic>
-        <p:nvPicPr>
-          <p:cNvPr id="21" name="图形 20" descr="紧张的脸轮廓 纯色填充">
-            <a:extLst>
-              <a:ext uri="{FF2B5EF4-FFF2-40B4-BE49-F238E27FC236}">
-                <a16:creationId xmlns:a16="http://schemas.microsoft.com/office/drawing/2014/main" id="{64821A42-0AA9-2818-34D2-2BC5B34D7100}"/>
-              </a:ext>
-            </a:extLst>
-          </p:cNvPr>
-          <p:cNvPicPr>
-            <a:picLocks noChangeAspect="1"/>
-          </p:cNvPicPr>
-          <p:nvPr/>
-        </p:nvPicPr>
-        <p:blipFill>
-          <a:blip r:embed="rId12">
-            <a:extLst>
-              <a:ext uri="{96DAC541-7B7A-43D3-8B79-37D633B846F1}">
-                <asvg:svgBlip xmlns:asvg="http://schemas.microsoft.com/office/drawing/2016/SVG/main" r:embed="rId13"/>
-              </a:ext>
-            </a:extLst>
-          </a:blip>
-          <a:stretch>
-            <a:fillRect/>
-          </a:stretch>
-        </p:blipFill>
-        <p:spPr>
-          <a:xfrm>
-            <a:off x="1087" y="725941"/>
-            <a:ext cx="571360" cy="571360"/>
-          </a:xfrm>
-          <a:prstGeom prst="rect">
-            <a:avLst/>
-          </a:prstGeom>
-        </p:spPr>
-      </p:pic>
       <p:sp>
         <p:nvSpPr>
           <p:cNvPr id="22" name="箭头: 下 21">
@@ -15784,12 +15953,12 @@
           <a:graphicData uri="http://schemas.openxmlformats.org/presentationml/2006/ole">
             <mc:AlternateContent xmlns:mc="http://schemas.openxmlformats.org/markup-compatibility/2006">
               <mc:Choice xmlns:v="urn:schemas-microsoft-com:vml" Requires="v">
-                <p:oleObj name="AxMath" r:id="rId14" imgW="1319400" imgH="196560" progId="Equation.AxMath">
+                <p:oleObj name="AxMath" r:id="rId12" imgW="1319400" imgH="196560" progId="Equation.AxMath">
                   <p:embed/>
                 </p:oleObj>
               </mc:Choice>
               <mc:Fallback>
-                <p:oleObj name="AxMath" r:id="rId14" imgW="1319400" imgH="196560" progId="Equation.AxMath">
+                <p:oleObj name="AxMath" r:id="rId12" imgW="1319400" imgH="196560" progId="Equation.AxMath">
                   <p:embed/>
                   <p:pic>
                     <p:nvPicPr>
@@ -15798,7 +15967,7 @@
                       <p:nvPr/>
                     </p:nvPicPr>
                     <p:blipFill>
-                      <a:blip r:embed="rId15"/>
+                      <a:blip r:embed="rId13"/>
                       <a:stretch>
                         <a:fillRect/>
                       </a:stretch>
@@ -15847,12 +16016,12 @@
           <a:graphicData uri="http://schemas.openxmlformats.org/presentationml/2006/ole">
             <mc:AlternateContent xmlns:mc="http://schemas.openxmlformats.org/markup-compatibility/2006">
               <mc:Choice xmlns:v="urn:schemas-microsoft-com:vml" Requires="v">
-                <p:oleObj name="AxMath" r:id="rId16" imgW="1930320" imgH="419040" progId="Equation.AxMath">
+                <p:oleObj name="AxMath" r:id="rId14" imgW="1930320" imgH="419040" progId="Equation.AxMath">
                   <p:embed/>
                 </p:oleObj>
               </mc:Choice>
               <mc:Fallback>
-                <p:oleObj name="AxMath" r:id="rId16" imgW="1930320" imgH="419040" progId="Equation.AxMath">
+                <p:oleObj name="AxMath" r:id="rId14" imgW="1930320" imgH="419040" progId="Equation.AxMath">
                   <p:embed/>
                   <p:pic>
                     <p:nvPicPr>
@@ -15867,7 +16036,7 @@
                       <p:nvPr/>
                     </p:nvPicPr>
                     <p:blipFill>
-                      <a:blip r:embed="rId17"/>
+                      <a:blip r:embed="rId15"/>
                       <a:stretch>
                         <a:fillRect/>
                       </a:stretch>
@@ -15936,6 +16105,42 @@
           </a:p>
         </p:txBody>
       </p:sp>
+      <p:pic>
+        <p:nvPicPr>
+          <p:cNvPr id="29" name="图形 28" descr="眩晕的脸轮廓 纯色填充">
+            <a:extLst>
+              <a:ext uri="{FF2B5EF4-FFF2-40B4-BE49-F238E27FC236}">
+                <a16:creationId xmlns:a16="http://schemas.microsoft.com/office/drawing/2014/main" id="{A4EF3BC1-C482-760C-BBD8-569F0473E8BC}"/>
+              </a:ext>
+            </a:extLst>
+          </p:cNvPr>
+          <p:cNvPicPr>
+            <a:picLocks noChangeAspect="1"/>
+          </p:cNvPicPr>
+          <p:nvPr/>
+        </p:nvPicPr>
+        <p:blipFill>
+          <a:blip r:embed="rId16">
+            <a:extLst>
+              <a:ext uri="{96DAC541-7B7A-43D3-8B79-37D633B846F1}">
+                <asvg:svgBlip xmlns:asvg="http://schemas.microsoft.com/office/drawing/2016/SVG/main" r:embed="rId17"/>
+              </a:ext>
+            </a:extLst>
+          </a:blip>
+          <a:stretch>
+            <a:fillRect/>
+          </a:stretch>
+        </p:blipFill>
+        <p:spPr>
+          <a:xfrm>
+            <a:off x="0" y="710480"/>
+            <a:ext cx="571360" cy="571360"/>
+          </a:xfrm>
+          <a:prstGeom prst="rect">
+            <a:avLst/>
+          </a:prstGeom>
+        </p:spPr>
+      </p:pic>
     </p:spTree>
     <p:extLst>
       <p:ext uri="{BB962C8B-B14F-4D97-AF65-F5344CB8AC3E}">
@@ -16994,42 +17199,6 @@
           </a:graphicData>
         </a:graphic>
       </p:graphicFrame>
-      <p:pic>
-        <p:nvPicPr>
-          <p:cNvPr id="7" name="图形 6" descr="紧张的脸轮廓 纯色填充">
-            <a:extLst>
-              <a:ext uri="{FF2B5EF4-FFF2-40B4-BE49-F238E27FC236}">
-                <a16:creationId xmlns:a16="http://schemas.microsoft.com/office/drawing/2014/main" id="{21D024B9-0BB3-96F3-B78B-0411CC5DBDA3}"/>
-              </a:ext>
-            </a:extLst>
-          </p:cNvPr>
-          <p:cNvPicPr>
-            <a:picLocks noChangeAspect="1"/>
-          </p:cNvPicPr>
-          <p:nvPr/>
-        </p:nvPicPr>
-        <p:blipFill>
-          <a:blip r:embed="rId4">
-            <a:extLst>
-              <a:ext uri="{96DAC541-7B7A-43D3-8B79-37D633B846F1}">
-                <asvg:svgBlip xmlns:asvg="http://schemas.microsoft.com/office/drawing/2016/SVG/main" r:embed="rId5"/>
-              </a:ext>
-            </a:extLst>
-          </a:blip>
-          <a:stretch>
-            <a:fillRect/>
-          </a:stretch>
-        </p:blipFill>
-        <p:spPr>
-          <a:xfrm>
-            <a:off x="1087" y="725941"/>
-            <a:ext cx="571360" cy="571360"/>
-          </a:xfrm>
-          <a:prstGeom prst="rect">
-            <a:avLst/>
-          </a:prstGeom>
-        </p:spPr>
-      </p:pic>
       <p:sp>
         <p:nvSpPr>
           <p:cNvPr id="8" name="矩形 7">
@@ -17101,15 +17270,15 @@
           <p:nvPr/>
         </p:nvPicPr>
         <p:blipFill>
-          <a:blip r:embed="rId6"/>
+          <a:blip r:embed="rId4"/>
           <a:stretch>
             <a:fillRect/>
           </a:stretch>
         </p:blipFill>
         <p:spPr>
           <a:xfrm>
-            <a:off x="7780057" y="4415570"/>
-            <a:ext cx="3003672" cy="1126377"/>
+            <a:off x="7534611" y="3079426"/>
+            <a:ext cx="3882547" cy="1455955"/>
           </a:xfrm>
           <a:prstGeom prst="rect">
             <a:avLst/>
@@ -17130,7 +17299,7 @@
         </p:nvSpPr>
         <p:spPr>
           <a:xfrm>
-            <a:off x="7340609" y="3908814"/>
+            <a:off x="7477549" y="2572670"/>
             <a:ext cx="3730625" cy="400110"/>
           </a:xfrm>
           <a:prstGeom prst="rect">
@@ -17248,357 +17417,42 @@
           </a:p>
         </p:txBody>
       </p:sp>
-      <p:graphicFrame>
-        <p:nvGraphicFramePr>
-          <p:cNvPr id="13" name="表格 13">
+      <p:pic>
+        <p:nvPicPr>
+          <p:cNvPr id="2" name="图形 1" descr="眩晕的脸轮廓 纯色填充">
             <a:extLst>
               <a:ext uri="{FF2B5EF4-FFF2-40B4-BE49-F238E27FC236}">
-                <a16:creationId xmlns:a16="http://schemas.microsoft.com/office/drawing/2014/main" id="{39A9844C-E838-5DF8-FF44-891E44045750}"/>
+                <a16:creationId xmlns:a16="http://schemas.microsoft.com/office/drawing/2014/main" id="{9F38F748-B58F-C331-F185-03903BF1F786}"/>
               </a:ext>
             </a:extLst>
           </p:cNvPr>
-          <p:cNvGraphicFramePr>
-            <a:graphicFrameLocks noGrp="1"/>
-          </p:cNvGraphicFramePr>
-          <p:nvPr>
-            <p:extLst>
-              <p:ext uri="{D42A27DB-BD31-4B8C-83A1-F6EECF244321}">
-                <p14:modId xmlns:p14="http://schemas.microsoft.com/office/powerpoint/2010/main" val="1251281556"/>
-              </p:ext>
-            </p:extLst>
-          </p:nvPr>
-        </p:nvGraphicFramePr>
-        <p:xfrm>
-          <a:off x="7558418" y="2008316"/>
-          <a:ext cx="3295008" cy="1112520"/>
-        </p:xfrm>
-        <a:graphic>
-          <a:graphicData uri="http://schemas.openxmlformats.org/drawingml/2006/table">
-            <a:tbl>
-              <a:tblPr firstRow="1" bandRow="1">
-                <a:tableStyleId>{5C22544A-7EE6-4342-B048-85BDC9FD1C3A}</a:tableStyleId>
-              </a:tblPr>
-              <a:tblGrid>
-                <a:gridCol w="823752">
-                  <a:extLst>
-                    <a:ext uri="{9D8B030D-6E8A-4147-A177-3AD203B41FA5}">
-                      <a16:colId xmlns:a16="http://schemas.microsoft.com/office/drawing/2014/main" val="3943734373"/>
-                    </a:ext>
-                  </a:extLst>
-                </a:gridCol>
-                <a:gridCol w="823752">
-                  <a:extLst>
-                    <a:ext uri="{9D8B030D-6E8A-4147-A177-3AD203B41FA5}">
-                      <a16:colId xmlns:a16="http://schemas.microsoft.com/office/drawing/2014/main" val="1362257121"/>
-                    </a:ext>
-                  </a:extLst>
-                </a:gridCol>
-                <a:gridCol w="823752">
-                  <a:extLst>
-                    <a:ext uri="{9D8B030D-6E8A-4147-A177-3AD203B41FA5}">
-                      <a16:colId xmlns:a16="http://schemas.microsoft.com/office/drawing/2014/main" val="1787407092"/>
-                    </a:ext>
-                  </a:extLst>
-                </a:gridCol>
-                <a:gridCol w="823752">
-                  <a:extLst>
-                    <a:ext uri="{9D8B030D-6E8A-4147-A177-3AD203B41FA5}">
-                      <a16:colId xmlns:a16="http://schemas.microsoft.com/office/drawing/2014/main" val="1395704457"/>
-                    </a:ext>
-                  </a:extLst>
-                </a:gridCol>
-              </a:tblGrid>
-              <a:tr h="370840">
-                <a:tc>
-                  <a:txBody>
-                    <a:bodyPr/>
-                    <a:lstStyle/>
-                    <a:p>
-                      <a:pPr algn="ctr"/>
-                      <a:r>
-                        <a:rPr lang="en-US" altLang="zh-CN" i="1" dirty="0">
-                          <a:latin typeface="Times New Roman" panose="02020603050405020304" pitchFamily="18" charset="0"/>
-                          <a:cs typeface="Times New Roman" panose="02020603050405020304" pitchFamily="18" charset="0"/>
-                        </a:rPr>
-                        <a:t>p</a:t>
-                      </a:r>
-                      <a:endParaRPr lang="zh-CN" altLang="en-US" i="1" dirty="0">
-                        <a:latin typeface="Times New Roman" panose="02020603050405020304" pitchFamily="18" charset="0"/>
-                        <a:cs typeface="Times New Roman" panose="02020603050405020304" pitchFamily="18" charset="0"/>
-                      </a:endParaRPr>
-                    </a:p>
-                  </a:txBody>
-                  <a:tcPr anchor="ctr"/>
-                </a:tc>
-                <a:tc>
-                  <a:txBody>
-                    <a:bodyPr/>
-                    <a:lstStyle/>
-                    <a:p>
-                      <a:pPr algn="ctr"/>
-                      <a:r>
-                        <a:rPr lang="en-US" altLang="zh-CN" dirty="0">
-                          <a:latin typeface="Times New Roman" panose="02020603050405020304" pitchFamily="18" charset="0"/>
-                          <a:cs typeface="Times New Roman" panose="02020603050405020304" pitchFamily="18" charset="0"/>
-                        </a:rPr>
-                        <a:t>5</a:t>
-                      </a:r>
-                      <a:endParaRPr lang="zh-CN" altLang="en-US" dirty="0">
-                        <a:latin typeface="Times New Roman" panose="02020603050405020304" pitchFamily="18" charset="0"/>
-                        <a:cs typeface="Times New Roman" panose="02020603050405020304" pitchFamily="18" charset="0"/>
-                      </a:endParaRPr>
-                    </a:p>
-                  </a:txBody>
-                  <a:tcPr anchor="ctr"/>
-                </a:tc>
-                <a:tc>
-                  <a:txBody>
-                    <a:bodyPr/>
-                    <a:lstStyle/>
-                    <a:p>
-                      <a:pPr algn="ctr"/>
-                      <a:r>
-                        <a:rPr lang="en-US" altLang="zh-CN" dirty="0">
-                          <a:latin typeface="Times New Roman" panose="02020603050405020304" pitchFamily="18" charset="0"/>
-                          <a:cs typeface="Times New Roman" panose="02020603050405020304" pitchFamily="18" charset="0"/>
-                        </a:rPr>
-                        <a:t>6</a:t>
-                      </a:r>
-                      <a:endParaRPr lang="zh-CN" altLang="en-US" dirty="0">
-                        <a:latin typeface="Times New Roman" panose="02020603050405020304" pitchFamily="18" charset="0"/>
-                        <a:cs typeface="Times New Roman" panose="02020603050405020304" pitchFamily="18" charset="0"/>
-                      </a:endParaRPr>
-                    </a:p>
-                  </a:txBody>
-                  <a:tcPr anchor="ctr"/>
-                </a:tc>
-                <a:tc>
-                  <a:txBody>
-                    <a:bodyPr/>
-                    <a:lstStyle/>
-                    <a:p>
-                      <a:pPr algn="ctr"/>
-                      <a:r>
-                        <a:rPr lang="en-US" altLang="zh-CN" dirty="0">
-                          <a:latin typeface="Times New Roman" panose="02020603050405020304" pitchFamily="18" charset="0"/>
-                          <a:cs typeface="Times New Roman" panose="02020603050405020304" pitchFamily="18" charset="0"/>
-                        </a:rPr>
-                        <a:t>7</a:t>
-                      </a:r>
-                      <a:endParaRPr lang="zh-CN" altLang="en-US" dirty="0">
-                        <a:latin typeface="Times New Roman" panose="02020603050405020304" pitchFamily="18" charset="0"/>
-                        <a:cs typeface="Times New Roman" panose="02020603050405020304" pitchFamily="18" charset="0"/>
-                      </a:endParaRPr>
-                    </a:p>
-                  </a:txBody>
-                  <a:tcPr anchor="ctr"/>
-                </a:tc>
-                <a:extLst>
-                  <a:ext uri="{0D108BD9-81ED-4DB2-BD59-A6C34878D82A}">
-                    <a16:rowId xmlns:a16="http://schemas.microsoft.com/office/drawing/2014/main" val="2123867215"/>
-                  </a:ext>
-                </a:extLst>
-              </a:tr>
-              <a:tr h="370840">
-                <a:tc>
-                  <a:txBody>
-                    <a:bodyPr/>
-                    <a:lstStyle/>
-                    <a:p>
-                      <a:pPr algn="ctr"/>
-                      <a:r>
-                        <a:rPr lang="en-US" altLang="zh-CN" i="1" dirty="0">
-                          <a:latin typeface="Times New Roman" panose="02020603050405020304" pitchFamily="18" charset="0"/>
-                          <a:cs typeface="Times New Roman" panose="02020603050405020304" pitchFamily="18" charset="0"/>
-                        </a:rPr>
-                        <a:t>m</a:t>
-                      </a:r>
-                      <a:r>
-                        <a:rPr lang="en-US" altLang="zh-CN" baseline="-25000" dirty="0">
-                          <a:latin typeface="Times New Roman" panose="02020603050405020304" pitchFamily="18" charset="0"/>
-                          <a:cs typeface="Times New Roman" panose="02020603050405020304" pitchFamily="18" charset="0"/>
-                        </a:rPr>
-                        <a:t>1</a:t>
-                      </a:r>
-                      <a:endParaRPr lang="zh-CN" altLang="en-US" baseline="-25000" dirty="0">
-                        <a:latin typeface="Times New Roman" panose="02020603050405020304" pitchFamily="18" charset="0"/>
-                        <a:cs typeface="Times New Roman" panose="02020603050405020304" pitchFamily="18" charset="0"/>
-                      </a:endParaRPr>
-                    </a:p>
-                  </a:txBody>
-                  <a:tcPr anchor="ctr"/>
-                </a:tc>
-                <a:tc>
-                  <a:txBody>
-                    <a:bodyPr/>
-                    <a:lstStyle/>
-                    <a:p>
-                      <a:pPr algn="ctr"/>
-                      <a:r>
-                        <a:rPr lang="en-US" altLang="zh-CN" dirty="0">
-                          <a:latin typeface="Times New Roman" panose="02020603050405020304" pitchFamily="18" charset="0"/>
-                          <a:cs typeface="Times New Roman" panose="02020603050405020304" pitchFamily="18" charset="0"/>
-                        </a:rPr>
-                        <a:t>5</a:t>
-                      </a:r>
-                      <a:endParaRPr lang="zh-CN" altLang="en-US" dirty="0">
-                        <a:latin typeface="Times New Roman" panose="02020603050405020304" pitchFamily="18" charset="0"/>
-                        <a:cs typeface="Times New Roman" panose="02020603050405020304" pitchFamily="18" charset="0"/>
-                      </a:endParaRPr>
-                    </a:p>
-                  </a:txBody>
-                  <a:tcPr anchor="ctr"/>
-                </a:tc>
-                <a:tc>
-                  <a:txBody>
-                    <a:bodyPr/>
-                    <a:lstStyle/>
-                    <a:p>
-                      <a:pPr algn="ctr"/>
-                      <a:r>
-                        <a:rPr lang="en-US" altLang="zh-CN" dirty="0">
-                          <a:latin typeface="Times New Roman" panose="02020603050405020304" pitchFamily="18" charset="0"/>
-                          <a:cs typeface="Times New Roman" panose="02020603050405020304" pitchFamily="18" charset="0"/>
-                        </a:rPr>
-                        <a:t>7</a:t>
-                      </a:r>
-                      <a:endParaRPr lang="zh-CN" altLang="en-US" dirty="0">
-                        <a:latin typeface="Times New Roman" panose="02020603050405020304" pitchFamily="18" charset="0"/>
-                        <a:cs typeface="Times New Roman" panose="02020603050405020304" pitchFamily="18" charset="0"/>
-                      </a:endParaRPr>
-                    </a:p>
-                  </a:txBody>
-                  <a:tcPr anchor="ctr"/>
-                </a:tc>
-                <a:tc>
-                  <a:txBody>
-                    <a:bodyPr/>
-                    <a:lstStyle/>
-                    <a:p>
-                      <a:pPr algn="ctr"/>
-                      <a:r>
-                        <a:rPr lang="en-US" altLang="zh-CN" dirty="0">
-                          <a:latin typeface="Times New Roman" panose="02020603050405020304" pitchFamily="18" charset="0"/>
-                          <a:cs typeface="Times New Roman" panose="02020603050405020304" pitchFamily="18" charset="0"/>
-                        </a:rPr>
-                        <a:t>10</a:t>
-                      </a:r>
-                      <a:endParaRPr lang="zh-CN" altLang="en-US" dirty="0">
-                        <a:latin typeface="Times New Roman" panose="02020603050405020304" pitchFamily="18" charset="0"/>
-                        <a:cs typeface="Times New Roman" panose="02020603050405020304" pitchFamily="18" charset="0"/>
-                      </a:endParaRPr>
-                    </a:p>
-                  </a:txBody>
-                  <a:tcPr anchor="ctr"/>
-                </a:tc>
-                <a:extLst>
-                  <a:ext uri="{0D108BD9-81ED-4DB2-BD59-A6C34878D82A}">
-                    <a16:rowId xmlns:a16="http://schemas.microsoft.com/office/drawing/2014/main" val="4085223369"/>
-                  </a:ext>
-                </a:extLst>
-              </a:tr>
-              <a:tr h="370840">
-                <a:tc>
-                  <a:txBody>
-                    <a:bodyPr/>
-                    <a:lstStyle/>
-                    <a:p>
-                      <a:pPr algn="ctr"/>
-                      <a:r>
-                        <a:rPr lang="en-US" altLang="zh-CN" i="1" dirty="0">
-                          <a:latin typeface="Times New Roman" panose="02020603050405020304" pitchFamily="18" charset="0"/>
-                          <a:cs typeface="Times New Roman" panose="02020603050405020304" pitchFamily="18" charset="0"/>
-                        </a:rPr>
-                        <a:t>m</a:t>
-                      </a:r>
-                      <a:r>
-                        <a:rPr lang="en-US" altLang="zh-CN" baseline="-25000" dirty="0">
-                          <a:latin typeface="Times New Roman" panose="02020603050405020304" pitchFamily="18" charset="0"/>
-                          <a:cs typeface="Times New Roman" panose="02020603050405020304" pitchFamily="18" charset="0"/>
-                        </a:rPr>
-                        <a:t>2</a:t>
-                      </a:r>
-                      <a:endParaRPr lang="zh-CN" altLang="en-US" baseline="-25000" dirty="0">
-                        <a:latin typeface="Times New Roman" panose="02020603050405020304" pitchFamily="18" charset="0"/>
-                        <a:cs typeface="Times New Roman" panose="02020603050405020304" pitchFamily="18" charset="0"/>
-                      </a:endParaRPr>
-                    </a:p>
-                  </a:txBody>
-                  <a:tcPr anchor="ctr"/>
-                </a:tc>
-                <a:tc>
-                  <a:txBody>
-                    <a:bodyPr/>
-                    <a:lstStyle/>
-                    <a:p>
-                      <a:pPr algn="ctr"/>
-                      <a:r>
-                        <a:rPr lang="en-US" altLang="zh-CN" dirty="0">
-                          <a:latin typeface="Times New Roman" panose="02020603050405020304" pitchFamily="18" charset="0"/>
-                          <a:cs typeface="Times New Roman" panose="02020603050405020304" pitchFamily="18" charset="0"/>
-                        </a:rPr>
-                        <a:t>7</a:t>
-                      </a:r>
-                      <a:endParaRPr lang="zh-CN" altLang="en-US" dirty="0">
-                        <a:latin typeface="Times New Roman" panose="02020603050405020304" pitchFamily="18" charset="0"/>
-                        <a:cs typeface="Times New Roman" panose="02020603050405020304" pitchFamily="18" charset="0"/>
-                      </a:endParaRPr>
-                    </a:p>
-                  </a:txBody>
-                  <a:tcPr anchor="ctr"/>
-                </a:tc>
-                <a:tc>
-                  <a:txBody>
-                    <a:bodyPr/>
-                    <a:lstStyle/>
-                    <a:p>
-                      <a:pPr algn="ctr"/>
-                      <a:r>
-                        <a:rPr lang="en-US" altLang="zh-CN" dirty="0">
-                          <a:latin typeface="Times New Roman" panose="02020603050405020304" pitchFamily="18" charset="0"/>
-                          <a:cs typeface="Times New Roman" panose="02020603050405020304" pitchFamily="18" charset="0"/>
-                        </a:rPr>
-                        <a:t>9</a:t>
-                      </a:r>
-                      <a:endParaRPr lang="zh-CN" altLang="en-US" dirty="0">
-                        <a:latin typeface="Times New Roman" panose="02020603050405020304" pitchFamily="18" charset="0"/>
-                        <a:cs typeface="Times New Roman" panose="02020603050405020304" pitchFamily="18" charset="0"/>
-                      </a:endParaRPr>
-                    </a:p>
-                  </a:txBody>
-                  <a:tcPr anchor="ctr"/>
-                </a:tc>
-                <a:tc>
-                  <a:txBody>
-                    <a:bodyPr/>
-                    <a:lstStyle/>
-                    <a:p>
-                      <a:pPr algn="ctr"/>
-                      <a:r>
-                        <a:rPr lang="en-US" altLang="zh-CN" dirty="0">
-                          <a:latin typeface="Times New Roman" panose="02020603050405020304" pitchFamily="18" charset="0"/>
-                          <a:cs typeface="Times New Roman" panose="02020603050405020304" pitchFamily="18" charset="0"/>
-                        </a:rPr>
-                        <a:t>12</a:t>
-                      </a:r>
-                      <a:endParaRPr lang="zh-CN" altLang="en-US" dirty="0">
-                        <a:latin typeface="Times New Roman" panose="02020603050405020304" pitchFamily="18" charset="0"/>
-                        <a:cs typeface="Times New Roman" panose="02020603050405020304" pitchFamily="18" charset="0"/>
-                      </a:endParaRPr>
-                    </a:p>
-                  </a:txBody>
-                  <a:tcPr anchor="ctr"/>
-                </a:tc>
-                <a:extLst>
-                  <a:ext uri="{0D108BD9-81ED-4DB2-BD59-A6C34878D82A}">
-                    <a16:rowId xmlns:a16="http://schemas.microsoft.com/office/drawing/2014/main" val="3082667479"/>
-                  </a:ext>
-                </a:extLst>
-              </a:tr>
-            </a:tbl>
-          </a:graphicData>
-        </a:graphic>
-      </p:graphicFrame>
+          <p:cNvPicPr>
+            <a:picLocks noChangeAspect="1"/>
+          </p:cNvPicPr>
+          <p:nvPr/>
+        </p:nvPicPr>
+        <p:blipFill>
+          <a:blip r:embed="rId5">
+            <a:extLst>
+              <a:ext uri="{96DAC541-7B7A-43D3-8B79-37D633B846F1}">
+                <asvg:svgBlip xmlns:asvg="http://schemas.microsoft.com/office/drawing/2016/SVG/main" r:embed="rId6"/>
+              </a:ext>
+            </a:extLst>
+          </a:blip>
+          <a:stretch>
+            <a:fillRect/>
+          </a:stretch>
+        </p:blipFill>
+        <p:spPr>
+          <a:xfrm>
+            <a:off x="0" y="710480"/>
+            <a:ext cx="571360" cy="571360"/>
+          </a:xfrm>
+          <a:prstGeom prst="rect">
+            <a:avLst/>
+          </a:prstGeom>
+        </p:spPr>
+      </p:pic>
     </p:spTree>
     <p:extLst>
       <p:ext uri="{BB962C8B-B14F-4D97-AF65-F5344CB8AC3E}">
@@ -18718,162 +18572,6 @@
       </p:transition>
     </mc:Fallback>
   </mc:AlternateContent>
-  <p:timing>
-    <p:tnLst>
-      <p:par>
-        <p:cTn id="1" dur="indefinite" restart="never" nodeType="tmRoot">
-          <p:childTnLst>
-            <p:seq concurrent="1" nextAc="seek">
-              <p:cTn id="2" dur="indefinite" nodeType="mainSeq">
-                <p:childTnLst>
-                  <p:par>
-                    <p:cTn id="3" fill="hold">
-                      <p:stCondLst>
-                        <p:cond delay="indefinite"/>
-                        <p:cond evt="onBegin" delay="0">
-                          <p:tn val="2"/>
-                        </p:cond>
-                      </p:stCondLst>
-                      <p:childTnLst>
-                        <p:par>
-                          <p:cTn id="4" fill="hold">
-                            <p:stCondLst>
-                              <p:cond delay="0"/>
-                            </p:stCondLst>
-                            <p:childTnLst>
-                              <p:par>
-                                <p:cTn id="5" presetID="10" presetClass="entr" presetSubtype="0" fill="hold" nodeType="withEffect">
-                                  <p:stCondLst>
-                                    <p:cond delay="0"/>
-                                  </p:stCondLst>
-                                  <p:childTnLst>
-                                    <p:set>
-                                      <p:cBhvr>
-                                        <p:cTn id="6" dur="1" fill="hold">
-                                          <p:stCondLst>
-                                            <p:cond delay="0"/>
-                                          </p:stCondLst>
-                                        </p:cTn>
-                                        <p:tgtEl>
-                                          <p:spTgt spid="2"/>
-                                        </p:tgtEl>
-                                        <p:attrNameLst>
-                                          <p:attrName>style.visibility</p:attrName>
-                                        </p:attrNameLst>
-                                      </p:cBhvr>
-                                      <p:to>
-                                        <p:strVal val="visible"/>
-                                      </p:to>
-                                    </p:set>
-                                    <p:animEffect transition="in" filter="fade">
-                                      <p:cBhvr>
-                                        <p:cTn id="7" dur="500"/>
-                                        <p:tgtEl>
-                                          <p:spTgt spid="2"/>
-                                        </p:tgtEl>
-                                      </p:cBhvr>
-                                    </p:animEffect>
-                                  </p:childTnLst>
-                                </p:cTn>
-                              </p:par>
-                              <p:par>
-                                <p:cTn id="8" presetID="10" presetClass="entr" presetSubtype="0" fill="hold" nodeType="withEffect">
-                                  <p:stCondLst>
-                                    <p:cond delay="0"/>
-                                  </p:stCondLst>
-                                  <p:childTnLst>
-                                    <p:set>
-                                      <p:cBhvr>
-                                        <p:cTn id="9" dur="1" fill="hold">
-                                          <p:stCondLst>
-                                            <p:cond delay="0"/>
-                                          </p:stCondLst>
-                                        </p:cTn>
-                                        <p:tgtEl>
-                                          <p:spTgt spid="6"/>
-                                        </p:tgtEl>
-                                        <p:attrNameLst>
-                                          <p:attrName>style.visibility</p:attrName>
-                                        </p:attrNameLst>
-                                      </p:cBhvr>
-                                      <p:to>
-                                        <p:strVal val="visible"/>
-                                      </p:to>
-                                    </p:set>
-                                    <p:animEffect transition="in" filter="fade">
-                                      <p:cBhvr>
-                                        <p:cTn id="10" dur="500"/>
-                                        <p:tgtEl>
-                                          <p:spTgt spid="6"/>
-                                        </p:tgtEl>
-                                      </p:cBhvr>
-                                    </p:animEffect>
-                                  </p:childTnLst>
-                                </p:cTn>
-                              </p:par>
-                              <p:par>
-                                <p:cTn id="11" presetID="10" presetClass="entr" presetSubtype="0" fill="hold" nodeType="withEffect">
-                                  <p:stCondLst>
-                                    <p:cond delay="0"/>
-                                  </p:stCondLst>
-                                  <p:childTnLst>
-                                    <p:set>
-                                      <p:cBhvr>
-                                        <p:cTn id="12" dur="1" fill="hold">
-                                          <p:stCondLst>
-                                            <p:cond delay="0"/>
-                                          </p:stCondLst>
-                                        </p:cTn>
-                                        <p:tgtEl>
-                                          <p:spTgt spid="9"/>
-                                        </p:tgtEl>
-                                        <p:attrNameLst>
-                                          <p:attrName>style.visibility</p:attrName>
-                                        </p:attrNameLst>
-                                      </p:cBhvr>
-                                      <p:to>
-                                        <p:strVal val="visible"/>
-                                      </p:to>
-                                    </p:set>
-                                    <p:animEffect transition="in" filter="fade">
-                                      <p:cBhvr>
-                                        <p:cTn id="13" dur="500"/>
-                                        <p:tgtEl>
-                                          <p:spTgt spid="9"/>
-                                        </p:tgtEl>
-                                      </p:cBhvr>
-                                    </p:animEffect>
-                                  </p:childTnLst>
-                                </p:cTn>
-                              </p:par>
-                            </p:childTnLst>
-                          </p:cTn>
-                        </p:par>
-                      </p:childTnLst>
-                    </p:cTn>
-                  </p:par>
-                </p:childTnLst>
-              </p:cTn>
-              <p:prevCondLst>
-                <p:cond evt="onPrev" delay="0">
-                  <p:tgtEl>
-                    <p:sldTgt/>
-                  </p:tgtEl>
-                </p:cond>
-              </p:prevCondLst>
-              <p:nextCondLst>
-                <p:cond evt="onNext" delay="0">
-                  <p:tgtEl>
-                    <p:sldTgt/>
-                  </p:tgtEl>
-                </p:cond>
-              </p:nextCondLst>
-            </p:seq>
-          </p:childTnLst>
-        </p:cTn>
-      </p:par>
-    </p:tnLst>
-  </p:timing>
 </p:sld>
 </file>
 

--- a/05-06 人造天体运动方程与二体问题积分.pptx
+++ b/05-06 人造天体运动方程与二体问题积分.pptx
@@ -243,7 +243,7 @@
           <a:p>
             <a:fld id="{26DDD1A4-63E9-4C41-BD0C-A6576214358F}" type="datetimeFigureOut">
               <a:rPr kumimoji="1" lang="zh-CN" altLang="en-US" smtClean="0"/>
-              <a:t>2023/10/25</a:t>
+              <a:t>2023/10/27</a:t>
             </a:fld>
             <a:endParaRPr kumimoji="1" lang="zh-CN" altLang="en-US"/>
           </a:p>
@@ -837,7 +837,7 @@
           <a:p>
             <a:fld id="{8664C608-40B1-4030-A28D-5B74BC98ADCE}" type="datetimeFigureOut">
               <a:rPr lang="en-US" smtClean="0"/>
-              <a:t>10/25/2023</a:t>
+              <a:t>10/27/2023</a:t>
             </a:fld>
             <a:endParaRPr lang="en-US" dirty="0"/>
           </a:p>
@@ -10089,7 +10089,7 @@
         </p:blipFill>
         <p:spPr>
           <a:xfrm>
-            <a:off x="9785010" y="1549867"/>
+            <a:off x="9785010" y="1286859"/>
             <a:ext cx="2357115" cy="2357115"/>
           </a:xfrm>
           <a:prstGeom prst="rect">
@@ -10483,7 +10483,7 @@
         <p:spPr>
           <a:xfrm>
             <a:off x="6957066" y="1017672"/>
-            <a:ext cx="3653269" cy="3247877"/>
+            <a:ext cx="3653269" cy="2878545"/>
           </a:xfrm>
           <a:prstGeom prst="rect">
             <a:avLst/>
@@ -10536,7 +10536,7 @@
               <a:buFont typeface="Arial" panose="020B0604020202020204" pitchFamily="34" charset="0"/>
               <a:buChar char="•"/>
             </a:pPr>
-            <a:endParaRPr lang="en-US" altLang="zh-CN" sz="2800" b="1" dirty="0">
+            <a:endParaRPr lang="en-US" altLang="zh-CN" sz="2400" b="1" dirty="0">
               <a:latin typeface="微软雅黑" panose="020B0503020204020204" pitchFamily="34" charset="-122"/>
               <a:ea typeface="微软雅黑" panose="020B0503020204020204" pitchFamily="34" charset="-122"/>
               <a:sym typeface="+mn-ea"/>
@@ -10553,7 +10553,7 @@
               <a:buFont typeface="Arial" panose="020B0604020202020204" pitchFamily="34" charset="0"/>
               <a:buChar char="•"/>
             </a:pPr>
-            <a:endParaRPr lang="en-US" altLang="zh-CN" sz="2800" b="1" dirty="0">
+            <a:endParaRPr lang="en-US" altLang="zh-CN" sz="2400" b="1" dirty="0">
               <a:solidFill>
                 <a:schemeClr val="tx1"/>
               </a:solidFill>
@@ -10573,7 +10573,7 @@
               <a:buFont typeface="Arial" panose="020B0604020202020204" pitchFamily="34" charset="0"/>
               <a:buChar char="•"/>
             </a:pPr>
-            <a:endParaRPr lang="en-US" altLang="zh-CN" sz="2800" b="1" dirty="0">
+            <a:endParaRPr lang="en-US" altLang="zh-CN" sz="2000" b="1" dirty="0">
               <a:solidFill>
                 <a:schemeClr val="tx1"/>
               </a:solidFill>
@@ -10712,13 +10712,13 @@
           <p:nvPr>
             <p:extLst>
               <p:ext uri="{D42A27DB-BD31-4B8C-83A1-F6EECF244321}">
-                <p14:modId xmlns:p14="http://schemas.microsoft.com/office/powerpoint/2010/main" val="2403943805"/>
+                <p14:modId xmlns:p14="http://schemas.microsoft.com/office/powerpoint/2010/main" val="1081758286"/>
               </p:ext>
             </p:extLst>
           </p:nvPr>
         </p:nvGraphicFramePr>
         <p:xfrm>
-          <a:off x="7111772" y="2175646"/>
+          <a:off x="6957066" y="2093818"/>
           <a:ext cx="2689225" cy="515937"/>
         </p:xfrm>
         <a:graphic>
@@ -10752,7 +10752,7 @@
                     </p:blipFill>
                     <p:spPr>
                       <a:xfrm>
-                        <a:off x="7111772" y="2175646"/>
+                        <a:off x="6957066" y="2093818"/>
                         <a:ext cx="2689225" cy="515937"/>
                       </a:xfrm>
                       <a:prstGeom prst="rect">
@@ -10781,13 +10781,13 @@
           <p:nvPr>
             <p:extLst>
               <p:ext uri="{D42A27DB-BD31-4B8C-83A1-F6EECF244321}">
-                <p14:modId xmlns:p14="http://schemas.microsoft.com/office/powerpoint/2010/main" val="1319381238"/>
+                <p14:modId xmlns:p14="http://schemas.microsoft.com/office/powerpoint/2010/main" val="2989693280"/>
               </p:ext>
             </p:extLst>
           </p:nvPr>
         </p:nvGraphicFramePr>
         <p:xfrm>
-          <a:off x="8097899" y="5087374"/>
+          <a:off x="8097899" y="4589859"/>
           <a:ext cx="1374775" cy="695325"/>
         </p:xfrm>
         <a:graphic>
@@ -10821,7 +10821,7 @@
                     </p:blipFill>
                     <p:spPr>
                       <a:xfrm>
-                        <a:off x="8097899" y="5087374"/>
+                        <a:off x="8097899" y="4589859"/>
                         <a:ext cx="1374775" cy="695325"/>
                       </a:xfrm>
                       <a:prstGeom prst="rect">
@@ -10850,13 +10850,13 @@
           <p:nvPr>
             <p:extLst>
               <p:ext uri="{D42A27DB-BD31-4B8C-83A1-F6EECF244321}">
-                <p14:modId xmlns:p14="http://schemas.microsoft.com/office/powerpoint/2010/main" val="634291551"/>
+                <p14:modId xmlns:p14="http://schemas.microsoft.com/office/powerpoint/2010/main" val="2000945992"/>
               </p:ext>
             </p:extLst>
           </p:nvPr>
         </p:nvGraphicFramePr>
         <p:xfrm>
-          <a:off x="8097899" y="5969000"/>
+          <a:off x="8097899" y="5381231"/>
           <a:ext cx="1003300" cy="381000"/>
         </p:xfrm>
         <a:graphic>
@@ -10890,7 +10890,7 @@
                     </p:blipFill>
                     <p:spPr>
                       <a:xfrm>
-                        <a:off x="8097899" y="5969000"/>
+                        <a:off x="8097899" y="5381231"/>
                         <a:ext cx="1003300" cy="381000"/>
                       </a:xfrm>
                       <a:prstGeom prst="rect">
@@ -10919,13 +10919,13 @@
           <p:nvPr>
             <p:extLst>
               <p:ext uri="{D42A27DB-BD31-4B8C-83A1-F6EECF244321}">
-                <p14:modId xmlns:p14="http://schemas.microsoft.com/office/powerpoint/2010/main" val="2960126907"/>
+                <p14:modId xmlns:p14="http://schemas.microsoft.com/office/powerpoint/2010/main" val="2160273130"/>
               </p:ext>
             </p:extLst>
           </p:nvPr>
         </p:nvGraphicFramePr>
         <p:xfrm>
-          <a:off x="8097899" y="4334477"/>
+          <a:off x="8097899" y="3883556"/>
           <a:ext cx="1204560" cy="696960"/>
         </p:xfrm>
         <a:graphic>
@@ -10959,7 +10959,7 @@
                     </p:blipFill>
                     <p:spPr>
                       <a:xfrm>
-                        <a:off x="8097899" y="4334477"/>
+                        <a:off x="8097899" y="3883556"/>
                         <a:ext cx="1204560" cy="696960"/>
                       </a:xfrm>
                       <a:prstGeom prst="rect">
@@ -11039,6 +11039,132 @@
           </a:prstGeom>
         </p:spPr>
       </p:pic>
+      <p:sp>
+        <p:nvSpPr>
+          <p:cNvPr id="6" name="矩形 5">
+            <a:extLst>
+              <a:ext uri="{FF2B5EF4-FFF2-40B4-BE49-F238E27FC236}">
+                <a16:creationId xmlns:a16="http://schemas.microsoft.com/office/drawing/2014/main" id="{B0530D69-2383-AA93-3B5C-A389214BB971}"/>
+              </a:ext>
+            </a:extLst>
+          </p:cNvPr>
+          <p:cNvSpPr/>
+          <p:nvPr/>
+        </p:nvSpPr>
+        <p:spPr>
+          <a:xfrm>
+            <a:off x="6506678" y="5998650"/>
+            <a:ext cx="5541142" cy="584775"/>
+          </a:xfrm>
+          <a:prstGeom prst="rect">
+            <a:avLst/>
+          </a:prstGeom>
+        </p:spPr>
+        <p:txBody>
+          <a:bodyPr wrap="square">
+            <a:spAutoFit/>
+          </a:bodyPr>
+          <a:lstStyle/>
+          <a:p>
+            <a:pPr algn="ctr" fontAlgn="auto">
+              <a:spcAft>
+                <a:spcPts val="0"/>
+              </a:spcAft>
+            </a:pPr>
+            <a:r>
+              <a:rPr lang="en-GB" altLang="zh-CN" sz="1600" b="1" dirty="0">
+                <a:solidFill>
+                  <a:srgbClr val="0000FF"/>
+                </a:solidFill>
+                <a:latin typeface="微软雅黑" panose="020B0503020204020204" pitchFamily="34" charset="-122"/>
+                <a:ea typeface="微软雅黑" panose="020B0503020204020204" pitchFamily="34" charset="-122"/>
+              </a:rPr>
+              <a:t>Python </a:t>
+            </a:r>
+            <a:r>
+              <a:rPr lang="zh-CN" altLang="en-US" sz="1600" b="1" dirty="0">
+                <a:solidFill>
+                  <a:srgbClr val="0000FF"/>
+                </a:solidFill>
+                <a:latin typeface="微软雅黑" panose="020B0503020204020204" pitchFamily="34" charset="-122"/>
+                <a:ea typeface="微软雅黑" panose="020B0503020204020204" pitchFamily="34" charset="-122"/>
+              </a:rPr>
+              <a:t>下基于 </a:t>
+            </a:r>
+            <a:r>
+              <a:rPr lang="en-US" altLang="zh-CN" sz="1600" b="1" dirty="0" err="1">
+                <a:solidFill>
+                  <a:srgbClr val="0000FF"/>
+                </a:solidFill>
+                <a:latin typeface="微软雅黑" panose="020B0503020204020204" pitchFamily="34" charset="-122"/>
+                <a:ea typeface="微软雅黑" panose="020B0503020204020204" pitchFamily="34" charset="-122"/>
+              </a:rPr>
+              <a:t>astropy.units</a:t>
+            </a:r>
+            <a:r>
+              <a:rPr lang="en-US" altLang="zh-CN" sz="1600" b="1" dirty="0">
+                <a:solidFill>
+                  <a:srgbClr val="0000FF"/>
+                </a:solidFill>
+                <a:latin typeface="微软雅黑" panose="020B0503020204020204" pitchFamily="34" charset="-122"/>
+                <a:ea typeface="微软雅黑" panose="020B0503020204020204" pitchFamily="34" charset="-122"/>
+              </a:rPr>
+              <a:t> </a:t>
+            </a:r>
+            <a:r>
+              <a:rPr lang="zh-CN" altLang="en-US" sz="1600" b="1" dirty="0">
+                <a:solidFill>
+                  <a:srgbClr val="0000FF"/>
+                </a:solidFill>
+                <a:latin typeface="微软雅黑" panose="020B0503020204020204" pitchFamily="34" charset="-122"/>
+                <a:ea typeface="微软雅黑" panose="020B0503020204020204" pitchFamily="34" charset="-122"/>
+              </a:rPr>
+              <a:t>的操作示例</a:t>
+            </a:r>
+            <a:endParaRPr lang="en-US" altLang="zh-CN" sz="1600" b="1" dirty="0">
+              <a:solidFill>
+                <a:srgbClr val="0000FF"/>
+              </a:solidFill>
+              <a:latin typeface="微软雅黑" panose="020B0503020204020204" pitchFamily="34" charset="-122"/>
+              <a:ea typeface="微软雅黑" panose="020B0503020204020204" pitchFamily="34" charset="-122"/>
+            </a:endParaRPr>
+          </a:p>
+          <a:p>
+            <a:pPr algn="ctr" fontAlgn="auto">
+              <a:spcAft>
+                <a:spcPts val="0"/>
+              </a:spcAft>
+            </a:pPr>
+            <a:r>
+              <a:rPr lang="en-GB" altLang="zh-CN" sz="1600" b="1" dirty="0">
+                <a:solidFill>
+                  <a:srgbClr val="0000FF"/>
+                </a:solidFill>
+                <a:latin typeface="微软雅黑" panose="020B0503020204020204" pitchFamily="34" charset="-122"/>
+                <a:ea typeface="微软雅黑" panose="020B0503020204020204" pitchFamily="34" charset="-122"/>
+              </a:rPr>
+              <a:t>.\DAOSSA\attachments</a:t>
+            </a:r>
+            <a:r>
+              <a:rPr lang="en-US" altLang="zh-CN" sz="1600" b="1" dirty="0">
+                <a:solidFill>
+                  <a:srgbClr val="0000FF"/>
+                </a:solidFill>
+                <a:latin typeface="微软雅黑" panose="020B0503020204020204" pitchFamily="34" charset="-122"/>
+                <a:ea typeface="微软雅黑" panose="020B0503020204020204" pitchFamily="34" charset="-122"/>
+              </a:rPr>
+              <a:t>\Dimensionless.py</a:t>
+            </a:r>
+            <a:endParaRPr lang="zh-CN" sz="1600" b="1" dirty="0">
+              <a:solidFill>
+                <a:srgbClr val="0000FF"/>
+              </a:solidFill>
+              <a:latin typeface="微软雅黑" panose="020B0503020204020204" pitchFamily="34" charset="-122"/>
+              <a:ea typeface="微软雅黑" panose="020B0503020204020204" pitchFamily="34" charset="-122"/>
+            </a:endParaRPr>
+          </a:p>
+        </p:txBody>
+      </p:sp>
     </p:spTree>
     <p:extLst>
       <p:ext uri="{BB962C8B-B14F-4D97-AF65-F5344CB8AC3E}">
@@ -11567,6 +11693,59 @@
                       </p:childTnLst>
                     </p:cTn>
                   </p:par>
+                  <p:par>
+                    <p:cTn id="45" fill="hold">
+                      <p:stCondLst>
+                        <p:cond delay="indefinite"/>
+                      </p:stCondLst>
+                      <p:childTnLst>
+                        <p:par>
+                          <p:cTn id="46" fill="hold">
+                            <p:stCondLst>
+                              <p:cond delay="0"/>
+                            </p:stCondLst>
+                            <p:childTnLst>
+                              <p:par>
+                                <p:cTn id="47" presetID="10" presetClass="entr" presetSubtype="0" fill="hold" grpId="0" nodeType="clickEffect">
+                                  <p:stCondLst>
+                                    <p:cond delay="0"/>
+                                  </p:stCondLst>
+                                  <p:childTnLst>
+                                    <p:set>
+                                      <p:cBhvr>
+                                        <p:cTn id="48" dur="1" fill="hold">
+                                          <p:stCondLst>
+                                            <p:cond delay="0"/>
+                                          </p:stCondLst>
+                                        </p:cTn>
+                                        <p:tgtEl>
+                                          <p:spTgt spid="6"/>
+                                        </p:tgtEl>
+                                        <p:attrNameLst>
+                                          <p:attrName>style.visibility</p:attrName>
+                                        </p:attrNameLst>
+                                      </p:cBhvr>
+                                      <p:to>
+                                        <p:strVal val="visible"/>
+                                      </p:to>
+                                    </p:set>
+                                    <p:animEffect transition="in" filter="fade">
+                                      <p:cBhvr>
+                                        <p:cTn id="49" dur="500"/>
+                                        <p:tgtEl>
+                                          <p:spTgt spid="6"/>
+                                        </p:tgtEl>
+                                      </p:cBhvr>
+                                    </p:animEffect>
+                                  </p:childTnLst>
+                                </p:cTn>
+                              </p:par>
+                            </p:childTnLst>
+                          </p:cTn>
+                        </p:par>
+                      </p:childTnLst>
+                    </p:cTn>
+                  </p:par>
                 </p:childTnLst>
               </p:cTn>
               <p:prevCondLst>
@@ -11590,6 +11769,7 @@
     </p:tnLst>
     <p:bldLst>
       <p:bldP spid="13" grpId="0" animBg="1"/>
+      <p:bldP spid="6" grpId="0"/>
     </p:bldLst>
   </p:timing>
 </p:sld>

--- a/05-06 人造天体运动方程与二体问题积分.pptx
+++ b/05-06 人造天体运动方程与二体问题积分.pptx
@@ -243,7 +243,7 @@
           <a:p>
             <a:fld id="{26DDD1A4-63E9-4C41-BD0C-A6576214358F}" type="datetimeFigureOut">
               <a:rPr kumimoji="1" lang="zh-CN" altLang="en-US" smtClean="0"/>
-              <a:t>2023/10/27</a:t>
+              <a:t>2023/10/30</a:t>
             </a:fld>
             <a:endParaRPr kumimoji="1" lang="zh-CN" altLang="en-US"/>
           </a:p>
@@ -837,7 +837,7 @@
           <a:p>
             <a:fld id="{8664C608-40B1-4030-A28D-5B74BC98ADCE}" type="datetimeFigureOut">
               <a:rPr lang="en-US" smtClean="0"/>
-              <a:t>10/27/2023</a:t>
+              <a:t>10/30/2023</a:t>
             </a:fld>
             <a:endParaRPr lang="en-US" dirty="0"/>
           </a:p>
@@ -18816,7 +18816,7 @@
               <a:t>判断目标可见性（总成绩比例：</a:t>
             </a:r>
             <a:r>
-              <a:rPr lang="en-US" altLang="zh-CN" sz="2800" b="1" dirty="0">
+              <a:rPr lang="en-US" altLang="zh-CN" sz="2800" b="1">
                 <a:solidFill>
                   <a:schemeClr val="tx1"/>
                 </a:solidFill>
@@ -18825,7 +18825,7 @@
                 <a:cs typeface="Times New Roman" panose="02020603050405020304" pitchFamily="18" charset="0"/>
                 <a:sym typeface="+mn-ea"/>
               </a:rPr>
-              <a:t>25%</a:t>
+              <a:t>20%</a:t>
             </a:r>
             <a:r>
               <a:rPr lang="zh-CN" altLang="en-US" sz="2800" b="1" dirty="0">
@@ -19038,7 +19038,7 @@
               <a:t>秒 （</a:t>
             </a:r>
             <a:r>
-              <a:rPr lang="en-US" altLang="zh-CN" sz="2400" b="1">
+              <a:rPr lang="en-US" altLang="zh-CN" sz="2400" b="1" dirty="0">
                 <a:solidFill>
                   <a:schemeClr val="tx1"/>
                 </a:solidFill>

--- a/05-06 人造天体运动方程与二体问题积分.pptx
+++ b/05-06 人造天体运动方程与二体问题积分.pptx
@@ -18816,7 +18816,7 @@
               <a:t>判断目标可见性（总成绩比例：</a:t>
             </a:r>
             <a:r>
-              <a:rPr lang="en-US" altLang="zh-CN" sz="2800" b="1">
+              <a:rPr lang="en-US" altLang="zh-CN" sz="2800" b="1" dirty="0">
                 <a:solidFill>
                   <a:schemeClr val="tx1"/>
                 </a:solidFill>
@@ -18852,8 +18852,11 @@
           <a:p>
             <a:pPr marL="800100" lvl="1" indent="-342900">
               <a:lnSpc>
-                <a:spcPct val="150000"/>
+                <a:spcPct val="130000"/>
               </a:lnSpc>
+              <a:spcBef>
+                <a:spcPts val="600"/>
+              </a:spcBef>
               <a:buFont typeface="Arial" panose="020B0604020202020204" pitchFamily="34" charset="0"/>
               <a:buChar char="•"/>
             </a:pPr>
@@ -19065,8 +19068,11 @@
           <a:p>
             <a:pPr marL="800100" lvl="1" indent="-342900">
               <a:lnSpc>
-                <a:spcPct val="150000"/>
+                <a:spcPct val="130000"/>
               </a:lnSpc>
+              <a:spcBef>
+                <a:spcPts val="600"/>
+              </a:spcBef>
               <a:buFont typeface="Arial" panose="020B0604020202020204" pitchFamily="34" charset="0"/>
               <a:buChar char="•"/>
             </a:pPr>
@@ -19098,8 +19104,11 @@
           <a:p>
             <a:pPr marL="800100" lvl="1" indent="-342900">
               <a:lnSpc>
-                <a:spcPct val="150000"/>
+                <a:spcPct val="130000"/>
               </a:lnSpc>
+              <a:spcBef>
+                <a:spcPts val="600"/>
+              </a:spcBef>
               <a:buFont typeface="Arial" panose="020B0604020202020204" pitchFamily="34" charset="0"/>
               <a:buChar char="•"/>
             </a:pPr>
@@ -19119,8 +19128,11 @@
           <a:p>
             <a:pPr lvl="2">
               <a:lnSpc>
-                <a:spcPct val="150000"/>
+                <a:spcPct val="130000"/>
               </a:lnSpc>
+              <a:spcBef>
+                <a:spcPts val="600"/>
+              </a:spcBef>
             </a:pPr>
             <a:r>
               <a:rPr lang="en-US" altLang="zh-CN" sz="2400" b="1" dirty="0">
@@ -19138,8 +19150,11 @@
           <a:p>
             <a:pPr lvl="2">
               <a:lnSpc>
-                <a:spcPct val="150000"/>
+                <a:spcPct val="130000"/>
               </a:lnSpc>
+              <a:spcBef>
+                <a:spcPts val="600"/>
+              </a:spcBef>
             </a:pPr>
             <a:r>
               <a:rPr lang="en-US" altLang="zh-CN" sz="2400" b="1" dirty="0">
@@ -19157,8 +19172,11 @@
           <a:p>
             <a:pPr marL="800100" lvl="1" indent="-342900">
               <a:lnSpc>
-                <a:spcPct val="150000"/>
+                <a:spcPct val="130000"/>
               </a:lnSpc>
+              <a:spcBef>
+                <a:spcPts val="600"/>
+              </a:spcBef>
               <a:buFont typeface="Arial" panose="020B0604020202020204" pitchFamily="34" charset="0"/>
               <a:buChar char="•"/>
             </a:pPr>
@@ -19190,8 +19208,11 @@
           <a:p>
             <a:pPr marL="800100" lvl="1" indent="-342900">
               <a:lnSpc>
-                <a:spcPct val="150000"/>
+                <a:spcPct val="130000"/>
               </a:lnSpc>
+              <a:spcBef>
+                <a:spcPts val="600"/>
+              </a:spcBef>
               <a:buFont typeface="Arial" panose="020B0604020202020204" pitchFamily="34" charset="0"/>
               <a:buChar char="•"/>
             </a:pPr>
@@ -19320,6 +19341,104 @@
               <a:latin typeface="微软雅黑" panose="020B0503020204020204" pitchFamily="34" charset="-122"/>
               <a:ea typeface="微软雅黑" panose="020B0503020204020204" pitchFamily="34" charset="-122"/>
               <a:cs typeface="+mj-cs"/>
+            </a:endParaRPr>
+          </a:p>
+        </p:txBody>
+      </p:sp>
+      <p:sp>
+        <p:nvSpPr>
+          <p:cNvPr id="2" name="矩形 1">
+            <a:extLst>
+              <a:ext uri="{FF2B5EF4-FFF2-40B4-BE49-F238E27FC236}">
+                <a16:creationId xmlns:a16="http://schemas.microsoft.com/office/drawing/2014/main" id="{2E05005B-DD05-32BF-CBB3-0ED78EF05F08}"/>
+              </a:ext>
+            </a:extLst>
+          </p:cNvPr>
+          <p:cNvSpPr/>
+          <p:nvPr/>
+        </p:nvSpPr>
+        <p:spPr>
+          <a:xfrm>
+            <a:off x="7012782" y="6043689"/>
+            <a:ext cx="5122068" cy="587469"/>
+          </a:xfrm>
+          <a:prstGeom prst="rect">
+            <a:avLst/>
+          </a:prstGeom>
+        </p:spPr>
+        <p:txBody>
+          <a:bodyPr wrap="square">
+            <a:spAutoFit/>
+          </a:bodyPr>
+          <a:lstStyle/>
+          <a:p>
+            <a:pPr algn="ctr" fontAlgn="auto">
+              <a:lnSpc>
+                <a:spcPct val="120000"/>
+              </a:lnSpc>
+              <a:spcAft>
+                <a:spcPts val="0"/>
+              </a:spcAft>
+            </a:pPr>
+            <a:r>
+              <a:rPr lang="zh-CN" altLang="en-US" sz="1400" b="1" dirty="0">
+                <a:latin typeface="微软雅黑" panose="020B0503020204020204" pitchFamily="34" charset="-122"/>
+                <a:ea typeface="微软雅黑" panose="020B0503020204020204" pitchFamily="34" charset="-122"/>
+              </a:rPr>
+              <a:t>注：太阳坐标见第</a:t>
+            </a:r>
+            <a:r>
+              <a:rPr lang="en-US" altLang="zh-CN" sz="1400" b="1" dirty="0">
+                <a:latin typeface="微软雅黑" panose="020B0503020204020204" pitchFamily="34" charset="-122"/>
+                <a:ea typeface="微软雅黑" panose="020B0503020204020204" pitchFamily="34" charset="-122"/>
+              </a:rPr>
+              <a:t>9</a:t>
+            </a:r>
+            <a:r>
+              <a:rPr lang="zh-CN" altLang="en-US" sz="1400" b="1" dirty="0">
+                <a:latin typeface="微软雅黑" panose="020B0503020204020204" pitchFamily="34" charset="-122"/>
+                <a:ea typeface="微软雅黑" panose="020B0503020204020204" pitchFamily="34" charset="-122"/>
+              </a:rPr>
+              <a:t>节课“日月位置计算”</a:t>
+            </a:r>
+            <a:endParaRPr lang="en-US" altLang="zh-CN" sz="1400" b="1" dirty="0">
+              <a:latin typeface="微软雅黑" panose="020B0503020204020204" pitchFamily="34" charset="-122"/>
+              <a:ea typeface="微软雅黑" panose="020B0503020204020204" pitchFamily="34" charset="-122"/>
+            </a:endParaRPr>
+          </a:p>
+          <a:p>
+            <a:pPr algn="ctr" fontAlgn="auto">
+              <a:lnSpc>
+                <a:spcPct val="120000"/>
+              </a:lnSpc>
+              <a:spcAft>
+                <a:spcPts val="0"/>
+              </a:spcAft>
+            </a:pPr>
+            <a:r>
+              <a:rPr lang="zh-CN" altLang="en-US" sz="1400" b="1" dirty="0">
+                <a:latin typeface="微软雅黑" panose="020B0503020204020204" pitchFamily="34" charset="-122"/>
+                <a:ea typeface="微软雅黑" panose="020B0503020204020204" pitchFamily="34" charset="-122"/>
+              </a:rPr>
+              <a:t>建议：不要使用 </a:t>
+            </a:r>
+            <a:r>
+              <a:rPr lang="en-US" altLang="zh-CN" sz="1400" b="1" dirty="0" err="1">
+                <a:latin typeface="微软雅黑" panose="020B0503020204020204" pitchFamily="34" charset="-122"/>
+                <a:ea typeface="微软雅黑" panose="020B0503020204020204" pitchFamily="34" charset="-122"/>
+              </a:rPr>
+              <a:t>astropy.coordinates</a:t>
+            </a:r>
+            <a:r>
+              <a:rPr lang="zh-CN" altLang="en-US" sz="1400" b="1" dirty="0">
+                <a:latin typeface="微软雅黑" panose="020B0503020204020204" pitchFamily="34" charset="-122"/>
+                <a:ea typeface="微软雅黑" panose="020B0503020204020204" pitchFamily="34" charset="-122"/>
+              </a:rPr>
+              <a:t>，仅用作对比参考</a:t>
+            </a:r>
+            <a:endParaRPr lang="en-US" altLang="zh-CN" sz="1400" b="1" dirty="0">
+              <a:latin typeface="微软雅黑" panose="020B0503020204020204" pitchFamily="34" charset="-122"/>
+              <a:ea typeface="微软雅黑" panose="020B0503020204020204" pitchFamily="34" charset="-122"/>
             </a:endParaRPr>
           </a:p>
         </p:txBody>

--- a/05-06 人造天体运动方程与二体问题积分.pptx
+++ b/05-06 人造天体运动方程与二体问题积分.pptx
@@ -243,7 +243,7 @@
           <a:p>
             <a:fld id="{26DDD1A4-63E9-4C41-BD0C-A6576214358F}" type="datetimeFigureOut">
               <a:rPr kumimoji="1" lang="zh-CN" altLang="en-US" smtClean="0"/>
-              <a:t>2023/10/30</a:t>
+              <a:t>2023/11/15</a:t>
             </a:fld>
             <a:endParaRPr kumimoji="1" lang="zh-CN" altLang="en-US"/>
           </a:p>
@@ -837,7 +837,7 @@
           <a:p>
             <a:fld id="{8664C608-40B1-4030-A28D-5B74BC98ADCE}" type="datetimeFigureOut">
               <a:rPr lang="en-US" smtClean="0"/>
-              <a:t>10/30/2023</a:t>
+              <a:t>11/15/2023</a:t>
             </a:fld>
             <a:endParaRPr lang="en-US" dirty="0"/>
           </a:p>
@@ -9214,13 +9214,13 @@
           <p:nvPr>
             <p:extLst>
               <p:ext uri="{D42A27DB-BD31-4B8C-83A1-F6EECF244321}">
-                <p14:modId xmlns:p14="http://schemas.microsoft.com/office/powerpoint/2010/main" val="2979328204"/>
+                <p14:modId xmlns:p14="http://schemas.microsoft.com/office/powerpoint/2010/main" val="3484346346"/>
               </p:ext>
             </p:extLst>
           </p:nvPr>
         </p:nvGraphicFramePr>
         <p:xfrm>
-          <a:off x="835803" y="4782728"/>
+          <a:off x="892010" y="5132094"/>
           <a:ext cx="1809750" cy="377825"/>
         </p:xfrm>
         <a:graphic>
@@ -9254,7 +9254,7 @@
                     </p:blipFill>
                     <p:spPr>
                       <a:xfrm>
-                        <a:off x="835803" y="4782728"/>
+                        <a:off x="892010" y="5132094"/>
                         <a:ext cx="1809750" cy="377825"/>
                       </a:xfrm>
                       <a:prstGeom prst="rect">
@@ -9542,8 +9542,8 @@
         </p:nvSpPr>
         <p:spPr>
           <a:xfrm>
-            <a:off x="1588425" y="5657797"/>
-            <a:ext cx="3839748" cy="400110"/>
+            <a:off x="1549207" y="5650365"/>
+            <a:ext cx="4290427" cy="754053"/>
           </a:xfrm>
           <a:prstGeom prst="rect">
             <a:avLst/>
@@ -9556,6 +9556,9 @@
           <a:lstStyle/>
           <a:p>
             <a:pPr algn="ctr" fontAlgn="auto">
+              <a:spcBef>
+                <a:spcPts val="600"/>
+              </a:spcBef>
               <a:spcAft>
                 <a:spcPts val="0"/>
               </a:spcAft>
@@ -9570,7 +9573,74 @@
               </a:rPr>
               <a:t>注意：特殊轨道的判定</a:t>
             </a:r>
-            <a:endParaRPr lang="zh-CN" sz="2000" b="1" dirty="0">
+            <a:endParaRPr lang="en-US" altLang="zh-CN" sz="2000" b="1" dirty="0">
+              <a:solidFill>
+                <a:srgbClr val="FF0000"/>
+              </a:solidFill>
+              <a:latin typeface="微软雅黑" panose="020B0503020204020204" pitchFamily="34" charset="-122"/>
+              <a:ea typeface="微软雅黑" panose="020B0503020204020204" pitchFamily="34" charset="-122"/>
+            </a:endParaRPr>
+          </a:p>
+          <a:p>
+            <a:pPr algn="ctr" fontAlgn="auto">
+              <a:spcBef>
+                <a:spcPts val="600"/>
+              </a:spcBef>
+              <a:spcAft>
+                <a:spcPts val="0"/>
+              </a:spcAft>
+            </a:pPr>
+            <a:r>
+              <a:rPr lang="zh-CN" altLang="en-US" b="1" dirty="0">
+                <a:solidFill>
+                  <a:srgbClr val="FF0000"/>
+                </a:solidFill>
+                <a:latin typeface="微软雅黑" panose="020B0503020204020204" pitchFamily="34" charset="-122"/>
+                <a:ea typeface="微软雅黑" panose="020B0503020204020204" pitchFamily="34" charset="-122"/>
+              </a:rPr>
+              <a:t>（比如解得 </a:t>
+            </a:r>
+            <a:r>
+              <a:rPr lang="en-US" altLang="zh-CN" b="1" dirty="0">
+                <a:solidFill>
+                  <a:srgbClr val="FF0000"/>
+                </a:solidFill>
+                <a:latin typeface="微软雅黑" panose="020B0503020204020204" pitchFamily="34" charset="-122"/>
+                <a:ea typeface="微软雅黑" panose="020B0503020204020204" pitchFamily="34" charset="-122"/>
+              </a:rPr>
+              <a:t>a&lt;0 </a:t>
+            </a:r>
+            <a:r>
+              <a:rPr lang="zh-CN" altLang="en-US" b="1" dirty="0">
+                <a:solidFill>
+                  <a:srgbClr val="FF0000"/>
+                </a:solidFill>
+                <a:latin typeface="微软雅黑" panose="020B0503020204020204" pitchFamily="34" charset="-122"/>
+                <a:ea typeface="微软雅黑" panose="020B0503020204020204" pitchFamily="34" charset="-122"/>
+              </a:rPr>
+              <a:t>或 </a:t>
+            </a:r>
+            <a:r>
+              <a:rPr lang="en-US" altLang="zh-CN" b="1" dirty="0">
+                <a:solidFill>
+                  <a:srgbClr val="FF0000"/>
+                </a:solidFill>
+                <a:latin typeface="微软雅黑" panose="020B0503020204020204" pitchFamily="34" charset="-122"/>
+                <a:ea typeface="微软雅黑" panose="020B0503020204020204" pitchFamily="34" charset="-122"/>
+              </a:rPr>
+              <a:t>e&gt;1</a:t>
+            </a:r>
+            <a:r>
+              <a:rPr lang="zh-CN" altLang="en-US" b="1" dirty="0">
+                <a:solidFill>
+                  <a:srgbClr val="FF0000"/>
+                </a:solidFill>
+                <a:latin typeface="微软雅黑" panose="020B0503020204020204" pitchFamily="34" charset="-122"/>
+                <a:ea typeface="微软雅黑" panose="020B0503020204020204" pitchFamily="34" charset="-122"/>
+              </a:rPr>
+              <a:t>）</a:t>
+            </a:r>
+            <a:endParaRPr lang="zh-CN" b="1" dirty="0">
               <a:solidFill>
                 <a:srgbClr val="FF0000"/>
               </a:solidFill>
@@ -9616,6 +9686,75 @@
           </a:prstGeom>
         </p:spPr>
       </p:pic>
+      <p:graphicFrame>
+        <p:nvGraphicFramePr>
+          <p:cNvPr id="8" name="对象 7">
+            <a:extLst>
+              <a:ext uri="{FF2B5EF4-FFF2-40B4-BE49-F238E27FC236}">
+                <a16:creationId xmlns:a16="http://schemas.microsoft.com/office/drawing/2014/main" id="{A9FC6EA6-FD4E-C990-41A3-7FB2CBDF8811}"/>
+              </a:ext>
+            </a:extLst>
+          </p:cNvPr>
+          <p:cNvGraphicFramePr>
+            <a:graphicFrameLocks noChangeAspect="1"/>
+          </p:cNvGraphicFramePr>
+          <p:nvPr>
+            <p:extLst>
+              <p:ext uri="{D42A27DB-BD31-4B8C-83A1-F6EECF244321}">
+                <p14:modId xmlns:p14="http://schemas.microsoft.com/office/powerpoint/2010/main" val="1042914267"/>
+              </p:ext>
+            </p:extLst>
+          </p:nvPr>
+        </p:nvGraphicFramePr>
+        <p:xfrm>
+          <a:off x="1066635" y="4509010"/>
+          <a:ext cx="1460500" cy="447675"/>
+        </p:xfrm>
+        <a:graphic>
+          <a:graphicData uri="http://schemas.openxmlformats.org/presentationml/2006/ole">
+            <mc:AlternateContent xmlns:mc="http://schemas.openxmlformats.org/markup-compatibility/2006">
+              <mc:Choice xmlns:v="urn:schemas-microsoft-com:vml" Requires="v">
+                <p:oleObj name="AxMath" r:id="rId16" imgW="730080" imgH="223200" progId="Equation.AxMath">
+                  <p:embed/>
+                </p:oleObj>
+              </mc:Choice>
+              <mc:Fallback>
+                <p:oleObj name="AxMath" r:id="rId16" imgW="730080" imgH="223200" progId="Equation.AxMath">
+                  <p:embed/>
+                  <p:pic>
+                    <p:nvPicPr>
+                      <p:cNvPr id="19" name="对象 18">
+                        <a:extLst>
+                          <a:ext uri="{FF2B5EF4-FFF2-40B4-BE49-F238E27FC236}">
+                            <a16:creationId xmlns:a16="http://schemas.microsoft.com/office/drawing/2014/main" id="{FD5A29B1-0566-5A26-69B7-E22049F7AF26}"/>
+                          </a:ext>
+                        </a:extLst>
+                      </p:cNvPr>
+                      <p:cNvPicPr/>
+                      <p:nvPr/>
+                    </p:nvPicPr>
+                    <p:blipFill>
+                      <a:blip r:embed="rId17"/>
+                      <a:stretch>
+                        <a:fillRect/>
+                      </a:stretch>
+                    </p:blipFill>
+                    <p:spPr>
+                      <a:xfrm>
+                        <a:off x="1066635" y="4509010"/>
+                        <a:ext cx="1460500" cy="447675"/>
+                      </a:xfrm>
+                      <a:prstGeom prst="rect">
+                        <a:avLst/>
+                      </a:prstGeom>
+                    </p:spPr>
+                  </p:pic>
+                </p:oleObj>
+              </mc:Fallback>
+            </mc:AlternateContent>
+          </a:graphicData>
+        </a:graphic>
+      </p:graphicFrame>
     </p:spTree>
     <p:extLst>
       <p:ext uri="{BB962C8B-B14F-4D97-AF65-F5344CB8AC3E}">
@@ -24459,7 +24598,7 @@
           <p:nvPr>
             <p:extLst>
               <p:ext uri="{D42A27DB-BD31-4B8C-83A1-F6EECF244321}">
-                <p14:modId xmlns:p14="http://schemas.microsoft.com/office/powerpoint/2010/main" val="647543131"/>
+                <p14:modId xmlns:p14="http://schemas.microsoft.com/office/powerpoint/2010/main" val="3077377738"/>
               </p:ext>
             </p:extLst>
           </p:nvPr>

--- a/05-06 人造天体运动方程与二体问题积分.pptx
+++ b/05-06 人造天体运动方程与二体问题积分.pptx
@@ -243,7 +243,7 @@
           <a:p>
             <a:fld id="{26DDD1A4-63E9-4C41-BD0C-A6576214358F}" type="datetimeFigureOut">
               <a:rPr kumimoji="1" lang="zh-CN" altLang="en-US" smtClean="0"/>
-              <a:t>2023/11/15</a:t>
+              <a:t>2023/12/11</a:t>
             </a:fld>
             <a:endParaRPr kumimoji="1" lang="zh-CN" altLang="en-US"/>
           </a:p>
@@ -837,7 +837,7 @@
           <a:p>
             <a:fld id="{8664C608-40B1-4030-A28D-5B74BC98ADCE}" type="datetimeFigureOut">
               <a:rPr lang="en-US" smtClean="0"/>
-              <a:t>11/15/2023</a:t>
+              <a:t>12/11/2023</a:t>
             </a:fld>
             <a:endParaRPr lang="en-US" dirty="0"/>
           </a:p>
@@ -18920,7 +18920,7 @@
         <p:spPr>
           <a:xfrm>
             <a:off x="407987" y="1052513"/>
-            <a:ext cx="11376025" cy="5105180"/>
+            <a:ext cx="11376025" cy="4929939"/>
           </a:xfrm>
           <a:prstGeom prst="rect">
             <a:avLst/>
@@ -18991,7 +18991,7 @@
           <a:p>
             <a:pPr marL="800100" lvl="1" indent="-342900">
               <a:lnSpc>
-                <a:spcPct val="130000"/>
+                <a:spcPct val="120000"/>
               </a:lnSpc>
               <a:spcBef>
                 <a:spcPts val="600"/>
@@ -19207,7 +19207,7 @@
           <a:p>
             <a:pPr marL="800100" lvl="1" indent="-342900">
               <a:lnSpc>
-                <a:spcPct val="130000"/>
+                <a:spcPct val="120000"/>
               </a:lnSpc>
               <a:spcBef>
                 <a:spcPts val="600"/>
@@ -19243,7 +19243,7 @@
           <a:p>
             <a:pPr marL="800100" lvl="1" indent="-342900">
               <a:lnSpc>
-                <a:spcPct val="130000"/>
+                <a:spcPct val="120000"/>
               </a:lnSpc>
               <a:spcBef>
                 <a:spcPts val="600"/>
@@ -19265,14 +19265,7 @@
             </a:r>
           </a:p>
           <a:p>
-            <a:pPr lvl="2">
-              <a:lnSpc>
-                <a:spcPct val="130000"/>
-              </a:lnSpc>
-              <a:spcBef>
-                <a:spcPts val="600"/>
-              </a:spcBef>
-            </a:pPr>
+            <a:pPr lvl="2"/>
             <a:r>
               <a:rPr lang="en-US" altLang="zh-CN" sz="2400" b="1" dirty="0">
                 <a:solidFill>
@@ -19287,14 +19280,7 @@
             </a:r>
           </a:p>
           <a:p>
-            <a:pPr lvl="2">
-              <a:lnSpc>
-                <a:spcPct val="130000"/>
-              </a:lnSpc>
-              <a:spcBef>
-                <a:spcPts val="600"/>
-              </a:spcBef>
-            </a:pPr>
+            <a:pPr lvl="2"/>
             <a:r>
               <a:rPr lang="en-US" altLang="zh-CN" sz="2400" b="1" dirty="0">
                 <a:solidFill>
@@ -19311,7 +19297,7 @@
           <a:p>
             <a:pPr marL="800100" lvl="1" indent="-342900">
               <a:lnSpc>
-                <a:spcPct val="130000"/>
+                <a:spcPct val="120000"/>
               </a:lnSpc>
               <a:spcBef>
                 <a:spcPts val="600"/>
@@ -19333,21 +19319,24 @@
             </a:r>
             <a:r>
               <a:rPr lang="zh-CN" altLang="en-US" sz="2000" b="1" dirty="0">
-                <a:solidFill>
-                  <a:schemeClr val="tx1"/>
-                </a:solidFill>
                 <a:latin typeface="Times New Roman" panose="02020603050405020304" pitchFamily="18" charset="0"/>
                 <a:ea typeface="微软雅黑" panose="020B0503020204020204" pitchFamily="34" charset="-122"/>
                 <a:cs typeface="Times New Roman" panose="02020603050405020304" pitchFamily="18" charset="0"/>
                 <a:sym typeface="+mn-ea"/>
               </a:rPr>
-              <a:t>该时刻目标是否可见？如果当前可见，那么再过多久不可见；如果当前不可见，再过多久可见？（精确到秒）</a:t>
-            </a:r>
+              <a:t>不考虑极移，问该时刻目标的方位角和仰角是多少。</a:t>
+            </a:r>
+            <a:endParaRPr lang="en-US" altLang="zh-CN" sz="2000" b="1" dirty="0">
+              <a:latin typeface="Times New Roman" panose="02020603050405020304" pitchFamily="18" charset="0"/>
+              <a:ea typeface="微软雅黑" panose="020B0503020204020204" pitchFamily="34" charset="-122"/>
+              <a:cs typeface="Times New Roman" panose="02020603050405020304" pitchFamily="18" charset="0"/>
+              <a:sym typeface="+mn-ea"/>
+            </a:endParaRPr>
           </a:p>
           <a:p>
             <a:pPr marL="800100" lvl="1" indent="-342900">
               <a:lnSpc>
-                <a:spcPct val="130000"/>
+                <a:spcPct val="120000"/>
               </a:lnSpc>
               <a:spcBef>
                 <a:spcPts val="600"/>
@@ -19366,6 +19355,42 @@
                 <a:sym typeface="+mn-ea"/>
               </a:rPr>
               <a:t>问题二：</a:t>
+            </a:r>
+            <a:r>
+              <a:rPr lang="zh-CN" altLang="en-US" sz="2000" b="1" dirty="0">
+                <a:solidFill>
+                  <a:schemeClr val="tx1"/>
+                </a:solidFill>
+                <a:latin typeface="Times New Roman" panose="02020603050405020304" pitchFamily="18" charset="0"/>
+                <a:ea typeface="微软雅黑" panose="020B0503020204020204" pitchFamily="34" charset="-122"/>
+                <a:cs typeface="Times New Roman" panose="02020603050405020304" pitchFamily="18" charset="0"/>
+                <a:sym typeface="+mn-ea"/>
+              </a:rPr>
+              <a:t>该时刻目标是否可见？如果当前可见，那么再过多久不可见；如果当前不可见，再过多久可见？（精确到秒）</a:t>
+            </a:r>
+          </a:p>
+          <a:p>
+            <a:pPr marL="800100" lvl="1" indent="-342900">
+              <a:lnSpc>
+                <a:spcPct val="120000"/>
+              </a:lnSpc>
+              <a:spcBef>
+                <a:spcPts val="600"/>
+              </a:spcBef>
+              <a:buFont typeface="Arial" panose="020B0604020202020204" pitchFamily="34" charset="0"/>
+              <a:buChar char="•"/>
+            </a:pPr>
+            <a:r>
+              <a:rPr lang="zh-CN" altLang="en-US" sz="2400" b="1" dirty="0">
+                <a:solidFill>
+                  <a:srgbClr val="FF0000"/>
+                </a:solidFill>
+                <a:latin typeface="Times New Roman" panose="02020603050405020304" pitchFamily="18" charset="0"/>
+                <a:ea typeface="微软雅黑" panose="020B0503020204020204" pitchFamily="34" charset="-122"/>
+                <a:cs typeface="Times New Roman" panose="02020603050405020304" pitchFamily="18" charset="0"/>
+                <a:sym typeface="+mn-ea"/>
+              </a:rPr>
+              <a:t>问题三：</a:t>
             </a:r>
             <a:r>
               <a:rPr lang="zh-CN" altLang="en-US" sz="2000" b="1" dirty="0">

--- a/05-06 人造天体运动方程与二体问题积分.pptx
+++ b/05-06 人造天体运动方程与二体问题积分.pptx
@@ -243,7 +243,7 @@
           <a:p>
             <a:fld id="{26DDD1A4-63E9-4C41-BD0C-A6576214358F}" type="datetimeFigureOut">
               <a:rPr kumimoji="1" lang="zh-CN" altLang="en-US" smtClean="0"/>
-              <a:t>2023/12/11</a:t>
+              <a:t>2023/12/22</a:t>
             </a:fld>
             <a:endParaRPr kumimoji="1" lang="zh-CN" altLang="en-US"/>
           </a:p>
@@ -837,7 +837,7 @@
           <a:p>
             <a:fld id="{8664C608-40B1-4030-A28D-5B74BC98ADCE}" type="datetimeFigureOut">
               <a:rPr lang="en-US" smtClean="0"/>
-              <a:t>12/11/2023</a:t>
+              <a:t>12/22/2023</a:t>
             </a:fld>
             <a:endParaRPr lang="en-US" dirty="0"/>
           </a:p>
@@ -13727,7 +13727,7 @@
         <p:spPr>
           <a:xfrm>
             <a:off x="6636601" y="1021439"/>
-            <a:ext cx="4987387" cy="5116081"/>
+            <a:ext cx="5333146" cy="5116081"/>
           </a:xfrm>
           <a:prstGeom prst="rect">
             <a:avLst/>
@@ -13783,7 +13783,16 @@
                 <a:cs typeface="Times New Roman" panose="02020603050405020304" pitchFamily="18" charset="0"/>
                 <a:sym typeface="+mn-ea"/>
               </a:rPr>
-              <a:t>截断误差</a:t>
+              <a:t>截断误差 </a:t>
+            </a:r>
+            <a:r>
+              <a:rPr lang="en-GB" altLang="zh-CN" sz="2400" b="1" dirty="0">
+                <a:latin typeface="Times New Roman" panose="02020603050405020304" pitchFamily="18" charset="0"/>
+                <a:ea typeface="微软雅黑" panose="020B0503020204020204" pitchFamily="34" charset="-122"/>
+                <a:cs typeface="Times New Roman" panose="02020603050405020304" pitchFamily="18" charset="0"/>
+                <a:sym typeface="+mn-ea"/>
+              </a:rPr>
+              <a:t>Approximation errors</a:t>
             </a:r>
             <a:endParaRPr lang="en-US" altLang="zh-CN" sz="2400" b="1" dirty="0">
               <a:solidFill>
@@ -13885,7 +13894,16 @@
                 <a:cs typeface="Times New Roman" panose="02020603050405020304" pitchFamily="18" charset="0"/>
                 <a:sym typeface="+mn-ea"/>
               </a:rPr>
-              <a:t>舍入误差</a:t>
+              <a:t>舍入误差 </a:t>
+            </a:r>
+            <a:r>
+              <a:rPr lang="en-GB" altLang="zh-CN" sz="2400" b="1" dirty="0">
+                <a:latin typeface="Times New Roman" panose="02020603050405020304" pitchFamily="18" charset="0"/>
+                <a:ea typeface="微软雅黑" panose="020B0503020204020204" pitchFamily="34" charset="-122"/>
+                <a:cs typeface="Times New Roman" panose="02020603050405020304" pitchFamily="18" charset="0"/>
+                <a:sym typeface="+mn-ea"/>
+              </a:rPr>
+              <a:t>Rounding Errors</a:t>
             </a:r>
             <a:endParaRPr lang="en-US" altLang="zh-CN" sz="2400" b="1" dirty="0">
               <a:solidFill>
@@ -19261,7 +19279,7 @@
                 <a:cs typeface="Times New Roman" panose="02020603050405020304" pitchFamily="18" charset="0"/>
                 <a:sym typeface="+mn-ea"/>
               </a:rPr>
-              <a:t>该时刻目标在真赤道真春分点坐标系下坐标速度：</a:t>
+              <a:t>该时刻目标在地心真赤道真春分点坐标系下坐标速度：</a:t>
             </a:r>
           </a:p>
           <a:p>
@@ -19523,8 +19541,8 @@
         </p:nvSpPr>
         <p:spPr>
           <a:xfrm>
-            <a:off x="7012782" y="6043689"/>
-            <a:ext cx="5122068" cy="587469"/>
+            <a:off x="6199464" y="6043689"/>
+            <a:ext cx="5935386" cy="587469"/>
           </a:xfrm>
           <a:prstGeom prst="rect">
             <a:avLst/>
@@ -19584,7 +19602,7 @@
                 <a:latin typeface="微软雅黑" panose="020B0503020204020204" pitchFamily="34" charset="-122"/>
                 <a:ea typeface="微软雅黑" panose="020B0503020204020204" pitchFamily="34" charset="-122"/>
               </a:rPr>
-              <a:t>建议：不要使用 </a:t>
+              <a:t>建议：不熟悉情况下不要使用 </a:t>
             </a:r>
             <a:r>
               <a:rPr lang="en-US" altLang="zh-CN" sz="1400" b="1" dirty="0" err="1">

--- a/05-06 人造天体运动方程与二体问题积分.pptx
+++ b/05-06 人造天体运动方程与二体问题积分.pptx
@@ -243,7 +243,7 @@
           <a:p>
             <a:fld id="{26DDD1A4-63E9-4C41-BD0C-A6576214358F}" type="datetimeFigureOut">
               <a:rPr kumimoji="1" lang="zh-CN" altLang="en-US" smtClean="0"/>
-              <a:t>2023/12/22</a:t>
+              <a:t>2023/12/26</a:t>
             </a:fld>
             <a:endParaRPr kumimoji="1" lang="zh-CN" altLang="en-US"/>
           </a:p>
@@ -837,7 +837,7 @@
           <a:p>
             <a:fld id="{8664C608-40B1-4030-A28D-5B74BC98ADCE}" type="datetimeFigureOut">
               <a:rPr lang="en-US" smtClean="0"/>
-              <a:t>12/22/2023</a:t>
+              <a:t>12/26/2023</a:t>
             </a:fld>
             <a:endParaRPr lang="en-US" dirty="0"/>
           </a:p>
@@ -8669,7 +8669,7 @@
           <p:nvPr>
             <p:extLst>
               <p:ext uri="{D42A27DB-BD31-4B8C-83A1-F6EECF244321}">
-                <p14:modId xmlns:p14="http://schemas.microsoft.com/office/powerpoint/2010/main" val="3383968928"/>
+                <p14:modId xmlns:p14="http://schemas.microsoft.com/office/powerpoint/2010/main" val="3461766448"/>
               </p:ext>
             </p:extLst>
           </p:nvPr>
@@ -9214,7 +9214,7 @@
           <p:nvPr>
             <p:extLst>
               <p:ext uri="{D42A27DB-BD31-4B8C-83A1-F6EECF244321}">
-                <p14:modId xmlns:p14="http://schemas.microsoft.com/office/powerpoint/2010/main" val="3484346346"/>
+                <p14:modId xmlns:p14="http://schemas.microsoft.com/office/powerpoint/2010/main" val="2007672742"/>
               </p:ext>
             </p:extLst>
           </p:nvPr>
@@ -32476,7 +32476,7 @@
           <p:nvPr>
             <p:extLst>
               <p:ext uri="{D42A27DB-BD31-4B8C-83A1-F6EECF244321}">
-                <p14:modId xmlns:p14="http://schemas.microsoft.com/office/powerpoint/2010/main" val="1341750094"/>
+                <p14:modId xmlns:p14="http://schemas.microsoft.com/office/powerpoint/2010/main" val="2442041810"/>
               </p:ext>
             </p:extLst>
           </p:nvPr>

--- a/05-06 人造天体运动方程与二体问题积分.pptx
+++ b/05-06 人造天体运动方程与二体问题积分.pptx
@@ -18938,7 +18938,7 @@
         <p:spPr>
           <a:xfrm>
             <a:off x="407987" y="1052513"/>
-            <a:ext cx="11376025" cy="4929939"/>
+            <a:ext cx="11376025" cy="4409797"/>
           </a:xfrm>
           <a:prstGeom prst="rect">
             <a:avLst/>
@@ -19337,19 +19337,16 @@
             </a:r>
             <a:r>
               <a:rPr lang="zh-CN" altLang="en-US" sz="2000" b="1" dirty="0">
+                <a:solidFill>
+                  <a:schemeClr val="tx1"/>
+                </a:solidFill>
                 <a:latin typeface="Times New Roman" panose="02020603050405020304" pitchFamily="18" charset="0"/>
                 <a:ea typeface="微软雅黑" panose="020B0503020204020204" pitchFamily="34" charset="-122"/>
                 <a:cs typeface="Times New Roman" panose="02020603050405020304" pitchFamily="18" charset="0"/>
                 <a:sym typeface="+mn-ea"/>
               </a:rPr>
-              <a:t>不考虑极移，问该时刻目标的方位角和仰角是多少。</a:t>
-            </a:r>
-            <a:endParaRPr lang="en-US" altLang="zh-CN" sz="2000" b="1" dirty="0">
-              <a:latin typeface="Times New Roman" panose="02020603050405020304" pitchFamily="18" charset="0"/>
-              <a:ea typeface="微软雅黑" panose="020B0503020204020204" pitchFamily="34" charset="-122"/>
-              <a:cs typeface="Times New Roman" panose="02020603050405020304" pitchFamily="18" charset="0"/>
-              <a:sym typeface="+mn-ea"/>
-            </a:endParaRPr>
+              <a:t>该时刻目标是否可见？如果当前可见，那么再过多久不可见；如果当前不可见，再过多久可见？（精确到秒）</a:t>
+            </a:r>
           </a:p>
           <a:p>
             <a:pPr marL="800100" lvl="1" indent="-342900">
@@ -19363,7 +19360,7 @@
               <a:buChar char="•"/>
             </a:pPr>
             <a:r>
-              <a:rPr lang="zh-CN" altLang="en-US" sz="2400" b="1" dirty="0">
+              <a:rPr lang="zh-CN" altLang="en-US" sz="2400" b="1">
                 <a:solidFill>
                   <a:srgbClr val="FF0000"/>
                 </a:solidFill>
@@ -19373,42 +19370,6 @@
                 <a:sym typeface="+mn-ea"/>
               </a:rPr>
               <a:t>问题二：</a:t>
-            </a:r>
-            <a:r>
-              <a:rPr lang="zh-CN" altLang="en-US" sz="2000" b="1" dirty="0">
-                <a:solidFill>
-                  <a:schemeClr val="tx1"/>
-                </a:solidFill>
-                <a:latin typeface="Times New Roman" panose="02020603050405020304" pitchFamily="18" charset="0"/>
-                <a:ea typeface="微软雅黑" panose="020B0503020204020204" pitchFamily="34" charset="-122"/>
-                <a:cs typeface="Times New Roman" panose="02020603050405020304" pitchFamily="18" charset="0"/>
-                <a:sym typeface="+mn-ea"/>
-              </a:rPr>
-              <a:t>该时刻目标是否可见？如果当前可见，那么再过多久不可见；如果当前不可见，再过多久可见？（精确到秒）</a:t>
-            </a:r>
-          </a:p>
-          <a:p>
-            <a:pPr marL="800100" lvl="1" indent="-342900">
-              <a:lnSpc>
-                <a:spcPct val="120000"/>
-              </a:lnSpc>
-              <a:spcBef>
-                <a:spcPts val="600"/>
-              </a:spcBef>
-              <a:buFont typeface="Arial" panose="020B0604020202020204" pitchFamily="34" charset="0"/>
-              <a:buChar char="•"/>
-            </a:pPr>
-            <a:r>
-              <a:rPr lang="zh-CN" altLang="en-US" sz="2400" b="1" dirty="0">
-                <a:solidFill>
-                  <a:srgbClr val="FF0000"/>
-                </a:solidFill>
-                <a:latin typeface="Times New Roman" panose="02020603050405020304" pitchFamily="18" charset="0"/>
-                <a:ea typeface="微软雅黑" panose="020B0503020204020204" pitchFamily="34" charset="-122"/>
-                <a:cs typeface="Times New Roman" panose="02020603050405020304" pitchFamily="18" charset="0"/>
-                <a:sym typeface="+mn-ea"/>
-              </a:rPr>
-              <a:t>问题三：</a:t>
             </a:r>
             <a:r>
               <a:rPr lang="zh-CN" altLang="en-US" sz="2000" b="1" dirty="0">

--- a/05-06 人造天体运动方程与二体问题积分.pptx
+++ b/05-06 人造天体运动方程与二体问题积分.pptx
@@ -5,7 +5,7 @@
     <p:sldMasterId id="2147483648" r:id="rId1"/>
   </p:sldMasterIdLst>
   <p:notesMasterIdLst>
-    <p:notesMasterId r:id="rId28"/>
+    <p:notesMasterId r:id="rId30"/>
   </p:notesMasterIdLst>
   <p:sldIdLst>
     <p:sldId id="287" r:id="rId2"/>
@@ -18,22 +18,24 @@
     <p:sldId id="337" r:id="rId9"/>
     <p:sldId id="339" r:id="rId10"/>
     <p:sldId id="314" r:id="rId11"/>
-    <p:sldId id="321" r:id="rId12"/>
-    <p:sldId id="328" r:id="rId13"/>
-    <p:sldId id="315" r:id="rId14"/>
-    <p:sldId id="329" r:id="rId15"/>
-    <p:sldId id="323" r:id="rId16"/>
-    <p:sldId id="331" r:id="rId17"/>
-    <p:sldId id="324" r:id="rId18"/>
-    <p:sldId id="335" r:id="rId19"/>
-    <p:sldId id="325" r:id="rId20"/>
-    <p:sldId id="327" r:id="rId21"/>
-    <p:sldId id="336" r:id="rId22"/>
-    <p:sldId id="308" r:id="rId23"/>
-    <p:sldId id="340" r:id="rId24"/>
-    <p:sldId id="341" r:id="rId25"/>
-    <p:sldId id="320" r:id="rId26"/>
-    <p:sldId id="307" r:id="rId27"/>
+    <p:sldId id="294" r:id="rId12"/>
+    <p:sldId id="321" r:id="rId13"/>
+    <p:sldId id="328" r:id="rId14"/>
+    <p:sldId id="315" r:id="rId15"/>
+    <p:sldId id="329" r:id="rId16"/>
+    <p:sldId id="323" r:id="rId17"/>
+    <p:sldId id="331" r:id="rId18"/>
+    <p:sldId id="324" r:id="rId19"/>
+    <p:sldId id="335" r:id="rId20"/>
+    <p:sldId id="325" r:id="rId21"/>
+    <p:sldId id="327" r:id="rId22"/>
+    <p:sldId id="336" r:id="rId23"/>
+    <p:sldId id="308" r:id="rId24"/>
+    <p:sldId id="340" r:id="rId25"/>
+    <p:sldId id="341" r:id="rId26"/>
+    <p:sldId id="342" r:id="rId27"/>
+    <p:sldId id="320" r:id="rId28"/>
+    <p:sldId id="307" r:id="rId29"/>
   </p:sldIdLst>
   <p:sldSz cx="12192000" cy="6858000"/>
   <p:notesSz cx="6858000" cy="9144000"/>
@@ -243,7 +245,7 @@
           <a:p>
             <a:fld id="{26DDD1A4-63E9-4C41-BD0C-A6576214358F}" type="datetimeFigureOut">
               <a:rPr kumimoji="1" lang="zh-CN" altLang="en-US" smtClean="0"/>
-              <a:t>2023/12/26</a:t>
+              <a:t>2024/3/11</a:t>
             </a:fld>
             <a:endParaRPr kumimoji="1" lang="zh-CN" altLang="en-US"/>
           </a:p>
@@ -837,7 +839,7 @@
           <a:p>
             <a:fld id="{8664C608-40B1-4030-A28D-5B74BC98ADCE}" type="datetimeFigureOut">
               <a:rPr lang="en-US" smtClean="0"/>
-              <a:t>12/26/2023</a:t>
+              <a:t>3/11/2024</a:t>
             </a:fld>
             <a:endParaRPr lang="en-US" dirty="0"/>
           </a:p>
@@ -1677,7 +1679,7 @@
         <p:spPr>
           <a:xfrm>
             <a:off x="3003414" y="4516087"/>
-            <a:ext cx="6934406" cy="1308628"/>
+            <a:ext cx="6934406" cy="1688860"/>
           </a:xfrm>
           <a:prstGeom prst="rect">
             <a:avLst/>
@@ -1698,7 +1700,7 @@
               </a:spcAft>
             </a:pPr>
             <a:r>
-              <a:rPr lang="en-US" altLang="zh-CN" sz="2800" b="1" dirty="0">
+              <a:rPr lang="en-US" altLang="zh-CN" sz="2400" b="1" dirty="0">
                 <a:latin typeface="Times New Roman" panose="02020603050405020304" pitchFamily="18" charset="0"/>
                 <a:ea typeface="微软雅黑" panose="020B0503020204020204" pitchFamily="34" charset="-122"/>
                 <a:cs typeface="Times New Roman" panose="02020603050405020304" pitchFamily="18" charset="0"/>
@@ -1706,7 +1708,7 @@
               <a:t>《</a:t>
             </a:r>
             <a:r>
-              <a:rPr lang="zh-CN" altLang="en-US" sz="2800" b="1" dirty="0">
+              <a:rPr lang="zh-CN" altLang="en-US" sz="2400" b="1" dirty="0">
                 <a:latin typeface="Times New Roman" panose="02020603050405020304" pitchFamily="18" charset="0"/>
                 <a:ea typeface="微软雅黑" panose="020B0503020204020204" pitchFamily="34" charset="-122"/>
                 <a:cs typeface="Times New Roman" panose="02020603050405020304" pitchFamily="18" charset="0"/>
@@ -1714,7 +1716,7 @@
               <a:t>航天动力学引论</a:t>
             </a:r>
             <a:r>
-              <a:rPr lang="en-US" altLang="zh-CN" sz="2800" b="1" dirty="0">
+              <a:rPr lang="en-US" altLang="zh-CN" sz="2400" b="1" dirty="0">
                 <a:latin typeface="Times New Roman" panose="02020603050405020304" pitchFamily="18" charset="0"/>
                 <a:ea typeface="微软雅黑" panose="020B0503020204020204" pitchFamily="34" charset="-122"/>
                 <a:cs typeface="Times New Roman" panose="02020603050405020304" pitchFamily="18" charset="0"/>
@@ -1722,7 +1724,7 @@
               <a:t>》</a:t>
             </a:r>
             <a:r>
-              <a:rPr lang="zh-CN" altLang="en-US" sz="2800" b="1" dirty="0">
+              <a:rPr lang="zh-CN" altLang="en-US" sz="2400" b="1" dirty="0">
                 <a:latin typeface="Times New Roman" panose="02020603050405020304" pitchFamily="18" charset="0"/>
                 <a:ea typeface="微软雅黑" panose="020B0503020204020204" pitchFamily="34" charset="-122"/>
                 <a:cs typeface="Times New Roman" panose="02020603050405020304" pitchFamily="18" charset="0"/>
@@ -1730,7 +1732,7 @@
               <a:t>第 </a:t>
             </a:r>
             <a:r>
-              <a:rPr lang="en-US" altLang="zh-CN" sz="2800" b="1" dirty="0">
+              <a:rPr lang="en-US" altLang="zh-CN" sz="2400" b="1" dirty="0">
                 <a:latin typeface="Times New Roman" panose="02020603050405020304" pitchFamily="18" charset="0"/>
                 <a:ea typeface="微软雅黑" panose="020B0503020204020204" pitchFamily="34" charset="-122"/>
                 <a:cs typeface="Times New Roman" panose="02020603050405020304" pitchFamily="18" charset="0"/>
@@ -1738,21 +1740,18 @@
               <a:t>2.1~2.3 </a:t>
             </a:r>
             <a:r>
-              <a:rPr lang="zh-CN" altLang="en-US" sz="2800" b="1" dirty="0">
+              <a:rPr lang="zh-CN" altLang="en-US" sz="2400" b="1" dirty="0">
                 <a:latin typeface="Times New Roman" panose="02020603050405020304" pitchFamily="18" charset="0"/>
                 <a:ea typeface="微软雅黑" panose="020B0503020204020204" pitchFamily="34" charset="-122"/>
                 <a:cs typeface="Times New Roman" panose="02020603050405020304" pitchFamily="18" charset="0"/>
               </a:rPr>
-              <a:t>节，附录</a:t>
-            </a:r>
-            <a:r>
-              <a:rPr lang="en-US" altLang="zh-CN" sz="2800" b="1" dirty="0">
-                <a:latin typeface="Times New Roman" panose="02020603050405020304" pitchFamily="18" charset="0"/>
-                <a:ea typeface="微软雅黑" panose="020B0503020204020204" pitchFamily="34" charset="-122"/>
-                <a:cs typeface="Times New Roman" panose="02020603050405020304" pitchFamily="18" charset="0"/>
-              </a:rPr>
-              <a:t>B</a:t>
-            </a:r>
+              <a:t>节</a:t>
+            </a:r>
+            <a:endParaRPr lang="en-US" altLang="zh-CN" sz="2400" b="1" dirty="0">
+              <a:latin typeface="Times New Roman" panose="02020603050405020304" pitchFamily="18" charset="0"/>
+              <a:ea typeface="微软雅黑" panose="020B0503020204020204" pitchFamily="34" charset="-122"/>
+              <a:cs typeface="Times New Roman" panose="02020603050405020304" pitchFamily="18" charset="0"/>
+            </a:endParaRPr>
           </a:p>
           <a:p>
             <a:pPr fontAlgn="auto">
@@ -1764,7 +1763,7 @@
               </a:spcAft>
             </a:pPr>
             <a:r>
-              <a:rPr lang="en-US" altLang="zh-CN" sz="2800" b="1" dirty="0">
+              <a:rPr lang="en-US" altLang="zh-CN" sz="2400" b="1" dirty="0">
                 <a:latin typeface="Times New Roman" panose="02020603050405020304" pitchFamily="18" charset="0"/>
                 <a:ea typeface="微软雅黑" panose="020B0503020204020204" pitchFamily="34" charset="-122"/>
                 <a:cs typeface="Times New Roman" panose="02020603050405020304" pitchFamily="18" charset="0"/>
@@ -1772,7 +1771,7 @@
               <a:t>《</a:t>
             </a:r>
             <a:r>
-              <a:rPr lang="zh-CN" altLang="en-US" sz="2800" b="1" dirty="0">
+              <a:rPr lang="zh-CN" altLang="en-US" sz="2400" b="1" dirty="0">
                 <a:latin typeface="Times New Roman" panose="02020603050405020304" pitchFamily="18" charset="0"/>
                 <a:ea typeface="微软雅黑" panose="020B0503020204020204" pitchFamily="34" charset="-122"/>
                 <a:cs typeface="Times New Roman" panose="02020603050405020304" pitchFamily="18" charset="0"/>
@@ -1780,7 +1779,7 @@
               <a:t>天体力学基础</a:t>
             </a:r>
             <a:r>
-              <a:rPr lang="en-US" altLang="zh-CN" sz="2800" b="1" dirty="0">
+              <a:rPr lang="en-US" altLang="zh-CN" sz="2400" b="1" dirty="0">
                 <a:latin typeface="Times New Roman" panose="02020603050405020304" pitchFamily="18" charset="0"/>
                 <a:ea typeface="微软雅黑" panose="020B0503020204020204" pitchFamily="34" charset="-122"/>
                 <a:cs typeface="Times New Roman" panose="02020603050405020304" pitchFamily="18" charset="0"/>
@@ -1788,18 +1787,65 @@
               <a:t>》</a:t>
             </a:r>
             <a:r>
-              <a:rPr lang="zh-CN" altLang="en-US" sz="2800" b="1" dirty="0">
+              <a:rPr lang="zh-CN" altLang="en-US" sz="2400" b="1" dirty="0">
                 <a:latin typeface="Times New Roman" panose="02020603050405020304" pitchFamily="18" charset="0"/>
                 <a:ea typeface="微软雅黑" panose="020B0503020204020204" pitchFamily="34" charset="-122"/>
                 <a:cs typeface="Times New Roman" panose="02020603050405020304" pitchFamily="18" charset="0"/>
               </a:rPr>
               <a:t>第一章</a:t>
             </a:r>
-            <a:endParaRPr lang="en-US" altLang="zh-CN" sz="2800" b="1" dirty="0">
+            <a:endParaRPr lang="en-US" altLang="zh-CN" sz="2400" b="1" dirty="0">
               <a:latin typeface="Times New Roman" panose="02020603050405020304" pitchFamily="18" charset="0"/>
               <a:ea typeface="微软雅黑" panose="020B0503020204020204" pitchFamily="34" charset="-122"/>
               <a:cs typeface="Times New Roman" panose="02020603050405020304" pitchFamily="18" charset="0"/>
             </a:endParaRPr>
+          </a:p>
+          <a:p>
+            <a:pPr>
+              <a:lnSpc>
+                <a:spcPct val="150000"/>
+              </a:lnSpc>
+            </a:pPr>
+            <a:r>
+              <a:rPr lang="en-US" altLang="zh-CN" sz="2400" b="1" dirty="0">
+                <a:latin typeface="Times New Roman" panose="02020603050405020304" pitchFamily="18" charset="0"/>
+                <a:ea typeface="微软雅黑" panose="020B0503020204020204" pitchFamily="34" charset="-122"/>
+                <a:cs typeface="Times New Roman" panose="02020603050405020304" pitchFamily="18" charset="0"/>
+              </a:rPr>
+              <a:t>《</a:t>
+            </a:r>
+            <a:r>
+              <a:rPr lang="zh-CN" altLang="en-US" sz="2400" b="1" dirty="0">
+                <a:latin typeface="Times New Roman" panose="02020603050405020304" pitchFamily="18" charset="0"/>
+                <a:ea typeface="微软雅黑" panose="020B0503020204020204" pitchFamily="34" charset="-122"/>
+                <a:cs typeface="Times New Roman" panose="02020603050405020304" pitchFamily="18" charset="0"/>
+              </a:rPr>
+              <a:t>人造地球卫星精密定轨</a:t>
+            </a:r>
+            <a:r>
+              <a:rPr lang="en-US" altLang="zh-CN" sz="2400" b="1" dirty="0">
+                <a:latin typeface="Times New Roman" panose="02020603050405020304" pitchFamily="18" charset="0"/>
+                <a:ea typeface="微软雅黑" panose="020B0503020204020204" pitchFamily="34" charset="-122"/>
+                <a:cs typeface="Times New Roman" panose="02020603050405020304" pitchFamily="18" charset="0"/>
+              </a:rPr>
+              <a:t>》(</a:t>
+            </a:r>
+            <a:r>
+              <a:rPr lang="zh-CN" altLang="en-US" sz="2400" b="1" dirty="0">
+                <a:latin typeface="Times New Roman" panose="02020603050405020304" pitchFamily="18" charset="0"/>
+                <a:ea typeface="微软雅黑" panose="020B0503020204020204" pitchFamily="34" charset="-122"/>
+                <a:cs typeface="Times New Roman" panose="02020603050405020304" pitchFamily="18" charset="0"/>
+              </a:rPr>
+              <a:t>讲义</a:t>
+            </a:r>
+            <a:r>
+              <a:rPr lang="en-US" altLang="zh-CN" sz="2400" b="1" dirty="0">
+                <a:latin typeface="Times New Roman" panose="02020603050405020304" pitchFamily="18" charset="0"/>
+                <a:ea typeface="微软雅黑" panose="020B0503020204020204" pitchFamily="34" charset="-122"/>
+                <a:cs typeface="Times New Roman" panose="02020603050405020304" pitchFamily="18" charset="0"/>
+              </a:rPr>
+              <a:t>)</a:t>
+            </a:r>
           </a:p>
         </p:txBody>
       </p:sp>
@@ -1847,7 +1893,7 @@
               <a:t>林厚源 </a:t>
             </a:r>
             <a:r>
-              <a:rPr lang="en-US" altLang="zh-CN" sz="2400" b="1" dirty="0">
+              <a:rPr lang="en-US" altLang="zh-CN" sz="2400" b="1">
                 <a:solidFill>
                   <a:schemeClr val="tx1"/>
                 </a:solidFill>
@@ -1858,7 +1904,7 @@
               <a:t>in </a:t>
             </a:r>
             <a:r>
-              <a:rPr lang="en-US" altLang="zh-CN" sz="2400" b="1" dirty="0">
+              <a:rPr lang="en-US" altLang="zh-CN" sz="2400" b="1">
                 <a:solidFill>
                   <a:schemeClr val="tx1"/>
                 </a:solidFill>
@@ -1867,8 +1913,17 @@
                 <a:cs typeface="Times New Roman" panose="02020603050405020304" pitchFamily="18" charset="0"/>
                 <a:sym typeface="+mn-ea"/>
               </a:rPr>
-              <a:t>2023</a:t>
-            </a:r>
+              <a:t>2024</a:t>
+            </a:r>
+            <a:endParaRPr lang="en-US" altLang="zh-CN" sz="2400" b="1" dirty="0">
+              <a:solidFill>
+                <a:schemeClr val="tx1"/>
+              </a:solidFill>
+              <a:latin typeface="Times New Roman" panose="02020603050405020304" pitchFamily="18" charset="0"/>
+              <a:ea typeface="华文行楷" panose="02010800040101010101" pitchFamily="2" charset="-122"/>
+              <a:cs typeface="Times New Roman" panose="02020603050405020304" pitchFamily="18" charset="0"/>
+              <a:sym typeface="+mn-ea"/>
+            </a:endParaRPr>
           </a:p>
           <a:p>
             <a:pPr fontAlgn="auto">
@@ -1900,15 +1955,7 @@
                 <a:ea typeface="微软雅黑" panose="020B0503020204020204" pitchFamily="34" charset="-122"/>
                 <a:cs typeface="Times New Roman" panose="02020603050405020304" pitchFamily="18" charset="0"/>
               </a:rPr>
-              <a:t>ustc.edu</a:t>
-            </a:r>
-            <a:r>
-              <a:rPr lang="en-GB" altLang="zh-CN" sz="2400" b="1">
-                <a:latin typeface="Times New Roman" panose="02020603050405020304" pitchFamily="18" charset="0"/>
-                <a:ea typeface="微软雅黑" panose="020B0503020204020204" pitchFamily="34" charset="-122"/>
-                <a:cs typeface="Times New Roman" panose="02020603050405020304" pitchFamily="18" charset="0"/>
-              </a:rPr>
-              <a:t>.cn</a:t>
+              <a:t>ustc.edu.cn</a:t>
             </a:r>
             <a:endParaRPr lang="en-US" altLang="zh-CN" sz="2400" b="1" dirty="0">
               <a:solidFill>
@@ -2822,6 +2869,2833 @@
         <p:spPr>
           <a:xfrm>
             <a:off x="407987" y="1052513"/>
+            <a:ext cx="11345227" cy="2578526"/>
+          </a:xfrm>
+          <a:prstGeom prst="rect">
+            <a:avLst/>
+          </a:prstGeom>
+        </p:spPr>
+        <p:txBody>
+          <a:bodyPr wrap="square">
+            <a:spAutoFit/>
+          </a:bodyPr>
+          <a:lstStyle/>
+          <a:p>
+            <a:pPr>
+              <a:lnSpc>
+                <a:spcPct val="120000"/>
+              </a:lnSpc>
+              <a:spcBef>
+                <a:spcPts val="600"/>
+              </a:spcBef>
+            </a:pPr>
+            <a:r>
+              <a:rPr lang="en-US" altLang="zh-CN" sz="2400" b="1" dirty="0">
+                <a:solidFill>
+                  <a:srgbClr val="FF0000"/>
+                </a:solidFill>
+                <a:latin typeface="微软雅黑" panose="020B0503020204020204" pitchFamily="34" charset="-122"/>
+                <a:ea typeface="微软雅黑" panose="020B0503020204020204" pitchFamily="34" charset="-122"/>
+                <a:sym typeface="+mn-ea"/>
+              </a:rPr>
+              <a:t>1 </a:t>
+            </a:r>
+            <a:r>
+              <a:rPr lang="zh-CN" altLang="en-US" sz="2400" b="1" dirty="0">
+                <a:solidFill>
+                  <a:srgbClr val="0000FF"/>
+                </a:solidFill>
+                <a:latin typeface="微软雅黑" panose="020B0503020204020204" pitchFamily="34" charset="-122"/>
+                <a:ea typeface="微软雅黑" panose="020B0503020204020204" pitchFamily="34" charset="-122"/>
+                <a:sym typeface="+mn-ea"/>
+              </a:rPr>
+              <a:t>近地轨道</a:t>
+            </a:r>
+            <a:r>
+              <a:rPr lang="zh-CN" altLang="en-US" b="1" dirty="0">
+                <a:latin typeface="微软雅黑" panose="020B0503020204020204" pitchFamily="34" charset="-122"/>
+                <a:ea typeface="微软雅黑" panose="020B0503020204020204" pitchFamily="34" charset="-122"/>
+                <a:sym typeface="+mn-ea"/>
+              </a:rPr>
+              <a:t>（</a:t>
+            </a:r>
+            <a:r>
+              <a:rPr lang="en-US" altLang="zh-CN" b="1" dirty="0">
+                <a:latin typeface="微软雅黑" panose="020B0503020204020204" pitchFamily="34" charset="-122"/>
+                <a:ea typeface="微软雅黑" panose="020B0503020204020204" pitchFamily="34" charset="-122"/>
+                <a:sym typeface="+mn-ea"/>
+              </a:rPr>
+              <a:t>Low Earth orbit</a:t>
+            </a:r>
+            <a:r>
+              <a:rPr lang="zh-CN" altLang="en-US" b="1" dirty="0">
+                <a:latin typeface="微软雅黑" panose="020B0503020204020204" pitchFamily="34" charset="-122"/>
+                <a:ea typeface="微软雅黑" panose="020B0503020204020204" pitchFamily="34" charset="-122"/>
+                <a:sym typeface="+mn-ea"/>
+              </a:rPr>
+              <a:t>，</a:t>
+            </a:r>
+            <a:r>
+              <a:rPr lang="en-US" altLang="zh-CN" b="1" dirty="0">
+                <a:solidFill>
+                  <a:srgbClr val="0000FF"/>
+                </a:solidFill>
+                <a:latin typeface="微软雅黑" panose="020B0503020204020204" pitchFamily="34" charset="-122"/>
+                <a:ea typeface="微软雅黑" panose="020B0503020204020204" pitchFamily="34" charset="-122"/>
+                <a:sym typeface="+mn-ea"/>
+              </a:rPr>
+              <a:t>LEO</a:t>
+            </a:r>
+            <a:r>
+              <a:rPr lang="zh-CN" altLang="en-US" b="1" dirty="0">
+                <a:latin typeface="微软雅黑" panose="020B0503020204020204" pitchFamily="34" charset="-122"/>
+                <a:ea typeface="微软雅黑" panose="020B0503020204020204" pitchFamily="34" charset="-122"/>
+                <a:sym typeface="+mn-ea"/>
+              </a:rPr>
+              <a:t>）</a:t>
+            </a:r>
+            <a:r>
+              <a:rPr lang="zh-CN" altLang="en-US" b="1" dirty="0">
+                <a:solidFill>
+                  <a:schemeClr val="tx1"/>
+                </a:solidFill>
+                <a:latin typeface="微软雅黑" panose="020B0503020204020204" pitchFamily="34" charset="-122"/>
+                <a:ea typeface="微软雅黑" panose="020B0503020204020204" pitchFamily="34" charset="-122"/>
+                <a:sym typeface="+mn-ea"/>
+              </a:rPr>
+              <a:t>通常</a:t>
+            </a:r>
+            <a:r>
+              <a:rPr lang="en-US" altLang="zh-CN" b="1" dirty="0">
+                <a:solidFill>
+                  <a:schemeClr val="tx1"/>
+                </a:solidFill>
+                <a:latin typeface="微软雅黑" panose="020B0503020204020204" pitchFamily="34" charset="-122"/>
+                <a:ea typeface="微软雅黑" panose="020B0503020204020204" pitchFamily="34" charset="-122"/>
+                <a:sym typeface="+mn-ea"/>
+              </a:rPr>
+              <a:t>&lt;2000km</a:t>
+            </a:r>
+            <a:endParaRPr lang="en-US" altLang="zh-CN" sz="2000" b="1" dirty="0">
+              <a:solidFill>
+                <a:schemeClr val="tx1"/>
+              </a:solidFill>
+              <a:latin typeface="微软雅黑" panose="020B0503020204020204" pitchFamily="34" charset="-122"/>
+              <a:ea typeface="微软雅黑" panose="020B0503020204020204" pitchFamily="34" charset="-122"/>
+              <a:sym typeface="+mn-ea"/>
+            </a:endParaRPr>
+          </a:p>
+          <a:p>
+            <a:pPr>
+              <a:lnSpc>
+                <a:spcPct val="120000"/>
+              </a:lnSpc>
+              <a:spcBef>
+                <a:spcPts val="600"/>
+              </a:spcBef>
+            </a:pPr>
+            <a:r>
+              <a:rPr lang="en-US" altLang="zh-CN" sz="2400" b="1" dirty="0">
+                <a:solidFill>
+                  <a:srgbClr val="FF0000"/>
+                </a:solidFill>
+                <a:latin typeface="微软雅黑" panose="020B0503020204020204" pitchFamily="34" charset="-122"/>
+                <a:ea typeface="微软雅黑" panose="020B0503020204020204" pitchFamily="34" charset="-122"/>
+                <a:sym typeface="+mn-ea"/>
+              </a:rPr>
+              <a:t>2 </a:t>
+            </a:r>
+            <a:r>
+              <a:rPr lang="zh-CN" altLang="en-US" sz="2400" b="1" dirty="0">
+                <a:solidFill>
+                  <a:srgbClr val="0000FF"/>
+                </a:solidFill>
+                <a:latin typeface="微软雅黑" panose="020B0503020204020204" pitchFamily="34" charset="-122"/>
+                <a:ea typeface="微软雅黑" panose="020B0503020204020204" pitchFamily="34" charset="-122"/>
+                <a:sym typeface="+mn-ea"/>
+              </a:rPr>
+              <a:t>中地球轨道</a:t>
+            </a:r>
+            <a:r>
+              <a:rPr lang="zh-CN" altLang="en-US" b="1" dirty="0">
+                <a:latin typeface="微软雅黑" panose="020B0503020204020204" pitchFamily="34" charset="-122"/>
+                <a:ea typeface="微软雅黑" panose="020B0503020204020204" pitchFamily="34" charset="-122"/>
+                <a:sym typeface="+mn-ea"/>
+              </a:rPr>
+              <a:t>（</a:t>
+            </a:r>
+            <a:r>
+              <a:rPr lang="en-US" altLang="zh-CN" b="1" dirty="0">
+                <a:latin typeface="微软雅黑" panose="020B0503020204020204" pitchFamily="34" charset="-122"/>
+                <a:ea typeface="微软雅黑" panose="020B0503020204020204" pitchFamily="34" charset="-122"/>
+                <a:sym typeface="+mn-ea"/>
+              </a:rPr>
+              <a:t>Medium Earth orbit</a:t>
+            </a:r>
+            <a:r>
+              <a:rPr lang="zh-CN" altLang="en-US" b="1" dirty="0">
+                <a:latin typeface="微软雅黑" panose="020B0503020204020204" pitchFamily="34" charset="-122"/>
+                <a:ea typeface="微软雅黑" panose="020B0503020204020204" pitchFamily="34" charset="-122"/>
+                <a:sym typeface="+mn-ea"/>
+              </a:rPr>
+              <a:t>，</a:t>
+            </a:r>
+            <a:r>
+              <a:rPr lang="en-US" altLang="zh-CN" b="1" dirty="0">
+                <a:solidFill>
+                  <a:srgbClr val="0000FF"/>
+                </a:solidFill>
+                <a:latin typeface="微软雅黑" panose="020B0503020204020204" pitchFamily="34" charset="-122"/>
+                <a:ea typeface="微软雅黑" panose="020B0503020204020204" pitchFamily="34" charset="-122"/>
+                <a:sym typeface="+mn-ea"/>
+              </a:rPr>
+              <a:t>MEO</a:t>
+            </a:r>
+            <a:r>
+              <a:rPr lang="zh-CN" altLang="en-US" b="1" dirty="0">
+                <a:latin typeface="微软雅黑" panose="020B0503020204020204" pitchFamily="34" charset="-122"/>
+                <a:ea typeface="微软雅黑" panose="020B0503020204020204" pitchFamily="34" charset="-122"/>
+                <a:sym typeface="+mn-ea"/>
+              </a:rPr>
+              <a:t>）</a:t>
+            </a:r>
+            <a:r>
+              <a:rPr lang="en-US" altLang="zh-CN" b="1" dirty="0">
+                <a:solidFill>
+                  <a:schemeClr val="tx1"/>
+                </a:solidFill>
+                <a:latin typeface="微软雅黑" panose="020B0503020204020204" pitchFamily="34" charset="-122"/>
+                <a:ea typeface="微软雅黑" panose="020B0503020204020204" pitchFamily="34" charset="-122"/>
+                <a:sym typeface="+mn-ea"/>
+              </a:rPr>
+              <a:t>2000-35786 km</a:t>
+            </a:r>
+            <a:r>
+              <a:rPr lang="zh-CN" altLang="en-US" b="1" dirty="0">
+                <a:solidFill>
+                  <a:schemeClr val="tx1"/>
+                </a:solidFill>
+                <a:latin typeface="微软雅黑" panose="020B0503020204020204" pitchFamily="34" charset="-122"/>
+                <a:ea typeface="微软雅黑" panose="020B0503020204020204" pitchFamily="34" charset="-122"/>
+                <a:sym typeface="+mn-ea"/>
+              </a:rPr>
+              <a:t>。半同步卫星</a:t>
+            </a:r>
+            <a:r>
+              <a:rPr lang="en-US" altLang="zh-CN" b="1" dirty="0">
+                <a:solidFill>
+                  <a:schemeClr val="tx1"/>
+                </a:solidFill>
+                <a:latin typeface="微软雅黑" panose="020B0503020204020204" pitchFamily="34" charset="-122"/>
+                <a:ea typeface="微软雅黑" panose="020B0503020204020204" pitchFamily="34" charset="-122"/>
+                <a:sym typeface="+mn-ea"/>
+              </a:rPr>
+              <a:t>~22000km</a:t>
+            </a:r>
+            <a:r>
+              <a:rPr lang="zh-CN" altLang="en-US" b="1" dirty="0">
+                <a:solidFill>
+                  <a:schemeClr val="tx1"/>
+                </a:solidFill>
+                <a:latin typeface="微软雅黑" panose="020B0503020204020204" pitchFamily="34" charset="-122"/>
+                <a:ea typeface="微软雅黑" panose="020B0503020204020204" pitchFamily="34" charset="-122"/>
+                <a:sym typeface="+mn-ea"/>
+              </a:rPr>
+              <a:t>，如</a:t>
+            </a:r>
+            <a:r>
+              <a:rPr lang="en-US" altLang="zh-CN" b="1" dirty="0">
+                <a:solidFill>
+                  <a:schemeClr val="tx1"/>
+                </a:solidFill>
+                <a:latin typeface="微软雅黑" panose="020B0503020204020204" pitchFamily="34" charset="-122"/>
+                <a:ea typeface="微软雅黑" panose="020B0503020204020204" pitchFamily="34" charset="-122"/>
+                <a:sym typeface="+mn-ea"/>
+              </a:rPr>
+              <a:t>GNSS</a:t>
+            </a:r>
+          </a:p>
+          <a:p>
+            <a:pPr>
+              <a:lnSpc>
+                <a:spcPct val="120000"/>
+              </a:lnSpc>
+              <a:spcBef>
+                <a:spcPts val="600"/>
+              </a:spcBef>
+            </a:pPr>
+            <a:r>
+              <a:rPr lang="en-US" altLang="zh-CN" sz="2400" b="1" dirty="0">
+                <a:solidFill>
+                  <a:srgbClr val="FF0000"/>
+                </a:solidFill>
+                <a:latin typeface="微软雅黑" panose="020B0503020204020204" pitchFamily="34" charset="-122"/>
+                <a:ea typeface="微软雅黑" panose="020B0503020204020204" pitchFamily="34" charset="-122"/>
+                <a:sym typeface="+mn-ea"/>
+              </a:rPr>
+              <a:t>3 </a:t>
+            </a:r>
+            <a:r>
+              <a:rPr lang="zh-CN" altLang="en-US" sz="2400" b="1" dirty="0">
+                <a:solidFill>
+                  <a:srgbClr val="0000FF"/>
+                </a:solidFill>
+                <a:latin typeface="微软雅黑" panose="020B0503020204020204" pitchFamily="34" charset="-122"/>
+                <a:ea typeface="微软雅黑" panose="020B0503020204020204" pitchFamily="34" charset="-122"/>
+                <a:sym typeface="+mn-ea"/>
+              </a:rPr>
+              <a:t>转移轨道</a:t>
+            </a:r>
+            <a:r>
+              <a:rPr lang="zh-CN" altLang="en-US" b="1" dirty="0">
+                <a:latin typeface="微软雅黑" panose="020B0503020204020204" pitchFamily="34" charset="-122"/>
+                <a:ea typeface="微软雅黑" panose="020B0503020204020204" pitchFamily="34" charset="-122"/>
+                <a:sym typeface="+mn-ea"/>
+              </a:rPr>
+              <a:t>（</a:t>
+            </a:r>
+            <a:r>
+              <a:rPr lang="en-US" altLang="zh-CN" b="1" dirty="0">
+                <a:latin typeface="微软雅黑" panose="020B0503020204020204" pitchFamily="34" charset="-122"/>
+                <a:ea typeface="微软雅黑" panose="020B0503020204020204" pitchFamily="34" charset="-122"/>
+                <a:sym typeface="+mn-ea"/>
+              </a:rPr>
+              <a:t>Medium Earth Transfer orbit</a:t>
+            </a:r>
+            <a:r>
+              <a:rPr lang="zh-CN" altLang="en-US" b="1" dirty="0">
+                <a:latin typeface="微软雅黑" panose="020B0503020204020204" pitchFamily="34" charset="-122"/>
+                <a:ea typeface="微软雅黑" panose="020B0503020204020204" pitchFamily="34" charset="-122"/>
+                <a:sym typeface="+mn-ea"/>
+              </a:rPr>
+              <a:t>，</a:t>
+            </a:r>
+            <a:r>
+              <a:rPr lang="en-US" altLang="zh-CN" b="1" dirty="0">
+                <a:solidFill>
+                  <a:srgbClr val="0000FF"/>
+                </a:solidFill>
+                <a:latin typeface="微软雅黑" panose="020B0503020204020204" pitchFamily="34" charset="-122"/>
+                <a:ea typeface="微软雅黑" panose="020B0503020204020204" pitchFamily="34" charset="-122"/>
+                <a:sym typeface="+mn-ea"/>
+              </a:rPr>
+              <a:t>MTO</a:t>
+            </a:r>
+            <a:r>
+              <a:rPr lang="en-US" altLang="zh-CN" b="1" dirty="0">
+                <a:latin typeface="微软雅黑" panose="020B0503020204020204" pitchFamily="34" charset="-122"/>
+                <a:ea typeface="微软雅黑" panose="020B0503020204020204" pitchFamily="34" charset="-122"/>
+                <a:sym typeface="+mn-ea"/>
+              </a:rPr>
+              <a:t>; Geostationary Transfer orbit</a:t>
+            </a:r>
+            <a:r>
+              <a:rPr lang="zh-CN" altLang="en-US" b="1" dirty="0">
+                <a:latin typeface="微软雅黑" panose="020B0503020204020204" pitchFamily="34" charset="-122"/>
+                <a:ea typeface="微软雅黑" panose="020B0503020204020204" pitchFamily="34" charset="-122"/>
+                <a:sym typeface="+mn-ea"/>
+              </a:rPr>
+              <a:t>，</a:t>
+            </a:r>
+            <a:r>
+              <a:rPr lang="en-US" altLang="zh-CN" b="1" dirty="0">
+                <a:solidFill>
+                  <a:srgbClr val="0000FF"/>
+                </a:solidFill>
+                <a:latin typeface="微软雅黑" panose="020B0503020204020204" pitchFamily="34" charset="-122"/>
+                <a:ea typeface="微软雅黑" panose="020B0503020204020204" pitchFamily="34" charset="-122"/>
+                <a:sym typeface="+mn-ea"/>
+              </a:rPr>
+              <a:t>GTO </a:t>
+            </a:r>
+            <a:r>
+              <a:rPr lang="zh-CN" altLang="en-US" b="1" dirty="0">
+                <a:latin typeface="微软雅黑" panose="020B0503020204020204" pitchFamily="34" charset="-122"/>
+                <a:ea typeface="微软雅黑" panose="020B0503020204020204" pitchFamily="34" charset="-122"/>
+                <a:sym typeface="+mn-ea"/>
+              </a:rPr>
+              <a:t>）过渡轨道</a:t>
+            </a:r>
+            <a:endParaRPr lang="en-US" altLang="zh-CN" b="1" dirty="0">
+              <a:latin typeface="微软雅黑" panose="020B0503020204020204" pitchFamily="34" charset="-122"/>
+              <a:ea typeface="微软雅黑" panose="020B0503020204020204" pitchFamily="34" charset="-122"/>
+              <a:sym typeface="+mn-ea"/>
+            </a:endParaRPr>
+          </a:p>
+          <a:p>
+            <a:pPr>
+              <a:lnSpc>
+                <a:spcPct val="120000"/>
+              </a:lnSpc>
+              <a:spcBef>
+                <a:spcPts val="600"/>
+              </a:spcBef>
+            </a:pPr>
+            <a:r>
+              <a:rPr lang="en-US" altLang="zh-CN" sz="2400" b="1" dirty="0">
+                <a:solidFill>
+                  <a:srgbClr val="FF0000"/>
+                </a:solidFill>
+                <a:latin typeface="微软雅黑" panose="020B0503020204020204" pitchFamily="34" charset="-122"/>
+                <a:ea typeface="微软雅黑" panose="020B0503020204020204" pitchFamily="34" charset="-122"/>
+                <a:sym typeface="+mn-ea"/>
+              </a:rPr>
+              <a:t>4 </a:t>
+            </a:r>
+            <a:r>
+              <a:rPr lang="zh-CN" altLang="en-US" sz="2400" b="1" dirty="0">
+                <a:solidFill>
+                  <a:srgbClr val="0000FF"/>
+                </a:solidFill>
+                <a:latin typeface="微软雅黑" panose="020B0503020204020204" pitchFamily="34" charset="-122"/>
+                <a:ea typeface="微软雅黑" panose="020B0503020204020204" pitchFamily="34" charset="-122"/>
+                <a:sym typeface="+mn-ea"/>
+              </a:rPr>
+              <a:t>大椭圆轨道</a:t>
+            </a:r>
+            <a:r>
+              <a:rPr lang="zh-CN" altLang="en-US" b="1" dirty="0">
+                <a:latin typeface="微软雅黑" panose="020B0503020204020204" pitchFamily="34" charset="-122"/>
+                <a:ea typeface="微软雅黑" panose="020B0503020204020204" pitchFamily="34" charset="-122"/>
+                <a:sym typeface="+mn-ea"/>
+              </a:rPr>
+              <a:t>（</a:t>
+            </a:r>
+            <a:r>
+              <a:rPr lang="en-US" altLang="zh-CN" b="1" dirty="0">
+                <a:latin typeface="微软雅黑" panose="020B0503020204020204" pitchFamily="34" charset="-122"/>
+                <a:ea typeface="微软雅黑" panose="020B0503020204020204" pitchFamily="34" charset="-122"/>
+                <a:sym typeface="+mn-ea"/>
+              </a:rPr>
+              <a:t>Highly elliptical/eccentric orbit</a:t>
+            </a:r>
+            <a:r>
+              <a:rPr lang="zh-CN" altLang="en-US" b="1" dirty="0">
+                <a:latin typeface="微软雅黑" panose="020B0503020204020204" pitchFamily="34" charset="-122"/>
+                <a:ea typeface="微软雅黑" panose="020B0503020204020204" pitchFamily="34" charset="-122"/>
+                <a:sym typeface="+mn-ea"/>
+              </a:rPr>
+              <a:t>，</a:t>
+            </a:r>
+            <a:r>
+              <a:rPr lang="en-US" altLang="zh-CN" b="1" dirty="0">
+                <a:solidFill>
+                  <a:srgbClr val="0000FF"/>
+                </a:solidFill>
+                <a:latin typeface="微软雅黑" panose="020B0503020204020204" pitchFamily="34" charset="-122"/>
+                <a:ea typeface="微软雅黑" panose="020B0503020204020204" pitchFamily="34" charset="-122"/>
+                <a:sym typeface="+mn-ea"/>
+              </a:rPr>
+              <a:t>HEO</a:t>
+            </a:r>
+            <a:r>
+              <a:rPr lang="zh-CN" altLang="en-US" b="1" dirty="0">
+                <a:latin typeface="微软雅黑" panose="020B0503020204020204" pitchFamily="34" charset="-122"/>
+                <a:ea typeface="微软雅黑" panose="020B0503020204020204" pitchFamily="34" charset="-122"/>
+                <a:sym typeface="+mn-ea"/>
+              </a:rPr>
+              <a:t>）大偏心率</a:t>
+            </a:r>
+            <a:endParaRPr lang="en-US" altLang="zh-CN" sz="2000" b="1" dirty="0">
+              <a:latin typeface="微软雅黑" panose="020B0503020204020204" pitchFamily="34" charset="-122"/>
+              <a:ea typeface="微软雅黑" panose="020B0503020204020204" pitchFamily="34" charset="-122"/>
+              <a:sym typeface="+mn-ea"/>
+            </a:endParaRPr>
+          </a:p>
+          <a:p>
+            <a:pPr>
+              <a:lnSpc>
+                <a:spcPct val="120000"/>
+              </a:lnSpc>
+              <a:spcBef>
+                <a:spcPts val="600"/>
+              </a:spcBef>
+            </a:pPr>
+            <a:r>
+              <a:rPr lang="en-US" altLang="zh-CN" sz="2400" b="1" dirty="0">
+                <a:solidFill>
+                  <a:srgbClr val="FF0000"/>
+                </a:solidFill>
+                <a:latin typeface="微软雅黑" panose="020B0503020204020204" pitchFamily="34" charset="-122"/>
+                <a:ea typeface="微软雅黑" panose="020B0503020204020204" pitchFamily="34" charset="-122"/>
+                <a:sym typeface="+mn-ea"/>
+              </a:rPr>
+              <a:t>5 </a:t>
+            </a:r>
+            <a:r>
+              <a:rPr lang="zh-CN" altLang="en-US" sz="2400" b="1" dirty="0">
+                <a:solidFill>
+                  <a:srgbClr val="0000FF"/>
+                </a:solidFill>
+                <a:latin typeface="微软雅黑" panose="020B0503020204020204" pitchFamily="34" charset="-122"/>
+                <a:ea typeface="微软雅黑" panose="020B0503020204020204" pitchFamily="34" charset="-122"/>
+                <a:sym typeface="+mn-ea"/>
+              </a:rPr>
+              <a:t>地球同步轨道</a:t>
+            </a:r>
+            <a:r>
+              <a:rPr lang="zh-CN" altLang="en-US" b="1" dirty="0">
+                <a:latin typeface="微软雅黑" panose="020B0503020204020204" pitchFamily="34" charset="-122"/>
+                <a:ea typeface="微软雅黑" panose="020B0503020204020204" pitchFamily="34" charset="-122"/>
+                <a:sym typeface="+mn-ea"/>
+              </a:rPr>
+              <a:t>（</a:t>
+            </a:r>
+            <a:r>
+              <a:rPr lang="en-US" altLang="zh-CN" b="1" dirty="0">
+                <a:latin typeface="微软雅黑" panose="020B0503020204020204" pitchFamily="34" charset="-122"/>
+                <a:ea typeface="微软雅黑" panose="020B0503020204020204" pitchFamily="34" charset="-122"/>
+                <a:sym typeface="+mn-ea"/>
+              </a:rPr>
+              <a:t>Geosynchronous orbit</a:t>
+            </a:r>
+            <a:r>
+              <a:rPr lang="zh-CN" altLang="en-US" b="1" dirty="0">
+                <a:latin typeface="微软雅黑" panose="020B0503020204020204" pitchFamily="34" charset="-122"/>
+                <a:ea typeface="微软雅黑" panose="020B0503020204020204" pitchFamily="34" charset="-122"/>
+                <a:sym typeface="+mn-ea"/>
+              </a:rPr>
+              <a:t>，</a:t>
+            </a:r>
+            <a:r>
+              <a:rPr lang="en-US" altLang="zh-CN" b="1" dirty="0">
+                <a:solidFill>
+                  <a:srgbClr val="0000FF"/>
+                </a:solidFill>
+                <a:latin typeface="微软雅黑" panose="020B0503020204020204" pitchFamily="34" charset="-122"/>
+                <a:ea typeface="微软雅黑" panose="020B0503020204020204" pitchFamily="34" charset="-122"/>
+                <a:sym typeface="+mn-ea"/>
+              </a:rPr>
+              <a:t>GSO/GEO</a:t>
+            </a:r>
+            <a:r>
+              <a:rPr lang="zh-CN" altLang="en-US" b="1" dirty="0">
+                <a:latin typeface="微软雅黑" panose="020B0503020204020204" pitchFamily="34" charset="-122"/>
+                <a:ea typeface="微软雅黑" panose="020B0503020204020204" pitchFamily="34" charset="-122"/>
+                <a:sym typeface="+mn-ea"/>
+              </a:rPr>
+              <a:t>）</a:t>
+            </a:r>
+            <a:r>
+              <a:rPr lang="en-US" altLang="zh-CN" b="1" dirty="0">
+                <a:solidFill>
+                  <a:schemeClr val="tx1"/>
+                </a:solidFill>
+                <a:latin typeface="微软雅黑" panose="020B0503020204020204" pitchFamily="34" charset="-122"/>
+                <a:ea typeface="微软雅黑" panose="020B0503020204020204" pitchFamily="34" charset="-122"/>
+                <a:sym typeface="+mn-ea"/>
+              </a:rPr>
+              <a:t>~35786 km</a:t>
+            </a:r>
+            <a:endParaRPr lang="en-US" altLang="zh-CN" sz="2000" b="1" dirty="0">
+              <a:solidFill>
+                <a:schemeClr val="tx1"/>
+              </a:solidFill>
+              <a:latin typeface="微软雅黑" panose="020B0503020204020204" pitchFamily="34" charset="-122"/>
+              <a:ea typeface="微软雅黑" panose="020B0503020204020204" pitchFamily="34" charset="-122"/>
+              <a:sym typeface="+mn-ea"/>
+            </a:endParaRPr>
+          </a:p>
+        </p:txBody>
+      </p:sp>
+      <p:sp>
+        <p:nvSpPr>
+          <p:cNvPr id="5" name="灯片编号占位符 4"/>
+          <p:cNvSpPr>
+            <a:spLocks noGrp="1"/>
+          </p:cNvSpPr>
+          <p:nvPr>
+            <p:ph type="sldNum" sz="quarter" idx="4"/>
+          </p:nvPr>
+        </p:nvSpPr>
+        <p:spPr/>
+        <p:txBody>
+          <a:bodyPr/>
+          <a:lstStyle/>
+          <a:p>
+            <a:fld id="{5F1D8F20-F945-584B-B149-8CCFBEFE168A}" type="slidenum">
+              <a:rPr kumimoji="1" lang="zh-CN" altLang="en-US" smtClean="0"/>
+              <a:t>11</a:t>
+            </a:fld>
+            <a:endParaRPr kumimoji="1" lang="zh-CN" altLang="en-US"/>
+          </a:p>
+        </p:txBody>
+      </p:sp>
+      <p:sp>
+        <p:nvSpPr>
+          <p:cNvPr id="26" name="标题 1"/>
+          <p:cNvSpPr txBox="1"/>
+          <p:nvPr/>
+        </p:nvSpPr>
+        <p:spPr>
+          <a:xfrm>
+            <a:off x="0" y="0"/>
+            <a:ext cx="12187555" cy="711200"/>
+          </a:xfrm>
+          <a:prstGeom prst="rect">
+            <a:avLst/>
+          </a:prstGeom>
+          <a:noFill/>
+        </p:spPr>
+        <p:txBody>
+          <a:bodyPr vert="horz" lIns="91440" tIns="45720" rIns="91440" bIns="45720" rtlCol="0" anchor="ctr"/>
+          <a:lstStyle/>
+          <a:p>
+            <a:pPr marL="0" marR="0" lvl="0" indent="0" algn="ctr" defTabSz="914400" rtl="0" eaLnBrk="1" fontAlgn="base" latinLnBrk="0" hangingPunct="1">
+              <a:lnSpc>
+                <a:spcPct val="100000"/>
+              </a:lnSpc>
+              <a:spcBef>
+                <a:spcPct val="0"/>
+              </a:spcBef>
+              <a:spcAft>
+                <a:spcPct val="0"/>
+              </a:spcAft>
+              <a:buClrTx/>
+              <a:buSzTx/>
+              <a:buFontTx/>
+              <a:buNone/>
+              <a:defRPr/>
+            </a:pPr>
+            <a:r>
+              <a:rPr kumimoji="0" lang="zh-CN" altLang="en-US" sz="3200" b="1" i="0" u="none" strike="noStrike" kern="1200" cap="none" spc="0" normalizeH="0" baseline="0" noProof="0" dirty="0">
+                <a:ln>
+                  <a:noFill/>
+                </a:ln>
+                <a:solidFill>
+                  <a:schemeClr val="bg1"/>
+                </a:solidFill>
+                <a:effectLst/>
+                <a:uLnTx/>
+                <a:uFillTx/>
+                <a:latin typeface="微软雅黑" panose="020B0503020204020204" pitchFamily="34" charset="-122"/>
+                <a:ea typeface="微软雅黑" panose="020B0503020204020204" pitchFamily="34" charset="-122"/>
+                <a:cs typeface="+mj-cs"/>
+              </a:rPr>
+              <a:t>二体问题运动方程</a:t>
+            </a:r>
+          </a:p>
+        </p:txBody>
+      </p:sp>
+      <p:sp>
+        <p:nvSpPr>
+          <p:cNvPr id="4" name="文本框 3">
+            <a:extLst>
+              <a:ext uri="{FF2B5EF4-FFF2-40B4-BE49-F238E27FC236}">
+                <a16:creationId xmlns:a16="http://schemas.microsoft.com/office/drawing/2014/main" id="{AEE10D15-AA7F-4786-28BD-DFDC118B72B0}"/>
+              </a:ext>
+            </a:extLst>
+          </p:cNvPr>
+          <p:cNvSpPr txBox="1"/>
+          <p:nvPr/>
+        </p:nvSpPr>
+        <p:spPr>
+          <a:xfrm>
+            <a:off x="3131071" y="657186"/>
+            <a:ext cx="6112238" cy="458908"/>
+          </a:xfrm>
+          <a:prstGeom prst="rect">
+            <a:avLst/>
+          </a:prstGeom>
+          <a:noFill/>
+        </p:spPr>
+        <p:txBody>
+          <a:bodyPr wrap="square">
+            <a:spAutoFit/>
+          </a:bodyPr>
+          <a:lstStyle/>
+          <a:p>
+            <a:pPr algn="ctr" fontAlgn="auto">
+              <a:lnSpc>
+                <a:spcPct val="150000"/>
+              </a:lnSpc>
+              <a:spcAft>
+                <a:spcPts val="0"/>
+              </a:spcAft>
+            </a:pPr>
+            <a:r>
+              <a:rPr lang="zh-CN" altLang="en-US" sz="1800" b="1" dirty="0">
+                <a:solidFill>
+                  <a:srgbClr val="FF0000"/>
+                </a:solidFill>
+                <a:latin typeface="微软雅黑" panose="020B0503020204020204" pitchFamily="34" charset="-122"/>
+                <a:ea typeface="微软雅黑" panose="020B0503020204020204" pitchFamily="34" charset="-122"/>
+                <a:sym typeface="+mn-ea"/>
+              </a:rPr>
+              <a:t>轨道分类与分布 </a:t>
+            </a:r>
+            <a:r>
+              <a:rPr lang="en-US" altLang="zh-CN" b="1" dirty="0">
+                <a:solidFill>
+                  <a:srgbClr val="FF0000"/>
+                </a:solidFill>
+                <a:latin typeface="微软雅黑" panose="020B0503020204020204" pitchFamily="34" charset="-122"/>
+                <a:ea typeface="微软雅黑" panose="020B0503020204020204" pitchFamily="34" charset="-122"/>
+                <a:sym typeface="+mn-ea"/>
+              </a:rPr>
+              <a:t>(</a:t>
+            </a:r>
+            <a:r>
+              <a:rPr lang="zh-CN" altLang="en-US" sz="1800" b="1" dirty="0">
+                <a:solidFill>
+                  <a:srgbClr val="FF0000"/>
+                </a:solidFill>
+                <a:latin typeface="微软雅黑" panose="020B0503020204020204" pitchFamily="34" charset="-122"/>
+                <a:ea typeface="微软雅黑" panose="020B0503020204020204" pitchFamily="34" charset="-122"/>
+                <a:sym typeface="+mn-ea"/>
+              </a:rPr>
+              <a:t>低轨？高轨？其它？</a:t>
+            </a:r>
+            <a:r>
+              <a:rPr lang="en-US" altLang="zh-CN" sz="1800" b="1" dirty="0">
+                <a:solidFill>
+                  <a:srgbClr val="FF0000"/>
+                </a:solidFill>
+                <a:latin typeface="微软雅黑" panose="020B0503020204020204" pitchFamily="34" charset="-122"/>
+                <a:ea typeface="微软雅黑" panose="020B0503020204020204" pitchFamily="34" charset="-122"/>
+                <a:sym typeface="+mn-ea"/>
+              </a:rPr>
+              <a:t>)</a:t>
+            </a:r>
+          </a:p>
+        </p:txBody>
+      </p:sp>
+      <p:pic>
+        <p:nvPicPr>
+          <p:cNvPr id="7" name="图片 6" descr="图表, 散点图&#10;&#10;描述已自动生成">
+            <a:extLst>
+              <a:ext uri="{FF2B5EF4-FFF2-40B4-BE49-F238E27FC236}">
+                <a16:creationId xmlns:a16="http://schemas.microsoft.com/office/drawing/2014/main" id="{76C47FD1-9EA0-C67C-FDAE-6262FCA9DB39}"/>
+              </a:ext>
+            </a:extLst>
+          </p:cNvPr>
+          <p:cNvPicPr>
+            <a:picLocks noChangeAspect="1"/>
+          </p:cNvPicPr>
+          <p:nvPr/>
+        </p:nvPicPr>
+        <p:blipFill>
+          <a:blip r:embed="rId2"/>
+          <a:stretch>
+            <a:fillRect/>
+          </a:stretch>
+        </p:blipFill>
+        <p:spPr>
+          <a:xfrm>
+            <a:off x="1265489" y="3704232"/>
+            <a:ext cx="4109020" cy="2833807"/>
+          </a:xfrm>
+          <a:prstGeom prst="rect">
+            <a:avLst/>
+          </a:prstGeom>
+        </p:spPr>
+      </p:pic>
+      <p:pic>
+        <p:nvPicPr>
+          <p:cNvPr id="11" name="图片 10" descr="图表, 散点图&#10;&#10;描述已自动生成">
+            <a:extLst>
+              <a:ext uri="{FF2B5EF4-FFF2-40B4-BE49-F238E27FC236}">
+                <a16:creationId xmlns:a16="http://schemas.microsoft.com/office/drawing/2014/main" id="{1B8D1F81-0C46-6CA9-7AA1-F0730061C699}"/>
+              </a:ext>
+            </a:extLst>
+          </p:cNvPr>
+          <p:cNvPicPr>
+            <a:picLocks noChangeAspect="1"/>
+          </p:cNvPicPr>
+          <p:nvPr/>
+        </p:nvPicPr>
+        <p:blipFill>
+          <a:blip r:embed="rId3"/>
+          <a:stretch>
+            <a:fillRect/>
+          </a:stretch>
+        </p:blipFill>
+        <p:spPr>
+          <a:xfrm>
+            <a:off x="5677376" y="3697485"/>
+            <a:ext cx="5728337" cy="2840554"/>
+          </a:xfrm>
+          <a:prstGeom prst="rect">
+            <a:avLst/>
+          </a:prstGeom>
+        </p:spPr>
+      </p:pic>
+      <p:sp>
+        <p:nvSpPr>
+          <p:cNvPr id="12" name="椭圆 11">
+            <a:extLst>
+              <a:ext uri="{FF2B5EF4-FFF2-40B4-BE49-F238E27FC236}">
+                <a16:creationId xmlns:a16="http://schemas.microsoft.com/office/drawing/2014/main" id="{B9ECDFCF-C4F2-979D-7907-17CB1A8D47EA}"/>
+              </a:ext>
+            </a:extLst>
+          </p:cNvPr>
+          <p:cNvSpPr/>
+          <p:nvPr/>
+        </p:nvSpPr>
+        <p:spPr>
+          <a:xfrm>
+            <a:off x="3056791" y="4226311"/>
+            <a:ext cx="805736" cy="967950"/>
+          </a:xfrm>
+          <a:prstGeom prst="ellipse">
+            <a:avLst/>
+          </a:prstGeom>
+          <a:noFill/>
+          <a:ln w="28575">
+            <a:solidFill>
+              <a:srgbClr val="FF0000"/>
+            </a:solidFill>
+          </a:ln>
+        </p:spPr>
+        <p:style>
+          <a:lnRef idx="2">
+            <a:schemeClr val="accent1">
+              <a:shade val="15000"/>
+            </a:schemeClr>
+          </a:lnRef>
+          <a:fillRef idx="1">
+            <a:schemeClr val="accent1"/>
+          </a:fillRef>
+          <a:effectRef idx="0">
+            <a:schemeClr val="accent1"/>
+          </a:effectRef>
+          <a:fontRef idx="minor">
+            <a:schemeClr val="lt1"/>
+          </a:fontRef>
+        </p:style>
+        <p:txBody>
+          <a:bodyPr rtlCol="0" anchor="ctr"/>
+          <a:lstStyle/>
+          <a:p>
+            <a:pPr algn="ctr"/>
+            <a:endParaRPr lang="zh-CN" altLang="en-US" dirty="0"/>
+          </a:p>
+        </p:txBody>
+      </p:sp>
+      <p:sp>
+        <p:nvSpPr>
+          <p:cNvPr id="13" name="椭圆 12">
+            <a:extLst>
+              <a:ext uri="{FF2B5EF4-FFF2-40B4-BE49-F238E27FC236}">
+                <a16:creationId xmlns:a16="http://schemas.microsoft.com/office/drawing/2014/main" id="{6D3EE829-175B-B0E8-8BFD-5327873353B7}"/>
+              </a:ext>
+            </a:extLst>
+          </p:cNvPr>
+          <p:cNvSpPr/>
+          <p:nvPr/>
+        </p:nvSpPr>
+        <p:spPr>
+          <a:xfrm>
+            <a:off x="1614288" y="5246557"/>
+            <a:ext cx="674558" cy="989310"/>
+          </a:xfrm>
+          <a:prstGeom prst="ellipse">
+            <a:avLst/>
+          </a:prstGeom>
+          <a:noFill/>
+          <a:ln w="28575">
+            <a:solidFill>
+              <a:srgbClr val="FF0000"/>
+            </a:solidFill>
+          </a:ln>
+        </p:spPr>
+        <p:style>
+          <a:lnRef idx="2">
+            <a:schemeClr val="accent1">
+              <a:shade val="15000"/>
+            </a:schemeClr>
+          </a:lnRef>
+          <a:fillRef idx="1">
+            <a:schemeClr val="accent1"/>
+          </a:fillRef>
+          <a:effectRef idx="0">
+            <a:schemeClr val="accent1"/>
+          </a:effectRef>
+          <a:fontRef idx="minor">
+            <a:schemeClr val="lt1"/>
+          </a:fontRef>
+        </p:style>
+        <p:txBody>
+          <a:bodyPr rtlCol="0" anchor="ctr"/>
+          <a:lstStyle/>
+          <a:p>
+            <a:pPr algn="ctr"/>
+            <a:endParaRPr lang="zh-CN" altLang="en-US"/>
+          </a:p>
+        </p:txBody>
+      </p:sp>
+      <p:sp>
+        <p:nvSpPr>
+          <p:cNvPr id="21" name="椭圆 20">
+            <a:extLst>
+              <a:ext uri="{FF2B5EF4-FFF2-40B4-BE49-F238E27FC236}">
+                <a16:creationId xmlns:a16="http://schemas.microsoft.com/office/drawing/2014/main" id="{3604CCC8-4894-B7BB-B398-0AA2B666F552}"/>
+              </a:ext>
+            </a:extLst>
+          </p:cNvPr>
+          <p:cNvSpPr/>
+          <p:nvPr/>
+        </p:nvSpPr>
+        <p:spPr>
+          <a:xfrm>
+            <a:off x="4331000" y="5600494"/>
+            <a:ext cx="674558" cy="674558"/>
+          </a:xfrm>
+          <a:prstGeom prst="ellipse">
+            <a:avLst/>
+          </a:prstGeom>
+          <a:noFill/>
+          <a:ln w="28575">
+            <a:solidFill>
+              <a:srgbClr val="FF0000"/>
+            </a:solidFill>
+          </a:ln>
+        </p:spPr>
+        <p:style>
+          <a:lnRef idx="2">
+            <a:schemeClr val="accent1">
+              <a:shade val="15000"/>
+            </a:schemeClr>
+          </a:lnRef>
+          <a:fillRef idx="1">
+            <a:schemeClr val="accent1"/>
+          </a:fillRef>
+          <a:effectRef idx="0">
+            <a:schemeClr val="accent1"/>
+          </a:effectRef>
+          <a:fontRef idx="minor">
+            <a:schemeClr val="lt1"/>
+          </a:fontRef>
+        </p:style>
+        <p:txBody>
+          <a:bodyPr rtlCol="0" anchor="ctr"/>
+          <a:lstStyle/>
+          <a:p>
+            <a:pPr algn="ctr"/>
+            <a:endParaRPr lang="zh-CN" altLang="en-US"/>
+          </a:p>
+        </p:txBody>
+      </p:sp>
+      <p:sp>
+        <p:nvSpPr>
+          <p:cNvPr id="22" name="椭圆 21">
+            <a:extLst>
+              <a:ext uri="{FF2B5EF4-FFF2-40B4-BE49-F238E27FC236}">
+                <a16:creationId xmlns:a16="http://schemas.microsoft.com/office/drawing/2014/main" id="{F49E45C6-8ADD-7F29-B9A3-784ED0389598}"/>
+              </a:ext>
+            </a:extLst>
+          </p:cNvPr>
+          <p:cNvSpPr/>
+          <p:nvPr/>
+        </p:nvSpPr>
+        <p:spPr>
+          <a:xfrm>
+            <a:off x="6242782" y="5714857"/>
+            <a:ext cx="599467" cy="599467"/>
+          </a:xfrm>
+          <a:prstGeom prst="ellipse">
+            <a:avLst/>
+          </a:prstGeom>
+          <a:noFill/>
+          <a:ln w="28575">
+            <a:solidFill>
+              <a:srgbClr val="FF0000"/>
+            </a:solidFill>
+          </a:ln>
+        </p:spPr>
+        <p:style>
+          <a:lnRef idx="2">
+            <a:schemeClr val="accent1">
+              <a:shade val="15000"/>
+            </a:schemeClr>
+          </a:lnRef>
+          <a:fillRef idx="1">
+            <a:schemeClr val="accent1"/>
+          </a:fillRef>
+          <a:effectRef idx="0">
+            <a:schemeClr val="accent1"/>
+          </a:effectRef>
+          <a:fontRef idx="minor">
+            <a:schemeClr val="lt1"/>
+          </a:fontRef>
+        </p:style>
+        <p:txBody>
+          <a:bodyPr rtlCol="0" anchor="ctr"/>
+          <a:lstStyle/>
+          <a:p>
+            <a:pPr algn="ctr"/>
+            <a:endParaRPr lang="zh-CN" altLang="en-US"/>
+          </a:p>
+        </p:txBody>
+      </p:sp>
+      <p:sp>
+        <p:nvSpPr>
+          <p:cNvPr id="27" name="椭圆 26">
+            <a:extLst>
+              <a:ext uri="{FF2B5EF4-FFF2-40B4-BE49-F238E27FC236}">
+                <a16:creationId xmlns:a16="http://schemas.microsoft.com/office/drawing/2014/main" id="{8F3F39BB-EB47-61ED-C3E7-369488941C76}"/>
+              </a:ext>
+            </a:extLst>
+          </p:cNvPr>
+          <p:cNvSpPr/>
+          <p:nvPr/>
+        </p:nvSpPr>
+        <p:spPr>
+          <a:xfrm>
+            <a:off x="8400605" y="3771951"/>
+            <a:ext cx="674558" cy="674558"/>
+          </a:xfrm>
+          <a:prstGeom prst="ellipse">
+            <a:avLst/>
+          </a:prstGeom>
+          <a:noFill/>
+          <a:ln w="28575">
+            <a:solidFill>
+              <a:srgbClr val="FF0000"/>
+            </a:solidFill>
+          </a:ln>
+        </p:spPr>
+        <p:style>
+          <a:lnRef idx="2">
+            <a:schemeClr val="accent1">
+              <a:shade val="15000"/>
+            </a:schemeClr>
+          </a:lnRef>
+          <a:fillRef idx="1">
+            <a:schemeClr val="accent1"/>
+          </a:fillRef>
+          <a:effectRef idx="0">
+            <a:schemeClr val="accent1"/>
+          </a:effectRef>
+          <a:fontRef idx="minor">
+            <a:schemeClr val="lt1"/>
+          </a:fontRef>
+        </p:style>
+        <p:txBody>
+          <a:bodyPr rtlCol="0" anchor="ctr"/>
+          <a:lstStyle/>
+          <a:p>
+            <a:pPr algn="ctr"/>
+            <a:endParaRPr lang="zh-CN" altLang="en-US"/>
+          </a:p>
+        </p:txBody>
+      </p:sp>
+      <p:sp>
+        <p:nvSpPr>
+          <p:cNvPr id="28" name="椭圆 27">
+            <a:extLst>
+              <a:ext uri="{FF2B5EF4-FFF2-40B4-BE49-F238E27FC236}">
+                <a16:creationId xmlns:a16="http://schemas.microsoft.com/office/drawing/2014/main" id="{42AE4301-5DD7-B577-E371-964DC5D50AD7}"/>
+              </a:ext>
+            </a:extLst>
+          </p:cNvPr>
+          <p:cNvSpPr/>
+          <p:nvPr/>
+        </p:nvSpPr>
+        <p:spPr>
+          <a:xfrm>
+            <a:off x="7397646" y="4519703"/>
+            <a:ext cx="674558" cy="674558"/>
+          </a:xfrm>
+          <a:prstGeom prst="ellipse">
+            <a:avLst/>
+          </a:prstGeom>
+          <a:noFill/>
+          <a:ln w="28575">
+            <a:solidFill>
+              <a:srgbClr val="FF0000"/>
+            </a:solidFill>
+          </a:ln>
+        </p:spPr>
+        <p:style>
+          <a:lnRef idx="2">
+            <a:schemeClr val="accent1">
+              <a:shade val="15000"/>
+            </a:schemeClr>
+          </a:lnRef>
+          <a:fillRef idx="1">
+            <a:schemeClr val="accent1"/>
+          </a:fillRef>
+          <a:effectRef idx="0">
+            <a:schemeClr val="accent1"/>
+          </a:effectRef>
+          <a:fontRef idx="minor">
+            <a:schemeClr val="lt1"/>
+          </a:fontRef>
+        </p:style>
+        <p:txBody>
+          <a:bodyPr rtlCol="0" anchor="ctr"/>
+          <a:lstStyle/>
+          <a:p>
+            <a:pPr algn="ctr"/>
+            <a:endParaRPr lang="zh-CN" altLang="en-US"/>
+          </a:p>
+        </p:txBody>
+      </p:sp>
+      <p:sp>
+        <p:nvSpPr>
+          <p:cNvPr id="29" name="椭圆 28">
+            <a:extLst>
+              <a:ext uri="{FF2B5EF4-FFF2-40B4-BE49-F238E27FC236}">
+                <a16:creationId xmlns:a16="http://schemas.microsoft.com/office/drawing/2014/main" id="{300AC44B-06C1-4EA8-3C3E-B5F56FCD1BC9}"/>
+              </a:ext>
+            </a:extLst>
+          </p:cNvPr>
+          <p:cNvSpPr/>
+          <p:nvPr/>
+        </p:nvSpPr>
+        <p:spPr>
+          <a:xfrm>
+            <a:off x="3138909" y="5732212"/>
+            <a:ext cx="674558" cy="674558"/>
+          </a:xfrm>
+          <a:prstGeom prst="ellipse">
+            <a:avLst/>
+          </a:prstGeom>
+          <a:noFill/>
+          <a:ln w="28575">
+            <a:solidFill>
+              <a:srgbClr val="FF0000"/>
+            </a:solidFill>
+          </a:ln>
+        </p:spPr>
+        <p:style>
+          <a:lnRef idx="2">
+            <a:schemeClr val="accent1">
+              <a:shade val="15000"/>
+            </a:schemeClr>
+          </a:lnRef>
+          <a:fillRef idx="1">
+            <a:schemeClr val="accent1"/>
+          </a:fillRef>
+          <a:effectRef idx="0">
+            <a:schemeClr val="accent1"/>
+          </a:effectRef>
+          <a:fontRef idx="minor">
+            <a:schemeClr val="lt1"/>
+          </a:fontRef>
+        </p:style>
+        <p:txBody>
+          <a:bodyPr rtlCol="0" anchor="ctr"/>
+          <a:lstStyle/>
+          <a:p>
+            <a:pPr algn="ctr"/>
+            <a:endParaRPr lang="zh-CN" altLang="en-US"/>
+          </a:p>
+        </p:txBody>
+      </p:sp>
+      <p:sp>
+        <p:nvSpPr>
+          <p:cNvPr id="33" name="椭圆 32">
+            <a:extLst>
+              <a:ext uri="{FF2B5EF4-FFF2-40B4-BE49-F238E27FC236}">
+                <a16:creationId xmlns:a16="http://schemas.microsoft.com/office/drawing/2014/main" id="{54A1FC26-F7D3-49D7-C3B7-3BC48FADB3C8}"/>
+              </a:ext>
+            </a:extLst>
+          </p:cNvPr>
+          <p:cNvSpPr/>
+          <p:nvPr/>
+        </p:nvSpPr>
+        <p:spPr>
+          <a:xfrm rot="19542495">
+            <a:off x="1763484" y="3847627"/>
+            <a:ext cx="3258056" cy="957457"/>
+          </a:xfrm>
+          <a:custGeom>
+            <a:avLst/>
+            <a:gdLst>
+              <a:gd name="connsiteX0" fmla="*/ 0 w 2390634"/>
+              <a:gd name="connsiteY0" fmla="*/ 247328 h 494656"/>
+              <a:gd name="connsiteX1" fmla="*/ 1195317 w 2390634"/>
+              <a:gd name="connsiteY1" fmla="*/ 0 h 494656"/>
+              <a:gd name="connsiteX2" fmla="*/ 2390634 w 2390634"/>
+              <a:gd name="connsiteY2" fmla="*/ 247328 h 494656"/>
+              <a:gd name="connsiteX3" fmla="*/ 1195317 w 2390634"/>
+              <a:gd name="connsiteY3" fmla="*/ 494656 h 494656"/>
+              <a:gd name="connsiteX4" fmla="*/ 0 w 2390634"/>
+              <a:gd name="connsiteY4" fmla="*/ 247328 h 494656"/>
+              <a:gd name="connsiteX0" fmla="*/ 0 w 3212789"/>
+              <a:gd name="connsiteY0" fmla="*/ 279351 h 1000763"/>
+              <a:gd name="connsiteX1" fmla="*/ 1195317 w 3212789"/>
+              <a:gd name="connsiteY1" fmla="*/ 32023 h 1000763"/>
+              <a:gd name="connsiteX2" fmla="*/ 3212789 w 3212789"/>
+              <a:gd name="connsiteY2" fmla="*/ 976094 h 1000763"/>
+              <a:gd name="connsiteX3" fmla="*/ 1195317 w 3212789"/>
+              <a:gd name="connsiteY3" fmla="*/ 526679 h 1000763"/>
+              <a:gd name="connsiteX4" fmla="*/ 0 w 3212789"/>
+              <a:gd name="connsiteY4" fmla="*/ 279351 h 1000763"/>
+              <a:gd name="connsiteX0" fmla="*/ 0 w 3256718"/>
+              <a:gd name="connsiteY0" fmla="*/ 481276 h 977184"/>
+              <a:gd name="connsiteX1" fmla="*/ 1239246 w 3256718"/>
+              <a:gd name="connsiteY1" fmla="*/ 9891 h 977184"/>
+              <a:gd name="connsiteX2" fmla="*/ 3256718 w 3256718"/>
+              <a:gd name="connsiteY2" fmla="*/ 953962 h 977184"/>
+              <a:gd name="connsiteX3" fmla="*/ 1239246 w 3256718"/>
+              <a:gd name="connsiteY3" fmla="*/ 504547 h 977184"/>
+              <a:gd name="connsiteX4" fmla="*/ 0 w 3256718"/>
+              <a:gd name="connsiteY4" fmla="*/ 481276 h 977184"/>
+              <a:gd name="connsiteX0" fmla="*/ 1241 w 3257959"/>
+              <a:gd name="connsiteY0" fmla="*/ 480093 h 973520"/>
+              <a:gd name="connsiteX1" fmla="*/ 1240487 w 3257959"/>
+              <a:gd name="connsiteY1" fmla="*/ 8708 h 973520"/>
+              <a:gd name="connsiteX2" fmla="*/ 3257959 w 3257959"/>
+              <a:gd name="connsiteY2" fmla="*/ 952779 h 973520"/>
+              <a:gd name="connsiteX3" fmla="*/ 1453295 w 3257959"/>
+              <a:gd name="connsiteY3" fmla="*/ 430758 h 973520"/>
+              <a:gd name="connsiteX4" fmla="*/ 1241 w 3257959"/>
+              <a:gd name="connsiteY4" fmla="*/ 480093 h 973520"/>
+              <a:gd name="connsiteX0" fmla="*/ 111 w 3256829"/>
+              <a:gd name="connsiteY0" fmla="*/ 453998 h 947425"/>
+              <a:gd name="connsiteX1" fmla="*/ 1384600 w 3256829"/>
+              <a:gd name="connsiteY1" fmla="*/ 9084 h 947425"/>
+              <a:gd name="connsiteX2" fmla="*/ 3256829 w 3256829"/>
+              <a:gd name="connsiteY2" fmla="*/ 926684 h 947425"/>
+              <a:gd name="connsiteX3" fmla="*/ 1452165 w 3256829"/>
+              <a:gd name="connsiteY3" fmla="*/ 404663 h 947425"/>
+              <a:gd name="connsiteX4" fmla="*/ 111 w 3256829"/>
+              <a:gd name="connsiteY4" fmla="*/ 453998 h 947425"/>
+              <a:gd name="connsiteX0" fmla="*/ 6 w 3256724"/>
+              <a:gd name="connsiteY0" fmla="*/ 410505 h 903932"/>
+              <a:gd name="connsiteX1" fmla="*/ 1436003 w 3256724"/>
+              <a:gd name="connsiteY1" fmla="*/ 9788 h 903932"/>
+              <a:gd name="connsiteX2" fmla="*/ 3256724 w 3256724"/>
+              <a:gd name="connsiteY2" fmla="*/ 883191 h 903932"/>
+              <a:gd name="connsiteX3" fmla="*/ 1452060 w 3256724"/>
+              <a:gd name="connsiteY3" fmla="*/ 361170 h 903932"/>
+              <a:gd name="connsiteX4" fmla="*/ 6 w 3256724"/>
+              <a:gd name="connsiteY4" fmla="*/ 410505 h 903932"/>
+              <a:gd name="connsiteX0" fmla="*/ 8 w 3256726"/>
+              <a:gd name="connsiteY0" fmla="*/ 414002 h 907429"/>
+              <a:gd name="connsiteX1" fmla="*/ 1436005 w 3256726"/>
+              <a:gd name="connsiteY1" fmla="*/ 13285 h 907429"/>
+              <a:gd name="connsiteX2" fmla="*/ 3256726 w 3256726"/>
+              <a:gd name="connsiteY2" fmla="*/ 886688 h 907429"/>
+              <a:gd name="connsiteX3" fmla="*/ 1452062 w 3256726"/>
+              <a:gd name="connsiteY3" fmla="*/ 364667 h 907429"/>
+              <a:gd name="connsiteX4" fmla="*/ 8 w 3256726"/>
+              <a:gd name="connsiteY4" fmla="*/ 414002 h 907429"/>
+              <a:gd name="connsiteX0" fmla="*/ 8 w 3256726"/>
+              <a:gd name="connsiteY0" fmla="*/ 418409 h 911836"/>
+              <a:gd name="connsiteX1" fmla="*/ 1436005 w 3256726"/>
+              <a:gd name="connsiteY1" fmla="*/ 17692 h 911836"/>
+              <a:gd name="connsiteX2" fmla="*/ 3256726 w 3256726"/>
+              <a:gd name="connsiteY2" fmla="*/ 891095 h 911836"/>
+              <a:gd name="connsiteX3" fmla="*/ 1452062 w 3256726"/>
+              <a:gd name="connsiteY3" fmla="*/ 369074 h 911836"/>
+              <a:gd name="connsiteX4" fmla="*/ 8 w 3256726"/>
+              <a:gd name="connsiteY4" fmla="*/ 418409 h 911836"/>
+              <a:gd name="connsiteX0" fmla="*/ 8 w 3256726"/>
+              <a:gd name="connsiteY0" fmla="*/ 410031 h 903458"/>
+              <a:gd name="connsiteX1" fmla="*/ 1436005 w 3256726"/>
+              <a:gd name="connsiteY1" fmla="*/ 9314 h 903458"/>
+              <a:gd name="connsiteX2" fmla="*/ 3256726 w 3256726"/>
+              <a:gd name="connsiteY2" fmla="*/ 882717 h 903458"/>
+              <a:gd name="connsiteX3" fmla="*/ 1452062 w 3256726"/>
+              <a:gd name="connsiteY3" fmla="*/ 360696 h 903458"/>
+              <a:gd name="connsiteX4" fmla="*/ 8 w 3256726"/>
+              <a:gd name="connsiteY4" fmla="*/ 410031 h 903458"/>
+              <a:gd name="connsiteX0" fmla="*/ 755 w 3257473"/>
+              <a:gd name="connsiteY0" fmla="*/ 491331 h 984758"/>
+              <a:gd name="connsiteX1" fmla="*/ 1302491 w 3257473"/>
+              <a:gd name="connsiteY1" fmla="*/ 8128 h 984758"/>
+              <a:gd name="connsiteX2" fmla="*/ 3257473 w 3257473"/>
+              <a:gd name="connsiteY2" fmla="*/ 964017 h 984758"/>
+              <a:gd name="connsiteX3" fmla="*/ 1452809 w 3257473"/>
+              <a:gd name="connsiteY3" fmla="*/ 441996 h 984758"/>
+              <a:gd name="connsiteX4" fmla="*/ 755 w 3257473"/>
+              <a:gd name="connsiteY4" fmla="*/ 491331 h 984758"/>
+              <a:gd name="connsiteX0" fmla="*/ 497 w 3257215"/>
+              <a:gd name="connsiteY0" fmla="*/ 464382 h 957809"/>
+              <a:gd name="connsiteX1" fmla="*/ 1328972 w 3257215"/>
+              <a:gd name="connsiteY1" fmla="*/ 8486 h 957809"/>
+              <a:gd name="connsiteX2" fmla="*/ 3257215 w 3257215"/>
+              <a:gd name="connsiteY2" fmla="*/ 937068 h 957809"/>
+              <a:gd name="connsiteX3" fmla="*/ 1452551 w 3257215"/>
+              <a:gd name="connsiteY3" fmla="*/ 415047 h 957809"/>
+              <a:gd name="connsiteX4" fmla="*/ 497 w 3257215"/>
+              <a:gd name="connsiteY4" fmla="*/ 464382 h 957809"/>
+              <a:gd name="connsiteX0" fmla="*/ 1575 w 3258293"/>
+              <a:gd name="connsiteY0" fmla="*/ 464374 h 957707"/>
+              <a:gd name="connsiteX1" fmla="*/ 1330050 w 3258293"/>
+              <a:gd name="connsiteY1" fmla="*/ 8478 h 957707"/>
+              <a:gd name="connsiteX2" fmla="*/ 3258293 w 3258293"/>
+              <a:gd name="connsiteY2" fmla="*/ 937060 h 957707"/>
+              <a:gd name="connsiteX3" fmla="*/ 1555526 w 3258293"/>
+              <a:gd name="connsiteY3" fmla="*/ 411951 h 957707"/>
+              <a:gd name="connsiteX4" fmla="*/ 1575 w 3258293"/>
+              <a:gd name="connsiteY4" fmla="*/ 464374 h 957707"/>
+              <a:gd name="connsiteX0" fmla="*/ 1338 w 3258056"/>
+              <a:gd name="connsiteY0" fmla="*/ 464341 h 957297"/>
+              <a:gd name="connsiteX1" fmla="*/ 1329813 w 3258056"/>
+              <a:gd name="connsiteY1" fmla="*/ 8445 h 957297"/>
+              <a:gd name="connsiteX2" fmla="*/ 3258056 w 3258056"/>
+              <a:gd name="connsiteY2" fmla="*/ 937027 h 957297"/>
+              <a:gd name="connsiteX3" fmla="*/ 1536712 w 3258056"/>
+              <a:gd name="connsiteY3" fmla="*/ 399249 h 957297"/>
+              <a:gd name="connsiteX4" fmla="*/ 1338 w 3258056"/>
+              <a:gd name="connsiteY4" fmla="*/ 464341 h 957297"/>
+              <a:gd name="connsiteX0" fmla="*/ 1338 w 3258056"/>
+              <a:gd name="connsiteY0" fmla="*/ 464341 h 957967"/>
+              <a:gd name="connsiteX1" fmla="*/ 1329813 w 3258056"/>
+              <a:gd name="connsiteY1" fmla="*/ 8445 h 957967"/>
+              <a:gd name="connsiteX2" fmla="*/ 3258056 w 3258056"/>
+              <a:gd name="connsiteY2" fmla="*/ 937027 h 957967"/>
+              <a:gd name="connsiteX3" fmla="*/ 1536712 w 3258056"/>
+              <a:gd name="connsiteY3" fmla="*/ 399249 h 957967"/>
+              <a:gd name="connsiteX4" fmla="*/ 1338 w 3258056"/>
+              <a:gd name="connsiteY4" fmla="*/ 464341 h 957967"/>
+              <a:gd name="connsiteX0" fmla="*/ 1338 w 3258056"/>
+              <a:gd name="connsiteY0" fmla="*/ 464341 h 957457"/>
+              <a:gd name="connsiteX1" fmla="*/ 1329813 w 3258056"/>
+              <a:gd name="connsiteY1" fmla="*/ 8445 h 957457"/>
+              <a:gd name="connsiteX2" fmla="*/ 3258056 w 3258056"/>
+              <a:gd name="connsiteY2" fmla="*/ 937027 h 957457"/>
+              <a:gd name="connsiteX3" fmla="*/ 1536712 w 3258056"/>
+              <a:gd name="connsiteY3" fmla="*/ 399249 h 957457"/>
+              <a:gd name="connsiteX4" fmla="*/ 1338 w 3258056"/>
+              <a:gd name="connsiteY4" fmla="*/ 464341 h 957457"/>
+            </a:gdLst>
+            <a:ahLst/>
+            <a:cxnLst>
+              <a:cxn ang="0">
+                <a:pos x="connsiteX0" y="connsiteY0"/>
+              </a:cxn>
+              <a:cxn ang="0">
+                <a:pos x="connsiteX1" y="connsiteY1"/>
+              </a:cxn>
+              <a:cxn ang="0">
+                <a:pos x="connsiteX2" y="connsiteY2"/>
+              </a:cxn>
+              <a:cxn ang="0">
+                <a:pos x="connsiteX3" y="connsiteY3"/>
+              </a:cxn>
+              <a:cxn ang="0">
+                <a:pos x="connsiteX4" y="connsiteY4"/>
+              </a:cxn>
+            </a:cxnLst>
+            <a:rect l="l" t="t" r="r" b="b"/>
+            <a:pathLst>
+              <a:path w="3258056" h="957457">
+                <a:moveTo>
+                  <a:pt x="1338" y="464341"/>
+                </a:moveTo>
+                <a:cubicBezTo>
+                  <a:pt x="-33145" y="399207"/>
+                  <a:pt x="604062" y="-68099"/>
+                  <a:pt x="1329813" y="8445"/>
+                </a:cubicBezTo>
+                <a:cubicBezTo>
+                  <a:pt x="2055564" y="84989"/>
+                  <a:pt x="3258056" y="800432"/>
+                  <a:pt x="3258056" y="937027"/>
+                </a:cubicBezTo>
+                <a:cubicBezTo>
+                  <a:pt x="3258056" y="1073622"/>
+                  <a:pt x="2220801" y="483671"/>
+                  <a:pt x="1536712" y="399249"/>
+                </a:cubicBezTo>
+                <a:cubicBezTo>
+                  <a:pt x="852623" y="314827"/>
+                  <a:pt x="35821" y="529475"/>
+                  <a:pt x="1338" y="464341"/>
+                </a:cubicBezTo>
+                <a:close/>
+              </a:path>
+            </a:pathLst>
+          </a:custGeom>
+          <a:noFill/>
+          <a:ln w="28575">
+            <a:solidFill>
+              <a:srgbClr val="FF0000"/>
+            </a:solidFill>
+          </a:ln>
+        </p:spPr>
+        <p:style>
+          <a:lnRef idx="2">
+            <a:schemeClr val="accent1">
+              <a:shade val="15000"/>
+            </a:schemeClr>
+          </a:lnRef>
+          <a:fillRef idx="1">
+            <a:schemeClr val="accent1"/>
+          </a:fillRef>
+          <a:effectRef idx="0">
+            <a:schemeClr val="accent1"/>
+          </a:effectRef>
+          <a:fontRef idx="minor">
+            <a:schemeClr val="lt1"/>
+          </a:fontRef>
+        </p:style>
+        <p:txBody>
+          <a:bodyPr rtlCol="0" anchor="ctr"/>
+          <a:lstStyle/>
+          <a:p>
+            <a:pPr algn="ctr"/>
+            <a:endParaRPr lang="zh-CN" altLang="en-US"/>
+          </a:p>
+        </p:txBody>
+      </p:sp>
+      <p:sp>
+        <p:nvSpPr>
+          <p:cNvPr id="36" name="椭圆 35">
+            <a:extLst>
+              <a:ext uri="{FF2B5EF4-FFF2-40B4-BE49-F238E27FC236}">
+                <a16:creationId xmlns:a16="http://schemas.microsoft.com/office/drawing/2014/main" id="{408B4379-2202-13E3-996C-CAB96793CE4D}"/>
+              </a:ext>
+            </a:extLst>
+          </p:cNvPr>
+          <p:cNvSpPr/>
+          <p:nvPr/>
+        </p:nvSpPr>
+        <p:spPr>
+          <a:xfrm>
+            <a:off x="6733346" y="5921115"/>
+            <a:ext cx="4486791" cy="329742"/>
+          </a:xfrm>
+          <a:prstGeom prst="ellipse">
+            <a:avLst/>
+          </a:prstGeom>
+          <a:noFill/>
+          <a:ln w="28575">
+            <a:solidFill>
+              <a:srgbClr val="FF0000"/>
+            </a:solidFill>
+          </a:ln>
+        </p:spPr>
+        <p:style>
+          <a:lnRef idx="2">
+            <a:schemeClr val="accent1">
+              <a:shade val="15000"/>
+            </a:schemeClr>
+          </a:lnRef>
+          <a:fillRef idx="1">
+            <a:schemeClr val="accent1"/>
+          </a:fillRef>
+          <a:effectRef idx="0">
+            <a:schemeClr val="accent1"/>
+          </a:effectRef>
+          <a:fontRef idx="minor">
+            <a:schemeClr val="lt1"/>
+          </a:fontRef>
+        </p:style>
+        <p:txBody>
+          <a:bodyPr rtlCol="0" anchor="ctr"/>
+          <a:lstStyle/>
+          <a:p>
+            <a:pPr algn="ctr"/>
+            <a:endParaRPr lang="zh-CN" altLang="en-US"/>
+          </a:p>
+        </p:txBody>
+      </p:sp>
+      <p:sp>
+        <p:nvSpPr>
+          <p:cNvPr id="37" name="椭圆 36">
+            <a:extLst>
+              <a:ext uri="{FF2B5EF4-FFF2-40B4-BE49-F238E27FC236}">
+                <a16:creationId xmlns:a16="http://schemas.microsoft.com/office/drawing/2014/main" id="{FBFFF209-04DF-6426-1D4B-0A0C45D0F2DA}"/>
+              </a:ext>
+            </a:extLst>
+          </p:cNvPr>
+          <p:cNvSpPr/>
+          <p:nvPr/>
+        </p:nvSpPr>
+        <p:spPr>
+          <a:xfrm>
+            <a:off x="8219255" y="5360127"/>
+            <a:ext cx="752358" cy="674558"/>
+          </a:xfrm>
+          <a:prstGeom prst="ellipse">
+            <a:avLst/>
+          </a:prstGeom>
+          <a:noFill/>
+          <a:ln w="28575">
+            <a:solidFill>
+              <a:srgbClr val="FF0000"/>
+            </a:solidFill>
+          </a:ln>
+        </p:spPr>
+        <p:style>
+          <a:lnRef idx="2">
+            <a:schemeClr val="accent1">
+              <a:shade val="15000"/>
+            </a:schemeClr>
+          </a:lnRef>
+          <a:fillRef idx="1">
+            <a:schemeClr val="accent1"/>
+          </a:fillRef>
+          <a:effectRef idx="0">
+            <a:schemeClr val="accent1"/>
+          </a:effectRef>
+          <a:fontRef idx="minor">
+            <a:schemeClr val="lt1"/>
+          </a:fontRef>
+        </p:style>
+        <p:txBody>
+          <a:bodyPr rtlCol="0" anchor="ctr"/>
+          <a:lstStyle/>
+          <a:p>
+            <a:pPr algn="ctr"/>
+            <a:endParaRPr lang="zh-CN" altLang="en-US"/>
+          </a:p>
+        </p:txBody>
+      </p:sp>
+      <p:sp>
+        <p:nvSpPr>
+          <p:cNvPr id="40" name="文本框 39">
+            <a:extLst>
+              <a:ext uri="{FF2B5EF4-FFF2-40B4-BE49-F238E27FC236}">
+                <a16:creationId xmlns:a16="http://schemas.microsoft.com/office/drawing/2014/main" id="{0F36154D-116C-53A2-7011-8ED3C445F3C9}"/>
+              </a:ext>
+            </a:extLst>
+          </p:cNvPr>
+          <p:cNvSpPr txBox="1"/>
+          <p:nvPr/>
+        </p:nvSpPr>
+        <p:spPr>
+          <a:xfrm>
+            <a:off x="1338641" y="5749889"/>
+            <a:ext cx="387301" cy="369332"/>
+          </a:xfrm>
+          <a:prstGeom prst="rect">
+            <a:avLst/>
+          </a:prstGeom>
+          <a:noFill/>
+        </p:spPr>
+        <p:txBody>
+          <a:bodyPr wrap="square">
+            <a:spAutoFit/>
+          </a:bodyPr>
+          <a:lstStyle/>
+          <a:p>
+            <a:r>
+              <a:rPr lang="en-US" altLang="zh-CN" sz="1800" b="1" dirty="0">
+                <a:solidFill>
+                  <a:srgbClr val="FF0000"/>
+                </a:solidFill>
+                <a:latin typeface="微软雅黑" panose="020B0503020204020204" pitchFamily="34" charset="-122"/>
+                <a:ea typeface="微软雅黑" panose="020B0503020204020204" pitchFamily="34" charset="-122"/>
+                <a:sym typeface="+mn-ea"/>
+              </a:rPr>
+              <a:t>1</a:t>
+            </a:r>
+            <a:endParaRPr lang="zh-CN" altLang="en-US" dirty="0"/>
+          </a:p>
+        </p:txBody>
+      </p:sp>
+      <p:sp>
+        <p:nvSpPr>
+          <p:cNvPr id="41" name="文本框 40">
+            <a:extLst>
+              <a:ext uri="{FF2B5EF4-FFF2-40B4-BE49-F238E27FC236}">
+                <a16:creationId xmlns:a16="http://schemas.microsoft.com/office/drawing/2014/main" id="{D10CE289-27AA-69E3-0D74-FBC479BBBE5C}"/>
+              </a:ext>
+            </a:extLst>
+          </p:cNvPr>
+          <p:cNvSpPr txBox="1"/>
+          <p:nvPr/>
+        </p:nvSpPr>
+        <p:spPr>
+          <a:xfrm>
+            <a:off x="6005957" y="6002834"/>
+            <a:ext cx="387301" cy="369332"/>
+          </a:xfrm>
+          <a:prstGeom prst="rect">
+            <a:avLst/>
+          </a:prstGeom>
+          <a:noFill/>
+        </p:spPr>
+        <p:txBody>
+          <a:bodyPr wrap="square">
+            <a:spAutoFit/>
+          </a:bodyPr>
+          <a:lstStyle/>
+          <a:p>
+            <a:r>
+              <a:rPr lang="en-US" altLang="zh-CN" sz="1800" b="1" dirty="0">
+                <a:solidFill>
+                  <a:srgbClr val="FF0000"/>
+                </a:solidFill>
+                <a:latin typeface="微软雅黑" panose="020B0503020204020204" pitchFamily="34" charset="-122"/>
+                <a:ea typeface="微软雅黑" panose="020B0503020204020204" pitchFamily="34" charset="-122"/>
+                <a:sym typeface="+mn-ea"/>
+              </a:rPr>
+              <a:t>1</a:t>
+            </a:r>
+            <a:endParaRPr lang="zh-CN" altLang="en-US" dirty="0"/>
+          </a:p>
+        </p:txBody>
+      </p:sp>
+      <p:sp>
+        <p:nvSpPr>
+          <p:cNvPr id="42" name="文本框 41">
+            <a:extLst>
+              <a:ext uri="{FF2B5EF4-FFF2-40B4-BE49-F238E27FC236}">
+                <a16:creationId xmlns:a16="http://schemas.microsoft.com/office/drawing/2014/main" id="{FA09E153-73C5-472F-2AC4-386D1F893DBC}"/>
+              </a:ext>
+            </a:extLst>
+          </p:cNvPr>
+          <p:cNvSpPr txBox="1"/>
+          <p:nvPr/>
+        </p:nvSpPr>
+        <p:spPr>
+          <a:xfrm>
+            <a:off x="7081545" y="4672316"/>
+            <a:ext cx="387301" cy="369332"/>
+          </a:xfrm>
+          <a:prstGeom prst="rect">
+            <a:avLst/>
+          </a:prstGeom>
+          <a:noFill/>
+        </p:spPr>
+        <p:txBody>
+          <a:bodyPr wrap="square">
+            <a:spAutoFit/>
+          </a:bodyPr>
+          <a:lstStyle/>
+          <a:p>
+            <a:r>
+              <a:rPr lang="en-US" altLang="zh-CN" sz="1800" b="1" dirty="0">
+                <a:solidFill>
+                  <a:srgbClr val="FF0000"/>
+                </a:solidFill>
+                <a:latin typeface="微软雅黑" panose="020B0503020204020204" pitchFamily="34" charset="-122"/>
+                <a:ea typeface="微软雅黑" panose="020B0503020204020204" pitchFamily="34" charset="-122"/>
+                <a:sym typeface="+mn-ea"/>
+              </a:rPr>
+              <a:t>2</a:t>
+            </a:r>
+            <a:endParaRPr lang="zh-CN" altLang="en-US" dirty="0"/>
+          </a:p>
+        </p:txBody>
+      </p:sp>
+      <p:sp>
+        <p:nvSpPr>
+          <p:cNvPr id="43" name="文本框 42">
+            <a:extLst>
+              <a:ext uri="{FF2B5EF4-FFF2-40B4-BE49-F238E27FC236}">
+                <a16:creationId xmlns:a16="http://schemas.microsoft.com/office/drawing/2014/main" id="{5AD44504-1CB1-D2AF-A5DA-F2FF8782CBBE}"/>
+              </a:ext>
+            </a:extLst>
+          </p:cNvPr>
+          <p:cNvSpPr txBox="1"/>
+          <p:nvPr/>
+        </p:nvSpPr>
+        <p:spPr>
+          <a:xfrm>
+            <a:off x="2891919" y="5581522"/>
+            <a:ext cx="387301" cy="369332"/>
+          </a:xfrm>
+          <a:prstGeom prst="rect">
+            <a:avLst/>
+          </a:prstGeom>
+          <a:noFill/>
+        </p:spPr>
+        <p:txBody>
+          <a:bodyPr wrap="square">
+            <a:spAutoFit/>
+          </a:bodyPr>
+          <a:lstStyle/>
+          <a:p>
+            <a:r>
+              <a:rPr lang="en-US" altLang="zh-CN" sz="1800" b="1" dirty="0">
+                <a:solidFill>
+                  <a:srgbClr val="FF0000"/>
+                </a:solidFill>
+                <a:latin typeface="微软雅黑" panose="020B0503020204020204" pitchFamily="34" charset="-122"/>
+                <a:ea typeface="微软雅黑" panose="020B0503020204020204" pitchFamily="34" charset="-122"/>
+                <a:sym typeface="+mn-ea"/>
+              </a:rPr>
+              <a:t>2</a:t>
+            </a:r>
+            <a:endParaRPr lang="zh-CN" altLang="en-US" dirty="0"/>
+          </a:p>
+        </p:txBody>
+      </p:sp>
+      <p:sp>
+        <p:nvSpPr>
+          <p:cNvPr id="44" name="文本框 43">
+            <a:extLst>
+              <a:ext uri="{FF2B5EF4-FFF2-40B4-BE49-F238E27FC236}">
+                <a16:creationId xmlns:a16="http://schemas.microsoft.com/office/drawing/2014/main" id="{EF66EC3D-360A-4CE6-C465-DCAD9F7222EA}"/>
+              </a:ext>
+            </a:extLst>
+          </p:cNvPr>
+          <p:cNvSpPr txBox="1"/>
+          <p:nvPr/>
+        </p:nvSpPr>
+        <p:spPr>
+          <a:xfrm>
+            <a:off x="4772233" y="5310394"/>
+            <a:ext cx="387301" cy="369332"/>
+          </a:xfrm>
+          <a:prstGeom prst="rect">
+            <a:avLst/>
+          </a:prstGeom>
+          <a:noFill/>
+        </p:spPr>
+        <p:txBody>
+          <a:bodyPr wrap="square">
+            <a:spAutoFit/>
+          </a:bodyPr>
+          <a:lstStyle/>
+          <a:p>
+            <a:r>
+              <a:rPr lang="en-US" altLang="zh-CN" sz="1800" b="1" dirty="0">
+                <a:solidFill>
+                  <a:srgbClr val="FF0000"/>
+                </a:solidFill>
+                <a:latin typeface="微软雅黑" panose="020B0503020204020204" pitchFamily="34" charset="-122"/>
+                <a:ea typeface="微软雅黑" panose="020B0503020204020204" pitchFamily="34" charset="-122"/>
+                <a:sym typeface="+mn-ea"/>
+              </a:rPr>
+              <a:t>5</a:t>
+            </a:r>
+            <a:endParaRPr lang="zh-CN" altLang="en-US" dirty="0"/>
+          </a:p>
+        </p:txBody>
+      </p:sp>
+      <p:sp>
+        <p:nvSpPr>
+          <p:cNvPr id="45" name="文本框 44">
+            <a:extLst>
+              <a:ext uri="{FF2B5EF4-FFF2-40B4-BE49-F238E27FC236}">
+                <a16:creationId xmlns:a16="http://schemas.microsoft.com/office/drawing/2014/main" id="{EA4BE113-7BD5-294A-CC9C-B0FAB0FB1FDA}"/>
+              </a:ext>
+            </a:extLst>
+          </p:cNvPr>
+          <p:cNvSpPr txBox="1"/>
+          <p:nvPr/>
+        </p:nvSpPr>
+        <p:spPr>
+          <a:xfrm>
+            <a:off x="9075163" y="3822695"/>
+            <a:ext cx="387301" cy="369332"/>
+          </a:xfrm>
+          <a:prstGeom prst="rect">
+            <a:avLst/>
+          </a:prstGeom>
+          <a:noFill/>
+        </p:spPr>
+        <p:txBody>
+          <a:bodyPr wrap="square">
+            <a:spAutoFit/>
+          </a:bodyPr>
+          <a:lstStyle/>
+          <a:p>
+            <a:r>
+              <a:rPr lang="en-US" altLang="zh-CN" sz="1800" b="1" dirty="0">
+                <a:solidFill>
+                  <a:srgbClr val="FF0000"/>
+                </a:solidFill>
+                <a:latin typeface="微软雅黑" panose="020B0503020204020204" pitchFamily="34" charset="-122"/>
+                <a:ea typeface="微软雅黑" panose="020B0503020204020204" pitchFamily="34" charset="-122"/>
+                <a:sym typeface="+mn-ea"/>
+              </a:rPr>
+              <a:t>5</a:t>
+            </a:r>
+            <a:endParaRPr lang="zh-CN" altLang="en-US" dirty="0"/>
+          </a:p>
+        </p:txBody>
+      </p:sp>
+      <p:sp>
+        <p:nvSpPr>
+          <p:cNvPr id="46" name="文本框 45">
+            <a:extLst>
+              <a:ext uri="{FF2B5EF4-FFF2-40B4-BE49-F238E27FC236}">
+                <a16:creationId xmlns:a16="http://schemas.microsoft.com/office/drawing/2014/main" id="{C3123C54-5311-0623-F362-D94EB38DF255}"/>
+              </a:ext>
+            </a:extLst>
+          </p:cNvPr>
+          <p:cNvSpPr txBox="1"/>
+          <p:nvPr/>
+        </p:nvSpPr>
+        <p:spPr>
+          <a:xfrm>
+            <a:off x="8971613" y="5313262"/>
+            <a:ext cx="387301" cy="369332"/>
+          </a:xfrm>
+          <a:prstGeom prst="rect">
+            <a:avLst/>
+          </a:prstGeom>
+          <a:noFill/>
+        </p:spPr>
+        <p:txBody>
+          <a:bodyPr wrap="square">
+            <a:spAutoFit/>
+          </a:bodyPr>
+          <a:lstStyle/>
+          <a:p>
+            <a:r>
+              <a:rPr lang="en-US" altLang="zh-CN" sz="1800" b="1" dirty="0">
+                <a:solidFill>
+                  <a:srgbClr val="FF0000"/>
+                </a:solidFill>
+                <a:latin typeface="微软雅黑" panose="020B0503020204020204" pitchFamily="34" charset="-122"/>
+                <a:ea typeface="微软雅黑" panose="020B0503020204020204" pitchFamily="34" charset="-122"/>
+                <a:sym typeface="+mn-ea"/>
+              </a:rPr>
+              <a:t>4</a:t>
+            </a:r>
+            <a:endParaRPr lang="zh-CN" altLang="en-US" dirty="0"/>
+          </a:p>
+        </p:txBody>
+      </p:sp>
+      <p:sp>
+        <p:nvSpPr>
+          <p:cNvPr id="47" name="文本框 46">
+            <a:extLst>
+              <a:ext uri="{FF2B5EF4-FFF2-40B4-BE49-F238E27FC236}">
+                <a16:creationId xmlns:a16="http://schemas.microsoft.com/office/drawing/2014/main" id="{5000A369-E717-D158-37E3-5A300FD243C7}"/>
+              </a:ext>
+            </a:extLst>
+          </p:cNvPr>
+          <p:cNvSpPr txBox="1"/>
+          <p:nvPr/>
+        </p:nvSpPr>
+        <p:spPr>
+          <a:xfrm>
+            <a:off x="3862527" y="4525620"/>
+            <a:ext cx="387301" cy="369332"/>
+          </a:xfrm>
+          <a:prstGeom prst="rect">
+            <a:avLst/>
+          </a:prstGeom>
+          <a:noFill/>
+        </p:spPr>
+        <p:txBody>
+          <a:bodyPr wrap="square">
+            <a:spAutoFit/>
+          </a:bodyPr>
+          <a:lstStyle/>
+          <a:p>
+            <a:r>
+              <a:rPr lang="en-US" altLang="zh-CN" sz="1800" b="1" dirty="0">
+                <a:solidFill>
+                  <a:srgbClr val="FF0000"/>
+                </a:solidFill>
+                <a:latin typeface="微软雅黑" panose="020B0503020204020204" pitchFamily="34" charset="-122"/>
+                <a:ea typeface="微软雅黑" panose="020B0503020204020204" pitchFamily="34" charset="-122"/>
+                <a:sym typeface="+mn-ea"/>
+              </a:rPr>
+              <a:t>4</a:t>
+            </a:r>
+            <a:endParaRPr lang="zh-CN" altLang="en-US" dirty="0"/>
+          </a:p>
+        </p:txBody>
+      </p:sp>
+      <p:sp>
+        <p:nvSpPr>
+          <p:cNvPr id="48" name="文本框 47">
+            <a:extLst>
+              <a:ext uri="{FF2B5EF4-FFF2-40B4-BE49-F238E27FC236}">
+                <a16:creationId xmlns:a16="http://schemas.microsoft.com/office/drawing/2014/main" id="{64EA777F-7759-A568-FF5D-AEF99364445D}"/>
+              </a:ext>
+            </a:extLst>
+          </p:cNvPr>
+          <p:cNvSpPr txBox="1"/>
+          <p:nvPr/>
+        </p:nvSpPr>
+        <p:spPr>
+          <a:xfrm>
+            <a:off x="2413773" y="3924564"/>
+            <a:ext cx="387301" cy="369332"/>
+          </a:xfrm>
+          <a:prstGeom prst="rect">
+            <a:avLst/>
+          </a:prstGeom>
+          <a:noFill/>
+        </p:spPr>
+        <p:txBody>
+          <a:bodyPr wrap="square">
+            <a:spAutoFit/>
+          </a:bodyPr>
+          <a:lstStyle/>
+          <a:p>
+            <a:r>
+              <a:rPr lang="en-US" altLang="zh-CN" sz="1800" b="1" dirty="0">
+                <a:solidFill>
+                  <a:srgbClr val="FF0000"/>
+                </a:solidFill>
+                <a:latin typeface="微软雅黑" panose="020B0503020204020204" pitchFamily="34" charset="-122"/>
+                <a:ea typeface="微软雅黑" panose="020B0503020204020204" pitchFamily="34" charset="-122"/>
+                <a:sym typeface="+mn-ea"/>
+              </a:rPr>
+              <a:t>3</a:t>
+            </a:r>
+            <a:endParaRPr lang="zh-CN" altLang="en-US" dirty="0"/>
+          </a:p>
+        </p:txBody>
+      </p:sp>
+      <p:sp>
+        <p:nvSpPr>
+          <p:cNvPr id="49" name="文本框 48">
+            <a:extLst>
+              <a:ext uri="{FF2B5EF4-FFF2-40B4-BE49-F238E27FC236}">
+                <a16:creationId xmlns:a16="http://schemas.microsoft.com/office/drawing/2014/main" id="{CC478509-77B6-4679-07FD-ACF2FC265A05}"/>
+              </a:ext>
+            </a:extLst>
+          </p:cNvPr>
+          <p:cNvSpPr txBox="1"/>
+          <p:nvPr/>
+        </p:nvSpPr>
+        <p:spPr>
+          <a:xfrm>
+            <a:off x="10732860" y="5633502"/>
+            <a:ext cx="387301" cy="369332"/>
+          </a:xfrm>
+          <a:prstGeom prst="rect">
+            <a:avLst/>
+          </a:prstGeom>
+          <a:noFill/>
+        </p:spPr>
+        <p:txBody>
+          <a:bodyPr wrap="square">
+            <a:spAutoFit/>
+          </a:bodyPr>
+          <a:lstStyle/>
+          <a:p>
+            <a:r>
+              <a:rPr lang="en-US" altLang="zh-CN" sz="1800" b="1" dirty="0">
+                <a:solidFill>
+                  <a:srgbClr val="FF0000"/>
+                </a:solidFill>
+                <a:latin typeface="微软雅黑" panose="020B0503020204020204" pitchFamily="34" charset="-122"/>
+                <a:ea typeface="微软雅黑" panose="020B0503020204020204" pitchFamily="34" charset="-122"/>
+                <a:sym typeface="+mn-ea"/>
+              </a:rPr>
+              <a:t>3</a:t>
+            </a:r>
+            <a:endParaRPr lang="zh-CN" altLang="en-US" dirty="0"/>
+          </a:p>
+        </p:txBody>
+      </p:sp>
+      <p:pic>
+        <p:nvPicPr>
+          <p:cNvPr id="50" name="图形 49" descr="困惑的脸轮廓 纯色填充">
+            <a:extLst>
+              <a:ext uri="{FF2B5EF4-FFF2-40B4-BE49-F238E27FC236}">
+                <a16:creationId xmlns:a16="http://schemas.microsoft.com/office/drawing/2014/main" id="{0D9350FD-BA16-12BA-72E1-15B4AD947A55}"/>
+              </a:ext>
+            </a:extLst>
+          </p:cNvPr>
+          <p:cNvPicPr>
+            <a:picLocks noChangeAspect="1"/>
+          </p:cNvPicPr>
+          <p:nvPr/>
+        </p:nvPicPr>
+        <p:blipFill>
+          <a:blip r:embed="rId4">
+            <a:extLst>
+              <a:ext uri="{96DAC541-7B7A-43D3-8B79-37D633B846F1}">
+                <asvg:svgBlip xmlns:asvg="http://schemas.microsoft.com/office/drawing/2016/SVG/main" r:embed="rId5"/>
+              </a:ext>
+            </a:extLst>
+          </a:blip>
+          <a:stretch>
+            <a:fillRect/>
+          </a:stretch>
+        </p:blipFill>
+        <p:spPr>
+          <a:xfrm>
+            <a:off x="0" y="717505"/>
+            <a:ext cx="571360" cy="571360"/>
+          </a:xfrm>
+          <a:prstGeom prst="rect">
+            <a:avLst/>
+          </a:prstGeom>
+        </p:spPr>
+      </p:pic>
+    </p:spTree>
+    <p:extLst>
+      <p:ext uri="{BB962C8B-B14F-4D97-AF65-F5344CB8AC3E}">
+        <p14:creationId xmlns:p14="http://schemas.microsoft.com/office/powerpoint/2010/main" val="496554385"/>
+      </p:ext>
+    </p:extLst>
+  </p:cSld>
+  <p:clrMapOvr>
+    <a:masterClrMapping/>
+  </p:clrMapOvr>
+  <mc:AlternateContent xmlns:mc="http://schemas.openxmlformats.org/markup-compatibility/2006" xmlns:p159="http://schemas.microsoft.com/office/powerpoint/2015/09/main">
+    <mc:Choice Requires="p159">
+      <p:transition spd="slow">
+        <p159:morph option="byObject"/>
+      </p:transition>
+    </mc:Choice>
+    <mc:Fallback xmlns="">
+      <p:transition spd="slow">
+        <p:fade/>
+      </p:transition>
+    </mc:Fallback>
+  </mc:AlternateContent>
+  <p:timing>
+    <p:tnLst>
+      <p:par>
+        <p:cTn id="1" dur="indefinite" restart="never" nodeType="tmRoot">
+          <p:childTnLst>
+            <p:seq concurrent="1" nextAc="seek">
+              <p:cTn id="2" dur="indefinite" nodeType="mainSeq">
+                <p:childTnLst>
+                  <p:par>
+                    <p:cTn id="3" fill="hold">
+                      <p:stCondLst>
+                        <p:cond delay="indefinite"/>
+                      </p:stCondLst>
+                      <p:childTnLst>
+                        <p:par>
+                          <p:cTn id="4" fill="hold">
+                            <p:stCondLst>
+                              <p:cond delay="0"/>
+                            </p:stCondLst>
+                            <p:childTnLst>
+                              <p:par>
+                                <p:cTn id="5" presetID="10" presetClass="entr" presetSubtype="0" fill="hold" nodeType="clickEffect">
+                                  <p:stCondLst>
+                                    <p:cond delay="0"/>
+                                  </p:stCondLst>
+                                  <p:childTnLst>
+                                    <p:set>
+                                      <p:cBhvr>
+                                        <p:cTn id="6" dur="1" fill="hold">
+                                          <p:stCondLst>
+                                            <p:cond delay="0"/>
+                                          </p:stCondLst>
+                                        </p:cTn>
+                                        <p:tgtEl>
+                                          <p:spTgt spid="7"/>
+                                        </p:tgtEl>
+                                        <p:attrNameLst>
+                                          <p:attrName>style.visibility</p:attrName>
+                                        </p:attrNameLst>
+                                      </p:cBhvr>
+                                      <p:to>
+                                        <p:strVal val="visible"/>
+                                      </p:to>
+                                    </p:set>
+                                    <p:animEffect transition="in" filter="fade">
+                                      <p:cBhvr>
+                                        <p:cTn id="7" dur="500"/>
+                                        <p:tgtEl>
+                                          <p:spTgt spid="7"/>
+                                        </p:tgtEl>
+                                      </p:cBhvr>
+                                    </p:animEffect>
+                                  </p:childTnLst>
+                                </p:cTn>
+                              </p:par>
+                              <p:par>
+                                <p:cTn id="8" presetID="10" presetClass="entr" presetSubtype="0" fill="hold" nodeType="withEffect">
+                                  <p:stCondLst>
+                                    <p:cond delay="0"/>
+                                  </p:stCondLst>
+                                  <p:childTnLst>
+                                    <p:set>
+                                      <p:cBhvr>
+                                        <p:cTn id="9" dur="1" fill="hold">
+                                          <p:stCondLst>
+                                            <p:cond delay="0"/>
+                                          </p:stCondLst>
+                                        </p:cTn>
+                                        <p:tgtEl>
+                                          <p:spTgt spid="11"/>
+                                        </p:tgtEl>
+                                        <p:attrNameLst>
+                                          <p:attrName>style.visibility</p:attrName>
+                                        </p:attrNameLst>
+                                      </p:cBhvr>
+                                      <p:to>
+                                        <p:strVal val="visible"/>
+                                      </p:to>
+                                    </p:set>
+                                    <p:animEffect transition="in" filter="fade">
+                                      <p:cBhvr>
+                                        <p:cTn id="10" dur="500"/>
+                                        <p:tgtEl>
+                                          <p:spTgt spid="11"/>
+                                        </p:tgtEl>
+                                      </p:cBhvr>
+                                    </p:animEffect>
+                                  </p:childTnLst>
+                                </p:cTn>
+                              </p:par>
+                              <p:par>
+                                <p:cTn id="11" presetID="10" presetClass="entr" presetSubtype="0" fill="hold" grpId="0" nodeType="withEffect">
+                                  <p:stCondLst>
+                                    <p:cond delay="0"/>
+                                  </p:stCondLst>
+                                  <p:childTnLst>
+                                    <p:set>
+                                      <p:cBhvr>
+                                        <p:cTn id="12" dur="1" fill="hold">
+                                          <p:stCondLst>
+                                            <p:cond delay="0"/>
+                                          </p:stCondLst>
+                                        </p:cTn>
+                                        <p:tgtEl>
+                                          <p:spTgt spid="12"/>
+                                        </p:tgtEl>
+                                        <p:attrNameLst>
+                                          <p:attrName>style.visibility</p:attrName>
+                                        </p:attrNameLst>
+                                      </p:cBhvr>
+                                      <p:to>
+                                        <p:strVal val="visible"/>
+                                      </p:to>
+                                    </p:set>
+                                    <p:animEffect transition="in" filter="fade">
+                                      <p:cBhvr>
+                                        <p:cTn id="13" dur="500"/>
+                                        <p:tgtEl>
+                                          <p:spTgt spid="12"/>
+                                        </p:tgtEl>
+                                      </p:cBhvr>
+                                    </p:animEffect>
+                                  </p:childTnLst>
+                                </p:cTn>
+                              </p:par>
+                              <p:par>
+                                <p:cTn id="14" presetID="10" presetClass="entr" presetSubtype="0" fill="hold" grpId="0" nodeType="withEffect">
+                                  <p:stCondLst>
+                                    <p:cond delay="0"/>
+                                  </p:stCondLst>
+                                  <p:childTnLst>
+                                    <p:set>
+                                      <p:cBhvr>
+                                        <p:cTn id="15" dur="1" fill="hold">
+                                          <p:stCondLst>
+                                            <p:cond delay="0"/>
+                                          </p:stCondLst>
+                                        </p:cTn>
+                                        <p:tgtEl>
+                                          <p:spTgt spid="13"/>
+                                        </p:tgtEl>
+                                        <p:attrNameLst>
+                                          <p:attrName>style.visibility</p:attrName>
+                                        </p:attrNameLst>
+                                      </p:cBhvr>
+                                      <p:to>
+                                        <p:strVal val="visible"/>
+                                      </p:to>
+                                    </p:set>
+                                    <p:animEffect transition="in" filter="fade">
+                                      <p:cBhvr>
+                                        <p:cTn id="16" dur="500"/>
+                                        <p:tgtEl>
+                                          <p:spTgt spid="13"/>
+                                        </p:tgtEl>
+                                      </p:cBhvr>
+                                    </p:animEffect>
+                                  </p:childTnLst>
+                                </p:cTn>
+                              </p:par>
+                              <p:par>
+                                <p:cTn id="17" presetID="10" presetClass="entr" presetSubtype="0" fill="hold" grpId="0" nodeType="withEffect">
+                                  <p:stCondLst>
+                                    <p:cond delay="0"/>
+                                  </p:stCondLst>
+                                  <p:childTnLst>
+                                    <p:set>
+                                      <p:cBhvr>
+                                        <p:cTn id="18" dur="1" fill="hold">
+                                          <p:stCondLst>
+                                            <p:cond delay="0"/>
+                                          </p:stCondLst>
+                                        </p:cTn>
+                                        <p:tgtEl>
+                                          <p:spTgt spid="21"/>
+                                        </p:tgtEl>
+                                        <p:attrNameLst>
+                                          <p:attrName>style.visibility</p:attrName>
+                                        </p:attrNameLst>
+                                      </p:cBhvr>
+                                      <p:to>
+                                        <p:strVal val="visible"/>
+                                      </p:to>
+                                    </p:set>
+                                    <p:animEffect transition="in" filter="fade">
+                                      <p:cBhvr>
+                                        <p:cTn id="19" dur="500"/>
+                                        <p:tgtEl>
+                                          <p:spTgt spid="21"/>
+                                        </p:tgtEl>
+                                      </p:cBhvr>
+                                    </p:animEffect>
+                                  </p:childTnLst>
+                                </p:cTn>
+                              </p:par>
+                              <p:par>
+                                <p:cTn id="20" presetID="10" presetClass="entr" presetSubtype="0" fill="hold" grpId="0" nodeType="withEffect">
+                                  <p:stCondLst>
+                                    <p:cond delay="0"/>
+                                  </p:stCondLst>
+                                  <p:childTnLst>
+                                    <p:set>
+                                      <p:cBhvr>
+                                        <p:cTn id="21" dur="1" fill="hold">
+                                          <p:stCondLst>
+                                            <p:cond delay="0"/>
+                                          </p:stCondLst>
+                                        </p:cTn>
+                                        <p:tgtEl>
+                                          <p:spTgt spid="22"/>
+                                        </p:tgtEl>
+                                        <p:attrNameLst>
+                                          <p:attrName>style.visibility</p:attrName>
+                                        </p:attrNameLst>
+                                      </p:cBhvr>
+                                      <p:to>
+                                        <p:strVal val="visible"/>
+                                      </p:to>
+                                    </p:set>
+                                    <p:animEffect transition="in" filter="fade">
+                                      <p:cBhvr>
+                                        <p:cTn id="22" dur="500"/>
+                                        <p:tgtEl>
+                                          <p:spTgt spid="22"/>
+                                        </p:tgtEl>
+                                      </p:cBhvr>
+                                    </p:animEffect>
+                                  </p:childTnLst>
+                                </p:cTn>
+                              </p:par>
+                              <p:par>
+                                <p:cTn id="23" presetID="10" presetClass="entr" presetSubtype="0" fill="hold" grpId="0" nodeType="withEffect">
+                                  <p:stCondLst>
+                                    <p:cond delay="0"/>
+                                  </p:stCondLst>
+                                  <p:childTnLst>
+                                    <p:set>
+                                      <p:cBhvr>
+                                        <p:cTn id="24" dur="1" fill="hold">
+                                          <p:stCondLst>
+                                            <p:cond delay="0"/>
+                                          </p:stCondLst>
+                                        </p:cTn>
+                                        <p:tgtEl>
+                                          <p:spTgt spid="27"/>
+                                        </p:tgtEl>
+                                        <p:attrNameLst>
+                                          <p:attrName>style.visibility</p:attrName>
+                                        </p:attrNameLst>
+                                      </p:cBhvr>
+                                      <p:to>
+                                        <p:strVal val="visible"/>
+                                      </p:to>
+                                    </p:set>
+                                    <p:animEffect transition="in" filter="fade">
+                                      <p:cBhvr>
+                                        <p:cTn id="25" dur="500"/>
+                                        <p:tgtEl>
+                                          <p:spTgt spid="27"/>
+                                        </p:tgtEl>
+                                      </p:cBhvr>
+                                    </p:animEffect>
+                                  </p:childTnLst>
+                                </p:cTn>
+                              </p:par>
+                              <p:par>
+                                <p:cTn id="26" presetID="10" presetClass="entr" presetSubtype="0" fill="hold" grpId="0" nodeType="withEffect">
+                                  <p:stCondLst>
+                                    <p:cond delay="0"/>
+                                  </p:stCondLst>
+                                  <p:childTnLst>
+                                    <p:set>
+                                      <p:cBhvr>
+                                        <p:cTn id="27" dur="1" fill="hold">
+                                          <p:stCondLst>
+                                            <p:cond delay="0"/>
+                                          </p:stCondLst>
+                                        </p:cTn>
+                                        <p:tgtEl>
+                                          <p:spTgt spid="28"/>
+                                        </p:tgtEl>
+                                        <p:attrNameLst>
+                                          <p:attrName>style.visibility</p:attrName>
+                                        </p:attrNameLst>
+                                      </p:cBhvr>
+                                      <p:to>
+                                        <p:strVal val="visible"/>
+                                      </p:to>
+                                    </p:set>
+                                    <p:animEffect transition="in" filter="fade">
+                                      <p:cBhvr>
+                                        <p:cTn id="28" dur="500"/>
+                                        <p:tgtEl>
+                                          <p:spTgt spid="28"/>
+                                        </p:tgtEl>
+                                      </p:cBhvr>
+                                    </p:animEffect>
+                                  </p:childTnLst>
+                                </p:cTn>
+                              </p:par>
+                              <p:par>
+                                <p:cTn id="29" presetID="10" presetClass="entr" presetSubtype="0" fill="hold" grpId="0" nodeType="withEffect">
+                                  <p:stCondLst>
+                                    <p:cond delay="0"/>
+                                  </p:stCondLst>
+                                  <p:childTnLst>
+                                    <p:set>
+                                      <p:cBhvr>
+                                        <p:cTn id="30" dur="1" fill="hold">
+                                          <p:stCondLst>
+                                            <p:cond delay="0"/>
+                                          </p:stCondLst>
+                                        </p:cTn>
+                                        <p:tgtEl>
+                                          <p:spTgt spid="29"/>
+                                        </p:tgtEl>
+                                        <p:attrNameLst>
+                                          <p:attrName>style.visibility</p:attrName>
+                                        </p:attrNameLst>
+                                      </p:cBhvr>
+                                      <p:to>
+                                        <p:strVal val="visible"/>
+                                      </p:to>
+                                    </p:set>
+                                    <p:animEffect transition="in" filter="fade">
+                                      <p:cBhvr>
+                                        <p:cTn id="31" dur="500"/>
+                                        <p:tgtEl>
+                                          <p:spTgt spid="29"/>
+                                        </p:tgtEl>
+                                      </p:cBhvr>
+                                    </p:animEffect>
+                                  </p:childTnLst>
+                                </p:cTn>
+                              </p:par>
+                              <p:par>
+                                <p:cTn id="32" presetID="10" presetClass="entr" presetSubtype="0" fill="hold" grpId="0" nodeType="withEffect">
+                                  <p:stCondLst>
+                                    <p:cond delay="0"/>
+                                  </p:stCondLst>
+                                  <p:childTnLst>
+                                    <p:set>
+                                      <p:cBhvr>
+                                        <p:cTn id="33" dur="1" fill="hold">
+                                          <p:stCondLst>
+                                            <p:cond delay="0"/>
+                                          </p:stCondLst>
+                                        </p:cTn>
+                                        <p:tgtEl>
+                                          <p:spTgt spid="36"/>
+                                        </p:tgtEl>
+                                        <p:attrNameLst>
+                                          <p:attrName>style.visibility</p:attrName>
+                                        </p:attrNameLst>
+                                      </p:cBhvr>
+                                      <p:to>
+                                        <p:strVal val="visible"/>
+                                      </p:to>
+                                    </p:set>
+                                    <p:animEffect transition="in" filter="fade">
+                                      <p:cBhvr>
+                                        <p:cTn id="34" dur="500"/>
+                                        <p:tgtEl>
+                                          <p:spTgt spid="36"/>
+                                        </p:tgtEl>
+                                      </p:cBhvr>
+                                    </p:animEffect>
+                                  </p:childTnLst>
+                                </p:cTn>
+                              </p:par>
+                              <p:par>
+                                <p:cTn id="35" presetID="10" presetClass="entr" presetSubtype="0" fill="hold" grpId="0" nodeType="withEffect">
+                                  <p:stCondLst>
+                                    <p:cond delay="0"/>
+                                  </p:stCondLst>
+                                  <p:childTnLst>
+                                    <p:set>
+                                      <p:cBhvr>
+                                        <p:cTn id="36" dur="1" fill="hold">
+                                          <p:stCondLst>
+                                            <p:cond delay="0"/>
+                                          </p:stCondLst>
+                                        </p:cTn>
+                                        <p:tgtEl>
+                                          <p:spTgt spid="37"/>
+                                        </p:tgtEl>
+                                        <p:attrNameLst>
+                                          <p:attrName>style.visibility</p:attrName>
+                                        </p:attrNameLst>
+                                      </p:cBhvr>
+                                      <p:to>
+                                        <p:strVal val="visible"/>
+                                      </p:to>
+                                    </p:set>
+                                    <p:animEffect transition="in" filter="fade">
+                                      <p:cBhvr>
+                                        <p:cTn id="37" dur="500"/>
+                                        <p:tgtEl>
+                                          <p:spTgt spid="37"/>
+                                        </p:tgtEl>
+                                      </p:cBhvr>
+                                    </p:animEffect>
+                                  </p:childTnLst>
+                                </p:cTn>
+                              </p:par>
+                              <p:par>
+                                <p:cTn id="38" presetID="10" presetClass="entr" presetSubtype="0" fill="hold" grpId="0" nodeType="withEffect">
+                                  <p:stCondLst>
+                                    <p:cond delay="0"/>
+                                  </p:stCondLst>
+                                  <p:childTnLst>
+                                    <p:set>
+                                      <p:cBhvr>
+                                        <p:cTn id="39" dur="1" fill="hold">
+                                          <p:stCondLst>
+                                            <p:cond delay="0"/>
+                                          </p:stCondLst>
+                                        </p:cTn>
+                                        <p:tgtEl>
+                                          <p:spTgt spid="40"/>
+                                        </p:tgtEl>
+                                        <p:attrNameLst>
+                                          <p:attrName>style.visibility</p:attrName>
+                                        </p:attrNameLst>
+                                      </p:cBhvr>
+                                      <p:to>
+                                        <p:strVal val="visible"/>
+                                      </p:to>
+                                    </p:set>
+                                    <p:animEffect transition="in" filter="fade">
+                                      <p:cBhvr>
+                                        <p:cTn id="40" dur="500"/>
+                                        <p:tgtEl>
+                                          <p:spTgt spid="40"/>
+                                        </p:tgtEl>
+                                      </p:cBhvr>
+                                    </p:animEffect>
+                                  </p:childTnLst>
+                                </p:cTn>
+                              </p:par>
+                              <p:par>
+                                <p:cTn id="41" presetID="10" presetClass="entr" presetSubtype="0" fill="hold" grpId="0" nodeType="withEffect">
+                                  <p:stCondLst>
+                                    <p:cond delay="0"/>
+                                  </p:stCondLst>
+                                  <p:childTnLst>
+                                    <p:set>
+                                      <p:cBhvr>
+                                        <p:cTn id="42" dur="1" fill="hold">
+                                          <p:stCondLst>
+                                            <p:cond delay="0"/>
+                                          </p:stCondLst>
+                                        </p:cTn>
+                                        <p:tgtEl>
+                                          <p:spTgt spid="41"/>
+                                        </p:tgtEl>
+                                        <p:attrNameLst>
+                                          <p:attrName>style.visibility</p:attrName>
+                                        </p:attrNameLst>
+                                      </p:cBhvr>
+                                      <p:to>
+                                        <p:strVal val="visible"/>
+                                      </p:to>
+                                    </p:set>
+                                    <p:animEffect transition="in" filter="fade">
+                                      <p:cBhvr>
+                                        <p:cTn id="43" dur="500"/>
+                                        <p:tgtEl>
+                                          <p:spTgt spid="41"/>
+                                        </p:tgtEl>
+                                      </p:cBhvr>
+                                    </p:animEffect>
+                                  </p:childTnLst>
+                                </p:cTn>
+                              </p:par>
+                              <p:par>
+                                <p:cTn id="44" presetID="10" presetClass="entr" presetSubtype="0" fill="hold" grpId="0" nodeType="withEffect">
+                                  <p:stCondLst>
+                                    <p:cond delay="0"/>
+                                  </p:stCondLst>
+                                  <p:childTnLst>
+                                    <p:set>
+                                      <p:cBhvr>
+                                        <p:cTn id="45" dur="1" fill="hold">
+                                          <p:stCondLst>
+                                            <p:cond delay="0"/>
+                                          </p:stCondLst>
+                                        </p:cTn>
+                                        <p:tgtEl>
+                                          <p:spTgt spid="42"/>
+                                        </p:tgtEl>
+                                        <p:attrNameLst>
+                                          <p:attrName>style.visibility</p:attrName>
+                                        </p:attrNameLst>
+                                      </p:cBhvr>
+                                      <p:to>
+                                        <p:strVal val="visible"/>
+                                      </p:to>
+                                    </p:set>
+                                    <p:animEffect transition="in" filter="fade">
+                                      <p:cBhvr>
+                                        <p:cTn id="46" dur="500"/>
+                                        <p:tgtEl>
+                                          <p:spTgt spid="42"/>
+                                        </p:tgtEl>
+                                      </p:cBhvr>
+                                    </p:animEffect>
+                                  </p:childTnLst>
+                                </p:cTn>
+                              </p:par>
+                              <p:par>
+                                <p:cTn id="47" presetID="10" presetClass="entr" presetSubtype="0" fill="hold" grpId="0" nodeType="withEffect">
+                                  <p:stCondLst>
+                                    <p:cond delay="0"/>
+                                  </p:stCondLst>
+                                  <p:childTnLst>
+                                    <p:set>
+                                      <p:cBhvr>
+                                        <p:cTn id="48" dur="1" fill="hold">
+                                          <p:stCondLst>
+                                            <p:cond delay="0"/>
+                                          </p:stCondLst>
+                                        </p:cTn>
+                                        <p:tgtEl>
+                                          <p:spTgt spid="43"/>
+                                        </p:tgtEl>
+                                        <p:attrNameLst>
+                                          <p:attrName>style.visibility</p:attrName>
+                                        </p:attrNameLst>
+                                      </p:cBhvr>
+                                      <p:to>
+                                        <p:strVal val="visible"/>
+                                      </p:to>
+                                    </p:set>
+                                    <p:animEffect transition="in" filter="fade">
+                                      <p:cBhvr>
+                                        <p:cTn id="49" dur="500"/>
+                                        <p:tgtEl>
+                                          <p:spTgt spid="43"/>
+                                        </p:tgtEl>
+                                      </p:cBhvr>
+                                    </p:animEffect>
+                                  </p:childTnLst>
+                                </p:cTn>
+                              </p:par>
+                              <p:par>
+                                <p:cTn id="50" presetID="10" presetClass="entr" presetSubtype="0" fill="hold" grpId="0" nodeType="withEffect">
+                                  <p:stCondLst>
+                                    <p:cond delay="0"/>
+                                  </p:stCondLst>
+                                  <p:childTnLst>
+                                    <p:set>
+                                      <p:cBhvr>
+                                        <p:cTn id="51" dur="1" fill="hold">
+                                          <p:stCondLst>
+                                            <p:cond delay="0"/>
+                                          </p:stCondLst>
+                                        </p:cTn>
+                                        <p:tgtEl>
+                                          <p:spTgt spid="44"/>
+                                        </p:tgtEl>
+                                        <p:attrNameLst>
+                                          <p:attrName>style.visibility</p:attrName>
+                                        </p:attrNameLst>
+                                      </p:cBhvr>
+                                      <p:to>
+                                        <p:strVal val="visible"/>
+                                      </p:to>
+                                    </p:set>
+                                    <p:animEffect transition="in" filter="fade">
+                                      <p:cBhvr>
+                                        <p:cTn id="52" dur="500"/>
+                                        <p:tgtEl>
+                                          <p:spTgt spid="44"/>
+                                        </p:tgtEl>
+                                      </p:cBhvr>
+                                    </p:animEffect>
+                                  </p:childTnLst>
+                                </p:cTn>
+                              </p:par>
+                              <p:par>
+                                <p:cTn id="53" presetID="10" presetClass="entr" presetSubtype="0" fill="hold" grpId="0" nodeType="withEffect">
+                                  <p:stCondLst>
+                                    <p:cond delay="0"/>
+                                  </p:stCondLst>
+                                  <p:childTnLst>
+                                    <p:set>
+                                      <p:cBhvr>
+                                        <p:cTn id="54" dur="1" fill="hold">
+                                          <p:stCondLst>
+                                            <p:cond delay="0"/>
+                                          </p:stCondLst>
+                                        </p:cTn>
+                                        <p:tgtEl>
+                                          <p:spTgt spid="45"/>
+                                        </p:tgtEl>
+                                        <p:attrNameLst>
+                                          <p:attrName>style.visibility</p:attrName>
+                                        </p:attrNameLst>
+                                      </p:cBhvr>
+                                      <p:to>
+                                        <p:strVal val="visible"/>
+                                      </p:to>
+                                    </p:set>
+                                    <p:animEffect transition="in" filter="fade">
+                                      <p:cBhvr>
+                                        <p:cTn id="55" dur="500"/>
+                                        <p:tgtEl>
+                                          <p:spTgt spid="45"/>
+                                        </p:tgtEl>
+                                      </p:cBhvr>
+                                    </p:animEffect>
+                                  </p:childTnLst>
+                                </p:cTn>
+                              </p:par>
+                              <p:par>
+                                <p:cTn id="56" presetID="10" presetClass="entr" presetSubtype="0" fill="hold" grpId="0" nodeType="withEffect">
+                                  <p:stCondLst>
+                                    <p:cond delay="0"/>
+                                  </p:stCondLst>
+                                  <p:childTnLst>
+                                    <p:set>
+                                      <p:cBhvr>
+                                        <p:cTn id="57" dur="1" fill="hold">
+                                          <p:stCondLst>
+                                            <p:cond delay="0"/>
+                                          </p:stCondLst>
+                                        </p:cTn>
+                                        <p:tgtEl>
+                                          <p:spTgt spid="46"/>
+                                        </p:tgtEl>
+                                        <p:attrNameLst>
+                                          <p:attrName>style.visibility</p:attrName>
+                                        </p:attrNameLst>
+                                      </p:cBhvr>
+                                      <p:to>
+                                        <p:strVal val="visible"/>
+                                      </p:to>
+                                    </p:set>
+                                    <p:animEffect transition="in" filter="fade">
+                                      <p:cBhvr>
+                                        <p:cTn id="58" dur="500"/>
+                                        <p:tgtEl>
+                                          <p:spTgt spid="46"/>
+                                        </p:tgtEl>
+                                      </p:cBhvr>
+                                    </p:animEffect>
+                                  </p:childTnLst>
+                                </p:cTn>
+                              </p:par>
+                              <p:par>
+                                <p:cTn id="59" presetID="10" presetClass="entr" presetSubtype="0" fill="hold" grpId="0" nodeType="withEffect">
+                                  <p:stCondLst>
+                                    <p:cond delay="0"/>
+                                  </p:stCondLst>
+                                  <p:childTnLst>
+                                    <p:set>
+                                      <p:cBhvr>
+                                        <p:cTn id="60" dur="1" fill="hold">
+                                          <p:stCondLst>
+                                            <p:cond delay="0"/>
+                                          </p:stCondLst>
+                                        </p:cTn>
+                                        <p:tgtEl>
+                                          <p:spTgt spid="47"/>
+                                        </p:tgtEl>
+                                        <p:attrNameLst>
+                                          <p:attrName>style.visibility</p:attrName>
+                                        </p:attrNameLst>
+                                      </p:cBhvr>
+                                      <p:to>
+                                        <p:strVal val="visible"/>
+                                      </p:to>
+                                    </p:set>
+                                    <p:animEffect transition="in" filter="fade">
+                                      <p:cBhvr>
+                                        <p:cTn id="61" dur="500"/>
+                                        <p:tgtEl>
+                                          <p:spTgt spid="47"/>
+                                        </p:tgtEl>
+                                      </p:cBhvr>
+                                    </p:animEffect>
+                                  </p:childTnLst>
+                                </p:cTn>
+                              </p:par>
+                              <p:par>
+                                <p:cTn id="62" presetID="10" presetClass="entr" presetSubtype="0" fill="hold" grpId="0" nodeType="withEffect">
+                                  <p:stCondLst>
+                                    <p:cond delay="0"/>
+                                  </p:stCondLst>
+                                  <p:childTnLst>
+                                    <p:set>
+                                      <p:cBhvr>
+                                        <p:cTn id="63" dur="1" fill="hold">
+                                          <p:stCondLst>
+                                            <p:cond delay="0"/>
+                                          </p:stCondLst>
+                                        </p:cTn>
+                                        <p:tgtEl>
+                                          <p:spTgt spid="48"/>
+                                        </p:tgtEl>
+                                        <p:attrNameLst>
+                                          <p:attrName>style.visibility</p:attrName>
+                                        </p:attrNameLst>
+                                      </p:cBhvr>
+                                      <p:to>
+                                        <p:strVal val="visible"/>
+                                      </p:to>
+                                    </p:set>
+                                    <p:animEffect transition="in" filter="fade">
+                                      <p:cBhvr>
+                                        <p:cTn id="64" dur="500"/>
+                                        <p:tgtEl>
+                                          <p:spTgt spid="48"/>
+                                        </p:tgtEl>
+                                      </p:cBhvr>
+                                    </p:animEffect>
+                                  </p:childTnLst>
+                                </p:cTn>
+                              </p:par>
+                              <p:par>
+                                <p:cTn id="65" presetID="10" presetClass="entr" presetSubtype="0" fill="hold" grpId="0" nodeType="withEffect">
+                                  <p:stCondLst>
+                                    <p:cond delay="0"/>
+                                  </p:stCondLst>
+                                  <p:childTnLst>
+                                    <p:set>
+                                      <p:cBhvr>
+                                        <p:cTn id="66" dur="1" fill="hold">
+                                          <p:stCondLst>
+                                            <p:cond delay="0"/>
+                                          </p:stCondLst>
+                                        </p:cTn>
+                                        <p:tgtEl>
+                                          <p:spTgt spid="49"/>
+                                        </p:tgtEl>
+                                        <p:attrNameLst>
+                                          <p:attrName>style.visibility</p:attrName>
+                                        </p:attrNameLst>
+                                      </p:cBhvr>
+                                      <p:to>
+                                        <p:strVal val="visible"/>
+                                      </p:to>
+                                    </p:set>
+                                    <p:animEffect transition="in" filter="fade">
+                                      <p:cBhvr>
+                                        <p:cTn id="67" dur="500"/>
+                                        <p:tgtEl>
+                                          <p:spTgt spid="49"/>
+                                        </p:tgtEl>
+                                      </p:cBhvr>
+                                    </p:animEffect>
+                                  </p:childTnLst>
+                                </p:cTn>
+                              </p:par>
+                              <p:par>
+                                <p:cTn id="68" presetID="10" presetClass="entr" presetSubtype="0" fill="hold" grpId="0" nodeType="withEffect">
+                                  <p:stCondLst>
+                                    <p:cond delay="0"/>
+                                  </p:stCondLst>
+                                  <p:childTnLst>
+                                    <p:set>
+                                      <p:cBhvr>
+                                        <p:cTn id="69" dur="1" fill="hold">
+                                          <p:stCondLst>
+                                            <p:cond delay="0"/>
+                                          </p:stCondLst>
+                                        </p:cTn>
+                                        <p:tgtEl>
+                                          <p:spTgt spid="33"/>
+                                        </p:tgtEl>
+                                        <p:attrNameLst>
+                                          <p:attrName>style.visibility</p:attrName>
+                                        </p:attrNameLst>
+                                      </p:cBhvr>
+                                      <p:to>
+                                        <p:strVal val="visible"/>
+                                      </p:to>
+                                    </p:set>
+                                    <p:animEffect transition="in" filter="fade">
+                                      <p:cBhvr>
+                                        <p:cTn id="70" dur="500"/>
+                                        <p:tgtEl>
+                                          <p:spTgt spid="33"/>
+                                        </p:tgtEl>
+                                      </p:cBhvr>
+                                    </p:animEffect>
+                                  </p:childTnLst>
+                                </p:cTn>
+                              </p:par>
+                            </p:childTnLst>
+                          </p:cTn>
+                        </p:par>
+                      </p:childTnLst>
+                    </p:cTn>
+                  </p:par>
+                </p:childTnLst>
+              </p:cTn>
+              <p:prevCondLst>
+                <p:cond evt="onPrev" delay="0">
+                  <p:tgtEl>
+                    <p:sldTgt/>
+                  </p:tgtEl>
+                </p:cond>
+              </p:prevCondLst>
+              <p:nextCondLst>
+                <p:cond evt="onNext" delay="0">
+                  <p:tgtEl>
+                    <p:sldTgt/>
+                  </p:tgtEl>
+                </p:cond>
+              </p:nextCondLst>
+            </p:seq>
+          </p:childTnLst>
+        </p:cTn>
+      </p:par>
+    </p:tnLst>
+    <p:bldLst>
+      <p:bldP spid="12" grpId="0" animBg="1"/>
+      <p:bldP spid="13" grpId="0" animBg="1"/>
+      <p:bldP spid="21" grpId="0" animBg="1"/>
+      <p:bldP spid="22" grpId="0" animBg="1"/>
+      <p:bldP spid="27" grpId="0" animBg="1"/>
+      <p:bldP spid="28" grpId="0" animBg="1"/>
+      <p:bldP spid="29" grpId="0" animBg="1"/>
+      <p:bldP spid="33" grpId="0" animBg="1"/>
+      <p:bldP spid="36" grpId="0" animBg="1"/>
+      <p:bldP spid="37" grpId="0" animBg="1"/>
+      <p:bldP spid="40" grpId="0"/>
+      <p:bldP spid="41" grpId="0"/>
+      <p:bldP spid="42" grpId="0"/>
+      <p:bldP spid="43" grpId="0"/>
+      <p:bldP spid="44" grpId="0"/>
+      <p:bldP spid="45" grpId="0"/>
+      <p:bldP spid="46" grpId="0"/>
+      <p:bldP spid="47" grpId="0"/>
+      <p:bldP spid="48" grpId="0"/>
+      <p:bldP spid="49" grpId="0"/>
+    </p:bldLst>
+  </p:timing>
+</p:sld>
+</file>
+
+<file path=ppt/slides/slide12.xml><?xml version="1.0" encoding="utf-8"?>
+<p:sld xmlns:a="http://schemas.openxmlformats.org/drawingml/2006/main" xmlns:r="http://schemas.openxmlformats.org/officeDocument/2006/relationships" xmlns:p="http://schemas.openxmlformats.org/presentationml/2006/main">
+  <p:cSld>
+    <p:spTree>
+      <p:nvGrpSpPr>
+        <p:cNvPr id="1" name=""/>
+        <p:cNvGrpSpPr/>
+        <p:nvPr/>
+      </p:nvGrpSpPr>
+      <p:grpSpPr>
+        <a:xfrm>
+          <a:off x="0" y="0"/>
+          <a:ext cx="0" cy="0"/>
+          <a:chOff x="0" y="0"/>
+          <a:chExt cx="0" cy="0"/>
+        </a:xfrm>
+      </p:grpSpPr>
+      <p:sp>
+        <p:nvSpPr>
+          <p:cNvPr id="3" name="矩形 2"/>
+          <p:cNvSpPr/>
+          <p:nvPr/>
+        </p:nvSpPr>
+        <p:spPr>
+          <a:xfrm>
+            <a:off x="407987" y="1052513"/>
             <a:ext cx="11376025" cy="4551374"/>
           </a:xfrm>
           <a:prstGeom prst="rect">
@@ -3122,7 +5996,7 @@
           <a:p>
             <a:fld id="{5F1D8F20-F945-584B-B149-8CCFBEFE168A}" type="slidenum">
               <a:rPr kumimoji="1" lang="zh-CN" altLang="en-US" smtClean="0"/>
-              <a:t>11</a:t>
+              <a:t>12</a:t>
             </a:fld>
             <a:endParaRPr kumimoji="1" lang="zh-CN" altLang="en-US"/>
           </a:p>
@@ -3578,7 +6452,7 @@
 </p:sld>
 </file>
 
-<file path=ppt/slides/slide12.xml><?xml version="1.0" encoding="utf-8"?>
+<file path=ppt/slides/slide13.xml><?xml version="1.0" encoding="utf-8"?>
 <p:sld xmlns:a="http://schemas.openxmlformats.org/drawingml/2006/main" xmlns:r="http://schemas.openxmlformats.org/officeDocument/2006/relationships" xmlns:p="http://schemas.openxmlformats.org/presentationml/2006/main">
   <p:cSld>
     <p:spTree>
@@ -3788,7 +6662,7 @@
           <a:p>
             <a:fld id="{5F1D8F20-F945-584B-B149-8CCFBEFE168A}" type="slidenum">
               <a:rPr kumimoji="1" lang="zh-CN" altLang="en-US" smtClean="0"/>
-              <a:t>12</a:t>
+              <a:t>13</a:t>
             </a:fld>
             <a:endParaRPr kumimoji="1" lang="zh-CN" altLang="en-US"/>
           </a:p>
@@ -4359,7 +7233,7 @@
 </p:sld>
 </file>
 
-<file path=ppt/slides/slide13.xml><?xml version="1.0" encoding="utf-8"?>
+<file path=ppt/slides/slide14.xml><?xml version="1.0" encoding="utf-8"?>
 <p:sld xmlns:a="http://schemas.openxmlformats.org/drawingml/2006/main" xmlns:r="http://schemas.openxmlformats.org/officeDocument/2006/relationships" xmlns:p="http://schemas.openxmlformats.org/presentationml/2006/main">
   <p:cSld>
     <p:spTree>
@@ -4656,7 +7530,7 @@
           <a:p>
             <a:fld id="{5F1D8F20-F945-584B-B149-8CCFBEFE168A}" type="slidenum">
               <a:rPr kumimoji="1" lang="zh-CN" altLang="en-US" smtClean="0"/>
-              <a:t>13</a:t>
+              <a:t>14</a:t>
             </a:fld>
             <a:endParaRPr kumimoji="1" lang="zh-CN" altLang="en-US"/>
           </a:p>
@@ -5073,7 +7947,7 @@
 </p:sld>
 </file>
 
-<file path=ppt/slides/slide14.xml><?xml version="1.0" encoding="utf-8"?>
+<file path=ppt/slides/slide15.xml><?xml version="1.0" encoding="utf-8"?>
 <p:sld xmlns:a="http://schemas.openxmlformats.org/drawingml/2006/main" xmlns:r="http://schemas.openxmlformats.org/officeDocument/2006/relationships" xmlns:p="http://schemas.openxmlformats.org/presentationml/2006/main">
   <p:cSld>
     <p:spTree>
@@ -5160,7 +8034,7 @@
           <a:p>
             <a:fld id="{5F1D8F20-F945-584B-B149-8CCFBEFE168A}" type="slidenum">
               <a:rPr kumimoji="1" lang="zh-CN" altLang="en-US" smtClean="0"/>
-              <a:t>14</a:t>
+              <a:t>15</a:t>
             </a:fld>
             <a:endParaRPr kumimoji="1" lang="zh-CN" altLang="en-US"/>
           </a:p>
@@ -5676,7 +8550,7 @@
 </p:sld>
 </file>
 
-<file path=ppt/slides/slide15.xml><?xml version="1.0" encoding="utf-8"?>
+<file path=ppt/slides/slide16.xml><?xml version="1.0" encoding="utf-8"?>
 <p:sld xmlns:a="http://schemas.openxmlformats.org/drawingml/2006/main" xmlns:r="http://schemas.openxmlformats.org/officeDocument/2006/relationships" xmlns:p="http://schemas.openxmlformats.org/presentationml/2006/main">
   <p:cSld>
     <p:spTree>
@@ -5763,7 +8637,7 @@
           <a:p>
             <a:fld id="{5F1D8F20-F945-584B-B149-8CCFBEFE168A}" type="slidenum">
               <a:rPr kumimoji="1" lang="zh-CN" altLang="en-US" smtClean="0"/>
-              <a:t>15</a:t>
+              <a:t>16</a:t>
             </a:fld>
             <a:endParaRPr kumimoji="1" lang="zh-CN" altLang="en-US"/>
           </a:p>
@@ -6674,7 +9548,7 @@
 </p:sld>
 </file>
 
-<file path=ppt/slides/slide16.xml><?xml version="1.0" encoding="utf-8"?>
+<file path=ppt/slides/slide17.xml><?xml version="1.0" encoding="utf-8"?>
 <p:sld xmlns:a="http://schemas.openxmlformats.org/drawingml/2006/main" xmlns:r="http://schemas.openxmlformats.org/officeDocument/2006/relationships" xmlns:p="http://schemas.openxmlformats.org/presentationml/2006/main">
   <p:cSld>
     <p:spTree>
@@ -6986,7 +9860,7 @@
           <a:p>
             <a:fld id="{5F1D8F20-F945-584B-B149-8CCFBEFE168A}" type="slidenum">
               <a:rPr kumimoji="1" lang="zh-CN" altLang="en-US" smtClean="0"/>
-              <a:t>16</a:t>
+              <a:t>17</a:t>
             </a:fld>
             <a:endParaRPr kumimoji="1" lang="zh-CN" altLang="en-US"/>
           </a:p>
@@ -8040,7 +10914,7 @@
 </p:sld>
 </file>
 
-<file path=ppt/slides/slide17.xml><?xml version="1.0" encoding="utf-8"?>
+<file path=ppt/slides/slide18.xml><?xml version="1.0" encoding="utf-8"?>
 <p:sld xmlns:a="http://schemas.openxmlformats.org/drawingml/2006/main" xmlns:r="http://schemas.openxmlformats.org/officeDocument/2006/relationships" xmlns:p="http://schemas.openxmlformats.org/presentationml/2006/main">
   <p:cSld>
     <p:spTree>
@@ -8152,7 +11026,7 @@
           <a:p>
             <a:fld id="{5F1D8F20-F945-584B-B149-8CCFBEFE168A}" type="slidenum">
               <a:rPr kumimoji="1" lang="zh-CN" altLang="en-US" smtClean="0"/>
-              <a:t>17</a:t>
+              <a:t>18</a:t>
             </a:fld>
             <a:endParaRPr kumimoji="1" lang="zh-CN" altLang="en-US"/>
           </a:p>
@@ -8407,7 +11281,7 @@
 </p:sld>
 </file>
 
-<file path=ppt/slides/slide18.xml><?xml version="1.0" encoding="utf-8"?>
+<file path=ppt/slides/slide19.xml><?xml version="1.0" encoding="utf-8"?>
 <p:sld xmlns:a="http://schemas.openxmlformats.org/drawingml/2006/main" xmlns:r="http://schemas.openxmlformats.org/officeDocument/2006/relationships" xmlns:p="http://schemas.openxmlformats.org/presentationml/2006/main">
   <p:cSld>
     <p:spTree>
@@ -8494,7 +11368,7 @@
           <a:p>
             <a:fld id="{5F1D8F20-F945-584B-B149-8CCFBEFE168A}" type="slidenum">
               <a:rPr kumimoji="1" lang="zh-CN" altLang="en-US" smtClean="0"/>
-              <a:t>18</a:t>
+              <a:t>19</a:t>
             </a:fld>
             <a:endParaRPr kumimoji="1" lang="zh-CN" altLang="en-US"/>
           </a:p>
@@ -8981,7 +11855,298 @@
 </p:sld>
 </file>
 
-<file path=ppt/slides/slide19.xml><?xml version="1.0" encoding="utf-8"?>
+<file path=ppt/slides/slide2.xml><?xml version="1.0" encoding="utf-8"?>
+<p:sld xmlns:a="http://schemas.openxmlformats.org/drawingml/2006/main" xmlns:r="http://schemas.openxmlformats.org/officeDocument/2006/relationships" xmlns:p="http://schemas.openxmlformats.org/presentationml/2006/main">
+  <p:cSld>
+    <p:spTree>
+      <p:nvGrpSpPr>
+        <p:cNvPr id="1" name=""/>
+        <p:cNvGrpSpPr/>
+        <p:nvPr/>
+      </p:nvGrpSpPr>
+      <p:grpSpPr>
+        <a:xfrm>
+          <a:off x="0" y="0"/>
+          <a:ext cx="0" cy="0"/>
+          <a:chOff x="0" y="0"/>
+          <a:chExt cx="0" cy="0"/>
+        </a:xfrm>
+      </p:grpSpPr>
+      <p:sp>
+        <p:nvSpPr>
+          <p:cNvPr id="3" name="矩形 2"/>
+          <p:cNvSpPr/>
+          <p:nvPr/>
+        </p:nvSpPr>
+        <p:spPr>
+          <a:xfrm>
+            <a:off x="3738407" y="1723634"/>
+            <a:ext cx="6782449" cy="4437305"/>
+          </a:xfrm>
+          <a:prstGeom prst="rect">
+            <a:avLst/>
+          </a:prstGeom>
+        </p:spPr>
+        <p:txBody>
+          <a:bodyPr wrap="square">
+            <a:spAutoFit/>
+          </a:bodyPr>
+          <a:lstStyle/>
+          <a:p>
+            <a:pPr marL="342900" indent="-342900" fontAlgn="auto">
+              <a:lnSpc>
+                <a:spcPct val="150000"/>
+              </a:lnSpc>
+              <a:spcAft>
+                <a:spcPts val="0"/>
+              </a:spcAft>
+              <a:buFont typeface="Arial" panose="020B0604020202020204" pitchFamily="34" charset="0"/>
+              <a:buChar char="•"/>
+            </a:pPr>
+            <a:r>
+              <a:rPr lang="zh-CN" altLang="en-US" sz="3200" b="1" dirty="0">
+                <a:solidFill>
+                  <a:schemeClr val="tx1"/>
+                </a:solidFill>
+                <a:latin typeface="微软雅黑" panose="020B0503020204020204" pitchFamily="34" charset="-122"/>
+                <a:ea typeface="微软雅黑" panose="020B0503020204020204" pitchFamily="34" charset="-122"/>
+                <a:sym typeface="+mn-ea"/>
+              </a:rPr>
+              <a:t>二体问题运动方程</a:t>
+            </a:r>
+            <a:endParaRPr lang="en-US" altLang="zh-CN" sz="3200" b="1" dirty="0">
+              <a:solidFill>
+                <a:schemeClr val="tx1"/>
+              </a:solidFill>
+              <a:latin typeface="微软雅黑" panose="020B0503020204020204" pitchFamily="34" charset="-122"/>
+              <a:ea typeface="微软雅黑" panose="020B0503020204020204" pitchFamily="34" charset="-122"/>
+              <a:sym typeface="+mn-ea"/>
+            </a:endParaRPr>
+          </a:p>
+          <a:p>
+            <a:pPr marL="342900" indent="-342900" fontAlgn="auto">
+              <a:lnSpc>
+                <a:spcPct val="150000"/>
+              </a:lnSpc>
+              <a:spcAft>
+                <a:spcPts val="0"/>
+              </a:spcAft>
+              <a:buFont typeface="Arial" panose="020B0604020202020204" pitchFamily="34" charset="0"/>
+              <a:buChar char="•"/>
+            </a:pPr>
+            <a:r>
+              <a:rPr lang="zh-CN" altLang="en-US" sz="3200" b="1" dirty="0">
+                <a:solidFill>
+                  <a:schemeClr val="tx1"/>
+                </a:solidFill>
+                <a:latin typeface="微软雅黑" panose="020B0503020204020204" pitchFamily="34" charset="-122"/>
+                <a:ea typeface="微软雅黑" panose="020B0503020204020204" pitchFamily="34" charset="-122"/>
+                <a:sym typeface="+mn-ea"/>
+              </a:rPr>
+              <a:t>微分关系、展开式与平均值</a:t>
+            </a:r>
+            <a:endParaRPr lang="en-US" altLang="zh-CN" sz="3200" b="1" dirty="0">
+              <a:solidFill>
+                <a:schemeClr val="tx1"/>
+              </a:solidFill>
+              <a:latin typeface="微软雅黑" panose="020B0503020204020204" pitchFamily="34" charset="-122"/>
+              <a:ea typeface="微软雅黑" panose="020B0503020204020204" pitchFamily="34" charset="-122"/>
+              <a:sym typeface="+mn-ea"/>
+            </a:endParaRPr>
+          </a:p>
+          <a:p>
+            <a:pPr marL="342900" indent="-342900" fontAlgn="auto">
+              <a:lnSpc>
+                <a:spcPct val="150000"/>
+              </a:lnSpc>
+              <a:spcAft>
+                <a:spcPts val="0"/>
+              </a:spcAft>
+              <a:buFont typeface="Arial" panose="020B0604020202020204" pitchFamily="34" charset="0"/>
+              <a:buChar char="•"/>
+            </a:pPr>
+            <a:r>
+              <a:rPr lang="zh-CN" altLang="en-US" sz="3200" b="1" dirty="0">
+                <a:solidFill>
+                  <a:schemeClr val="tx1"/>
+                </a:solidFill>
+                <a:latin typeface="微软雅黑" panose="020B0503020204020204" pitchFamily="34" charset="-122"/>
+                <a:ea typeface="微软雅黑" panose="020B0503020204020204" pitchFamily="34" charset="-122"/>
+                <a:sym typeface="+mn-ea"/>
+              </a:rPr>
+              <a:t>根数与星历转化</a:t>
+            </a:r>
+          </a:p>
+          <a:p>
+            <a:pPr marL="342900" indent="-342900">
+              <a:lnSpc>
+                <a:spcPct val="150000"/>
+              </a:lnSpc>
+              <a:buFont typeface="Arial" panose="020B0604020202020204" pitchFamily="34" charset="0"/>
+              <a:buChar char="•"/>
+            </a:pPr>
+            <a:r>
+              <a:rPr lang="zh-CN" altLang="en-US" sz="3200" b="1" dirty="0">
+                <a:solidFill>
+                  <a:schemeClr val="tx1"/>
+                </a:solidFill>
+                <a:latin typeface="微软雅黑" panose="020B0503020204020204" pitchFamily="34" charset="-122"/>
+                <a:ea typeface="微软雅黑" panose="020B0503020204020204" pitchFamily="34" charset="-122"/>
+                <a:sym typeface="+mn-ea"/>
+              </a:rPr>
+              <a:t>无量纲化</a:t>
+            </a:r>
+          </a:p>
+          <a:p>
+            <a:pPr marL="342900" indent="-342900" fontAlgn="auto">
+              <a:lnSpc>
+                <a:spcPct val="150000"/>
+              </a:lnSpc>
+              <a:spcAft>
+                <a:spcPts val="0"/>
+              </a:spcAft>
+              <a:buFont typeface="Arial" panose="020B0604020202020204" pitchFamily="34" charset="0"/>
+              <a:buChar char="•"/>
+            </a:pPr>
+            <a:r>
+              <a:rPr lang="zh-CN" altLang="en-US" sz="3200" b="1" dirty="0">
+                <a:solidFill>
+                  <a:schemeClr val="tx1"/>
+                </a:solidFill>
+                <a:latin typeface="微软雅黑" panose="020B0503020204020204" pitchFamily="34" charset="-122"/>
+                <a:ea typeface="微软雅黑" panose="020B0503020204020204" pitchFamily="34" charset="-122"/>
+                <a:sym typeface="+mn-ea"/>
+              </a:rPr>
+              <a:t>数值积分</a:t>
+            </a:r>
+          </a:p>
+          <a:p>
+            <a:pPr marL="342900" indent="-342900" fontAlgn="auto">
+              <a:lnSpc>
+                <a:spcPct val="150000"/>
+              </a:lnSpc>
+              <a:spcAft>
+                <a:spcPts val="0"/>
+              </a:spcAft>
+              <a:buFont typeface="Arial" panose="020B0604020202020204" pitchFamily="34" charset="0"/>
+              <a:buChar char="•"/>
+            </a:pPr>
+            <a:endParaRPr lang="en-US" altLang="zh-CN" sz="3200" b="1" dirty="0">
+              <a:solidFill>
+                <a:schemeClr val="tx1"/>
+              </a:solidFill>
+              <a:latin typeface="微软雅黑" panose="020B0503020204020204" pitchFamily="34" charset="-122"/>
+              <a:ea typeface="微软雅黑" panose="020B0503020204020204" pitchFamily="34" charset="-122"/>
+              <a:sym typeface="+mn-ea"/>
+            </a:endParaRPr>
+          </a:p>
+        </p:txBody>
+      </p:sp>
+      <p:sp>
+        <p:nvSpPr>
+          <p:cNvPr id="5" name="灯片编号占位符 4"/>
+          <p:cNvSpPr>
+            <a:spLocks noGrp="1"/>
+          </p:cNvSpPr>
+          <p:nvPr>
+            <p:ph type="sldNum" sz="quarter" idx="4"/>
+          </p:nvPr>
+        </p:nvSpPr>
+        <p:spPr/>
+        <p:txBody>
+          <a:bodyPr/>
+          <a:lstStyle/>
+          <a:p>
+            <a:fld id="{5F1D8F20-F945-584B-B149-8CCFBEFE168A}" type="slidenum">
+              <a:rPr kumimoji="1" lang="zh-CN" altLang="en-US" smtClean="0"/>
+              <a:t>2</a:t>
+            </a:fld>
+            <a:endParaRPr kumimoji="1" lang="zh-CN" altLang="en-US"/>
+          </a:p>
+        </p:txBody>
+      </p:sp>
+      <p:sp>
+        <p:nvSpPr>
+          <p:cNvPr id="26" name="标题 1"/>
+          <p:cNvSpPr txBox="1"/>
+          <p:nvPr/>
+        </p:nvSpPr>
+        <p:spPr>
+          <a:xfrm>
+            <a:off x="0" y="0"/>
+            <a:ext cx="12187555" cy="711200"/>
+          </a:xfrm>
+          <a:prstGeom prst="rect">
+            <a:avLst/>
+          </a:prstGeom>
+          <a:noFill/>
+        </p:spPr>
+        <p:txBody>
+          <a:bodyPr vert="horz" lIns="91440" tIns="45720" rIns="91440" bIns="45720" rtlCol="0" anchor="ctr"/>
+          <a:lstStyle/>
+          <a:p>
+            <a:pPr marL="0" marR="0" lvl="0" indent="0" algn="ctr" defTabSz="914400" rtl="0" eaLnBrk="1" fontAlgn="base" latinLnBrk="0" hangingPunct="1">
+              <a:lnSpc>
+                <a:spcPct val="100000"/>
+              </a:lnSpc>
+              <a:spcBef>
+                <a:spcPct val="0"/>
+              </a:spcBef>
+              <a:spcAft>
+                <a:spcPct val="0"/>
+              </a:spcAft>
+              <a:buClrTx/>
+              <a:buSzTx/>
+              <a:buFontTx/>
+              <a:buNone/>
+              <a:defRPr/>
+            </a:pPr>
+            <a:r>
+              <a:rPr kumimoji="0" lang="zh-CN" altLang="en-US" sz="3200" b="1" i="0" u="none" strike="noStrike" kern="1200" cap="none" spc="0" normalizeH="0" baseline="0" noProof="0" dirty="0">
+                <a:ln>
+                  <a:noFill/>
+                </a:ln>
+                <a:solidFill>
+                  <a:schemeClr val="bg1"/>
+                </a:solidFill>
+                <a:effectLst/>
+                <a:uLnTx/>
+                <a:uFillTx/>
+                <a:latin typeface="微软雅黑" panose="020B0503020204020204" pitchFamily="34" charset="-122"/>
+                <a:ea typeface="微软雅黑" panose="020B0503020204020204" pitchFamily="34" charset="-122"/>
+                <a:cs typeface="+mj-cs"/>
+              </a:rPr>
+              <a:t>提纲</a:t>
+            </a:r>
+          </a:p>
+        </p:txBody>
+      </p:sp>
+    </p:spTree>
+    <p:extLst>
+      <p:ext uri="{BB962C8B-B14F-4D97-AF65-F5344CB8AC3E}">
+        <p14:creationId xmlns:p14="http://schemas.microsoft.com/office/powerpoint/2010/main" val="2088178859"/>
+      </p:ext>
+    </p:extLst>
+  </p:cSld>
+  <p:clrMapOvr>
+    <a:masterClrMapping/>
+  </p:clrMapOvr>
+  <mc:AlternateContent xmlns:mc="http://schemas.openxmlformats.org/markup-compatibility/2006" xmlns:p159="http://schemas.microsoft.com/office/powerpoint/2015/09/main">
+    <mc:Choice Requires="p159">
+      <p:transition spd="slow">
+        <p159:morph option="byObject"/>
+      </p:transition>
+    </mc:Choice>
+    <mc:Fallback xmlns="">
+      <p:transition spd="slow">
+        <p:fade/>
+      </p:transition>
+    </mc:Fallback>
+  </mc:AlternateContent>
+</p:sld>
+</file>
+
+<file path=ppt/slides/slide20.xml><?xml version="1.0" encoding="utf-8"?>
 <p:sld xmlns:a="http://schemas.openxmlformats.org/drawingml/2006/main" xmlns:r="http://schemas.openxmlformats.org/officeDocument/2006/relationships" xmlns:p="http://schemas.openxmlformats.org/presentationml/2006/main">
   <p:cSld>
     <p:spTree>
@@ -9068,7 +12233,7 @@
           <a:p>
             <a:fld id="{5F1D8F20-F945-584B-B149-8CCFBEFE168A}" type="slidenum">
               <a:rPr kumimoji="1" lang="zh-CN" altLang="en-US" smtClean="0"/>
-              <a:t>19</a:t>
+              <a:t>20</a:t>
             </a:fld>
             <a:endParaRPr kumimoji="1" lang="zh-CN" altLang="en-US"/>
           </a:p>
@@ -9898,298 +13063,7 @@
 </p:sld>
 </file>
 
-<file path=ppt/slides/slide2.xml><?xml version="1.0" encoding="utf-8"?>
-<p:sld xmlns:a="http://schemas.openxmlformats.org/drawingml/2006/main" xmlns:r="http://schemas.openxmlformats.org/officeDocument/2006/relationships" xmlns:p="http://schemas.openxmlformats.org/presentationml/2006/main">
-  <p:cSld>
-    <p:spTree>
-      <p:nvGrpSpPr>
-        <p:cNvPr id="1" name=""/>
-        <p:cNvGrpSpPr/>
-        <p:nvPr/>
-      </p:nvGrpSpPr>
-      <p:grpSpPr>
-        <a:xfrm>
-          <a:off x="0" y="0"/>
-          <a:ext cx="0" cy="0"/>
-          <a:chOff x="0" y="0"/>
-          <a:chExt cx="0" cy="0"/>
-        </a:xfrm>
-      </p:grpSpPr>
-      <p:sp>
-        <p:nvSpPr>
-          <p:cNvPr id="3" name="矩形 2"/>
-          <p:cNvSpPr/>
-          <p:nvPr/>
-        </p:nvSpPr>
-        <p:spPr>
-          <a:xfrm>
-            <a:off x="3738407" y="1723634"/>
-            <a:ext cx="6782449" cy="4437305"/>
-          </a:xfrm>
-          <a:prstGeom prst="rect">
-            <a:avLst/>
-          </a:prstGeom>
-        </p:spPr>
-        <p:txBody>
-          <a:bodyPr wrap="square">
-            <a:spAutoFit/>
-          </a:bodyPr>
-          <a:lstStyle/>
-          <a:p>
-            <a:pPr marL="342900" indent="-342900" fontAlgn="auto">
-              <a:lnSpc>
-                <a:spcPct val="150000"/>
-              </a:lnSpc>
-              <a:spcAft>
-                <a:spcPts val="0"/>
-              </a:spcAft>
-              <a:buFont typeface="Arial" panose="020B0604020202020204" pitchFamily="34" charset="0"/>
-              <a:buChar char="•"/>
-            </a:pPr>
-            <a:r>
-              <a:rPr lang="zh-CN" altLang="en-US" sz="3200" b="1" dirty="0">
-                <a:solidFill>
-                  <a:schemeClr val="tx1"/>
-                </a:solidFill>
-                <a:latin typeface="微软雅黑" panose="020B0503020204020204" pitchFamily="34" charset="-122"/>
-                <a:ea typeface="微软雅黑" panose="020B0503020204020204" pitchFamily="34" charset="-122"/>
-                <a:sym typeface="+mn-ea"/>
-              </a:rPr>
-              <a:t>二体问题运动方程</a:t>
-            </a:r>
-            <a:endParaRPr lang="en-US" altLang="zh-CN" sz="3200" b="1" dirty="0">
-              <a:solidFill>
-                <a:schemeClr val="tx1"/>
-              </a:solidFill>
-              <a:latin typeface="微软雅黑" panose="020B0503020204020204" pitchFamily="34" charset="-122"/>
-              <a:ea typeface="微软雅黑" panose="020B0503020204020204" pitchFamily="34" charset="-122"/>
-              <a:sym typeface="+mn-ea"/>
-            </a:endParaRPr>
-          </a:p>
-          <a:p>
-            <a:pPr marL="342900" indent="-342900" fontAlgn="auto">
-              <a:lnSpc>
-                <a:spcPct val="150000"/>
-              </a:lnSpc>
-              <a:spcAft>
-                <a:spcPts val="0"/>
-              </a:spcAft>
-              <a:buFont typeface="Arial" panose="020B0604020202020204" pitchFamily="34" charset="0"/>
-              <a:buChar char="•"/>
-            </a:pPr>
-            <a:r>
-              <a:rPr lang="zh-CN" altLang="en-US" sz="3200" b="1" dirty="0">
-                <a:solidFill>
-                  <a:schemeClr val="tx1"/>
-                </a:solidFill>
-                <a:latin typeface="微软雅黑" panose="020B0503020204020204" pitchFamily="34" charset="-122"/>
-                <a:ea typeface="微软雅黑" panose="020B0503020204020204" pitchFamily="34" charset="-122"/>
-                <a:sym typeface="+mn-ea"/>
-              </a:rPr>
-              <a:t>微分关系、展开式与平均值</a:t>
-            </a:r>
-            <a:endParaRPr lang="en-US" altLang="zh-CN" sz="3200" b="1" dirty="0">
-              <a:solidFill>
-                <a:schemeClr val="tx1"/>
-              </a:solidFill>
-              <a:latin typeface="微软雅黑" panose="020B0503020204020204" pitchFamily="34" charset="-122"/>
-              <a:ea typeface="微软雅黑" panose="020B0503020204020204" pitchFamily="34" charset="-122"/>
-              <a:sym typeface="+mn-ea"/>
-            </a:endParaRPr>
-          </a:p>
-          <a:p>
-            <a:pPr marL="342900" indent="-342900" fontAlgn="auto">
-              <a:lnSpc>
-                <a:spcPct val="150000"/>
-              </a:lnSpc>
-              <a:spcAft>
-                <a:spcPts val="0"/>
-              </a:spcAft>
-              <a:buFont typeface="Arial" panose="020B0604020202020204" pitchFamily="34" charset="0"/>
-              <a:buChar char="•"/>
-            </a:pPr>
-            <a:r>
-              <a:rPr lang="zh-CN" altLang="en-US" sz="3200" b="1" dirty="0">
-                <a:solidFill>
-                  <a:schemeClr val="tx1"/>
-                </a:solidFill>
-                <a:latin typeface="微软雅黑" panose="020B0503020204020204" pitchFamily="34" charset="-122"/>
-                <a:ea typeface="微软雅黑" panose="020B0503020204020204" pitchFamily="34" charset="-122"/>
-                <a:sym typeface="+mn-ea"/>
-              </a:rPr>
-              <a:t>根数与星历转化</a:t>
-            </a:r>
-          </a:p>
-          <a:p>
-            <a:pPr marL="342900" indent="-342900">
-              <a:lnSpc>
-                <a:spcPct val="150000"/>
-              </a:lnSpc>
-              <a:buFont typeface="Arial" panose="020B0604020202020204" pitchFamily="34" charset="0"/>
-              <a:buChar char="•"/>
-            </a:pPr>
-            <a:r>
-              <a:rPr lang="zh-CN" altLang="en-US" sz="3200" b="1" dirty="0">
-                <a:solidFill>
-                  <a:schemeClr val="tx1"/>
-                </a:solidFill>
-                <a:latin typeface="微软雅黑" panose="020B0503020204020204" pitchFamily="34" charset="-122"/>
-                <a:ea typeface="微软雅黑" panose="020B0503020204020204" pitchFamily="34" charset="-122"/>
-                <a:sym typeface="+mn-ea"/>
-              </a:rPr>
-              <a:t>无量纲化</a:t>
-            </a:r>
-          </a:p>
-          <a:p>
-            <a:pPr marL="342900" indent="-342900" fontAlgn="auto">
-              <a:lnSpc>
-                <a:spcPct val="150000"/>
-              </a:lnSpc>
-              <a:spcAft>
-                <a:spcPts val="0"/>
-              </a:spcAft>
-              <a:buFont typeface="Arial" panose="020B0604020202020204" pitchFamily="34" charset="0"/>
-              <a:buChar char="•"/>
-            </a:pPr>
-            <a:r>
-              <a:rPr lang="zh-CN" altLang="en-US" sz="3200" b="1" dirty="0">
-                <a:solidFill>
-                  <a:schemeClr val="tx1"/>
-                </a:solidFill>
-                <a:latin typeface="微软雅黑" panose="020B0503020204020204" pitchFamily="34" charset="-122"/>
-                <a:ea typeface="微软雅黑" panose="020B0503020204020204" pitchFamily="34" charset="-122"/>
-                <a:sym typeface="+mn-ea"/>
-              </a:rPr>
-              <a:t>数值积分</a:t>
-            </a:r>
-          </a:p>
-          <a:p>
-            <a:pPr marL="342900" indent="-342900" fontAlgn="auto">
-              <a:lnSpc>
-                <a:spcPct val="150000"/>
-              </a:lnSpc>
-              <a:spcAft>
-                <a:spcPts val="0"/>
-              </a:spcAft>
-              <a:buFont typeface="Arial" panose="020B0604020202020204" pitchFamily="34" charset="0"/>
-              <a:buChar char="•"/>
-            </a:pPr>
-            <a:endParaRPr lang="en-US" altLang="zh-CN" sz="3200" b="1" dirty="0">
-              <a:solidFill>
-                <a:schemeClr val="tx1"/>
-              </a:solidFill>
-              <a:latin typeface="微软雅黑" panose="020B0503020204020204" pitchFamily="34" charset="-122"/>
-              <a:ea typeface="微软雅黑" panose="020B0503020204020204" pitchFamily="34" charset="-122"/>
-              <a:sym typeface="+mn-ea"/>
-            </a:endParaRPr>
-          </a:p>
-        </p:txBody>
-      </p:sp>
-      <p:sp>
-        <p:nvSpPr>
-          <p:cNvPr id="5" name="灯片编号占位符 4"/>
-          <p:cNvSpPr>
-            <a:spLocks noGrp="1"/>
-          </p:cNvSpPr>
-          <p:nvPr>
-            <p:ph type="sldNum" sz="quarter" idx="4"/>
-          </p:nvPr>
-        </p:nvSpPr>
-        <p:spPr/>
-        <p:txBody>
-          <a:bodyPr/>
-          <a:lstStyle/>
-          <a:p>
-            <a:fld id="{5F1D8F20-F945-584B-B149-8CCFBEFE168A}" type="slidenum">
-              <a:rPr kumimoji="1" lang="zh-CN" altLang="en-US" smtClean="0"/>
-              <a:t>2</a:t>
-            </a:fld>
-            <a:endParaRPr kumimoji="1" lang="zh-CN" altLang="en-US"/>
-          </a:p>
-        </p:txBody>
-      </p:sp>
-      <p:sp>
-        <p:nvSpPr>
-          <p:cNvPr id="26" name="标题 1"/>
-          <p:cNvSpPr txBox="1"/>
-          <p:nvPr/>
-        </p:nvSpPr>
-        <p:spPr>
-          <a:xfrm>
-            <a:off x="0" y="0"/>
-            <a:ext cx="12187555" cy="711200"/>
-          </a:xfrm>
-          <a:prstGeom prst="rect">
-            <a:avLst/>
-          </a:prstGeom>
-          <a:noFill/>
-        </p:spPr>
-        <p:txBody>
-          <a:bodyPr vert="horz" lIns="91440" tIns="45720" rIns="91440" bIns="45720" rtlCol="0" anchor="ctr"/>
-          <a:lstStyle/>
-          <a:p>
-            <a:pPr marL="0" marR="0" lvl="0" indent="0" algn="ctr" defTabSz="914400" rtl="0" eaLnBrk="1" fontAlgn="base" latinLnBrk="0" hangingPunct="1">
-              <a:lnSpc>
-                <a:spcPct val="100000"/>
-              </a:lnSpc>
-              <a:spcBef>
-                <a:spcPct val="0"/>
-              </a:spcBef>
-              <a:spcAft>
-                <a:spcPct val="0"/>
-              </a:spcAft>
-              <a:buClrTx/>
-              <a:buSzTx/>
-              <a:buFontTx/>
-              <a:buNone/>
-              <a:defRPr/>
-            </a:pPr>
-            <a:r>
-              <a:rPr kumimoji="0" lang="zh-CN" altLang="en-US" sz="3200" b="1" i="0" u="none" strike="noStrike" kern="1200" cap="none" spc="0" normalizeH="0" baseline="0" noProof="0" dirty="0">
-                <a:ln>
-                  <a:noFill/>
-                </a:ln>
-                <a:solidFill>
-                  <a:schemeClr val="bg1"/>
-                </a:solidFill>
-                <a:effectLst/>
-                <a:uLnTx/>
-                <a:uFillTx/>
-                <a:latin typeface="微软雅黑" panose="020B0503020204020204" pitchFamily="34" charset="-122"/>
-                <a:ea typeface="微软雅黑" panose="020B0503020204020204" pitchFamily="34" charset="-122"/>
-                <a:cs typeface="+mj-cs"/>
-              </a:rPr>
-              <a:t>提纲</a:t>
-            </a:r>
-          </a:p>
-        </p:txBody>
-      </p:sp>
-    </p:spTree>
-    <p:extLst>
-      <p:ext uri="{BB962C8B-B14F-4D97-AF65-F5344CB8AC3E}">
-        <p14:creationId xmlns:p14="http://schemas.microsoft.com/office/powerpoint/2010/main" val="2088178859"/>
-      </p:ext>
-    </p:extLst>
-  </p:cSld>
-  <p:clrMapOvr>
-    <a:masterClrMapping/>
-  </p:clrMapOvr>
-  <mc:AlternateContent xmlns:mc="http://schemas.openxmlformats.org/markup-compatibility/2006" xmlns:p159="http://schemas.microsoft.com/office/powerpoint/2015/09/main">
-    <mc:Choice Requires="p159">
-      <p:transition spd="slow">
-        <p159:morph option="byObject"/>
-      </p:transition>
-    </mc:Choice>
-    <mc:Fallback xmlns="">
-      <p:transition spd="slow">
-        <p:fade/>
-      </p:transition>
-    </mc:Fallback>
-  </mc:AlternateContent>
-</p:sld>
-</file>
-
-<file path=ppt/slides/slide20.xml><?xml version="1.0" encoding="utf-8"?>
+<file path=ppt/slides/slide21.xml><?xml version="1.0" encoding="utf-8"?>
 <p:sld xmlns:a="http://schemas.openxmlformats.org/drawingml/2006/main" xmlns:r="http://schemas.openxmlformats.org/officeDocument/2006/relationships" xmlns:p="http://schemas.openxmlformats.org/presentationml/2006/main">
   <p:cSld>
     <p:spTree>
@@ -10413,7 +13287,7 @@
           <a:p>
             <a:fld id="{5F1D8F20-F945-584B-B149-8CCFBEFE168A}" type="slidenum">
               <a:rPr kumimoji="1" lang="zh-CN" altLang="en-US" smtClean="0"/>
-              <a:t>20</a:t>
+              <a:t>21</a:t>
             </a:fld>
             <a:endParaRPr kumimoji="1" lang="zh-CN" altLang="en-US"/>
           </a:p>
@@ -11914,7 +14788,7 @@
 </p:sld>
 </file>
 
-<file path=ppt/slides/slide21.xml><?xml version="1.0" encoding="utf-8"?>
+<file path=ppt/slides/slide22.xml><?xml version="1.0" encoding="utf-8"?>
 <p:sld xmlns:a="http://schemas.openxmlformats.org/drawingml/2006/main" xmlns:r="http://schemas.openxmlformats.org/officeDocument/2006/relationships" xmlns:p="http://schemas.openxmlformats.org/presentationml/2006/main">
   <p:cSld>
     <p:spTree>
@@ -12201,7 +15075,7 @@
           <a:p>
             <a:fld id="{5F1D8F20-F945-584B-B149-8CCFBEFE168A}" type="slidenum">
               <a:rPr kumimoji="1" lang="zh-CN" altLang="en-US" smtClean="0"/>
-              <a:t>21</a:t>
+              <a:t>22</a:t>
             </a:fld>
             <a:endParaRPr kumimoji="1" lang="zh-CN" altLang="en-US"/>
           </a:p>
@@ -12592,7 +15466,7 @@
 </p:sld>
 </file>
 
-<file path=ppt/slides/slide22.xml><?xml version="1.0" encoding="utf-8"?>
+<file path=ppt/slides/slide23.xml><?xml version="1.0" encoding="utf-8"?>
 <p:sld xmlns:a="http://schemas.openxmlformats.org/drawingml/2006/main" xmlns:r="http://schemas.openxmlformats.org/officeDocument/2006/relationships" xmlns:p="http://schemas.openxmlformats.org/presentationml/2006/main">
   <p:cSld>
     <p:spTree>
@@ -12775,7 +15649,7 @@
           <a:p>
             <a:fld id="{5F1D8F20-F945-584B-B149-8CCFBEFE168A}" type="slidenum">
               <a:rPr kumimoji="1" lang="zh-CN" altLang="en-US" smtClean="0"/>
-              <a:t>22</a:t>
+              <a:t>23</a:t>
             </a:fld>
             <a:endParaRPr kumimoji="1" lang="zh-CN" altLang="en-US"/>
           </a:p>
@@ -14942,7 +17816,7 @@
 </p:sld>
 </file>
 
-<file path=ppt/slides/slide23.xml><?xml version="1.0" encoding="utf-8"?>
+<file path=ppt/slides/slide24.xml><?xml version="1.0" encoding="utf-8"?>
 <p:sld xmlns:a="http://schemas.openxmlformats.org/drawingml/2006/main" xmlns:r="http://schemas.openxmlformats.org/officeDocument/2006/relationships" xmlns:p="http://schemas.openxmlformats.org/presentationml/2006/main">
   <p:cSld>
     <p:spTree>
@@ -15106,7 +17980,7 @@
           <a:p>
             <a:fld id="{5F1D8F20-F945-584B-B149-8CCFBEFE168A}" type="slidenum">
               <a:rPr kumimoji="1" lang="zh-CN" altLang="en-US" smtClean="0"/>
-              <a:t>23</a:t>
+              <a:t>24</a:t>
             </a:fld>
             <a:endParaRPr kumimoji="1" lang="zh-CN" altLang="en-US"/>
           </a:p>
@@ -17142,7 +20016,7 @@
 </p:sld>
 </file>
 
-<file path=ppt/slides/slide24.xml><?xml version="1.0" encoding="utf-8"?>
+<file path=ppt/slides/slide25.xml><?xml version="1.0" encoding="utf-8"?>
 <p:sld xmlns:a="http://schemas.openxmlformats.org/drawingml/2006/main" xmlns:r="http://schemas.openxmlformats.org/officeDocument/2006/relationships" xmlns:p="http://schemas.openxmlformats.org/presentationml/2006/main">
   <p:cSld>
     <p:spTree>
@@ -17405,7 +20279,7 @@
           <a:p>
             <a:fld id="{5F1D8F20-F945-584B-B149-8CCFBEFE168A}" type="slidenum">
               <a:rPr kumimoji="1" lang="zh-CN" altLang="en-US" smtClean="0"/>
-              <a:t>24</a:t>
+              <a:t>25</a:t>
             </a:fld>
             <a:endParaRPr kumimoji="1" lang="zh-CN" altLang="en-US"/>
           </a:p>
@@ -17815,7 +20689,7 @@
 </p:sld>
 </file>
 
-<file path=ppt/slides/slide25.xml><?xml version="1.0" encoding="utf-8"?>
+<file path=ppt/slides/slide26.xml><?xml version="1.0" encoding="utf-8"?>
 <p:sld xmlns:a="http://schemas.openxmlformats.org/drawingml/2006/main" xmlns:r="http://schemas.openxmlformats.org/officeDocument/2006/relationships" xmlns:p="http://schemas.openxmlformats.org/presentationml/2006/main">
   <p:cSld>
     <p:spTree>
@@ -17841,7 +20715,7 @@
         <p:spPr>
           <a:xfrm>
             <a:off x="407987" y="1052513"/>
-            <a:ext cx="11376025" cy="5186869"/>
+            <a:ext cx="11376025" cy="5740867"/>
           </a:xfrm>
           <a:prstGeom prst="rect">
             <a:avLst/>
@@ -18015,8 +20889,25 @@
                 <a:ea typeface="微软雅黑" panose="020B0503020204020204" pitchFamily="34" charset="-122"/>
                 <a:sym typeface="+mn-ea"/>
               </a:rPr>
-              <a:t>轨道根数</a:t>
-            </a:r>
+              <a:t>轨道根数（摄动运动方程）</a:t>
+            </a:r>
+            <a:endParaRPr lang="en-US" altLang="zh-CN" sz="2400" b="1" dirty="0">
+              <a:solidFill>
+                <a:schemeClr val="tx1"/>
+              </a:solidFill>
+              <a:latin typeface="微软雅黑" panose="020B0503020204020204" pitchFamily="34" charset="-122"/>
+              <a:ea typeface="微软雅黑" panose="020B0503020204020204" pitchFamily="34" charset="-122"/>
+              <a:sym typeface="+mn-ea"/>
+            </a:endParaRPr>
+          </a:p>
+          <a:p>
+            <a:pPr marL="800100" lvl="1" indent="-342900">
+              <a:lnSpc>
+                <a:spcPct val="150000"/>
+              </a:lnSpc>
+              <a:buFont typeface="Arial" panose="020B0604020202020204" pitchFamily="34" charset="0"/>
+              <a:buChar char="•"/>
+            </a:pPr>
             <a:endParaRPr lang="en-US" altLang="zh-CN" sz="2400" b="1" dirty="0">
               <a:solidFill>
                 <a:schemeClr val="tx1"/>
@@ -18062,7 +20953,7 @@
           <a:p>
             <a:fld id="{5F1D8F20-F945-584B-B149-8CCFBEFE168A}" type="slidenum">
               <a:rPr kumimoji="1" lang="zh-CN" altLang="en-US" smtClean="0"/>
-              <a:t>25</a:t>
+              <a:t>26</a:t>
             </a:fld>
             <a:endParaRPr kumimoji="1" lang="zh-CN" altLang="en-US"/>
           </a:p>
@@ -18136,13 +21027,7 @@
           <p:cNvGraphicFramePr>
             <a:graphicFrameLocks noChangeAspect="1"/>
           </p:cNvGraphicFramePr>
-          <p:nvPr>
-            <p:extLst>
-              <p:ext uri="{D42A27DB-BD31-4B8C-83A1-F6EECF244321}">
-                <p14:modId xmlns:p14="http://schemas.microsoft.com/office/powerpoint/2010/main" val="1150254707"/>
-              </p:ext>
-            </p:extLst>
-          </p:nvPr>
+          <p:nvPr/>
         </p:nvGraphicFramePr>
         <p:xfrm>
           <a:off x="3061433" y="1877140"/>
@@ -18161,10 +21046,10 @@
                   <p:embed/>
                   <p:pic>
                     <p:nvPicPr>
-                      <p:cNvPr id="46" name="对象 45">
+                      <p:cNvPr id="2" name="对象 1">
                         <a:extLst>
                           <a:ext uri="{FF2B5EF4-FFF2-40B4-BE49-F238E27FC236}">
-                            <a16:creationId xmlns:a16="http://schemas.microsoft.com/office/drawing/2014/main" id="{0339A835-8C92-BAEE-10F8-3C4D48B0A96F}"/>
+                            <a16:creationId xmlns:a16="http://schemas.microsoft.com/office/drawing/2014/main" id="{F64AD84B-E702-3879-14A5-B660D4774756}"/>
                           </a:ext>
                         </a:extLst>
                       </p:cNvPr>
@@ -18208,7 +21093,7 @@
         <p:spPr>
           <a:xfrm>
             <a:off x="6493954" y="2106993"/>
-            <a:ext cx="4909669" cy="799514"/>
+            <a:ext cx="5438513" cy="799514"/>
           </a:xfrm>
           <a:prstGeom prst="rect">
             <a:avLst/>
@@ -18239,7 +21124,7 @@
                 <a:ea typeface="微软雅黑" panose="020B0503020204020204" pitchFamily="34" charset="-122"/>
                 <a:cs typeface="Times New Roman" panose="02020603050405020304" pitchFamily="18" charset="0"/>
               </a:rPr>
-              <a:t>右函数简单</a:t>
+              <a:t>右函数形式简单</a:t>
             </a:r>
             <a:r>
               <a:rPr lang="zh-CN" altLang="en-US" sz="2000" b="1" dirty="0">
@@ -18317,13 +21202,7 @@
           <p:cNvGraphicFramePr>
             <a:graphicFrameLocks noChangeAspect="1"/>
           </p:cNvGraphicFramePr>
-          <p:nvPr>
-            <p:extLst>
-              <p:ext uri="{D42A27DB-BD31-4B8C-83A1-F6EECF244321}">
-                <p14:modId xmlns:p14="http://schemas.microsoft.com/office/powerpoint/2010/main" val="227364729"/>
-              </p:ext>
-            </p:extLst>
-          </p:nvPr>
+          <p:nvPr/>
         </p:nvGraphicFramePr>
         <p:xfrm>
           <a:off x="3331918" y="3604340"/>
@@ -18342,10 +21221,10 @@
                   <p:embed/>
                   <p:pic>
                     <p:nvPicPr>
-                      <p:cNvPr id="2" name="对象 1">
+                      <p:cNvPr id="6" name="对象 5">
                         <a:extLst>
                           <a:ext uri="{FF2B5EF4-FFF2-40B4-BE49-F238E27FC236}">
-                            <a16:creationId xmlns:a16="http://schemas.microsoft.com/office/drawing/2014/main" id="{F64AD84B-E702-3879-14A5-B660D4774756}"/>
+                            <a16:creationId xmlns:a16="http://schemas.microsoft.com/office/drawing/2014/main" id="{EF80AB39-4515-1EE0-AB9F-0C660CC19A3A}"/>
                           </a:ext>
                         </a:extLst>
                       </p:cNvPr>
@@ -18587,7 +21466,7 @@
         <p:spPr>
           <a:xfrm>
             <a:off x="6493954" y="5256831"/>
-            <a:ext cx="4118361" cy="1168846"/>
+            <a:ext cx="5614593" cy="1168846"/>
           </a:xfrm>
           <a:prstGeom prst="rect">
             <a:avLst/>
@@ -18691,7 +21570,18 @@
                 <a:ea typeface="微软雅黑" panose="020B0503020204020204" pitchFamily="34" charset="-122"/>
                 <a:cs typeface="Times New Roman" panose="02020603050405020304" pitchFamily="18" charset="0"/>
               </a:rPr>
-              <a:t>右函数复杂</a:t>
+              <a:t>右函数</a:t>
+            </a:r>
+            <a:r>
+              <a:rPr lang="zh-CN" altLang="en-US" sz="2000" b="1" dirty="0">
+                <a:solidFill>
+                  <a:srgbClr val="0000FF"/>
+                </a:solidFill>
+                <a:latin typeface="微软雅黑" panose="020B0503020204020204" pitchFamily="34" charset="-122"/>
+                <a:ea typeface="微软雅黑" panose="020B0503020204020204" pitchFamily="34" charset="-122"/>
+                <a:sym typeface="+mn-ea"/>
+              </a:rPr>
+              <a:t>形式复杂，推导繁琐</a:t>
             </a:r>
             <a:r>
               <a:rPr lang="zh-CN" altLang="en-US" sz="2000" b="1" dirty="0">
@@ -18727,13 +21617,7 @@
           <p:cNvGraphicFramePr>
             <a:graphicFrameLocks noChangeAspect="1"/>
           </p:cNvGraphicFramePr>
-          <p:nvPr>
-            <p:extLst>
-              <p:ext uri="{D42A27DB-BD31-4B8C-83A1-F6EECF244321}">
-                <p14:modId xmlns:p14="http://schemas.microsoft.com/office/powerpoint/2010/main" val="191588410"/>
-              </p:ext>
-            </p:extLst>
-          </p:nvPr>
+          <p:nvPr/>
         </p:nvGraphicFramePr>
         <p:xfrm>
           <a:off x="2826483" y="5609339"/>
@@ -18752,10 +21636,10 @@
                   <p:embed/>
                   <p:pic>
                     <p:nvPicPr>
-                      <p:cNvPr id="6" name="对象 5">
+                      <p:cNvPr id="9" name="对象 8">
                         <a:extLst>
                           <a:ext uri="{FF2B5EF4-FFF2-40B4-BE49-F238E27FC236}">
-                            <a16:creationId xmlns:a16="http://schemas.microsoft.com/office/drawing/2014/main" id="{EF80AB39-4515-1EE0-AB9F-0C660CC19A3A}"/>
+                            <a16:creationId xmlns:a16="http://schemas.microsoft.com/office/drawing/2014/main" id="{ECC5C06C-DBED-7750-4827-5D0D55BF0CFE}"/>
                           </a:ext>
                         </a:extLst>
                       </p:cNvPr>
@@ -18798,7 +21682,7 @@
         </p:nvSpPr>
         <p:spPr>
           <a:xfrm>
-            <a:off x="10092800" y="6085493"/>
+            <a:off x="9712555" y="5505568"/>
             <a:ext cx="1440985" cy="307777"/>
           </a:xfrm>
           <a:prstGeom prst="rect">
@@ -18890,7 +21774,7 @@
     </p:spTree>
     <p:extLst>
       <p:ext uri="{BB962C8B-B14F-4D97-AF65-F5344CB8AC3E}">
-        <p14:creationId xmlns:p14="http://schemas.microsoft.com/office/powerpoint/2010/main" val="1128265168"/>
+        <p14:creationId xmlns:p14="http://schemas.microsoft.com/office/powerpoint/2010/main" val="1628944219"/>
       </p:ext>
     </p:extLst>
   </p:cSld>
@@ -18912,7 +21796,7 @@
 </p:sld>
 </file>
 
-<file path=ppt/slides/slide26.xml><?xml version="1.0" encoding="utf-8"?>
+<file path=ppt/slides/slide27.xml><?xml version="1.0" encoding="utf-8"?>
 <p:sld xmlns:a="http://schemas.openxmlformats.org/drawingml/2006/main" xmlns:r="http://schemas.openxmlformats.org/officeDocument/2006/relationships" xmlns:p="http://schemas.openxmlformats.org/presentationml/2006/main">
   <p:cSld>
     <p:spTree>
@@ -18938,7 +21822,7 @@
         <p:spPr>
           <a:xfrm>
             <a:off x="407987" y="1052513"/>
-            <a:ext cx="11376025" cy="4409797"/>
+            <a:ext cx="11376025" cy="5613332"/>
           </a:xfrm>
           <a:prstGeom prst="rect">
             <a:avLst/>
@@ -18970,31 +21854,7 @@
                 <a:cs typeface="Times New Roman" panose="02020603050405020304" pitchFamily="18" charset="0"/>
                 <a:sym typeface="+mn-ea"/>
               </a:rPr>
-              <a:t>判断目标可见性（总成绩比例：</a:t>
-            </a:r>
-            <a:r>
-              <a:rPr lang="en-US" altLang="zh-CN" sz="2800" b="1" dirty="0">
-                <a:solidFill>
-                  <a:schemeClr val="tx1"/>
-                </a:solidFill>
-                <a:latin typeface="Times New Roman" panose="02020603050405020304" pitchFamily="18" charset="0"/>
-                <a:ea typeface="微软雅黑" panose="020B0503020204020204" pitchFamily="34" charset="-122"/>
-                <a:cs typeface="Times New Roman" panose="02020603050405020304" pitchFamily="18" charset="0"/>
-                <a:sym typeface="+mn-ea"/>
-              </a:rPr>
-              <a:t>20%</a:t>
-            </a:r>
-            <a:r>
-              <a:rPr lang="zh-CN" altLang="en-US" sz="2800" b="1" dirty="0">
-                <a:solidFill>
-                  <a:schemeClr val="tx1"/>
-                </a:solidFill>
-                <a:latin typeface="Times New Roman" panose="02020603050405020304" pitchFamily="18" charset="0"/>
-                <a:ea typeface="微软雅黑" panose="020B0503020204020204" pitchFamily="34" charset="-122"/>
-                <a:cs typeface="Times New Roman" panose="02020603050405020304" pitchFamily="18" charset="0"/>
-                <a:sym typeface="+mn-ea"/>
-              </a:rPr>
-              <a:t>）</a:t>
+              <a:t>数值积分程序：</a:t>
             </a:r>
             <a:endParaRPr lang="en-US" altLang="zh-CN" sz="2800" b="1" dirty="0">
               <a:solidFill>
@@ -19007,10 +21867,447 @@
             </a:endParaRPr>
           </a:p>
           <a:p>
+            <a:pPr marL="800100" marR="0" lvl="1" indent="-342900" algn="l" defTabSz="914400" rtl="0" eaLnBrk="1" fontAlgn="auto" latinLnBrk="0" hangingPunct="1">
+              <a:lnSpc>
+                <a:spcPct val="150000"/>
+              </a:lnSpc>
+              <a:spcBef>
+                <a:spcPts val="0"/>
+              </a:spcBef>
+              <a:spcAft>
+                <a:spcPts val="0"/>
+              </a:spcAft>
+              <a:buClrTx/>
+              <a:buSzTx/>
+              <a:buFont typeface="Arial" panose="020B0604020202020204" pitchFamily="34" charset="0"/>
+              <a:buChar char="•"/>
+              <a:tabLst/>
+              <a:defRPr/>
+            </a:pPr>
+            <a:r>
+              <a:rPr lang="en-US" altLang="zh-CN" sz="2400" b="1" dirty="0">
+                <a:solidFill>
+                  <a:prstClr val="black"/>
+                </a:solidFill>
+                <a:latin typeface="Times New Roman" panose="02020603050405020304" pitchFamily="18" charset="0"/>
+                <a:ea typeface="微软雅黑" panose="020B0503020204020204" pitchFamily="34" charset="-122"/>
+                <a:cs typeface="Times New Roman" panose="02020603050405020304" pitchFamily="18" charset="0"/>
+                <a:sym typeface="+mn-ea"/>
+              </a:rPr>
+              <a:t>RK4 </a:t>
+            </a:r>
+            <a:r>
+              <a:rPr lang="zh-CN" altLang="en-US" sz="2400" b="1" dirty="0">
+                <a:solidFill>
+                  <a:prstClr val="black"/>
+                </a:solidFill>
+                <a:latin typeface="Times New Roman" panose="02020603050405020304" pitchFamily="18" charset="0"/>
+                <a:ea typeface="微软雅黑" panose="020B0503020204020204" pitchFamily="34" charset="-122"/>
+                <a:cs typeface="Times New Roman" panose="02020603050405020304" pitchFamily="18" charset="0"/>
+                <a:sym typeface="+mn-ea"/>
+              </a:rPr>
+              <a:t>样例（</a:t>
+            </a:r>
+            <a:r>
+              <a:rPr lang="en-US" altLang="zh-CN" sz="2400" b="1" dirty="0">
+                <a:solidFill>
+                  <a:prstClr val="black"/>
+                </a:solidFill>
+                <a:latin typeface="Times New Roman" panose="02020603050405020304" pitchFamily="18" charset="0"/>
+                <a:ea typeface="微软雅黑" panose="020B0503020204020204" pitchFamily="34" charset="-122"/>
+                <a:cs typeface="Times New Roman" panose="02020603050405020304" pitchFamily="18" charset="0"/>
+                <a:sym typeface="+mn-ea"/>
+              </a:rPr>
+              <a:t>python</a:t>
+            </a:r>
+            <a:r>
+              <a:rPr lang="zh-CN" altLang="en-US" sz="2400" b="1" dirty="0">
+                <a:solidFill>
+                  <a:prstClr val="black"/>
+                </a:solidFill>
+                <a:latin typeface="Times New Roman" panose="02020603050405020304" pitchFamily="18" charset="0"/>
+                <a:ea typeface="微软雅黑" panose="020B0503020204020204" pitchFamily="34" charset="-122"/>
+                <a:cs typeface="Times New Roman" panose="02020603050405020304" pitchFamily="18" charset="0"/>
+                <a:sym typeface="+mn-ea"/>
+              </a:rPr>
+              <a:t>）</a:t>
+            </a:r>
+            <a:endParaRPr kumimoji="0" lang="en-GB" altLang="zh-CN" sz="2000" b="1" i="0" u="none" strike="noStrike" kern="1200" cap="none" spc="0" normalizeH="0" baseline="0" noProof="0" dirty="0">
+              <a:ln>
+                <a:noFill/>
+              </a:ln>
+              <a:solidFill>
+                <a:prstClr val="black"/>
+              </a:solidFill>
+              <a:effectLst/>
+              <a:uLnTx/>
+              <a:uFillTx/>
+              <a:latin typeface="Times New Roman" panose="02020603050405020304" pitchFamily="18" charset="0"/>
+              <a:ea typeface="微软雅黑" panose="020B0503020204020204" pitchFamily="34" charset="-122"/>
+              <a:cs typeface="Times New Roman" panose="02020603050405020304" pitchFamily="18" charset="0"/>
+              <a:sym typeface="+mn-ea"/>
+              <a:hlinkClick r:id="rId2"/>
+            </a:endParaRPr>
+          </a:p>
+          <a:p>
+            <a:pPr marL="457200" marR="0" lvl="1" indent="0" algn="l" defTabSz="914400" rtl="0" eaLnBrk="1" fontAlgn="auto" latinLnBrk="0" hangingPunct="1">
+              <a:spcBef>
+                <a:spcPts val="0"/>
+              </a:spcBef>
+              <a:spcAft>
+                <a:spcPts val="0"/>
+              </a:spcAft>
+              <a:buClrTx/>
+              <a:buSzTx/>
+              <a:buFontTx/>
+              <a:buNone/>
+              <a:tabLst/>
+              <a:defRPr/>
+            </a:pPr>
+            <a:r>
+              <a:rPr kumimoji="0" lang="en-GB" altLang="zh-CN" sz="2000" b="1" i="0" u="none" strike="noStrike" kern="1200" cap="none" spc="0" normalizeH="0" baseline="0" noProof="0" dirty="0">
+                <a:ln>
+                  <a:noFill/>
+                </a:ln>
+                <a:solidFill>
+                  <a:prstClr val="black"/>
+                </a:solidFill>
+                <a:effectLst/>
+                <a:uLnTx/>
+                <a:uFillTx/>
+                <a:latin typeface="Times New Roman" panose="02020603050405020304" pitchFamily="18" charset="0"/>
+                <a:ea typeface="微软雅黑" panose="020B0503020204020204" pitchFamily="34" charset="-122"/>
+                <a:cs typeface="Times New Roman" panose="02020603050405020304" pitchFamily="18" charset="0"/>
+                <a:sym typeface="+mn-ea"/>
+                <a:hlinkClick r:id="rId2"/>
+              </a:rPr>
+              <a:t>https://git.nddc.pmo.ac.cn/linhouyuan/DAOSSA</a:t>
+            </a:r>
+            <a:r>
+              <a:rPr kumimoji="0" lang="en-GB" altLang="zh-CN" sz="2000" b="1" i="0" u="none" strike="noStrike" kern="1200" cap="none" spc="0" normalizeH="0" baseline="0" noProof="0" dirty="0">
+                <a:ln>
+                  <a:noFill/>
+                </a:ln>
+                <a:solidFill>
+                  <a:prstClr val="black"/>
+                </a:solidFill>
+                <a:effectLst/>
+                <a:uLnTx/>
+                <a:uFillTx/>
+                <a:latin typeface="Times New Roman" panose="02020603050405020304" pitchFamily="18" charset="0"/>
+                <a:ea typeface="微软雅黑" panose="020B0503020204020204" pitchFamily="34" charset="-122"/>
+                <a:cs typeface="Times New Roman" panose="02020603050405020304" pitchFamily="18" charset="0"/>
+                <a:sym typeface="+mn-ea"/>
+              </a:rPr>
+              <a:t> </a:t>
+            </a:r>
+            <a:r>
+              <a:rPr kumimoji="0" lang="zh-CN" altLang="en-US" sz="2000" b="1" i="0" u="none" strike="noStrike" kern="1200" cap="none" spc="0" normalizeH="0" baseline="0" noProof="0" dirty="0">
+                <a:ln>
+                  <a:noFill/>
+                </a:ln>
+                <a:solidFill>
+                  <a:prstClr val="black"/>
+                </a:solidFill>
+                <a:effectLst/>
+                <a:uLnTx/>
+                <a:uFillTx/>
+                <a:latin typeface="Times New Roman" panose="02020603050405020304" pitchFamily="18" charset="0"/>
+                <a:ea typeface="微软雅黑" panose="020B0503020204020204" pitchFamily="34" charset="-122"/>
+                <a:cs typeface="Times New Roman" panose="02020603050405020304" pitchFamily="18" charset="0"/>
+                <a:sym typeface="+mn-ea"/>
+              </a:rPr>
+              <a:t> </a:t>
+            </a:r>
+            <a:r>
+              <a:rPr kumimoji="0" lang="en-US" altLang="zh-CN" sz="2000" b="1" i="0" u="none" strike="noStrike" kern="1200" cap="none" spc="0" normalizeH="0" baseline="0" noProof="0" dirty="0">
+                <a:ln>
+                  <a:noFill/>
+                </a:ln>
+                <a:solidFill>
+                  <a:prstClr val="black"/>
+                </a:solidFill>
+                <a:effectLst/>
+                <a:uLnTx/>
+                <a:uFillTx/>
+                <a:latin typeface="Times New Roman" panose="02020603050405020304" pitchFamily="18" charset="0"/>
+                <a:ea typeface="微软雅黑" panose="020B0503020204020204" pitchFamily="34" charset="-122"/>
+                <a:cs typeface="Times New Roman" panose="02020603050405020304" pitchFamily="18" charset="0"/>
+                <a:sym typeface="+mn-ea"/>
+              </a:rPr>
+              <a:t>attachments/rk4.py</a:t>
+            </a:r>
+          </a:p>
+          <a:p>
             <a:pPr marL="800100" lvl="1" indent="-342900">
               <a:lnSpc>
-                <a:spcPct val="120000"/>
+                <a:spcPct val="150000"/>
               </a:lnSpc>
+              <a:buFont typeface="Arial" panose="020B0604020202020204" pitchFamily="34" charset="0"/>
+              <a:buChar char="•"/>
+            </a:pPr>
+            <a:endParaRPr lang="en-US" altLang="zh-CN" sz="2400" b="1" dirty="0">
+              <a:latin typeface="Times New Roman" panose="02020603050405020304" pitchFamily="18" charset="0"/>
+              <a:ea typeface="微软雅黑" panose="020B0503020204020204" pitchFamily="34" charset="-122"/>
+              <a:cs typeface="Times New Roman" panose="02020603050405020304" pitchFamily="18" charset="0"/>
+              <a:sym typeface="+mn-ea"/>
+            </a:endParaRPr>
+          </a:p>
+          <a:p>
+            <a:pPr marL="800100" lvl="1" indent="-342900">
+              <a:lnSpc>
+                <a:spcPct val="150000"/>
+              </a:lnSpc>
+              <a:buFont typeface="Arial" panose="020B0604020202020204" pitchFamily="34" charset="0"/>
+              <a:buChar char="•"/>
+            </a:pPr>
+            <a:r>
+              <a:rPr lang="en-US" altLang="zh-CN" sz="2400" b="1" dirty="0">
+                <a:latin typeface="Times New Roman" panose="02020603050405020304" pitchFamily="18" charset="0"/>
+                <a:ea typeface="微软雅黑" panose="020B0503020204020204" pitchFamily="34" charset="-122"/>
+                <a:cs typeface="Times New Roman" panose="02020603050405020304" pitchFamily="18" charset="0"/>
+                <a:sym typeface="+mn-ea"/>
+              </a:rPr>
+              <a:t>RKF7(8) </a:t>
+            </a:r>
+            <a:r>
+              <a:rPr lang="zh-CN" altLang="en-US" sz="2400" b="1" dirty="0">
+                <a:latin typeface="Times New Roman" panose="02020603050405020304" pitchFamily="18" charset="0"/>
+                <a:ea typeface="微软雅黑" panose="020B0503020204020204" pitchFamily="34" charset="-122"/>
+                <a:cs typeface="Times New Roman" panose="02020603050405020304" pitchFamily="18" charset="0"/>
+                <a:sym typeface="+mn-ea"/>
+              </a:rPr>
+              <a:t>样例（</a:t>
+            </a:r>
+            <a:r>
+              <a:rPr lang="en-US" altLang="zh-CN" sz="2400" b="1" dirty="0">
+                <a:latin typeface="Times New Roman" panose="02020603050405020304" pitchFamily="18" charset="0"/>
+                <a:ea typeface="微软雅黑" panose="020B0503020204020204" pitchFamily="34" charset="-122"/>
+                <a:cs typeface="Times New Roman" panose="02020603050405020304" pitchFamily="18" charset="0"/>
+                <a:sym typeface="+mn-ea"/>
+              </a:rPr>
+              <a:t>Fortran</a:t>
+            </a:r>
+            <a:r>
+              <a:rPr lang="zh-CN" altLang="en-US" sz="2400" b="1" dirty="0">
+                <a:latin typeface="Times New Roman" panose="02020603050405020304" pitchFamily="18" charset="0"/>
+                <a:ea typeface="微软雅黑" panose="020B0503020204020204" pitchFamily="34" charset="-122"/>
+                <a:cs typeface="Times New Roman" panose="02020603050405020304" pitchFamily="18" charset="0"/>
+                <a:sym typeface="+mn-ea"/>
+              </a:rPr>
+              <a:t>）</a:t>
+            </a:r>
+            <a:endParaRPr kumimoji="0" lang="en-GB" altLang="zh-CN" sz="2000" b="1" i="0" u="none" strike="noStrike" kern="1200" cap="none" spc="0" normalizeH="0" baseline="0" noProof="0" dirty="0">
+              <a:ln>
+                <a:noFill/>
+              </a:ln>
+              <a:solidFill>
+                <a:prstClr val="black"/>
+              </a:solidFill>
+              <a:effectLst/>
+              <a:uLnTx/>
+              <a:uFillTx/>
+              <a:latin typeface="Times New Roman" panose="02020603050405020304" pitchFamily="18" charset="0"/>
+              <a:ea typeface="微软雅黑" panose="020B0503020204020204" pitchFamily="34" charset="-122"/>
+              <a:cs typeface="Times New Roman" panose="02020603050405020304" pitchFamily="18" charset="0"/>
+              <a:sym typeface="+mn-ea"/>
+              <a:hlinkClick r:id="rId2"/>
+            </a:endParaRPr>
+          </a:p>
+          <a:p>
+            <a:pPr marL="457200" marR="0" lvl="1" indent="0" algn="l" defTabSz="914400" rtl="0" eaLnBrk="1" fontAlgn="auto" latinLnBrk="0" hangingPunct="1">
+              <a:spcBef>
+                <a:spcPts val="0"/>
+              </a:spcBef>
+              <a:spcAft>
+                <a:spcPts val="0"/>
+              </a:spcAft>
+              <a:buClrTx/>
+              <a:buSzTx/>
+              <a:buFontTx/>
+              <a:buNone/>
+              <a:tabLst/>
+              <a:defRPr/>
+            </a:pPr>
+            <a:r>
+              <a:rPr kumimoji="0" lang="en-GB" altLang="zh-CN" sz="2000" b="1" i="0" u="none" strike="noStrike" kern="1200" cap="none" spc="0" normalizeH="0" baseline="0" noProof="0" dirty="0">
+                <a:ln>
+                  <a:noFill/>
+                </a:ln>
+                <a:solidFill>
+                  <a:prstClr val="black"/>
+                </a:solidFill>
+                <a:effectLst/>
+                <a:uLnTx/>
+                <a:uFillTx/>
+                <a:latin typeface="Times New Roman" panose="02020603050405020304" pitchFamily="18" charset="0"/>
+                <a:ea typeface="微软雅黑" panose="020B0503020204020204" pitchFamily="34" charset="-122"/>
+                <a:cs typeface="Times New Roman" panose="02020603050405020304" pitchFamily="18" charset="0"/>
+                <a:sym typeface="+mn-ea"/>
+                <a:hlinkClick r:id="rId2"/>
+              </a:rPr>
+              <a:t>https://git.nddc.pmo.ac.cn/linhouyuan/DAOSSA</a:t>
+            </a:r>
+            <a:r>
+              <a:rPr kumimoji="0" lang="en-GB" altLang="zh-CN" sz="2000" b="1" i="0" u="none" strike="noStrike" kern="1200" cap="none" spc="0" normalizeH="0" baseline="0" noProof="0" dirty="0">
+                <a:ln>
+                  <a:noFill/>
+                </a:ln>
+                <a:solidFill>
+                  <a:prstClr val="black"/>
+                </a:solidFill>
+                <a:effectLst/>
+                <a:uLnTx/>
+                <a:uFillTx/>
+                <a:latin typeface="Times New Roman" panose="02020603050405020304" pitchFamily="18" charset="0"/>
+                <a:ea typeface="微软雅黑" panose="020B0503020204020204" pitchFamily="34" charset="-122"/>
+                <a:cs typeface="Times New Roman" panose="02020603050405020304" pitchFamily="18" charset="0"/>
+                <a:sym typeface="+mn-ea"/>
+              </a:rPr>
+              <a:t> </a:t>
+            </a:r>
+            <a:r>
+              <a:rPr kumimoji="0" lang="zh-CN" altLang="en-US" sz="2000" b="1" i="0" u="none" strike="noStrike" kern="1200" cap="none" spc="0" normalizeH="0" baseline="0" noProof="0" dirty="0">
+                <a:ln>
+                  <a:noFill/>
+                </a:ln>
+                <a:solidFill>
+                  <a:prstClr val="black"/>
+                </a:solidFill>
+                <a:effectLst/>
+                <a:uLnTx/>
+                <a:uFillTx/>
+                <a:latin typeface="Times New Roman" panose="02020603050405020304" pitchFamily="18" charset="0"/>
+                <a:ea typeface="微软雅黑" panose="020B0503020204020204" pitchFamily="34" charset="-122"/>
+                <a:cs typeface="Times New Roman" panose="02020603050405020304" pitchFamily="18" charset="0"/>
+                <a:sym typeface="+mn-ea"/>
+              </a:rPr>
+              <a:t> </a:t>
+            </a:r>
+            <a:r>
+              <a:rPr kumimoji="0" lang="en-US" altLang="zh-CN" sz="2000" b="1" i="0" u="none" strike="noStrike" kern="1200" cap="none" spc="0" normalizeH="0" baseline="0" noProof="0" dirty="0">
+                <a:ln>
+                  <a:noFill/>
+                </a:ln>
+                <a:solidFill>
+                  <a:prstClr val="black"/>
+                </a:solidFill>
+                <a:effectLst/>
+                <a:uLnTx/>
+                <a:uFillTx/>
+                <a:latin typeface="Times New Roman" panose="02020603050405020304" pitchFamily="18" charset="0"/>
+                <a:ea typeface="微软雅黑" panose="020B0503020204020204" pitchFamily="34" charset="-122"/>
+                <a:cs typeface="Times New Roman" panose="02020603050405020304" pitchFamily="18" charset="0"/>
+                <a:sym typeface="+mn-ea"/>
+              </a:rPr>
+              <a:t>attachments/RKF78.f90</a:t>
+            </a:r>
+            <a:endParaRPr lang="en-US" altLang="zh-CN" sz="2400" b="1" dirty="0">
+              <a:latin typeface="Times New Roman" panose="02020603050405020304" pitchFamily="18" charset="0"/>
+              <a:ea typeface="微软雅黑" panose="020B0503020204020204" pitchFamily="34" charset="-122"/>
+              <a:cs typeface="Times New Roman" panose="02020603050405020304" pitchFamily="18" charset="0"/>
+              <a:sym typeface="+mn-ea"/>
+            </a:endParaRPr>
+          </a:p>
+          <a:p>
+            <a:pPr marL="1257300" lvl="2" indent="-342900">
+              <a:spcBef>
+                <a:spcPts val="1200"/>
+              </a:spcBef>
+              <a:buFont typeface="Arial" panose="020B0604020202020204" pitchFamily="34" charset="0"/>
+              <a:buChar char="•"/>
+            </a:pPr>
+            <a:r>
+              <a:rPr lang="zh-CN" altLang="en-US" b="1" dirty="0">
+                <a:latin typeface="Times New Roman" panose="02020603050405020304" pitchFamily="18" charset="0"/>
+                <a:ea typeface="微软雅黑" panose="020B0503020204020204" pitchFamily="34" charset="-122"/>
+                <a:cs typeface="Times New Roman" panose="02020603050405020304" pitchFamily="18" charset="0"/>
+                <a:sym typeface="+mn-ea"/>
+              </a:rPr>
+              <a:t>注意变步长和定步长的终点的判定不一样</a:t>
+            </a:r>
+            <a:endParaRPr lang="en-US" altLang="zh-CN" b="1" dirty="0">
+              <a:latin typeface="Times New Roman" panose="02020603050405020304" pitchFamily="18" charset="0"/>
+              <a:ea typeface="微软雅黑" panose="020B0503020204020204" pitchFamily="34" charset="-122"/>
+              <a:cs typeface="Times New Roman" panose="02020603050405020304" pitchFamily="18" charset="0"/>
+              <a:sym typeface="+mn-ea"/>
+            </a:endParaRPr>
+          </a:p>
+          <a:p>
+            <a:pPr lvl="2"/>
+            <a:r>
+              <a:rPr lang="en-US" altLang="zh-CN" b="1" dirty="0">
+                <a:latin typeface="Times New Roman" panose="02020603050405020304" pitchFamily="18" charset="0"/>
+                <a:ea typeface="微软雅黑" panose="020B0503020204020204" pitchFamily="34" charset="-122"/>
+                <a:cs typeface="Times New Roman" panose="02020603050405020304" pitchFamily="18" charset="0"/>
+                <a:sym typeface="+mn-ea"/>
+              </a:rPr>
+              <a:t>	if ( t + h &gt; Ts )   h = Ts - t</a:t>
+            </a:r>
+            <a:endParaRPr lang="zh-CN" altLang="en-US" b="1" dirty="0">
+              <a:latin typeface="Times New Roman" panose="02020603050405020304" pitchFamily="18" charset="0"/>
+              <a:ea typeface="微软雅黑" panose="020B0503020204020204" pitchFamily="34" charset="-122"/>
+              <a:cs typeface="Times New Roman" panose="02020603050405020304" pitchFamily="18" charset="0"/>
+              <a:sym typeface="+mn-ea"/>
+            </a:endParaRPr>
+          </a:p>
+          <a:p>
+            <a:pPr marL="800100" lvl="1" indent="-342900">
+              <a:lnSpc>
+                <a:spcPct val="150000"/>
+              </a:lnSpc>
+              <a:buFont typeface="Arial" panose="020B0604020202020204" pitchFamily="34" charset="0"/>
+              <a:buChar char="•"/>
+            </a:pPr>
+            <a:endParaRPr lang="en-US" altLang="zh-CN" sz="2400" b="1" dirty="0">
+              <a:latin typeface="Times New Roman" panose="02020603050405020304" pitchFamily="18" charset="0"/>
+              <a:ea typeface="微软雅黑" panose="020B0503020204020204" pitchFamily="34" charset="-122"/>
+              <a:cs typeface="Times New Roman" panose="02020603050405020304" pitchFamily="18" charset="0"/>
+              <a:sym typeface="+mn-ea"/>
+            </a:endParaRPr>
+          </a:p>
+          <a:p>
+            <a:pPr marL="800100" lvl="1" indent="-342900">
+              <a:lnSpc>
+                <a:spcPct val="150000"/>
+              </a:lnSpc>
+              <a:buFont typeface="Arial" panose="020B0604020202020204" pitchFamily="34" charset="0"/>
+              <a:buChar char="•"/>
+            </a:pPr>
+            <a:r>
+              <a:rPr lang="en-US" altLang="zh-CN" sz="2400" b="1" dirty="0">
+                <a:latin typeface="Times New Roman" panose="02020603050405020304" pitchFamily="18" charset="0"/>
+                <a:ea typeface="微软雅黑" panose="020B0503020204020204" pitchFamily="34" charset="-122"/>
+                <a:cs typeface="Times New Roman" panose="02020603050405020304" pitchFamily="18" charset="0"/>
+                <a:sym typeface="+mn-ea"/>
+              </a:rPr>
+              <a:t>python</a:t>
+            </a:r>
+            <a:r>
+              <a:rPr lang="zh-CN" altLang="en-US" sz="2400" b="1" dirty="0">
+                <a:latin typeface="Times New Roman" panose="02020603050405020304" pitchFamily="18" charset="0"/>
+                <a:ea typeface="微软雅黑" panose="020B0503020204020204" pitchFamily="34" charset="-122"/>
+                <a:cs typeface="Times New Roman" panose="02020603050405020304" pitchFamily="18" charset="0"/>
+                <a:sym typeface="+mn-ea"/>
+              </a:rPr>
+              <a:t>程序包：</a:t>
+            </a:r>
+            <a:r>
+              <a:rPr lang="en-GB" altLang="zh-CN" sz="2400" b="1" i="0" dirty="0" err="1">
+                <a:effectLst/>
+                <a:latin typeface="Times New Roman" panose="02020603050405020304" pitchFamily="18" charset="0"/>
+                <a:cs typeface="Times New Roman" panose="02020603050405020304" pitchFamily="18" charset="0"/>
+              </a:rPr>
+              <a:t>scipy.integrate</a:t>
+            </a:r>
+            <a:endParaRPr lang="en-GB" altLang="zh-CN" sz="2400" b="1" i="0" dirty="0">
+              <a:effectLst/>
+              <a:latin typeface="Times New Roman" panose="02020603050405020304" pitchFamily="18" charset="0"/>
+              <a:cs typeface="Times New Roman" panose="02020603050405020304" pitchFamily="18" charset="0"/>
+            </a:endParaRPr>
+          </a:p>
+          <a:p>
+            <a:pPr marL="1257300" lvl="2" indent="-342900">
               <a:spcBef>
                 <a:spcPts val="600"/>
               </a:spcBef>
@@ -19018,215 +22315,17 @@
               <a:buChar char="•"/>
             </a:pPr>
             <a:r>
-              <a:rPr lang="zh-CN" altLang="en-US" sz="2400" b="1" dirty="0">
-                <a:solidFill>
-                  <a:schemeClr val="tx1"/>
-                </a:solidFill>
+              <a:rPr lang="en-US" altLang="zh-CN" b="1" dirty="0">
                 <a:latin typeface="Times New Roman" panose="02020603050405020304" pitchFamily="18" charset="0"/>
                 <a:ea typeface="微软雅黑" panose="020B0503020204020204" pitchFamily="34" charset="-122"/>
                 <a:cs typeface="Times New Roman" panose="02020603050405020304" pitchFamily="18" charset="0"/>
                 <a:sym typeface="+mn-ea"/>
               </a:rPr>
-              <a:t>观测时刻</a:t>
-            </a:r>
-            <a:r>
-              <a:rPr lang="en-US" altLang="zh-CN" sz="2400" b="1" dirty="0">
-                <a:solidFill>
-                  <a:schemeClr val="tx1"/>
-                </a:solidFill>
-                <a:latin typeface="Times New Roman" panose="02020603050405020304" pitchFamily="18" charset="0"/>
-                <a:ea typeface="微软雅黑" panose="020B0503020204020204" pitchFamily="34" charset="-122"/>
-                <a:cs typeface="Times New Roman" panose="02020603050405020304" pitchFamily="18" charset="0"/>
-                <a:sym typeface="+mn-ea"/>
-              </a:rPr>
-              <a:t>UTC</a:t>
-            </a:r>
-            <a:r>
-              <a:rPr lang="zh-CN" altLang="en-US" sz="2400" b="1" dirty="0">
-                <a:solidFill>
-                  <a:schemeClr val="tx1"/>
-                </a:solidFill>
-                <a:latin typeface="Times New Roman" panose="02020603050405020304" pitchFamily="18" charset="0"/>
-                <a:ea typeface="微软雅黑" panose="020B0503020204020204" pitchFamily="34" charset="-122"/>
-                <a:cs typeface="Times New Roman" panose="02020603050405020304" pitchFamily="18" charset="0"/>
-                <a:sym typeface="+mn-ea"/>
-              </a:rPr>
-              <a:t>：</a:t>
-            </a:r>
-            <a:r>
-              <a:rPr lang="en-US" altLang="zh-CN" sz="2400" b="1" dirty="0">
-                <a:solidFill>
-                  <a:schemeClr val="tx1"/>
-                </a:solidFill>
-                <a:latin typeface="Times New Roman" panose="02020603050405020304" pitchFamily="18" charset="0"/>
-                <a:ea typeface="微软雅黑" panose="020B0503020204020204" pitchFamily="34" charset="-122"/>
-                <a:cs typeface="Times New Roman" panose="02020603050405020304" pitchFamily="18" charset="0"/>
-                <a:sym typeface="+mn-ea"/>
-              </a:rPr>
-              <a:t>2022</a:t>
-            </a:r>
-            <a:r>
-              <a:rPr lang="zh-CN" altLang="en-US" sz="2400" b="1" dirty="0">
-                <a:solidFill>
-                  <a:schemeClr val="tx1"/>
-                </a:solidFill>
-                <a:latin typeface="Times New Roman" panose="02020603050405020304" pitchFamily="18" charset="0"/>
-                <a:ea typeface="微软雅黑" panose="020B0503020204020204" pitchFamily="34" charset="-122"/>
-                <a:cs typeface="Times New Roman" panose="02020603050405020304" pitchFamily="18" charset="0"/>
-                <a:sym typeface="+mn-ea"/>
-              </a:rPr>
-              <a:t>年</a:t>
-            </a:r>
-            <a:r>
-              <a:rPr lang="en-US" altLang="zh-CN" sz="2400" b="1" dirty="0">
-                <a:solidFill>
-                  <a:schemeClr val="tx1"/>
-                </a:solidFill>
-                <a:latin typeface="Times New Roman" panose="02020603050405020304" pitchFamily="18" charset="0"/>
-                <a:ea typeface="微软雅黑" panose="020B0503020204020204" pitchFamily="34" charset="-122"/>
-                <a:cs typeface="Times New Roman" panose="02020603050405020304" pitchFamily="18" charset="0"/>
-                <a:sym typeface="+mn-ea"/>
-              </a:rPr>
-              <a:t>3</a:t>
-            </a:r>
-            <a:r>
-              <a:rPr lang="zh-CN" altLang="en-US" sz="2400" b="1" dirty="0">
-                <a:solidFill>
-                  <a:schemeClr val="tx1"/>
-                </a:solidFill>
-                <a:latin typeface="Times New Roman" panose="02020603050405020304" pitchFamily="18" charset="0"/>
-                <a:ea typeface="微软雅黑" panose="020B0503020204020204" pitchFamily="34" charset="-122"/>
-                <a:cs typeface="Times New Roman" panose="02020603050405020304" pitchFamily="18" charset="0"/>
-                <a:sym typeface="+mn-ea"/>
-              </a:rPr>
-              <a:t>月</a:t>
-            </a:r>
-            <a:r>
-              <a:rPr lang="en-US" altLang="zh-CN" sz="2400" b="1" dirty="0">
-                <a:solidFill>
-                  <a:schemeClr val="tx1"/>
-                </a:solidFill>
-                <a:latin typeface="Times New Roman" panose="02020603050405020304" pitchFamily="18" charset="0"/>
-                <a:ea typeface="微软雅黑" panose="020B0503020204020204" pitchFamily="34" charset="-122"/>
-                <a:cs typeface="Times New Roman" panose="02020603050405020304" pitchFamily="18" charset="0"/>
-                <a:sym typeface="+mn-ea"/>
-              </a:rPr>
-              <a:t>16</a:t>
-            </a:r>
-            <a:r>
-              <a:rPr lang="zh-CN" altLang="en-US" sz="2400" b="1" dirty="0">
-                <a:solidFill>
-                  <a:schemeClr val="tx1"/>
-                </a:solidFill>
-                <a:latin typeface="Times New Roman" panose="02020603050405020304" pitchFamily="18" charset="0"/>
-                <a:ea typeface="微软雅黑" panose="020B0503020204020204" pitchFamily="34" charset="-122"/>
-                <a:cs typeface="Times New Roman" panose="02020603050405020304" pitchFamily="18" charset="0"/>
-                <a:sym typeface="+mn-ea"/>
-              </a:rPr>
-              <a:t>日</a:t>
-            </a:r>
-            <a:r>
-              <a:rPr lang="en-US" altLang="zh-CN" sz="2400" b="1" dirty="0">
-                <a:solidFill>
-                  <a:schemeClr val="tx1"/>
-                </a:solidFill>
-                <a:latin typeface="Times New Roman" panose="02020603050405020304" pitchFamily="18" charset="0"/>
-                <a:ea typeface="微软雅黑" panose="020B0503020204020204" pitchFamily="34" charset="-122"/>
-                <a:cs typeface="Times New Roman" panose="02020603050405020304" pitchFamily="18" charset="0"/>
-                <a:sym typeface="+mn-ea"/>
-              </a:rPr>
-              <a:t>11</a:t>
-            </a:r>
-            <a:r>
-              <a:rPr lang="zh-CN" altLang="en-US" sz="2400" b="1" dirty="0">
-                <a:solidFill>
-                  <a:schemeClr val="tx1"/>
-                </a:solidFill>
-                <a:latin typeface="Times New Roman" panose="02020603050405020304" pitchFamily="18" charset="0"/>
-                <a:ea typeface="微软雅黑" panose="020B0503020204020204" pitchFamily="34" charset="-122"/>
-                <a:cs typeface="Times New Roman" panose="02020603050405020304" pitchFamily="18" charset="0"/>
-                <a:sym typeface="+mn-ea"/>
-              </a:rPr>
-              <a:t>时</a:t>
-            </a:r>
-            <a:r>
-              <a:rPr lang="en-US" altLang="zh-CN" sz="2400" b="1" dirty="0">
-                <a:solidFill>
-                  <a:schemeClr val="tx1"/>
-                </a:solidFill>
-                <a:latin typeface="Times New Roman" panose="02020603050405020304" pitchFamily="18" charset="0"/>
-                <a:ea typeface="微软雅黑" panose="020B0503020204020204" pitchFamily="34" charset="-122"/>
-                <a:cs typeface="Times New Roman" panose="02020603050405020304" pitchFamily="18" charset="0"/>
-                <a:sym typeface="+mn-ea"/>
-              </a:rPr>
-              <a:t>6</a:t>
-            </a:r>
-            <a:r>
-              <a:rPr lang="zh-CN" altLang="en-US" sz="2400" b="1" dirty="0">
-                <a:solidFill>
-                  <a:schemeClr val="tx1"/>
-                </a:solidFill>
-                <a:latin typeface="Times New Roman" panose="02020603050405020304" pitchFamily="18" charset="0"/>
-                <a:ea typeface="微软雅黑" panose="020B0503020204020204" pitchFamily="34" charset="-122"/>
-                <a:cs typeface="Times New Roman" panose="02020603050405020304" pitchFamily="18" charset="0"/>
-                <a:sym typeface="+mn-ea"/>
-              </a:rPr>
-              <a:t>分</a:t>
-            </a:r>
-            <a:r>
-              <a:rPr lang="en-US" altLang="zh-CN" sz="2400" b="1" dirty="0">
-                <a:solidFill>
-                  <a:schemeClr val="tx1"/>
-                </a:solidFill>
-                <a:latin typeface="Times New Roman" panose="02020603050405020304" pitchFamily="18" charset="0"/>
-                <a:ea typeface="微软雅黑" panose="020B0503020204020204" pitchFamily="34" charset="-122"/>
-                <a:cs typeface="Times New Roman" panose="02020603050405020304" pitchFamily="18" charset="0"/>
-                <a:sym typeface="+mn-ea"/>
-              </a:rPr>
-              <a:t>0.0</a:t>
-            </a:r>
-            <a:r>
-              <a:rPr lang="zh-CN" altLang="en-US" sz="2400" b="1" dirty="0">
-                <a:solidFill>
-                  <a:schemeClr val="tx1"/>
-                </a:solidFill>
-                <a:latin typeface="Times New Roman" panose="02020603050405020304" pitchFamily="18" charset="0"/>
-                <a:ea typeface="微软雅黑" panose="020B0503020204020204" pitchFamily="34" charset="-122"/>
-                <a:cs typeface="Times New Roman" panose="02020603050405020304" pitchFamily="18" charset="0"/>
-                <a:sym typeface="+mn-ea"/>
-              </a:rPr>
-              <a:t>秒 （</a:t>
-            </a:r>
-            <a:r>
-              <a:rPr lang="en-US" altLang="zh-CN" sz="2400" b="1" dirty="0">
-                <a:solidFill>
-                  <a:schemeClr val="tx1"/>
-                </a:solidFill>
-                <a:latin typeface="Times New Roman" panose="02020603050405020304" pitchFamily="18" charset="0"/>
-                <a:ea typeface="微软雅黑" panose="020B0503020204020204" pitchFamily="34" charset="-122"/>
-                <a:cs typeface="Times New Roman" panose="02020603050405020304" pitchFamily="18" charset="0"/>
-                <a:sym typeface="+mn-ea"/>
-              </a:rPr>
-              <a:t>MJD = 59654.4625000</a:t>
-            </a:r>
-            <a:r>
-              <a:rPr lang="zh-CN" altLang="en-US" sz="2400" b="1" dirty="0">
-                <a:solidFill>
-                  <a:schemeClr val="tx1"/>
-                </a:solidFill>
-                <a:latin typeface="Times New Roman" panose="02020603050405020304" pitchFamily="18" charset="0"/>
-                <a:ea typeface="微软雅黑" panose="020B0503020204020204" pitchFamily="34" charset="-122"/>
-                <a:cs typeface="Times New Roman" panose="02020603050405020304" pitchFamily="18" charset="0"/>
-                <a:sym typeface="+mn-ea"/>
-              </a:rPr>
-              <a:t>）</a:t>
-            </a:r>
-          </a:p>
-          <a:p>
-            <a:pPr marL="800100" lvl="1" indent="-342900">
-              <a:lnSpc>
-                <a:spcPct val="120000"/>
-              </a:lnSpc>
+              <a:t>https://docs.scipy.org/doc/scipy/reference/generated/scipy.integrate.RK45.html</a:t>
+            </a:r>
+          </a:p>
+          <a:p>
+            <a:pPr marL="1257300" lvl="2" indent="-342900">
               <a:spcBef>
                 <a:spcPts val="600"/>
               </a:spcBef>
@@ -19234,154 +22333,13 @@
               <a:buChar char="•"/>
             </a:pPr>
             <a:r>
-              <a:rPr lang="zh-CN" altLang="en-US" sz="2400" b="1" dirty="0">
-                <a:solidFill>
-                  <a:schemeClr val="tx1"/>
-                </a:solidFill>
+              <a:rPr lang="en-US" altLang="zh-CN" b="1" dirty="0">
                 <a:latin typeface="Times New Roman" panose="02020603050405020304" pitchFamily="18" charset="0"/>
                 <a:ea typeface="微软雅黑" panose="020B0503020204020204" pitchFamily="34" charset="-122"/>
                 <a:cs typeface="Times New Roman" panose="02020603050405020304" pitchFamily="18" charset="0"/>
                 <a:sym typeface="+mn-ea"/>
               </a:rPr>
-              <a:t>测站坐标：</a:t>
-            </a:r>
-            <a:r>
-              <a:rPr lang="en-US" altLang="zh-CN" sz="2400" b="1" dirty="0">
-                <a:solidFill>
-                  <a:schemeClr val="tx1"/>
-                </a:solidFill>
-                <a:latin typeface="Times New Roman" panose="02020603050405020304" pitchFamily="18" charset="0"/>
-                <a:ea typeface="微软雅黑" panose="020B0503020204020204" pitchFamily="34" charset="-122"/>
-                <a:cs typeface="Times New Roman" panose="02020603050405020304" pitchFamily="18" charset="0"/>
-                <a:sym typeface="+mn-ea"/>
-              </a:rPr>
-              <a:t>118.78°,  +32.07°,  0 m</a:t>
-            </a:r>
-          </a:p>
-          <a:p>
-            <a:pPr marL="800100" lvl="1" indent="-342900">
-              <a:lnSpc>
-                <a:spcPct val="120000"/>
-              </a:lnSpc>
-              <a:spcBef>
-                <a:spcPts val="600"/>
-              </a:spcBef>
-              <a:buFont typeface="Arial" panose="020B0604020202020204" pitchFamily="34" charset="0"/>
-              <a:buChar char="•"/>
-            </a:pPr>
-            <a:r>
-              <a:rPr lang="zh-CN" altLang="en-US" sz="2400" b="1" dirty="0">
-                <a:solidFill>
-                  <a:schemeClr val="tx1"/>
-                </a:solidFill>
-                <a:latin typeface="Times New Roman" panose="02020603050405020304" pitchFamily="18" charset="0"/>
-                <a:ea typeface="微软雅黑" panose="020B0503020204020204" pitchFamily="34" charset="-122"/>
-                <a:cs typeface="Times New Roman" panose="02020603050405020304" pitchFamily="18" charset="0"/>
-                <a:sym typeface="+mn-ea"/>
-              </a:rPr>
-              <a:t>该时刻目标在地心真赤道真春分点坐标系下坐标速度：</a:t>
-            </a:r>
-          </a:p>
-          <a:p>
-            <a:pPr lvl="2"/>
-            <a:r>
-              <a:rPr lang="en-US" altLang="zh-CN" sz="2400" b="1" dirty="0">
-                <a:solidFill>
-                  <a:schemeClr val="tx1"/>
-                </a:solidFill>
-                <a:latin typeface="Times New Roman" panose="02020603050405020304" pitchFamily="18" charset="0"/>
-                <a:ea typeface="微软雅黑" panose="020B0503020204020204" pitchFamily="34" charset="-122"/>
-                <a:cs typeface="Times New Roman" panose="02020603050405020304" pitchFamily="18" charset="0"/>
-                <a:sym typeface="+mn-ea"/>
-              </a:rPr>
-              <a:t>(-915.731, 5958.096, 3050.295) km</a:t>
-            </a:r>
-          </a:p>
-          <a:p>
-            <a:pPr lvl="2"/>
-            <a:r>
-              <a:rPr lang="en-US" altLang="zh-CN" sz="2400" b="1" dirty="0">
-                <a:solidFill>
-                  <a:schemeClr val="tx1"/>
-                </a:solidFill>
-                <a:latin typeface="Times New Roman" panose="02020603050405020304" pitchFamily="18" charset="0"/>
-                <a:ea typeface="微软雅黑" panose="020B0503020204020204" pitchFamily="34" charset="-122"/>
-                <a:cs typeface="Times New Roman" panose="02020603050405020304" pitchFamily="18" charset="0"/>
-                <a:sym typeface="+mn-ea"/>
-              </a:rPr>
-              <a:t>(-6.090202, -2.849336,  3.718672) km/s</a:t>
-            </a:r>
-          </a:p>
-          <a:p>
-            <a:pPr marL="800100" lvl="1" indent="-342900">
-              <a:lnSpc>
-                <a:spcPct val="120000"/>
-              </a:lnSpc>
-              <a:spcBef>
-                <a:spcPts val="600"/>
-              </a:spcBef>
-              <a:buFont typeface="Arial" panose="020B0604020202020204" pitchFamily="34" charset="0"/>
-              <a:buChar char="•"/>
-            </a:pPr>
-            <a:r>
-              <a:rPr lang="zh-CN" altLang="en-US" sz="2400" b="1" dirty="0">
-                <a:solidFill>
-                  <a:srgbClr val="FF0000"/>
-                </a:solidFill>
-                <a:latin typeface="Times New Roman" panose="02020603050405020304" pitchFamily="18" charset="0"/>
-                <a:ea typeface="微软雅黑" panose="020B0503020204020204" pitchFamily="34" charset="-122"/>
-                <a:cs typeface="Times New Roman" panose="02020603050405020304" pitchFamily="18" charset="0"/>
-                <a:sym typeface="+mn-ea"/>
-              </a:rPr>
-              <a:t>问题一：</a:t>
-            </a:r>
-            <a:r>
-              <a:rPr lang="zh-CN" altLang="en-US" sz="2000" b="1" dirty="0">
-                <a:solidFill>
-                  <a:schemeClr val="tx1"/>
-                </a:solidFill>
-                <a:latin typeface="Times New Roman" panose="02020603050405020304" pitchFamily="18" charset="0"/>
-                <a:ea typeface="微软雅黑" panose="020B0503020204020204" pitchFamily="34" charset="-122"/>
-                <a:cs typeface="Times New Roman" panose="02020603050405020304" pitchFamily="18" charset="0"/>
-                <a:sym typeface="+mn-ea"/>
-              </a:rPr>
-              <a:t>该时刻目标是否可见？如果当前可见，那么再过多久不可见；如果当前不可见，再过多久可见？（精确到秒）</a:t>
-            </a:r>
-          </a:p>
-          <a:p>
-            <a:pPr marL="800100" lvl="1" indent="-342900">
-              <a:lnSpc>
-                <a:spcPct val="120000"/>
-              </a:lnSpc>
-              <a:spcBef>
-                <a:spcPts val="600"/>
-              </a:spcBef>
-              <a:buFont typeface="Arial" panose="020B0604020202020204" pitchFamily="34" charset="0"/>
-              <a:buChar char="•"/>
-            </a:pPr>
-            <a:r>
-              <a:rPr lang="zh-CN" altLang="en-US" sz="2400" b="1">
-                <a:solidFill>
-                  <a:srgbClr val="FF0000"/>
-                </a:solidFill>
-                <a:latin typeface="Times New Roman" panose="02020603050405020304" pitchFamily="18" charset="0"/>
-                <a:ea typeface="微软雅黑" panose="020B0503020204020204" pitchFamily="34" charset="-122"/>
-                <a:cs typeface="Times New Roman" panose="02020603050405020304" pitchFamily="18" charset="0"/>
-                <a:sym typeface="+mn-ea"/>
-              </a:rPr>
-              <a:t>问题二：</a:t>
-            </a:r>
-            <a:r>
-              <a:rPr lang="zh-CN" altLang="en-US" sz="2000" b="1" dirty="0">
-                <a:solidFill>
-                  <a:schemeClr val="tx1"/>
-                </a:solidFill>
-                <a:latin typeface="Times New Roman" panose="02020603050405020304" pitchFamily="18" charset="0"/>
-                <a:ea typeface="微软雅黑" panose="020B0503020204020204" pitchFamily="34" charset="-122"/>
-                <a:cs typeface="Times New Roman" panose="02020603050405020304" pitchFamily="18" charset="0"/>
-                <a:sym typeface="+mn-ea"/>
-              </a:rPr>
-              <a:t>在本问题中，给出目标的坐标和速度值的精度的依据是什么？</a:t>
+              <a:t>https://docs.scipy.org/doc/scipy/reference/generated/scipy.integrate.DOP853.html</a:t>
             </a:r>
             <a:endParaRPr lang="en-US" altLang="zh-CN" sz="2800" b="1" dirty="0">
               <a:solidFill>
@@ -19412,7 +22370,7 @@
           <a:p>
             <a:fld id="{5F1D8F20-F945-584B-B149-8CCFBEFE168A}" type="slidenum">
               <a:rPr kumimoji="1" lang="zh-CN" altLang="en-US" smtClean="0"/>
-              <a:t>26</a:t>
+              <a:t>27</a:t>
             </a:fld>
             <a:endParaRPr kumimoji="1" lang="zh-CN" altLang="en-US"/>
           </a:p>
@@ -19455,7 +22413,7 @@
               <a:defRPr/>
             </a:pPr>
             <a:r>
-              <a:rPr kumimoji="0" lang="zh-CN" altLang="en-US" sz="3200" b="1" i="0" u="none" strike="noStrike" kern="1200" cap="none" spc="0" normalizeH="0" baseline="0" noProof="0">
+              <a:rPr kumimoji="0" lang="zh-CN" altLang="en-US" sz="3200" b="1" i="0" u="none" strike="noStrike" kern="1200" cap="none" spc="0" normalizeH="0" baseline="0" noProof="0" dirty="0">
                 <a:ln>
                   <a:noFill/>
                 </a:ln>
@@ -19469,22 +22427,763 @@
                 <a:ea typeface="微软雅黑" panose="020B0503020204020204" pitchFamily="34" charset="-122"/>
                 <a:cs typeface="+mj-cs"/>
               </a:rPr>
-              <a:t>实习作业三</a:t>
-            </a:r>
-            <a:endParaRPr kumimoji="0" lang="zh-CN" altLang="en-US" sz="3200" b="1" i="0" u="none" strike="noStrike" kern="1200" cap="none" spc="0" normalizeH="0" baseline="0" noProof="0" dirty="0">
+              <a:t>数值积分</a:t>
+            </a:r>
+          </a:p>
+        </p:txBody>
+      </p:sp>
+      <p:pic>
+        <p:nvPicPr>
+          <p:cNvPr id="11" name="图形 10" descr="困惑的脸轮廓 纯色填充">
+            <a:extLst>
+              <a:ext uri="{FF2B5EF4-FFF2-40B4-BE49-F238E27FC236}">
+                <a16:creationId xmlns:a16="http://schemas.microsoft.com/office/drawing/2014/main" id="{42EE819D-E347-4BC1-76BA-722E6D71E3B4}"/>
+              </a:ext>
+            </a:extLst>
+          </p:cNvPr>
+          <p:cNvPicPr>
+            <a:picLocks noChangeAspect="1"/>
+          </p:cNvPicPr>
+          <p:nvPr/>
+        </p:nvPicPr>
+        <p:blipFill>
+          <a:blip r:embed="rId3">
+            <a:extLst>
+              <a:ext uri="{96DAC541-7B7A-43D3-8B79-37D633B846F1}">
+                <asvg:svgBlip xmlns:asvg="http://schemas.microsoft.com/office/drawing/2016/SVG/main" r:embed="rId4"/>
+              </a:ext>
+            </a:extLst>
+          </a:blip>
+          <a:stretch>
+            <a:fillRect/>
+          </a:stretch>
+        </p:blipFill>
+        <p:spPr>
+          <a:xfrm>
+            <a:off x="0" y="711200"/>
+            <a:ext cx="571360" cy="571360"/>
+          </a:xfrm>
+          <a:prstGeom prst="rect">
+            <a:avLst/>
+          </a:prstGeom>
+        </p:spPr>
+      </p:pic>
+      <p:sp>
+        <p:nvSpPr>
+          <p:cNvPr id="12" name="矩形 11">
+            <a:extLst>
+              <a:ext uri="{FF2B5EF4-FFF2-40B4-BE49-F238E27FC236}">
+                <a16:creationId xmlns:a16="http://schemas.microsoft.com/office/drawing/2014/main" id="{85A82701-2975-3A29-6A56-9E9FE6E3A109}"/>
+              </a:ext>
+            </a:extLst>
+          </p:cNvPr>
+          <p:cNvSpPr/>
+          <p:nvPr/>
+        </p:nvSpPr>
+        <p:spPr>
+          <a:xfrm>
+            <a:off x="8959020" y="3706318"/>
+            <a:ext cx="3126448" cy="461665"/>
+          </a:xfrm>
+          <a:prstGeom prst="rect">
+            <a:avLst/>
+          </a:prstGeom>
+        </p:spPr>
+        <p:txBody>
+          <a:bodyPr wrap="square">
+            <a:spAutoFit/>
+          </a:bodyPr>
+          <a:lstStyle/>
+          <a:p>
+            <a:pPr algn="ctr" fontAlgn="auto">
+              <a:spcAft>
+                <a:spcPts val="0"/>
+              </a:spcAft>
+            </a:pPr>
+            <a:r>
+              <a:rPr lang="zh-CN" altLang="en-US" sz="1200" b="1" dirty="0">
+                <a:latin typeface="微软雅黑" panose="020B0503020204020204" pitchFamily="34" charset="-122"/>
+                <a:ea typeface="微软雅黑" panose="020B0503020204020204" pitchFamily="34" charset="-122"/>
+              </a:rPr>
+              <a:t>别问为什么“右函数”的函数名是</a:t>
+            </a:r>
+            <a:r>
+              <a:rPr lang="en-US" altLang="zh-CN" sz="1200" b="1" dirty="0" err="1">
+                <a:latin typeface="微软雅黑" panose="020B0503020204020204" pitchFamily="34" charset="-122"/>
+                <a:ea typeface="微软雅黑" panose="020B0503020204020204" pitchFamily="34" charset="-122"/>
+              </a:rPr>
+              <a:t>yhc</a:t>
+            </a:r>
+            <a:endParaRPr lang="en-US" altLang="zh-CN" sz="1200" b="1" dirty="0">
+              <a:latin typeface="微软雅黑" panose="020B0503020204020204" pitchFamily="34" charset="-122"/>
+              <a:ea typeface="微软雅黑" panose="020B0503020204020204" pitchFamily="34" charset="-122"/>
+            </a:endParaRPr>
+          </a:p>
+          <a:p>
+            <a:pPr algn="ctr" fontAlgn="auto">
+              <a:spcAft>
+                <a:spcPts val="0"/>
+              </a:spcAft>
+            </a:pPr>
+            <a:r>
+              <a:rPr lang="zh-CN" altLang="en-US" sz="1200" b="1" dirty="0">
+                <a:latin typeface="微软雅黑" panose="020B0503020204020204" pitchFamily="34" charset="-122"/>
+                <a:ea typeface="微软雅黑" panose="020B0503020204020204" pitchFamily="34" charset="-122"/>
+              </a:rPr>
+              <a:t>问就是祖传</a:t>
+            </a:r>
+            <a:endParaRPr lang="zh-CN" sz="1200" b="1" dirty="0">
+              <a:latin typeface="微软雅黑" panose="020B0503020204020204" pitchFamily="34" charset="-122"/>
+              <a:ea typeface="微软雅黑" panose="020B0503020204020204" pitchFamily="34" charset="-122"/>
+            </a:endParaRPr>
+          </a:p>
+        </p:txBody>
+      </p:sp>
+    </p:spTree>
+    <p:extLst>
+      <p:ext uri="{BB962C8B-B14F-4D97-AF65-F5344CB8AC3E}">
+        <p14:creationId xmlns:p14="http://schemas.microsoft.com/office/powerpoint/2010/main" val="1128265168"/>
+      </p:ext>
+    </p:extLst>
+  </p:cSld>
+  <p:clrMapOvr>
+    <a:masterClrMapping/>
+  </p:clrMapOvr>
+  <mc:AlternateContent xmlns:mc="http://schemas.openxmlformats.org/markup-compatibility/2006" xmlns:p159="http://schemas.microsoft.com/office/powerpoint/2015/09/main">
+    <mc:Choice Requires="p159">
+      <p:transition spd="slow">
+        <p159:morph option="byObject"/>
+      </p:transition>
+    </mc:Choice>
+    <mc:Fallback xmlns="">
+      <p:transition spd="slow">
+        <p:fade/>
+      </p:transition>
+    </mc:Fallback>
+  </mc:AlternateContent>
+</p:sld>
+</file>
+
+<file path=ppt/slides/slide28.xml><?xml version="1.0" encoding="utf-8"?>
+<p:sld xmlns:a="http://schemas.openxmlformats.org/drawingml/2006/main" xmlns:r="http://schemas.openxmlformats.org/officeDocument/2006/relationships" xmlns:p="http://schemas.openxmlformats.org/presentationml/2006/main">
+  <p:cSld>
+    <p:spTree>
+      <p:nvGrpSpPr>
+        <p:cNvPr id="1" name=""/>
+        <p:cNvGrpSpPr/>
+        <p:nvPr/>
+      </p:nvGrpSpPr>
+      <p:grpSpPr>
+        <a:xfrm>
+          <a:off x="0" y="0"/>
+          <a:ext cx="0" cy="0"/>
+          <a:chOff x="0" y="0"/>
+          <a:chExt cx="0" cy="0"/>
+        </a:xfrm>
+      </p:grpSpPr>
+      <p:sp>
+        <p:nvSpPr>
+          <p:cNvPr id="3" name="矩形 2"/>
+          <p:cNvSpPr/>
+          <p:nvPr/>
+        </p:nvSpPr>
+        <p:spPr>
+          <a:xfrm>
+            <a:off x="407987" y="1052513"/>
+            <a:ext cx="11376025" cy="4415889"/>
+          </a:xfrm>
+          <a:prstGeom prst="rect">
+            <a:avLst/>
+          </a:prstGeom>
+        </p:spPr>
+        <p:txBody>
+          <a:bodyPr wrap="square">
+            <a:spAutoFit/>
+          </a:bodyPr>
+          <a:lstStyle/>
+          <a:p>
+            <a:pPr marL="342900" indent="-342900" fontAlgn="auto">
+              <a:lnSpc>
+                <a:spcPct val="150000"/>
+              </a:lnSpc>
+              <a:spcAft>
+                <a:spcPts val="0"/>
+              </a:spcAft>
+              <a:buFont typeface="Arial" panose="020B0604020202020204" pitchFamily="34" charset="0"/>
+              <a:buChar char="•"/>
+            </a:pPr>
+            <a:r>
+              <a:rPr lang="zh-CN" altLang="en-US" sz="2800" b="1" dirty="0">
+                <a:solidFill>
+                  <a:schemeClr val="tx1"/>
+                </a:solidFill>
+                <a:latin typeface="Times New Roman" panose="02020603050405020304" pitchFamily="18" charset="0"/>
+                <a:ea typeface="微软雅黑" panose="020B0503020204020204" pitchFamily="34" charset="-122"/>
+                <a:cs typeface="Times New Roman" panose="02020603050405020304" pitchFamily="18" charset="0"/>
+                <a:sym typeface="+mn-ea"/>
+              </a:rPr>
+              <a:t>判断目标可见性（总成绩比例：</a:t>
+            </a:r>
+            <a:r>
+              <a:rPr lang="en-US" altLang="zh-CN" sz="2800" b="1" dirty="0">
+                <a:solidFill>
+                  <a:schemeClr val="tx1"/>
+                </a:solidFill>
+                <a:latin typeface="Times New Roman" panose="02020603050405020304" pitchFamily="18" charset="0"/>
+                <a:ea typeface="微软雅黑" panose="020B0503020204020204" pitchFamily="34" charset="-122"/>
+                <a:cs typeface="Times New Roman" panose="02020603050405020304" pitchFamily="18" charset="0"/>
+                <a:sym typeface="+mn-ea"/>
+              </a:rPr>
+              <a:t>10%</a:t>
+            </a:r>
+            <a:r>
+              <a:rPr lang="zh-CN" altLang="en-US" sz="2800" b="1" dirty="0">
+                <a:solidFill>
+                  <a:schemeClr val="tx1"/>
+                </a:solidFill>
+                <a:latin typeface="Times New Roman" panose="02020603050405020304" pitchFamily="18" charset="0"/>
+                <a:ea typeface="微软雅黑" panose="020B0503020204020204" pitchFamily="34" charset="-122"/>
+                <a:cs typeface="Times New Roman" panose="02020603050405020304" pitchFamily="18" charset="0"/>
+                <a:sym typeface="+mn-ea"/>
+              </a:rPr>
+              <a:t>）</a:t>
+            </a:r>
+            <a:endParaRPr lang="en-US" altLang="zh-CN" sz="2800" b="1" dirty="0">
+              <a:solidFill>
+                <a:schemeClr val="tx1"/>
+              </a:solidFill>
+              <a:latin typeface="Times New Roman" panose="02020603050405020304" pitchFamily="18" charset="0"/>
+              <a:ea typeface="微软雅黑" panose="020B0503020204020204" pitchFamily="34" charset="-122"/>
+              <a:cs typeface="Times New Roman" panose="02020603050405020304" pitchFamily="18" charset="0"/>
+              <a:sym typeface="+mn-ea"/>
+            </a:endParaRPr>
+          </a:p>
+          <a:p>
+            <a:pPr marL="800100" lvl="1" indent="-342900">
+              <a:lnSpc>
+                <a:spcPct val="120000"/>
+              </a:lnSpc>
+              <a:spcBef>
+                <a:spcPts val="600"/>
+              </a:spcBef>
+              <a:buFont typeface="Arial" panose="020B0604020202020204" pitchFamily="34" charset="0"/>
+              <a:buChar char="•"/>
+            </a:pPr>
+            <a:r>
+              <a:rPr lang="zh-CN" altLang="en-US" sz="2400" b="1" dirty="0">
+                <a:solidFill>
+                  <a:schemeClr val="tx1"/>
+                </a:solidFill>
+                <a:latin typeface="Times New Roman" panose="02020603050405020304" pitchFamily="18" charset="0"/>
+                <a:ea typeface="微软雅黑" panose="020B0503020204020204" pitchFamily="34" charset="-122"/>
+                <a:cs typeface="Times New Roman" panose="02020603050405020304" pitchFamily="18" charset="0"/>
+                <a:sym typeface="+mn-ea"/>
+              </a:rPr>
+              <a:t>观测时刻</a:t>
+            </a:r>
+            <a:r>
+              <a:rPr lang="en-US" altLang="zh-CN" sz="2400" b="1" dirty="0">
+                <a:solidFill>
+                  <a:schemeClr val="tx1"/>
+                </a:solidFill>
+                <a:latin typeface="Times New Roman" panose="02020603050405020304" pitchFamily="18" charset="0"/>
+                <a:ea typeface="微软雅黑" panose="020B0503020204020204" pitchFamily="34" charset="-122"/>
+                <a:cs typeface="Times New Roman" panose="02020603050405020304" pitchFamily="18" charset="0"/>
+                <a:sym typeface="+mn-ea"/>
+              </a:rPr>
+              <a:t>UTC</a:t>
+            </a:r>
+            <a:r>
+              <a:rPr lang="zh-CN" altLang="en-US" sz="2400" b="1" dirty="0">
+                <a:solidFill>
+                  <a:schemeClr val="tx1"/>
+                </a:solidFill>
+                <a:latin typeface="Times New Roman" panose="02020603050405020304" pitchFamily="18" charset="0"/>
+                <a:ea typeface="微软雅黑" panose="020B0503020204020204" pitchFamily="34" charset="-122"/>
+                <a:cs typeface="Times New Roman" panose="02020603050405020304" pitchFamily="18" charset="0"/>
+                <a:sym typeface="+mn-ea"/>
+              </a:rPr>
+              <a:t>：</a:t>
+            </a:r>
+            <a:r>
+              <a:rPr lang="en-US" altLang="zh-CN" sz="2400" b="1" dirty="0">
+                <a:solidFill>
+                  <a:schemeClr val="tx1"/>
+                </a:solidFill>
+                <a:latin typeface="Times New Roman" panose="02020603050405020304" pitchFamily="18" charset="0"/>
+                <a:ea typeface="微软雅黑" panose="020B0503020204020204" pitchFamily="34" charset="-122"/>
+                <a:cs typeface="Times New Roman" panose="02020603050405020304" pitchFamily="18" charset="0"/>
+                <a:sym typeface="+mn-ea"/>
+              </a:rPr>
+              <a:t>2022</a:t>
+            </a:r>
+            <a:r>
+              <a:rPr lang="zh-CN" altLang="en-US" sz="2400" b="1" dirty="0">
+                <a:solidFill>
+                  <a:schemeClr val="tx1"/>
+                </a:solidFill>
+                <a:latin typeface="Times New Roman" panose="02020603050405020304" pitchFamily="18" charset="0"/>
+                <a:ea typeface="微软雅黑" panose="020B0503020204020204" pitchFamily="34" charset="-122"/>
+                <a:cs typeface="Times New Roman" panose="02020603050405020304" pitchFamily="18" charset="0"/>
+                <a:sym typeface="+mn-ea"/>
+              </a:rPr>
+              <a:t>年</a:t>
+            </a:r>
+            <a:r>
+              <a:rPr lang="en-US" altLang="zh-CN" sz="2400" b="1" dirty="0">
+                <a:solidFill>
+                  <a:schemeClr val="tx1"/>
+                </a:solidFill>
+                <a:latin typeface="Times New Roman" panose="02020603050405020304" pitchFamily="18" charset="0"/>
+                <a:ea typeface="微软雅黑" panose="020B0503020204020204" pitchFamily="34" charset="-122"/>
+                <a:cs typeface="Times New Roman" panose="02020603050405020304" pitchFamily="18" charset="0"/>
+                <a:sym typeface="+mn-ea"/>
+              </a:rPr>
+              <a:t>3</a:t>
+            </a:r>
+            <a:r>
+              <a:rPr lang="zh-CN" altLang="en-US" sz="2400" b="1" dirty="0">
+                <a:solidFill>
+                  <a:schemeClr val="tx1"/>
+                </a:solidFill>
+                <a:latin typeface="Times New Roman" panose="02020603050405020304" pitchFamily="18" charset="0"/>
+                <a:ea typeface="微软雅黑" panose="020B0503020204020204" pitchFamily="34" charset="-122"/>
+                <a:cs typeface="Times New Roman" panose="02020603050405020304" pitchFamily="18" charset="0"/>
+                <a:sym typeface="+mn-ea"/>
+              </a:rPr>
+              <a:t>月</a:t>
+            </a:r>
+            <a:r>
+              <a:rPr lang="en-US" altLang="zh-CN" sz="2400" b="1" dirty="0">
+                <a:solidFill>
+                  <a:schemeClr val="tx1"/>
+                </a:solidFill>
+                <a:latin typeface="Times New Roman" panose="02020603050405020304" pitchFamily="18" charset="0"/>
+                <a:ea typeface="微软雅黑" panose="020B0503020204020204" pitchFamily="34" charset="-122"/>
+                <a:cs typeface="Times New Roman" panose="02020603050405020304" pitchFamily="18" charset="0"/>
+                <a:sym typeface="+mn-ea"/>
+              </a:rPr>
+              <a:t>16</a:t>
+            </a:r>
+            <a:r>
+              <a:rPr lang="zh-CN" altLang="en-US" sz="2400" b="1" dirty="0">
+                <a:solidFill>
+                  <a:schemeClr val="tx1"/>
+                </a:solidFill>
+                <a:latin typeface="Times New Roman" panose="02020603050405020304" pitchFamily="18" charset="0"/>
+                <a:ea typeface="微软雅黑" panose="020B0503020204020204" pitchFamily="34" charset="-122"/>
+                <a:cs typeface="Times New Roman" panose="02020603050405020304" pitchFamily="18" charset="0"/>
+                <a:sym typeface="+mn-ea"/>
+              </a:rPr>
+              <a:t>日</a:t>
+            </a:r>
+            <a:r>
+              <a:rPr lang="en-US" altLang="zh-CN" sz="2400" b="1" dirty="0">
+                <a:solidFill>
+                  <a:schemeClr val="tx1"/>
+                </a:solidFill>
+                <a:latin typeface="Times New Roman" panose="02020603050405020304" pitchFamily="18" charset="0"/>
+                <a:ea typeface="微软雅黑" panose="020B0503020204020204" pitchFamily="34" charset="-122"/>
+                <a:cs typeface="Times New Roman" panose="02020603050405020304" pitchFamily="18" charset="0"/>
+                <a:sym typeface="+mn-ea"/>
+              </a:rPr>
+              <a:t>11</a:t>
+            </a:r>
+            <a:r>
+              <a:rPr lang="zh-CN" altLang="en-US" sz="2400" b="1" dirty="0">
+                <a:solidFill>
+                  <a:schemeClr val="tx1"/>
+                </a:solidFill>
+                <a:latin typeface="Times New Roman" panose="02020603050405020304" pitchFamily="18" charset="0"/>
+                <a:ea typeface="微软雅黑" panose="020B0503020204020204" pitchFamily="34" charset="-122"/>
+                <a:cs typeface="Times New Roman" panose="02020603050405020304" pitchFamily="18" charset="0"/>
+                <a:sym typeface="+mn-ea"/>
+              </a:rPr>
+              <a:t>时</a:t>
+            </a:r>
+            <a:r>
+              <a:rPr lang="en-US" altLang="zh-CN" sz="2400" b="1" dirty="0">
+                <a:solidFill>
+                  <a:schemeClr val="tx1"/>
+                </a:solidFill>
+                <a:latin typeface="Times New Roman" panose="02020603050405020304" pitchFamily="18" charset="0"/>
+                <a:ea typeface="微软雅黑" panose="020B0503020204020204" pitchFamily="34" charset="-122"/>
+                <a:cs typeface="Times New Roman" panose="02020603050405020304" pitchFamily="18" charset="0"/>
+                <a:sym typeface="+mn-ea"/>
+              </a:rPr>
+              <a:t>6</a:t>
+            </a:r>
+            <a:r>
+              <a:rPr lang="zh-CN" altLang="en-US" sz="2400" b="1" dirty="0">
+                <a:solidFill>
+                  <a:schemeClr val="tx1"/>
+                </a:solidFill>
+                <a:latin typeface="Times New Roman" panose="02020603050405020304" pitchFamily="18" charset="0"/>
+                <a:ea typeface="微软雅黑" panose="020B0503020204020204" pitchFamily="34" charset="-122"/>
+                <a:cs typeface="Times New Roman" panose="02020603050405020304" pitchFamily="18" charset="0"/>
+                <a:sym typeface="+mn-ea"/>
+              </a:rPr>
+              <a:t>分</a:t>
+            </a:r>
+            <a:r>
+              <a:rPr lang="en-US" altLang="zh-CN" sz="2400" b="1" dirty="0">
+                <a:solidFill>
+                  <a:schemeClr val="tx1"/>
+                </a:solidFill>
+                <a:latin typeface="Times New Roman" panose="02020603050405020304" pitchFamily="18" charset="0"/>
+                <a:ea typeface="微软雅黑" panose="020B0503020204020204" pitchFamily="34" charset="-122"/>
+                <a:cs typeface="Times New Roman" panose="02020603050405020304" pitchFamily="18" charset="0"/>
+                <a:sym typeface="+mn-ea"/>
+              </a:rPr>
+              <a:t>0.0</a:t>
+            </a:r>
+            <a:r>
+              <a:rPr lang="zh-CN" altLang="en-US" sz="2400" b="1" dirty="0">
+                <a:solidFill>
+                  <a:schemeClr val="tx1"/>
+                </a:solidFill>
+                <a:latin typeface="Times New Roman" panose="02020603050405020304" pitchFamily="18" charset="0"/>
+                <a:ea typeface="微软雅黑" panose="020B0503020204020204" pitchFamily="34" charset="-122"/>
+                <a:cs typeface="Times New Roman" panose="02020603050405020304" pitchFamily="18" charset="0"/>
+                <a:sym typeface="+mn-ea"/>
+              </a:rPr>
+              <a:t>秒 （</a:t>
+            </a:r>
+            <a:r>
+              <a:rPr lang="en-US" altLang="zh-CN" sz="2400" b="1" dirty="0">
+                <a:solidFill>
+                  <a:schemeClr val="tx1"/>
+                </a:solidFill>
+                <a:latin typeface="Times New Roman" panose="02020603050405020304" pitchFamily="18" charset="0"/>
+                <a:ea typeface="微软雅黑" panose="020B0503020204020204" pitchFamily="34" charset="-122"/>
+                <a:cs typeface="Times New Roman" panose="02020603050405020304" pitchFamily="18" charset="0"/>
+                <a:sym typeface="+mn-ea"/>
+              </a:rPr>
+              <a:t>MJD = 59654.4625000</a:t>
+            </a:r>
+            <a:r>
+              <a:rPr lang="zh-CN" altLang="en-US" sz="2400" b="1" dirty="0">
+                <a:solidFill>
+                  <a:schemeClr val="tx1"/>
+                </a:solidFill>
+                <a:latin typeface="Times New Roman" panose="02020603050405020304" pitchFamily="18" charset="0"/>
+                <a:ea typeface="微软雅黑" panose="020B0503020204020204" pitchFamily="34" charset="-122"/>
+                <a:cs typeface="Times New Roman" panose="02020603050405020304" pitchFamily="18" charset="0"/>
+                <a:sym typeface="+mn-ea"/>
+              </a:rPr>
+              <a:t>）</a:t>
+            </a:r>
+          </a:p>
+          <a:p>
+            <a:pPr marL="800100" lvl="1" indent="-342900">
+              <a:lnSpc>
+                <a:spcPct val="120000"/>
+              </a:lnSpc>
+              <a:spcBef>
+                <a:spcPts val="600"/>
+              </a:spcBef>
+              <a:buFont typeface="Arial" panose="020B0604020202020204" pitchFamily="34" charset="0"/>
+              <a:buChar char="•"/>
+            </a:pPr>
+            <a:r>
+              <a:rPr lang="zh-CN" altLang="en-US" sz="2400" b="1" dirty="0">
+                <a:solidFill>
+                  <a:schemeClr val="tx1"/>
+                </a:solidFill>
+                <a:latin typeface="Times New Roman" panose="02020603050405020304" pitchFamily="18" charset="0"/>
+                <a:ea typeface="微软雅黑" panose="020B0503020204020204" pitchFamily="34" charset="-122"/>
+                <a:cs typeface="Times New Roman" panose="02020603050405020304" pitchFamily="18" charset="0"/>
+                <a:sym typeface="+mn-ea"/>
+              </a:rPr>
+              <a:t>测站坐标：</a:t>
+            </a:r>
+            <a:r>
+              <a:rPr lang="en-US" altLang="zh-CN" sz="2400" b="1" dirty="0">
+                <a:solidFill>
+                  <a:schemeClr val="tx1"/>
+                </a:solidFill>
+                <a:latin typeface="Times New Roman" panose="02020603050405020304" pitchFamily="18" charset="0"/>
+                <a:ea typeface="微软雅黑" panose="020B0503020204020204" pitchFamily="34" charset="-122"/>
+                <a:cs typeface="Times New Roman" panose="02020603050405020304" pitchFamily="18" charset="0"/>
+                <a:sym typeface="+mn-ea"/>
+              </a:rPr>
+              <a:t>118.78°,  +32.07°,  0 m</a:t>
+            </a:r>
+          </a:p>
+          <a:p>
+            <a:pPr marL="800100" lvl="1" indent="-342900">
+              <a:lnSpc>
+                <a:spcPct val="120000"/>
+              </a:lnSpc>
+              <a:spcBef>
+                <a:spcPts val="600"/>
+              </a:spcBef>
+              <a:buFont typeface="Arial" panose="020B0604020202020204" pitchFamily="34" charset="0"/>
+              <a:buChar char="•"/>
+            </a:pPr>
+            <a:r>
+              <a:rPr lang="zh-CN" altLang="en-US" sz="2400" b="1" dirty="0">
+                <a:solidFill>
+                  <a:schemeClr val="tx1"/>
+                </a:solidFill>
+                <a:latin typeface="Times New Roman" panose="02020603050405020304" pitchFamily="18" charset="0"/>
+                <a:ea typeface="微软雅黑" panose="020B0503020204020204" pitchFamily="34" charset="-122"/>
+                <a:cs typeface="Times New Roman" panose="02020603050405020304" pitchFamily="18" charset="0"/>
+                <a:sym typeface="+mn-ea"/>
+              </a:rPr>
+              <a:t>该时刻目标在地心真赤道真春分点坐标系下坐标速度：</a:t>
+            </a:r>
+          </a:p>
+          <a:p>
+            <a:pPr lvl="2"/>
+            <a:r>
+              <a:rPr lang="en-US" altLang="zh-CN" sz="2400" b="1" dirty="0">
+                <a:solidFill>
+                  <a:schemeClr val="tx1"/>
+                </a:solidFill>
+                <a:latin typeface="Times New Roman" panose="02020603050405020304" pitchFamily="18" charset="0"/>
+                <a:ea typeface="微软雅黑" panose="020B0503020204020204" pitchFamily="34" charset="-122"/>
+                <a:cs typeface="Times New Roman" panose="02020603050405020304" pitchFamily="18" charset="0"/>
+                <a:sym typeface="+mn-ea"/>
+              </a:rPr>
+              <a:t>(-915.731, 5958.096, 3050.295) km</a:t>
+            </a:r>
+          </a:p>
+          <a:p>
+            <a:pPr lvl="2"/>
+            <a:r>
+              <a:rPr lang="en-US" altLang="zh-CN" sz="2400" b="1" dirty="0">
+                <a:solidFill>
+                  <a:schemeClr val="tx1"/>
+                </a:solidFill>
+                <a:latin typeface="Times New Roman" panose="02020603050405020304" pitchFamily="18" charset="0"/>
+                <a:ea typeface="微软雅黑" panose="020B0503020204020204" pitchFamily="34" charset="-122"/>
+                <a:cs typeface="Times New Roman" panose="02020603050405020304" pitchFamily="18" charset="0"/>
+                <a:sym typeface="+mn-ea"/>
+              </a:rPr>
+              <a:t>(-6.0902, -2.8493,  3.7187) km/s</a:t>
+            </a:r>
+          </a:p>
+          <a:p>
+            <a:pPr marL="800100" marR="0" lvl="1" indent="-342900" algn="l" defTabSz="914400" rtl="0" eaLnBrk="1" fontAlgn="auto" latinLnBrk="0" hangingPunct="1">
+              <a:lnSpc>
+                <a:spcPct val="120000"/>
+              </a:lnSpc>
+              <a:spcBef>
+                <a:spcPts val="600"/>
+              </a:spcBef>
+              <a:spcAft>
+                <a:spcPts val="0"/>
+              </a:spcAft>
+              <a:buClrTx/>
+              <a:buSzTx/>
+              <a:buFont typeface="Arial" panose="020B0604020202020204" pitchFamily="34" charset="0"/>
+              <a:buChar char="•"/>
+              <a:tabLst/>
+              <a:defRPr/>
+            </a:pPr>
+            <a:r>
+              <a:rPr kumimoji="0" lang="zh-CN" altLang="en-US" sz="2400" b="1" i="0" u="none" strike="noStrike" kern="1200" cap="none" spc="0" normalizeH="0" baseline="0" noProof="0" dirty="0">
+                <a:ln>
+                  <a:noFill/>
+                </a:ln>
+                <a:solidFill>
+                  <a:srgbClr val="FF0000"/>
+                </a:solidFill>
+                <a:effectLst/>
+                <a:uLnTx/>
+                <a:uFillTx/>
+                <a:latin typeface="Times New Roman" panose="02020603050405020304" pitchFamily="18" charset="0"/>
+                <a:ea typeface="微软雅黑" panose="020B0503020204020204" pitchFamily="34" charset="-122"/>
+                <a:cs typeface="Times New Roman" panose="02020603050405020304" pitchFamily="18" charset="0"/>
+                <a:sym typeface="+mn-ea"/>
+              </a:rPr>
+              <a:t>问题一：</a:t>
+            </a:r>
+            <a:r>
+              <a:rPr kumimoji="0" lang="zh-CN" altLang="en-US" sz="2000" b="1" i="0" u="none" strike="noStrike" kern="1200" cap="none" spc="0" normalizeH="0" baseline="0" noProof="0" dirty="0">
+                <a:ln>
+                  <a:noFill/>
+                </a:ln>
+                <a:solidFill>
+                  <a:prstClr val="black"/>
+                </a:solidFill>
+                <a:effectLst/>
+                <a:uLnTx/>
+                <a:uFillTx/>
+                <a:latin typeface="Times New Roman" panose="02020603050405020304" pitchFamily="18" charset="0"/>
+                <a:ea typeface="微软雅黑" panose="020B0503020204020204" pitchFamily="34" charset="-122"/>
+                <a:cs typeface="Times New Roman" panose="02020603050405020304" pitchFamily="18" charset="0"/>
+                <a:sym typeface="+mn-ea"/>
+              </a:rPr>
+              <a:t>在本问题的</a:t>
+            </a:r>
+            <a:r>
+              <a:rPr kumimoji="0" lang="zh-CN" altLang="en-US" sz="2000" b="1" i="0" u="none" strike="noStrike" kern="1200" cap="none" spc="0" normalizeH="0" baseline="0" noProof="0">
+                <a:ln>
+                  <a:noFill/>
+                </a:ln>
+                <a:solidFill>
+                  <a:prstClr val="black"/>
+                </a:solidFill>
+                <a:effectLst/>
+                <a:uLnTx/>
+                <a:uFillTx/>
+                <a:latin typeface="Times New Roman" panose="02020603050405020304" pitchFamily="18" charset="0"/>
+                <a:ea typeface="微软雅黑" panose="020B0503020204020204" pitchFamily="34" charset="-122"/>
+                <a:cs typeface="Times New Roman" panose="02020603050405020304" pitchFamily="18" charset="0"/>
+                <a:sym typeface="+mn-ea"/>
+              </a:rPr>
+              <a:t>坐标转换中是否</a:t>
+            </a:r>
+            <a:r>
+              <a:rPr kumimoji="0" lang="zh-CN" altLang="en-US" sz="2000" b="1" i="0" u="none" strike="noStrike" kern="1200" cap="none" spc="0" normalizeH="0" baseline="0" noProof="0" dirty="0">
+                <a:ln>
+                  <a:noFill/>
+                </a:ln>
+                <a:solidFill>
+                  <a:prstClr val="black"/>
+                </a:solidFill>
+                <a:effectLst/>
+                <a:uLnTx/>
+                <a:uFillTx/>
+                <a:latin typeface="Times New Roman" panose="02020603050405020304" pitchFamily="18" charset="0"/>
+                <a:ea typeface="微软雅黑" panose="020B0503020204020204" pitchFamily="34" charset="-122"/>
+                <a:cs typeface="Times New Roman" panose="02020603050405020304" pitchFamily="18" charset="0"/>
+                <a:sym typeface="+mn-ea"/>
+              </a:rPr>
+              <a:t>需要考虑极移？</a:t>
+            </a:r>
+            <a:endParaRPr kumimoji="0" lang="en-US" altLang="zh-CN" sz="2800" b="1" i="0" u="none" strike="noStrike" kern="1200" cap="none" spc="0" normalizeH="0" baseline="0" noProof="0" dirty="0">
               <a:ln>
                 <a:noFill/>
               </a:ln>
               <a:solidFill>
-                <a:schemeClr val="bg1"/>
+                <a:prstClr val="black"/>
               </a:solidFill>
               <a:effectLst/>
               <a:uLnTx/>
               <a:uFillTx/>
-              <a:latin typeface="微软雅黑" panose="020B0503020204020204" pitchFamily="34" charset="-122"/>
+              <a:latin typeface="Times New Roman" panose="02020603050405020304" pitchFamily="18" charset="0"/>
               <a:ea typeface="微软雅黑" panose="020B0503020204020204" pitchFamily="34" charset="-122"/>
-              <a:cs typeface="+mj-cs"/>
+              <a:cs typeface="Times New Roman" panose="02020603050405020304" pitchFamily="18" charset="0"/>
+              <a:sym typeface="+mn-ea"/>
             </a:endParaRPr>
+          </a:p>
+          <a:p>
+            <a:pPr marL="800100" lvl="1" indent="-342900">
+              <a:lnSpc>
+                <a:spcPct val="120000"/>
+              </a:lnSpc>
+              <a:spcBef>
+                <a:spcPts val="600"/>
+              </a:spcBef>
+              <a:buFont typeface="Arial" panose="020B0604020202020204" pitchFamily="34" charset="0"/>
+              <a:buChar char="•"/>
+            </a:pPr>
+            <a:r>
+              <a:rPr lang="zh-CN" altLang="en-US" sz="2400" b="1" dirty="0">
+                <a:solidFill>
+                  <a:srgbClr val="FF0000"/>
+                </a:solidFill>
+                <a:latin typeface="Times New Roman" panose="02020603050405020304" pitchFamily="18" charset="0"/>
+                <a:ea typeface="微软雅黑" panose="020B0503020204020204" pitchFamily="34" charset="-122"/>
+                <a:cs typeface="Times New Roman" panose="02020603050405020304" pitchFamily="18" charset="0"/>
+                <a:sym typeface="+mn-ea"/>
+              </a:rPr>
+              <a:t>问题二：</a:t>
+            </a:r>
+            <a:r>
+              <a:rPr lang="zh-CN" altLang="en-US" sz="2000" b="1" dirty="0">
+                <a:solidFill>
+                  <a:schemeClr val="tx1"/>
+                </a:solidFill>
+                <a:latin typeface="Times New Roman" panose="02020603050405020304" pitchFamily="18" charset="0"/>
+                <a:ea typeface="微软雅黑" panose="020B0503020204020204" pitchFamily="34" charset="-122"/>
+                <a:cs typeface="Times New Roman" panose="02020603050405020304" pitchFamily="18" charset="0"/>
+                <a:sym typeface="+mn-ea"/>
+              </a:rPr>
+              <a:t>该时刻目标是否可见？如果当前可见，那么再过多久不可见；如果当前不可见，再过多久可见？（精确到秒）</a:t>
+            </a:r>
+          </a:p>
+        </p:txBody>
+      </p:sp>
+      <p:sp>
+        <p:nvSpPr>
+          <p:cNvPr id="5" name="灯片编号占位符 4"/>
+          <p:cNvSpPr>
+            <a:spLocks noGrp="1"/>
+          </p:cNvSpPr>
+          <p:nvPr>
+            <p:ph type="sldNum" sz="quarter" idx="4"/>
+          </p:nvPr>
+        </p:nvSpPr>
+        <p:spPr/>
+        <p:txBody>
+          <a:bodyPr/>
+          <a:lstStyle/>
+          <a:p>
+            <a:fld id="{5F1D8F20-F945-584B-B149-8CCFBEFE168A}" type="slidenum">
+              <a:rPr kumimoji="1" lang="zh-CN" altLang="en-US" smtClean="0"/>
+              <a:t>28</a:t>
+            </a:fld>
+            <a:endParaRPr kumimoji="1" lang="zh-CN" altLang="en-US"/>
+          </a:p>
+        </p:txBody>
+      </p:sp>
+      <p:sp>
+        <p:nvSpPr>
+          <p:cNvPr id="26" name="标题 1"/>
+          <p:cNvSpPr txBox="1"/>
+          <p:nvPr/>
+        </p:nvSpPr>
+        <p:spPr>
+          <a:xfrm>
+            <a:off x="0" y="0"/>
+            <a:ext cx="12187555" cy="711200"/>
+          </a:xfrm>
+          <a:prstGeom prst="rect">
+            <a:avLst/>
+          </a:prstGeom>
+          <a:noFill/>
+        </p:spPr>
+        <p:txBody>
+          <a:bodyPr vert="horz" lIns="91440" tIns="45720" rIns="91440" bIns="45720" rtlCol="0" anchor="ctr"/>
+          <a:lstStyle/>
+          <a:p>
+            <a:pPr marL="0" marR="0" lvl="0" indent="0" algn="ctr" defTabSz="914400" rtl="0" eaLnBrk="1" fontAlgn="base" latinLnBrk="0" hangingPunct="1">
+              <a:lnSpc>
+                <a:spcPct val="100000"/>
+              </a:lnSpc>
+              <a:spcBef>
+                <a:spcPct val="0"/>
+              </a:spcBef>
+              <a:spcAft>
+                <a:spcPct val="0"/>
+              </a:spcAft>
+              <a:buClrTx/>
+              <a:buSzTx/>
+              <a:buFontTx/>
+              <a:buNone/>
+              <a:defRPr/>
+            </a:pPr>
+            <a:r>
+              <a:rPr kumimoji="0" lang="zh-CN" altLang="en-US" sz="3200" b="1" i="0" u="none" strike="noStrike" kern="1200" cap="none" spc="0" normalizeH="0" baseline="0" noProof="0" dirty="0">
+                <a:ln>
+                  <a:noFill/>
+                </a:ln>
+                <a:solidFill>
+                  <a:schemeClr val="bg1"/>
+                </a:solidFill>
+                <a:effectLst/>
+                <a:uLnTx/>
+                <a:uFillTx/>
+                <a:latin typeface="微软雅黑" panose="020B0503020204020204" pitchFamily="34" charset="-122"/>
+                <a:ea typeface="微软雅黑" panose="020B0503020204020204" pitchFamily="34" charset="-122"/>
+                <a:cs typeface="+mj-cs"/>
+              </a:rPr>
+              <a:t>实习作业四</a:t>
+            </a:r>
           </a:p>
         </p:txBody>
       </p:sp>
@@ -19502,8 +23201,8 @@
         </p:nvSpPr>
         <p:spPr>
           <a:xfrm>
-            <a:off x="6199464" y="6043689"/>
-            <a:ext cx="5935386" cy="587469"/>
+            <a:off x="7191127" y="6203080"/>
+            <a:ext cx="4788465" cy="328936"/>
           </a:xfrm>
           <a:prstGeom prst="rect">
             <a:avLst/>
@@ -19543,41 +23242,6 @@
                 <a:ea typeface="微软雅黑" panose="020B0503020204020204" pitchFamily="34" charset="-122"/>
               </a:rPr>
               <a:t>节课“日月位置计算”</a:t>
-            </a:r>
-            <a:endParaRPr lang="en-US" altLang="zh-CN" sz="1400" b="1" dirty="0">
-              <a:latin typeface="微软雅黑" panose="020B0503020204020204" pitchFamily="34" charset="-122"/>
-              <a:ea typeface="微软雅黑" panose="020B0503020204020204" pitchFamily="34" charset="-122"/>
-            </a:endParaRPr>
-          </a:p>
-          <a:p>
-            <a:pPr algn="ctr" fontAlgn="auto">
-              <a:lnSpc>
-                <a:spcPct val="120000"/>
-              </a:lnSpc>
-              <a:spcAft>
-                <a:spcPts val="0"/>
-              </a:spcAft>
-            </a:pPr>
-            <a:r>
-              <a:rPr lang="zh-CN" altLang="en-US" sz="1400" b="1" dirty="0">
-                <a:latin typeface="微软雅黑" panose="020B0503020204020204" pitchFamily="34" charset="-122"/>
-                <a:ea typeface="微软雅黑" panose="020B0503020204020204" pitchFamily="34" charset="-122"/>
-              </a:rPr>
-              <a:t>建议：不熟悉情况下不要使用 </a:t>
-            </a:r>
-            <a:r>
-              <a:rPr lang="en-US" altLang="zh-CN" sz="1400" b="1" dirty="0" err="1">
-                <a:latin typeface="微软雅黑" panose="020B0503020204020204" pitchFamily="34" charset="-122"/>
-                <a:ea typeface="微软雅黑" panose="020B0503020204020204" pitchFamily="34" charset="-122"/>
-              </a:rPr>
-              <a:t>astropy.coordinates</a:t>
-            </a:r>
-            <a:r>
-              <a:rPr lang="zh-CN" altLang="en-US" sz="1400" b="1" dirty="0">
-                <a:latin typeface="微软雅黑" panose="020B0503020204020204" pitchFamily="34" charset="-122"/>
-                <a:ea typeface="微软雅黑" panose="020B0503020204020204" pitchFamily="34" charset="-122"/>
-              </a:rPr>
-              <a:t>，仅用作对比参考</a:t>
             </a:r>
             <a:endParaRPr lang="en-US" altLang="zh-CN" sz="1400" b="1" dirty="0">
               <a:latin typeface="微软雅黑" panose="020B0503020204020204" pitchFamily="34" charset="-122"/>
@@ -23623,13 +27287,13 @@
           <p:nvPr>
             <p:extLst>
               <p:ext uri="{D42A27DB-BD31-4B8C-83A1-F6EECF244321}">
-                <p14:modId xmlns:p14="http://schemas.microsoft.com/office/powerpoint/2010/main" val="1991346020"/>
+                <p14:modId xmlns:p14="http://schemas.microsoft.com/office/powerpoint/2010/main" val="1068255089"/>
               </p:ext>
             </p:extLst>
           </p:nvPr>
         </p:nvGraphicFramePr>
         <p:xfrm>
-          <a:off x="3470082" y="3343061"/>
+          <a:off x="3240174" y="3357304"/>
           <a:ext cx="1167904" cy="629326"/>
         </p:xfrm>
         <a:graphic>
@@ -23663,7 +27327,7 @@
                     </p:blipFill>
                     <p:spPr>
                       <a:xfrm>
-                        <a:off x="3470082" y="3343061"/>
+                        <a:off x="3240174" y="3357304"/>
                         <a:ext cx="1167904" cy="629326"/>
                       </a:xfrm>
                       <a:prstGeom prst="rect">
@@ -23697,13 +27361,13 @@
           <p:nvPr>
             <p:extLst>
               <p:ext uri="{D42A27DB-BD31-4B8C-83A1-F6EECF244321}">
-                <p14:modId xmlns:p14="http://schemas.microsoft.com/office/powerpoint/2010/main" val="494415893"/>
+                <p14:modId xmlns:p14="http://schemas.microsoft.com/office/powerpoint/2010/main" val="734112373"/>
               </p:ext>
             </p:extLst>
           </p:nvPr>
         </p:nvGraphicFramePr>
         <p:xfrm>
-          <a:off x="4287979" y="4535740"/>
+          <a:off x="3529703" y="4527647"/>
           <a:ext cx="2950212" cy="1171308"/>
         </p:xfrm>
         <a:graphic>
@@ -23731,71 +27395,8 @@
                     </p:blipFill>
                     <p:spPr>
                       <a:xfrm>
-                        <a:off x="4287979" y="4535740"/>
+                        <a:off x="3529703" y="4527647"/>
                         <a:ext cx="2950212" cy="1171308"/>
-                      </a:xfrm>
-                      <a:prstGeom prst="rect">
-                        <a:avLst/>
-                      </a:prstGeom>
-                    </p:spPr>
-                  </p:pic>
-                </p:oleObj>
-              </mc:Fallback>
-            </mc:AlternateContent>
-          </a:graphicData>
-        </a:graphic>
-      </p:graphicFrame>
-      <p:graphicFrame>
-        <p:nvGraphicFramePr>
-          <p:cNvPr id="33" name="对象 32">
-            <a:extLst>
-              <a:ext uri="{FF2B5EF4-FFF2-40B4-BE49-F238E27FC236}">
-                <a16:creationId xmlns:a16="http://schemas.microsoft.com/office/drawing/2014/main" id="{FE3BC3EA-8FBF-0C6C-3970-D90D150D19D4}"/>
-              </a:ext>
-            </a:extLst>
-          </p:cNvPr>
-          <p:cNvGraphicFramePr>
-            <a:graphicFrameLocks noChangeAspect="1"/>
-          </p:cNvGraphicFramePr>
-          <p:nvPr>
-            <p:extLst>
-              <p:ext uri="{D42A27DB-BD31-4B8C-83A1-F6EECF244321}">
-                <p14:modId xmlns:p14="http://schemas.microsoft.com/office/powerpoint/2010/main" val="2929077903"/>
-              </p:ext>
-            </p:extLst>
-          </p:nvPr>
-        </p:nvGraphicFramePr>
-        <p:xfrm>
-          <a:off x="2539999" y="2897330"/>
-          <a:ext cx="174626" cy="377826"/>
-        </p:xfrm>
-        <a:graphic>
-          <a:graphicData uri="http://schemas.openxmlformats.org/presentationml/2006/ole">
-            <mc:AlternateContent xmlns:mc="http://schemas.openxmlformats.org/markup-compatibility/2006">
-              <mc:Choice xmlns:v="urn:schemas-microsoft-com:vml" Requires="v">
-                <p:oleObj name="AxMath" r:id="rId10" imgW="87840" imgH="189000" progId="Equation.AxMath">
-                  <p:embed/>
-                </p:oleObj>
-              </mc:Choice>
-              <mc:Fallback>
-                <p:oleObj name="AxMath" r:id="rId10" imgW="87840" imgH="189000" progId="Equation.AxMath">
-                  <p:embed/>
-                  <p:pic>
-                    <p:nvPicPr>
-                      <p:cNvPr id="0" name=""/>
-                      <p:cNvPicPr/>
-                      <p:nvPr/>
-                    </p:nvPicPr>
-                    <p:blipFill>
-                      <a:blip r:embed="rId11"/>
-                      <a:stretch>
-                        <a:fillRect/>
-                      </a:stretch>
-                    </p:blipFill>
-                    <p:spPr>
-                      <a:xfrm>
-                        <a:off x="2539999" y="2897330"/>
-                        <a:ext cx="174626" cy="377826"/>
                       </a:xfrm>
                       <a:prstGeom prst="rect">
                         <a:avLst/>
@@ -23822,7 +27423,7 @@
         </p:nvSpPr>
         <p:spPr>
           <a:xfrm>
-            <a:off x="5234717" y="3263470"/>
+            <a:off x="5004809" y="3277713"/>
             <a:ext cx="2713471" cy="662554"/>
           </a:xfrm>
           <a:prstGeom prst="rect">
@@ -23889,12 +27490,12 @@
           <a:graphicData uri="http://schemas.openxmlformats.org/presentationml/2006/ole">
             <mc:AlternateContent xmlns:mc="http://schemas.openxmlformats.org/markup-compatibility/2006">
               <mc:Choice xmlns:v="urn:schemas-microsoft-com:vml" Requires="v">
-                <p:oleObj name="AxMath" r:id="rId12" imgW="1584720" imgH="357480" progId="Equation.AxMath">
+                <p:oleObj name="AxMath" r:id="rId10" imgW="1584720" imgH="357480" progId="Equation.AxMath">
                   <p:embed/>
                 </p:oleObj>
               </mc:Choice>
               <mc:Fallback>
-                <p:oleObj name="AxMath" r:id="rId12" imgW="1584720" imgH="357480" progId="Equation.AxMath">
+                <p:oleObj name="AxMath" r:id="rId10" imgW="1584720" imgH="357480" progId="Equation.AxMath">
                   <p:embed/>
                   <p:pic>
                     <p:nvPicPr>
@@ -23909,7 +27510,7 @@
                       <p:nvPr/>
                     </p:nvPicPr>
                     <p:blipFill>
-                      <a:blip r:embed="rId13"/>
+                      <a:blip r:embed="rId11"/>
                       <a:stretch>
                         <a:fillRect/>
                       </a:stretch>
@@ -23945,7 +27546,7 @@
           <p:nvPr/>
         </p:nvPicPr>
         <p:blipFill rotWithShape="1">
-          <a:blip r:embed="rId14"/>
+          <a:blip r:embed="rId12"/>
           <a:srcRect l="59426"/>
           <a:stretch/>
         </p:blipFill>
@@ -23988,6 +27589,16 @@
           <a:lstStyle/>
           <a:p>
             <a:r>
+              <a:rPr lang="en-US" altLang="zh-CN" b="1">
+                <a:solidFill>
+                  <a:srgbClr val="0000FF"/>
+                </a:solidFill>
+                <a:latin typeface="微软雅黑" panose="020B0503020204020204" pitchFamily="34" charset="-122"/>
+                <a:ea typeface="微软雅黑" panose="020B0503020204020204" pitchFamily="34" charset="-122"/>
+              </a:rPr>
+              <a:t>Ascending </a:t>
+            </a:r>
+            <a:r>
               <a:rPr lang="en-US" altLang="zh-CN" b="1" dirty="0">
                 <a:solidFill>
                   <a:srgbClr val="0000FF"/>
@@ -23995,7 +27606,7 @@
                 <a:latin typeface="微软雅黑" panose="020B0503020204020204" pitchFamily="34" charset="-122"/>
                 <a:ea typeface="微软雅黑" panose="020B0503020204020204" pitchFamily="34" charset="-122"/>
               </a:rPr>
-              <a:t>ascending node</a:t>
+              <a:t>node</a:t>
             </a:r>
             <a:endParaRPr lang="zh-CN" altLang="en-US" dirty="0"/>
           </a:p>
@@ -24016,10 +27627,10 @@
           <p:nvPr/>
         </p:nvPicPr>
         <p:blipFill>
-          <a:blip r:embed="rId15">
+          <a:blip r:embed="rId13">
             <a:extLst>
               <a:ext uri="{96DAC541-7B7A-43D3-8B79-37D633B846F1}">
-                <asvg:svgBlip xmlns:asvg="http://schemas.microsoft.com/office/drawing/2016/SVG/main" r:embed="rId16"/>
+                <asvg:svgBlip xmlns:asvg="http://schemas.microsoft.com/office/drawing/2016/SVG/main" r:embed="rId14"/>
               </a:ext>
             </a:extLst>
           </a:blip>

--- a/05-06 人造天体运动方程与二体问题积分.pptx
+++ b/05-06 人造天体运动方程与二体问题积分.pptx
@@ -245,7 +245,7 @@
           <a:p>
             <a:fld id="{26DDD1A4-63E9-4C41-BD0C-A6576214358F}" type="datetimeFigureOut">
               <a:rPr kumimoji="1" lang="zh-CN" altLang="en-US" smtClean="0"/>
-              <a:t>2024/3/11</a:t>
+              <a:t>2024/3/16</a:t>
             </a:fld>
             <a:endParaRPr kumimoji="1" lang="zh-CN" altLang="en-US"/>
           </a:p>
@@ -839,7 +839,7 @@
           <a:p>
             <a:fld id="{8664C608-40B1-4030-A28D-5B74BC98ADCE}" type="datetimeFigureOut">
               <a:rPr lang="en-US" smtClean="0"/>
-              <a:t>3/11/2024</a:t>
+              <a:t>3/16/2024</a:t>
             </a:fld>
             <a:endParaRPr lang="en-US" dirty="0"/>
           </a:p>
@@ -13237,7 +13237,29 @@
                 <a:ea typeface="微软雅黑" panose="020B0503020204020204" pitchFamily="34" charset="-122"/>
                 <a:sym typeface="+mn-ea"/>
               </a:rPr>
-              <a:t>一套自恰的参数系统作为标准单位</a:t>
+              <a:t>一套</a:t>
+            </a:r>
+            <a:r>
+              <a:rPr lang="zh-CN" altLang="en-US" sz="2800" b="1" dirty="0">
+                <a:solidFill>
+                  <a:srgbClr val="FF0000"/>
+                </a:solidFill>
+                <a:latin typeface="微软雅黑" panose="020B0503020204020204" pitchFamily="34" charset="-122"/>
+                <a:ea typeface="微软雅黑" panose="020B0503020204020204" pitchFamily="34" charset="-122"/>
+                <a:sym typeface="+mn-ea"/>
+              </a:rPr>
+              <a:t>自恰</a:t>
+            </a:r>
+            <a:r>
+              <a:rPr lang="zh-CN" altLang="en-US" sz="2800" b="1" dirty="0">
+                <a:solidFill>
+                  <a:srgbClr val="0000FF"/>
+                </a:solidFill>
+                <a:latin typeface="微软雅黑" panose="020B0503020204020204" pitchFamily="34" charset="-122"/>
+                <a:ea typeface="微软雅黑" panose="020B0503020204020204" pitchFamily="34" charset="-122"/>
+                <a:sym typeface="+mn-ea"/>
+              </a:rPr>
+              <a:t>的参数系统作为标准单位</a:t>
             </a:r>
             <a:endParaRPr lang="en-US" altLang="zh-CN" sz="2800" b="1" dirty="0">
               <a:solidFill>

--- a/05-06 人造天体运动方程与二体问题积分.pptx
+++ b/05-06 人造天体运动方程与二体问题积分.pptx
@@ -33,8 +33,8 @@
     <p:sldId id="308" r:id="rId24"/>
     <p:sldId id="340" r:id="rId25"/>
     <p:sldId id="341" r:id="rId26"/>
-    <p:sldId id="342" r:id="rId27"/>
-    <p:sldId id="320" r:id="rId28"/>
+    <p:sldId id="320" r:id="rId27"/>
+    <p:sldId id="342" r:id="rId28"/>
     <p:sldId id="307" r:id="rId29"/>
   </p:sldIdLst>
   <p:sldSz cx="12192000" cy="6858000"/>
@@ -245,7 +245,7 @@
           <a:p>
             <a:fld id="{26DDD1A4-63E9-4C41-BD0C-A6576214358F}" type="datetimeFigureOut">
               <a:rPr kumimoji="1" lang="zh-CN" altLang="en-US" smtClean="0"/>
-              <a:t>2024/3/16</a:t>
+              <a:t>2024/4/3</a:t>
             </a:fld>
             <a:endParaRPr kumimoji="1" lang="zh-CN" altLang="en-US"/>
           </a:p>
@@ -839,7 +839,7 @@
           <a:p>
             <a:fld id="{8664C608-40B1-4030-A28D-5B74BC98ADCE}" type="datetimeFigureOut">
               <a:rPr lang="en-US" smtClean="0"/>
-              <a:t>3/16/2024</a:t>
+              <a:t>4/3/2024</a:t>
             </a:fld>
             <a:endParaRPr lang="en-US" dirty="0"/>
           </a:p>
@@ -20737,7 +20737,7 @@
         <p:spPr>
           <a:xfrm>
             <a:off x="407987" y="1052513"/>
-            <a:ext cx="11376025" cy="5740867"/>
+            <a:ext cx="11376025" cy="5613332"/>
           </a:xfrm>
           <a:prstGeom prst="rect">
             <a:avLst/>
@@ -20764,45 +20764,194 @@
                 <a:solidFill>
                   <a:schemeClr val="tx1"/>
                 </a:solidFill>
-                <a:latin typeface="微软雅黑" panose="020B0503020204020204" pitchFamily="34" charset="-122"/>
-                <a:ea typeface="微软雅黑" panose="020B0503020204020204" pitchFamily="34" charset="-122"/>
+                <a:latin typeface="Times New Roman" panose="02020603050405020304" pitchFamily="18" charset="0"/>
+                <a:ea typeface="微软雅黑" panose="020B0503020204020204" pitchFamily="34" charset="-122"/>
+                <a:cs typeface="Times New Roman" panose="02020603050405020304" pitchFamily="18" charset="0"/>
                 <a:sym typeface="+mn-ea"/>
               </a:rPr>
-              <a:t>天体运动方程的数值积分：</a:t>
+              <a:t>数值积分程序：</a:t>
             </a:r>
             <a:endParaRPr lang="en-US" altLang="zh-CN" sz="2800" b="1" dirty="0">
               <a:solidFill>
                 <a:schemeClr val="tx1"/>
               </a:solidFill>
-              <a:latin typeface="微软雅黑" panose="020B0503020204020204" pitchFamily="34" charset="-122"/>
+              <a:latin typeface="Times New Roman" panose="02020603050405020304" pitchFamily="18" charset="0"/>
               <a:ea typeface="微软雅黑" panose="020B0503020204020204" pitchFamily="34" charset="-122"/>
+              <a:cs typeface="Times New Roman" panose="02020603050405020304" pitchFamily="18" charset="0"/>
               <a:sym typeface="+mn-ea"/>
             </a:endParaRPr>
           </a:p>
           <a:p>
-            <a:pPr marL="800100" lvl="1" indent="-342900">
+            <a:pPr marL="800100" marR="0" lvl="1" indent="-342900" algn="l" defTabSz="914400" rtl="0" eaLnBrk="1" fontAlgn="auto" latinLnBrk="0" hangingPunct="1">
               <a:lnSpc>
                 <a:spcPct val="150000"/>
               </a:lnSpc>
+              <a:spcBef>
+                <a:spcPts val="0"/>
+              </a:spcBef>
+              <a:spcAft>
+                <a:spcPts val="0"/>
+              </a:spcAft>
+              <a:buClrTx/>
+              <a:buSzTx/>
               <a:buFont typeface="Arial" panose="020B0604020202020204" pitchFamily="34" charset="0"/>
               <a:buChar char="•"/>
+              <a:tabLst/>
+              <a:defRPr/>
             </a:pPr>
+            <a:r>
+              <a:rPr lang="en-US" altLang="zh-CN" sz="2400" b="1" dirty="0">
+                <a:solidFill>
+                  <a:prstClr val="black"/>
+                </a:solidFill>
+                <a:latin typeface="Times New Roman" panose="02020603050405020304" pitchFamily="18" charset="0"/>
+                <a:ea typeface="微软雅黑" panose="020B0503020204020204" pitchFamily="34" charset="-122"/>
+                <a:cs typeface="Times New Roman" panose="02020603050405020304" pitchFamily="18" charset="0"/>
+                <a:sym typeface="+mn-ea"/>
+              </a:rPr>
+              <a:t>RK4 </a:t>
+            </a:r>
             <a:r>
               <a:rPr lang="zh-CN" altLang="en-US" sz="2400" b="1" dirty="0">
                 <a:solidFill>
-                  <a:schemeClr val="tx1"/>
+                  <a:prstClr val="black"/>
                 </a:solidFill>
-                <a:latin typeface="微软雅黑" panose="020B0503020204020204" pitchFamily="34" charset="-122"/>
-                <a:ea typeface="微软雅黑" panose="020B0503020204020204" pitchFamily="34" charset="-122"/>
+                <a:latin typeface="Times New Roman" panose="02020603050405020304" pitchFamily="18" charset="0"/>
+                <a:ea typeface="微软雅黑" panose="020B0503020204020204" pitchFamily="34" charset="-122"/>
+                <a:cs typeface="Times New Roman" panose="02020603050405020304" pitchFamily="18" charset="0"/>
                 <a:sym typeface="+mn-ea"/>
               </a:rPr>
-              <a:t>位置速度</a:t>
-            </a:r>
-            <a:endParaRPr lang="en-US" altLang="zh-CN" sz="2400" b="1" dirty="0">
-              <a:latin typeface="微软雅黑" panose="020B0503020204020204" pitchFamily="34" charset="-122"/>
+              <a:t>样例（</a:t>
+            </a:r>
+            <a:r>
+              <a:rPr lang="en-US" altLang="zh-CN" sz="2400" b="1" dirty="0">
+                <a:solidFill>
+                  <a:prstClr val="black"/>
+                </a:solidFill>
+                <a:latin typeface="Times New Roman" panose="02020603050405020304" pitchFamily="18" charset="0"/>
+                <a:ea typeface="微软雅黑" panose="020B0503020204020204" pitchFamily="34" charset="-122"/>
+                <a:cs typeface="Times New Roman" panose="02020603050405020304" pitchFamily="18" charset="0"/>
+                <a:sym typeface="+mn-ea"/>
+              </a:rPr>
+              <a:t>python</a:t>
+            </a:r>
+            <a:r>
+              <a:rPr lang="zh-CN" altLang="en-US" sz="2400" b="1" dirty="0">
+                <a:solidFill>
+                  <a:prstClr val="black"/>
+                </a:solidFill>
+                <a:latin typeface="Times New Roman" panose="02020603050405020304" pitchFamily="18" charset="0"/>
+                <a:ea typeface="微软雅黑" panose="020B0503020204020204" pitchFamily="34" charset="-122"/>
+                <a:cs typeface="Times New Roman" panose="02020603050405020304" pitchFamily="18" charset="0"/>
+                <a:sym typeface="+mn-ea"/>
+              </a:rPr>
+              <a:t>）</a:t>
+            </a:r>
+            <a:endParaRPr kumimoji="0" lang="en-GB" altLang="zh-CN" sz="2000" b="1" i="0" u="none" strike="noStrike" kern="1200" cap="none" spc="0" normalizeH="0" baseline="0" noProof="0" dirty="0">
+              <a:ln>
+                <a:noFill/>
+              </a:ln>
+              <a:solidFill>
+                <a:prstClr val="black"/>
+              </a:solidFill>
+              <a:effectLst/>
+              <a:uLnTx/>
+              <a:uFillTx/>
+              <a:latin typeface="Times New Roman" panose="02020603050405020304" pitchFamily="18" charset="0"/>
               <a:ea typeface="微软雅黑" panose="020B0503020204020204" pitchFamily="34" charset="-122"/>
+              <a:cs typeface="Times New Roman" panose="02020603050405020304" pitchFamily="18" charset="0"/>
               <a:sym typeface="+mn-ea"/>
+              <a:hlinkClick r:id="rId2"/>
             </a:endParaRPr>
+          </a:p>
+          <a:p>
+            <a:pPr marL="457200" marR="0" lvl="1" indent="0" algn="l" defTabSz="914400" rtl="0" eaLnBrk="1" fontAlgn="auto" latinLnBrk="0" hangingPunct="1">
+              <a:spcBef>
+                <a:spcPts val="0"/>
+              </a:spcBef>
+              <a:spcAft>
+                <a:spcPts val="0"/>
+              </a:spcAft>
+              <a:buClrTx/>
+              <a:buSzTx/>
+              <a:buFontTx/>
+              <a:buNone/>
+              <a:tabLst/>
+              <a:defRPr/>
+            </a:pPr>
+            <a:r>
+              <a:rPr kumimoji="0" lang="en-GB" altLang="zh-CN" sz="2000" b="1" i="0" u="none" strike="noStrike" kern="1200" cap="none" spc="0" normalizeH="0" baseline="0" noProof="0" dirty="0">
+                <a:ln>
+                  <a:noFill/>
+                </a:ln>
+                <a:solidFill>
+                  <a:prstClr val="black"/>
+                </a:solidFill>
+                <a:effectLst/>
+                <a:uLnTx/>
+                <a:uFillTx/>
+                <a:latin typeface="Times New Roman" panose="02020603050405020304" pitchFamily="18" charset="0"/>
+                <a:ea typeface="微软雅黑" panose="020B0503020204020204" pitchFamily="34" charset="-122"/>
+                <a:cs typeface="Times New Roman" panose="02020603050405020304" pitchFamily="18" charset="0"/>
+                <a:sym typeface="+mn-ea"/>
+                <a:hlinkClick r:id="rId2"/>
+              </a:rPr>
+              <a:t>https://git.nddc.pmo.ac.cn/linhouyuan/DAOSSA</a:t>
+            </a:r>
+            <a:r>
+              <a:rPr kumimoji="0" lang="en-GB" altLang="zh-CN" sz="2000" b="1" i="0" u="none" strike="noStrike" kern="1200" cap="none" spc="0" normalizeH="0" baseline="0" noProof="0" dirty="0">
+                <a:ln>
+                  <a:noFill/>
+                </a:ln>
+                <a:solidFill>
+                  <a:prstClr val="black"/>
+                </a:solidFill>
+                <a:effectLst/>
+                <a:uLnTx/>
+                <a:uFillTx/>
+                <a:latin typeface="Times New Roman" panose="02020603050405020304" pitchFamily="18" charset="0"/>
+                <a:ea typeface="微软雅黑" panose="020B0503020204020204" pitchFamily="34" charset="-122"/>
+                <a:cs typeface="Times New Roman" panose="02020603050405020304" pitchFamily="18" charset="0"/>
+                <a:sym typeface="+mn-ea"/>
+              </a:rPr>
+              <a:t> </a:t>
+            </a:r>
+            <a:r>
+              <a:rPr kumimoji="0" lang="zh-CN" altLang="en-US" sz="2000" b="1" i="0" u="none" strike="noStrike" kern="1200" cap="none" spc="0" normalizeH="0" baseline="0" noProof="0" dirty="0">
+                <a:ln>
+                  <a:noFill/>
+                </a:ln>
+                <a:solidFill>
+                  <a:prstClr val="black"/>
+                </a:solidFill>
+                <a:effectLst/>
+                <a:uLnTx/>
+                <a:uFillTx/>
+                <a:latin typeface="Times New Roman" panose="02020603050405020304" pitchFamily="18" charset="0"/>
+                <a:ea typeface="微软雅黑" panose="020B0503020204020204" pitchFamily="34" charset="-122"/>
+                <a:cs typeface="Times New Roman" panose="02020603050405020304" pitchFamily="18" charset="0"/>
+                <a:sym typeface="+mn-ea"/>
+              </a:rPr>
+              <a:t> </a:t>
+            </a:r>
+            <a:r>
+              <a:rPr kumimoji="0" lang="en-US" altLang="zh-CN" sz="2000" b="1" i="0" u="none" strike="noStrike" kern="1200" cap="none" spc="0" normalizeH="0" baseline="0" noProof="0" dirty="0">
+                <a:ln>
+                  <a:noFill/>
+                </a:ln>
+                <a:solidFill>
+                  <a:prstClr val="black"/>
+                </a:solidFill>
+                <a:effectLst/>
+                <a:uLnTx/>
+                <a:uFillTx/>
+                <a:latin typeface="Times New Roman" panose="02020603050405020304" pitchFamily="18" charset="0"/>
+                <a:ea typeface="微软雅黑" panose="020B0503020204020204" pitchFamily="34" charset="-122"/>
+                <a:cs typeface="Times New Roman" panose="02020603050405020304" pitchFamily="18" charset="0"/>
+                <a:sym typeface="+mn-ea"/>
+              </a:rPr>
+              <a:t>attachments/rk4.py</a:t>
+            </a:r>
           </a:p>
           <a:p>
             <a:pPr marL="800100" lvl="1" indent="-342900">
@@ -20813,11 +20962,207 @@
               <a:buChar char="•"/>
             </a:pPr>
             <a:endParaRPr lang="en-US" altLang="zh-CN" sz="2400" b="1" dirty="0">
+              <a:latin typeface="Times New Roman" panose="02020603050405020304" pitchFamily="18" charset="0"/>
+              <a:ea typeface="微软雅黑" panose="020B0503020204020204" pitchFamily="34" charset="-122"/>
+              <a:cs typeface="Times New Roman" panose="02020603050405020304" pitchFamily="18" charset="0"/>
+              <a:sym typeface="+mn-ea"/>
+            </a:endParaRPr>
+          </a:p>
+          <a:p>
+            <a:pPr marL="800100" lvl="1" indent="-342900">
+              <a:lnSpc>
+                <a:spcPct val="150000"/>
+              </a:lnSpc>
+              <a:buFont typeface="Arial" panose="020B0604020202020204" pitchFamily="34" charset="0"/>
+              <a:buChar char="•"/>
+            </a:pPr>
+            <a:r>
+              <a:rPr lang="en-US" altLang="zh-CN" sz="2400" b="1" dirty="0">
+                <a:latin typeface="Times New Roman" panose="02020603050405020304" pitchFamily="18" charset="0"/>
+                <a:ea typeface="微软雅黑" panose="020B0503020204020204" pitchFamily="34" charset="-122"/>
+                <a:cs typeface="Times New Roman" panose="02020603050405020304" pitchFamily="18" charset="0"/>
+                <a:sym typeface="+mn-ea"/>
+              </a:rPr>
+              <a:t>RKF7(8) </a:t>
+            </a:r>
+            <a:r>
+              <a:rPr lang="zh-CN" altLang="en-US" sz="2400" b="1" dirty="0">
+                <a:latin typeface="Times New Roman" panose="02020603050405020304" pitchFamily="18" charset="0"/>
+                <a:ea typeface="微软雅黑" panose="020B0503020204020204" pitchFamily="34" charset="-122"/>
+                <a:cs typeface="Times New Roman" panose="02020603050405020304" pitchFamily="18" charset="0"/>
+                <a:sym typeface="+mn-ea"/>
+              </a:rPr>
+              <a:t>样例（</a:t>
+            </a:r>
+            <a:r>
+              <a:rPr lang="en-US" altLang="zh-CN" sz="2400" b="1" dirty="0">
+                <a:latin typeface="Times New Roman" panose="02020603050405020304" pitchFamily="18" charset="0"/>
+                <a:ea typeface="微软雅黑" panose="020B0503020204020204" pitchFamily="34" charset="-122"/>
+                <a:cs typeface="Times New Roman" panose="02020603050405020304" pitchFamily="18" charset="0"/>
+                <a:sym typeface="+mn-ea"/>
+              </a:rPr>
+              <a:t>Fortran</a:t>
+            </a:r>
+            <a:r>
+              <a:rPr lang="zh-CN" altLang="en-US" sz="2400" b="1" dirty="0">
+                <a:latin typeface="Times New Roman" panose="02020603050405020304" pitchFamily="18" charset="0"/>
+                <a:ea typeface="微软雅黑" panose="020B0503020204020204" pitchFamily="34" charset="-122"/>
+                <a:cs typeface="Times New Roman" panose="02020603050405020304" pitchFamily="18" charset="0"/>
+                <a:sym typeface="+mn-ea"/>
+              </a:rPr>
+              <a:t>）</a:t>
+            </a:r>
+            <a:endParaRPr kumimoji="0" lang="en-GB" altLang="zh-CN" sz="2000" b="1" i="0" u="none" strike="noStrike" kern="1200" cap="none" spc="0" normalizeH="0" baseline="0" noProof="0" dirty="0">
+              <a:ln>
+                <a:noFill/>
+              </a:ln>
               <a:solidFill>
-                <a:schemeClr val="tx1"/>
+                <a:prstClr val="black"/>
               </a:solidFill>
-              <a:latin typeface="微软雅黑" panose="020B0503020204020204" pitchFamily="34" charset="-122"/>
+              <a:effectLst/>
+              <a:uLnTx/>
+              <a:uFillTx/>
+              <a:latin typeface="Times New Roman" panose="02020603050405020304" pitchFamily="18" charset="0"/>
               <a:ea typeface="微软雅黑" panose="020B0503020204020204" pitchFamily="34" charset="-122"/>
+              <a:cs typeface="Times New Roman" panose="02020603050405020304" pitchFamily="18" charset="0"/>
+              <a:sym typeface="+mn-ea"/>
+              <a:hlinkClick r:id="rId2"/>
+            </a:endParaRPr>
+          </a:p>
+          <a:p>
+            <a:pPr marL="457200" marR="0" lvl="1" indent="0" algn="l" defTabSz="914400" rtl="0" eaLnBrk="1" fontAlgn="auto" latinLnBrk="0" hangingPunct="1">
+              <a:spcBef>
+                <a:spcPts val="0"/>
+              </a:spcBef>
+              <a:spcAft>
+                <a:spcPts val="0"/>
+              </a:spcAft>
+              <a:buClrTx/>
+              <a:buSzTx/>
+              <a:buFontTx/>
+              <a:buNone/>
+              <a:tabLst/>
+              <a:defRPr/>
+            </a:pPr>
+            <a:r>
+              <a:rPr kumimoji="0" lang="en-GB" altLang="zh-CN" sz="2000" b="1" i="0" u="none" strike="noStrike" kern="1200" cap="none" spc="0" normalizeH="0" baseline="0" noProof="0" dirty="0">
+                <a:ln>
+                  <a:noFill/>
+                </a:ln>
+                <a:solidFill>
+                  <a:prstClr val="black"/>
+                </a:solidFill>
+                <a:effectLst/>
+                <a:uLnTx/>
+                <a:uFillTx/>
+                <a:latin typeface="Times New Roman" panose="02020603050405020304" pitchFamily="18" charset="0"/>
+                <a:ea typeface="微软雅黑" panose="020B0503020204020204" pitchFamily="34" charset="-122"/>
+                <a:cs typeface="Times New Roman" panose="02020603050405020304" pitchFamily="18" charset="0"/>
+                <a:sym typeface="+mn-ea"/>
+                <a:hlinkClick r:id="rId2"/>
+              </a:rPr>
+              <a:t>https://git.nddc.pmo.ac.cn/linhouyuan/DAOSSA</a:t>
+            </a:r>
+            <a:r>
+              <a:rPr kumimoji="0" lang="en-GB" altLang="zh-CN" sz="2000" b="1" i="0" u="none" strike="noStrike" kern="1200" cap="none" spc="0" normalizeH="0" baseline="0" noProof="0" dirty="0">
+                <a:ln>
+                  <a:noFill/>
+                </a:ln>
+                <a:solidFill>
+                  <a:prstClr val="black"/>
+                </a:solidFill>
+                <a:effectLst/>
+                <a:uLnTx/>
+                <a:uFillTx/>
+                <a:latin typeface="Times New Roman" panose="02020603050405020304" pitchFamily="18" charset="0"/>
+                <a:ea typeface="微软雅黑" panose="020B0503020204020204" pitchFamily="34" charset="-122"/>
+                <a:cs typeface="Times New Roman" panose="02020603050405020304" pitchFamily="18" charset="0"/>
+                <a:sym typeface="+mn-ea"/>
+              </a:rPr>
+              <a:t> </a:t>
+            </a:r>
+            <a:r>
+              <a:rPr kumimoji="0" lang="zh-CN" altLang="en-US" sz="2000" b="1" i="0" u="none" strike="noStrike" kern="1200" cap="none" spc="0" normalizeH="0" baseline="0" noProof="0" dirty="0">
+                <a:ln>
+                  <a:noFill/>
+                </a:ln>
+                <a:solidFill>
+                  <a:prstClr val="black"/>
+                </a:solidFill>
+                <a:effectLst/>
+                <a:uLnTx/>
+                <a:uFillTx/>
+                <a:latin typeface="Times New Roman" panose="02020603050405020304" pitchFamily="18" charset="0"/>
+                <a:ea typeface="微软雅黑" panose="020B0503020204020204" pitchFamily="34" charset="-122"/>
+                <a:cs typeface="Times New Roman" panose="02020603050405020304" pitchFamily="18" charset="0"/>
+                <a:sym typeface="+mn-ea"/>
+              </a:rPr>
+              <a:t> </a:t>
+            </a:r>
+            <a:r>
+              <a:rPr kumimoji="0" lang="en-US" altLang="zh-CN" sz="2000" b="1" i="0" u="none" strike="noStrike" kern="1200" cap="none" spc="0" normalizeH="0" baseline="0" noProof="0" dirty="0">
+                <a:ln>
+                  <a:noFill/>
+                </a:ln>
+                <a:solidFill>
+                  <a:prstClr val="black"/>
+                </a:solidFill>
+                <a:effectLst/>
+                <a:uLnTx/>
+                <a:uFillTx/>
+                <a:latin typeface="Times New Roman" panose="02020603050405020304" pitchFamily="18" charset="0"/>
+                <a:ea typeface="微软雅黑" panose="020B0503020204020204" pitchFamily="34" charset="-122"/>
+                <a:cs typeface="Times New Roman" panose="02020603050405020304" pitchFamily="18" charset="0"/>
+                <a:sym typeface="+mn-ea"/>
+              </a:rPr>
+              <a:t>attachments/RKF78.f90</a:t>
+            </a:r>
+            <a:endParaRPr lang="en-US" altLang="zh-CN" sz="2400" b="1" dirty="0">
+              <a:latin typeface="Times New Roman" panose="02020603050405020304" pitchFamily="18" charset="0"/>
+              <a:ea typeface="微软雅黑" panose="020B0503020204020204" pitchFamily="34" charset="-122"/>
+              <a:cs typeface="Times New Roman" panose="02020603050405020304" pitchFamily="18" charset="0"/>
+              <a:sym typeface="+mn-ea"/>
+            </a:endParaRPr>
+          </a:p>
+          <a:p>
+            <a:pPr marL="1257300" lvl="2" indent="-342900">
+              <a:spcBef>
+                <a:spcPts val="1200"/>
+              </a:spcBef>
+              <a:buFont typeface="Arial" panose="020B0604020202020204" pitchFamily="34" charset="0"/>
+              <a:buChar char="•"/>
+            </a:pPr>
+            <a:r>
+              <a:rPr lang="zh-CN" altLang="en-US" b="1" dirty="0">
+                <a:latin typeface="Times New Roman" panose="02020603050405020304" pitchFamily="18" charset="0"/>
+                <a:ea typeface="微软雅黑" panose="020B0503020204020204" pitchFamily="34" charset="-122"/>
+                <a:cs typeface="Times New Roman" panose="02020603050405020304" pitchFamily="18" charset="0"/>
+                <a:sym typeface="+mn-ea"/>
+              </a:rPr>
+              <a:t>注意变步长和定步长的终点的判定不一样</a:t>
+            </a:r>
+            <a:endParaRPr lang="en-US" altLang="zh-CN" b="1" dirty="0">
+              <a:latin typeface="Times New Roman" panose="02020603050405020304" pitchFamily="18" charset="0"/>
+              <a:ea typeface="微软雅黑" panose="020B0503020204020204" pitchFamily="34" charset="-122"/>
+              <a:cs typeface="Times New Roman" panose="02020603050405020304" pitchFamily="18" charset="0"/>
+              <a:sym typeface="+mn-ea"/>
+            </a:endParaRPr>
+          </a:p>
+          <a:p>
+            <a:pPr lvl="2"/>
+            <a:r>
+              <a:rPr lang="en-US" altLang="zh-CN" b="1" dirty="0">
+                <a:latin typeface="Times New Roman" panose="02020603050405020304" pitchFamily="18" charset="0"/>
+                <a:ea typeface="微软雅黑" panose="020B0503020204020204" pitchFamily="34" charset="-122"/>
+                <a:cs typeface="Times New Roman" panose="02020603050405020304" pitchFamily="18" charset="0"/>
+                <a:sym typeface="+mn-ea"/>
+              </a:rPr>
+              <a:t>	if ( t + h &gt; Ts )   h = Ts - t</a:t>
+            </a:r>
+            <a:endParaRPr lang="zh-CN" altLang="en-US" b="1" dirty="0">
+              <a:latin typeface="Times New Roman" panose="02020603050405020304" pitchFamily="18" charset="0"/>
+              <a:ea typeface="微软雅黑" panose="020B0503020204020204" pitchFamily="34" charset="-122"/>
+              <a:cs typeface="Times New Roman" panose="02020603050405020304" pitchFamily="18" charset="0"/>
               <a:sym typeface="+mn-ea"/>
             </a:endParaRPr>
           </a:p>
@@ -20830,11 +21175,9 @@
               <a:buChar char="•"/>
             </a:pPr>
             <a:endParaRPr lang="en-US" altLang="zh-CN" sz="2400" b="1" dirty="0">
-              <a:solidFill>
-                <a:schemeClr val="tx1"/>
-              </a:solidFill>
-              <a:latin typeface="微软雅黑" panose="020B0503020204020204" pitchFamily="34" charset="-122"/>
+              <a:latin typeface="Times New Roman" panose="02020603050405020304" pitchFamily="18" charset="0"/>
               <a:ea typeface="微软雅黑" panose="020B0503020204020204" pitchFamily="34" charset="-122"/>
+              <a:cs typeface="Times New Roman" panose="02020603050405020304" pitchFamily="18" charset="0"/>
               <a:sym typeface="+mn-ea"/>
             </a:endParaRPr>
           </a:p>
@@ -20847,112 +21190,79 @@
               <a:buChar char="•"/>
             </a:pPr>
             <a:r>
+              <a:rPr lang="en-US" altLang="zh-CN" sz="2400" b="1" dirty="0">
+                <a:latin typeface="Times New Roman" panose="02020603050405020304" pitchFamily="18" charset="0"/>
+                <a:ea typeface="微软雅黑" panose="020B0503020204020204" pitchFamily="34" charset="-122"/>
+                <a:cs typeface="Times New Roman" panose="02020603050405020304" pitchFamily="18" charset="0"/>
+                <a:sym typeface="+mn-ea"/>
+              </a:rPr>
+              <a:t>python</a:t>
+            </a:r>
+            <a:r>
               <a:rPr lang="zh-CN" altLang="en-US" sz="2400" b="1" dirty="0">
-                <a:solidFill>
-                  <a:schemeClr val="tx1"/>
-                </a:solidFill>
-                <a:latin typeface="微软雅黑" panose="020B0503020204020204" pitchFamily="34" charset="-122"/>
-                <a:ea typeface="微软雅黑" panose="020B0503020204020204" pitchFamily="34" charset="-122"/>
+                <a:latin typeface="Times New Roman" panose="02020603050405020304" pitchFamily="18" charset="0"/>
+                <a:ea typeface="微软雅黑" panose="020B0503020204020204" pitchFamily="34" charset="-122"/>
+                <a:cs typeface="Times New Roman" panose="02020603050405020304" pitchFamily="18" charset="0"/>
                 <a:sym typeface="+mn-ea"/>
               </a:rPr>
-              <a:t>相对位置速度</a:t>
-            </a:r>
-            <a:endParaRPr lang="en-US" altLang="zh-CN" sz="2400" b="1" dirty="0">
-              <a:solidFill>
-                <a:schemeClr val="tx1"/>
-              </a:solidFill>
-              <a:latin typeface="微软雅黑" panose="020B0503020204020204" pitchFamily="34" charset="-122"/>
-              <a:ea typeface="微软雅黑" panose="020B0503020204020204" pitchFamily="34" charset="-122"/>
-              <a:sym typeface="+mn-ea"/>
+              <a:t>程序包：</a:t>
+            </a:r>
+            <a:r>
+              <a:rPr lang="en-GB" altLang="zh-CN" sz="2400" b="1" i="0" dirty="0" err="1">
+                <a:effectLst/>
+                <a:latin typeface="Times New Roman" panose="02020603050405020304" pitchFamily="18" charset="0"/>
+                <a:cs typeface="Times New Roman" panose="02020603050405020304" pitchFamily="18" charset="0"/>
+              </a:rPr>
+              <a:t>scipy.integrate</a:t>
+            </a:r>
+            <a:endParaRPr lang="en-GB" altLang="zh-CN" sz="2400" b="1" i="0" dirty="0">
+              <a:effectLst/>
+              <a:latin typeface="Times New Roman" panose="02020603050405020304" pitchFamily="18" charset="0"/>
+              <a:cs typeface="Times New Roman" panose="02020603050405020304" pitchFamily="18" charset="0"/>
             </a:endParaRPr>
           </a:p>
           <a:p>
-            <a:pPr marL="800100" lvl="1" indent="-342900">
-              <a:lnSpc>
-                <a:spcPct val="150000"/>
-              </a:lnSpc>
+            <a:pPr marL="1257300" lvl="2" indent="-342900">
+              <a:spcBef>
+                <a:spcPts val="600"/>
+              </a:spcBef>
               <a:buFont typeface="Arial" panose="020B0604020202020204" pitchFamily="34" charset="0"/>
               <a:buChar char="•"/>
             </a:pPr>
-            <a:endParaRPr lang="en-US" altLang="zh-CN" sz="2400" b="1" dirty="0">
-              <a:latin typeface="微软雅黑" panose="020B0503020204020204" pitchFamily="34" charset="-122"/>
-              <a:ea typeface="微软雅黑" panose="020B0503020204020204" pitchFamily="34" charset="-122"/>
-              <a:sym typeface="+mn-ea"/>
-            </a:endParaRPr>
-          </a:p>
-          <a:p>
-            <a:pPr marL="800100" lvl="1" indent="-342900">
-              <a:lnSpc>
-                <a:spcPct val="150000"/>
-              </a:lnSpc>
+            <a:r>
+              <a:rPr lang="en-US" altLang="zh-CN" b="1" dirty="0">
+                <a:latin typeface="Times New Roman" panose="02020603050405020304" pitchFamily="18" charset="0"/>
+                <a:ea typeface="微软雅黑" panose="020B0503020204020204" pitchFamily="34" charset="-122"/>
+                <a:cs typeface="Times New Roman" panose="02020603050405020304" pitchFamily="18" charset="0"/>
+                <a:sym typeface="+mn-ea"/>
+              </a:rPr>
+              <a:t>https://docs.scipy.org/doc/scipy/reference/generated/scipy.integrate.RK45.html</a:t>
+            </a:r>
+          </a:p>
+          <a:p>
+            <a:pPr marL="1257300" lvl="2" indent="-342900">
+              <a:spcBef>
+                <a:spcPts val="600"/>
+              </a:spcBef>
               <a:buFont typeface="Arial" panose="020B0604020202020204" pitchFamily="34" charset="0"/>
               <a:buChar char="•"/>
             </a:pPr>
-            <a:endParaRPr lang="en-US" altLang="zh-CN" sz="2400" b="1" dirty="0">
-              <a:latin typeface="微软雅黑" panose="020B0503020204020204" pitchFamily="34" charset="-122"/>
-              <a:ea typeface="微软雅黑" panose="020B0503020204020204" pitchFamily="34" charset="-122"/>
-              <a:sym typeface="+mn-ea"/>
-            </a:endParaRPr>
-          </a:p>
-          <a:p>
-            <a:pPr marL="800100" lvl="1" indent="-342900">
-              <a:lnSpc>
-                <a:spcPct val="150000"/>
-              </a:lnSpc>
-              <a:buFont typeface="Arial" panose="020B0604020202020204" pitchFamily="34" charset="0"/>
-              <a:buChar char="•"/>
-            </a:pPr>
-            <a:r>
-              <a:rPr lang="zh-CN" altLang="en-US" sz="2400" b="1" dirty="0">
-                <a:solidFill>
-                  <a:schemeClr val="tx1"/>
-                </a:solidFill>
-                <a:latin typeface="微软雅黑" panose="020B0503020204020204" pitchFamily="34" charset="-122"/>
-                <a:ea typeface="微软雅黑" panose="020B0503020204020204" pitchFamily="34" charset="-122"/>
+            <a:r>
+              <a:rPr lang="en-US" altLang="zh-CN" b="1" dirty="0">
+                <a:latin typeface="Times New Roman" panose="02020603050405020304" pitchFamily="18" charset="0"/>
+                <a:ea typeface="微软雅黑" panose="020B0503020204020204" pitchFamily="34" charset="-122"/>
+                <a:cs typeface="Times New Roman" panose="02020603050405020304" pitchFamily="18" charset="0"/>
                 <a:sym typeface="+mn-ea"/>
               </a:rPr>
-              <a:t>轨道根数（摄动运动方程）</a:t>
-            </a:r>
-            <a:endParaRPr lang="en-US" altLang="zh-CN" sz="2400" b="1" dirty="0">
-              <a:solidFill>
-                <a:schemeClr val="tx1"/>
-              </a:solidFill>
-              <a:latin typeface="微软雅黑" panose="020B0503020204020204" pitchFamily="34" charset="-122"/>
-              <a:ea typeface="微软雅黑" panose="020B0503020204020204" pitchFamily="34" charset="-122"/>
-              <a:sym typeface="+mn-ea"/>
-            </a:endParaRPr>
-          </a:p>
-          <a:p>
-            <a:pPr marL="800100" lvl="1" indent="-342900">
-              <a:lnSpc>
-                <a:spcPct val="150000"/>
-              </a:lnSpc>
-              <a:buFont typeface="Arial" panose="020B0604020202020204" pitchFamily="34" charset="0"/>
-              <a:buChar char="•"/>
-            </a:pPr>
-            <a:endParaRPr lang="en-US" altLang="zh-CN" sz="2400" b="1" dirty="0">
-              <a:solidFill>
-                <a:schemeClr val="tx1"/>
-              </a:solidFill>
-              <a:latin typeface="微软雅黑" panose="020B0503020204020204" pitchFamily="34" charset="-122"/>
-              <a:ea typeface="微软雅黑" panose="020B0503020204020204" pitchFamily="34" charset="-122"/>
-              <a:sym typeface="+mn-ea"/>
-            </a:endParaRPr>
-          </a:p>
-          <a:p>
-            <a:pPr marL="800100" lvl="1" indent="-342900">
-              <a:lnSpc>
-                <a:spcPct val="150000"/>
-              </a:lnSpc>
-              <a:buFont typeface="Arial" panose="020B0604020202020204" pitchFamily="34" charset="0"/>
-              <a:buChar char="•"/>
-            </a:pPr>
+              <a:t>https://docs.scipy.org/doc/scipy/reference/generated/scipy.integrate.DOP853.html</a:t>
+            </a:r>
             <a:endParaRPr lang="en-US" altLang="zh-CN" sz="2800" b="1" dirty="0">
               <a:solidFill>
                 <a:schemeClr val="tx1"/>
               </a:solidFill>
-              <a:latin typeface="微软雅黑" panose="020B0503020204020204" pitchFamily="34" charset="-122"/>
+              <a:latin typeface="Times New Roman" panose="02020603050405020304" pitchFamily="18" charset="0"/>
               <a:ea typeface="微软雅黑" panose="020B0503020204020204" pitchFamily="34" charset="-122"/>
+              <a:cs typeface="Times New Roman" panose="02020603050405020304" pitchFamily="18" charset="0"/>
               <a:sym typeface="+mn-ea"/>
             </a:endParaRPr>
           </a:p>
@@ -20976,6 +21286,464 @@
             <a:fld id="{5F1D8F20-F945-584B-B149-8CCFBEFE168A}" type="slidenum">
               <a:rPr kumimoji="1" lang="zh-CN" altLang="en-US" smtClean="0"/>
               <a:t>26</a:t>
+            </a:fld>
+            <a:endParaRPr kumimoji="1" lang="zh-CN" altLang="en-US"/>
+          </a:p>
+        </p:txBody>
+      </p:sp>
+      <p:sp>
+        <p:nvSpPr>
+          <p:cNvPr id="26" name="标题 1"/>
+          <p:cNvSpPr txBox="1"/>
+          <p:nvPr/>
+        </p:nvSpPr>
+        <p:spPr>
+          <a:xfrm>
+            <a:off x="0" y="0"/>
+            <a:ext cx="12187555" cy="711200"/>
+          </a:xfrm>
+          <a:prstGeom prst="rect">
+            <a:avLst/>
+          </a:prstGeom>
+          <a:noFill/>
+        </p:spPr>
+        <p:txBody>
+          <a:bodyPr vert="horz" lIns="91440" tIns="45720" rIns="91440" bIns="45720" rtlCol="0" anchor="ctr"/>
+          <a:lstStyle/>
+          <a:p>
+            <a:pPr marL="0" marR="0" lvl="0" indent="0" algn="ctr" defTabSz="914400" rtl="0" eaLnBrk="1" fontAlgn="base" latinLnBrk="0" hangingPunct="1">
+              <a:lnSpc>
+                <a:spcPct val="100000"/>
+              </a:lnSpc>
+              <a:spcBef>
+                <a:spcPct val="0"/>
+              </a:spcBef>
+              <a:spcAft>
+                <a:spcPct val="0"/>
+              </a:spcAft>
+              <a:buClrTx/>
+              <a:buSzTx/>
+              <a:buFontTx/>
+              <a:buNone/>
+              <a:defRPr/>
+            </a:pPr>
+            <a:r>
+              <a:rPr kumimoji="0" lang="zh-CN" altLang="en-US" sz="3200" b="1" i="0" u="none" strike="noStrike" kern="1200" cap="none" spc="0" normalizeH="0" baseline="0" noProof="0" dirty="0">
+                <a:ln>
+                  <a:noFill/>
+                </a:ln>
+                <a:solidFill>
+                  <a:schemeClr val="bg1"/>
+                </a:solidFill>
+                <a:effectLst/>
+                <a:uLnTx/>
+                <a:uFillTx/>
+                <a:latin typeface="微软雅黑" panose="020B0503020204020204" pitchFamily="34" charset="-122"/>
+                <a:ea typeface="微软雅黑" panose="020B0503020204020204" pitchFamily="34" charset="-122"/>
+                <a:cs typeface="+mj-cs"/>
+              </a:rPr>
+              <a:t>数值积分</a:t>
+            </a:r>
+          </a:p>
+        </p:txBody>
+      </p:sp>
+      <p:pic>
+        <p:nvPicPr>
+          <p:cNvPr id="11" name="图形 10" descr="困惑的脸轮廓 纯色填充">
+            <a:extLst>
+              <a:ext uri="{FF2B5EF4-FFF2-40B4-BE49-F238E27FC236}">
+                <a16:creationId xmlns:a16="http://schemas.microsoft.com/office/drawing/2014/main" id="{42EE819D-E347-4BC1-76BA-722E6D71E3B4}"/>
+              </a:ext>
+            </a:extLst>
+          </p:cNvPr>
+          <p:cNvPicPr>
+            <a:picLocks noChangeAspect="1"/>
+          </p:cNvPicPr>
+          <p:nvPr/>
+        </p:nvPicPr>
+        <p:blipFill>
+          <a:blip r:embed="rId3">
+            <a:extLst>
+              <a:ext uri="{96DAC541-7B7A-43D3-8B79-37D633B846F1}">
+                <asvg:svgBlip xmlns:asvg="http://schemas.microsoft.com/office/drawing/2016/SVG/main" r:embed="rId4"/>
+              </a:ext>
+            </a:extLst>
+          </a:blip>
+          <a:stretch>
+            <a:fillRect/>
+          </a:stretch>
+        </p:blipFill>
+        <p:spPr>
+          <a:xfrm>
+            <a:off x="0" y="711200"/>
+            <a:ext cx="571360" cy="571360"/>
+          </a:xfrm>
+          <a:prstGeom prst="rect">
+            <a:avLst/>
+          </a:prstGeom>
+        </p:spPr>
+      </p:pic>
+      <p:sp>
+        <p:nvSpPr>
+          <p:cNvPr id="12" name="矩形 11">
+            <a:extLst>
+              <a:ext uri="{FF2B5EF4-FFF2-40B4-BE49-F238E27FC236}">
+                <a16:creationId xmlns:a16="http://schemas.microsoft.com/office/drawing/2014/main" id="{85A82701-2975-3A29-6A56-9E9FE6E3A109}"/>
+              </a:ext>
+            </a:extLst>
+          </p:cNvPr>
+          <p:cNvSpPr/>
+          <p:nvPr/>
+        </p:nvSpPr>
+        <p:spPr>
+          <a:xfrm>
+            <a:off x="8959020" y="3706318"/>
+            <a:ext cx="3126448" cy="461665"/>
+          </a:xfrm>
+          <a:prstGeom prst="rect">
+            <a:avLst/>
+          </a:prstGeom>
+        </p:spPr>
+        <p:txBody>
+          <a:bodyPr wrap="square">
+            <a:spAutoFit/>
+          </a:bodyPr>
+          <a:lstStyle/>
+          <a:p>
+            <a:pPr algn="ctr" fontAlgn="auto">
+              <a:spcAft>
+                <a:spcPts val="0"/>
+              </a:spcAft>
+            </a:pPr>
+            <a:r>
+              <a:rPr lang="zh-CN" altLang="en-US" sz="1200" b="1" dirty="0">
+                <a:latin typeface="微软雅黑" panose="020B0503020204020204" pitchFamily="34" charset="-122"/>
+                <a:ea typeface="微软雅黑" panose="020B0503020204020204" pitchFamily="34" charset="-122"/>
+              </a:rPr>
+              <a:t>别问为什么“右函数”的函数名是</a:t>
+            </a:r>
+            <a:r>
+              <a:rPr lang="en-US" altLang="zh-CN" sz="1200" b="1" dirty="0" err="1">
+                <a:latin typeface="微软雅黑" panose="020B0503020204020204" pitchFamily="34" charset="-122"/>
+                <a:ea typeface="微软雅黑" panose="020B0503020204020204" pitchFamily="34" charset="-122"/>
+              </a:rPr>
+              <a:t>yhc</a:t>
+            </a:r>
+            <a:endParaRPr lang="en-US" altLang="zh-CN" sz="1200" b="1" dirty="0">
+              <a:latin typeface="微软雅黑" panose="020B0503020204020204" pitchFamily="34" charset="-122"/>
+              <a:ea typeface="微软雅黑" panose="020B0503020204020204" pitchFamily="34" charset="-122"/>
+            </a:endParaRPr>
+          </a:p>
+          <a:p>
+            <a:pPr algn="ctr" fontAlgn="auto">
+              <a:spcAft>
+                <a:spcPts val="0"/>
+              </a:spcAft>
+            </a:pPr>
+            <a:r>
+              <a:rPr lang="zh-CN" altLang="en-US" sz="1200" b="1" dirty="0">
+                <a:latin typeface="微软雅黑" panose="020B0503020204020204" pitchFamily="34" charset="-122"/>
+                <a:ea typeface="微软雅黑" panose="020B0503020204020204" pitchFamily="34" charset="-122"/>
+              </a:rPr>
+              <a:t>问就是祖传</a:t>
+            </a:r>
+            <a:endParaRPr lang="zh-CN" sz="1200" b="1" dirty="0">
+              <a:latin typeface="微软雅黑" panose="020B0503020204020204" pitchFamily="34" charset="-122"/>
+              <a:ea typeface="微软雅黑" panose="020B0503020204020204" pitchFamily="34" charset="-122"/>
+            </a:endParaRPr>
+          </a:p>
+        </p:txBody>
+      </p:sp>
+    </p:spTree>
+    <p:extLst>
+      <p:ext uri="{BB962C8B-B14F-4D97-AF65-F5344CB8AC3E}">
+        <p14:creationId xmlns:p14="http://schemas.microsoft.com/office/powerpoint/2010/main" val="1128265168"/>
+      </p:ext>
+    </p:extLst>
+  </p:cSld>
+  <p:clrMapOvr>
+    <a:masterClrMapping/>
+  </p:clrMapOvr>
+  <mc:AlternateContent xmlns:mc="http://schemas.openxmlformats.org/markup-compatibility/2006" xmlns:p159="http://schemas.microsoft.com/office/powerpoint/2015/09/main">
+    <mc:Choice Requires="p159">
+      <p:transition spd="slow">
+        <p159:morph option="byObject"/>
+      </p:transition>
+    </mc:Choice>
+    <mc:Fallback xmlns="">
+      <p:transition spd="slow">
+        <p:fade/>
+      </p:transition>
+    </mc:Fallback>
+  </mc:AlternateContent>
+</p:sld>
+</file>
+
+<file path=ppt/slides/slide27.xml><?xml version="1.0" encoding="utf-8"?>
+<p:sld xmlns:a="http://schemas.openxmlformats.org/drawingml/2006/main" xmlns:r="http://schemas.openxmlformats.org/officeDocument/2006/relationships" xmlns:p="http://schemas.openxmlformats.org/presentationml/2006/main">
+  <p:cSld>
+    <p:spTree>
+      <p:nvGrpSpPr>
+        <p:cNvPr id="1" name=""/>
+        <p:cNvGrpSpPr/>
+        <p:nvPr/>
+      </p:nvGrpSpPr>
+      <p:grpSpPr>
+        <a:xfrm>
+          <a:off x="0" y="0"/>
+          <a:ext cx="0" cy="0"/>
+          <a:chOff x="0" y="0"/>
+          <a:chExt cx="0" cy="0"/>
+        </a:xfrm>
+      </p:grpSpPr>
+      <p:sp>
+        <p:nvSpPr>
+          <p:cNvPr id="3" name="矩形 2"/>
+          <p:cNvSpPr/>
+          <p:nvPr/>
+        </p:nvSpPr>
+        <p:spPr>
+          <a:xfrm>
+            <a:off x="407987" y="1052513"/>
+            <a:ext cx="11376025" cy="5740867"/>
+          </a:xfrm>
+          <a:prstGeom prst="rect">
+            <a:avLst/>
+          </a:prstGeom>
+        </p:spPr>
+        <p:txBody>
+          <a:bodyPr wrap="square">
+            <a:spAutoFit/>
+          </a:bodyPr>
+          <a:lstStyle/>
+          <a:p>
+            <a:pPr marL="342900" indent="-342900" fontAlgn="auto">
+              <a:lnSpc>
+                <a:spcPct val="150000"/>
+              </a:lnSpc>
+              <a:spcAft>
+                <a:spcPts val="0"/>
+              </a:spcAft>
+              <a:buFont typeface="Arial" panose="020B0604020202020204" pitchFamily="34" charset="0"/>
+              <a:buChar char="•"/>
+            </a:pPr>
+            <a:r>
+              <a:rPr lang="zh-CN" altLang="en-US" sz="2800" b="1" dirty="0">
+                <a:solidFill>
+                  <a:schemeClr val="tx1"/>
+                </a:solidFill>
+                <a:latin typeface="微软雅黑" panose="020B0503020204020204" pitchFamily="34" charset="-122"/>
+                <a:ea typeface="微软雅黑" panose="020B0503020204020204" pitchFamily="34" charset="-122"/>
+                <a:sym typeface="+mn-ea"/>
+              </a:rPr>
+              <a:t>天体运动方程的数值积分：</a:t>
+            </a:r>
+            <a:endParaRPr lang="en-US" altLang="zh-CN" sz="2800" b="1" dirty="0">
+              <a:solidFill>
+                <a:schemeClr val="tx1"/>
+              </a:solidFill>
+              <a:latin typeface="微软雅黑" panose="020B0503020204020204" pitchFamily="34" charset="-122"/>
+              <a:ea typeface="微软雅黑" panose="020B0503020204020204" pitchFamily="34" charset="-122"/>
+              <a:sym typeface="+mn-ea"/>
+            </a:endParaRPr>
+          </a:p>
+          <a:p>
+            <a:pPr marL="800100" lvl="1" indent="-342900">
+              <a:lnSpc>
+                <a:spcPct val="150000"/>
+              </a:lnSpc>
+              <a:buFont typeface="Arial" panose="020B0604020202020204" pitchFamily="34" charset="0"/>
+              <a:buChar char="•"/>
+            </a:pPr>
+            <a:r>
+              <a:rPr lang="zh-CN" altLang="en-US" sz="2400" b="1" dirty="0">
+                <a:solidFill>
+                  <a:schemeClr val="tx1"/>
+                </a:solidFill>
+                <a:latin typeface="微软雅黑" panose="020B0503020204020204" pitchFamily="34" charset="-122"/>
+                <a:ea typeface="微软雅黑" panose="020B0503020204020204" pitchFamily="34" charset="-122"/>
+                <a:sym typeface="+mn-ea"/>
+              </a:rPr>
+              <a:t>位置速度</a:t>
+            </a:r>
+            <a:endParaRPr lang="en-US" altLang="zh-CN" sz="2400" b="1" dirty="0">
+              <a:latin typeface="微软雅黑" panose="020B0503020204020204" pitchFamily="34" charset="-122"/>
+              <a:ea typeface="微软雅黑" panose="020B0503020204020204" pitchFamily="34" charset="-122"/>
+              <a:sym typeface="+mn-ea"/>
+            </a:endParaRPr>
+          </a:p>
+          <a:p>
+            <a:pPr marL="800100" lvl="1" indent="-342900">
+              <a:lnSpc>
+                <a:spcPct val="150000"/>
+              </a:lnSpc>
+              <a:buFont typeface="Arial" panose="020B0604020202020204" pitchFamily="34" charset="0"/>
+              <a:buChar char="•"/>
+            </a:pPr>
+            <a:endParaRPr lang="en-US" altLang="zh-CN" sz="2400" b="1" dirty="0">
+              <a:solidFill>
+                <a:schemeClr val="tx1"/>
+              </a:solidFill>
+              <a:latin typeface="微软雅黑" panose="020B0503020204020204" pitchFamily="34" charset="-122"/>
+              <a:ea typeface="微软雅黑" panose="020B0503020204020204" pitchFamily="34" charset="-122"/>
+              <a:sym typeface="+mn-ea"/>
+            </a:endParaRPr>
+          </a:p>
+          <a:p>
+            <a:pPr marL="800100" lvl="1" indent="-342900">
+              <a:lnSpc>
+                <a:spcPct val="150000"/>
+              </a:lnSpc>
+              <a:buFont typeface="Arial" panose="020B0604020202020204" pitchFamily="34" charset="0"/>
+              <a:buChar char="•"/>
+            </a:pPr>
+            <a:endParaRPr lang="en-US" altLang="zh-CN" sz="2400" b="1" dirty="0">
+              <a:solidFill>
+                <a:schemeClr val="tx1"/>
+              </a:solidFill>
+              <a:latin typeface="微软雅黑" panose="020B0503020204020204" pitchFamily="34" charset="-122"/>
+              <a:ea typeface="微软雅黑" panose="020B0503020204020204" pitchFamily="34" charset="-122"/>
+              <a:sym typeface="+mn-ea"/>
+            </a:endParaRPr>
+          </a:p>
+          <a:p>
+            <a:pPr marL="800100" lvl="1" indent="-342900">
+              <a:lnSpc>
+                <a:spcPct val="150000"/>
+              </a:lnSpc>
+              <a:buFont typeface="Arial" panose="020B0604020202020204" pitchFamily="34" charset="0"/>
+              <a:buChar char="•"/>
+            </a:pPr>
+            <a:r>
+              <a:rPr lang="zh-CN" altLang="en-US" sz="2400" b="1" dirty="0">
+                <a:solidFill>
+                  <a:schemeClr val="tx1"/>
+                </a:solidFill>
+                <a:latin typeface="微软雅黑" panose="020B0503020204020204" pitchFamily="34" charset="-122"/>
+                <a:ea typeface="微软雅黑" panose="020B0503020204020204" pitchFamily="34" charset="-122"/>
+                <a:sym typeface="+mn-ea"/>
+              </a:rPr>
+              <a:t>相对位置速度</a:t>
+            </a:r>
+            <a:endParaRPr lang="en-US" altLang="zh-CN" sz="2400" b="1" dirty="0">
+              <a:solidFill>
+                <a:schemeClr val="tx1"/>
+              </a:solidFill>
+              <a:latin typeface="微软雅黑" panose="020B0503020204020204" pitchFamily="34" charset="-122"/>
+              <a:ea typeface="微软雅黑" panose="020B0503020204020204" pitchFamily="34" charset="-122"/>
+              <a:sym typeface="+mn-ea"/>
+            </a:endParaRPr>
+          </a:p>
+          <a:p>
+            <a:pPr marL="800100" lvl="1" indent="-342900">
+              <a:lnSpc>
+                <a:spcPct val="150000"/>
+              </a:lnSpc>
+              <a:buFont typeface="Arial" panose="020B0604020202020204" pitchFamily="34" charset="0"/>
+              <a:buChar char="•"/>
+            </a:pPr>
+            <a:endParaRPr lang="en-US" altLang="zh-CN" sz="2400" b="1" dirty="0">
+              <a:latin typeface="微软雅黑" panose="020B0503020204020204" pitchFamily="34" charset="-122"/>
+              <a:ea typeface="微软雅黑" panose="020B0503020204020204" pitchFamily="34" charset="-122"/>
+              <a:sym typeface="+mn-ea"/>
+            </a:endParaRPr>
+          </a:p>
+          <a:p>
+            <a:pPr marL="800100" lvl="1" indent="-342900">
+              <a:lnSpc>
+                <a:spcPct val="150000"/>
+              </a:lnSpc>
+              <a:buFont typeface="Arial" panose="020B0604020202020204" pitchFamily="34" charset="0"/>
+              <a:buChar char="•"/>
+            </a:pPr>
+            <a:endParaRPr lang="en-US" altLang="zh-CN" sz="2400" b="1" dirty="0">
+              <a:latin typeface="微软雅黑" panose="020B0503020204020204" pitchFamily="34" charset="-122"/>
+              <a:ea typeface="微软雅黑" panose="020B0503020204020204" pitchFamily="34" charset="-122"/>
+              <a:sym typeface="+mn-ea"/>
+            </a:endParaRPr>
+          </a:p>
+          <a:p>
+            <a:pPr marL="800100" lvl="1" indent="-342900">
+              <a:lnSpc>
+                <a:spcPct val="150000"/>
+              </a:lnSpc>
+              <a:buFont typeface="Arial" panose="020B0604020202020204" pitchFamily="34" charset="0"/>
+              <a:buChar char="•"/>
+            </a:pPr>
+            <a:r>
+              <a:rPr lang="zh-CN" altLang="en-US" sz="2400" b="1" dirty="0">
+                <a:solidFill>
+                  <a:schemeClr val="tx1"/>
+                </a:solidFill>
+                <a:latin typeface="微软雅黑" panose="020B0503020204020204" pitchFamily="34" charset="-122"/>
+                <a:ea typeface="微软雅黑" panose="020B0503020204020204" pitchFamily="34" charset="-122"/>
+                <a:sym typeface="+mn-ea"/>
+              </a:rPr>
+              <a:t>轨道根数（摄动运动方程）</a:t>
+            </a:r>
+            <a:endParaRPr lang="en-US" altLang="zh-CN" sz="2400" b="1" dirty="0">
+              <a:solidFill>
+                <a:schemeClr val="tx1"/>
+              </a:solidFill>
+              <a:latin typeface="微软雅黑" panose="020B0503020204020204" pitchFamily="34" charset="-122"/>
+              <a:ea typeface="微软雅黑" panose="020B0503020204020204" pitchFamily="34" charset="-122"/>
+              <a:sym typeface="+mn-ea"/>
+            </a:endParaRPr>
+          </a:p>
+          <a:p>
+            <a:pPr marL="800100" lvl="1" indent="-342900">
+              <a:lnSpc>
+                <a:spcPct val="150000"/>
+              </a:lnSpc>
+              <a:buFont typeface="Arial" panose="020B0604020202020204" pitchFamily="34" charset="0"/>
+              <a:buChar char="•"/>
+            </a:pPr>
+            <a:endParaRPr lang="en-US" altLang="zh-CN" sz="2400" b="1" dirty="0">
+              <a:solidFill>
+                <a:schemeClr val="tx1"/>
+              </a:solidFill>
+              <a:latin typeface="微软雅黑" panose="020B0503020204020204" pitchFamily="34" charset="-122"/>
+              <a:ea typeface="微软雅黑" panose="020B0503020204020204" pitchFamily="34" charset="-122"/>
+              <a:sym typeface="+mn-ea"/>
+            </a:endParaRPr>
+          </a:p>
+          <a:p>
+            <a:pPr marL="800100" lvl="1" indent="-342900">
+              <a:lnSpc>
+                <a:spcPct val="150000"/>
+              </a:lnSpc>
+              <a:buFont typeface="Arial" panose="020B0604020202020204" pitchFamily="34" charset="0"/>
+              <a:buChar char="•"/>
+            </a:pPr>
+            <a:endParaRPr lang="en-US" altLang="zh-CN" sz="2800" b="1" dirty="0">
+              <a:solidFill>
+                <a:schemeClr val="tx1"/>
+              </a:solidFill>
+              <a:latin typeface="微软雅黑" panose="020B0503020204020204" pitchFamily="34" charset="-122"/>
+              <a:ea typeface="微软雅黑" panose="020B0503020204020204" pitchFamily="34" charset="-122"/>
+              <a:sym typeface="+mn-ea"/>
+            </a:endParaRPr>
+          </a:p>
+        </p:txBody>
+      </p:sp>
+      <p:sp>
+        <p:nvSpPr>
+          <p:cNvPr id="5" name="灯片编号占位符 4"/>
+          <p:cNvSpPr>
+            <a:spLocks noGrp="1"/>
+          </p:cNvSpPr>
+          <p:nvPr>
+            <p:ph type="sldNum" sz="quarter" idx="4"/>
+          </p:nvPr>
+        </p:nvSpPr>
+        <p:spPr/>
+        <p:txBody>
+          <a:bodyPr/>
+          <a:lstStyle/>
+          <a:p>
+            <a:fld id="{5F1D8F20-F945-584B-B149-8CCFBEFE168A}" type="slidenum">
+              <a:rPr kumimoji="1" lang="zh-CN" altLang="en-US" smtClean="0"/>
+              <a:t>27</a:t>
             </a:fld>
             <a:endParaRPr kumimoji="1" lang="zh-CN" altLang="en-US"/>
           </a:p>
@@ -21797,774 +22565,6 @@
     <p:extLst>
       <p:ext uri="{BB962C8B-B14F-4D97-AF65-F5344CB8AC3E}">
         <p14:creationId xmlns:p14="http://schemas.microsoft.com/office/powerpoint/2010/main" val="1628944219"/>
-      </p:ext>
-    </p:extLst>
-  </p:cSld>
-  <p:clrMapOvr>
-    <a:masterClrMapping/>
-  </p:clrMapOvr>
-  <mc:AlternateContent xmlns:mc="http://schemas.openxmlformats.org/markup-compatibility/2006" xmlns:p159="http://schemas.microsoft.com/office/powerpoint/2015/09/main">
-    <mc:Choice Requires="p159">
-      <p:transition spd="slow">
-        <p159:morph option="byObject"/>
-      </p:transition>
-    </mc:Choice>
-    <mc:Fallback xmlns="">
-      <p:transition spd="slow">
-        <p:fade/>
-      </p:transition>
-    </mc:Fallback>
-  </mc:AlternateContent>
-</p:sld>
-</file>
-
-<file path=ppt/slides/slide27.xml><?xml version="1.0" encoding="utf-8"?>
-<p:sld xmlns:a="http://schemas.openxmlformats.org/drawingml/2006/main" xmlns:r="http://schemas.openxmlformats.org/officeDocument/2006/relationships" xmlns:p="http://schemas.openxmlformats.org/presentationml/2006/main">
-  <p:cSld>
-    <p:spTree>
-      <p:nvGrpSpPr>
-        <p:cNvPr id="1" name=""/>
-        <p:cNvGrpSpPr/>
-        <p:nvPr/>
-      </p:nvGrpSpPr>
-      <p:grpSpPr>
-        <a:xfrm>
-          <a:off x="0" y="0"/>
-          <a:ext cx="0" cy="0"/>
-          <a:chOff x="0" y="0"/>
-          <a:chExt cx="0" cy="0"/>
-        </a:xfrm>
-      </p:grpSpPr>
-      <p:sp>
-        <p:nvSpPr>
-          <p:cNvPr id="3" name="矩形 2"/>
-          <p:cNvSpPr/>
-          <p:nvPr/>
-        </p:nvSpPr>
-        <p:spPr>
-          <a:xfrm>
-            <a:off x="407987" y="1052513"/>
-            <a:ext cx="11376025" cy="5613332"/>
-          </a:xfrm>
-          <a:prstGeom prst="rect">
-            <a:avLst/>
-          </a:prstGeom>
-        </p:spPr>
-        <p:txBody>
-          <a:bodyPr wrap="square">
-            <a:spAutoFit/>
-          </a:bodyPr>
-          <a:lstStyle/>
-          <a:p>
-            <a:pPr marL="342900" indent="-342900" fontAlgn="auto">
-              <a:lnSpc>
-                <a:spcPct val="150000"/>
-              </a:lnSpc>
-              <a:spcAft>
-                <a:spcPts val="0"/>
-              </a:spcAft>
-              <a:buFont typeface="Arial" panose="020B0604020202020204" pitchFamily="34" charset="0"/>
-              <a:buChar char="•"/>
-            </a:pPr>
-            <a:r>
-              <a:rPr lang="zh-CN" altLang="en-US" sz="2800" b="1" dirty="0">
-                <a:solidFill>
-                  <a:schemeClr val="tx1"/>
-                </a:solidFill>
-                <a:latin typeface="Times New Roman" panose="02020603050405020304" pitchFamily="18" charset="0"/>
-                <a:ea typeface="微软雅黑" panose="020B0503020204020204" pitchFamily="34" charset="-122"/>
-                <a:cs typeface="Times New Roman" panose="02020603050405020304" pitchFamily="18" charset="0"/>
-                <a:sym typeface="+mn-ea"/>
-              </a:rPr>
-              <a:t>数值积分程序：</a:t>
-            </a:r>
-            <a:endParaRPr lang="en-US" altLang="zh-CN" sz="2800" b="1" dirty="0">
-              <a:solidFill>
-                <a:schemeClr val="tx1"/>
-              </a:solidFill>
-              <a:latin typeface="Times New Roman" panose="02020603050405020304" pitchFamily="18" charset="0"/>
-              <a:ea typeface="微软雅黑" panose="020B0503020204020204" pitchFamily="34" charset="-122"/>
-              <a:cs typeface="Times New Roman" panose="02020603050405020304" pitchFamily="18" charset="0"/>
-              <a:sym typeface="+mn-ea"/>
-            </a:endParaRPr>
-          </a:p>
-          <a:p>
-            <a:pPr marL="800100" marR="0" lvl="1" indent="-342900" algn="l" defTabSz="914400" rtl="0" eaLnBrk="1" fontAlgn="auto" latinLnBrk="0" hangingPunct="1">
-              <a:lnSpc>
-                <a:spcPct val="150000"/>
-              </a:lnSpc>
-              <a:spcBef>
-                <a:spcPts val="0"/>
-              </a:spcBef>
-              <a:spcAft>
-                <a:spcPts val="0"/>
-              </a:spcAft>
-              <a:buClrTx/>
-              <a:buSzTx/>
-              <a:buFont typeface="Arial" panose="020B0604020202020204" pitchFamily="34" charset="0"/>
-              <a:buChar char="•"/>
-              <a:tabLst/>
-              <a:defRPr/>
-            </a:pPr>
-            <a:r>
-              <a:rPr lang="en-US" altLang="zh-CN" sz="2400" b="1" dirty="0">
-                <a:solidFill>
-                  <a:prstClr val="black"/>
-                </a:solidFill>
-                <a:latin typeface="Times New Roman" panose="02020603050405020304" pitchFamily="18" charset="0"/>
-                <a:ea typeface="微软雅黑" panose="020B0503020204020204" pitchFamily="34" charset="-122"/>
-                <a:cs typeface="Times New Roman" panose="02020603050405020304" pitchFamily="18" charset="0"/>
-                <a:sym typeface="+mn-ea"/>
-              </a:rPr>
-              <a:t>RK4 </a:t>
-            </a:r>
-            <a:r>
-              <a:rPr lang="zh-CN" altLang="en-US" sz="2400" b="1" dirty="0">
-                <a:solidFill>
-                  <a:prstClr val="black"/>
-                </a:solidFill>
-                <a:latin typeface="Times New Roman" panose="02020603050405020304" pitchFamily="18" charset="0"/>
-                <a:ea typeface="微软雅黑" panose="020B0503020204020204" pitchFamily="34" charset="-122"/>
-                <a:cs typeface="Times New Roman" panose="02020603050405020304" pitchFamily="18" charset="0"/>
-                <a:sym typeface="+mn-ea"/>
-              </a:rPr>
-              <a:t>样例（</a:t>
-            </a:r>
-            <a:r>
-              <a:rPr lang="en-US" altLang="zh-CN" sz="2400" b="1" dirty="0">
-                <a:solidFill>
-                  <a:prstClr val="black"/>
-                </a:solidFill>
-                <a:latin typeface="Times New Roman" panose="02020603050405020304" pitchFamily="18" charset="0"/>
-                <a:ea typeface="微软雅黑" panose="020B0503020204020204" pitchFamily="34" charset="-122"/>
-                <a:cs typeface="Times New Roman" panose="02020603050405020304" pitchFamily="18" charset="0"/>
-                <a:sym typeface="+mn-ea"/>
-              </a:rPr>
-              <a:t>python</a:t>
-            </a:r>
-            <a:r>
-              <a:rPr lang="zh-CN" altLang="en-US" sz="2400" b="1" dirty="0">
-                <a:solidFill>
-                  <a:prstClr val="black"/>
-                </a:solidFill>
-                <a:latin typeface="Times New Roman" panose="02020603050405020304" pitchFamily="18" charset="0"/>
-                <a:ea typeface="微软雅黑" panose="020B0503020204020204" pitchFamily="34" charset="-122"/>
-                <a:cs typeface="Times New Roman" panose="02020603050405020304" pitchFamily="18" charset="0"/>
-                <a:sym typeface="+mn-ea"/>
-              </a:rPr>
-              <a:t>）</a:t>
-            </a:r>
-            <a:endParaRPr kumimoji="0" lang="en-GB" altLang="zh-CN" sz="2000" b="1" i="0" u="none" strike="noStrike" kern="1200" cap="none" spc="0" normalizeH="0" baseline="0" noProof="0" dirty="0">
-              <a:ln>
-                <a:noFill/>
-              </a:ln>
-              <a:solidFill>
-                <a:prstClr val="black"/>
-              </a:solidFill>
-              <a:effectLst/>
-              <a:uLnTx/>
-              <a:uFillTx/>
-              <a:latin typeface="Times New Roman" panose="02020603050405020304" pitchFamily="18" charset="0"/>
-              <a:ea typeface="微软雅黑" panose="020B0503020204020204" pitchFamily="34" charset="-122"/>
-              <a:cs typeface="Times New Roman" panose="02020603050405020304" pitchFamily="18" charset="0"/>
-              <a:sym typeface="+mn-ea"/>
-              <a:hlinkClick r:id="rId2"/>
-            </a:endParaRPr>
-          </a:p>
-          <a:p>
-            <a:pPr marL="457200" marR="0" lvl="1" indent="0" algn="l" defTabSz="914400" rtl="0" eaLnBrk="1" fontAlgn="auto" latinLnBrk="0" hangingPunct="1">
-              <a:spcBef>
-                <a:spcPts val="0"/>
-              </a:spcBef>
-              <a:spcAft>
-                <a:spcPts val="0"/>
-              </a:spcAft>
-              <a:buClrTx/>
-              <a:buSzTx/>
-              <a:buFontTx/>
-              <a:buNone/>
-              <a:tabLst/>
-              <a:defRPr/>
-            </a:pPr>
-            <a:r>
-              <a:rPr kumimoji="0" lang="en-GB" altLang="zh-CN" sz="2000" b="1" i="0" u="none" strike="noStrike" kern="1200" cap="none" spc="0" normalizeH="0" baseline="0" noProof="0" dirty="0">
-                <a:ln>
-                  <a:noFill/>
-                </a:ln>
-                <a:solidFill>
-                  <a:prstClr val="black"/>
-                </a:solidFill>
-                <a:effectLst/>
-                <a:uLnTx/>
-                <a:uFillTx/>
-                <a:latin typeface="Times New Roman" panose="02020603050405020304" pitchFamily="18" charset="0"/>
-                <a:ea typeface="微软雅黑" panose="020B0503020204020204" pitchFamily="34" charset="-122"/>
-                <a:cs typeface="Times New Roman" panose="02020603050405020304" pitchFamily="18" charset="0"/>
-                <a:sym typeface="+mn-ea"/>
-                <a:hlinkClick r:id="rId2"/>
-              </a:rPr>
-              <a:t>https://git.nddc.pmo.ac.cn/linhouyuan/DAOSSA</a:t>
-            </a:r>
-            <a:r>
-              <a:rPr kumimoji="0" lang="en-GB" altLang="zh-CN" sz="2000" b="1" i="0" u="none" strike="noStrike" kern="1200" cap="none" spc="0" normalizeH="0" baseline="0" noProof="0" dirty="0">
-                <a:ln>
-                  <a:noFill/>
-                </a:ln>
-                <a:solidFill>
-                  <a:prstClr val="black"/>
-                </a:solidFill>
-                <a:effectLst/>
-                <a:uLnTx/>
-                <a:uFillTx/>
-                <a:latin typeface="Times New Roman" panose="02020603050405020304" pitchFamily="18" charset="0"/>
-                <a:ea typeface="微软雅黑" panose="020B0503020204020204" pitchFamily="34" charset="-122"/>
-                <a:cs typeface="Times New Roman" panose="02020603050405020304" pitchFamily="18" charset="0"/>
-                <a:sym typeface="+mn-ea"/>
-              </a:rPr>
-              <a:t> </a:t>
-            </a:r>
-            <a:r>
-              <a:rPr kumimoji="0" lang="zh-CN" altLang="en-US" sz="2000" b="1" i="0" u="none" strike="noStrike" kern="1200" cap="none" spc="0" normalizeH="0" baseline="0" noProof="0" dirty="0">
-                <a:ln>
-                  <a:noFill/>
-                </a:ln>
-                <a:solidFill>
-                  <a:prstClr val="black"/>
-                </a:solidFill>
-                <a:effectLst/>
-                <a:uLnTx/>
-                <a:uFillTx/>
-                <a:latin typeface="Times New Roman" panose="02020603050405020304" pitchFamily="18" charset="0"/>
-                <a:ea typeface="微软雅黑" panose="020B0503020204020204" pitchFamily="34" charset="-122"/>
-                <a:cs typeface="Times New Roman" panose="02020603050405020304" pitchFamily="18" charset="0"/>
-                <a:sym typeface="+mn-ea"/>
-              </a:rPr>
-              <a:t> </a:t>
-            </a:r>
-            <a:r>
-              <a:rPr kumimoji="0" lang="en-US" altLang="zh-CN" sz="2000" b="1" i="0" u="none" strike="noStrike" kern="1200" cap="none" spc="0" normalizeH="0" baseline="0" noProof="0" dirty="0">
-                <a:ln>
-                  <a:noFill/>
-                </a:ln>
-                <a:solidFill>
-                  <a:prstClr val="black"/>
-                </a:solidFill>
-                <a:effectLst/>
-                <a:uLnTx/>
-                <a:uFillTx/>
-                <a:latin typeface="Times New Roman" panose="02020603050405020304" pitchFamily="18" charset="0"/>
-                <a:ea typeface="微软雅黑" panose="020B0503020204020204" pitchFamily="34" charset="-122"/>
-                <a:cs typeface="Times New Roman" panose="02020603050405020304" pitchFamily="18" charset="0"/>
-                <a:sym typeface="+mn-ea"/>
-              </a:rPr>
-              <a:t>attachments/rk4.py</a:t>
-            </a:r>
-          </a:p>
-          <a:p>
-            <a:pPr marL="800100" lvl="1" indent="-342900">
-              <a:lnSpc>
-                <a:spcPct val="150000"/>
-              </a:lnSpc>
-              <a:buFont typeface="Arial" panose="020B0604020202020204" pitchFamily="34" charset="0"/>
-              <a:buChar char="•"/>
-            </a:pPr>
-            <a:endParaRPr lang="en-US" altLang="zh-CN" sz="2400" b="1" dirty="0">
-              <a:latin typeface="Times New Roman" panose="02020603050405020304" pitchFamily="18" charset="0"/>
-              <a:ea typeface="微软雅黑" panose="020B0503020204020204" pitchFamily="34" charset="-122"/>
-              <a:cs typeface="Times New Roman" panose="02020603050405020304" pitchFamily="18" charset="0"/>
-              <a:sym typeface="+mn-ea"/>
-            </a:endParaRPr>
-          </a:p>
-          <a:p>
-            <a:pPr marL="800100" lvl="1" indent="-342900">
-              <a:lnSpc>
-                <a:spcPct val="150000"/>
-              </a:lnSpc>
-              <a:buFont typeface="Arial" panose="020B0604020202020204" pitchFamily="34" charset="0"/>
-              <a:buChar char="•"/>
-            </a:pPr>
-            <a:r>
-              <a:rPr lang="en-US" altLang="zh-CN" sz="2400" b="1" dirty="0">
-                <a:latin typeface="Times New Roman" panose="02020603050405020304" pitchFamily="18" charset="0"/>
-                <a:ea typeface="微软雅黑" panose="020B0503020204020204" pitchFamily="34" charset="-122"/>
-                <a:cs typeface="Times New Roman" panose="02020603050405020304" pitchFamily="18" charset="0"/>
-                <a:sym typeface="+mn-ea"/>
-              </a:rPr>
-              <a:t>RKF7(8) </a:t>
-            </a:r>
-            <a:r>
-              <a:rPr lang="zh-CN" altLang="en-US" sz="2400" b="1" dirty="0">
-                <a:latin typeface="Times New Roman" panose="02020603050405020304" pitchFamily="18" charset="0"/>
-                <a:ea typeface="微软雅黑" panose="020B0503020204020204" pitchFamily="34" charset="-122"/>
-                <a:cs typeface="Times New Roman" panose="02020603050405020304" pitchFamily="18" charset="0"/>
-                <a:sym typeface="+mn-ea"/>
-              </a:rPr>
-              <a:t>样例（</a:t>
-            </a:r>
-            <a:r>
-              <a:rPr lang="en-US" altLang="zh-CN" sz="2400" b="1" dirty="0">
-                <a:latin typeface="Times New Roman" panose="02020603050405020304" pitchFamily="18" charset="0"/>
-                <a:ea typeface="微软雅黑" panose="020B0503020204020204" pitchFamily="34" charset="-122"/>
-                <a:cs typeface="Times New Roman" panose="02020603050405020304" pitchFamily="18" charset="0"/>
-                <a:sym typeface="+mn-ea"/>
-              </a:rPr>
-              <a:t>Fortran</a:t>
-            </a:r>
-            <a:r>
-              <a:rPr lang="zh-CN" altLang="en-US" sz="2400" b="1" dirty="0">
-                <a:latin typeface="Times New Roman" panose="02020603050405020304" pitchFamily="18" charset="0"/>
-                <a:ea typeface="微软雅黑" panose="020B0503020204020204" pitchFamily="34" charset="-122"/>
-                <a:cs typeface="Times New Roman" panose="02020603050405020304" pitchFamily="18" charset="0"/>
-                <a:sym typeface="+mn-ea"/>
-              </a:rPr>
-              <a:t>）</a:t>
-            </a:r>
-            <a:endParaRPr kumimoji="0" lang="en-GB" altLang="zh-CN" sz="2000" b="1" i="0" u="none" strike="noStrike" kern="1200" cap="none" spc="0" normalizeH="0" baseline="0" noProof="0" dirty="0">
-              <a:ln>
-                <a:noFill/>
-              </a:ln>
-              <a:solidFill>
-                <a:prstClr val="black"/>
-              </a:solidFill>
-              <a:effectLst/>
-              <a:uLnTx/>
-              <a:uFillTx/>
-              <a:latin typeface="Times New Roman" panose="02020603050405020304" pitchFamily="18" charset="0"/>
-              <a:ea typeface="微软雅黑" panose="020B0503020204020204" pitchFamily="34" charset="-122"/>
-              <a:cs typeface="Times New Roman" panose="02020603050405020304" pitchFamily="18" charset="0"/>
-              <a:sym typeface="+mn-ea"/>
-              <a:hlinkClick r:id="rId2"/>
-            </a:endParaRPr>
-          </a:p>
-          <a:p>
-            <a:pPr marL="457200" marR="0" lvl="1" indent="0" algn="l" defTabSz="914400" rtl="0" eaLnBrk="1" fontAlgn="auto" latinLnBrk="0" hangingPunct="1">
-              <a:spcBef>
-                <a:spcPts val="0"/>
-              </a:spcBef>
-              <a:spcAft>
-                <a:spcPts val="0"/>
-              </a:spcAft>
-              <a:buClrTx/>
-              <a:buSzTx/>
-              <a:buFontTx/>
-              <a:buNone/>
-              <a:tabLst/>
-              <a:defRPr/>
-            </a:pPr>
-            <a:r>
-              <a:rPr kumimoji="0" lang="en-GB" altLang="zh-CN" sz="2000" b="1" i="0" u="none" strike="noStrike" kern="1200" cap="none" spc="0" normalizeH="0" baseline="0" noProof="0" dirty="0">
-                <a:ln>
-                  <a:noFill/>
-                </a:ln>
-                <a:solidFill>
-                  <a:prstClr val="black"/>
-                </a:solidFill>
-                <a:effectLst/>
-                <a:uLnTx/>
-                <a:uFillTx/>
-                <a:latin typeface="Times New Roman" panose="02020603050405020304" pitchFamily="18" charset="0"/>
-                <a:ea typeface="微软雅黑" panose="020B0503020204020204" pitchFamily="34" charset="-122"/>
-                <a:cs typeface="Times New Roman" panose="02020603050405020304" pitchFamily="18" charset="0"/>
-                <a:sym typeface="+mn-ea"/>
-                <a:hlinkClick r:id="rId2"/>
-              </a:rPr>
-              <a:t>https://git.nddc.pmo.ac.cn/linhouyuan/DAOSSA</a:t>
-            </a:r>
-            <a:r>
-              <a:rPr kumimoji="0" lang="en-GB" altLang="zh-CN" sz="2000" b="1" i="0" u="none" strike="noStrike" kern="1200" cap="none" spc="0" normalizeH="0" baseline="0" noProof="0" dirty="0">
-                <a:ln>
-                  <a:noFill/>
-                </a:ln>
-                <a:solidFill>
-                  <a:prstClr val="black"/>
-                </a:solidFill>
-                <a:effectLst/>
-                <a:uLnTx/>
-                <a:uFillTx/>
-                <a:latin typeface="Times New Roman" panose="02020603050405020304" pitchFamily="18" charset="0"/>
-                <a:ea typeface="微软雅黑" panose="020B0503020204020204" pitchFamily="34" charset="-122"/>
-                <a:cs typeface="Times New Roman" panose="02020603050405020304" pitchFamily="18" charset="0"/>
-                <a:sym typeface="+mn-ea"/>
-              </a:rPr>
-              <a:t> </a:t>
-            </a:r>
-            <a:r>
-              <a:rPr kumimoji="0" lang="zh-CN" altLang="en-US" sz="2000" b="1" i="0" u="none" strike="noStrike" kern="1200" cap="none" spc="0" normalizeH="0" baseline="0" noProof="0" dirty="0">
-                <a:ln>
-                  <a:noFill/>
-                </a:ln>
-                <a:solidFill>
-                  <a:prstClr val="black"/>
-                </a:solidFill>
-                <a:effectLst/>
-                <a:uLnTx/>
-                <a:uFillTx/>
-                <a:latin typeface="Times New Roman" panose="02020603050405020304" pitchFamily="18" charset="0"/>
-                <a:ea typeface="微软雅黑" panose="020B0503020204020204" pitchFamily="34" charset="-122"/>
-                <a:cs typeface="Times New Roman" panose="02020603050405020304" pitchFamily="18" charset="0"/>
-                <a:sym typeface="+mn-ea"/>
-              </a:rPr>
-              <a:t> </a:t>
-            </a:r>
-            <a:r>
-              <a:rPr kumimoji="0" lang="en-US" altLang="zh-CN" sz="2000" b="1" i="0" u="none" strike="noStrike" kern="1200" cap="none" spc="0" normalizeH="0" baseline="0" noProof="0" dirty="0">
-                <a:ln>
-                  <a:noFill/>
-                </a:ln>
-                <a:solidFill>
-                  <a:prstClr val="black"/>
-                </a:solidFill>
-                <a:effectLst/>
-                <a:uLnTx/>
-                <a:uFillTx/>
-                <a:latin typeface="Times New Roman" panose="02020603050405020304" pitchFamily="18" charset="0"/>
-                <a:ea typeface="微软雅黑" panose="020B0503020204020204" pitchFamily="34" charset="-122"/>
-                <a:cs typeface="Times New Roman" panose="02020603050405020304" pitchFamily="18" charset="0"/>
-                <a:sym typeface="+mn-ea"/>
-              </a:rPr>
-              <a:t>attachments/RKF78.f90</a:t>
-            </a:r>
-            <a:endParaRPr lang="en-US" altLang="zh-CN" sz="2400" b="1" dirty="0">
-              <a:latin typeface="Times New Roman" panose="02020603050405020304" pitchFamily="18" charset="0"/>
-              <a:ea typeface="微软雅黑" panose="020B0503020204020204" pitchFamily="34" charset="-122"/>
-              <a:cs typeface="Times New Roman" panose="02020603050405020304" pitchFamily="18" charset="0"/>
-              <a:sym typeface="+mn-ea"/>
-            </a:endParaRPr>
-          </a:p>
-          <a:p>
-            <a:pPr marL="1257300" lvl="2" indent="-342900">
-              <a:spcBef>
-                <a:spcPts val="1200"/>
-              </a:spcBef>
-              <a:buFont typeface="Arial" panose="020B0604020202020204" pitchFamily="34" charset="0"/>
-              <a:buChar char="•"/>
-            </a:pPr>
-            <a:r>
-              <a:rPr lang="zh-CN" altLang="en-US" b="1" dirty="0">
-                <a:latin typeface="Times New Roman" panose="02020603050405020304" pitchFamily="18" charset="0"/>
-                <a:ea typeface="微软雅黑" panose="020B0503020204020204" pitchFamily="34" charset="-122"/>
-                <a:cs typeface="Times New Roman" panose="02020603050405020304" pitchFamily="18" charset="0"/>
-                <a:sym typeface="+mn-ea"/>
-              </a:rPr>
-              <a:t>注意变步长和定步长的终点的判定不一样</a:t>
-            </a:r>
-            <a:endParaRPr lang="en-US" altLang="zh-CN" b="1" dirty="0">
-              <a:latin typeface="Times New Roman" panose="02020603050405020304" pitchFamily="18" charset="0"/>
-              <a:ea typeface="微软雅黑" panose="020B0503020204020204" pitchFamily="34" charset="-122"/>
-              <a:cs typeface="Times New Roman" panose="02020603050405020304" pitchFamily="18" charset="0"/>
-              <a:sym typeface="+mn-ea"/>
-            </a:endParaRPr>
-          </a:p>
-          <a:p>
-            <a:pPr lvl="2"/>
-            <a:r>
-              <a:rPr lang="en-US" altLang="zh-CN" b="1" dirty="0">
-                <a:latin typeface="Times New Roman" panose="02020603050405020304" pitchFamily="18" charset="0"/>
-                <a:ea typeface="微软雅黑" panose="020B0503020204020204" pitchFamily="34" charset="-122"/>
-                <a:cs typeface="Times New Roman" panose="02020603050405020304" pitchFamily="18" charset="0"/>
-                <a:sym typeface="+mn-ea"/>
-              </a:rPr>
-              <a:t>	if ( t + h &gt; Ts )   h = Ts - t</a:t>
-            </a:r>
-            <a:endParaRPr lang="zh-CN" altLang="en-US" b="1" dirty="0">
-              <a:latin typeface="Times New Roman" panose="02020603050405020304" pitchFamily="18" charset="0"/>
-              <a:ea typeface="微软雅黑" panose="020B0503020204020204" pitchFamily="34" charset="-122"/>
-              <a:cs typeface="Times New Roman" panose="02020603050405020304" pitchFamily="18" charset="0"/>
-              <a:sym typeface="+mn-ea"/>
-            </a:endParaRPr>
-          </a:p>
-          <a:p>
-            <a:pPr marL="800100" lvl="1" indent="-342900">
-              <a:lnSpc>
-                <a:spcPct val="150000"/>
-              </a:lnSpc>
-              <a:buFont typeface="Arial" panose="020B0604020202020204" pitchFamily="34" charset="0"/>
-              <a:buChar char="•"/>
-            </a:pPr>
-            <a:endParaRPr lang="en-US" altLang="zh-CN" sz="2400" b="1" dirty="0">
-              <a:latin typeface="Times New Roman" panose="02020603050405020304" pitchFamily="18" charset="0"/>
-              <a:ea typeface="微软雅黑" panose="020B0503020204020204" pitchFamily="34" charset="-122"/>
-              <a:cs typeface="Times New Roman" panose="02020603050405020304" pitchFamily="18" charset="0"/>
-              <a:sym typeface="+mn-ea"/>
-            </a:endParaRPr>
-          </a:p>
-          <a:p>
-            <a:pPr marL="800100" lvl="1" indent="-342900">
-              <a:lnSpc>
-                <a:spcPct val="150000"/>
-              </a:lnSpc>
-              <a:buFont typeface="Arial" panose="020B0604020202020204" pitchFamily="34" charset="0"/>
-              <a:buChar char="•"/>
-            </a:pPr>
-            <a:r>
-              <a:rPr lang="en-US" altLang="zh-CN" sz="2400" b="1" dirty="0">
-                <a:latin typeface="Times New Roman" panose="02020603050405020304" pitchFamily="18" charset="0"/>
-                <a:ea typeface="微软雅黑" panose="020B0503020204020204" pitchFamily="34" charset="-122"/>
-                <a:cs typeface="Times New Roman" panose="02020603050405020304" pitchFamily="18" charset="0"/>
-                <a:sym typeface="+mn-ea"/>
-              </a:rPr>
-              <a:t>python</a:t>
-            </a:r>
-            <a:r>
-              <a:rPr lang="zh-CN" altLang="en-US" sz="2400" b="1" dirty="0">
-                <a:latin typeface="Times New Roman" panose="02020603050405020304" pitchFamily="18" charset="0"/>
-                <a:ea typeface="微软雅黑" panose="020B0503020204020204" pitchFamily="34" charset="-122"/>
-                <a:cs typeface="Times New Roman" panose="02020603050405020304" pitchFamily="18" charset="0"/>
-                <a:sym typeface="+mn-ea"/>
-              </a:rPr>
-              <a:t>程序包：</a:t>
-            </a:r>
-            <a:r>
-              <a:rPr lang="en-GB" altLang="zh-CN" sz="2400" b="1" i="0" dirty="0" err="1">
-                <a:effectLst/>
-                <a:latin typeface="Times New Roman" panose="02020603050405020304" pitchFamily="18" charset="0"/>
-                <a:cs typeface="Times New Roman" panose="02020603050405020304" pitchFamily="18" charset="0"/>
-              </a:rPr>
-              <a:t>scipy.integrate</a:t>
-            </a:r>
-            <a:endParaRPr lang="en-GB" altLang="zh-CN" sz="2400" b="1" i="0" dirty="0">
-              <a:effectLst/>
-              <a:latin typeface="Times New Roman" panose="02020603050405020304" pitchFamily="18" charset="0"/>
-              <a:cs typeface="Times New Roman" panose="02020603050405020304" pitchFamily="18" charset="0"/>
-            </a:endParaRPr>
-          </a:p>
-          <a:p>
-            <a:pPr marL="1257300" lvl="2" indent="-342900">
-              <a:spcBef>
-                <a:spcPts val="600"/>
-              </a:spcBef>
-              <a:buFont typeface="Arial" panose="020B0604020202020204" pitchFamily="34" charset="0"/>
-              <a:buChar char="•"/>
-            </a:pPr>
-            <a:r>
-              <a:rPr lang="en-US" altLang="zh-CN" b="1" dirty="0">
-                <a:latin typeface="Times New Roman" panose="02020603050405020304" pitchFamily="18" charset="0"/>
-                <a:ea typeface="微软雅黑" panose="020B0503020204020204" pitchFamily="34" charset="-122"/>
-                <a:cs typeface="Times New Roman" panose="02020603050405020304" pitchFamily="18" charset="0"/>
-                <a:sym typeface="+mn-ea"/>
-              </a:rPr>
-              <a:t>https://docs.scipy.org/doc/scipy/reference/generated/scipy.integrate.RK45.html</a:t>
-            </a:r>
-          </a:p>
-          <a:p>
-            <a:pPr marL="1257300" lvl="2" indent="-342900">
-              <a:spcBef>
-                <a:spcPts val="600"/>
-              </a:spcBef>
-              <a:buFont typeface="Arial" panose="020B0604020202020204" pitchFamily="34" charset="0"/>
-              <a:buChar char="•"/>
-            </a:pPr>
-            <a:r>
-              <a:rPr lang="en-US" altLang="zh-CN" b="1" dirty="0">
-                <a:latin typeface="Times New Roman" panose="02020603050405020304" pitchFamily="18" charset="0"/>
-                <a:ea typeface="微软雅黑" panose="020B0503020204020204" pitchFamily="34" charset="-122"/>
-                <a:cs typeface="Times New Roman" panose="02020603050405020304" pitchFamily="18" charset="0"/>
-                <a:sym typeface="+mn-ea"/>
-              </a:rPr>
-              <a:t>https://docs.scipy.org/doc/scipy/reference/generated/scipy.integrate.DOP853.html</a:t>
-            </a:r>
-            <a:endParaRPr lang="en-US" altLang="zh-CN" sz="2800" b="1" dirty="0">
-              <a:solidFill>
-                <a:schemeClr val="tx1"/>
-              </a:solidFill>
-              <a:latin typeface="Times New Roman" panose="02020603050405020304" pitchFamily="18" charset="0"/>
-              <a:ea typeface="微软雅黑" panose="020B0503020204020204" pitchFamily="34" charset="-122"/>
-              <a:cs typeface="Times New Roman" panose="02020603050405020304" pitchFamily="18" charset="0"/>
-              <a:sym typeface="+mn-ea"/>
-            </a:endParaRPr>
-          </a:p>
-        </p:txBody>
-      </p:sp>
-      <p:sp>
-        <p:nvSpPr>
-          <p:cNvPr id="5" name="灯片编号占位符 4"/>
-          <p:cNvSpPr>
-            <a:spLocks noGrp="1"/>
-          </p:cNvSpPr>
-          <p:nvPr>
-            <p:ph type="sldNum" sz="quarter" idx="4"/>
-          </p:nvPr>
-        </p:nvSpPr>
-        <p:spPr/>
-        <p:txBody>
-          <a:bodyPr/>
-          <a:lstStyle/>
-          <a:p>
-            <a:fld id="{5F1D8F20-F945-584B-B149-8CCFBEFE168A}" type="slidenum">
-              <a:rPr kumimoji="1" lang="zh-CN" altLang="en-US" smtClean="0"/>
-              <a:t>27</a:t>
-            </a:fld>
-            <a:endParaRPr kumimoji="1" lang="zh-CN" altLang="en-US"/>
-          </a:p>
-        </p:txBody>
-      </p:sp>
-      <p:sp>
-        <p:nvSpPr>
-          <p:cNvPr id="26" name="标题 1"/>
-          <p:cNvSpPr txBox="1"/>
-          <p:nvPr/>
-        </p:nvSpPr>
-        <p:spPr>
-          <a:xfrm>
-            <a:off x="0" y="0"/>
-            <a:ext cx="12187555" cy="711200"/>
-          </a:xfrm>
-          <a:prstGeom prst="rect">
-            <a:avLst/>
-          </a:prstGeom>
-          <a:noFill/>
-        </p:spPr>
-        <p:txBody>
-          <a:bodyPr vert="horz" lIns="91440" tIns="45720" rIns="91440" bIns="45720" rtlCol="0" anchor="ctr"/>
-          <a:lstStyle/>
-          <a:p>
-            <a:pPr marL="0" marR="0" lvl="0" indent="0" algn="ctr" defTabSz="914400" rtl="0" eaLnBrk="1" fontAlgn="base" latinLnBrk="0" hangingPunct="1">
-              <a:lnSpc>
-                <a:spcPct val="100000"/>
-              </a:lnSpc>
-              <a:spcBef>
-                <a:spcPct val="0"/>
-              </a:spcBef>
-              <a:spcAft>
-                <a:spcPct val="0"/>
-              </a:spcAft>
-              <a:buClrTx/>
-              <a:buSzTx/>
-              <a:buFontTx/>
-              <a:buNone/>
-              <a:defRPr/>
-            </a:pPr>
-            <a:r>
-              <a:rPr kumimoji="0" lang="zh-CN" altLang="en-US" sz="3200" b="1" i="0" u="none" strike="noStrike" kern="1200" cap="none" spc="0" normalizeH="0" baseline="0" noProof="0" dirty="0">
-                <a:ln>
-                  <a:noFill/>
-                </a:ln>
-                <a:solidFill>
-                  <a:schemeClr val="bg1"/>
-                </a:solidFill>
-                <a:effectLst/>
-                <a:uLnTx/>
-                <a:uFillTx/>
-                <a:latin typeface="微软雅黑" panose="020B0503020204020204" pitchFamily="34" charset="-122"/>
-                <a:ea typeface="微软雅黑" panose="020B0503020204020204" pitchFamily="34" charset="-122"/>
-                <a:cs typeface="+mj-cs"/>
-              </a:rPr>
-              <a:t>数值积分</a:t>
-            </a:r>
-          </a:p>
-        </p:txBody>
-      </p:sp>
-      <p:pic>
-        <p:nvPicPr>
-          <p:cNvPr id="11" name="图形 10" descr="困惑的脸轮廓 纯色填充">
-            <a:extLst>
-              <a:ext uri="{FF2B5EF4-FFF2-40B4-BE49-F238E27FC236}">
-                <a16:creationId xmlns:a16="http://schemas.microsoft.com/office/drawing/2014/main" id="{42EE819D-E347-4BC1-76BA-722E6D71E3B4}"/>
-              </a:ext>
-            </a:extLst>
-          </p:cNvPr>
-          <p:cNvPicPr>
-            <a:picLocks noChangeAspect="1"/>
-          </p:cNvPicPr>
-          <p:nvPr/>
-        </p:nvPicPr>
-        <p:blipFill>
-          <a:blip r:embed="rId3">
-            <a:extLst>
-              <a:ext uri="{96DAC541-7B7A-43D3-8B79-37D633B846F1}">
-                <asvg:svgBlip xmlns:asvg="http://schemas.microsoft.com/office/drawing/2016/SVG/main" r:embed="rId4"/>
-              </a:ext>
-            </a:extLst>
-          </a:blip>
-          <a:stretch>
-            <a:fillRect/>
-          </a:stretch>
-        </p:blipFill>
-        <p:spPr>
-          <a:xfrm>
-            <a:off x="0" y="711200"/>
-            <a:ext cx="571360" cy="571360"/>
-          </a:xfrm>
-          <a:prstGeom prst="rect">
-            <a:avLst/>
-          </a:prstGeom>
-        </p:spPr>
-      </p:pic>
-      <p:sp>
-        <p:nvSpPr>
-          <p:cNvPr id="12" name="矩形 11">
-            <a:extLst>
-              <a:ext uri="{FF2B5EF4-FFF2-40B4-BE49-F238E27FC236}">
-                <a16:creationId xmlns:a16="http://schemas.microsoft.com/office/drawing/2014/main" id="{85A82701-2975-3A29-6A56-9E9FE6E3A109}"/>
-              </a:ext>
-            </a:extLst>
-          </p:cNvPr>
-          <p:cNvSpPr/>
-          <p:nvPr/>
-        </p:nvSpPr>
-        <p:spPr>
-          <a:xfrm>
-            <a:off x="8959020" y="3706318"/>
-            <a:ext cx="3126448" cy="461665"/>
-          </a:xfrm>
-          <a:prstGeom prst="rect">
-            <a:avLst/>
-          </a:prstGeom>
-        </p:spPr>
-        <p:txBody>
-          <a:bodyPr wrap="square">
-            <a:spAutoFit/>
-          </a:bodyPr>
-          <a:lstStyle/>
-          <a:p>
-            <a:pPr algn="ctr" fontAlgn="auto">
-              <a:spcAft>
-                <a:spcPts val="0"/>
-              </a:spcAft>
-            </a:pPr>
-            <a:r>
-              <a:rPr lang="zh-CN" altLang="en-US" sz="1200" b="1" dirty="0">
-                <a:latin typeface="微软雅黑" panose="020B0503020204020204" pitchFamily="34" charset="-122"/>
-                <a:ea typeface="微软雅黑" panose="020B0503020204020204" pitchFamily="34" charset="-122"/>
-              </a:rPr>
-              <a:t>别问为什么“右函数”的函数名是</a:t>
-            </a:r>
-            <a:r>
-              <a:rPr lang="en-US" altLang="zh-CN" sz="1200" b="1" dirty="0" err="1">
-                <a:latin typeface="微软雅黑" panose="020B0503020204020204" pitchFamily="34" charset="-122"/>
-                <a:ea typeface="微软雅黑" panose="020B0503020204020204" pitchFamily="34" charset="-122"/>
-              </a:rPr>
-              <a:t>yhc</a:t>
-            </a:r>
-            <a:endParaRPr lang="en-US" altLang="zh-CN" sz="1200" b="1" dirty="0">
-              <a:latin typeface="微软雅黑" panose="020B0503020204020204" pitchFamily="34" charset="-122"/>
-              <a:ea typeface="微软雅黑" panose="020B0503020204020204" pitchFamily="34" charset="-122"/>
-            </a:endParaRPr>
-          </a:p>
-          <a:p>
-            <a:pPr algn="ctr" fontAlgn="auto">
-              <a:spcAft>
-                <a:spcPts val="0"/>
-              </a:spcAft>
-            </a:pPr>
-            <a:r>
-              <a:rPr lang="zh-CN" altLang="en-US" sz="1200" b="1" dirty="0">
-                <a:latin typeface="微软雅黑" panose="020B0503020204020204" pitchFamily="34" charset="-122"/>
-                <a:ea typeface="微软雅黑" panose="020B0503020204020204" pitchFamily="34" charset="-122"/>
-              </a:rPr>
-              <a:t>问就是祖传</a:t>
-            </a:r>
-            <a:endParaRPr lang="zh-CN" sz="1200" b="1" dirty="0">
-              <a:latin typeface="微软雅黑" panose="020B0503020204020204" pitchFamily="34" charset="-122"/>
-              <a:ea typeface="微软雅黑" panose="020B0503020204020204" pitchFamily="34" charset="-122"/>
-            </a:endParaRPr>
-          </a:p>
-        </p:txBody>
-      </p:sp>
-    </p:spTree>
-    <p:extLst>
-      <p:ext uri="{BB962C8B-B14F-4D97-AF65-F5344CB8AC3E}">
-        <p14:creationId xmlns:p14="http://schemas.microsoft.com/office/powerpoint/2010/main" val="1128265168"/>
       </p:ext>
     </p:extLst>
   </p:cSld>

--- a/05-06 人造天体运动方程与二体问题积分.pptx
+++ b/05-06 人造天体运动方程与二体问题积分.pptx
@@ -245,7 +245,7 @@
           <a:p>
             <a:fld id="{26DDD1A4-63E9-4C41-BD0C-A6576214358F}" type="datetimeFigureOut">
               <a:rPr kumimoji="1" lang="zh-CN" altLang="en-US" smtClean="0"/>
-              <a:t>2024/4/3</a:t>
+              <a:t>2024/9/27</a:t>
             </a:fld>
             <a:endParaRPr kumimoji="1" lang="zh-CN" altLang="en-US"/>
           </a:p>
@@ -839,7 +839,7 @@
           <a:p>
             <a:fld id="{8664C608-40B1-4030-A28D-5B74BC98ADCE}" type="datetimeFigureOut">
               <a:rPr lang="en-US" smtClean="0"/>
-              <a:t>4/3/2024</a:t>
+              <a:t>9/27/2024</a:t>
             </a:fld>
             <a:endParaRPr lang="en-US" dirty="0"/>
           </a:p>
@@ -14088,8 +14088,8 @@
         </p:nvSpPr>
         <p:spPr>
           <a:xfrm>
-            <a:off x="6506678" y="5998650"/>
-            <a:ext cx="5541142" cy="584775"/>
+            <a:off x="6506678" y="5819070"/>
+            <a:ext cx="5541142" cy="830997"/>
           </a:xfrm>
           <a:prstGeom prst="rect">
             <a:avLst/>
@@ -14173,27 +14173,43 @@
             <a:r>
               <a:rPr lang="en-GB" altLang="zh-CN" sz="1600" b="1" dirty="0">
                 <a:solidFill>
-                  <a:srgbClr val="0000FF"/>
+                  <a:prstClr val="black"/>
                 </a:solidFill>
+                <a:latin typeface="Times New Roman" panose="02020603050405020304" pitchFamily="18" charset="0"/>
+                <a:ea typeface="微软雅黑" panose="020B0503020204020204" pitchFamily="34" charset="-122"/>
+                <a:cs typeface="Times New Roman" panose="02020603050405020304" pitchFamily="18" charset="0"/>
+                <a:sym typeface="+mn-ea"/>
+                <a:hlinkClick r:id="rId18"/>
+              </a:rPr>
+              <a:t>https://github.com/AsBackup/DAOSSA</a:t>
+            </a:r>
+            <a:r>
+              <a:rPr lang="en-GB" altLang="zh-CN" sz="1600" b="1" dirty="0">
+                <a:solidFill>
+                  <a:prstClr val="black"/>
+                </a:solidFill>
+                <a:latin typeface="Times New Roman" panose="02020603050405020304" pitchFamily="18" charset="0"/>
+                <a:ea typeface="微软雅黑" panose="020B0503020204020204" pitchFamily="34" charset="-122"/>
+                <a:cs typeface="Times New Roman" panose="02020603050405020304" pitchFamily="18" charset="0"/>
+                <a:sym typeface="+mn-ea"/>
+              </a:rPr>
+              <a:t> </a:t>
+            </a:r>
+            <a:r>
+              <a:rPr lang="en-GB" altLang="zh-CN" sz="1600" b="1" dirty="0">
                 <a:latin typeface="微软雅黑" panose="020B0503020204020204" pitchFamily="34" charset="-122"/>
                 <a:ea typeface="微软雅黑" panose="020B0503020204020204" pitchFamily="34" charset="-122"/>
               </a:rPr>
-              <a:t>.\DAOSSA\attachments</a:t>
+              <a:t>attachments</a:t>
             </a:r>
             <a:r>
               <a:rPr lang="en-US" altLang="zh-CN" sz="1600" b="1" dirty="0">
-                <a:solidFill>
-                  <a:srgbClr val="0000FF"/>
-                </a:solidFill>
                 <a:latin typeface="微软雅黑" panose="020B0503020204020204" pitchFamily="34" charset="-122"/>
                 <a:ea typeface="微软雅黑" panose="020B0503020204020204" pitchFamily="34" charset="-122"/>
               </a:rPr>
               <a:t>\Dimensionless.py</a:t>
             </a:r>
             <a:endParaRPr lang="zh-CN" sz="1600" b="1" dirty="0">
-              <a:solidFill>
-                <a:srgbClr val="0000FF"/>
-              </a:solidFill>
               <a:latin typeface="微软雅黑" panose="020B0503020204020204" pitchFamily="34" charset="-122"/>
               <a:ea typeface="微软雅黑" panose="020B0503020204020204" pitchFamily="34" charset="-122"/>
             </a:endParaRPr>
@@ -20894,30 +20910,12 @@
                 <a:ea typeface="微软雅黑" panose="020B0503020204020204" pitchFamily="34" charset="-122"/>
                 <a:cs typeface="Times New Roman" panose="02020603050405020304" pitchFamily="18" charset="0"/>
                 <a:sym typeface="+mn-ea"/>
-                <a:hlinkClick r:id="rId2"/>
-              </a:rPr>
-              <a:t>https://git.nddc.pmo.ac.cn/linhouyuan/DAOSSA</a:t>
+                <a:hlinkClick r:id="rId3"/>
+              </a:rPr>
+              <a:t>https://github.com/AsBackup/DAOSSA</a:t>
             </a:r>
             <a:r>
               <a:rPr kumimoji="0" lang="en-GB" altLang="zh-CN" sz="2000" b="1" i="0" u="none" strike="noStrike" kern="1200" cap="none" spc="0" normalizeH="0" baseline="0" noProof="0" dirty="0">
-                <a:ln>
-                  <a:noFill/>
-                </a:ln>
-                <a:solidFill>
-                  <a:prstClr val="black"/>
-                </a:solidFill>
-                <a:effectLst/>
-                <a:uLnTx/>
-                <a:uFillTx/>
-                <a:latin typeface="Times New Roman" panose="02020603050405020304" pitchFamily="18" charset="0"/>
-                <a:ea typeface="微软雅黑" panose="020B0503020204020204" pitchFamily="34" charset="-122"/>
-                <a:cs typeface="Times New Roman" panose="02020603050405020304" pitchFamily="18" charset="0"/>
-                <a:sym typeface="+mn-ea"/>
-              </a:rPr>
-              <a:t> </a:t>
-            </a:r>
-            <a:r>
-              <a:rPr kumimoji="0" lang="zh-CN" altLang="en-US" sz="2000" b="1" i="0" u="none" strike="noStrike" kern="1200" cap="none" spc="0" normalizeH="0" baseline="0" noProof="0" dirty="0">
                 <a:ln>
                   <a:noFill/>
                 </a:ln>
@@ -21059,30 +21057,12 @@
                 <a:ea typeface="微软雅黑" panose="020B0503020204020204" pitchFamily="34" charset="-122"/>
                 <a:cs typeface="Times New Roman" panose="02020603050405020304" pitchFamily="18" charset="0"/>
                 <a:sym typeface="+mn-ea"/>
-                <a:hlinkClick r:id="rId2"/>
-              </a:rPr>
-              <a:t>https://git.nddc.pmo.ac.cn/linhouyuan/DAOSSA</a:t>
+                <a:hlinkClick r:id="rId3"/>
+              </a:rPr>
+              <a:t>https://github.com/AsBackup/DAOSSA</a:t>
             </a:r>
             <a:r>
               <a:rPr kumimoji="0" lang="en-GB" altLang="zh-CN" sz="2000" b="1" i="0" u="none" strike="noStrike" kern="1200" cap="none" spc="0" normalizeH="0" baseline="0" noProof="0" dirty="0">
-                <a:ln>
-                  <a:noFill/>
-                </a:ln>
-                <a:solidFill>
-                  <a:prstClr val="black"/>
-                </a:solidFill>
-                <a:effectLst/>
-                <a:uLnTx/>
-                <a:uFillTx/>
-                <a:latin typeface="Times New Roman" panose="02020603050405020304" pitchFamily="18" charset="0"/>
-                <a:ea typeface="微软雅黑" panose="020B0503020204020204" pitchFamily="34" charset="-122"/>
-                <a:cs typeface="Times New Roman" panose="02020603050405020304" pitchFamily="18" charset="0"/>
-                <a:sym typeface="+mn-ea"/>
-              </a:rPr>
-              <a:t> </a:t>
-            </a:r>
-            <a:r>
-              <a:rPr kumimoji="0" lang="zh-CN" altLang="en-US" sz="2000" b="1" i="0" u="none" strike="noStrike" kern="1200" cap="none" spc="0" normalizeH="0" baseline="0" noProof="0" dirty="0">
                 <a:ln>
                   <a:noFill/>
                 </a:ln>
@@ -21362,10 +21342,10 @@
           <p:nvPr/>
         </p:nvPicPr>
         <p:blipFill>
-          <a:blip r:embed="rId3">
+          <a:blip r:embed="rId4">
             <a:extLst>
               <a:ext uri="{96DAC541-7B7A-43D3-8B79-37D633B846F1}">
-                <asvg:svgBlip xmlns:asvg="http://schemas.microsoft.com/office/drawing/2016/SVG/main" r:embed="rId4"/>
+                <asvg:svgBlip xmlns:asvg="http://schemas.microsoft.com/office/drawing/2016/SVG/main" r:embed="rId5"/>
               </a:ext>
             </a:extLst>
           </a:blip>
@@ -21397,7 +21377,7 @@
         </p:nvSpPr>
         <p:spPr>
           <a:xfrm>
-            <a:off x="8959020" y="3706318"/>
+            <a:off x="8357658" y="3628346"/>
             <a:ext cx="3126448" cy="461665"/>
           </a:xfrm>
           <a:prstGeom prst="rect">

--- a/05-06 人造天体运动方程与二体问题积分.pptx
+++ b/05-06 人造天体运动方程与二体问题积分.pptx
@@ -245,7 +245,7 @@
           <a:p>
             <a:fld id="{26DDD1A4-63E9-4C41-BD0C-A6576214358F}" type="datetimeFigureOut">
               <a:rPr kumimoji="1" lang="zh-CN" altLang="en-US" smtClean="0"/>
-              <a:t>2024/9/27</a:t>
+              <a:t>2024/10/5</a:t>
             </a:fld>
             <a:endParaRPr kumimoji="1" lang="zh-CN" altLang="en-US"/>
           </a:p>
@@ -839,7 +839,7 @@
           <a:p>
             <a:fld id="{8664C608-40B1-4030-A28D-5B74BC98ADCE}" type="datetimeFigureOut">
               <a:rPr lang="en-US" smtClean="0"/>
-              <a:t>9/27/2024</a:t>
+              <a:t>10/5/2024</a:t>
             </a:fld>
             <a:endParaRPr lang="en-US" dirty="0"/>
           </a:p>
@@ -20702,6 +20702,66 @@
           </a:prstGeom>
         </p:spPr>
       </p:pic>
+      <p:sp>
+        <p:nvSpPr>
+          <p:cNvPr id="6" name="矩形 5">
+            <a:extLst>
+              <a:ext uri="{FF2B5EF4-FFF2-40B4-BE49-F238E27FC236}">
+                <a16:creationId xmlns:a16="http://schemas.microsoft.com/office/drawing/2014/main" id="{46E44812-D000-2B40-2B35-7B9D1D699237}"/>
+              </a:ext>
+            </a:extLst>
+          </p:cNvPr>
+          <p:cNvSpPr/>
+          <p:nvPr/>
+        </p:nvSpPr>
+        <p:spPr>
+          <a:xfrm rot="20821452">
+            <a:off x="4214708" y="1976435"/>
+            <a:ext cx="2378225" cy="276999"/>
+          </a:xfrm>
+          <a:prstGeom prst="rect">
+            <a:avLst/>
+          </a:prstGeom>
+        </p:spPr>
+        <p:txBody>
+          <a:bodyPr wrap="square">
+            <a:spAutoFit/>
+          </a:bodyPr>
+          <a:lstStyle/>
+          <a:p>
+            <a:pPr algn="ctr" fontAlgn="auto">
+              <a:spcAft>
+                <a:spcPts val="0"/>
+              </a:spcAft>
+            </a:pPr>
+            <a:r>
+              <a:rPr lang="zh-CN" altLang="en-US" sz="1200" b="1" dirty="0">
+                <a:latin typeface="微软雅黑" panose="020B0503020204020204" pitchFamily="34" charset="-122"/>
+                <a:ea typeface="微软雅黑" panose="020B0503020204020204" pitchFamily="34" charset="-122"/>
+              </a:rPr>
+              <a:t>别问为什么是</a:t>
+            </a:r>
+            <a:r>
+              <a:rPr lang="en-US" altLang="zh-CN" sz="1200" b="1" dirty="0">
+                <a:latin typeface="微软雅黑" panose="020B0503020204020204" pitchFamily="34" charset="-122"/>
+                <a:ea typeface="微软雅黑" panose="020B0503020204020204" pitchFamily="34" charset="-122"/>
+              </a:rPr>
+              <a:t>2</a:t>
+            </a:r>
+            <a:r>
+              <a:rPr lang="zh-CN" altLang="en-US" sz="1200" b="1" dirty="0">
+                <a:latin typeface="微软雅黑" panose="020B0503020204020204" pitchFamily="34" charset="-122"/>
+                <a:ea typeface="微软雅黑" panose="020B0503020204020204" pitchFamily="34" charset="-122"/>
+              </a:rPr>
+              <a:t>次，我也不知道</a:t>
+            </a:r>
+            <a:endParaRPr lang="zh-CN" sz="1200" b="1" dirty="0">
+              <a:latin typeface="微软雅黑" panose="020B0503020204020204" pitchFamily="34" charset="-122"/>
+              <a:ea typeface="微软雅黑" panose="020B0503020204020204" pitchFamily="34" charset="-122"/>
+            </a:endParaRPr>
+          </a:p>
+        </p:txBody>
+      </p:sp>
     </p:spTree>
     <p:extLst>
       <p:ext uri="{BB962C8B-B14F-4D97-AF65-F5344CB8AC3E}">
@@ -23986,7 +24046,7 @@
         </p:nvSpPr>
         <p:spPr>
           <a:xfrm>
-            <a:off x="2274372" y="4406537"/>
+            <a:off x="2274372" y="4386251"/>
             <a:ext cx="3414252" cy="523220"/>
           </a:xfrm>
           <a:prstGeom prst="rect">
@@ -30282,13 +30342,13 @@
           <p:nvPr>
             <p:extLst>
               <p:ext uri="{D42A27DB-BD31-4B8C-83A1-F6EECF244321}">
-                <p14:modId xmlns:p14="http://schemas.microsoft.com/office/powerpoint/2010/main" val="1731827259"/>
+                <p14:modId xmlns:p14="http://schemas.microsoft.com/office/powerpoint/2010/main" val="1211208489"/>
               </p:ext>
             </p:extLst>
           </p:nvPr>
         </p:nvGraphicFramePr>
         <p:xfrm>
-          <a:off x="2120007" y="3582505"/>
+          <a:off x="2435748" y="3590334"/>
           <a:ext cx="2333625" cy="708025"/>
         </p:xfrm>
         <a:graphic>
@@ -30322,7 +30382,7 @@
                     </p:blipFill>
                     <p:spPr>
                       <a:xfrm>
-                        <a:off x="2120007" y="3582505"/>
+                        <a:off x="2435748" y="3590334"/>
                         <a:ext cx="2333625" cy="708025"/>
                       </a:xfrm>
                       <a:prstGeom prst="rect">
@@ -30355,7 +30415,7 @@
         </p:nvSpPr>
         <p:spPr>
           <a:xfrm>
-            <a:off x="1737094" y="4380891"/>
+            <a:off x="2052835" y="4388720"/>
             <a:ext cx="3428702" cy="400110"/>
           </a:xfrm>
           <a:prstGeom prst="rect">
@@ -30553,7 +30613,7 @@
         </p:nvSpPr>
         <p:spPr>
           <a:xfrm>
-            <a:off x="4279774" y="5113636"/>
+            <a:off x="4216396" y="5074387"/>
             <a:ext cx="1673226" cy="536506"/>
           </a:xfrm>
           <a:prstGeom prst="rect">
@@ -30636,13 +30696,13 @@
           <p:nvPr>
             <p:extLst>
               <p:ext uri="{D42A27DB-BD31-4B8C-83A1-F6EECF244321}">
-                <p14:modId xmlns:p14="http://schemas.microsoft.com/office/powerpoint/2010/main" val="2370706397"/>
+                <p14:modId xmlns:p14="http://schemas.microsoft.com/office/powerpoint/2010/main" val="1296556056"/>
               </p:ext>
             </p:extLst>
           </p:nvPr>
         </p:nvGraphicFramePr>
         <p:xfrm>
-          <a:off x="4581712" y="5351584"/>
+          <a:off x="4518334" y="5312335"/>
           <a:ext cx="1120776" cy="298558"/>
         </p:xfrm>
         <a:graphic>
@@ -30676,7 +30736,7 @@
                     </p:blipFill>
                     <p:spPr>
                       <a:xfrm>
-                        <a:off x="4581712" y="5351584"/>
+                        <a:off x="4518334" y="5312335"/>
                         <a:ext cx="1120776" cy="298558"/>
                       </a:xfrm>
                       <a:prstGeom prst="rect">
@@ -31264,7 +31324,7 @@
           <p:nvPr>
             <p:extLst>
               <p:ext uri="{D42A27DB-BD31-4B8C-83A1-F6EECF244321}">
-                <p14:modId xmlns:p14="http://schemas.microsoft.com/office/powerpoint/2010/main" val="3708275624"/>
+                <p14:modId xmlns:p14="http://schemas.microsoft.com/office/powerpoint/2010/main" val="1695305284"/>
               </p:ext>
             </p:extLst>
           </p:nvPr>
@@ -31310,6 +31370,11 @@
                       <a:prstGeom prst="rect">
                         <a:avLst/>
                       </a:prstGeom>
+                      <a:ln w="19050">
+                        <a:solidFill>
+                          <a:srgbClr val="0000FF"/>
+                        </a:solidFill>
+                      </a:ln>
                     </p:spPr>
                   </p:pic>
                 </p:oleObj>
@@ -31519,6 +31584,126 @@
           </a:prstGeom>
         </p:spPr>
       </p:pic>
+      <p:graphicFrame>
+        <p:nvGraphicFramePr>
+          <p:cNvPr id="30" name="对象 29">
+            <a:extLst>
+              <a:ext uri="{FF2B5EF4-FFF2-40B4-BE49-F238E27FC236}">
+                <a16:creationId xmlns:a16="http://schemas.microsoft.com/office/drawing/2014/main" id="{7A6DA76C-F292-95C5-98CE-E0D52A51A6E9}"/>
+              </a:ext>
+            </a:extLst>
+          </p:cNvPr>
+          <p:cNvGraphicFramePr>
+            <a:graphicFrameLocks noChangeAspect="1"/>
+          </p:cNvGraphicFramePr>
+          <p:nvPr>
+            <p:extLst>
+              <p:ext uri="{D42A27DB-BD31-4B8C-83A1-F6EECF244321}">
+                <p14:modId xmlns:p14="http://schemas.microsoft.com/office/powerpoint/2010/main" val="3766939624"/>
+              </p:ext>
+            </p:extLst>
+          </p:nvPr>
+        </p:nvGraphicFramePr>
+        <p:xfrm>
+          <a:off x="150813" y="3597275"/>
+          <a:ext cx="1622425" cy="714375"/>
+        </p:xfrm>
+        <a:graphic>
+          <a:graphicData uri="http://schemas.openxmlformats.org/presentationml/2006/ole">
+            <mc:AlternateContent xmlns:mc="http://schemas.openxmlformats.org/markup-compatibility/2006">
+              <mc:Choice xmlns:v="urn:schemas-microsoft-com:vml" Requires="v">
+                <p:oleObj name="AxMath" r:id="rId43" imgW="811080" imgH="357480" progId="Equation.AxMath">
+                  <p:embed/>
+                </p:oleObj>
+              </mc:Choice>
+              <mc:Fallback>
+                <p:oleObj name="AxMath" r:id="rId43" imgW="811080" imgH="357480" progId="Equation.AxMath">
+                  <p:embed/>
+                  <p:pic>
+                    <p:nvPicPr>
+                      <p:cNvPr id="12" name="对象 11">
+                        <a:extLst>
+                          <a:ext uri="{FF2B5EF4-FFF2-40B4-BE49-F238E27FC236}">
+                            <a16:creationId xmlns:a16="http://schemas.microsoft.com/office/drawing/2014/main" id="{6CC551A6-29F3-D670-2000-24DCF98ED462}"/>
+                          </a:ext>
+                        </a:extLst>
+                      </p:cNvPr>
+                      <p:cNvPicPr/>
+                      <p:nvPr/>
+                    </p:nvPicPr>
+                    <p:blipFill>
+                      <a:blip r:embed="rId44"/>
+                      <a:stretch>
+                        <a:fillRect/>
+                      </a:stretch>
+                    </p:blipFill>
+                    <p:spPr>
+                      <a:xfrm>
+                        <a:off x="150813" y="3597275"/>
+                        <a:ext cx="1622425" cy="714375"/>
+                      </a:xfrm>
+                      <a:prstGeom prst="rect">
+                        <a:avLst/>
+                      </a:prstGeom>
+                      <a:ln w="28575">
+                        <a:solidFill>
+                          <a:srgbClr val="0000FF"/>
+                        </a:solidFill>
+                      </a:ln>
+                    </p:spPr>
+                  </p:pic>
+                </p:oleObj>
+              </mc:Fallback>
+            </mc:AlternateContent>
+          </a:graphicData>
+        </a:graphic>
+      </p:graphicFrame>
+      <p:sp>
+        <p:nvSpPr>
+          <p:cNvPr id="33" name="箭头: 下 32">
+            <a:extLst>
+              <a:ext uri="{FF2B5EF4-FFF2-40B4-BE49-F238E27FC236}">
+                <a16:creationId xmlns:a16="http://schemas.microsoft.com/office/drawing/2014/main" id="{A01EDEC4-1926-3648-4050-FF80FA202073}"/>
+              </a:ext>
+            </a:extLst>
+          </p:cNvPr>
+          <p:cNvSpPr/>
+          <p:nvPr/>
+        </p:nvSpPr>
+        <p:spPr>
+          <a:xfrm rot="5400000">
+            <a:off x="1946460" y="3689090"/>
+            <a:ext cx="276867" cy="479546"/>
+          </a:xfrm>
+          <a:prstGeom prst="downArrow">
+            <a:avLst/>
+          </a:prstGeom>
+        </p:spPr>
+        <p:style>
+          <a:lnRef idx="2">
+            <a:schemeClr val="accent1">
+              <a:shade val="15000"/>
+            </a:schemeClr>
+          </a:lnRef>
+          <a:fillRef idx="1">
+            <a:schemeClr val="accent1"/>
+          </a:fillRef>
+          <a:effectRef idx="0">
+            <a:schemeClr val="accent1"/>
+          </a:effectRef>
+          <a:fontRef idx="minor">
+            <a:schemeClr val="lt1"/>
+          </a:fontRef>
+        </p:style>
+        <p:txBody>
+          <a:bodyPr rtlCol="0" anchor="ctr"/>
+          <a:lstStyle/>
+          <a:p>
+            <a:pPr algn="ctr"/>
+            <a:endParaRPr lang="zh-CN" altLang="en-US" dirty="0"/>
+          </a:p>
+        </p:txBody>
+      </p:sp>
     </p:spTree>
     <p:extLst>
       <p:ext uri="{BB962C8B-B14F-4D97-AF65-F5344CB8AC3E}">
@@ -32071,7 +32256,7 @@
                                 </p:cTn>
                               </p:par>
                               <p:par>
-                                <p:cTn id="50" presetID="10" presetClass="entr" presetSubtype="0" fill="hold" grpId="0" nodeType="withEffect">
+                                <p:cTn id="50" presetID="10" presetClass="entr" presetSubtype="0" fill="hold" nodeType="withEffect">
                                   <p:stCondLst>
                                     <p:cond delay="0"/>
                                   </p:stCondLst>
@@ -32079,41 +32264,6 @@
                                     <p:set>
                                       <p:cBhvr>
                                         <p:cTn id="51" dur="1" fill="hold">
-                                          <p:stCondLst>
-                                            <p:cond delay="0"/>
-                                          </p:stCondLst>
-                                        </p:cTn>
-                                        <p:tgtEl>
-                                          <p:spTgt spid="17"/>
-                                        </p:tgtEl>
-                                        <p:attrNameLst>
-                                          <p:attrName>style.visibility</p:attrName>
-                                        </p:attrNameLst>
-                                      </p:cBhvr>
-                                      <p:to>
-                                        <p:strVal val="visible"/>
-                                      </p:to>
-                                    </p:set>
-                                    <p:animEffect transition="in" filter="fade">
-                                      <p:cBhvr>
-                                        <p:cTn id="52" dur="500"/>
-                                        <p:tgtEl>
-                                          <p:spTgt spid="17"/>
-                                        </p:tgtEl>
-                                      </p:cBhvr>
-                                    </p:animEffect>
-                                  </p:childTnLst>
-                                </p:cTn>
-                              </p:par>
-                              <p:par>
-                                <p:cTn id="53" presetID="10" presetClass="entr" presetSubtype="0" fill="hold" nodeType="withEffect">
-                                  <p:stCondLst>
-                                    <p:cond delay="0"/>
-                                  </p:stCondLst>
-                                  <p:childTnLst>
-                                    <p:set>
-                                      <p:cBhvr>
-                                        <p:cTn id="54" dur="1" fill="hold">
                                           <p:stCondLst>
                                             <p:cond delay="0"/>
                                           </p:stCondLst>
@@ -32131,9 +32281,44 @@
                                     </p:set>
                                     <p:animEffect transition="in" filter="fade">
                                       <p:cBhvr>
+                                        <p:cTn id="52" dur="500"/>
+                                        <p:tgtEl>
+                                          <p:spTgt spid="7"/>
+                                        </p:tgtEl>
+                                      </p:cBhvr>
+                                    </p:animEffect>
+                                  </p:childTnLst>
+                                </p:cTn>
+                              </p:par>
+                              <p:par>
+                                <p:cTn id="53" presetID="10" presetClass="entr" presetSubtype="0" fill="hold" grpId="0" nodeType="withEffect">
+                                  <p:stCondLst>
+                                    <p:cond delay="0"/>
+                                  </p:stCondLst>
+                                  <p:childTnLst>
+                                    <p:set>
+                                      <p:cBhvr>
+                                        <p:cTn id="54" dur="1" fill="hold">
+                                          <p:stCondLst>
+                                            <p:cond delay="0"/>
+                                          </p:stCondLst>
+                                        </p:cTn>
+                                        <p:tgtEl>
+                                          <p:spTgt spid="20"/>
+                                        </p:tgtEl>
+                                        <p:attrNameLst>
+                                          <p:attrName>style.visibility</p:attrName>
+                                        </p:attrNameLst>
+                                      </p:cBhvr>
+                                      <p:to>
+                                        <p:strVal val="visible"/>
+                                      </p:to>
+                                    </p:set>
+                                    <p:animEffect transition="in" filter="fade">
+                                      <p:cBhvr>
                                         <p:cTn id="55" dur="500"/>
                                         <p:tgtEl>
-                                          <p:spTgt spid="7"/>
+                                          <p:spTgt spid="20"/>
                                         </p:tgtEl>
                                       </p:cBhvr>
                                     </p:animEffect>
@@ -32154,7 +32339,7 @@
                                           </p:stCondLst>
                                         </p:cTn>
                                         <p:tgtEl>
-                                          <p:spTgt spid="14"/>
+                                          <p:spTgt spid="21"/>
                                         </p:tgtEl>
                                         <p:attrNameLst>
                                           <p:attrName>style.visibility</p:attrName>
@@ -32168,7 +32353,7 @@
                                       <p:cBhvr>
                                         <p:cTn id="58" dur="500"/>
                                         <p:tgtEl>
-                                          <p:spTgt spid="14"/>
+                                          <p:spTgt spid="21"/>
                                         </p:tgtEl>
                                       </p:cBhvr>
                                     </p:animEffect>
@@ -32189,7 +32374,7 @@
                                           </p:stCondLst>
                                         </p:cTn>
                                         <p:tgtEl>
-                                          <p:spTgt spid="20"/>
+                                          <p:spTgt spid="28"/>
                                         </p:tgtEl>
                                         <p:attrNameLst>
                                           <p:attrName>style.visibility</p:attrName>
@@ -32203,7 +32388,7 @@
                                       <p:cBhvr>
                                         <p:cTn id="61" dur="500"/>
                                         <p:tgtEl>
-                                          <p:spTgt spid="20"/>
+                                          <p:spTgt spid="28"/>
                                         </p:tgtEl>
                                       </p:cBhvr>
                                     </p:animEffect>
@@ -32224,7 +32409,7 @@
                                           </p:stCondLst>
                                         </p:cTn>
                                         <p:tgtEl>
-                                          <p:spTgt spid="21"/>
+                                          <p:spTgt spid="40"/>
                                         </p:tgtEl>
                                         <p:attrNameLst>
                                           <p:attrName>style.visibility</p:attrName>
@@ -32238,7 +32423,7 @@
                                       <p:cBhvr>
                                         <p:cTn id="64" dur="500"/>
                                         <p:tgtEl>
-                                          <p:spTgt spid="21"/>
+                                          <p:spTgt spid="40"/>
                                         </p:tgtEl>
                                       </p:cBhvr>
                                     </p:animEffect>
@@ -32246,7 +32431,7 @@
                                 </p:cTn>
                               </p:par>
                               <p:par>
-                                <p:cTn id="65" presetID="10" presetClass="entr" presetSubtype="0" fill="hold" grpId="0" nodeType="withEffect">
+                                <p:cTn id="65" presetID="10" presetClass="entr" presetSubtype="0" fill="hold" nodeType="withEffect">
                                   <p:stCondLst>
                                     <p:cond delay="0"/>
                                   </p:stCondLst>
@@ -32259,7 +32444,7 @@
                                           </p:stCondLst>
                                         </p:cTn>
                                         <p:tgtEl>
-                                          <p:spTgt spid="28"/>
+                                          <p:spTgt spid="29"/>
                                         </p:tgtEl>
                                         <p:attrNameLst>
                                           <p:attrName>style.visibility</p:attrName>
@@ -32273,7 +32458,7 @@
                                       <p:cBhvr>
                                         <p:cTn id="67" dur="500"/>
                                         <p:tgtEl>
-                                          <p:spTgt spid="28"/>
+                                          <p:spTgt spid="29"/>
                                         </p:tgtEl>
                                       </p:cBhvr>
                                     </p:animEffect>
@@ -32312,7 +32497,7 @@
                                           </p:stCondLst>
                                         </p:cTn>
                                         <p:tgtEl>
-                                          <p:spTgt spid="29"/>
+                                          <p:spTgt spid="14"/>
                                         </p:tgtEl>
                                         <p:attrNameLst>
                                           <p:attrName>style.visibility</p:attrName>
@@ -32326,7 +32511,7 @@
                                       <p:cBhvr>
                                         <p:cTn id="72" dur="500"/>
                                         <p:tgtEl>
-                                          <p:spTgt spid="29"/>
+                                          <p:spTgt spid="14"/>
                                         </p:tgtEl>
                                       </p:cBhvr>
                                     </p:animEffect>
@@ -32334,7 +32519,7 @@
                                 </p:cTn>
                               </p:par>
                               <p:par>
-                                <p:cTn id="73" presetID="10" presetClass="entr" presetSubtype="0" fill="hold" nodeType="withEffect">
+                                <p:cTn id="73" presetID="10" presetClass="entr" presetSubtype="0" fill="hold" grpId="0" nodeType="withEffect">
                                   <p:stCondLst>
                                     <p:cond delay="0"/>
                                   </p:stCondLst>
@@ -32347,7 +32532,7 @@
                                           </p:stCondLst>
                                         </p:cTn>
                                         <p:tgtEl>
-                                          <p:spTgt spid="32"/>
+                                          <p:spTgt spid="17"/>
                                         </p:tgtEl>
                                         <p:attrNameLst>
                                           <p:attrName>style.visibility</p:attrName>
@@ -32361,7 +32546,7 @@
                                       <p:cBhvr>
                                         <p:cTn id="75" dur="500"/>
                                         <p:tgtEl>
-                                          <p:spTgt spid="32"/>
+                                          <p:spTgt spid="17"/>
                                         </p:tgtEl>
                                       </p:cBhvr>
                                     </p:animEffect>
@@ -32382,7 +32567,7 @@
                                           </p:stCondLst>
                                         </p:cTn>
                                         <p:tgtEl>
-                                          <p:spTgt spid="40"/>
+                                          <p:spTgt spid="30"/>
                                         </p:tgtEl>
                                         <p:attrNameLst>
                                           <p:attrName>style.visibility</p:attrName>
@@ -32396,7 +32581,7 @@
                                       <p:cBhvr>
                                         <p:cTn id="78" dur="500"/>
                                         <p:tgtEl>
-                                          <p:spTgt spid="40"/>
+                                          <p:spTgt spid="30"/>
                                         </p:tgtEl>
                                       </p:cBhvr>
                                     </p:animEffect>
@@ -32404,7 +32589,7 @@
                                 </p:cTn>
                               </p:par>
                               <p:par>
-                                <p:cTn id="79" presetID="10" presetClass="entr" presetSubtype="0" fill="hold" nodeType="withEffect">
+                                <p:cTn id="79" presetID="10" presetClass="entr" presetSubtype="0" fill="hold" grpId="0" nodeType="withEffect">
                                   <p:stCondLst>
                                     <p:cond delay="0"/>
                                   </p:stCondLst>
@@ -32412,6 +32597,94 @@
                                     <p:set>
                                       <p:cBhvr>
                                         <p:cTn id="80" dur="1" fill="hold">
+                                          <p:stCondLst>
+                                            <p:cond delay="0"/>
+                                          </p:stCondLst>
+                                        </p:cTn>
+                                        <p:tgtEl>
+                                          <p:spTgt spid="33"/>
+                                        </p:tgtEl>
+                                        <p:attrNameLst>
+                                          <p:attrName>style.visibility</p:attrName>
+                                        </p:attrNameLst>
+                                      </p:cBhvr>
+                                      <p:to>
+                                        <p:strVal val="visible"/>
+                                      </p:to>
+                                    </p:set>
+                                    <p:animEffect transition="in" filter="fade">
+                                      <p:cBhvr>
+                                        <p:cTn id="81" dur="500"/>
+                                        <p:tgtEl>
+                                          <p:spTgt spid="33"/>
+                                        </p:tgtEl>
+                                      </p:cBhvr>
+                                    </p:animEffect>
+                                  </p:childTnLst>
+                                </p:cTn>
+                              </p:par>
+                            </p:childTnLst>
+                          </p:cTn>
+                        </p:par>
+                      </p:childTnLst>
+                    </p:cTn>
+                  </p:par>
+                  <p:par>
+                    <p:cTn id="82" fill="hold">
+                      <p:stCondLst>
+                        <p:cond delay="indefinite"/>
+                      </p:stCondLst>
+                      <p:childTnLst>
+                        <p:par>
+                          <p:cTn id="83" fill="hold">
+                            <p:stCondLst>
+                              <p:cond delay="0"/>
+                            </p:stCondLst>
+                            <p:childTnLst>
+                              <p:par>
+                                <p:cTn id="84" presetID="10" presetClass="entr" presetSubtype="0" fill="hold" nodeType="clickEffect">
+                                  <p:stCondLst>
+                                    <p:cond delay="0"/>
+                                  </p:stCondLst>
+                                  <p:childTnLst>
+                                    <p:set>
+                                      <p:cBhvr>
+                                        <p:cTn id="85" dur="1" fill="hold">
+                                          <p:stCondLst>
+                                            <p:cond delay="0"/>
+                                          </p:stCondLst>
+                                        </p:cTn>
+                                        <p:tgtEl>
+                                          <p:spTgt spid="32"/>
+                                        </p:tgtEl>
+                                        <p:attrNameLst>
+                                          <p:attrName>style.visibility</p:attrName>
+                                        </p:attrNameLst>
+                                      </p:cBhvr>
+                                      <p:to>
+                                        <p:strVal val="visible"/>
+                                      </p:to>
+                                    </p:set>
+                                    <p:animEffect transition="in" filter="fade">
+                                      <p:cBhvr>
+                                        <p:cTn id="86" dur="500"/>
+                                        <p:tgtEl>
+                                          <p:spTgt spid="32"/>
+                                        </p:tgtEl>
+                                      </p:cBhvr>
+                                    </p:animEffect>
+                                  </p:childTnLst>
+                                </p:cTn>
+                              </p:par>
+                              <p:par>
+                                <p:cTn id="87" presetID="10" presetClass="entr" presetSubtype="0" fill="hold" nodeType="withEffect">
+                                  <p:stCondLst>
+                                    <p:cond delay="0"/>
+                                  </p:stCondLst>
+                                  <p:childTnLst>
+                                    <p:set>
+                                      <p:cBhvr>
+                                        <p:cTn id="88" dur="1" fill="hold">
                                           <p:stCondLst>
                                             <p:cond delay="0"/>
                                           </p:stCondLst>
@@ -32429,7 +32702,7 @@
                                     </p:set>
                                     <p:animEffect transition="in" filter="fade">
                                       <p:cBhvr>
-                                        <p:cTn id="81" dur="500"/>
+                                        <p:cTn id="89" dur="500"/>
                                         <p:tgtEl>
                                           <p:spTgt spid="31"/>
                                         </p:tgtEl>
@@ -32439,14 +32712,14 @@
                                 </p:cTn>
                               </p:par>
                               <p:par>
-                                <p:cTn id="82" presetID="10" presetClass="entr" presetSubtype="0" fill="hold" nodeType="withEffect">
+                                <p:cTn id="90" presetID="10" presetClass="entr" presetSubtype="0" fill="hold" nodeType="withEffect">
                                   <p:stCondLst>
                                     <p:cond delay="0"/>
                                   </p:stCondLst>
                                   <p:childTnLst>
                                     <p:set>
                                       <p:cBhvr>
-                                        <p:cTn id="83" dur="1" fill="hold">
+                                        <p:cTn id="91" dur="1" fill="hold">
                                           <p:stCondLst>
                                             <p:cond delay="0"/>
                                           </p:stCondLst>
@@ -32464,7 +32737,7 @@
                                     </p:set>
                                     <p:animEffect transition="in" filter="fade">
                                       <p:cBhvr>
-                                        <p:cTn id="84" dur="500"/>
+                                        <p:cTn id="92" dur="500"/>
                                         <p:tgtEl>
                                           <p:spTgt spid="43"/>
                                         </p:tgtEl>
@@ -32474,14 +32747,14 @@
                                 </p:cTn>
                               </p:par>
                               <p:par>
-                                <p:cTn id="85" presetID="10" presetClass="entr" presetSubtype="0" fill="hold" grpId="0" nodeType="withEffect">
+                                <p:cTn id="93" presetID="10" presetClass="entr" presetSubtype="0" fill="hold" grpId="0" nodeType="withEffect">
                                   <p:stCondLst>
                                     <p:cond delay="0"/>
                                   </p:stCondLst>
                                   <p:childTnLst>
                                     <p:set>
                                       <p:cBhvr>
-                                        <p:cTn id="86" dur="1" fill="hold">
+                                        <p:cTn id="94" dur="1" fill="hold">
                                           <p:stCondLst>
                                             <p:cond delay="0"/>
                                           </p:stCondLst>
@@ -32499,7 +32772,7 @@
                                     </p:set>
                                     <p:animEffect transition="in" filter="fade">
                                       <p:cBhvr>
-                                        <p:cTn id="87" dur="500"/>
+                                        <p:cTn id="95" dur="500"/>
                                         <p:tgtEl>
                                           <p:spTgt spid="42"/>
                                         </p:tgtEl>
@@ -32509,14 +32782,14 @@
                                 </p:cTn>
                               </p:par>
                               <p:par>
-                                <p:cTn id="88" presetID="10" presetClass="entr" presetSubtype="0" fill="hold" nodeType="withEffect">
+                                <p:cTn id="96" presetID="10" presetClass="entr" presetSubtype="0" fill="hold" nodeType="withEffect">
                                   <p:stCondLst>
                                     <p:cond delay="0"/>
                                   </p:stCondLst>
                                   <p:childTnLst>
                                     <p:set>
                                       <p:cBhvr>
-                                        <p:cTn id="89" dur="1" fill="hold">
+                                        <p:cTn id="97" dur="1" fill="hold">
                                           <p:stCondLst>
                                             <p:cond delay="0"/>
                                           </p:stCondLst>
@@ -32534,7 +32807,7 @@
                                     </p:set>
                                     <p:animEffect transition="in" filter="fade">
                                       <p:cBhvr>
-                                        <p:cTn id="90" dur="500"/>
+                                        <p:cTn id="98" dur="500"/>
                                         <p:tgtEl>
                                           <p:spTgt spid="44"/>
                                         </p:tgtEl>
@@ -32544,14 +32817,14 @@
                                 </p:cTn>
                               </p:par>
                               <p:par>
-                                <p:cTn id="91" presetID="10" presetClass="entr" presetSubtype="0" fill="hold" nodeType="withEffect">
+                                <p:cTn id="99" presetID="10" presetClass="entr" presetSubtype="0" fill="hold" nodeType="withEffect">
                                   <p:stCondLst>
                                     <p:cond delay="0"/>
                                   </p:stCondLst>
                                   <p:childTnLst>
                                     <p:set>
                                       <p:cBhvr>
-                                        <p:cTn id="92" dur="1" fill="hold">
+                                        <p:cTn id="100" dur="1" fill="hold">
                                           <p:stCondLst>
                                             <p:cond delay="0"/>
                                           </p:stCondLst>
@@ -32569,7 +32842,7 @@
                                     </p:set>
                                     <p:animEffect transition="in" filter="fade">
                                       <p:cBhvr>
-                                        <p:cTn id="93" dur="500"/>
+                                        <p:cTn id="101" dur="500"/>
                                         <p:tgtEl>
                                           <p:spTgt spid="45"/>
                                         </p:tgtEl>
@@ -32579,14 +32852,14 @@
                                 </p:cTn>
                               </p:par>
                               <p:par>
-                                <p:cTn id="94" presetID="10" presetClass="entr" presetSubtype="0" fill="hold" grpId="0" nodeType="withEffect">
+                                <p:cTn id="102" presetID="10" presetClass="entr" presetSubtype="0" fill="hold" grpId="0" nodeType="withEffect">
                                   <p:stCondLst>
                                     <p:cond delay="0"/>
                                   </p:stCondLst>
                                   <p:childTnLst>
                                     <p:set>
                                       <p:cBhvr>
-                                        <p:cTn id="95" dur="1" fill="hold">
+                                        <p:cTn id="103" dur="1" fill="hold">
                                           <p:stCondLst>
                                             <p:cond delay="0"/>
                                           </p:stCondLst>
@@ -32604,7 +32877,7 @@
                                     </p:set>
                                     <p:animEffect transition="in" filter="fade">
                                       <p:cBhvr>
-                                        <p:cTn id="96" dur="500"/>
+                                        <p:cTn id="104" dur="500"/>
                                         <p:tgtEl>
                                           <p:spTgt spid="46"/>
                                         </p:tgtEl>
@@ -32654,6 +32927,7 @@
       <p:bldP spid="42" grpId="0"/>
       <p:bldP spid="46" grpId="0" animBg="1"/>
       <p:bldP spid="48" grpId="0" animBg="1"/>
+      <p:bldP spid="33" grpId="0" animBg="1"/>
     </p:bldLst>
   </p:timing>
 </p:sld>
@@ -32684,8 +32958,8 @@
         </p:nvSpPr>
         <p:spPr>
           <a:xfrm>
-            <a:off x="407987" y="1052513"/>
-            <a:ext cx="11376025" cy="662554"/>
+            <a:off x="757036" y="1540695"/>
+            <a:ext cx="1672186" cy="581057"/>
           </a:xfrm>
           <a:prstGeom prst="rect">
             <a:avLst/>
@@ -32697,18 +32971,16 @@
           </a:bodyPr>
           <a:lstStyle/>
           <a:p>
-            <a:pPr marL="342900" indent="-342900" fontAlgn="auto">
+            <a:pPr fontAlgn="auto">
               <a:lnSpc>
                 <a:spcPct val="150000"/>
               </a:lnSpc>
               <a:spcAft>
                 <a:spcPts val="0"/>
               </a:spcAft>
-              <a:buFont typeface="Arial" panose="020B0604020202020204" pitchFamily="34" charset="0"/>
-              <a:buChar char="•"/>
             </a:pPr>
             <a:r>
-              <a:rPr lang="zh-CN" altLang="en-US" sz="2800" b="1" dirty="0">
+              <a:rPr lang="zh-CN" altLang="en-US" sz="2400" b="1" dirty="0">
                 <a:solidFill>
                   <a:schemeClr val="tx1"/>
                 </a:solidFill>
@@ -32718,7 +32990,7 @@
               </a:rPr>
               <a:t>活力公式</a:t>
             </a:r>
-            <a:endParaRPr lang="en-US" altLang="zh-CN" sz="2800" b="1" dirty="0">
+            <a:endParaRPr lang="en-US" altLang="zh-CN" sz="2400" b="1" dirty="0">
               <a:solidFill>
                 <a:schemeClr val="tx1"/>
               </a:solidFill>
@@ -33018,25 +33290,25 @@
           <p:nvPr>
             <p:extLst>
               <p:ext uri="{D42A27DB-BD31-4B8C-83A1-F6EECF244321}">
-                <p14:modId xmlns:p14="http://schemas.microsoft.com/office/powerpoint/2010/main" val="2358143855"/>
+                <p14:modId xmlns:p14="http://schemas.microsoft.com/office/powerpoint/2010/main" val="664448255"/>
               </p:ext>
             </p:extLst>
           </p:nvPr>
         </p:nvGraphicFramePr>
         <p:xfrm>
-          <a:off x="8883854" y="3510173"/>
-          <a:ext cx="2333625" cy="708025"/>
+          <a:off x="9239250" y="3506788"/>
+          <a:ext cx="1622425" cy="714375"/>
         </p:xfrm>
         <a:graphic>
           <a:graphicData uri="http://schemas.openxmlformats.org/presentationml/2006/ole">
             <mc:AlternateContent xmlns:mc="http://schemas.openxmlformats.org/markup-compatibility/2006">
               <mc:Choice xmlns:v="urn:schemas-microsoft-com:vml" Requires="v">
-                <p:oleObj name="AxMath" r:id="rId8" imgW="1166400" imgH="354240" progId="Equation.AxMath">
+                <p:oleObj name="AxMath" r:id="rId8" imgW="811080" imgH="357480" progId="Equation.AxMath">
                   <p:embed/>
                 </p:oleObj>
               </mc:Choice>
               <mc:Fallback>
-                <p:oleObj name="AxMath" r:id="rId8" imgW="1166400" imgH="354240" progId="Equation.AxMath">
+                <p:oleObj name="AxMath" r:id="rId8" imgW="811080" imgH="357480" progId="Equation.AxMath">
                   <p:embed/>
                   <p:pic>
                     <p:nvPicPr>
@@ -33058,8 +33330,8 @@
                     </p:blipFill>
                     <p:spPr>
                       <a:xfrm>
-                        <a:off x="8883854" y="3510173"/>
-                        <a:ext cx="2333625" cy="708025"/>
+                        <a:off x="9239250" y="3506788"/>
+                        <a:ext cx="1622425" cy="714375"/>
                       </a:xfrm>
                       <a:prstGeom prst="rect">
                         <a:avLst/>
@@ -33140,13 +33412,13 @@
           <p:nvPr>
             <p:extLst>
               <p:ext uri="{D42A27DB-BD31-4B8C-83A1-F6EECF244321}">
-                <p14:modId xmlns:p14="http://schemas.microsoft.com/office/powerpoint/2010/main" val="1646981531"/>
+                <p14:modId xmlns:p14="http://schemas.microsoft.com/office/powerpoint/2010/main" val="3181202895"/>
               </p:ext>
             </p:extLst>
           </p:nvPr>
         </p:nvGraphicFramePr>
         <p:xfrm>
-          <a:off x="1724932" y="1773520"/>
+          <a:off x="2221122" y="1575412"/>
           <a:ext cx="3092450" cy="708025"/>
         </p:xfrm>
         <a:graphic>
@@ -33174,7 +33446,7 @@
                     </p:blipFill>
                     <p:spPr>
                       <a:xfrm>
-                        <a:off x="1724932" y="1773520"/>
+                        <a:off x="2221122" y="1575412"/>
                         <a:ext cx="3092450" cy="708025"/>
                       </a:xfrm>
                       <a:prstGeom prst="rect">
@@ -33203,13 +33475,13 @@
           <p:nvPr>
             <p:extLst>
               <p:ext uri="{D42A27DB-BD31-4B8C-83A1-F6EECF244321}">
-                <p14:modId xmlns:p14="http://schemas.microsoft.com/office/powerpoint/2010/main" val="1379923981"/>
+                <p14:modId xmlns:p14="http://schemas.microsoft.com/office/powerpoint/2010/main" val="6573885"/>
               </p:ext>
             </p:extLst>
           </p:nvPr>
         </p:nvGraphicFramePr>
         <p:xfrm>
-          <a:off x="2241125" y="2571750"/>
+          <a:off x="2241125" y="2394665"/>
           <a:ext cx="2178050" cy="692150"/>
         </p:xfrm>
         <a:graphic>
@@ -33243,7 +33515,7 @@
                     </p:blipFill>
                     <p:spPr>
                       <a:xfrm>
-                        <a:off x="2241125" y="2571750"/>
+                        <a:off x="2241125" y="2394665"/>
                         <a:ext cx="2178050" cy="692150"/>
                       </a:xfrm>
                       <a:prstGeom prst="rect">
@@ -33316,7 +33588,7 @@
         </p:nvSpPr>
         <p:spPr>
           <a:xfrm rot="16200000">
-            <a:off x="1517103" y="2586439"/>
+            <a:off x="1517103" y="2409354"/>
             <a:ext cx="494985" cy="662771"/>
           </a:xfrm>
           <a:prstGeom prst="downArrow">
@@ -33554,25 +33826,25 @@
           <p:nvPr>
             <p:extLst>
               <p:ext uri="{D42A27DB-BD31-4B8C-83A1-F6EECF244321}">
-                <p14:modId xmlns:p14="http://schemas.microsoft.com/office/powerpoint/2010/main" val="3959009842"/>
+                <p14:modId xmlns:p14="http://schemas.microsoft.com/office/powerpoint/2010/main" val="374132605"/>
               </p:ext>
             </p:extLst>
           </p:nvPr>
         </p:nvGraphicFramePr>
         <p:xfrm>
-          <a:off x="1148765" y="4027344"/>
-          <a:ext cx="2143125" cy="692150"/>
+          <a:off x="942975" y="4025900"/>
+          <a:ext cx="2555875" cy="695325"/>
         </p:xfrm>
         <a:graphic>
           <a:graphicData uri="http://schemas.openxmlformats.org/presentationml/2006/ole">
             <mc:AlternateContent xmlns:mc="http://schemas.openxmlformats.org/markup-compatibility/2006">
               <mc:Choice xmlns:v="urn:schemas-microsoft-com:vml" Requires="v">
-                <p:oleObj name="AxMath" r:id="rId18" imgW="1071360" imgH="346680" progId="Equation.AxMath">
+                <p:oleObj name="AxMath" r:id="rId18" imgW="1277280" imgH="347040" progId="Equation.AxMath">
                   <p:embed/>
                 </p:oleObj>
               </mc:Choice>
               <mc:Fallback>
-                <p:oleObj name="AxMath" r:id="rId18" imgW="1071360" imgH="346680" progId="Equation.AxMath">
+                <p:oleObj name="AxMath" r:id="rId18" imgW="1277280" imgH="347040" progId="Equation.AxMath">
                   <p:embed/>
                   <p:pic>
                     <p:nvPicPr>
@@ -33594,8 +33866,8 @@
                     </p:blipFill>
                     <p:spPr>
                       <a:xfrm>
-                        <a:off x="1148765" y="4027344"/>
-                        <a:ext cx="2143125" cy="692150"/>
+                        <a:off x="942975" y="4025900"/>
+                        <a:ext cx="2555875" cy="695325"/>
                       </a:xfrm>
                       <a:prstGeom prst="rect">
                         <a:avLst/>
@@ -35467,75 +35739,6 @@
       </p:graphicFrame>
       <p:graphicFrame>
         <p:nvGraphicFramePr>
-          <p:cNvPr id="13" name="对象 12">
-            <a:extLst>
-              <a:ext uri="{FF2B5EF4-FFF2-40B4-BE49-F238E27FC236}">
-                <a16:creationId xmlns:a16="http://schemas.microsoft.com/office/drawing/2014/main" id="{99496849-B549-5AF8-7147-7430F1679E04}"/>
-              </a:ext>
-            </a:extLst>
-          </p:cNvPr>
-          <p:cNvGraphicFramePr>
-            <a:graphicFrameLocks noChangeAspect="1"/>
-          </p:cNvGraphicFramePr>
-          <p:nvPr>
-            <p:extLst>
-              <p:ext uri="{D42A27DB-BD31-4B8C-83A1-F6EECF244321}">
-                <p14:modId xmlns:p14="http://schemas.microsoft.com/office/powerpoint/2010/main" val="1930698204"/>
-              </p:ext>
-            </p:extLst>
-          </p:nvPr>
-        </p:nvGraphicFramePr>
-        <p:xfrm>
-          <a:off x="8883854" y="3510173"/>
-          <a:ext cx="2333625" cy="708025"/>
-        </p:xfrm>
-        <a:graphic>
-          <a:graphicData uri="http://schemas.openxmlformats.org/presentationml/2006/ole">
-            <mc:AlternateContent xmlns:mc="http://schemas.openxmlformats.org/markup-compatibility/2006">
-              <mc:Choice xmlns:v="urn:schemas-microsoft-com:vml" Requires="v">
-                <p:oleObj name="AxMath" r:id="rId8" imgW="1166400" imgH="354240" progId="Equation.AxMath">
-                  <p:embed/>
-                </p:oleObj>
-              </mc:Choice>
-              <mc:Fallback>
-                <p:oleObj name="AxMath" r:id="rId8" imgW="1166400" imgH="354240" progId="Equation.AxMath">
-                  <p:embed/>
-                  <p:pic>
-                    <p:nvPicPr>
-                      <p:cNvPr id="13" name="对象 12">
-                        <a:extLst>
-                          <a:ext uri="{FF2B5EF4-FFF2-40B4-BE49-F238E27FC236}">
-                            <a16:creationId xmlns:a16="http://schemas.microsoft.com/office/drawing/2014/main" id="{99496849-B549-5AF8-7147-7430F1679E04}"/>
-                          </a:ext>
-                        </a:extLst>
-                      </p:cNvPr>
-                      <p:cNvPicPr/>
-                      <p:nvPr/>
-                    </p:nvPicPr>
-                    <p:blipFill>
-                      <a:blip r:embed="rId9"/>
-                      <a:stretch>
-                        <a:fillRect/>
-                      </a:stretch>
-                    </p:blipFill>
-                    <p:spPr>
-                      <a:xfrm>
-                        <a:off x="8883854" y="3510173"/>
-                        <a:ext cx="2333625" cy="708025"/>
-                      </a:xfrm>
-                      <a:prstGeom prst="rect">
-                        <a:avLst/>
-                      </a:prstGeom>
-                    </p:spPr>
-                  </p:pic>
-                </p:oleObj>
-              </mc:Fallback>
-            </mc:AlternateContent>
-          </a:graphicData>
-        </a:graphic>
-      </p:graphicFrame>
-      <p:graphicFrame>
-        <p:nvGraphicFramePr>
           <p:cNvPr id="16" name="对象 15">
             <a:extLst>
               <a:ext uri="{FF2B5EF4-FFF2-40B4-BE49-F238E27FC236}">
@@ -35562,12 +35765,12 @@
           <a:graphicData uri="http://schemas.openxmlformats.org/presentationml/2006/ole">
             <mc:AlternateContent xmlns:mc="http://schemas.openxmlformats.org/markup-compatibility/2006">
               <mc:Choice xmlns:v="urn:schemas-microsoft-com:vml" Requires="v">
-                <p:oleObj name="AxMath" r:id="rId10" imgW="1546560" imgH="354240" progId="Equation.AxMath">
+                <p:oleObj name="AxMath" r:id="rId8" imgW="1546560" imgH="354240" progId="Equation.AxMath">
                   <p:embed/>
                 </p:oleObj>
               </mc:Choice>
               <mc:Fallback>
-                <p:oleObj name="AxMath" r:id="rId10" imgW="1546560" imgH="354240" progId="Equation.AxMath">
+                <p:oleObj name="AxMath" r:id="rId8" imgW="1546560" imgH="354240" progId="Equation.AxMath">
                   <p:embed/>
                   <p:pic>
                     <p:nvPicPr>
@@ -35582,7 +35785,7 @@
                       <p:nvPr/>
                     </p:nvPicPr>
                     <p:blipFill>
-                      <a:blip r:embed="rId11"/>
+                      <a:blip r:embed="rId9"/>
                       <a:stretch>
                         <a:fillRect/>
                       </a:stretch>
@@ -35671,12 +35874,12 @@
           <a:graphicData uri="http://schemas.openxmlformats.org/presentationml/2006/ole">
             <mc:AlternateContent xmlns:mc="http://schemas.openxmlformats.org/markup-compatibility/2006">
               <mc:Choice xmlns:v="urn:schemas-microsoft-com:vml" Requires="v">
-                <p:oleObj name="AxMath" r:id="rId12" imgW="991800" imgH="228960" progId="Equation.AxMath">
+                <p:oleObj name="AxMath" r:id="rId10" imgW="991800" imgH="228960" progId="Equation.AxMath">
                   <p:embed/>
                 </p:oleObj>
               </mc:Choice>
               <mc:Fallback>
-                <p:oleObj name="AxMath" r:id="rId12" imgW="991800" imgH="228960" progId="Equation.AxMath">
+                <p:oleObj name="AxMath" r:id="rId10" imgW="991800" imgH="228960" progId="Equation.AxMath">
                   <p:embed/>
                   <p:pic>
                     <p:nvPicPr>
@@ -35691,7 +35894,7 @@
                       <p:nvPr/>
                     </p:nvPicPr>
                     <p:blipFill>
-                      <a:blip r:embed="rId13"/>
+                      <a:blip r:embed="rId11"/>
                       <a:stretch>
                         <a:fillRect/>
                       </a:stretch>
@@ -35734,12 +35937,12 @@
           <a:graphicData uri="http://schemas.openxmlformats.org/presentationml/2006/ole">
             <mc:AlternateContent xmlns:mc="http://schemas.openxmlformats.org/markup-compatibility/2006">
               <mc:Choice xmlns:v="urn:schemas-microsoft-com:vml" Requires="v">
-                <p:oleObj name="AxMath" r:id="rId14" imgW="925920" imgH="346680" progId="Equation.AxMath">
+                <p:oleObj name="AxMath" r:id="rId12" imgW="925920" imgH="346680" progId="Equation.AxMath">
                   <p:embed/>
                 </p:oleObj>
               </mc:Choice>
               <mc:Fallback>
-                <p:oleObj name="AxMath" r:id="rId14" imgW="925920" imgH="346680" progId="Equation.AxMath">
+                <p:oleObj name="AxMath" r:id="rId12" imgW="925920" imgH="346680" progId="Equation.AxMath">
                   <p:embed/>
                   <p:pic>
                     <p:nvPicPr>
@@ -35754,7 +35957,7 @@
                       <p:nvPr/>
                     </p:nvPicPr>
                     <p:blipFill>
-                      <a:blip r:embed="rId15"/>
+                      <a:blip r:embed="rId13"/>
                       <a:stretch>
                         <a:fillRect/>
                       </a:stretch>
@@ -35856,12 +36059,12 @@
           <a:graphicData uri="http://schemas.openxmlformats.org/presentationml/2006/ole">
             <mc:AlternateContent xmlns:mc="http://schemas.openxmlformats.org/markup-compatibility/2006">
               <mc:Choice xmlns:v="urn:schemas-microsoft-com:vml" Requires="v">
-                <p:oleObj name="AxMath" r:id="rId16" imgW="526680" imgH="190440" progId="Equation.AxMath">
+                <p:oleObj name="AxMath" r:id="rId14" imgW="526680" imgH="190440" progId="Equation.AxMath">
                   <p:embed/>
                 </p:oleObj>
               </mc:Choice>
               <mc:Fallback>
-                <p:oleObj name="AxMath" r:id="rId16" imgW="526680" imgH="190440" progId="Equation.AxMath">
+                <p:oleObj name="AxMath" r:id="rId14" imgW="526680" imgH="190440" progId="Equation.AxMath">
                   <p:embed/>
                   <p:pic>
                     <p:nvPicPr>
@@ -35876,7 +36079,7 @@
                       <p:nvPr/>
                     </p:nvPicPr>
                     <p:blipFill>
-                      <a:blip r:embed="rId17"/>
+                      <a:blip r:embed="rId15"/>
                       <a:stretch>
                         <a:fillRect/>
                       </a:stretch>
@@ -35925,12 +36128,12 @@
           <a:graphicData uri="http://schemas.openxmlformats.org/presentationml/2006/ole">
             <mc:AlternateContent xmlns:mc="http://schemas.openxmlformats.org/markup-compatibility/2006">
               <mc:Choice xmlns:v="urn:schemas-microsoft-com:vml" Requires="v">
-                <p:oleObj name="AxMath" r:id="rId18" imgW="979200" imgH="196560" progId="Equation.AxMath">
+                <p:oleObj name="AxMath" r:id="rId16" imgW="979200" imgH="196560" progId="Equation.AxMath">
                   <p:embed/>
                 </p:oleObj>
               </mc:Choice>
               <mc:Fallback>
-                <p:oleObj name="AxMath" r:id="rId18" imgW="979200" imgH="196560" progId="Equation.AxMath">
+                <p:oleObj name="AxMath" r:id="rId16" imgW="979200" imgH="196560" progId="Equation.AxMath">
                   <p:embed/>
                   <p:pic>
                     <p:nvPicPr>
@@ -35945,7 +36148,7 @@
                       <p:nvPr/>
                     </p:nvPicPr>
                     <p:blipFill>
-                      <a:blip r:embed="rId19"/>
+                      <a:blip r:embed="rId17"/>
                       <a:stretch>
                         <a:fillRect/>
                       </a:stretch>
@@ -35994,12 +36197,12 @@
           <a:graphicData uri="http://schemas.openxmlformats.org/presentationml/2006/ole">
             <mc:AlternateContent xmlns:mc="http://schemas.openxmlformats.org/markup-compatibility/2006">
               <mc:Choice xmlns:v="urn:schemas-microsoft-com:vml" Requires="v">
-                <p:oleObj name="AxMath" r:id="rId20" imgW="1252080" imgH="196560" progId="Equation.AxMath">
+                <p:oleObj name="AxMath" r:id="rId18" imgW="1252080" imgH="196560" progId="Equation.AxMath">
                   <p:embed/>
                 </p:oleObj>
               </mc:Choice>
               <mc:Fallback>
-                <p:oleObj name="AxMath" r:id="rId20" imgW="1252080" imgH="196560" progId="Equation.AxMath">
+                <p:oleObj name="AxMath" r:id="rId18" imgW="1252080" imgH="196560" progId="Equation.AxMath">
                   <p:embed/>
                   <p:pic>
                     <p:nvPicPr>
@@ -36014,7 +36217,7 @@
                       <p:nvPr/>
                     </p:nvPicPr>
                     <p:blipFill>
-                      <a:blip r:embed="rId21"/>
+                      <a:blip r:embed="rId19"/>
                       <a:stretch>
                         <a:fillRect/>
                       </a:stretch>
@@ -36063,12 +36266,12 @@
           <a:graphicData uri="http://schemas.openxmlformats.org/presentationml/2006/ole">
             <mc:AlternateContent xmlns:mc="http://schemas.openxmlformats.org/markup-compatibility/2006">
               <mc:Choice xmlns:v="urn:schemas-microsoft-com:vml" Requires="v">
-                <p:oleObj name="AxMath" r:id="rId22" imgW="1540440" imgH="196560" progId="Equation.AxMath">
+                <p:oleObj name="AxMath" r:id="rId20" imgW="1540440" imgH="196560" progId="Equation.AxMath">
                   <p:embed/>
                 </p:oleObj>
               </mc:Choice>
               <mc:Fallback>
-                <p:oleObj name="AxMath" r:id="rId22" imgW="1540440" imgH="196560" progId="Equation.AxMath">
+                <p:oleObj name="AxMath" r:id="rId20" imgW="1540440" imgH="196560" progId="Equation.AxMath">
                   <p:embed/>
                   <p:pic>
                     <p:nvPicPr>
@@ -36083,7 +36286,7 @@
                       <p:nvPr/>
                     </p:nvPicPr>
                     <p:blipFill>
-                      <a:blip r:embed="rId23"/>
+                      <a:blip r:embed="rId21"/>
                       <a:stretch>
                         <a:fillRect/>
                       </a:stretch>
@@ -36164,7 +36367,7 @@
           <p:nvPr/>
         </p:nvPicPr>
         <p:blipFill rotWithShape="1">
-          <a:blip r:embed="rId24"/>
+          <a:blip r:embed="rId22"/>
           <a:srcRect b="10804"/>
           <a:stretch/>
         </p:blipFill>
@@ -36452,7 +36655,7 @@
           <p:nvPr/>
         </p:nvPicPr>
         <p:blipFill>
-          <a:blip r:embed="rId25"/>
+          <a:blip r:embed="rId23"/>
           <a:stretch>
             <a:fillRect/>
           </a:stretch>
@@ -36482,7 +36685,7 @@
           <p:nvPr/>
         </p:nvPicPr>
         <p:blipFill>
-          <a:blip r:embed="rId26"/>
+          <a:blip r:embed="rId24"/>
           <a:stretch>
             <a:fillRect/>
           </a:stretch>
@@ -36512,7 +36715,7 @@
           <p:nvPr/>
         </p:nvPicPr>
         <p:blipFill>
-          <a:blip r:embed="rId27"/>
+          <a:blip r:embed="rId25"/>
           <a:stretch>
             <a:fillRect/>
           </a:stretch>
@@ -36542,10 +36745,10 @@
           <p:nvPr/>
         </p:nvPicPr>
         <p:blipFill>
-          <a:blip r:embed="rId28">
+          <a:blip r:embed="rId26">
             <a:extLst>
               <a:ext uri="{96DAC541-7B7A-43D3-8B79-37D633B846F1}">
-                <asvg:svgBlip xmlns:asvg="http://schemas.microsoft.com/office/drawing/2016/SVG/main" r:embed="rId29"/>
+                <asvg:svgBlip xmlns:asvg="http://schemas.microsoft.com/office/drawing/2016/SVG/main" r:embed="rId27"/>
               </a:ext>
             </a:extLst>
           </a:blip>
@@ -36563,6 +36766,75 @@
           </a:prstGeom>
         </p:spPr>
       </p:pic>
+      <p:graphicFrame>
+        <p:nvGraphicFramePr>
+          <p:cNvPr id="8" name="对象 7">
+            <a:extLst>
+              <a:ext uri="{FF2B5EF4-FFF2-40B4-BE49-F238E27FC236}">
+                <a16:creationId xmlns:a16="http://schemas.microsoft.com/office/drawing/2014/main" id="{4124A193-C178-C1CB-0894-D96D272A7721}"/>
+              </a:ext>
+            </a:extLst>
+          </p:cNvPr>
+          <p:cNvGraphicFramePr>
+            <a:graphicFrameLocks noChangeAspect="1"/>
+          </p:cNvGraphicFramePr>
+          <p:nvPr>
+            <p:extLst>
+              <p:ext uri="{D42A27DB-BD31-4B8C-83A1-F6EECF244321}">
+                <p14:modId xmlns:p14="http://schemas.microsoft.com/office/powerpoint/2010/main" val="2841469820"/>
+              </p:ext>
+            </p:extLst>
+          </p:nvPr>
+        </p:nvGraphicFramePr>
+        <p:xfrm>
+          <a:off x="9239250" y="3506788"/>
+          <a:ext cx="1622425" cy="714375"/>
+        </p:xfrm>
+        <a:graphic>
+          <a:graphicData uri="http://schemas.openxmlformats.org/presentationml/2006/ole">
+            <mc:AlternateContent xmlns:mc="http://schemas.openxmlformats.org/markup-compatibility/2006">
+              <mc:Choice xmlns:v="urn:schemas-microsoft-com:vml" Requires="v">
+                <p:oleObj name="AxMath" r:id="rId28" imgW="811080" imgH="357480" progId="Equation.AxMath">
+                  <p:embed/>
+                </p:oleObj>
+              </mc:Choice>
+              <mc:Fallback>
+                <p:oleObj name="AxMath" r:id="rId28" imgW="811080" imgH="357480" progId="Equation.AxMath">
+                  <p:embed/>
+                  <p:pic>
+                    <p:nvPicPr>
+                      <p:cNvPr id="13" name="对象 12">
+                        <a:extLst>
+                          <a:ext uri="{FF2B5EF4-FFF2-40B4-BE49-F238E27FC236}">
+                            <a16:creationId xmlns:a16="http://schemas.microsoft.com/office/drawing/2014/main" id="{99496849-B549-5AF8-7147-7430F1679E04}"/>
+                          </a:ext>
+                        </a:extLst>
+                      </p:cNvPr>
+                      <p:cNvPicPr/>
+                      <p:nvPr/>
+                    </p:nvPicPr>
+                    <p:blipFill>
+                      <a:blip r:embed="rId29"/>
+                      <a:stretch>
+                        <a:fillRect/>
+                      </a:stretch>
+                    </p:blipFill>
+                    <p:spPr>
+                      <a:xfrm>
+                        <a:off x="9239250" y="3506788"/>
+                        <a:ext cx="1622425" cy="714375"/>
+                      </a:xfrm>
+                      <a:prstGeom prst="rect">
+                        <a:avLst/>
+                      </a:prstGeom>
+                    </p:spPr>
+                  </p:pic>
+                </p:oleObj>
+              </mc:Fallback>
+            </mc:AlternateContent>
+          </a:graphicData>
+        </a:graphic>
+      </p:graphicFrame>
     </p:spTree>
     <p:extLst>
       <p:ext uri="{BB962C8B-B14F-4D97-AF65-F5344CB8AC3E}">
